--- a/docs/infrastructures_cloud_et_microservices.pptx
+++ b/docs/infrastructures_cloud_et_microservices.pptx
@@ -7,9 +7,19 @@
   </p:sldMasterIdLst>
   <p:sldIdLst>
     <p:sldId id="256" r:id="rId4"/>
+    <p:sldId id="257" r:id="rId5"/>
+    <p:sldId id="258" r:id="rId6"/>
+    <p:sldId id="259" r:id="rId7"/>
+    <p:sldId id="260" r:id="rId8"/>
+    <p:sldId id="261" r:id="rId9"/>
+    <p:sldId id="262" r:id="rId10"/>
+    <p:sldId id="263" r:id="rId11"/>
+    <p:sldId id="264" r:id="rId12"/>
+    <p:sldId id="265" r:id="rId13"/>
+    <p:sldId id="266" r:id="rId14"/>
   </p:sldIdLst>
   <p:sldSz cx="9144000" cy="6858000"/>
-  <p:notesSz cx="6858000" cy="9144000"/>
+  <p:notesSz cx="7559675" cy="10691812"/>
 </p:presentation>
 </file>
 
@@ -65,7 +75,7 @@
         <p:spPr>
           <a:xfrm>
             <a:off x="457200" y="274680"/>
-            <a:ext cx="8228880" cy="1142280"/>
+            <a:ext cx="8228520" cy="1141920"/>
           </a:xfrm>
           <a:prstGeom prst="rect">
             <a:avLst/>
@@ -94,7 +104,7 @@
         <p:spPr>
           <a:xfrm>
             <a:off x="457200" y="1604520"/>
-            <a:ext cx="8229240" cy="1896840"/>
+            <a:ext cx="8228880" cy="1896840"/>
           </a:xfrm>
           <a:prstGeom prst="rect">
             <a:avLst/>
@@ -124,7 +134,7 @@
         <p:spPr>
           <a:xfrm>
             <a:off x="457200" y="3682080"/>
-            <a:ext cx="8229240" cy="1896840"/>
+            <a:ext cx="8228880" cy="1896840"/>
           </a:xfrm>
           <a:prstGeom prst="rect">
             <a:avLst/>
@@ -176,7 +186,7 @@
         <p:spPr>
           <a:xfrm>
             <a:off x="457200" y="274680"/>
-            <a:ext cx="8228880" cy="1142280"/>
+            <a:ext cx="8228520" cy="1141920"/>
           </a:xfrm>
           <a:prstGeom prst="rect">
             <a:avLst/>
@@ -205,7 +215,7 @@
         <p:spPr>
           <a:xfrm>
             <a:off x="457200" y="1604520"/>
-            <a:ext cx="4015800" cy="1896840"/>
+            <a:ext cx="4015440" cy="1896840"/>
           </a:xfrm>
           <a:prstGeom prst="rect">
             <a:avLst/>
@@ -234,8 +244,8 @@
         </p:nvSpPr>
         <p:spPr>
           <a:xfrm>
-            <a:off x="4674240" y="1604520"/>
-            <a:ext cx="4015800" cy="1896840"/>
+            <a:off x="4673880" y="1604520"/>
+            <a:ext cx="4015440" cy="1896840"/>
           </a:xfrm>
           <a:prstGeom prst="rect">
             <a:avLst/>
@@ -264,8 +274,8 @@
         </p:nvSpPr>
         <p:spPr>
           <a:xfrm>
-            <a:off x="4674240" y="3682080"/>
-            <a:ext cx="4015800" cy="1896840"/>
+            <a:off x="4673880" y="3682080"/>
+            <a:ext cx="4015440" cy="1896840"/>
           </a:xfrm>
           <a:prstGeom prst="rect">
             <a:avLst/>
@@ -295,7 +305,7 @@
         <p:spPr>
           <a:xfrm>
             <a:off x="457200" y="3682080"/>
-            <a:ext cx="4015800" cy="1896840"/>
+            <a:ext cx="4015440" cy="1896840"/>
           </a:xfrm>
           <a:prstGeom prst="rect">
             <a:avLst/>
@@ -347,7 +357,7 @@
         <p:spPr>
           <a:xfrm>
             <a:off x="457200" y="274680"/>
-            <a:ext cx="8228880" cy="1142280"/>
+            <a:ext cx="8228520" cy="1141920"/>
           </a:xfrm>
           <a:prstGeom prst="rect">
             <a:avLst/>
@@ -589,7 +599,7 @@
       </p:grpSpPr>
       <p:sp>
         <p:nvSpPr>
-          <p:cNvPr id="40" name="PlaceHolder 1"/>
+          <p:cNvPr id="43" name="PlaceHolder 1"/>
           <p:cNvSpPr>
             <a:spLocks noGrp="1"/>
           </p:cNvSpPr>
@@ -600,7 +610,7 @@
         <p:spPr>
           <a:xfrm>
             <a:off x="457200" y="274680"/>
-            <a:ext cx="8228880" cy="1142280"/>
+            <a:ext cx="8228520" cy="1141920"/>
           </a:xfrm>
           <a:prstGeom prst="rect">
             <a:avLst/>
@@ -618,7 +628,7 @@
       </p:sp>
       <p:sp>
         <p:nvSpPr>
-          <p:cNvPr id="41" name="PlaceHolder 2"/>
+          <p:cNvPr id="44" name="PlaceHolder 2"/>
           <p:cNvSpPr>
             <a:spLocks noGrp="1"/>
           </p:cNvSpPr>
@@ -629,7 +639,7 @@
         <p:spPr>
           <a:xfrm>
             <a:off x="457200" y="1604520"/>
-            <a:ext cx="8229240" cy="3977280"/>
+            <a:ext cx="8228880" cy="3976920"/>
           </a:xfrm>
           <a:prstGeom prst="rect">
             <a:avLst/>
@@ -669,7 +679,7 @@
       </p:grpSpPr>
       <p:sp>
         <p:nvSpPr>
-          <p:cNvPr id="42" name="PlaceHolder 1"/>
+          <p:cNvPr id="45" name="PlaceHolder 1"/>
           <p:cNvSpPr>
             <a:spLocks noGrp="1"/>
           </p:cNvSpPr>
@@ -680,7 +690,7 @@
         <p:spPr>
           <a:xfrm>
             <a:off x="457200" y="274680"/>
-            <a:ext cx="8228880" cy="1142280"/>
+            <a:ext cx="8228520" cy="1141920"/>
           </a:xfrm>
           <a:prstGeom prst="rect">
             <a:avLst/>
@@ -698,7 +708,7 @@
       </p:sp>
       <p:sp>
         <p:nvSpPr>
-          <p:cNvPr id="43" name="PlaceHolder 2"/>
+          <p:cNvPr id="46" name="PlaceHolder 2"/>
           <p:cNvSpPr>
             <a:spLocks noGrp="1"/>
           </p:cNvSpPr>
@@ -709,7 +719,7 @@
         <p:spPr>
           <a:xfrm>
             <a:off x="457200" y="1604520"/>
-            <a:ext cx="8229240" cy="3977280"/>
+            <a:ext cx="8228880" cy="3976920"/>
           </a:xfrm>
           <a:prstGeom prst="rect">
             <a:avLst/>
@@ -750,7 +760,7 @@
       </p:grpSpPr>
       <p:sp>
         <p:nvSpPr>
-          <p:cNvPr id="44" name="PlaceHolder 1"/>
+          <p:cNvPr id="47" name="PlaceHolder 1"/>
           <p:cNvSpPr>
             <a:spLocks noGrp="1"/>
           </p:cNvSpPr>
@@ -761,7 +771,7 @@
         <p:spPr>
           <a:xfrm>
             <a:off x="457200" y="274680"/>
-            <a:ext cx="8228880" cy="1142280"/>
+            <a:ext cx="8228520" cy="1141920"/>
           </a:xfrm>
           <a:prstGeom prst="rect">
             <a:avLst/>
@@ -779,7 +789,7 @@
       </p:sp>
       <p:sp>
         <p:nvSpPr>
-          <p:cNvPr id="45" name="PlaceHolder 2"/>
+          <p:cNvPr id="48" name="PlaceHolder 2"/>
           <p:cNvSpPr>
             <a:spLocks noGrp="1"/>
           </p:cNvSpPr>
@@ -790,7 +800,7 @@
         <p:spPr>
           <a:xfrm>
             <a:off x="457200" y="1604520"/>
-            <a:ext cx="4015800" cy="3977280"/>
+            <a:ext cx="4015440" cy="3976920"/>
           </a:xfrm>
           <a:prstGeom prst="rect">
             <a:avLst/>
@@ -809,7 +819,7 @@
       </p:sp>
       <p:sp>
         <p:nvSpPr>
-          <p:cNvPr id="46" name="PlaceHolder 3"/>
+          <p:cNvPr id="49" name="PlaceHolder 3"/>
           <p:cNvSpPr>
             <a:spLocks noGrp="1"/>
           </p:cNvSpPr>
@@ -819,8 +829,8 @@
         </p:nvSpPr>
         <p:spPr>
           <a:xfrm>
-            <a:off x="4674240" y="1604520"/>
-            <a:ext cx="4015800" cy="3977280"/>
+            <a:off x="4673880" y="1604520"/>
+            <a:ext cx="4015440" cy="3976920"/>
           </a:xfrm>
           <a:prstGeom prst="rect">
             <a:avLst/>
@@ -861,7 +871,7 @@
       </p:grpSpPr>
       <p:sp>
         <p:nvSpPr>
-          <p:cNvPr id="47" name="PlaceHolder 1"/>
+          <p:cNvPr id="50" name="PlaceHolder 1"/>
           <p:cNvSpPr>
             <a:spLocks noGrp="1"/>
           </p:cNvSpPr>
@@ -872,7 +882,7 @@
         <p:spPr>
           <a:xfrm>
             <a:off x="457200" y="274680"/>
-            <a:ext cx="8228880" cy="1142280"/>
+            <a:ext cx="8228520" cy="1141920"/>
           </a:xfrm>
           <a:prstGeom prst="rect">
             <a:avLst/>
@@ -912,7 +922,7 @@
       </p:grpSpPr>
       <p:sp>
         <p:nvSpPr>
-          <p:cNvPr id="48" name="PlaceHolder 1"/>
+          <p:cNvPr id="51" name="PlaceHolder 1"/>
           <p:cNvSpPr>
             <a:spLocks noGrp="1"/>
           </p:cNvSpPr>
@@ -923,7 +933,7 @@
         <p:spPr>
           <a:xfrm>
             <a:off x="457200" y="274680"/>
-            <a:ext cx="8228880" cy="5296320"/>
+            <a:ext cx="8228520" cy="5294520"/>
           </a:xfrm>
           <a:prstGeom prst="rect">
             <a:avLst/>
@@ -963,7 +973,7 @@
       </p:grpSpPr>
       <p:sp>
         <p:nvSpPr>
-          <p:cNvPr id="49" name="PlaceHolder 1"/>
+          <p:cNvPr id="52" name="PlaceHolder 1"/>
           <p:cNvSpPr>
             <a:spLocks noGrp="1"/>
           </p:cNvSpPr>
@@ -974,7 +984,7 @@
         <p:spPr>
           <a:xfrm>
             <a:off x="457200" y="274680"/>
-            <a:ext cx="8228880" cy="1142280"/>
+            <a:ext cx="8228520" cy="1141920"/>
           </a:xfrm>
           <a:prstGeom prst="rect">
             <a:avLst/>
@@ -992,7 +1002,7 @@
       </p:sp>
       <p:sp>
         <p:nvSpPr>
-          <p:cNvPr id="50" name="PlaceHolder 2"/>
+          <p:cNvPr id="53" name="PlaceHolder 2"/>
           <p:cNvSpPr>
             <a:spLocks noGrp="1"/>
           </p:cNvSpPr>
@@ -1003,7 +1013,7 @@
         <p:spPr>
           <a:xfrm>
             <a:off x="457200" y="1604520"/>
-            <a:ext cx="4015800" cy="1896840"/>
+            <a:ext cx="4015440" cy="1896840"/>
           </a:xfrm>
           <a:prstGeom prst="rect">
             <a:avLst/>
@@ -1022,7 +1032,7 @@
       </p:sp>
       <p:sp>
         <p:nvSpPr>
-          <p:cNvPr id="51" name="PlaceHolder 3"/>
+          <p:cNvPr id="54" name="PlaceHolder 3"/>
           <p:cNvSpPr>
             <a:spLocks noGrp="1"/>
           </p:cNvSpPr>
@@ -1033,7 +1043,7 @@
         <p:spPr>
           <a:xfrm>
             <a:off x="457200" y="3682080"/>
-            <a:ext cx="4015800" cy="1896840"/>
+            <a:ext cx="4015440" cy="1896840"/>
           </a:xfrm>
           <a:prstGeom prst="rect">
             <a:avLst/>
@@ -1052,7 +1062,7 @@
       </p:sp>
       <p:sp>
         <p:nvSpPr>
-          <p:cNvPr id="52" name="PlaceHolder 4"/>
+          <p:cNvPr id="55" name="PlaceHolder 4"/>
           <p:cNvSpPr>
             <a:spLocks noGrp="1"/>
           </p:cNvSpPr>
@@ -1062,8 +1072,8 @@
         </p:nvSpPr>
         <p:spPr>
           <a:xfrm>
-            <a:off x="4674240" y="1604520"/>
-            <a:ext cx="4015800" cy="3977280"/>
+            <a:off x="4673880" y="1604520"/>
+            <a:ext cx="4015440" cy="3976920"/>
           </a:xfrm>
           <a:prstGeom prst="rect">
             <a:avLst/>
@@ -1115,7 +1125,7 @@
         <p:spPr>
           <a:xfrm>
             <a:off x="457200" y="274680"/>
-            <a:ext cx="8228880" cy="1142280"/>
+            <a:ext cx="8228520" cy="1141920"/>
           </a:xfrm>
           <a:prstGeom prst="rect">
             <a:avLst/>
@@ -1144,7 +1154,7 @@
         <p:spPr>
           <a:xfrm>
             <a:off x="457200" y="1604520"/>
-            <a:ext cx="8229240" cy="3977280"/>
+            <a:ext cx="8228880" cy="3976920"/>
           </a:xfrm>
           <a:prstGeom prst="rect">
             <a:avLst/>
@@ -1184,7 +1194,7 @@
       </p:grpSpPr>
       <p:sp>
         <p:nvSpPr>
-          <p:cNvPr id="53" name="PlaceHolder 1"/>
+          <p:cNvPr id="56" name="PlaceHolder 1"/>
           <p:cNvSpPr>
             <a:spLocks noGrp="1"/>
           </p:cNvSpPr>
@@ -1195,7 +1205,7 @@
         <p:spPr>
           <a:xfrm>
             <a:off x="457200" y="274680"/>
-            <a:ext cx="8228880" cy="1142280"/>
+            <a:ext cx="8228520" cy="1141920"/>
           </a:xfrm>
           <a:prstGeom prst="rect">
             <a:avLst/>
@@ -1213,7 +1223,7 @@
       </p:sp>
       <p:sp>
         <p:nvSpPr>
-          <p:cNvPr id="54" name="PlaceHolder 2"/>
+          <p:cNvPr id="57" name="PlaceHolder 2"/>
           <p:cNvSpPr>
             <a:spLocks noGrp="1"/>
           </p:cNvSpPr>
@@ -1224,7 +1234,7 @@
         <p:spPr>
           <a:xfrm>
             <a:off x="457200" y="1604520"/>
-            <a:ext cx="4015800" cy="3977280"/>
+            <a:ext cx="4015440" cy="3976920"/>
           </a:xfrm>
           <a:prstGeom prst="rect">
             <a:avLst/>
@@ -1243,7 +1253,7 @@
       </p:sp>
       <p:sp>
         <p:nvSpPr>
-          <p:cNvPr id="55" name="PlaceHolder 3"/>
+          <p:cNvPr id="58" name="PlaceHolder 3"/>
           <p:cNvSpPr>
             <a:spLocks noGrp="1"/>
           </p:cNvSpPr>
@@ -1253,8 +1263,8 @@
         </p:nvSpPr>
         <p:spPr>
           <a:xfrm>
-            <a:off x="4674240" y="1604520"/>
-            <a:ext cx="4015800" cy="1896840"/>
+            <a:off x="4673880" y="1604520"/>
+            <a:ext cx="4015440" cy="1896840"/>
           </a:xfrm>
           <a:prstGeom prst="rect">
             <a:avLst/>
@@ -1273,7 +1283,7 @@
       </p:sp>
       <p:sp>
         <p:nvSpPr>
-          <p:cNvPr id="56" name="PlaceHolder 4"/>
+          <p:cNvPr id="59" name="PlaceHolder 4"/>
           <p:cNvSpPr>
             <a:spLocks noGrp="1"/>
           </p:cNvSpPr>
@@ -1283,8 +1293,8 @@
         </p:nvSpPr>
         <p:spPr>
           <a:xfrm>
-            <a:off x="4674240" y="3682080"/>
-            <a:ext cx="4015800" cy="1896840"/>
+            <a:off x="4673880" y="3682080"/>
+            <a:ext cx="4015440" cy="1896840"/>
           </a:xfrm>
           <a:prstGeom prst="rect">
             <a:avLst/>
@@ -1325,7 +1335,7 @@
       </p:grpSpPr>
       <p:sp>
         <p:nvSpPr>
-          <p:cNvPr id="57" name="PlaceHolder 1"/>
+          <p:cNvPr id="60" name="PlaceHolder 1"/>
           <p:cNvSpPr>
             <a:spLocks noGrp="1"/>
           </p:cNvSpPr>
@@ -1336,7 +1346,7 @@
         <p:spPr>
           <a:xfrm>
             <a:off x="457200" y="274680"/>
-            <a:ext cx="8228880" cy="1142280"/>
+            <a:ext cx="8228520" cy="1141920"/>
           </a:xfrm>
           <a:prstGeom prst="rect">
             <a:avLst/>
@@ -1354,7 +1364,7 @@
       </p:sp>
       <p:sp>
         <p:nvSpPr>
-          <p:cNvPr id="58" name="PlaceHolder 2"/>
+          <p:cNvPr id="61" name="PlaceHolder 2"/>
           <p:cNvSpPr>
             <a:spLocks noGrp="1"/>
           </p:cNvSpPr>
@@ -1365,7 +1375,7 @@
         <p:spPr>
           <a:xfrm>
             <a:off x="457200" y="1604520"/>
-            <a:ext cx="4015800" cy="1896840"/>
+            <a:ext cx="4015440" cy="1896840"/>
           </a:xfrm>
           <a:prstGeom prst="rect">
             <a:avLst/>
@@ -1384,7 +1394,7 @@
       </p:sp>
       <p:sp>
         <p:nvSpPr>
-          <p:cNvPr id="59" name="PlaceHolder 3"/>
+          <p:cNvPr id="62" name="PlaceHolder 3"/>
           <p:cNvSpPr>
             <a:spLocks noGrp="1"/>
           </p:cNvSpPr>
@@ -1394,8 +1404,8 @@
         </p:nvSpPr>
         <p:spPr>
           <a:xfrm>
-            <a:off x="4674240" y="1604520"/>
-            <a:ext cx="4015800" cy="1896840"/>
+            <a:off x="4673880" y="1604520"/>
+            <a:ext cx="4015440" cy="1896840"/>
           </a:xfrm>
           <a:prstGeom prst="rect">
             <a:avLst/>
@@ -1414,7 +1424,7 @@
       </p:sp>
       <p:sp>
         <p:nvSpPr>
-          <p:cNvPr id="60" name="PlaceHolder 4"/>
+          <p:cNvPr id="63" name="PlaceHolder 4"/>
           <p:cNvSpPr>
             <a:spLocks noGrp="1"/>
           </p:cNvSpPr>
@@ -1425,7 +1435,7 @@
         <p:spPr>
           <a:xfrm>
             <a:off x="457200" y="3682080"/>
-            <a:ext cx="8229240" cy="1896840"/>
+            <a:ext cx="8228880" cy="1896840"/>
           </a:xfrm>
           <a:prstGeom prst="rect">
             <a:avLst/>
@@ -1466,7 +1476,7 @@
       </p:grpSpPr>
       <p:sp>
         <p:nvSpPr>
-          <p:cNvPr id="61" name="PlaceHolder 1"/>
+          <p:cNvPr id="64" name="PlaceHolder 1"/>
           <p:cNvSpPr>
             <a:spLocks noGrp="1"/>
           </p:cNvSpPr>
@@ -1477,7 +1487,7 @@
         <p:spPr>
           <a:xfrm>
             <a:off x="457200" y="274680"/>
-            <a:ext cx="8228880" cy="1142280"/>
+            <a:ext cx="8228520" cy="1141920"/>
           </a:xfrm>
           <a:prstGeom prst="rect">
             <a:avLst/>
@@ -1495,7 +1505,7 @@
       </p:sp>
       <p:sp>
         <p:nvSpPr>
-          <p:cNvPr id="62" name="PlaceHolder 2"/>
+          <p:cNvPr id="65" name="PlaceHolder 2"/>
           <p:cNvSpPr>
             <a:spLocks noGrp="1"/>
           </p:cNvSpPr>
@@ -1506,7 +1516,7 @@
         <p:spPr>
           <a:xfrm>
             <a:off x="457200" y="1604520"/>
-            <a:ext cx="8229240" cy="1896840"/>
+            <a:ext cx="8228880" cy="1896840"/>
           </a:xfrm>
           <a:prstGeom prst="rect">
             <a:avLst/>
@@ -1525,7 +1535,7 @@
       </p:sp>
       <p:sp>
         <p:nvSpPr>
-          <p:cNvPr id="63" name="PlaceHolder 3"/>
+          <p:cNvPr id="66" name="PlaceHolder 3"/>
           <p:cNvSpPr>
             <a:spLocks noGrp="1"/>
           </p:cNvSpPr>
@@ -1536,7 +1546,7 @@
         <p:spPr>
           <a:xfrm>
             <a:off x="457200" y="3682080"/>
-            <a:ext cx="8229240" cy="1896840"/>
+            <a:ext cx="8228880" cy="1896840"/>
           </a:xfrm>
           <a:prstGeom prst="rect">
             <a:avLst/>
@@ -1577,7 +1587,7 @@
       </p:grpSpPr>
       <p:sp>
         <p:nvSpPr>
-          <p:cNvPr id="64" name="PlaceHolder 1"/>
+          <p:cNvPr id="67" name="PlaceHolder 1"/>
           <p:cNvSpPr>
             <a:spLocks noGrp="1"/>
           </p:cNvSpPr>
@@ -1588,7 +1598,7 @@
         <p:spPr>
           <a:xfrm>
             <a:off x="457200" y="274680"/>
-            <a:ext cx="8228880" cy="1142280"/>
+            <a:ext cx="8228520" cy="1141920"/>
           </a:xfrm>
           <a:prstGeom prst="rect">
             <a:avLst/>
@@ -1606,7 +1616,7 @@
       </p:sp>
       <p:sp>
         <p:nvSpPr>
-          <p:cNvPr id="65" name="PlaceHolder 2"/>
+          <p:cNvPr id="68" name="PlaceHolder 2"/>
           <p:cNvSpPr>
             <a:spLocks noGrp="1"/>
           </p:cNvSpPr>
@@ -1617,7 +1627,7 @@
         <p:spPr>
           <a:xfrm>
             <a:off x="457200" y="1604520"/>
-            <a:ext cx="4015800" cy="1896840"/>
+            <a:ext cx="4015440" cy="1896840"/>
           </a:xfrm>
           <a:prstGeom prst="rect">
             <a:avLst/>
@@ -1636,7 +1646,7 @@
       </p:sp>
       <p:sp>
         <p:nvSpPr>
-          <p:cNvPr id="66" name="PlaceHolder 3"/>
+          <p:cNvPr id="69" name="PlaceHolder 3"/>
           <p:cNvSpPr>
             <a:spLocks noGrp="1"/>
           </p:cNvSpPr>
@@ -1646,8 +1656,8 @@
         </p:nvSpPr>
         <p:spPr>
           <a:xfrm>
-            <a:off x="4674240" y="1604520"/>
-            <a:ext cx="4015800" cy="1896840"/>
+            <a:off x="4673880" y="1604520"/>
+            <a:ext cx="4015440" cy="1896840"/>
           </a:xfrm>
           <a:prstGeom prst="rect">
             <a:avLst/>
@@ -1666,7 +1676,7 @@
       </p:sp>
       <p:sp>
         <p:nvSpPr>
-          <p:cNvPr id="67" name="PlaceHolder 4"/>
+          <p:cNvPr id="70" name="PlaceHolder 4"/>
           <p:cNvSpPr>
             <a:spLocks noGrp="1"/>
           </p:cNvSpPr>
@@ -1676,8 +1686,8 @@
         </p:nvSpPr>
         <p:spPr>
           <a:xfrm>
-            <a:off x="4674240" y="3682080"/>
-            <a:ext cx="4015800" cy="1896840"/>
+            <a:off x="4673880" y="3682080"/>
+            <a:ext cx="4015440" cy="1896840"/>
           </a:xfrm>
           <a:prstGeom prst="rect">
             <a:avLst/>
@@ -1696,7 +1706,7 @@
       </p:sp>
       <p:sp>
         <p:nvSpPr>
-          <p:cNvPr id="68" name="PlaceHolder 5"/>
+          <p:cNvPr id="71" name="PlaceHolder 5"/>
           <p:cNvSpPr>
             <a:spLocks noGrp="1"/>
           </p:cNvSpPr>
@@ -1707,7 +1717,7 @@
         <p:spPr>
           <a:xfrm>
             <a:off x="457200" y="3682080"/>
-            <a:ext cx="4015800" cy="1896840"/>
+            <a:ext cx="4015440" cy="1896840"/>
           </a:xfrm>
           <a:prstGeom prst="rect">
             <a:avLst/>
@@ -1748,7 +1758,7 @@
       </p:grpSpPr>
       <p:sp>
         <p:nvSpPr>
-          <p:cNvPr id="69" name="PlaceHolder 1"/>
+          <p:cNvPr id="72" name="PlaceHolder 1"/>
           <p:cNvSpPr>
             <a:spLocks noGrp="1"/>
           </p:cNvSpPr>
@@ -1759,7 +1769,7 @@
         <p:spPr>
           <a:xfrm>
             <a:off x="457200" y="274680"/>
-            <a:ext cx="8228880" cy="1142280"/>
+            <a:ext cx="8228520" cy="1141920"/>
           </a:xfrm>
           <a:prstGeom prst="rect">
             <a:avLst/>
@@ -1777,7 +1787,7 @@
       </p:sp>
       <p:sp>
         <p:nvSpPr>
-          <p:cNvPr id="70" name="PlaceHolder 2"/>
+          <p:cNvPr id="73" name="PlaceHolder 2"/>
           <p:cNvSpPr>
             <a:spLocks noGrp="1"/>
           </p:cNvSpPr>
@@ -1807,7 +1817,7 @@
       </p:sp>
       <p:sp>
         <p:nvSpPr>
-          <p:cNvPr id="71" name="PlaceHolder 3"/>
+          <p:cNvPr id="74" name="PlaceHolder 3"/>
           <p:cNvSpPr>
             <a:spLocks noGrp="1"/>
           </p:cNvSpPr>
@@ -1837,7 +1847,7 @@
       </p:sp>
       <p:sp>
         <p:nvSpPr>
-          <p:cNvPr id="72" name="PlaceHolder 4"/>
+          <p:cNvPr id="75" name="PlaceHolder 4"/>
           <p:cNvSpPr>
             <a:spLocks noGrp="1"/>
           </p:cNvSpPr>
@@ -1867,7 +1877,7 @@
       </p:sp>
       <p:sp>
         <p:nvSpPr>
-          <p:cNvPr id="73" name="PlaceHolder 5"/>
+          <p:cNvPr id="76" name="PlaceHolder 5"/>
           <p:cNvSpPr>
             <a:spLocks noGrp="1"/>
           </p:cNvSpPr>
@@ -1897,7 +1907,7 @@
       </p:sp>
       <p:sp>
         <p:nvSpPr>
-          <p:cNvPr id="74" name="PlaceHolder 6"/>
+          <p:cNvPr id="77" name="PlaceHolder 6"/>
           <p:cNvSpPr>
             <a:spLocks noGrp="1"/>
           </p:cNvSpPr>
@@ -1927,7 +1937,7 @@
       </p:sp>
       <p:sp>
         <p:nvSpPr>
-          <p:cNvPr id="75" name="PlaceHolder 7"/>
+          <p:cNvPr id="78" name="PlaceHolder 7"/>
           <p:cNvSpPr>
             <a:spLocks noGrp="1"/>
           </p:cNvSpPr>
@@ -1990,7 +2000,7 @@
         <p:spPr>
           <a:xfrm>
             <a:off x="457200" y="274680"/>
-            <a:ext cx="8228880" cy="1142280"/>
+            <a:ext cx="8228520" cy="1141920"/>
           </a:xfrm>
           <a:prstGeom prst="rect">
             <a:avLst/>
@@ -2019,7 +2029,7 @@
         <p:spPr>
           <a:xfrm>
             <a:off x="457200" y="1604520"/>
-            <a:ext cx="8229240" cy="3977280"/>
+            <a:ext cx="8228880" cy="3976920"/>
           </a:xfrm>
           <a:prstGeom prst="rect">
             <a:avLst/>
@@ -2071,7 +2081,7 @@
         <p:spPr>
           <a:xfrm>
             <a:off x="457200" y="274680"/>
-            <a:ext cx="8228880" cy="1142280"/>
+            <a:ext cx="8228520" cy="1141920"/>
           </a:xfrm>
           <a:prstGeom prst="rect">
             <a:avLst/>
@@ -2100,7 +2110,7 @@
         <p:spPr>
           <a:xfrm>
             <a:off x="457200" y="1604520"/>
-            <a:ext cx="4015800" cy="3977280"/>
+            <a:ext cx="4015440" cy="3976920"/>
           </a:xfrm>
           <a:prstGeom prst="rect">
             <a:avLst/>
@@ -2129,8 +2139,8 @@
         </p:nvSpPr>
         <p:spPr>
           <a:xfrm>
-            <a:off x="4674240" y="1604520"/>
-            <a:ext cx="4015800" cy="3977280"/>
+            <a:off x="4673880" y="1604520"/>
+            <a:ext cx="4015440" cy="3976920"/>
           </a:xfrm>
           <a:prstGeom prst="rect">
             <a:avLst/>
@@ -2182,7 +2192,7 @@
         <p:spPr>
           <a:xfrm>
             <a:off x="457200" y="274680"/>
-            <a:ext cx="8228880" cy="1142280"/>
+            <a:ext cx="8228520" cy="1141920"/>
           </a:xfrm>
           <a:prstGeom prst="rect">
             <a:avLst/>
@@ -2233,7 +2243,7 @@
         <p:spPr>
           <a:xfrm>
             <a:off x="457200" y="274680"/>
-            <a:ext cx="8228880" cy="5296320"/>
+            <a:ext cx="8228520" cy="5294520"/>
           </a:xfrm>
           <a:prstGeom prst="rect">
             <a:avLst/>
@@ -2284,7 +2294,7 @@
         <p:spPr>
           <a:xfrm>
             <a:off x="457200" y="274680"/>
-            <a:ext cx="8228880" cy="1142280"/>
+            <a:ext cx="8228520" cy="1141920"/>
           </a:xfrm>
           <a:prstGeom prst="rect">
             <a:avLst/>
@@ -2313,7 +2323,7 @@
         <p:spPr>
           <a:xfrm>
             <a:off x="457200" y="1604520"/>
-            <a:ext cx="4015800" cy="1896840"/>
+            <a:ext cx="4015440" cy="1896840"/>
           </a:xfrm>
           <a:prstGeom prst="rect">
             <a:avLst/>
@@ -2343,7 +2353,7 @@
         <p:spPr>
           <a:xfrm>
             <a:off x="457200" y="3682080"/>
-            <a:ext cx="4015800" cy="1896840"/>
+            <a:ext cx="4015440" cy="1896840"/>
           </a:xfrm>
           <a:prstGeom prst="rect">
             <a:avLst/>
@@ -2372,8 +2382,8 @@
         </p:nvSpPr>
         <p:spPr>
           <a:xfrm>
-            <a:off x="4674240" y="1604520"/>
-            <a:ext cx="4015800" cy="3977280"/>
+            <a:off x="4673880" y="1604520"/>
+            <a:ext cx="4015440" cy="3976920"/>
           </a:xfrm>
           <a:prstGeom prst="rect">
             <a:avLst/>
@@ -2425,7 +2435,7 @@
         <p:spPr>
           <a:xfrm>
             <a:off x="457200" y="274680"/>
-            <a:ext cx="8228880" cy="1142280"/>
+            <a:ext cx="8228520" cy="1141920"/>
           </a:xfrm>
           <a:prstGeom prst="rect">
             <a:avLst/>
@@ -2454,7 +2464,7 @@
         <p:spPr>
           <a:xfrm>
             <a:off x="457200" y="1604520"/>
-            <a:ext cx="4015800" cy="3977280"/>
+            <a:ext cx="4015440" cy="3976920"/>
           </a:xfrm>
           <a:prstGeom prst="rect">
             <a:avLst/>
@@ -2483,8 +2493,8 @@
         </p:nvSpPr>
         <p:spPr>
           <a:xfrm>
-            <a:off x="4674240" y="1604520"/>
-            <a:ext cx="4015800" cy="1896840"/>
+            <a:off x="4673880" y="1604520"/>
+            <a:ext cx="4015440" cy="1896840"/>
           </a:xfrm>
           <a:prstGeom prst="rect">
             <a:avLst/>
@@ -2513,8 +2523,8 @@
         </p:nvSpPr>
         <p:spPr>
           <a:xfrm>
-            <a:off x="4674240" y="3682080"/>
-            <a:ext cx="4015800" cy="1896840"/>
+            <a:off x="4673880" y="3682080"/>
+            <a:ext cx="4015440" cy="1896840"/>
           </a:xfrm>
           <a:prstGeom prst="rect">
             <a:avLst/>
@@ -2566,7 +2576,7 @@
         <p:spPr>
           <a:xfrm>
             <a:off x="457200" y="274680"/>
-            <a:ext cx="8228880" cy="1142280"/>
+            <a:ext cx="8228520" cy="1141920"/>
           </a:xfrm>
           <a:prstGeom prst="rect">
             <a:avLst/>
@@ -2595,7 +2605,7 @@
         <p:spPr>
           <a:xfrm>
             <a:off x="457200" y="1604520"/>
-            <a:ext cx="4015800" cy="1896840"/>
+            <a:ext cx="4015440" cy="1896840"/>
           </a:xfrm>
           <a:prstGeom prst="rect">
             <a:avLst/>
@@ -2624,8 +2634,8 @@
         </p:nvSpPr>
         <p:spPr>
           <a:xfrm>
-            <a:off x="4674240" y="1604520"/>
-            <a:ext cx="4015800" cy="1896840"/>
+            <a:off x="4673880" y="1604520"/>
+            <a:ext cx="4015440" cy="1896840"/>
           </a:xfrm>
           <a:prstGeom prst="rect">
             <a:avLst/>
@@ -2655,7 +2665,7 @@
         <p:spPr>
           <a:xfrm>
             <a:off x="457200" y="3682080"/>
-            <a:ext cx="8229240" cy="1896840"/>
+            <a:ext cx="8228880" cy="1896840"/>
           </a:xfrm>
           <a:prstGeom prst="rect">
             <a:avLst/>
@@ -2714,7 +2724,7 @@
         <p:spPr>
           <a:xfrm>
             <a:off x="457200" y="274680"/>
-            <a:ext cx="8228880" cy="1142280"/>
+            <a:ext cx="8228520" cy="1141920"/>
           </a:xfrm>
           <a:prstGeom prst="rect">
             <a:avLst/>
@@ -2748,7 +2758,7 @@
         <p:spPr>
           <a:xfrm>
             <a:off x="457200" y="1604520"/>
-            <a:ext cx="8229240" cy="3977280"/>
+            <a:ext cx="8228880" cy="3976920"/>
           </a:xfrm>
           <a:prstGeom prst="rect">
             <a:avLst/>
@@ -2771,12 +2781,12 @@
               <a:buChar char=""/>
             </a:pPr>
             <a:r>
-              <a:rPr b="0" lang="fr-FR" sz="3200" spc="-1" strike="noStrike">
+              <a:rPr b="0" lang="fr-FR" sz="1800" spc="-1" strike="noStrike">
                 <a:latin typeface="Arial"/>
               </a:rPr>
               <a:t>Cliquez pour éditer le format du plan de texte</a:t>
             </a:r>
-            <a:endParaRPr b="0" lang="fr-FR" sz="3200" spc="-1" strike="noStrike">
+            <a:endParaRPr b="0" lang="fr-FR" sz="1800" spc="-1" strike="noStrike">
               <a:latin typeface="Arial"/>
             </a:endParaRPr>
           </a:p>
@@ -2793,12 +2803,12 @@
               <a:buChar char=""/>
             </a:pPr>
             <a:r>
-              <a:rPr b="0" lang="fr-FR" sz="2800" spc="-1" strike="noStrike">
+              <a:rPr b="0" lang="fr-FR" sz="1800" spc="-1" strike="noStrike">
                 <a:latin typeface="Arial"/>
               </a:rPr>
               <a:t>Second niveau de plan</a:t>
             </a:r>
-            <a:endParaRPr b="0" lang="fr-FR" sz="2800" spc="-1" strike="noStrike">
+            <a:endParaRPr b="0" lang="fr-FR" sz="1800" spc="-1" strike="noStrike">
               <a:latin typeface="Arial"/>
             </a:endParaRPr>
           </a:p>
@@ -2815,12 +2825,12 @@
               <a:buChar char=""/>
             </a:pPr>
             <a:r>
-              <a:rPr b="0" lang="fr-FR" sz="2400" spc="-1" strike="noStrike">
+              <a:rPr b="0" lang="fr-FR" sz="1800" spc="-1" strike="noStrike">
                 <a:latin typeface="Arial"/>
               </a:rPr>
               <a:t>Troisième niveau de plan</a:t>
             </a:r>
-            <a:endParaRPr b="0" lang="fr-FR" sz="2400" spc="-1" strike="noStrike">
+            <a:endParaRPr b="0" lang="fr-FR" sz="1800" spc="-1" strike="noStrike">
               <a:latin typeface="Arial"/>
             </a:endParaRPr>
           </a:p>
@@ -2837,12 +2847,12 @@
               <a:buChar char=""/>
             </a:pPr>
             <a:r>
-              <a:rPr b="0" lang="fr-FR" sz="2000" spc="-1" strike="noStrike">
+              <a:rPr b="0" lang="fr-FR" sz="1800" spc="-1" strike="noStrike">
                 <a:latin typeface="Arial"/>
               </a:rPr>
               <a:t>Quatrième niveau de plan</a:t>
             </a:r>
-            <a:endParaRPr b="0" lang="fr-FR" sz="2000" spc="-1" strike="noStrike">
+            <a:endParaRPr b="0" lang="fr-FR" sz="1800" spc="-1" strike="noStrike">
               <a:latin typeface="Arial"/>
             </a:endParaRPr>
           </a:p>
@@ -2859,12 +2869,12 @@
               <a:buChar char=""/>
             </a:pPr>
             <a:r>
-              <a:rPr b="0" lang="fr-FR" sz="2000" spc="-1" strike="noStrike">
+              <a:rPr b="0" lang="fr-FR" sz="1800" spc="-1" strike="noStrike">
                 <a:latin typeface="Arial"/>
               </a:rPr>
               <a:t>Cinquième niveau de plan</a:t>
             </a:r>
-            <a:endParaRPr b="0" lang="fr-FR" sz="2000" spc="-1" strike="noStrike">
+            <a:endParaRPr b="0" lang="fr-FR" sz="1800" spc="-1" strike="noStrike">
               <a:latin typeface="Arial"/>
             </a:endParaRPr>
           </a:p>
@@ -2881,12 +2891,12 @@
               <a:buChar char=""/>
             </a:pPr>
             <a:r>
-              <a:rPr b="0" lang="fr-FR" sz="2000" spc="-1" strike="noStrike">
+              <a:rPr b="0" lang="fr-FR" sz="1800" spc="-1" strike="noStrike">
                 <a:latin typeface="Arial"/>
               </a:rPr>
               <a:t>Sixième niveau de plan</a:t>
             </a:r>
-            <a:endParaRPr b="0" lang="fr-FR" sz="2000" spc="-1" strike="noStrike">
+            <a:endParaRPr b="0" lang="fr-FR" sz="1800" spc="-1" strike="noStrike">
               <a:latin typeface="Arial"/>
             </a:endParaRPr>
           </a:p>
@@ -2903,12 +2913,12 @@
               <a:buChar char=""/>
             </a:pPr>
             <a:r>
-              <a:rPr b="0" lang="fr-FR" sz="2000" spc="-1" strike="noStrike">
+              <a:rPr b="0" lang="fr-FR" sz="1800" spc="-1" strike="noStrike">
                 <a:latin typeface="Arial"/>
               </a:rPr>
               <a:t>Septième niveau de plan</a:t>
             </a:r>
-            <a:endParaRPr b="0" lang="fr-FR" sz="2000" spc="-1" strike="noStrike">
+            <a:endParaRPr b="0" lang="fr-FR" sz="1800" spc="-1" strike="noStrike">
               <a:latin typeface="Arial"/>
             </a:endParaRPr>
           </a:p>
@@ -2970,25 +2980,35 @@
         </p:nvSpPr>
         <p:spPr>
           <a:xfrm>
-            <a:off x="457200" y="273600"/>
-            <a:ext cx="8229240" cy="1144800"/>
-          </a:xfrm>
-          <a:prstGeom prst="rect">
-            <a:avLst/>
-          </a:prstGeom>
-        </p:spPr>
-        <p:txBody>
-          <a:bodyPr lIns="0" rIns="0" tIns="0" bIns="0" anchor="ctr"/>
-          <a:p>
-            <a:pPr algn="ctr"/>
+            <a:off x="457200" y="274680"/>
+            <a:ext cx="8229240" cy="1142640"/>
+          </a:xfrm>
+          <a:prstGeom prst="rect">
+            <a:avLst/>
+          </a:prstGeom>
+        </p:spPr>
+        <p:txBody>
+          <a:bodyPr anchor="ctr"/>
+          <a:p>
+            <a:pPr algn="ctr">
+              <a:lnSpc>
+                <a:spcPct val="100000"/>
+              </a:lnSpc>
+            </a:pPr>
             <a:r>
               <a:rPr b="0" lang="fr-FR" sz="4400" spc="-1" strike="noStrike">
-                <a:latin typeface="Arial"/>
-              </a:rPr>
-              <a:t>Cliquez pour éditer le format du texte-titre</a:t>
+                <a:solidFill>
+                  <a:srgbClr val="000000"/>
+                </a:solidFill>
+                <a:latin typeface="Calibri"/>
+              </a:rPr>
+              <a:t>Cliquez pour modifier le style du titre</a:t>
             </a:r>
             <a:endParaRPr b="0" lang="fr-FR" sz="4400" spc="-1" strike="noStrike">
-              <a:latin typeface="Arial"/>
+              <a:solidFill>
+                <a:srgbClr val="000000"/>
+              </a:solidFill>
+              <a:latin typeface="Calibri"/>
             </a:endParaRPr>
           </a:p>
         </p:txBody>
@@ -3005,169 +3025,275 @@
         </p:nvSpPr>
         <p:spPr>
           <a:xfrm>
-            <a:off x="457200" y="1604520"/>
-            <a:ext cx="8229240" cy="3977280"/>
-          </a:xfrm>
-          <a:prstGeom prst="rect">
-            <a:avLst/>
-          </a:prstGeom>
-        </p:spPr>
-        <p:txBody>
-          <a:bodyPr lIns="0" rIns="0" tIns="0" bIns="0">
-            <a:normAutofit/>
-          </a:bodyPr>
-          <a:p>
-            <a:pPr marL="432000" indent="-324000">
+            <a:off x="457200" y="1600200"/>
+            <a:ext cx="8229240" cy="4525560"/>
+          </a:xfrm>
+          <a:prstGeom prst="rect">
+            <a:avLst/>
+          </a:prstGeom>
+        </p:spPr>
+        <p:txBody>
+          <a:bodyPr/>
+          <a:p>
+            <a:pPr marL="343080" indent="-342720">
+              <a:lnSpc>
+                <a:spcPct val="100000"/>
+              </a:lnSpc>
               <a:spcBef>
-                <a:spcPts val="1417"/>
+                <a:spcPts val="641"/>
               </a:spcBef>
               <a:buClr>
                 <a:srgbClr val="000000"/>
               </a:buClr>
-              <a:buSzPct val="45000"/>
-              <a:buFont typeface="Wingdings" charset="2"/>
-              <a:buChar char=""/>
+              <a:buFont typeface="Arial"/>
+              <a:buChar char="•"/>
             </a:pPr>
             <a:r>
               <a:rPr b="0" lang="fr-FR" sz="3200" spc="-1" strike="noStrike">
-                <a:latin typeface="Arial"/>
-              </a:rPr>
-              <a:t>Cliquez pour éditer le format du plan de texte</a:t>
+                <a:solidFill>
+                  <a:srgbClr val="000000"/>
+                </a:solidFill>
+                <a:latin typeface="Calibri"/>
+              </a:rPr>
+              <a:t>Cliquez pour modifier les styles du texte du masque</a:t>
             </a:r>
             <a:endParaRPr b="0" lang="fr-FR" sz="3200" spc="-1" strike="noStrike">
-              <a:latin typeface="Arial"/>
-            </a:endParaRPr>
-          </a:p>
-          <a:p>
-            <a:pPr lvl="1" marL="864000" indent="-324000">
+              <a:solidFill>
+                <a:srgbClr val="000000"/>
+              </a:solidFill>
+              <a:latin typeface="Calibri"/>
+            </a:endParaRPr>
+          </a:p>
+          <a:p>
+            <a:pPr lvl="1" marL="743040" indent="-285480">
+              <a:lnSpc>
+                <a:spcPct val="100000"/>
+              </a:lnSpc>
               <a:spcBef>
-                <a:spcPts val="1134"/>
+                <a:spcPts val="561"/>
               </a:spcBef>
               <a:buClr>
                 <a:srgbClr val="000000"/>
               </a:buClr>
-              <a:buSzPct val="75000"/>
-              <a:buFont typeface="Symbol" charset="2"/>
-              <a:buChar char=""/>
+              <a:buFont typeface="Arial"/>
+              <a:buChar char="–"/>
             </a:pPr>
             <a:r>
               <a:rPr b="0" lang="fr-FR" sz="2800" spc="-1" strike="noStrike">
-                <a:latin typeface="Arial"/>
-              </a:rPr>
-              <a:t>Second niveau de plan</a:t>
+                <a:solidFill>
+                  <a:srgbClr val="000000"/>
+                </a:solidFill>
+                <a:latin typeface="Calibri"/>
+              </a:rPr>
+              <a:t>Deuxième niveau</a:t>
             </a:r>
             <a:endParaRPr b="0" lang="fr-FR" sz="2800" spc="-1" strike="noStrike">
-              <a:latin typeface="Arial"/>
-            </a:endParaRPr>
-          </a:p>
-          <a:p>
-            <a:pPr lvl="2" marL="1296000" indent="-288000">
+              <a:solidFill>
+                <a:srgbClr val="000000"/>
+              </a:solidFill>
+              <a:latin typeface="Calibri"/>
+            </a:endParaRPr>
+          </a:p>
+          <a:p>
+            <a:pPr lvl="2" marL="1143000" indent="-228240">
+              <a:lnSpc>
+                <a:spcPct val="100000"/>
+              </a:lnSpc>
               <a:spcBef>
-                <a:spcPts val="850"/>
+                <a:spcPts val="479"/>
               </a:spcBef>
               <a:buClr>
                 <a:srgbClr val="000000"/>
               </a:buClr>
-              <a:buSzPct val="45000"/>
-              <a:buFont typeface="Wingdings" charset="2"/>
-              <a:buChar char=""/>
+              <a:buFont typeface="Arial"/>
+              <a:buChar char="•"/>
             </a:pPr>
             <a:r>
               <a:rPr b="0" lang="fr-FR" sz="2400" spc="-1" strike="noStrike">
-                <a:latin typeface="Arial"/>
-              </a:rPr>
-              <a:t>Troisième niveau de plan</a:t>
+                <a:solidFill>
+                  <a:srgbClr val="000000"/>
+                </a:solidFill>
+                <a:latin typeface="Calibri"/>
+              </a:rPr>
+              <a:t>Troisième niveau</a:t>
             </a:r>
             <a:endParaRPr b="0" lang="fr-FR" sz="2400" spc="-1" strike="noStrike">
-              <a:latin typeface="Arial"/>
-            </a:endParaRPr>
-          </a:p>
-          <a:p>
-            <a:pPr lvl="3" marL="1728000" indent="-216000">
+              <a:solidFill>
+                <a:srgbClr val="000000"/>
+              </a:solidFill>
+              <a:latin typeface="Calibri"/>
+            </a:endParaRPr>
+          </a:p>
+          <a:p>
+            <a:pPr lvl="3" marL="1600200" indent="-228240">
+              <a:lnSpc>
+                <a:spcPct val="100000"/>
+              </a:lnSpc>
               <a:spcBef>
-                <a:spcPts val="567"/>
+                <a:spcPts val="400"/>
               </a:spcBef>
               <a:buClr>
                 <a:srgbClr val="000000"/>
               </a:buClr>
-              <a:buSzPct val="75000"/>
-              <a:buFont typeface="Symbol" charset="2"/>
-              <a:buChar char=""/>
+              <a:buFont typeface="Arial"/>
+              <a:buChar char="–"/>
             </a:pPr>
             <a:r>
               <a:rPr b="0" lang="fr-FR" sz="2000" spc="-1" strike="noStrike">
-                <a:latin typeface="Arial"/>
-              </a:rPr>
-              <a:t>Quatrième niveau de plan</a:t>
+                <a:solidFill>
+                  <a:srgbClr val="000000"/>
+                </a:solidFill>
+                <a:latin typeface="Calibri"/>
+              </a:rPr>
+              <a:t>Quatrième niveau</a:t>
             </a:r>
             <a:endParaRPr b="0" lang="fr-FR" sz="2000" spc="-1" strike="noStrike">
-              <a:latin typeface="Arial"/>
-            </a:endParaRPr>
-          </a:p>
-          <a:p>
-            <a:pPr lvl="4" marL="2160000" indent="-216000">
+              <a:solidFill>
+                <a:srgbClr val="000000"/>
+              </a:solidFill>
+              <a:latin typeface="Calibri"/>
+            </a:endParaRPr>
+          </a:p>
+          <a:p>
+            <a:pPr lvl="4" marL="2057400" indent="-228240">
+              <a:lnSpc>
+                <a:spcPct val="100000"/>
+              </a:lnSpc>
               <a:spcBef>
-                <a:spcPts val="283"/>
+                <a:spcPts val="400"/>
               </a:spcBef>
               <a:buClr>
                 <a:srgbClr val="000000"/>
               </a:buClr>
-              <a:buSzPct val="45000"/>
-              <a:buFont typeface="Wingdings" charset="2"/>
-              <a:buChar char=""/>
+              <a:buFont typeface="Arial"/>
+              <a:buChar char="»"/>
             </a:pPr>
             <a:r>
               <a:rPr b="0" lang="fr-FR" sz="2000" spc="-1" strike="noStrike">
-                <a:latin typeface="Arial"/>
-              </a:rPr>
-              <a:t>Cinquième niveau de plan</a:t>
+                <a:solidFill>
+                  <a:srgbClr val="000000"/>
+                </a:solidFill>
+                <a:latin typeface="Calibri"/>
+              </a:rPr>
+              <a:t>Cinquième niveau</a:t>
             </a:r>
             <a:endParaRPr b="0" lang="fr-FR" sz="2000" spc="-1" strike="noStrike">
-              <a:latin typeface="Arial"/>
-            </a:endParaRPr>
-          </a:p>
-          <a:p>
-            <a:pPr lvl="5" marL="2592000" indent="-216000">
-              <a:spcBef>
-                <a:spcPts val="283"/>
-              </a:spcBef>
-              <a:buClr>
+              <a:solidFill>
                 <a:srgbClr val="000000"/>
-              </a:buClr>
-              <a:buSzPct val="45000"/>
-              <a:buFont typeface="Wingdings" charset="2"/>
-              <a:buChar char=""/>
+              </a:solidFill>
+              <a:latin typeface="Calibri"/>
+            </a:endParaRPr>
+          </a:p>
+        </p:txBody>
+      </p:sp>
+      <p:sp>
+        <p:nvSpPr>
+          <p:cNvPr id="40" name="PlaceHolder 3"/>
+          <p:cNvSpPr>
+            <a:spLocks noGrp="1"/>
+          </p:cNvSpPr>
+          <p:nvPr>
+            <p:ph type="dt"/>
+          </p:nvPr>
+        </p:nvSpPr>
+        <p:spPr>
+          <a:xfrm>
+            <a:off x="457200" y="6356520"/>
+            <a:ext cx="2133360" cy="364680"/>
+          </a:xfrm>
+          <a:prstGeom prst="rect">
+            <a:avLst/>
+          </a:prstGeom>
+        </p:spPr>
+        <p:txBody>
+          <a:bodyPr anchor="ctr"/>
+          <a:p>
+            <a:pPr>
+              <a:lnSpc>
+                <a:spcPct val="100000"/>
+              </a:lnSpc>
             </a:pPr>
-            <a:r>
-              <a:rPr b="0" lang="fr-FR" sz="2000" spc="-1" strike="noStrike">
-                <a:latin typeface="Arial"/>
-              </a:rPr>
-              <a:t>Sixième niveau de plan</a:t>
-            </a:r>
-            <a:endParaRPr b="0" lang="fr-FR" sz="2000" spc="-1" strike="noStrike">
-              <a:latin typeface="Arial"/>
-            </a:endParaRPr>
-          </a:p>
-          <a:p>
-            <a:pPr lvl="6" marL="3024000" indent="-216000">
-              <a:spcBef>
-                <a:spcPts val="283"/>
-              </a:spcBef>
-              <a:buClr>
-                <a:srgbClr val="000000"/>
-              </a:buClr>
-              <a:buSzPct val="45000"/>
-              <a:buFont typeface="Wingdings" charset="2"/>
-              <a:buChar char=""/>
+            <a:fld id="{ECF6DE45-8BE1-419F-B3C2-FF495F18E4D3}" type="datetime">
+              <a:rPr b="0" lang="fr-FR" sz="1200" spc="-1" strike="noStrike">
+                <a:solidFill>
+                  <a:srgbClr val="8b8b8b"/>
+                </a:solidFill>
+                <a:latin typeface="Calibri"/>
+              </a:rPr>
+              <a:t>02/06/2021</a:t>
+            </a:fld>
+            <a:endParaRPr b="0" lang="fr-FR" sz="1200" spc="-1" strike="noStrike">
+              <a:latin typeface="Times New Roman"/>
+            </a:endParaRPr>
+          </a:p>
+        </p:txBody>
+      </p:sp>
+      <p:sp>
+        <p:nvSpPr>
+          <p:cNvPr id="41" name="PlaceHolder 4"/>
+          <p:cNvSpPr>
+            <a:spLocks noGrp="1"/>
+          </p:cNvSpPr>
+          <p:nvPr>
+            <p:ph type="ftr"/>
+          </p:nvPr>
+        </p:nvSpPr>
+        <p:spPr>
+          <a:xfrm>
+            <a:off x="3124080" y="6356520"/>
+            <a:ext cx="2895120" cy="364680"/>
+          </a:xfrm>
+          <a:prstGeom prst="rect">
+            <a:avLst/>
+          </a:prstGeom>
+        </p:spPr>
+        <p:txBody>
+          <a:bodyPr anchor="ctr"/>
+          <a:p>
+            <a:endParaRPr b="0" lang="fr-FR" sz="2400" spc="-1" strike="noStrike">
+              <a:latin typeface="Times New Roman"/>
+            </a:endParaRPr>
+          </a:p>
+        </p:txBody>
+      </p:sp>
+      <p:sp>
+        <p:nvSpPr>
+          <p:cNvPr id="42" name="PlaceHolder 5"/>
+          <p:cNvSpPr>
+            <a:spLocks noGrp="1"/>
+          </p:cNvSpPr>
+          <p:nvPr>
+            <p:ph type="sldNum"/>
+          </p:nvPr>
+        </p:nvSpPr>
+        <p:spPr>
+          <a:xfrm>
+            <a:off x="6553080" y="6356520"/>
+            <a:ext cx="2133360" cy="364680"/>
+          </a:xfrm>
+          <a:prstGeom prst="rect">
+            <a:avLst/>
+          </a:prstGeom>
+        </p:spPr>
+        <p:txBody>
+          <a:bodyPr anchor="ctr"/>
+          <a:p>
+            <a:pPr algn="r">
+              <a:lnSpc>
+                <a:spcPct val="100000"/>
+              </a:lnSpc>
             </a:pPr>
-            <a:r>
-              <a:rPr b="0" lang="fr-FR" sz="2000" spc="-1" strike="noStrike">
-                <a:latin typeface="Arial"/>
-              </a:rPr>
-              <a:t>Septième niveau de plan</a:t>
-            </a:r>
-            <a:endParaRPr b="0" lang="fr-FR" sz="2000" spc="-1" strike="noStrike">
-              <a:latin typeface="Arial"/>
+            <a:fld id="{5C16E0FC-12F6-4E8E-AECC-1CFBEF773845}" type="slidenum">
+              <a:rPr b="0" lang="fr-FR" sz="1200" spc="-1" strike="noStrike">
+                <a:solidFill>
+                  <a:srgbClr val="8b8b8b"/>
+                </a:solidFill>
+                <a:latin typeface="Calibri"/>
+              </a:rPr>
+              <a:t>1</a:t>
+            </a:fld>
+            <a:endParaRPr b="0" lang="fr-FR" sz="1200" spc="-1" strike="noStrike">
+              <a:latin typeface="Times New Roman"/>
             </a:endParaRPr>
           </a:p>
         </p:txBody>
@@ -3211,14 +3337,14 @@
       </p:grpSpPr>
       <p:sp>
         <p:nvSpPr>
-          <p:cNvPr id="76" name="CustomShape 1"/>
+          <p:cNvPr id="79" name="CustomShape 1"/>
           <p:cNvSpPr/>
           <p:nvPr/>
         </p:nvSpPr>
         <p:spPr>
           <a:xfrm>
             <a:off x="685800" y="2130480"/>
-            <a:ext cx="7773840" cy="2233800"/>
+            <a:ext cx="7773480" cy="2233440"/>
           </a:xfrm>
           <a:prstGeom prst="rect">
             <a:avLst/>
@@ -3250,6 +3376,7 @@
                   <a:srgbClr val="000000"/>
                 </a:solidFill>
                 <a:latin typeface="Calibri"/>
+                <a:ea typeface="DejaVu Sans"/>
               </a:rPr>
               <a:t>infrastructures n-tiers , </a:t>
             </a:r>
@@ -3269,6 +3396,7 @@
                   <a:srgbClr val="000000"/>
                 </a:solidFill>
                 <a:latin typeface="Calibri"/>
+                <a:ea typeface="DejaVu Sans"/>
               </a:rPr>
               <a:t>soa , </a:t>
             </a:r>
@@ -3288,6 +3416,7 @@
                   <a:srgbClr val="000000"/>
                 </a:solidFill>
                 <a:latin typeface="Calibri"/>
+                <a:ea typeface="DejaVu Sans"/>
               </a:rPr>
               <a:t>cloud et microservices</a:t>
             </a:r>
@@ -3308,6 +3437,7 @@
                   <a:srgbClr val="000000"/>
                 </a:solidFill>
                 <a:latin typeface="Calibri"/>
+                <a:ea typeface="DejaVu Sans"/>
               </a:rPr>
               <a:t>(grandes lignes)</a:t>
             </a:r>
@@ -3326,6 +3456,4948 @@
           <p:childTnLst>
             <p:seq>
               <p:cTn id="2" nodeType="mainSeq"/>
+              <p:prevCondLst>
+                <p:cond delay="0" evt="onPrev">
+                  <p:tgtEl>
+                    <p:sldTgt/>
+                  </p:tgtEl>
+                </p:cond>
+              </p:prevCondLst>
+              <p:nextCondLst>
+                <p:cond delay="0" evt="onNext">
+                  <p:tgtEl>
+                    <p:sldTgt/>
+                  </p:tgtEl>
+                </p:cond>
+              </p:nextCondLst>
+            </p:seq>
+          </p:childTnLst>
+        </p:cTn>
+      </p:par>
+    </p:tnLst>
+  </p:timing>
+</p:sld>
+</file>
+
+<file path=ppt/slides/slide10.xml><?xml version="1.0" encoding="utf-8"?>
+<p:sld xmlns:a="http://schemas.openxmlformats.org/drawingml/2006/main" xmlns:p="http://schemas.openxmlformats.org/presentationml/2006/main" xmlns:r="http://schemas.openxmlformats.org/officeDocument/2006/relationships" xmlns:p14="http://schemas.microsoft.com/office/powerpoint/2010/main" xmlns:p15="http://schemas.microsoft.com/office/powerpoint/2012/main" xmlns:mc="http://schemas.openxmlformats.org/markup-compatibility/2006">
+  <p:cSld>
+    <p:spTree>
+      <p:nvGrpSpPr>
+        <p:cNvPr id="1" name=""/>
+        <p:cNvGrpSpPr/>
+        <p:nvPr/>
+      </p:nvGrpSpPr>
+      <p:grpSpPr>
+        <a:xfrm>
+          <a:off x="0" y="0"/>
+          <a:ext cx="0" cy="0"/>
+          <a:chOff x="0" y="0"/>
+          <a:chExt cx="0" cy="0"/>
+        </a:xfrm>
+      </p:grpSpPr>
+      <p:sp>
+        <p:nvSpPr>
+          <p:cNvPr id="162" name="CustomShape 1"/>
+          <p:cNvSpPr/>
+          <p:nvPr/>
+        </p:nvSpPr>
+        <p:spPr>
+          <a:xfrm>
+            <a:off x="685800" y="2130480"/>
+            <a:ext cx="7773480" cy="2233440"/>
+          </a:xfrm>
+          <a:prstGeom prst="rect">
+            <a:avLst/>
+          </a:prstGeom>
+          <a:noFill/>
+          <a:ln>
+            <a:noFill/>
+          </a:ln>
+        </p:spPr>
+        <p:style>
+          <a:lnRef idx="0"/>
+          <a:fillRef idx="0"/>
+          <a:effectRef idx="0"/>
+          <a:fontRef idx="minor"/>
+        </p:style>
+      </p:sp>
+      <p:sp>
+        <p:nvSpPr>
+          <p:cNvPr id="163" name="TextShape 2"/>
+          <p:cNvSpPr txBox="1"/>
+          <p:nvPr/>
+        </p:nvSpPr>
+        <p:spPr>
+          <a:xfrm>
+            <a:off x="457560" y="116640"/>
+            <a:ext cx="8229240" cy="462240"/>
+          </a:xfrm>
+          <a:prstGeom prst="rect">
+            <a:avLst/>
+          </a:prstGeom>
+          <a:noFill/>
+          <a:ln>
+            <a:noFill/>
+          </a:ln>
+        </p:spPr>
+        <p:txBody>
+          <a:bodyPr anchor="ctr">
+            <a:normAutofit/>
+          </a:bodyPr>
+          <a:p>
+            <a:pPr algn="ctr">
+              <a:lnSpc>
+                <a:spcPct val="100000"/>
+              </a:lnSpc>
+            </a:pPr>
+            <a:r>
+              <a:rPr b="0" lang="fr-FR" sz="3600" spc="-1" strike="noStrike" u="sng">
+                <a:solidFill>
+                  <a:srgbClr val="007635"/>
+                </a:solidFill>
+                <a:uFillTx/>
+                <a:latin typeface="Calibri"/>
+              </a:rPr>
+              <a:t>Kubernates : cluster de conteneurs "docker" (à partir de 2017)</a:t>
+            </a:r>
+            <a:endParaRPr b="0" lang="fr-FR" sz="3600" spc="-1" strike="noStrike">
+              <a:latin typeface="Arial"/>
+            </a:endParaRPr>
+          </a:p>
+        </p:txBody>
+      </p:sp>
+    </p:spTree>
+  </p:cSld>
+  <p:timing>
+    <p:tnLst>
+      <p:par>
+        <p:cTn id="19" dur="indefinite" restart="never" nodeType="tmRoot">
+          <p:childTnLst>
+            <p:seq>
+              <p:cTn id="20" nodeType="mainSeq"/>
+              <p:prevCondLst>
+                <p:cond delay="0" evt="onPrev">
+                  <p:tgtEl>
+                    <p:sldTgt/>
+                  </p:tgtEl>
+                </p:cond>
+              </p:prevCondLst>
+              <p:nextCondLst>
+                <p:cond delay="0" evt="onNext">
+                  <p:tgtEl>
+                    <p:sldTgt/>
+                  </p:tgtEl>
+                </p:cond>
+              </p:nextCondLst>
+            </p:seq>
+          </p:childTnLst>
+        </p:cTn>
+      </p:par>
+    </p:tnLst>
+  </p:timing>
+</p:sld>
+</file>
+
+<file path=ppt/slides/slide11.xml><?xml version="1.0" encoding="utf-8"?>
+<p:sld xmlns:a="http://schemas.openxmlformats.org/drawingml/2006/main" xmlns:p="http://schemas.openxmlformats.org/presentationml/2006/main" xmlns:r="http://schemas.openxmlformats.org/officeDocument/2006/relationships" xmlns:p14="http://schemas.microsoft.com/office/powerpoint/2010/main" xmlns:p15="http://schemas.microsoft.com/office/powerpoint/2012/main" xmlns:mc="http://schemas.openxmlformats.org/markup-compatibility/2006">
+  <p:cSld>
+    <p:spTree>
+      <p:nvGrpSpPr>
+        <p:cNvPr id="1" name=""/>
+        <p:cNvGrpSpPr/>
+        <p:nvPr/>
+      </p:nvGrpSpPr>
+      <p:grpSpPr>
+        <a:xfrm>
+          <a:off x="0" y="0"/>
+          <a:ext cx="0" cy="0"/>
+          <a:chOff x="0" y="0"/>
+          <a:chExt cx="0" cy="0"/>
+        </a:xfrm>
+      </p:grpSpPr>
+      <p:sp>
+        <p:nvSpPr>
+          <p:cNvPr id="164" name="CustomShape 1"/>
+          <p:cNvSpPr/>
+          <p:nvPr/>
+        </p:nvSpPr>
+        <p:spPr>
+          <a:xfrm>
+            <a:off x="685800" y="2130480"/>
+            <a:ext cx="7773480" cy="2233440"/>
+          </a:xfrm>
+          <a:prstGeom prst="rect">
+            <a:avLst/>
+          </a:prstGeom>
+          <a:noFill/>
+          <a:ln>
+            <a:noFill/>
+          </a:ln>
+        </p:spPr>
+        <p:style>
+          <a:lnRef idx="0"/>
+          <a:fillRef idx="0"/>
+          <a:effectRef idx="0"/>
+          <a:fontRef idx="minor"/>
+        </p:style>
+      </p:sp>
+      <p:sp>
+        <p:nvSpPr>
+          <p:cNvPr id="165" name="TextShape 2"/>
+          <p:cNvSpPr txBox="1"/>
+          <p:nvPr/>
+        </p:nvSpPr>
+        <p:spPr>
+          <a:xfrm>
+            <a:off x="457560" y="116640"/>
+            <a:ext cx="8229240" cy="462240"/>
+          </a:xfrm>
+          <a:prstGeom prst="rect">
+            <a:avLst/>
+          </a:prstGeom>
+          <a:noFill/>
+          <a:ln>
+            <a:noFill/>
+          </a:ln>
+        </p:spPr>
+        <p:txBody>
+          <a:bodyPr anchor="ctr">
+            <a:normAutofit/>
+          </a:bodyPr>
+          <a:p>
+            <a:pPr algn="ctr">
+              <a:lnSpc>
+                <a:spcPct val="100000"/>
+              </a:lnSpc>
+            </a:pPr>
+            <a:r>
+              <a:rPr b="0" lang="fr-FR" sz="3600" spc="-1" strike="noStrike" u="sng">
+                <a:solidFill>
+                  <a:srgbClr val="007635"/>
+                </a:solidFill>
+                <a:uFillTx/>
+                <a:latin typeface="Calibri"/>
+              </a:rPr>
+              <a:t>Kubernates + istio (sidecar) (à partir de 2019)</a:t>
+            </a:r>
+            <a:endParaRPr b="0" lang="fr-FR" sz="3600" spc="-1" strike="noStrike">
+              <a:latin typeface="Arial"/>
+            </a:endParaRPr>
+          </a:p>
+        </p:txBody>
+      </p:sp>
+    </p:spTree>
+  </p:cSld>
+  <p:timing>
+    <p:tnLst>
+      <p:par>
+        <p:cTn id="21" dur="indefinite" restart="never" nodeType="tmRoot">
+          <p:childTnLst>
+            <p:seq>
+              <p:cTn id="22" nodeType="mainSeq"/>
+              <p:prevCondLst>
+                <p:cond delay="0" evt="onPrev">
+                  <p:tgtEl>
+                    <p:sldTgt/>
+                  </p:tgtEl>
+                </p:cond>
+              </p:prevCondLst>
+              <p:nextCondLst>
+                <p:cond delay="0" evt="onNext">
+                  <p:tgtEl>
+                    <p:sldTgt/>
+                  </p:tgtEl>
+                </p:cond>
+              </p:nextCondLst>
+            </p:seq>
+          </p:childTnLst>
+        </p:cTn>
+      </p:par>
+    </p:tnLst>
+  </p:timing>
+</p:sld>
+</file>
+
+<file path=ppt/slides/slide2.xml><?xml version="1.0" encoding="utf-8"?>
+<p:sld xmlns:a="http://schemas.openxmlformats.org/drawingml/2006/main" xmlns:p="http://schemas.openxmlformats.org/presentationml/2006/main" xmlns:r="http://schemas.openxmlformats.org/officeDocument/2006/relationships" xmlns:p14="http://schemas.microsoft.com/office/powerpoint/2010/main" xmlns:p15="http://schemas.microsoft.com/office/powerpoint/2012/main" xmlns:mc="http://schemas.openxmlformats.org/markup-compatibility/2006">
+  <p:cSld>
+    <p:spTree>
+      <p:nvGrpSpPr>
+        <p:cNvPr id="1" name=""/>
+        <p:cNvGrpSpPr/>
+        <p:nvPr/>
+      </p:nvGrpSpPr>
+      <p:grpSpPr>
+        <a:xfrm>
+          <a:off x="0" y="0"/>
+          <a:ext cx="0" cy="0"/>
+          <a:chOff x="0" y="0"/>
+          <a:chExt cx="0" cy="0"/>
+        </a:xfrm>
+      </p:grpSpPr>
+      <p:sp>
+        <p:nvSpPr>
+          <p:cNvPr id="80" name="CustomShape 1"/>
+          <p:cNvSpPr/>
+          <p:nvPr/>
+        </p:nvSpPr>
+        <p:spPr>
+          <a:xfrm>
+            <a:off x="3990960" y="1292040"/>
+            <a:ext cx="2308680" cy="4306320"/>
+          </a:xfrm>
+          <a:prstGeom prst="roundRect">
+            <a:avLst>
+              <a:gd name="adj" fmla="val 16667"/>
+            </a:avLst>
+          </a:prstGeom>
+          <a:noFill/>
+          <a:ln>
+            <a:custDash>
+              <a:ds d="400000" sp="300000"/>
+            </a:custDash>
+            <a:round/>
+          </a:ln>
+        </p:spPr>
+        <p:style>
+          <a:lnRef idx="2">
+            <a:schemeClr val="accent1">
+              <a:shade val="50000"/>
+            </a:schemeClr>
+          </a:lnRef>
+          <a:fillRef idx="1">
+            <a:schemeClr val="accent1"/>
+          </a:fillRef>
+          <a:effectRef idx="0">
+            <a:schemeClr val="accent1"/>
+          </a:effectRef>
+          <a:fontRef idx="minor"/>
+        </p:style>
+      </p:sp>
+      <p:sp>
+        <p:nvSpPr>
+          <p:cNvPr id="81" name="TextShape 2"/>
+          <p:cNvSpPr txBox="1"/>
+          <p:nvPr/>
+        </p:nvSpPr>
+        <p:spPr>
+          <a:xfrm>
+            <a:off x="457200" y="116640"/>
+            <a:ext cx="8229240" cy="462240"/>
+          </a:xfrm>
+          <a:prstGeom prst="rect">
+            <a:avLst/>
+          </a:prstGeom>
+          <a:noFill/>
+          <a:ln>
+            <a:noFill/>
+          </a:ln>
+        </p:spPr>
+        <p:txBody>
+          <a:bodyPr anchor="ctr">
+            <a:normAutofit/>
+          </a:bodyPr>
+          <a:p>
+            <a:pPr algn="ctr">
+              <a:lnSpc>
+                <a:spcPct val="100000"/>
+              </a:lnSpc>
+            </a:pPr>
+            <a:r>
+              <a:rPr b="0" lang="fr-FR" sz="3600" spc="-1" strike="noStrike" u="sng">
+                <a:solidFill>
+                  <a:srgbClr val="007635"/>
+                </a:solidFill>
+                <a:uFillTx/>
+                <a:latin typeface="Calibri"/>
+              </a:rPr>
+              <a:t>DMZ + Serveur d'applications (200x)</a:t>
+            </a:r>
+            <a:endParaRPr b="0" lang="fr-FR" sz="3600" spc="-1" strike="noStrike">
+              <a:solidFill>
+                <a:srgbClr val="000000"/>
+              </a:solidFill>
+              <a:latin typeface="Calibri"/>
+            </a:endParaRPr>
+          </a:p>
+        </p:txBody>
+      </p:sp>
+      <p:sp>
+        <p:nvSpPr>
+          <p:cNvPr id="82" name="CustomShape 3"/>
+          <p:cNvSpPr/>
+          <p:nvPr/>
+        </p:nvSpPr>
+        <p:spPr>
+          <a:xfrm>
+            <a:off x="6601320" y="1532520"/>
+            <a:ext cx="1921320" cy="1054440"/>
+          </a:xfrm>
+          <a:prstGeom prst="roundRect">
+            <a:avLst>
+              <a:gd name="adj" fmla="val 16667"/>
+            </a:avLst>
+          </a:prstGeom>
+          <a:ln>
+            <a:round/>
+          </a:ln>
+          <a:effectLst>
+            <a:outerShdw blurRad="40000" dir="5400000" dist="20000" rotWithShape="0">
+              <a:srgbClr val="000000">
+                <a:alpha val="38000"/>
+              </a:srgbClr>
+            </a:outerShdw>
+          </a:effectLst>
+        </p:spPr>
+        <p:style>
+          <a:lnRef idx="1">
+            <a:schemeClr val="dk1"/>
+          </a:lnRef>
+          <a:fillRef idx="2">
+            <a:schemeClr val="dk1"/>
+          </a:fillRef>
+          <a:effectRef idx="1">
+            <a:schemeClr val="dk1"/>
+          </a:effectRef>
+          <a:fontRef idx="minor"/>
+        </p:style>
+        <p:txBody>
+          <a:bodyPr lIns="90000" rIns="90000" tIns="45000" bIns="45000"/>
+          <a:p>
+            <a:pPr algn="ctr">
+              <a:lnSpc>
+                <a:spcPct val="100000"/>
+              </a:lnSpc>
+            </a:pPr>
+            <a:r>
+              <a:rPr b="0" lang="fr-FR" sz="1800" spc="-1" strike="noStrike">
+                <a:solidFill>
+                  <a:srgbClr val="000000"/>
+                </a:solidFill>
+                <a:latin typeface="Calibri"/>
+              </a:rPr>
+              <a:t>(*)</a:t>
+            </a:r>
+            <a:endParaRPr b="0" lang="fr-FR" sz="1800" spc="-1" strike="noStrike">
+              <a:latin typeface="Arial"/>
+            </a:endParaRPr>
+          </a:p>
+        </p:txBody>
+      </p:sp>
+      <p:sp>
+        <p:nvSpPr>
+          <p:cNvPr id="83" name="CustomShape 4"/>
+          <p:cNvSpPr/>
+          <p:nvPr/>
+        </p:nvSpPr>
+        <p:spPr>
+          <a:xfrm>
+            <a:off x="1513800" y="6093360"/>
+            <a:ext cx="5898960" cy="639000"/>
+          </a:xfrm>
+          <a:prstGeom prst="rect">
+            <a:avLst/>
+          </a:prstGeom>
+          <a:noFill/>
+          <a:ln>
+            <a:noFill/>
+          </a:ln>
+        </p:spPr>
+        <p:style>
+          <a:lnRef idx="0"/>
+          <a:fillRef idx="0"/>
+          <a:effectRef idx="0"/>
+          <a:fontRef idx="minor"/>
+        </p:style>
+        <p:txBody>
+          <a:bodyPr wrap="none" lIns="90000" rIns="90000" tIns="45000" bIns="45000"/>
+          <a:p>
+            <a:pPr>
+              <a:lnSpc>
+                <a:spcPct val="100000"/>
+              </a:lnSpc>
+            </a:pPr>
+            <a:r>
+              <a:rPr b="0" lang="fr-FR" sz="1800" spc="-1" strike="noStrike">
+                <a:solidFill>
+                  <a:srgbClr val="000000"/>
+                </a:solidFill>
+                <a:latin typeface="Calibri"/>
+              </a:rPr>
+              <a:t>(*)</a:t>
+            </a:r>
+            <a:r>
+              <a:rPr b="1" lang="fr-FR" sz="1800" spc="-1" strike="noStrike">
+                <a:solidFill>
+                  <a:srgbClr val="000000"/>
+                </a:solidFill>
+                <a:latin typeface="Calibri"/>
+              </a:rPr>
+              <a:t>Machines</a:t>
+            </a:r>
+            <a:r>
+              <a:rPr b="0" lang="fr-FR" sz="1800" spc="-1" strike="noStrike">
+                <a:solidFill>
+                  <a:srgbClr val="000000"/>
+                </a:solidFill>
+                <a:latin typeface="Calibri"/>
+              </a:rPr>
+              <a:t> physiques  ou </a:t>
+            </a:r>
+            <a:r>
+              <a:rPr b="1" lang="fr-FR" sz="1800" spc="-1" strike="noStrike">
+                <a:solidFill>
+                  <a:srgbClr val="000000"/>
+                </a:solidFill>
+                <a:latin typeface="Calibri"/>
+              </a:rPr>
+              <a:t>virtuelles</a:t>
+            </a:r>
+            <a:r>
+              <a:rPr b="0" lang="fr-FR" sz="1800" spc="-1" strike="noStrike">
+                <a:solidFill>
+                  <a:srgbClr val="000000"/>
+                </a:solidFill>
+                <a:latin typeface="Calibri"/>
+              </a:rPr>
+              <a:t> (virtualBox, vmware, …) </a:t>
+            </a:r>
+            <a:br/>
+            <a:r>
+              <a:rPr b="0" lang="fr-FR" sz="1800" spc="-1" strike="noStrike">
+                <a:solidFill>
+                  <a:srgbClr val="000000"/>
+                </a:solidFill>
+                <a:latin typeface="Calibri"/>
+              </a:rPr>
+              <a:t>très souvent avec système d’exploitation </a:t>
+            </a:r>
+            <a:r>
+              <a:rPr b="1" lang="fr-FR" sz="1800" spc="-1" strike="noStrike">
+                <a:solidFill>
+                  <a:srgbClr val="000000"/>
+                </a:solidFill>
+                <a:latin typeface="Calibri"/>
+              </a:rPr>
+              <a:t>linux</a:t>
+            </a:r>
+            <a:endParaRPr b="0" lang="fr-FR" sz="1800" spc="-1" strike="noStrike">
+              <a:latin typeface="Arial"/>
+            </a:endParaRPr>
+          </a:p>
+        </p:txBody>
+      </p:sp>
+      <p:sp>
+        <p:nvSpPr>
+          <p:cNvPr id="84" name="CustomShape 5"/>
+          <p:cNvSpPr/>
+          <p:nvPr/>
+        </p:nvSpPr>
+        <p:spPr>
+          <a:xfrm>
+            <a:off x="6626880" y="3149640"/>
+            <a:ext cx="1946880" cy="969120"/>
+          </a:xfrm>
+          <a:prstGeom prst="roundRect">
+            <a:avLst>
+              <a:gd name="adj" fmla="val 16667"/>
+            </a:avLst>
+          </a:prstGeom>
+          <a:ln>
+            <a:round/>
+          </a:ln>
+          <a:effectLst>
+            <a:outerShdw blurRad="40000" dir="5400000" dist="20000" rotWithShape="0">
+              <a:srgbClr val="000000">
+                <a:alpha val="38000"/>
+              </a:srgbClr>
+            </a:outerShdw>
+          </a:effectLst>
+        </p:spPr>
+        <p:style>
+          <a:lnRef idx="1">
+            <a:schemeClr val="dk1"/>
+          </a:lnRef>
+          <a:fillRef idx="2">
+            <a:schemeClr val="dk1"/>
+          </a:fillRef>
+          <a:effectRef idx="1">
+            <a:schemeClr val="dk1"/>
+          </a:effectRef>
+          <a:fontRef idx="minor"/>
+        </p:style>
+        <p:txBody>
+          <a:bodyPr lIns="90000" rIns="90000" tIns="45000" bIns="45000"/>
+          <a:p>
+            <a:pPr algn="ctr">
+              <a:lnSpc>
+                <a:spcPct val="100000"/>
+              </a:lnSpc>
+            </a:pPr>
+            <a:r>
+              <a:rPr b="0" lang="fr-FR" sz="1800" spc="-1" strike="noStrike">
+                <a:solidFill>
+                  <a:srgbClr val="000000"/>
+                </a:solidFill>
+                <a:latin typeface="Calibri"/>
+              </a:rPr>
+              <a:t>(*)</a:t>
+            </a:r>
+            <a:endParaRPr b="0" lang="fr-FR" sz="1800" spc="-1" strike="noStrike">
+              <a:latin typeface="Arial"/>
+            </a:endParaRPr>
+          </a:p>
+        </p:txBody>
+      </p:sp>
+      <p:sp>
+        <p:nvSpPr>
+          <p:cNvPr id="85" name="CustomShape 6"/>
+          <p:cNvSpPr/>
+          <p:nvPr/>
+        </p:nvSpPr>
+        <p:spPr>
+          <a:xfrm>
+            <a:off x="4140000" y="1551960"/>
+            <a:ext cx="1933920" cy="1439640"/>
+          </a:xfrm>
+          <a:prstGeom prst="roundRect">
+            <a:avLst>
+              <a:gd name="adj" fmla="val 16667"/>
+            </a:avLst>
+          </a:prstGeom>
+          <a:ln>
+            <a:round/>
+          </a:ln>
+          <a:effectLst>
+            <a:outerShdw blurRad="40000" dir="5400000" dist="20000" rotWithShape="0">
+              <a:srgbClr val="000000">
+                <a:alpha val="38000"/>
+              </a:srgbClr>
+            </a:outerShdw>
+          </a:effectLst>
+        </p:spPr>
+        <p:style>
+          <a:lnRef idx="1">
+            <a:schemeClr val="dk1"/>
+          </a:lnRef>
+          <a:fillRef idx="2">
+            <a:schemeClr val="dk1"/>
+          </a:fillRef>
+          <a:effectRef idx="1">
+            <a:schemeClr val="dk1"/>
+          </a:effectRef>
+          <a:fontRef idx="minor"/>
+        </p:style>
+        <p:txBody>
+          <a:bodyPr lIns="90000" rIns="90000" tIns="45000" bIns="45000"/>
+          <a:p>
+            <a:pPr algn="ctr">
+              <a:lnSpc>
+                <a:spcPct val="100000"/>
+              </a:lnSpc>
+            </a:pPr>
+            <a:r>
+              <a:rPr b="0" lang="fr-FR" sz="1800" spc="-1" strike="noStrike">
+                <a:solidFill>
+                  <a:srgbClr val="000000"/>
+                </a:solidFill>
+                <a:latin typeface="Calibri"/>
+              </a:rPr>
+              <a:t>(*)</a:t>
+            </a:r>
+            <a:endParaRPr b="0" lang="fr-FR" sz="1800" spc="-1" strike="noStrike">
+              <a:latin typeface="Arial"/>
+            </a:endParaRPr>
+          </a:p>
+        </p:txBody>
+      </p:sp>
+      <p:sp>
+        <p:nvSpPr>
+          <p:cNvPr id="86" name="CustomShape 7"/>
+          <p:cNvSpPr/>
+          <p:nvPr/>
+        </p:nvSpPr>
+        <p:spPr>
+          <a:xfrm>
+            <a:off x="4149720" y="3861000"/>
+            <a:ext cx="1933920" cy="1439640"/>
+          </a:xfrm>
+          <a:prstGeom prst="roundRect">
+            <a:avLst>
+              <a:gd name="adj" fmla="val 16667"/>
+            </a:avLst>
+          </a:prstGeom>
+          <a:ln>
+            <a:round/>
+          </a:ln>
+          <a:effectLst>
+            <a:outerShdw blurRad="40000" dir="5400000" dist="20000" rotWithShape="0">
+              <a:srgbClr val="000000">
+                <a:alpha val="38000"/>
+              </a:srgbClr>
+            </a:outerShdw>
+          </a:effectLst>
+        </p:spPr>
+        <p:style>
+          <a:lnRef idx="1">
+            <a:schemeClr val="dk1"/>
+          </a:lnRef>
+          <a:fillRef idx="2">
+            <a:schemeClr val="dk1"/>
+          </a:fillRef>
+          <a:effectRef idx="1">
+            <a:schemeClr val="dk1"/>
+          </a:effectRef>
+          <a:fontRef idx="minor"/>
+        </p:style>
+        <p:txBody>
+          <a:bodyPr lIns="90000" rIns="90000" tIns="45000" bIns="45000"/>
+          <a:p>
+            <a:pPr algn="ctr">
+              <a:lnSpc>
+                <a:spcPct val="100000"/>
+              </a:lnSpc>
+            </a:pPr>
+            <a:r>
+              <a:rPr b="0" lang="fr-FR" sz="1800" spc="-1" strike="noStrike">
+                <a:solidFill>
+                  <a:srgbClr val="000000"/>
+                </a:solidFill>
+                <a:latin typeface="Calibri"/>
+              </a:rPr>
+              <a:t>(*)</a:t>
+            </a:r>
+            <a:endParaRPr b="0" lang="fr-FR" sz="1800" spc="-1" strike="noStrike">
+              <a:latin typeface="Arial"/>
+            </a:endParaRPr>
+          </a:p>
+        </p:txBody>
+      </p:sp>
+      <p:sp>
+        <p:nvSpPr>
+          <p:cNvPr id="87" name="CustomShape 8"/>
+          <p:cNvSpPr/>
+          <p:nvPr/>
+        </p:nvSpPr>
+        <p:spPr>
+          <a:xfrm>
+            <a:off x="1331640" y="2565000"/>
+            <a:ext cx="1933920" cy="2233440"/>
+          </a:xfrm>
+          <a:prstGeom prst="roundRect">
+            <a:avLst>
+              <a:gd name="adj" fmla="val 16667"/>
+            </a:avLst>
+          </a:prstGeom>
+          <a:ln>
+            <a:round/>
+          </a:ln>
+          <a:effectLst>
+            <a:outerShdw blurRad="40000" dir="5400000" dist="20000" rotWithShape="0">
+              <a:srgbClr val="000000">
+                <a:alpha val="38000"/>
+              </a:srgbClr>
+            </a:outerShdw>
+          </a:effectLst>
+        </p:spPr>
+        <p:style>
+          <a:lnRef idx="1">
+            <a:schemeClr val="dk1"/>
+          </a:lnRef>
+          <a:fillRef idx="2">
+            <a:schemeClr val="dk1"/>
+          </a:fillRef>
+          <a:effectRef idx="1">
+            <a:schemeClr val="dk1"/>
+          </a:effectRef>
+          <a:fontRef idx="minor"/>
+        </p:style>
+        <p:txBody>
+          <a:bodyPr lIns="90000" rIns="90000" tIns="45000" bIns="45000"/>
+          <a:p>
+            <a:pPr algn="ctr">
+              <a:lnSpc>
+                <a:spcPct val="100000"/>
+              </a:lnSpc>
+            </a:pPr>
+            <a:r>
+              <a:rPr b="0" lang="fr-FR" sz="1800" spc="-1" strike="noStrike">
+                <a:solidFill>
+                  <a:srgbClr val="000000"/>
+                </a:solidFill>
+                <a:latin typeface="Calibri"/>
+              </a:rPr>
+              <a:t>(*)</a:t>
+            </a:r>
+            <a:endParaRPr b="0" lang="fr-FR" sz="1800" spc="-1" strike="noStrike">
+              <a:latin typeface="Arial"/>
+            </a:endParaRPr>
+          </a:p>
+        </p:txBody>
+      </p:sp>
+      <p:sp>
+        <p:nvSpPr>
+          <p:cNvPr id="88" name="CustomShape 9"/>
+          <p:cNvSpPr/>
+          <p:nvPr/>
+        </p:nvSpPr>
+        <p:spPr>
+          <a:xfrm>
+            <a:off x="6871680" y="1893960"/>
+            <a:ext cx="559440" cy="495360"/>
+          </a:xfrm>
+          <a:prstGeom prst="can">
+            <a:avLst>
+              <a:gd name="adj" fmla="val 25000"/>
+            </a:avLst>
+          </a:prstGeom>
+          <a:ln>
+            <a:solidFill>
+              <a:srgbClr val="4a7ebb"/>
+            </a:solidFill>
+            <a:round/>
+          </a:ln>
+          <a:effectLst>
+            <a:outerShdw blurRad="40000" dir="5400000" dist="20000" rotWithShape="0">
+              <a:srgbClr val="000000">
+                <a:alpha val="38000"/>
+              </a:srgbClr>
+            </a:outerShdw>
+          </a:effectLst>
+        </p:spPr>
+        <p:style>
+          <a:lnRef idx="1">
+            <a:schemeClr val="accent1"/>
+          </a:lnRef>
+          <a:fillRef idx="2">
+            <a:schemeClr val="accent1"/>
+          </a:fillRef>
+          <a:effectRef idx="1">
+            <a:schemeClr val="accent1"/>
+          </a:effectRef>
+          <a:fontRef idx="minor"/>
+        </p:style>
+      </p:sp>
+      <p:sp>
+        <p:nvSpPr>
+          <p:cNvPr id="89" name="CustomShape 10"/>
+          <p:cNvSpPr/>
+          <p:nvPr/>
+        </p:nvSpPr>
+        <p:spPr>
+          <a:xfrm>
+            <a:off x="6823800" y="3387240"/>
+            <a:ext cx="559440" cy="495360"/>
+          </a:xfrm>
+          <a:prstGeom prst="can">
+            <a:avLst>
+              <a:gd name="adj" fmla="val 25000"/>
+            </a:avLst>
+          </a:prstGeom>
+          <a:ln>
+            <a:solidFill>
+              <a:srgbClr val="4a7ebb"/>
+            </a:solidFill>
+            <a:round/>
+          </a:ln>
+          <a:effectLst>
+            <a:outerShdw blurRad="40000" dir="5400000" dist="20000" rotWithShape="0">
+              <a:srgbClr val="000000">
+                <a:alpha val="38000"/>
+              </a:srgbClr>
+            </a:outerShdw>
+          </a:effectLst>
+        </p:spPr>
+        <p:style>
+          <a:lnRef idx="1">
+            <a:schemeClr val="accent1"/>
+          </a:lnRef>
+          <a:fillRef idx="2">
+            <a:schemeClr val="accent1"/>
+          </a:fillRef>
+          <a:effectRef idx="1">
+            <a:schemeClr val="accent1"/>
+          </a:effectRef>
+          <a:fontRef idx="minor"/>
+        </p:style>
+      </p:sp>
+      <p:sp>
+        <p:nvSpPr>
+          <p:cNvPr id="90" name="CustomShape 11"/>
+          <p:cNvSpPr/>
+          <p:nvPr/>
+        </p:nvSpPr>
+        <p:spPr>
+          <a:xfrm>
+            <a:off x="7480080" y="2142000"/>
+            <a:ext cx="723600" cy="364680"/>
+          </a:xfrm>
+          <a:prstGeom prst="rect">
+            <a:avLst/>
+          </a:prstGeom>
+          <a:noFill/>
+          <a:ln>
+            <a:noFill/>
+          </a:ln>
+        </p:spPr>
+        <p:style>
+          <a:lnRef idx="0"/>
+          <a:fillRef idx="0"/>
+          <a:effectRef idx="0"/>
+          <a:fontRef idx="minor"/>
+        </p:style>
+        <p:txBody>
+          <a:bodyPr wrap="none" lIns="90000" rIns="90000" tIns="45000" bIns="45000"/>
+          <a:p>
+            <a:pPr>
+              <a:lnSpc>
+                <a:spcPct val="100000"/>
+              </a:lnSpc>
+            </a:pPr>
+            <a:r>
+              <a:rPr b="0" lang="fr-FR" sz="1800" spc="-1" strike="noStrike">
+                <a:solidFill>
+                  <a:srgbClr val="000000"/>
+                </a:solidFill>
+                <a:latin typeface="Calibri"/>
+              </a:rPr>
+              <a:t>mysql</a:t>
+            </a:r>
+            <a:endParaRPr b="0" lang="fr-FR" sz="1800" spc="-1" strike="noStrike">
+              <a:latin typeface="Arial"/>
+            </a:endParaRPr>
+          </a:p>
+        </p:txBody>
+      </p:sp>
+      <p:sp>
+        <p:nvSpPr>
+          <p:cNvPr id="91" name="CustomShape 12"/>
+          <p:cNvSpPr/>
+          <p:nvPr/>
+        </p:nvSpPr>
+        <p:spPr>
+          <a:xfrm>
+            <a:off x="7437600" y="3623040"/>
+            <a:ext cx="1096920" cy="364680"/>
+          </a:xfrm>
+          <a:prstGeom prst="rect">
+            <a:avLst/>
+          </a:prstGeom>
+          <a:noFill/>
+          <a:ln>
+            <a:noFill/>
+          </a:ln>
+        </p:spPr>
+        <p:style>
+          <a:lnRef idx="0"/>
+          <a:fillRef idx="0"/>
+          <a:effectRef idx="0"/>
+          <a:fontRef idx="minor"/>
+        </p:style>
+        <p:txBody>
+          <a:bodyPr wrap="none" lIns="90000" rIns="90000" tIns="45000" bIns="45000"/>
+          <a:p>
+            <a:pPr>
+              <a:lnSpc>
+                <a:spcPct val="100000"/>
+              </a:lnSpc>
+            </a:pPr>
+            <a:r>
+              <a:rPr b="0" lang="fr-FR" sz="1800" spc="-1" strike="noStrike">
+                <a:solidFill>
+                  <a:srgbClr val="000000"/>
+                </a:solidFill>
+                <a:latin typeface="Calibri"/>
+              </a:rPr>
+              <a:t>mongoDB</a:t>
+            </a:r>
+            <a:endParaRPr b="0" lang="fr-FR" sz="1800" spc="-1" strike="noStrike">
+              <a:latin typeface="Arial"/>
+            </a:endParaRPr>
+          </a:p>
+        </p:txBody>
+      </p:sp>
+      <p:sp>
+        <p:nvSpPr>
+          <p:cNvPr id="92" name="CustomShape 13"/>
+          <p:cNvSpPr/>
+          <p:nvPr/>
+        </p:nvSpPr>
+        <p:spPr>
+          <a:xfrm>
+            <a:off x="4385160" y="4300920"/>
+            <a:ext cx="1583640" cy="914040"/>
+          </a:xfrm>
+          <a:prstGeom prst="rect">
+            <a:avLst/>
+          </a:prstGeom>
+          <a:ln>
+            <a:solidFill>
+              <a:srgbClr val="98b855"/>
+            </a:solidFill>
+            <a:round/>
+          </a:ln>
+          <a:effectLst>
+            <a:outerShdw blurRad="40000" dir="5400000" dist="20000" rotWithShape="0">
+              <a:srgbClr val="000000">
+                <a:alpha val="38000"/>
+              </a:srgbClr>
+            </a:outerShdw>
+          </a:effectLst>
+        </p:spPr>
+        <p:style>
+          <a:lnRef idx="1">
+            <a:schemeClr val="accent3"/>
+          </a:lnRef>
+          <a:fillRef idx="2">
+            <a:schemeClr val="accent3"/>
+          </a:fillRef>
+          <a:effectRef idx="1">
+            <a:schemeClr val="accent3"/>
+          </a:effectRef>
+          <a:fontRef idx="minor"/>
+        </p:style>
+        <p:txBody>
+          <a:bodyPr lIns="90000" rIns="90000" tIns="45000" bIns="45000" anchor="ctr"/>
+          <a:p>
+            <a:pPr algn="ctr">
+              <a:lnSpc>
+                <a:spcPct val="100000"/>
+              </a:lnSpc>
+            </a:pPr>
+            <a:r>
+              <a:rPr b="0" lang="fr-FR" sz="1800" spc="-1" strike="noStrike">
+                <a:solidFill>
+                  <a:srgbClr val="000000"/>
+                </a:solidFill>
+                <a:latin typeface="Calibri"/>
+              </a:rPr>
+              <a:t>Tomcat (8080)</a:t>
+            </a:r>
+            <a:br/>
+            <a:r>
+              <a:rPr b="0" lang="fr-FR" sz="1800" spc="-1" strike="noStrike">
+                <a:solidFill>
+                  <a:srgbClr val="000000"/>
+                </a:solidFill>
+                <a:latin typeface="Calibri"/>
+              </a:rPr>
+              <a:t>+ appli java</a:t>
+            </a:r>
+            <a:endParaRPr b="0" lang="fr-FR" sz="1800" spc="-1" strike="noStrike">
+              <a:latin typeface="Arial"/>
+            </a:endParaRPr>
+          </a:p>
+        </p:txBody>
+      </p:sp>
+      <p:sp>
+        <p:nvSpPr>
+          <p:cNvPr id="93" name="CustomShape 14"/>
+          <p:cNvSpPr/>
+          <p:nvPr/>
+        </p:nvSpPr>
+        <p:spPr>
+          <a:xfrm>
+            <a:off x="4356000" y="2004840"/>
+            <a:ext cx="1583640" cy="775800"/>
+          </a:xfrm>
+          <a:prstGeom prst="rect">
+            <a:avLst/>
+          </a:prstGeom>
+          <a:ln>
+            <a:solidFill>
+              <a:srgbClr val="98b855"/>
+            </a:solidFill>
+            <a:round/>
+          </a:ln>
+          <a:effectLst>
+            <a:outerShdw blurRad="40000" dir="5400000" dist="20000" rotWithShape="0">
+              <a:srgbClr val="000000">
+                <a:alpha val="38000"/>
+              </a:srgbClr>
+            </a:outerShdw>
+          </a:effectLst>
+        </p:spPr>
+        <p:style>
+          <a:lnRef idx="1">
+            <a:schemeClr val="accent3"/>
+          </a:lnRef>
+          <a:fillRef idx="2">
+            <a:schemeClr val="accent3"/>
+          </a:fillRef>
+          <a:effectRef idx="1">
+            <a:schemeClr val="accent3"/>
+          </a:effectRef>
+          <a:fontRef idx="minor"/>
+        </p:style>
+        <p:txBody>
+          <a:bodyPr lIns="90000" rIns="90000" tIns="45000" bIns="45000" anchor="ctr"/>
+          <a:p>
+            <a:pPr algn="ctr">
+              <a:lnSpc>
+                <a:spcPct val="100000"/>
+              </a:lnSpc>
+            </a:pPr>
+            <a:r>
+              <a:rPr b="0" lang="fr-FR" sz="1800" spc="-1" strike="noStrike">
+                <a:solidFill>
+                  <a:srgbClr val="000000"/>
+                </a:solidFill>
+                <a:latin typeface="Calibri"/>
+              </a:rPr>
+              <a:t>Tomcat (8080)</a:t>
+            </a:r>
+            <a:br/>
+            <a:r>
+              <a:rPr b="0" lang="fr-FR" sz="1800" spc="-1" strike="noStrike">
+                <a:solidFill>
+                  <a:srgbClr val="000000"/>
+                </a:solidFill>
+                <a:latin typeface="Calibri"/>
+              </a:rPr>
+              <a:t>+ appli java</a:t>
+            </a:r>
+            <a:endParaRPr b="0" lang="fr-FR" sz="1800" spc="-1" strike="noStrike">
+              <a:latin typeface="Arial"/>
+            </a:endParaRPr>
+          </a:p>
+        </p:txBody>
+      </p:sp>
+      <p:sp>
+        <p:nvSpPr>
+          <p:cNvPr id="94" name="CustomShape 15"/>
+          <p:cNvSpPr/>
+          <p:nvPr/>
+        </p:nvSpPr>
+        <p:spPr>
+          <a:xfrm>
+            <a:off x="1547640" y="3204720"/>
+            <a:ext cx="1192680" cy="914040"/>
+          </a:xfrm>
+          <a:prstGeom prst="rect">
+            <a:avLst/>
+          </a:prstGeom>
+          <a:ln>
+            <a:solidFill>
+              <a:srgbClr val="98b855"/>
+            </a:solidFill>
+            <a:round/>
+          </a:ln>
+          <a:effectLst>
+            <a:outerShdw blurRad="40000" dir="5400000" dist="20000" rotWithShape="0">
+              <a:srgbClr val="000000">
+                <a:alpha val="38000"/>
+              </a:srgbClr>
+            </a:outerShdw>
+          </a:effectLst>
+        </p:spPr>
+        <p:style>
+          <a:lnRef idx="1">
+            <a:schemeClr val="accent3"/>
+          </a:lnRef>
+          <a:fillRef idx="2">
+            <a:schemeClr val="accent3"/>
+          </a:fillRef>
+          <a:effectRef idx="1">
+            <a:schemeClr val="accent3"/>
+          </a:effectRef>
+          <a:fontRef idx="minor"/>
+        </p:style>
+        <p:txBody>
+          <a:bodyPr lIns="90000" rIns="90000" tIns="45000" bIns="45000" anchor="ctr"/>
+          <a:p>
+            <a:pPr algn="ctr">
+              <a:lnSpc>
+                <a:spcPct val="100000"/>
+              </a:lnSpc>
+            </a:pPr>
+            <a:r>
+              <a:rPr b="0" lang="fr-FR" sz="1800" spc="-1" strike="noStrike">
+                <a:solidFill>
+                  <a:srgbClr val="000000"/>
+                </a:solidFill>
+                <a:latin typeface="Calibri"/>
+              </a:rPr>
+              <a:t>http/80 server (ex: apache2)</a:t>
+            </a:r>
+            <a:endParaRPr b="0" lang="fr-FR" sz="1800" spc="-1" strike="noStrike">
+              <a:latin typeface="Arial"/>
+            </a:endParaRPr>
+          </a:p>
+        </p:txBody>
+      </p:sp>
+      <p:sp>
+        <p:nvSpPr>
+          <p:cNvPr id="95" name="CustomShape 16"/>
+          <p:cNvSpPr/>
+          <p:nvPr/>
+        </p:nvSpPr>
+        <p:spPr>
+          <a:xfrm>
+            <a:off x="2066760" y="3985560"/>
+            <a:ext cx="1347480" cy="627840"/>
+          </a:xfrm>
+          <a:prstGeom prst="ellipse">
+            <a:avLst/>
+          </a:prstGeom>
+          <a:ln>
+            <a:solidFill>
+              <a:srgbClr val="46aac4"/>
+            </a:solidFill>
+            <a:round/>
+          </a:ln>
+          <a:effectLst>
+            <a:outerShdw blurRad="40000" dir="5400000" dist="20000" rotWithShape="0">
+              <a:srgbClr val="000000">
+                <a:alpha val="38000"/>
+              </a:srgbClr>
+            </a:outerShdw>
+          </a:effectLst>
+        </p:spPr>
+        <p:style>
+          <a:lnRef idx="1">
+            <a:schemeClr val="accent5"/>
+          </a:lnRef>
+          <a:fillRef idx="2">
+            <a:schemeClr val="accent5"/>
+          </a:fillRef>
+          <a:effectRef idx="1">
+            <a:schemeClr val="accent5"/>
+          </a:effectRef>
+          <a:fontRef idx="minor"/>
+        </p:style>
+        <p:txBody>
+          <a:bodyPr lIns="90000" rIns="90000" tIns="45000" bIns="45000" anchor="ctr"/>
+          <a:p>
+            <a:pPr algn="ctr">
+              <a:lnSpc>
+                <a:spcPct val="100000"/>
+              </a:lnSpc>
+            </a:pPr>
+            <a:r>
+              <a:rPr b="0" lang="fr-FR" sz="1800" spc="-1" strike="noStrike">
+                <a:solidFill>
+                  <a:srgbClr val="000000"/>
+                </a:solidFill>
+                <a:latin typeface="Calibri"/>
+              </a:rPr>
+              <a:t>mod_...</a:t>
+            </a:r>
+            <a:endParaRPr b="0" lang="fr-FR" sz="1800" spc="-1" strike="noStrike">
+              <a:latin typeface="Arial"/>
+            </a:endParaRPr>
+          </a:p>
+          <a:p>
+            <a:pPr algn="ctr">
+              <a:lnSpc>
+                <a:spcPct val="100000"/>
+              </a:lnSpc>
+            </a:pPr>
+            <a:r>
+              <a:rPr b="0" lang="fr-FR" sz="1800" spc="-1" strike="noStrike">
+                <a:solidFill>
+                  <a:srgbClr val="c00000"/>
+                </a:solidFill>
+                <a:latin typeface="Calibri"/>
+              </a:rPr>
+              <a:t>(**)</a:t>
+            </a:r>
+            <a:endParaRPr b="0" lang="fr-FR" sz="1800" spc="-1" strike="noStrike">
+              <a:latin typeface="Arial"/>
+            </a:endParaRPr>
+          </a:p>
+        </p:txBody>
+      </p:sp>
+      <p:sp>
+        <p:nvSpPr>
+          <p:cNvPr id="96" name="CustomShape 17"/>
+          <p:cNvSpPr/>
+          <p:nvPr/>
+        </p:nvSpPr>
+        <p:spPr>
+          <a:xfrm>
+            <a:off x="351360" y="1154880"/>
+            <a:ext cx="1192680" cy="914040"/>
+          </a:xfrm>
+          <a:prstGeom prst="rect">
+            <a:avLst/>
+          </a:prstGeom>
+          <a:ln>
+            <a:solidFill>
+              <a:srgbClr val="98b855"/>
+            </a:solidFill>
+            <a:round/>
+          </a:ln>
+          <a:effectLst>
+            <a:outerShdw blurRad="40000" dir="5400000" dist="20000" rotWithShape="0">
+              <a:srgbClr val="000000">
+                <a:alpha val="38000"/>
+              </a:srgbClr>
+            </a:outerShdw>
+          </a:effectLst>
+        </p:spPr>
+        <p:style>
+          <a:lnRef idx="1">
+            <a:schemeClr val="accent3"/>
+          </a:lnRef>
+          <a:fillRef idx="2">
+            <a:schemeClr val="accent3"/>
+          </a:fillRef>
+          <a:effectRef idx="1">
+            <a:schemeClr val="accent3"/>
+          </a:effectRef>
+          <a:fontRef idx="minor"/>
+        </p:style>
+        <p:txBody>
+          <a:bodyPr lIns="90000" rIns="90000" tIns="45000" bIns="45000" anchor="ctr"/>
+          <a:p>
+            <a:pPr algn="ctr">
+              <a:lnSpc>
+                <a:spcPct val="100000"/>
+              </a:lnSpc>
+            </a:pPr>
+            <a:r>
+              <a:rPr b="0" lang="fr-FR" sz="1800" spc="-1" strike="noStrike">
+                <a:solidFill>
+                  <a:srgbClr val="000000"/>
+                </a:solidFill>
+                <a:latin typeface="Calibri"/>
+              </a:rPr>
+              <a:t>Navigateur</a:t>
+            </a:r>
+            <a:br/>
+            <a:r>
+              <a:rPr b="0" lang="fr-FR" sz="1800" spc="-1" strike="noStrike">
+                <a:solidFill>
+                  <a:srgbClr val="000000"/>
+                </a:solidFill>
+                <a:latin typeface="Calibri"/>
+              </a:rPr>
+              <a:t>web</a:t>
+            </a:r>
+            <a:endParaRPr b="0" lang="fr-FR" sz="1800" spc="-1" strike="noStrike">
+              <a:latin typeface="Arial"/>
+            </a:endParaRPr>
+          </a:p>
+        </p:txBody>
+      </p:sp>
+      <p:sp>
+        <p:nvSpPr>
+          <p:cNvPr id="97" name="CustomShape 18"/>
+          <p:cNvSpPr/>
+          <p:nvPr/>
+        </p:nvSpPr>
+        <p:spPr>
+          <a:xfrm>
+            <a:off x="426600" y="1268640"/>
+            <a:ext cx="1192680" cy="914040"/>
+          </a:xfrm>
+          <a:prstGeom prst="rect">
+            <a:avLst/>
+          </a:prstGeom>
+          <a:ln>
+            <a:solidFill>
+              <a:srgbClr val="98b855"/>
+            </a:solidFill>
+            <a:round/>
+          </a:ln>
+          <a:effectLst>
+            <a:outerShdw blurRad="40000" dir="5400000" dist="20000" rotWithShape="0">
+              <a:srgbClr val="000000">
+                <a:alpha val="38000"/>
+              </a:srgbClr>
+            </a:outerShdw>
+          </a:effectLst>
+        </p:spPr>
+        <p:style>
+          <a:lnRef idx="1">
+            <a:schemeClr val="accent3"/>
+          </a:lnRef>
+          <a:fillRef idx="2">
+            <a:schemeClr val="accent3"/>
+          </a:fillRef>
+          <a:effectRef idx="1">
+            <a:schemeClr val="accent3"/>
+          </a:effectRef>
+          <a:fontRef idx="minor"/>
+        </p:style>
+        <p:txBody>
+          <a:bodyPr lIns="90000" rIns="90000" tIns="45000" bIns="45000" anchor="ctr"/>
+          <a:p>
+            <a:pPr algn="ctr">
+              <a:lnSpc>
+                <a:spcPct val="100000"/>
+              </a:lnSpc>
+            </a:pPr>
+            <a:r>
+              <a:rPr b="0" lang="fr-FR" sz="1800" spc="-1" strike="noStrike">
+                <a:solidFill>
+                  <a:srgbClr val="000000"/>
+                </a:solidFill>
+                <a:latin typeface="Calibri"/>
+              </a:rPr>
+              <a:t>Navigateur</a:t>
+            </a:r>
+            <a:br/>
+            <a:r>
+              <a:rPr b="0" lang="fr-FR" sz="1800" spc="-1" strike="noStrike">
+                <a:solidFill>
+                  <a:srgbClr val="000000"/>
+                </a:solidFill>
+                <a:latin typeface="Calibri"/>
+              </a:rPr>
+              <a:t>web</a:t>
+            </a:r>
+            <a:endParaRPr b="0" lang="fr-FR" sz="1800" spc="-1" strike="noStrike">
+              <a:latin typeface="Arial"/>
+            </a:endParaRPr>
+          </a:p>
+        </p:txBody>
+      </p:sp>
+      <p:sp>
+        <p:nvSpPr>
+          <p:cNvPr id="98" name="CustomShape 19"/>
+          <p:cNvSpPr/>
+          <p:nvPr/>
+        </p:nvSpPr>
+        <p:spPr>
+          <a:xfrm>
+            <a:off x="498600" y="1412640"/>
+            <a:ext cx="1192680" cy="914040"/>
+          </a:xfrm>
+          <a:prstGeom prst="rect">
+            <a:avLst/>
+          </a:prstGeom>
+          <a:ln>
+            <a:solidFill>
+              <a:srgbClr val="98b855"/>
+            </a:solidFill>
+            <a:round/>
+          </a:ln>
+          <a:effectLst>
+            <a:outerShdw blurRad="40000" dir="5400000" dist="20000" rotWithShape="0">
+              <a:srgbClr val="000000">
+                <a:alpha val="38000"/>
+              </a:srgbClr>
+            </a:outerShdw>
+          </a:effectLst>
+        </p:spPr>
+        <p:style>
+          <a:lnRef idx="1">
+            <a:schemeClr val="accent3"/>
+          </a:lnRef>
+          <a:fillRef idx="2">
+            <a:schemeClr val="accent3"/>
+          </a:fillRef>
+          <a:effectRef idx="1">
+            <a:schemeClr val="accent3"/>
+          </a:effectRef>
+          <a:fontRef idx="minor"/>
+        </p:style>
+        <p:txBody>
+          <a:bodyPr lIns="90000" rIns="90000" tIns="45000" bIns="45000" anchor="ctr"/>
+          <a:p>
+            <a:pPr algn="ctr">
+              <a:lnSpc>
+                <a:spcPct val="100000"/>
+              </a:lnSpc>
+            </a:pPr>
+            <a:r>
+              <a:rPr b="0" lang="fr-FR" sz="1800" spc="-1" strike="noStrike">
+                <a:solidFill>
+                  <a:srgbClr val="000000"/>
+                </a:solidFill>
+                <a:latin typeface="Calibri"/>
+              </a:rPr>
+              <a:t>Navigateur</a:t>
+            </a:r>
+            <a:br/>
+            <a:r>
+              <a:rPr b="0" lang="fr-FR" sz="1800" spc="-1" strike="noStrike">
+                <a:solidFill>
+                  <a:srgbClr val="000000"/>
+                </a:solidFill>
+                <a:latin typeface="Calibri"/>
+              </a:rPr>
+              <a:t>web</a:t>
+            </a:r>
+            <a:endParaRPr b="0" lang="fr-FR" sz="1800" spc="-1" strike="noStrike">
+              <a:latin typeface="Arial"/>
+            </a:endParaRPr>
+          </a:p>
+        </p:txBody>
+      </p:sp>
+      <p:sp>
+        <p:nvSpPr>
+          <p:cNvPr id="99" name="CustomShape 20"/>
+          <p:cNvSpPr/>
+          <p:nvPr/>
+        </p:nvSpPr>
+        <p:spPr>
+          <a:xfrm>
+            <a:off x="318600" y="338760"/>
+            <a:ext cx="359640" cy="359640"/>
+          </a:xfrm>
+          <a:prstGeom prst="smileyFace">
+            <a:avLst>
+              <a:gd name="adj" fmla="val 4653"/>
+            </a:avLst>
+          </a:prstGeom>
+          <a:ln>
+            <a:solidFill>
+              <a:srgbClr val="be4b48"/>
+            </a:solidFill>
+            <a:round/>
+          </a:ln>
+          <a:effectLst>
+            <a:outerShdw blurRad="40000" dir="5400000" dist="20000" rotWithShape="0">
+              <a:srgbClr val="000000">
+                <a:alpha val="38000"/>
+              </a:srgbClr>
+            </a:outerShdw>
+          </a:effectLst>
+        </p:spPr>
+        <p:style>
+          <a:lnRef idx="1">
+            <a:schemeClr val="accent2"/>
+          </a:lnRef>
+          <a:fillRef idx="2">
+            <a:schemeClr val="accent2"/>
+          </a:fillRef>
+          <a:effectRef idx="1">
+            <a:schemeClr val="accent2"/>
+          </a:effectRef>
+          <a:fontRef idx="minor"/>
+        </p:style>
+      </p:sp>
+      <p:sp>
+        <p:nvSpPr>
+          <p:cNvPr id="100" name="CustomShape 21"/>
+          <p:cNvSpPr/>
+          <p:nvPr/>
+        </p:nvSpPr>
+        <p:spPr>
+          <a:xfrm>
+            <a:off x="318600" y="737280"/>
+            <a:ext cx="359640" cy="402120"/>
+          </a:xfrm>
+          <a:prstGeom prst="heart">
+            <a:avLst/>
+          </a:prstGeom>
+          <a:ln>
+            <a:solidFill>
+              <a:srgbClr val="be4b48"/>
+            </a:solidFill>
+            <a:round/>
+          </a:ln>
+          <a:effectLst>
+            <a:outerShdw blurRad="40000" dir="5400000" dist="20000" rotWithShape="0">
+              <a:srgbClr val="000000">
+                <a:alpha val="38000"/>
+              </a:srgbClr>
+            </a:outerShdw>
+          </a:effectLst>
+        </p:spPr>
+        <p:style>
+          <a:lnRef idx="1">
+            <a:schemeClr val="accent2"/>
+          </a:lnRef>
+          <a:fillRef idx="2">
+            <a:schemeClr val="accent2"/>
+          </a:fillRef>
+          <a:effectRef idx="1">
+            <a:schemeClr val="accent2"/>
+          </a:effectRef>
+          <a:fontRef idx="minor"/>
+        </p:style>
+      </p:sp>
+      <p:sp>
+        <p:nvSpPr>
+          <p:cNvPr id="101" name="CustomShape 22"/>
+          <p:cNvSpPr/>
+          <p:nvPr/>
+        </p:nvSpPr>
+        <p:spPr>
+          <a:xfrm>
+            <a:off x="470880" y="491040"/>
+            <a:ext cx="359640" cy="359640"/>
+          </a:xfrm>
+          <a:prstGeom prst="smileyFace">
+            <a:avLst>
+              <a:gd name="adj" fmla="val 4653"/>
+            </a:avLst>
+          </a:prstGeom>
+          <a:ln>
+            <a:solidFill>
+              <a:srgbClr val="be4b48"/>
+            </a:solidFill>
+            <a:round/>
+          </a:ln>
+          <a:effectLst>
+            <a:outerShdw blurRad="40000" dir="5400000" dist="20000" rotWithShape="0">
+              <a:srgbClr val="000000">
+                <a:alpha val="38000"/>
+              </a:srgbClr>
+            </a:outerShdw>
+          </a:effectLst>
+        </p:spPr>
+        <p:style>
+          <a:lnRef idx="1">
+            <a:schemeClr val="accent2"/>
+          </a:lnRef>
+          <a:fillRef idx="2">
+            <a:schemeClr val="accent2"/>
+          </a:fillRef>
+          <a:effectRef idx="1">
+            <a:schemeClr val="accent2"/>
+          </a:effectRef>
+          <a:fontRef idx="minor"/>
+        </p:style>
+      </p:sp>
+      <p:sp>
+        <p:nvSpPr>
+          <p:cNvPr id="102" name="CustomShape 23"/>
+          <p:cNvSpPr/>
+          <p:nvPr/>
+        </p:nvSpPr>
+        <p:spPr>
+          <a:xfrm>
+            <a:off x="470880" y="889560"/>
+            <a:ext cx="359640" cy="402120"/>
+          </a:xfrm>
+          <a:prstGeom prst="heart">
+            <a:avLst/>
+          </a:prstGeom>
+          <a:ln>
+            <a:solidFill>
+              <a:srgbClr val="be4b48"/>
+            </a:solidFill>
+            <a:round/>
+          </a:ln>
+          <a:effectLst>
+            <a:outerShdw blurRad="40000" dir="5400000" dist="20000" rotWithShape="0">
+              <a:srgbClr val="000000">
+                <a:alpha val="38000"/>
+              </a:srgbClr>
+            </a:outerShdw>
+          </a:effectLst>
+        </p:spPr>
+        <p:style>
+          <a:lnRef idx="1">
+            <a:schemeClr val="accent2"/>
+          </a:lnRef>
+          <a:fillRef idx="2">
+            <a:schemeClr val="accent2"/>
+          </a:fillRef>
+          <a:effectRef idx="1">
+            <a:schemeClr val="accent2"/>
+          </a:effectRef>
+          <a:fontRef idx="minor"/>
+        </p:style>
+      </p:sp>
+      <p:sp>
+        <p:nvSpPr>
+          <p:cNvPr id="103" name="CustomShape 24"/>
+          <p:cNvSpPr/>
+          <p:nvPr/>
+        </p:nvSpPr>
+        <p:spPr>
+          <a:xfrm>
+            <a:off x="623520" y="643320"/>
+            <a:ext cx="359640" cy="359640"/>
+          </a:xfrm>
+          <a:prstGeom prst="smileyFace">
+            <a:avLst>
+              <a:gd name="adj" fmla="val 4653"/>
+            </a:avLst>
+          </a:prstGeom>
+          <a:ln>
+            <a:solidFill>
+              <a:srgbClr val="be4b48"/>
+            </a:solidFill>
+            <a:round/>
+          </a:ln>
+          <a:effectLst>
+            <a:outerShdw blurRad="40000" dir="5400000" dist="20000" rotWithShape="0">
+              <a:srgbClr val="000000">
+                <a:alpha val="38000"/>
+              </a:srgbClr>
+            </a:outerShdw>
+          </a:effectLst>
+        </p:spPr>
+        <p:style>
+          <a:lnRef idx="1">
+            <a:schemeClr val="accent2"/>
+          </a:lnRef>
+          <a:fillRef idx="2">
+            <a:schemeClr val="accent2"/>
+          </a:fillRef>
+          <a:effectRef idx="1">
+            <a:schemeClr val="accent2"/>
+          </a:effectRef>
+          <a:fontRef idx="minor"/>
+        </p:style>
+      </p:sp>
+      <p:sp>
+        <p:nvSpPr>
+          <p:cNvPr id="104" name="CustomShape 25"/>
+          <p:cNvSpPr/>
+          <p:nvPr/>
+        </p:nvSpPr>
+        <p:spPr>
+          <a:xfrm>
+            <a:off x="623520" y="1041840"/>
+            <a:ext cx="359640" cy="402120"/>
+          </a:xfrm>
+          <a:prstGeom prst="heart">
+            <a:avLst/>
+          </a:prstGeom>
+          <a:ln>
+            <a:solidFill>
+              <a:srgbClr val="be4b48"/>
+            </a:solidFill>
+            <a:round/>
+          </a:ln>
+          <a:effectLst>
+            <a:outerShdw blurRad="40000" dir="5400000" dist="20000" rotWithShape="0">
+              <a:srgbClr val="000000">
+                <a:alpha val="38000"/>
+              </a:srgbClr>
+            </a:outerShdw>
+          </a:effectLst>
+        </p:spPr>
+        <p:style>
+          <a:lnRef idx="1">
+            <a:schemeClr val="accent2"/>
+          </a:lnRef>
+          <a:fillRef idx="2">
+            <a:schemeClr val="accent2"/>
+          </a:fillRef>
+          <a:effectRef idx="1">
+            <a:schemeClr val="accent2"/>
+          </a:effectRef>
+          <a:fontRef idx="minor"/>
+        </p:style>
+      </p:sp>
+      <p:sp>
+        <p:nvSpPr>
+          <p:cNvPr id="105" name="CustomShape 26"/>
+          <p:cNvSpPr/>
+          <p:nvPr/>
+        </p:nvSpPr>
+        <p:spPr>
+          <a:xfrm>
+            <a:off x="4717800" y="3223080"/>
+            <a:ext cx="339480" cy="364680"/>
+          </a:xfrm>
+          <a:prstGeom prst="rect">
+            <a:avLst/>
+          </a:prstGeom>
+          <a:noFill/>
+          <a:ln>
+            <a:noFill/>
+          </a:ln>
+        </p:spPr>
+        <p:style>
+          <a:lnRef idx="0"/>
+          <a:fillRef idx="0"/>
+          <a:effectRef idx="0"/>
+          <a:fontRef idx="minor"/>
+        </p:style>
+        <p:txBody>
+          <a:bodyPr wrap="none" lIns="90000" rIns="90000" tIns="45000" bIns="45000"/>
+          <a:p>
+            <a:pPr>
+              <a:lnSpc>
+                <a:spcPct val="100000"/>
+              </a:lnSpc>
+            </a:pPr>
+            <a:r>
+              <a:rPr b="0" lang="fr-FR" sz="1800" spc="-1" strike="noStrike">
+                <a:solidFill>
+                  <a:srgbClr val="000000"/>
+                </a:solidFill>
+                <a:latin typeface="Calibri"/>
+              </a:rPr>
+              <a:t>…</a:t>
+            </a:r>
+            <a:endParaRPr b="0" lang="fr-FR" sz="1800" spc="-1" strike="noStrike">
+              <a:latin typeface="Arial"/>
+            </a:endParaRPr>
+          </a:p>
+        </p:txBody>
+      </p:sp>
+      <p:sp>
+        <p:nvSpPr>
+          <p:cNvPr id="106" name="CustomShape 27"/>
+          <p:cNvSpPr/>
+          <p:nvPr/>
+        </p:nvSpPr>
+        <p:spPr>
+          <a:xfrm>
+            <a:off x="913320" y="2781000"/>
+            <a:ext cx="219240" cy="2376000"/>
+          </a:xfrm>
+          <a:prstGeom prst="rect">
+            <a:avLst/>
+          </a:prstGeom>
+          <a:ln>
+            <a:solidFill>
+              <a:srgbClr val="7d5fa0"/>
+            </a:solidFill>
+            <a:round/>
+          </a:ln>
+          <a:effectLst>
+            <a:outerShdw blurRad="40000" dir="5400000" dist="20000" rotWithShape="0">
+              <a:srgbClr val="000000">
+                <a:alpha val="38000"/>
+              </a:srgbClr>
+            </a:outerShdw>
+          </a:effectLst>
+        </p:spPr>
+        <p:style>
+          <a:lnRef idx="1">
+            <a:schemeClr val="accent4"/>
+          </a:lnRef>
+          <a:fillRef idx="2">
+            <a:schemeClr val="accent4"/>
+          </a:fillRef>
+          <a:effectRef idx="1">
+            <a:schemeClr val="accent4"/>
+          </a:effectRef>
+          <a:fontRef idx="minor"/>
+        </p:style>
+      </p:sp>
+      <p:sp>
+        <p:nvSpPr>
+          <p:cNvPr id="107" name="CustomShape 28"/>
+          <p:cNvSpPr/>
+          <p:nvPr/>
+        </p:nvSpPr>
+        <p:spPr>
+          <a:xfrm>
+            <a:off x="3564000" y="2715120"/>
+            <a:ext cx="219240" cy="2448000"/>
+          </a:xfrm>
+          <a:prstGeom prst="rect">
+            <a:avLst/>
+          </a:prstGeom>
+          <a:ln>
+            <a:solidFill>
+              <a:srgbClr val="7d5fa0"/>
+            </a:solidFill>
+            <a:round/>
+          </a:ln>
+          <a:effectLst>
+            <a:outerShdw blurRad="40000" dir="5400000" dist="20000" rotWithShape="0">
+              <a:srgbClr val="000000">
+                <a:alpha val="38000"/>
+              </a:srgbClr>
+            </a:outerShdw>
+          </a:effectLst>
+        </p:spPr>
+        <p:style>
+          <a:lnRef idx="1">
+            <a:schemeClr val="accent4"/>
+          </a:lnRef>
+          <a:fillRef idx="2">
+            <a:schemeClr val="accent4"/>
+          </a:fillRef>
+          <a:effectRef idx="1">
+            <a:schemeClr val="accent4"/>
+          </a:effectRef>
+          <a:fontRef idx="minor"/>
+        </p:style>
+      </p:sp>
+      <p:sp>
+        <p:nvSpPr>
+          <p:cNvPr id="108" name="CustomShape 29"/>
+          <p:cNvSpPr/>
+          <p:nvPr/>
+        </p:nvSpPr>
+        <p:spPr>
+          <a:xfrm>
+            <a:off x="628560" y="5229360"/>
+            <a:ext cx="796680" cy="333720"/>
+          </a:xfrm>
+          <a:prstGeom prst="rect">
+            <a:avLst/>
+          </a:prstGeom>
+          <a:noFill/>
+          <a:ln>
+            <a:noFill/>
+          </a:ln>
+        </p:spPr>
+        <p:style>
+          <a:lnRef idx="0"/>
+          <a:fillRef idx="0"/>
+          <a:effectRef idx="0"/>
+          <a:fontRef idx="minor"/>
+        </p:style>
+        <p:txBody>
+          <a:bodyPr wrap="none" lIns="90000" rIns="90000" tIns="45000" bIns="45000"/>
+          <a:p>
+            <a:pPr>
+              <a:lnSpc>
+                <a:spcPct val="100000"/>
+              </a:lnSpc>
+            </a:pPr>
+            <a:r>
+              <a:rPr b="0" i="1" lang="fr-FR" sz="1600" spc="-1" strike="noStrike">
+                <a:solidFill>
+                  <a:srgbClr val="7030a0"/>
+                </a:solidFill>
+                <a:latin typeface="Calibri"/>
+              </a:rPr>
+              <a:t>firewall</a:t>
+            </a:r>
+            <a:endParaRPr b="0" lang="fr-FR" sz="1600" spc="-1" strike="noStrike">
+              <a:latin typeface="Arial"/>
+            </a:endParaRPr>
+          </a:p>
+        </p:txBody>
+      </p:sp>
+      <p:sp>
+        <p:nvSpPr>
+          <p:cNvPr id="109" name="CustomShape 30"/>
+          <p:cNvSpPr/>
+          <p:nvPr/>
+        </p:nvSpPr>
+        <p:spPr>
+          <a:xfrm>
+            <a:off x="3193920" y="5250600"/>
+            <a:ext cx="796680" cy="333720"/>
+          </a:xfrm>
+          <a:prstGeom prst="rect">
+            <a:avLst/>
+          </a:prstGeom>
+          <a:noFill/>
+          <a:ln>
+            <a:noFill/>
+          </a:ln>
+        </p:spPr>
+        <p:style>
+          <a:lnRef idx="0"/>
+          <a:fillRef idx="0"/>
+          <a:effectRef idx="0"/>
+          <a:fontRef idx="minor"/>
+        </p:style>
+        <p:txBody>
+          <a:bodyPr wrap="none" lIns="90000" rIns="90000" tIns="45000" bIns="45000"/>
+          <a:p>
+            <a:pPr>
+              <a:lnSpc>
+                <a:spcPct val="100000"/>
+              </a:lnSpc>
+            </a:pPr>
+            <a:r>
+              <a:rPr b="0" i="1" lang="fr-FR" sz="1600" spc="-1" strike="noStrike">
+                <a:solidFill>
+                  <a:srgbClr val="7030a0"/>
+                </a:solidFill>
+                <a:latin typeface="Calibri"/>
+              </a:rPr>
+              <a:t>firewall</a:t>
+            </a:r>
+            <a:endParaRPr b="0" lang="fr-FR" sz="1600" spc="-1" strike="noStrike">
+              <a:latin typeface="Arial"/>
+            </a:endParaRPr>
+          </a:p>
+        </p:txBody>
+      </p:sp>
+      <p:sp>
+        <p:nvSpPr>
+          <p:cNvPr id="110" name="CustomShape 31"/>
+          <p:cNvSpPr/>
+          <p:nvPr/>
+        </p:nvSpPr>
+        <p:spPr>
+          <a:xfrm flipV="1">
+            <a:off x="498600" y="3642480"/>
+            <a:ext cx="1048680" cy="19440"/>
+          </a:xfrm>
+          <a:custGeom>
+            <a:avLst/>
+            <a:gdLst/>
+            <a:ahLst/>
+            <a:rect l="l" t="t" r="r" b="b"/>
+            <a:pathLst>
+              <a:path w="21600" h="21600">
+                <a:moveTo>
+                  <a:pt x="0" y="0"/>
+                </a:moveTo>
+                <a:lnTo>
+                  <a:pt x="21600" y="21600"/>
+                </a:lnTo>
+              </a:path>
+            </a:pathLst>
+          </a:custGeom>
+          <a:noFill/>
+          <a:ln w="19080">
+            <a:solidFill>
+              <a:schemeClr val="tx1"/>
+            </a:solidFill>
+            <a:round/>
+            <a:tailEnd len="med" type="triangle" w="med"/>
+          </a:ln>
+        </p:spPr>
+        <p:style>
+          <a:lnRef idx="1">
+            <a:schemeClr val="accent1"/>
+          </a:lnRef>
+          <a:fillRef idx="0">
+            <a:schemeClr val="accent1"/>
+          </a:fillRef>
+          <a:effectRef idx="0">
+            <a:schemeClr val="accent1"/>
+          </a:effectRef>
+          <a:fontRef idx="minor"/>
+        </p:style>
+      </p:sp>
+      <p:sp>
+        <p:nvSpPr>
+          <p:cNvPr id="111" name="CustomShape 32"/>
+          <p:cNvSpPr/>
+          <p:nvPr/>
+        </p:nvSpPr>
+        <p:spPr>
+          <a:xfrm flipV="1">
+            <a:off x="510120" y="3774960"/>
+            <a:ext cx="1048680" cy="19440"/>
+          </a:xfrm>
+          <a:custGeom>
+            <a:avLst/>
+            <a:gdLst/>
+            <a:ahLst/>
+            <a:rect l="l" t="t" r="r" b="b"/>
+            <a:pathLst>
+              <a:path w="21600" h="21600">
+                <a:moveTo>
+                  <a:pt x="0" y="0"/>
+                </a:moveTo>
+                <a:lnTo>
+                  <a:pt x="21600" y="21600"/>
+                </a:lnTo>
+              </a:path>
+            </a:pathLst>
+          </a:custGeom>
+          <a:noFill/>
+          <a:ln w="19080">
+            <a:solidFill>
+              <a:schemeClr val="tx1"/>
+            </a:solidFill>
+            <a:round/>
+            <a:tailEnd len="med" type="triangle" w="med"/>
+          </a:ln>
+        </p:spPr>
+        <p:style>
+          <a:lnRef idx="1">
+            <a:schemeClr val="accent1"/>
+          </a:lnRef>
+          <a:fillRef idx="0">
+            <a:schemeClr val="accent1"/>
+          </a:fillRef>
+          <a:effectRef idx="0">
+            <a:schemeClr val="accent1"/>
+          </a:effectRef>
+          <a:fontRef idx="minor"/>
+        </p:style>
+      </p:sp>
+      <p:sp>
+        <p:nvSpPr>
+          <p:cNvPr id="112" name="CustomShape 33"/>
+          <p:cNvSpPr/>
+          <p:nvPr/>
+        </p:nvSpPr>
+        <p:spPr>
+          <a:xfrm flipV="1">
+            <a:off x="538200" y="3913560"/>
+            <a:ext cx="1048680" cy="19440"/>
+          </a:xfrm>
+          <a:custGeom>
+            <a:avLst/>
+            <a:gdLst/>
+            <a:ahLst/>
+            <a:rect l="l" t="t" r="r" b="b"/>
+            <a:pathLst>
+              <a:path w="21600" h="21600">
+                <a:moveTo>
+                  <a:pt x="0" y="0"/>
+                </a:moveTo>
+                <a:lnTo>
+                  <a:pt x="21600" y="21600"/>
+                </a:lnTo>
+              </a:path>
+            </a:pathLst>
+          </a:custGeom>
+          <a:noFill/>
+          <a:ln w="19080">
+            <a:solidFill>
+              <a:schemeClr val="tx1"/>
+            </a:solidFill>
+            <a:round/>
+            <a:tailEnd len="med" type="triangle" w="med"/>
+          </a:ln>
+        </p:spPr>
+        <p:style>
+          <a:lnRef idx="1">
+            <a:schemeClr val="accent1"/>
+          </a:lnRef>
+          <a:fillRef idx="0">
+            <a:schemeClr val="accent1"/>
+          </a:fillRef>
+          <a:effectRef idx="0">
+            <a:schemeClr val="accent1"/>
+          </a:effectRef>
+          <a:fontRef idx="minor"/>
+        </p:style>
+      </p:sp>
+      <p:sp>
+        <p:nvSpPr>
+          <p:cNvPr id="113" name="Line 34"/>
+          <p:cNvSpPr/>
+          <p:nvPr/>
+        </p:nvSpPr>
+        <p:spPr>
+          <a:xfrm flipH="1">
+            <a:off x="510120" y="2183040"/>
+            <a:ext cx="293040" cy="1478520"/>
+          </a:xfrm>
+          <a:prstGeom prst="line">
+            <a:avLst/>
+          </a:prstGeom>
+          <a:ln w="19080">
+            <a:solidFill>
+              <a:schemeClr val="tx1"/>
+            </a:solidFill>
+            <a:round/>
+          </a:ln>
+        </p:spPr>
+        <p:style>
+          <a:lnRef idx="1">
+            <a:schemeClr val="accent1"/>
+          </a:lnRef>
+          <a:fillRef idx="0">
+            <a:schemeClr val="accent1"/>
+          </a:fillRef>
+          <a:effectRef idx="0">
+            <a:schemeClr val="accent1"/>
+          </a:effectRef>
+          <a:fontRef idx="minor"/>
+        </p:style>
+      </p:sp>
+      <p:sp>
+        <p:nvSpPr>
+          <p:cNvPr id="114" name="Line 35"/>
+          <p:cNvSpPr/>
+          <p:nvPr/>
+        </p:nvSpPr>
+        <p:spPr>
+          <a:xfrm flipH="1">
+            <a:off x="510120" y="2319480"/>
+            <a:ext cx="437400" cy="1494720"/>
+          </a:xfrm>
+          <a:prstGeom prst="line">
+            <a:avLst/>
+          </a:prstGeom>
+          <a:ln w="19080">
+            <a:solidFill>
+              <a:schemeClr val="tx1"/>
+            </a:solidFill>
+            <a:round/>
+          </a:ln>
+        </p:spPr>
+        <p:style>
+          <a:lnRef idx="1">
+            <a:schemeClr val="accent1"/>
+          </a:lnRef>
+          <a:fillRef idx="0">
+            <a:schemeClr val="accent1"/>
+          </a:fillRef>
+          <a:effectRef idx="0">
+            <a:schemeClr val="accent1"/>
+          </a:effectRef>
+          <a:fontRef idx="minor"/>
+        </p:style>
+      </p:sp>
+      <p:sp>
+        <p:nvSpPr>
+          <p:cNvPr id="115" name="Line 36"/>
+          <p:cNvSpPr/>
+          <p:nvPr/>
+        </p:nvSpPr>
+        <p:spPr>
+          <a:xfrm flipH="1">
+            <a:off x="557640" y="2183040"/>
+            <a:ext cx="477000" cy="1783440"/>
+          </a:xfrm>
+          <a:prstGeom prst="line">
+            <a:avLst/>
+          </a:prstGeom>
+          <a:ln w="19080">
+            <a:solidFill>
+              <a:schemeClr val="tx1"/>
+            </a:solidFill>
+            <a:round/>
+          </a:ln>
+        </p:spPr>
+        <p:style>
+          <a:lnRef idx="1">
+            <a:schemeClr val="accent1"/>
+          </a:lnRef>
+          <a:fillRef idx="0">
+            <a:schemeClr val="accent1"/>
+          </a:fillRef>
+          <a:effectRef idx="0">
+            <a:schemeClr val="accent1"/>
+          </a:effectRef>
+          <a:fontRef idx="minor"/>
+        </p:style>
+      </p:sp>
+      <p:sp>
+        <p:nvSpPr>
+          <p:cNvPr id="116" name="CustomShape 37"/>
+          <p:cNvSpPr/>
+          <p:nvPr/>
+        </p:nvSpPr>
+        <p:spPr>
+          <a:xfrm flipV="1">
+            <a:off x="3060000" y="1443240"/>
+            <a:ext cx="1376640" cy="1337760"/>
+          </a:xfrm>
+          <a:custGeom>
+            <a:avLst/>
+            <a:gdLst/>
+            <a:ahLst/>
+            <a:rect l="l" t="t" r="r" b="b"/>
+            <a:pathLst>
+              <a:path w="21600" h="21600">
+                <a:moveTo>
+                  <a:pt x="0" y="0"/>
+                </a:moveTo>
+                <a:lnTo>
+                  <a:pt x="21600" y="21600"/>
+                </a:lnTo>
+              </a:path>
+            </a:pathLst>
+          </a:custGeom>
+          <a:noFill/>
+          <a:ln w="19080">
+            <a:solidFill>
+              <a:schemeClr val="tx1"/>
+            </a:solidFill>
+            <a:round/>
+            <a:tailEnd len="med" type="triangle" w="med"/>
+          </a:ln>
+        </p:spPr>
+        <p:style>
+          <a:lnRef idx="1">
+            <a:schemeClr val="accent1"/>
+          </a:lnRef>
+          <a:fillRef idx="0">
+            <a:schemeClr val="accent1"/>
+          </a:fillRef>
+          <a:effectRef idx="0">
+            <a:schemeClr val="accent1"/>
+          </a:effectRef>
+          <a:fontRef idx="minor"/>
+        </p:style>
+      </p:sp>
+      <p:sp>
+        <p:nvSpPr>
+          <p:cNvPr id="117" name="CustomShape 38"/>
+          <p:cNvSpPr/>
+          <p:nvPr/>
+        </p:nvSpPr>
+        <p:spPr>
+          <a:xfrm flipV="1">
+            <a:off x="3265920" y="2696040"/>
+            <a:ext cx="1449720" cy="711000"/>
+          </a:xfrm>
+          <a:custGeom>
+            <a:avLst/>
+            <a:gdLst/>
+            <a:ahLst/>
+            <a:rect l="l" t="t" r="r" b="b"/>
+            <a:pathLst>
+              <a:path w="21600" h="21600">
+                <a:moveTo>
+                  <a:pt x="0" y="0"/>
+                </a:moveTo>
+                <a:lnTo>
+                  <a:pt x="21600" y="21600"/>
+                </a:lnTo>
+              </a:path>
+            </a:pathLst>
+          </a:custGeom>
+          <a:noFill/>
+          <a:ln w="19080">
+            <a:solidFill>
+              <a:schemeClr val="tx1"/>
+            </a:solidFill>
+            <a:round/>
+            <a:tailEnd len="med" type="triangle" w="med"/>
+          </a:ln>
+        </p:spPr>
+        <p:style>
+          <a:lnRef idx="1">
+            <a:schemeClr val="accent1"/>
+          </a:lnRef>
+          <a:fillRef idx="0">
+            <a:schemeClr val="accent1"/>
+          </a:fillRef>
+          <a:effectRef idx="0">
+            <a:schemeClr val="accent1"/>
+          </a:effectRef>
+          <a:fontRef idx="minor"/>
+        </p:style>
+      </p:sp>
+      <p:sp>
+        <p:nvSpPr>
+          <p:cNvPr id="118" name="CustomShape 39"/>
+          <p:cNvSpPr/>
+          <p:nvPr/>
+        </p:nvSpPr>
+        <p:spPr>
+          <a:xfrm>
+            <a:off x="3414600" y="4299480"/>
+            <a:ext cx="734760" cy="281160"/>
+          </a:xfrm>
+          <a:custGeom>
+            <a:avLst/>
+            <a:gdLst/>
+            <a:ahLst/>
+            <a:rect l="l" t="t" r="r" b="b"/>
+            <a:pathLst>
+              <a:path w="21600" h="21600">
+                <a:moveTo>
+                  <a:pt x="0" y="0"/>
+                </a:moveTo>
+                <a:lnTo>
+                  <a:pt x="21600" y="21600"/>
+                </a:lnTo>
+              </a:path>
+            </a:pathLst>
+          </a:custGeom>
+          <a:noFill/>
+          <a:ln w="19080">
+            <a:solidFill>
+              <a:schemeClr val="tx1"/>
+            </a:solidFill>
+            <a:round/>
+            <a:tailEnd len="med" type="triangle" w="med"/>
+          </a:ln>
+        </p:spPr>
+        <p:style>
+          <a:lnRef idx="1">
+            <a:schemeClr val="accent1"/>
+          </a:lnRef>
+          <a:fillRef idx="0">
+            <a:schemeClr val="accent1"/>
+          </a:fillRef>
+          <a:effectRef idx="0">
+            <a:schemeClr val="accent1"/>
+          </a:effectRef>
+          <a:fontRef idx="minor"/>
+        </p:style>
+      </p:sp>
+      <p:sp>
+        <p:nvSpPr>
+          <p:cNvPr id="119" name="CustomShape 40"/>
+          <p:cNvSpPr/>
+          <p:nvPr/>
+        </p:nvSpPr>
+        <p:spPr>
+          <a:xfrm>
+            <a:off x="190080" y="4236120"/>
+            <a:ext cx="734760" cy="64440"/>
+          </a:xfrm>
+          <a:custGeom>
+            <a:avLst/>
+            <a:gdLst/>
+            <a:ahLst/>
+            <a:rect l="l" t="t" r="r" b="b"/>
+            <a:pathLst>
+              <a:path w="21600" h="21600">
+                <a:moveTo>
+                  <a:pt x="0" y="0"/>
+                </a:moveTo>
+                <a:lnTo>
+                  <a:pt x="21600" y="21600"/>
+                </a:lnTo>
+              </a:path>
+            </a:pathLst>
+          </a:custGeom>
+          <a:noFill/>
+          <a:ln w="19080">
+            <a:solidFill>
+              <a:srgbClr val="c00000"/>
+            </a:solidFill>
+            <a:round/>
+            <a:tailEnd len="med" type="triangle" w="med"/>
+          </a:ln>
+        </p:spPr>
+        <p:style>
+          <a:lnRef idx="1">
+            <a:schemeClr val="accent1"/>
+          </a:lnRef>
+          <a:fillRef idx="0">
+            <a:schemeClr val="accent1"/>
+          </a:fillRef>
+          <a:effectRef idx="0">
+            <a:schemeClr val="accent1"/>
+          </a:effectRef>
+          <a:fontRef idx="minor"/>
+        </p:style>
+      </p:sp>
+      <p:sp>
+        <p:nvSpPr>
+          <p:cNvPr id="120" name="CustomShape 41"/>
+          <p:cNvSpPr/>
+          <p:nvPr/>
+        </p:nvSpPr>
+        <p:spPr>
+          <a:xfrm>
+            <a:off x="202680" y="4377960"/>
+            <a:ext cx="734760" cy="64440"/>
+          </a:xfrm>
+          <a:custGeom>
+            <a:avLst/>
+            <a:gdLst/>
+            <a:ahLst/>
+            <a:rect l="l" t="t" r="r" b="b"/>
+            <a:pathLst>
+              <a:path w="21600" h="21600">
+                <a:moveTo>
+                  <a:pt x="0" y="0"/>
+                </a:moveTo>
+                <a:lnTo>
+                  <a:pt x="21600" y="21600"/>
+                </a:lnTo>
+              </a:path>
+            </a:pathLst>
+          </a:custGeom>
+          <a:noFill/>
+          <a:ln w="19080">
+            <a:solidFill>
+              <a:srgbClr val="c00000"/>
+            </a:solidFill>
+            <a:round/>
+            <a:tailEnd len="med" type="triangle" w="med"/>
+          </a:ln>
+        </p:spPr>
+        <p:style>
+          <a:lnRef idx="1">
+            <a:schemeClr val="accent1"/>
+          </a:lnRef>
+          <a:fillRef idx="0">
+            <a:schemeClr val="accent1"/>
+          </a:fillRef>
+          <a:effectRef idx="0">
+            <a:schemeClr val="accent1"/>
+          </a:effectRef>
+          <a:fontRef idx="minor"/>
+        </p:style>
+      </p:sp>
+      <p:sp>
+        <p:nvSpPr>
+          <p:cNvPr id="121" name="CustomShape 42"/>
+          <p:cNvSpPr/>
+          <p:nvPr/>
+        </p:nvSpPr>
+        <p:spPr>
+          <a:xfrm>
+            <a:off x="202320" y="4613400"/>
+            <a:ext cx="734760" cy="64440"/>
+          </a:xfrm>
+          <a:custGeom>
+            <a:avLst/>
+            <a:gdLst/>
+            <a:ahLst/>
+            <a:rect l="l" t="t" r="r" b="b"/>
+            <a:pathLst>
+              <a:path w="21600" h="21600">
+                <a:moveTo>
+                  <a:pt x="0" y="0"/>
+                </a:moveTo>
+                <a:lnTo>
+                  <a:pt x="21600" y="21600"/>
+                </a:lnTo>
+              </a:path>
+            </a:pathLst>
+          </a:custGeom>
+          <a:noFill/>
+          <a:ln w="19080">
+            <a:solidFill>
+              <a:srgbClr val="c00000"/>
+            </a:solidFill>
+            <a:round/>
+            <a:tailEnd len="med" type="triangle" w="med"/>
+          </a:ln>
+        </p:spPr>
+        <p:style>
+          <a:lnRef idx="1">
+            <a:schemeClr val="accent1"/>
+          </a:lnRef>
+          <a:fillRef idx="0">
+            <a:schemeClr val="accent1"/>
+          </a:fillRef>
+          <a:effectRef idx="0">
+            <a:schemeClr val="accent1"/>
+          </a:effectRef>
+          <a:fontRef idx="minor"/>
+        </p:style>
+      </p:sp>
+      <p:sp>
+        <p:nvSpPr>
+          <p:cNvPr id="122" name="CustomShape 43"/>
+          <p:cNvSpPr/>
+          <p:nvPr/>
+        </p:nvSpPr>
+        <p:spPr>
+          <a:xfrm>
+            <a:off x="2740680" y="2316960"/>
+            <a:ext cx="843480" cy="448920"/>
+          </a:xfrm>
+          <a:custGeom>
+            <a:avLst/>
+            <a:gdLst/>
+            <a:ahLst/>
+            <a:rect l="l" t="t" r="r" b="b"/>
+            <a:pathLst>
+              <a:path w="21600" h="21600">
+                <a:moveTo>
+                  <a:pt x="0" y="0"/>
+                </a:moveTo>
+                <a:lnTo>
+                  <a:pt x="21600" y="21600"/>
+                </a:lnTo>
+              </a:path>
+            </a:pathLst>
+          </a:custGeom>
+          <a:noFill/>
+          <a:ln w="19080">
+            <a:solidFill>
+              <a:srgbClr val="c00000"/>
+            </a:solidFill>
+            <a:round/>
+            <a:tailEnd len="med" type="triangle" w="med"/>
+          </a:ln>
+        </p:spPr>
+        <p:style>
+          <a:lnRef idx="1">
+            <a:schemeClr val="accent1"/>
+          </a:lnRef>
+          <a:fillRef idx="0">
+            <a:schemeClr val="accent1"/>
+          </a:fillRef>
+          <a:effectRef idx="0">
+            <a:schemeClr val="accent1"/>
+          </a:effectRef>
+          <a:fontRef idx="minor"/>
+        </p:style>
+      </p:sp>
+      <p:sp>
+        <p:nvSpPr>
+          <p:cNvPr id="123" name="CustomShape 44"/>
+          <p:cNvSpPr/>
+          <p:nvPr/>
+        </p:nvSpPr>
+        <p:spPr>
+          <a:xfrm flipV="1">
+            <a:off x="5891760" y="2052000"/>
+            <a:ext cx="979560" cy="90000"/>
+          </a:xfrm>
+          <a:custGeom>
+            <a:avLst/>
+            <a:gdLst/>
+            <a:ahLst/>
+            <a:rect l="l" t="t" r="r" b="b"/>
+            <a:pathLst>
+              <a:path w="21600" h="21600">
+                <a:moveTo>
+                  <a:pt x="0" y="0"/>
+                </a:moveTo>
+                <a:lnTo>
+                  <a:pt x="21600" y="21600"/>
+                </a:lnTo>
+              </a:path>
+            </a:pathLst>
+          </a:custGeom>
+          <a:noFill/>
+          <a:ln w="19080">
+            <a:solidFill>
+              <a:schemeClr val="tx1"/>
+            </a:solidFill>
+            <a:round/>
+            <a:tailEnd len="med" type="triangle" w="med"/>
+          </a:ln>
+        </p:spPr>
+        <p:style>
+          <a:lnRef idx="1">
+            <a:schemeClr val="accent1"/>
+          </a:lnRef>
+          <a:fillRef idx="0">
+            <a:schemeClr val="accent1"/>
+          </a:fillRef>
+          <a:effectRef idx="0">
+            <a:schemeClr val="accent1"/>
+          </a:effectRef>
+          <a:fontRef idx="minor"/>
+        </p:style>
+      </p:sp>
+      <p:sp>
+        <p:nvSpPr>
+          <p:cNvPr id="124" name="CustomShape 45"/>
+          <p:cNvSpPr/>
+          <p:nvPr/>
+        </p:nvSpPr>
+        <p:spPr>
+          <a:xfrm flipV="1">
+            <a:off x="5954760" y="727560"/>
+            <a:ext cx="930960" cy="1695240"/>
+          </a:xfrm>
+          <a:custGeom>
+            <a:avLst/>
+            <a:gdLst/>
+            <a:ahLst/>
+            <a:rect l="l" t="t" r="r" b="b"/>
+            <a:pathLst>
+              <a:path w="21600" h="21600">
+                <a:moveTo>
+                  <a:pt x="0" y="0"/>
+                </a:moveTo>
+                <a:lnTo>
+                  <a:pt x="21600" y="21600"/>
+                </a:lnTo>
+              </a:path>
+            </a:pathLst>
+          </a:custGeom>
+          <a:noFill/>
+          <a:ln w="19080">
+            <a:solidFill>
+              <a:schemeClr val="tx1"/>
+            </a:solidFill>
+            <a:round/>
+            <a:tailEnd len="med" type="triangle" w="med"/>
+          </a:ln>
+        </p:spPr>
+        <p:style>
+          <a:lnRef idx="1">
+            <a:schemeClr val="accent1"/>
+          </a:lnRef>
+          <a:fillRef idx="0">
+            <a:schemeClr val="accent1"/>
+          </a:fillRef>
+          <a:effectRef idx="0">
+            <a:schemeClr val="accent1"/>
+          </a:effectRef>
+          <a:fontRef idx="minor"/>
+        </p:style>
+      </p:sp>
+      <p:sp>
+        <p:nvSpPr>
+          <p:cNvPr id="125" name="CustomShape 46"/>
+          <p:cNvSpPr/>
+          <p:nvPr/>
+        </p:nvSpPr>
+        <p:spPr>
+          <a:xfrm flipV="1">
+            <a:off x="5969160" y="2891520"/>
+            <a:ext cx="854280" cy="742680"/>
+          </a:xfrm>
+          <a:custGeom>
+            <a:avLst/>
+            <a:gdLst/>
+            <a:ahLst/>
+            <a:rect l="l" t="t" r="r" b="b"/>
+            <a:pathLst>
+              <a:path w="21600" h="21600">
+                <a:moveTo>
+                  <a:pt x="0" y="0"/>
+                </a:moveTo>
+                <a:lnTo>
+                  <a:pt x="21600" y="21600"/>
+                </a:lnTo>
+              </a:path>
+            </a:pathLst>
+          </a:custGeom>
+          <a:noFill/>
+          <a:ln w="19080">
+            <a:solidFill>
+              <a:schemeClr val="tx1"/>
+            </a:solidFill>
+            <a:round/>
+            <a:tailEnd len="med" type="triangle" w="med"/>
+          </a:ln>
+        </p:spPr>
+        <p:style>
+          <a:lnRef idx="1">
+            <a:schemeClr val="accent1"/>
+          </a:lnRef>
+          <a:fillRef idx="0">
+            <a:schemeClr val="accent1"/>
+          </a:fillRef>
+          <a:effectRef idx="0">
+            <a:schemeClr val="accent1"/>
+          </a:effectRef>
+          <a:fontRef idx="minor"/>
+        </p:style>
+      </p:sp>
+      <p:sp>
+        <p:nvSpPr>
+          <p:cNvPr id="126" name="CustomShape 47"/>
+          <p:cNvSpPr/>
+          <p:nvPr/>
+        </p:nvSpPr>
+        <p:spPr>
+          <a:xfrm>
+            <a:off x="6626880" y="4377960"/>
+            <a:ext cx="1913760" cy="1220040"/>
+          </a:xfrm>
+          <a:prstGeom prst="roundRect">
+            <a:avLst>
+              <a:gd name="adj" fmla="val 16667"/>
+            </a:avLst>
+          </a:prstGeom>
+          <a:ln>
+            <a:round/>
+          </a:ln>
+          <a:effectLst>
+            <a:outerShdw blurRad="40000" dir="5400000" dist="20000" rotWithShape="0">
+              <a:srgbClr val="000000">
+                <a:alpha val="38000"/>
+              </a:srgbClr>
+            </a:outerShdw>
+          </a:effectLst>
+        </p:spPr>
+        <p:style>
+          <a:lnRef idx="1">
+            <a:schemeClr val="dk1"/>
+          </a:lnRef>
+          <a:fillRef idx="2">
+            <a:schemeClr val="dk1"/>
+          </a:fillRef>
+          <a:effectRef idx="1">
+            <a:schemeClr val="dk1"/>
+          </a:effectRef>
+          <a:fontRef idx="minor"/>
+        </p:style>
+        <p:txBody>
+          <a:bodyPr lIns="90000" rIns="90000" tIns="45000" bIns="45000"/>
+          <a:p>
+            <a:pPr algn="ctr">
+              <a:lnSpc>
+                <a:spcPct val="100000"/>
+              </a:lnSpc>
+            </a:pPr>
+            <a:r>
+              <a:rPr b="0" lang="fr-FR" sz="1800" spc="-1" strike="noStrike">
+                <a:solidFill>
+                  <a:srgbClr val="000000"/>
+                </a:solidFill>
+                <a:latin typeface="Calibri"/>
+              </a:rPr>
+              <a:t>(*)</a:t>
+            </a:r>
+            <a:endParaRPr b="0" lang="fr-FR" sz="1800" spc="-1" strike="noStrike">
+              <a:latin typeface="Arial"/>
+            </a:endParaRPr>
+          </a:p>
+        </p:txBody>
+      </p:sp>
+      <p:sp>
+        <p:nvSpPr>
+          <p:cNvPr id="127" name="CustomShape 48"/>
+          <p:cNvSpPr/>
+          <p:nvPr/>
+        </p:nvSpPr>
+        <p:spPr>
+          <a:xfrm>
+            <a:off x="6711840" y="4797000"/>
+            <a:ext cx="1604160" cy="647640"/>
+          </a:xfrm>
+          <a:prstGeom prst="rect">
+            <a:avLst/>
+          </a:prstGeom>
+          <a:ln>
+            <a:solidFill>
+              <a:srgbClr val="f59240"/>
+            </a:solidFill>
+            <a:round/>
+          </a:ln>
+          <a:effectLst>
+            <a:outerShdw blurRad="40000" dir="5400000" dist="20000" rotWithShape="0">
+              <a:srgbClr val="000000">
+                <a:alpha val="38000"/>
+              </a:srgbClr>
+            </a:outerShdw>
+          </a:effectLst>
+        </p:spPr>
+        <p:style>
+          <a:lnRef idx="1">
+            <a:schemeClr val="accent6"/>
+          </a:lnRef>
+          <a:fillRef idx="2">
+            <a:schemeClr val="accent6"/>
+          </a:fillRef>
+          <a:effectRef idx="1">
+            <a:schemeClr val="accent6"/>
+          </a:effectRef>
+          <a:fontRef idx="minor"/>
+        </p:style>
+        <p:txBody>
+          <a:bodyPr lIns="90000" rIns="90000" tIns="45000" bIns="45000" anchor="ctr"/>
+          <a:p>
+            <a:pPr algn="ctr">
+              <a:lnSpc>
+                <a:spcPct val="100000"/>
+              </a:lnSpc>
+            </a:pPr>
+            <a:r>
+              <a:rPr b="0" lang="fr-FR" sz="1800" spc="-1" strike="noStrike">
+                <a:solidFill>
+                  <a:srgbClr val="000000"/>
+                </a:solidFill>
+                <a:latin typeface="Calibri"/>
+              </a:rPr>
+              <a:t>Routeur SMTP (envoi email)</a:t>
+            </a:r>
+            <a:endParaRPr b="0" lang="fr-FR" sz="1800" spc="-1" strike="noStrike">
+              <a:latin typeface="Arial"/>
+            </a:endParaRPr>
+          </a:p>
+        </p:txBody>
+      </p:sp>
+      <p:sp>
+        <p:nvSpPr>
+          <p:cNvPr id="128" name="CustomShape 49"/>
+          <p:cNvSpPr/>
+          <p:nvPr/>
+        </p:nvSpPr>
+        <p:spPr>
+          <a:xfrm>
+            <a:off x="5969160" y="4581000"/>
+            <a:ext cx="854280" cy="406800"/>
+          </a:xfrm>
+          <a:custGeom>
+            <a:avLst/>
+            <a:gdLst/>
+            <a:ahLst/>
+            <a:rect l="l" t="t" r="r" b="b"/>
+            <a:pathLst>
+              <a:path w="21600" h="21600">
+                <a:moveTo>
+                  <a:pt x="0" y="0"/>
+                </a:moveTo>
+                <a:lnTo>
+                  <a:pt x="21600" y="21600"/>
+                </a:lnTo>
+              </a:path>
+            </a:pathLst>
+          </a:custGeom>
+          <a:noFill/>
+          <a:ln w="19080">
+            <a:solidFill>
+              <a:schemeClr val="tx1"/>
+            </a:solidFill>
+            <a:round/>
+            <a:tailEnd len="med" type="triangle" w="med"/>
+          </a:ln>
+        </p:spPr>
+        <p:style>
+          <a:lnRef idx="1">
+            <a:schemeClr val="accent1"/>
+          </a:lnRef>
+          <a:fillRef idx="0">
+            <a:schemeClr val="accent1"/>
+          </a:fillRef>
+          <a:effectRef idx="0">
+            <a:schemeClr val="accent1"/>
+          </a:effectRef>
+          <a:fontRef idx="minor"/>
+        </p:style>
+      </p:sp>
+      <p:sp>
+        <p:nvSpPr>
+          <p:cNvPr id="129" name="CustomShape 50"/>
+          <p:cNvSpPr/>
+          <p:nvPr/>
+        </p:nvSpPr>
+        <p:spPr>
+          <a:xfrm>
+            <a:off x="4166280" y="955080"/>
+            <a:ext cx="1967040" cy="364680"/>
+          </a:xfrm>
+          <a:prstGeom prst="rect">
+            <a:avLst/>
+          </a:prstGeom>
+          <a:noFill/>
+          <a:ln>
+            <a:noFill/>
+          </a:ln>
+        </p:spPr>
+        <p:style>
+          <a:lnRef idx="0"/>
+          <a:fillRef idx="0"/>
+          <a:effectRef idx="0"/>
+          <a:fontRef idx="minor"/>
+        </p:style>
+        <p:txBody>
+          <a:bodyPr wrap="none" lIns="90000" rIns="90000" tIns="45000" bIns="45000"/>
+          <a:p>
+            <a:pPr>
+              <a:lnSpc>
+                <a:spcPct val="100000"/>
+              </a:lnSpc>
+            </a:pPr>
+            <a:r>
+              <a:rPr b="1" i="1" lang="fr-FR" sz="1800" spc="-1" strike="noStrike">
+                <a:solidFill>
+                  <a:srgbClr val="050571"/>
+                </a:solidFill>
+                <a:latin typeface="Calibri"/>
+              </a:rPr>
+              <a:t>Cluster de serveurs</a:t>
+            </a:r>
+            <a:endParaRPr b="0" lang="fr-FR" sz="1800" spc="-1" strike="noStrike">
+              <a:latin typeface="Arial"/>
+            </a:endParaRPr>
+          </a:p>
+        </p:txBody>
+      </p:sp>
+      <p:sp>
+        <p:nvSpPr>
+          <p:cNvPr id="130" name="CustomShape 51"/>
+          <p:cNvSpPr/>
+          <p:nvPr/>
+        </p:nvSpPr>
+        <p:spPr>
+          <a:xfrm>
+            <a:off x="1605600" y="4885560"/>
+            <a:ext cx="1561680" cy="820440"/>
+          </a:xfrm>
+          <a:prstGeom prst="rect">
+            <a:avLst/>
+          </a:prstGeom>
+          <a:noFill/>
+          <a:ln>
+            <a:noFill/>
+          </a:ln>
+        </p:spPr>
+        <p:style>
+          <a:lnRef idx="0"/>
+          <a:fillRef idx="0"/>
+          <a:effectRef idx="0"/>
+          <a:fontRef idx="minor"/>
+        </p:style>
+        <p:txBody>
+          <a:bodyPr wrap="none" lIns="90000" rIns="90000" tIns="45000" bIns="45000"/>
+          <a:p>
+            <a:pPr>
+              <a:lnSpc>
+                <a:spcPct val="100000"/>
+              </a:lnSpc>
+            </a:pPr>
+            <a:r>
+              <a:rPr b="0" i="1" lang="fr-FR" sz="1600" spc="-1" strike="noStrike">
+                <a:solidFill>
+                  <a:srgbClr val="c00000"/>
+                </a:solidFill>
+                <a:latin typeface="Calibri"/>
+              </a:rPr>
+              <a:t>(**) répartition</a:t>
+            </a:r>
+            <a:endParaRPr b="0" lang="fr-FR" sz="1600" spc="-1" strike="noStrike">
+              <a:latin typeface="Arial"/>
+            </a:endParaRPr>
+          </a:p>
+          <a:p>
+            <a:pPr>
+              <a:lnSpc>
+                <a:spcPct val="100000"/>
+              </a:lnSpc>
+            </a:pPr>
+            <a:r>
+              <a:rPr b="0" i="1" lang="fr-FR" sz="1600" spc="-1" strike="noStrike">
+                <a:solidFill>
+                  <a:srgbClr val="c00000"/>
+                </a:solidFill>
+                <a:latin typeface="Calibri"/>
+              </a:rPr>
+              <a:t>de charge</a:t>
+            </a:r>
+            <a:endParaRPr b="0" lang="fr-FR" sz="1600" spc="-1" strike="noStrike">
+              <a:latin typeface="Arial"/>
+            </a:endParaRPr>
+          </a:p>
+          <a:p>
+            <a:pPr>
+              <a:lnSpc>
+                <a:spcPct val="100000"/>
+              </a:lnSpc>
+            </a:pPr>
+            <a:r>
+              <a:rPr b="0" i="1" lang="fr-FR" sz="1600" spc="-1" strike="noStrike">
+                <a:solidFill>
+                  <a:srgbClr val="c00000"/>
+                </a:solidFill>
+                <a:latin typeface="Calibri"/>
+              </a:rPr>
+              <a:t>(load_balancing</a:t>
+            </a:r>
+            <a:r>
+              <a:rPr b="0" i="1" lang="fr-FR" sz="1600" spc="-1" strike="noStrike">
+                <a:solidFill>
+                  <a:srgbClr val="000000"/>
+                </a:solidFill>
+                <a:latin typeface="Calibri"/>
+              </a:rPr>
+              <a:t>)</a:t>
+            </a:r>
+            <a:endParaRPr b="0" lang="fr-FR" sz="1600" spc="-1" strike="noStrike">
+              <a:latin typeface="Arial"/>
+            </a:endParaRPr>
+          </a:p>
+        </p:txBody>
+      </p:sp>
+    </p:spTree>
+  </p:cSld>
+  <p:timing>
+    <p:tnLst>
+      <p:par>
+        <p:cTn id="3" dur="indefinite" restart="never" nodeType="tmRoot">
+          <p:childTnLst>
+            <p:seq>
+              <p:cTn id="4" nodeType="mainSeq"/>
+              <p:prevCondLst>
+                <p:cond delay="0" evt="onPrev">
+                  <p:tgtEl>
+                    <p:sldTgt/>
+                  </p:tgtEl>
+                </p:cond>
+              </p:prevCondLst>
+              <p:nextCondLst>
+                <p:cond delay="0" evt="onNext">
+                  <p:tgtEl>
+                    <p:sldTgt/>
+                  </p:tgtEl>
+                </p:cond>
+              </p:nextCondLst>
+            </p:seq>
+          </p:childTnLst>
+        </p:cTn>
+      </p:par>
+    </p:tnLst>
+  </p:timing>
+</p:sld>
+</file>
+
+<file path=ppt/slides/slide3.xml><?xml version="1.0" encoding="utf-8"?>
+<p:sld xmlns:a="http://schemas.openxmlformats.org/drawingml/2006/main" xmlns:p="http://schemas.openxmlformats.org/presentationml/2006/main" xmlns:r="http://schemas.openxmlformats.org/officeDocument/2006/relationships" xmlns:p14="http://schemas.microsoft.com/office/powerpoint/2010/main" xmlns:p15="http://schemas.microsoft.com/office/powerpoint/2012/main" xmlns:mc="http://schemas.openxmlformats.org/markup-compatibility/2006">
+  <p:cSld>
+    <p:spTree>
+      <p:nvGrpSpPr>
+        <p:cNvPr id="1" name=""/>
+        <p:cNvGrpSpPr/>
+        <p:nvPr/>
+      </p:nvGrpSpPr>
+      <p:grpSpPr>
+        <a:xfrm>
+          <a:off x="0" y="0"/>
+          <a:ext cx="0" cy="0"/>
+          <a:chOff x="0" y="0"/>
+          <a:chExt cx="0" cy="0"/>
+        </a:xfrm>
+      </p:grpSpPr>
+      <p:sp>
+        <p:nvSpPr>
+          <p:cNvPr id="131" name="CustomShape 1"/>
+          <p:cNvSpPr/>
+          <p:nvPr/>
+        </p:nvSpPr>
+        <p:spPr>
+          <a:xfrm>
+            <a:off x="685800" y="2130480"/>
+            <a:ext cx="7773480" cy="2233440"/>
+          </a:xfrm>
+          <a:prstGeom prst="rect">
+            <a:avLst/>
+          </a:prstGeom>
+          <a:noFill/>
+          <a:ln>
+            <a:noFill/>
+          </a:ln>
+        </p:spPr>
+        <p:style>
+          <a:lnRef idx="0"/>
+          <a:fillRef idx="0"/>
+          <a:effectRef idx="0"/>
+          <a:fontRef idx="minor"/>
+        </p:style>
+      </p:sp>
+      <p:sp>
+        <p:nvSpPr>
+          <p:cNvPr id="132" name="TextShape 2"/>
+          <p:cNvSpPr txBox="1"/>
+          <p:nvPr/>
+        </p:nvSpPr>
+        <p:spPr>
+          <a:xfrm>
+            <a:off x="788760" y="288000"/>
+            <a:ext cx="6339240" cy="546120"/>
+          </a:xfrm>
+          <a:prstGeom prst="rect">
+            <a:avLst/>
+          </a:prstGeom>
+          <a:noFill/>
+          <a:ln>
+            <a:noFill/>
+          </a:ln>
+        </p:spPr>
+        <p:txBody>
+          <a:bodyPr lIns="90000" rIns="90000" tIns="45000" bIns="45000"/>
+          <a:p>
+            <a:r>
+              <a:rPr b="0" lang="fr-FR" sz="3200" spc="-1" strike="noStrike" u="sng">
+                <a:uFillTx/>
+                <a:latin typeface="Arial"/>
+              </a:rPr>
+              <a:t>Limitations du clustering "java/EE</a:t>
+            </a:r>
+            <a:r>
+              <a:rPr b="0" lang="fr-FR" sz="3200" spc="-1" strike="noStrike">
+                <a:latin typeface="Arial"/>
+              </a:rPr>
+              <a:t>"</a:t>
+            </a:r>
+            <a:endParaRPr b="0" lang="fr-FR" sz="3200" spc="-1" strike="noStrike">
+              <a:latin typeface="Arial"/>
+            </a:endParaRPr>
+          </a:p>
+        </p:txBody>
+      </p:sp>
+      <p:sp>
+        <p:nvSpPr>
+          <p:cNvPr id="133" name="TextShape 3"/>
+          <p:cNvSpPr txBox="1"/>
+          <p:nvPr/>
+        </p:nvSpPr>
+        <p:spPr>
+          <a:xfrm>
+            <a:off x="288000" y="1148040"/>
+            <a:ext cx="8529120" cy="5187960"/>
+          </a:xfrm>
+          <a:prstGeom prst="rect">
+            <a:avLst/>
+          </a:prstGeom>
+          <a:noFill/>
+          <a:ln>
+            <a:noFill/>
+          </a:ln>
+        </p:spPr>
+        <p:txBody>
+          <a:bodyPr lIns="90000" rIns="90000" tIns="45000" bIns="45000"/>
+          <a:p>
+            <a:r>
+              <a:rPr b="0" lang="fr-FR" sz="2400" spc="-1" strike="noStrike">
+                <a:latin typeface="Arial"/>
+              </a:rPr>
+              <a:t>* limité à java</a:t>
+            </a:r>
+            <a:endParaRPr b="0" lang="fr-FR" sz="2400" spc="-1" strike="noStrike">
+              <a:latin typeface="Arial"/>
+            </a:endParaRPr>
+          </a:p>
+          <a:p>
+            <a:endParaRPr b="0" lang="fr-FR" sz="2400" spc="-1" strike="noStrike">
+              <a:latin typeface="Arial"/>
+            </a:endParaRPr>
+          </a:p>
+          <a:p>
+            <a:r>
+              <a:rPr b="0" lang="fr-FR" sz="2400" spc="-1" strike="noStrike">
+                <a:latin typeface="Arial"/>
+              </a:rPr>
+              <a:t>* spécifique à une marque </a:t>
+            </a:r>
+            <a:endParaRPr b="0" lang="fr-FR" sz="2400" spc="-1" strike="noStrike">
+              <a:latin typeface="Arial"/>
+            </a:endParaRPr>
+          </a:p>
+          <a:p>
+            <a:r>
+              <a:rPr b="0" lang="fr-FR" sz="2400" spc="-1" strike="noStrike">
+                <a:latin typeface="Arial"/>
+              </a:rPr>
+              <a:t>  </a:t>
+            </a:r>
+            <a:r>
+              <a:rPr b="0" lang="fr-FR" sz="2400" spc="-1" strike="noStrike">
+                <a:latin typeface="Arial"/>
+              </a:rPr>
+              <a:t>et un modèle de serveur (ex : IBM WebSphere AS 7)</a:t>
+            </a:r>
+            <a:endParaRPr b="0" lang="fr-FR" sz="2400" spc="-1" strike="noStrike">
+              <a:latin typeface="Arial"/>
+            </a:endParaRPr>
+          </a:p>
+          <a:p>
+            <a:endParaRPr b="0" lang="fr-FR" sz="2400" spc="-1" strike="noStrike">
+              <a:latin typeface="Arial"/>
+            </a:endParaRPr>
+          </a:p>
+          <a:p>
+            <a:r>
+              <a:rPr b="0" lang="fr-FR" sz="2400" spc="-1" strike="noStrike">
+                <a:latin typeface="Arial"/>
+              </a:rPr>
+              <a:t>* configuration souvent très différente selon type et/ou version</a:t>
+            </a:r>
+            <a:br/>
+            <a:r>
+              <a:rPr b="0" lang="fr-FR" sz="2400" spc="-1" strike="noStrike">
+                <a:latin typeface="Arial"/>
+              </a:rPr>
+              <a:t>  des serveurs (ex : JBoss AS 4.x , JBoss EAP 7 , ...)</a:t>
+            </a:r>
+            <a:endParaRPr b="0" lang="fr-FR" sz="2400" spc="-1" strike="noStrike">
+              <a:latin typeface="Arial"/>
+            </a:endParaRPr>
+          </a:p>
+          <a:p>
+            <a:endParaRPr b="0" lang="fr-FR" sz="2400" spc="-1" strike="noStrike">
+              <a:latin typeface="Arial"/>
+            </a:endParaRPr>
+          </a:p>
+          <a:p>
+            <a:r>
+              <a:rPr b="0" lang="fr-FR" sz="2400" spc="-1" strike="noStrike">
+                <a:latin typeface="Arial"/>
+              </a:rPr>
+              <a:t>* paramétrages des extensions et de la sécurité </a:t>
+            </a:r>
+            <a:endParaRPr b="0" lang="fr-FR" sz="2400" spc="-1" strike="noStrike">
+              <a:latin typeface="Arial"/>
+            </a:endParaRPr>
+          </a:p>
+          <a:p>
+            <a:r>
+              <a:rPr b="0" lang="fr-FR" sz="2400" spc="-1" strike="noStrike">
+                <a:latin typeface="Arial"/>
+              </a:rPr>
+              <a:t>  </a:t>
+            </a:r>
+            <a:r>
+              <a:rPr b="0" lang="fr-FR" sz="2400" spc="-1" strike="noStrike">
+                <a:latin typeface="Arial"/>
+              </a:rPr>
+              <a:t>quelquefois complexes</a:t>
+            </a:r>
+            <a:endParaRPr b="0" lang="fr-FR" sz="2400" spc="-1" strike="noStrike">
+              <a:latin typeface="Arial"/>
+            </a:endParaRPr>
+          </a:p>
+          <a:p>
+            <a:endParaRPr b="0" lang="fr-FR" sz="2400" spc="-1" strike="noStrike">
+              <a:latin typeface="Arial"/>
+            </a:endParaRPr>
+          </a:p>
+          <a:p>
+            <a:r>
+              <a:rPr b="0" lang="fr-FR" sz="2400" spc="-1" strike="noStrike">
+                <a:latin typeface="Arial"/>
+              </a:rPr>
+              <a:t>===============</a:t>
+            </a:r>
+            <a:endParaRPr b="0" lang="fr-FR" sz="2400" spc="-1" strike="noStrike">
+              <a:latin typeface="Arial"/>
+            </a:endParaRPr>
+          </a:p>
+          <a:p>
+            <a:endParaRPr b="0" lang="fr-FR" sz="2400" spc="-1" strike="noStrike">
+              <a:latin typeface="Arial"/>
+            </a:endParaRPr>
+          </a:p>
+          <a:p>
+            <a:r>
+              <a:rPr b="0" lang="fr-FR" sz="2400" spc="-1" strike="noStrike">
+                <a:latin typeface="Arial"/>
+              </a:rPr>
+              <a:t>* Mêmes types de limitations dans des mondes concurrents</a:t>
+            </a:r>
+            <a:endParaRPr b="0" lang="fr-FR" sz="2400" spc="-1" strike="noStrike">
+              <a:latin typeface="Arial"/>
+            </a:endParaRPr>
+          </a:p>
+          <a:p>
+            <a:r>
+              <a:rPr b="0" lang="fr-FR" sz="2400" spc="-1" strike="noStrike">
+                <a:latin typeface="Arial"/>
+              </a:rPr>
+              <a:t>  </a:t>
+            </a:r>
+            <a:r>
+              <a:rPr b="0" lang="fr-FR" sz="2400" spc="-1" strike="noStrike">
+                <a:latin typeface="Arial"/>
+              </a:rPr>
+              <a:t>(Microsoft .net , python, ...)</a:t>
+            </a:r>
+            <a:endParaRPr b="0" lang="fr-FR" sz="2400" spc="-1" strike="noStrike">
+              <a:latin typeface="Arial"/>
+            </a:endParaRPr>
+          </a:p>
+        </p:txBody>
+      </p:sp>
+    </p:spTree>
+  </p:cSld>
+  <p:timing>
+    <p:tnLst>
+      <p:par>
+        <p:cTn id="5" dur="indefinite" restart="never" nodeType="tmRoot">
+          <p:childTnLst>
+            <p:seq>
+              <p:cTn id="6" nodeType="mainSeq"/>
+              <p:prevCondLst>
+                <p:cond delay="0" evt="onPrev">
+                  <p:tgtEl>
+                    <p:sldTgt/>
+                  </p:tgtEl>
+                </p:cond>
+              </p:prevCondLst>
+              <p:nextCondLst>
+                <p:cond delay="0" evt="onNext">
+                  <p:tgtEl>
+                    <p:sldTgt/>
+                  </p:tgtEl>
+                </p:cond>
+              </p:nextCondLst>
+            </p:seq>
+          </p:childTnLst>
+        </p:cTn>
+      </p:par>
+    </p:tnLst>
+  </p:timing>
+</p:sld>
+</file>
+
+<file path=ppt/slides/slide4.xml><?xml version="1.0" encoding="utf-8"?>
+<p:sld xmlns:a="http://schemas.openxmlformats.org/drawingml/2006/main" xmlns:p="http://schemas.openxmlformats.org/presentationml/2006/main" xmlns:r="http://schemas.openxmlformats.org/officeDocument/2006/relationships" xmlns:p14="http://schemas.microsoft.com/office/powerpoint/2010/main" xmlns:p15="http://schemas.microsoft.com/office/powerpoint/2012/main" xmlns:mc="http://schemas.openxmlformats.org/markup-compatibility/2006">
+  <p:cSld>
+    <p:spTree>
+      <p:nvGrpSpPr>
+        <p:cNvPr id="1" name=""/>
+        <p:cNvGrpSpPr/>
+        <p:nvPr/>
+      </p:nvGrpSpPr>
+      <p:grpSpPr>
+        <a:xfrm>
+          <a:off x="0" y="0"/>
+          <a:ext cx="0" cy="0"/>
+          <a:chOff x="0" y="0"/>
+          <a:chExt cx="0" cy="0"/>
+        </a:xfrm>
+      </p:grpSpPr>
+      <p:sp>
+        <p:nvSpPr>
+          <p:cNvPr id="134" name="CustomShape 1"/>
+          <p:cNvSpPr/>
+          <p:nvPr/>
+        </p:nvSpPr>
+        <p:spPr>
+          <a:xfrm>
+            <a:off x="685800" y="2130480"/>
+            <a:ext cx="7773480" cy="2233440"/>
+          </a:xfrm>
+          <a:prstGeom prst="rect">
+            <a:avLst/>
+          </a:prstGeom>
+          <a:noFill/>
+          <a:ln>
+            <a:noFill/>
+          </a:ln>
+        </p:spPr>
+        <p:style>
+          <a:lnRef idx="0"/>
+          <a:fillRef idx="0"/>
+          <a:effectRef idx="0"/>
+          <a:fontRef idx="minor"/>
+        </p:style>
+      </p:sp>
+      <p:sp>
+        <p:nvSpPr>
+          <p:cNvPr id="135" name="TextShape 2"/>
+          <p:cNvSpPr txBox="1"/>
+          <p:nvPr/>
+        </p:nvSpPr>
+        <p:spPr>
+          <a:xfrm>
+            <a:off x="457560" y="116640"/>
+            <a:ext cx="8229240" cy="462240"/>
+          </a:xfrm>
+          <a:prstGeom prst="rect">
+            <a:avLst/>
+          </a:prstGeom>
+          <a:noFill/>
+          <a:ln>
+            <a:noFill/>
+          </a:ln>
+        </p:spPr>
+        <p:txBody>
+          <a:bodyPr anchor="ctr">
+            <a:normAutofit/>
+          </a:bodyPr>
+          <a:p>
+            <a:pPr algn="ctr">
+              <a:lnSpc>
+                <a:spcPct val="100000"/>
+              </a:lnSpc>
+            </a:pPr>
+            <a:r>
+              <a:rPr b="0" lang="fr-FR" sz="3600" spc="-1" strike="noStrike" u="sng">
+                <a:solidFill>
+                  <a:srgbClr val="182f7c"/>
+                </a:solidFill>
+                <a:uFillTx/>
+                <a:latin typeface="Calibri"/>
+              </a:rPr>
+              <a:t>Notion de reverse-proxy</a:t>
+            </a:r>
+            <a:endParaRPr b="0" lang="fr-FR" sz="3600" spc="-1" strike="noStrike">
+              <a:solidFill>
+                <a:srgbClr val="182f7c"/>
+              </a:solidFill>
+              <a:latin typeface="Arial"/>
+            </a:endParaRPr>
+          </a:p>
+        </p:txBody>
+      </p:sp>
+      <p:sp>
+        <p:nvSpPr>
+          <p:cNvPr id="136" name="CustomShape 3"/>
+          <p:cNvSpPr/>
+          <p:nvPr/>
+        </p:nvSpPr>
+        <p:spPr>
+          <a:xfrm>
+            <a:off x="395640" y="2062800"/>
+            <a:ext cx="287280" cy="359280"/>
+          </a:xfrm>
+          <a:prstGeom prst="smileyFace">
+            <a:avLst>
+              <a:gd name="adj" fmla="val 4653"/>
+            </a:avLst>
+          </a:prstGeom>
+          <a:ln>
+            <a:solidFill>
+              <a:srgbClr val="be4b48"/>
+            </a:solidFill>
+            <a:round/>
+          </a:ln>
+          <a:effectLst>
+            <a:outerShdw blurRad="40000" dir="5400000" dist="20000" rotWithShape="0">
+              <a:srgbClr val="000000">
+                <a:alpha val="38000"/>
+              </a:srgbClr>
+            </a:outerShdw>
+          </a:effectLst>
+        </p:spPr>
+        <p:style>
+          <a:lnRef idx="1">
+            <a:schemeClr val="accent2"/>
+          </a:lnRef>
+          <a:fillRef idx="2">
+            <a:schemeClr val="accent2"/>
+          </a:fillRef>
+          <a:effectRef idx="1">
+            <a:schemeClr val="accent2"/>
+          </a:effectRef>
+          <a:fontRef idx="minor"/>
+        </p:style>
+      </p:sp>
+      <p:sp>
+        <p:nvSpPr>
+          <p:cNvPr id="137" name="CustomShape 4"/>
+          <p:cNvSpPr/>
+          <p:nvPr/>
+        </p:nvSpPr>
+        <p:spPr>
+          <a:xfrm>
+            <a:off x="395640" y="2494800"/>
+            <a:ext cx="287280" cy="215280"/>
+          </a:xfrm>
+          <a:prstGeom prst="heart">
+            <a:avLst/>
+          </a:prstGeom>
+          <a:ln>
+            <a:solidFill>
+              <a:srgbClr val="be4b48"/>
+            </a:solidFill>
+            <a:round/>
+          </a:ln>
+          <a:effectLst>
+            <a:outerShdw blurRad="40000" dir="5400000" dist="20000" rotWithShape="0">
+              <a:srgbClr val="000000">
+                <a:alpha val="38000"/>
+              </a:srgbClr>
+            </a:outerShdw>
+          </a:effectLst>
+        </p:spPr>
+        <p:style>
+          <a:lnRef idx="1">
+            <a:schemeClr val="accent2"/>
+          </a:lnRef>
+          <a:fillRef idx="2">
+            <a:schemeClr val="accent2"/>
+          </a:fillRef>
+          <a:effectRef idx="1">
+            <a:schemeClr val="accent2"/>
+          </a:effectRef>
+          <a:fontRef idx="minor"/>
+        </p:style>
+      </p:sp>
+      <p:sp>
+        <p:nvSpPr>
+          <p:cNvPr id="138" name="CustomShape 5"/>
+          <p:cNvSpPr/>
+          <p:nvPr/>
+        </p:nvSpPr>
+        <p:spPr>
+          <a:xfrm>
+            <a:off x="754200" y="2101320"/>
+            <a:ext cx="287280" cy="359280"/>
+          </a:xfrm>
+          <a:prstGeom prst="smileyFace">
+            <a:avLst>
+              <a:gd name="adj" fmla="val 4653"/>
+            </a:avLst>
+          </a:prstGeom>
+          <a:ln>
+            <a:solidFill>
+              <a:srgbClr val="be4b48"/>
+            </a:solidFill>
+            <a:round/>
+          </a:ln>
+          <a:effectLst>
+            <a:outerShdw blurRad="40000" dir="5400000" dist="20000" rotWithShape="0">
+              <a:srgbClr val="000000">
+                <a:alpha val="38000"/>
+              </a:srgbClr>
+            </a:outerShdw>
+          </a:effectLst>
+        </p:spPr>
+        <p:style>
+          <a:lnRef idx="1">
+            <a:schemeClr val="accent2"/>
+          </a:lnRef>
+          <a:fillRef idx="2">
+            <a:schemeClr val="accent2"/>
+          </a:fillRef>
+          <a:effectRef idx="1">
+            <a:schemeClr val="accent2"/>
+          </a:effectRef>
+          <a:fontRef idx="minor"/>
+        </p:style>
+      </p:sp>
+      <p:sp>
+        <p:nvSpPr>
+          <p:cNvPr id="139" name="CustomShape 6"/>
+          <p:cNvSpPr/>
+          <p:nvPr/>
+        </p:nvSpPr>
+        <p:spPr>
+          <a:xfrm>
+            <a:off x="754200" y="2533680"/>
+            <a:ext cx="287280" cy="215280"/>
+          </a:xfrm>
+          <a:prstGeom prst="heart">
+            <a:avLst/>
+          </a:prstGeom>
+          <a:ln>
+            <a:solidFill>
+              <a:srgbClr val="be4b48"/>
+            </a:solidFill>
+            <a:round/>
+          </a:ln>
+          <a:effectLst>
+            <a:outerShdw blurRad="40000" dir="5400000" dist="20000" rotWithShape="0">
+              <a:srgbClr val="000000">
+                <a:alpha val="38000"/>
+              </a:srgbClr>
+            </a:outerShdw>
+          </a:effectLst>
+        </p:spPr>
+        <p:style>
+          <a:lnRef idx="1">
+            <a:schemeClr val="accent2"/>
+          </a:lnRef>
+          <a:fillRef idx="2">
+            <a:schemeClr val="accent2"/>
+          </a:fillRef>
+          <a:effectRef idx="1">
+            <a:schemeClr val="accent2"/>
+          </a:effectRef>
+          <a:fontRef idx="minor"/>
+        </p:style>
+      </p:sp>
+      <p:sp>
+        <p:nvSpPr>
+          <p:cNvPr id="140" name="CustomShape 7"/>
+          <p:cNvSpPr/>
+          <p:nvPr/>
+        </p:nvSpPr>
+        <p:spPr>
+          <a:xfrm>
+            <a:off x="547920" y="2215440"/>
+            <a:ext cx="287280" cy="359280"/>
+          </a:xfrm>
+          <a:prstGeom prst="smileyFace">
+            <a:avLst>
+              <a:gd name="adj" fmla="val 4653"/>
+            </a:avLst>
+          </a:prstGeom>
+          <a:ln>
+            <a:solidFill>
+              <a:srgbClr val="be4b48"/>
+            </a:solidFill>
+            <a:round/>
+          </a:ln>
+          <a:effectLst>
+            <a:outerShdw blurRad="40000" dir="5400000" dist="20000" rotWithShape="0">
+              <a:srgbClr val="000000">
+                <a:alpha val="38000"/>
+              </a:srgbClr>
+            </a:outerShdw>
+          </a:effectLst>
+        </p:spPr>
+        <p:style>
+          <a:lnRef idx="1">
+            <a:schemeClr val="accent2"/>
+          </a:lnRef>
+          <a:fillRef idx="2">
+            <a:schemeClr val="accent2"/>
+          </a:fillRef>
+          <a:effectRef idx="1">
+            <a:schemeClr val="accent2"/>
+          </a:effectRef>
+          <a:fontRef idx="minor"/>
+        </p:style>
+      </p:sp>
+      <p:sp>
+        <p:nvSpPr>
+          <p:cNvPr id="141" name="CustomShape 8"/>
+          <p:cNvSpPr/>
+          <p:nvPr/>
+        </p:nvSpPr>
+        <p:spPr>
+          <a:xfrm>
+            <a:off x="547920" y="2647440"/>
+            <a:ext cx="287280" cy="215280"/>
+          </a:xfrm>
+          <a:prstGeom prst="heart">
+            <a:avLst/>
+          </a:prstGeom>
+          <a:ln>
+            <a:solidFill>
+              <a:srgbClr val="be4b48"/>
+            </a:solidFill>
+            <a:round/>
+          </a:ln>
+          <a:effectLst>
+            <a:outerShdw blurRad="40000" dir="5400000" dist="20000" rotWithShape="0">
+              <a:srgbClr val="000000">
+                <a:alpha val="38000"/>
+              </a:srgbClr>
+            </a:outerShdw>
+          </a:effectLst>
+        </p:spPr>
+        <p:style>
+          <a:lnRef idx="1">
+            <a:schemeClr val="accent2"/>
+          </a:lnRef>
+          <a:fillRef idx="2">
+            <a:schemeClr val="accent2"/>
+          </a:fillRef>
+          <a:effectRef idx="1">
+            <a:schemeClr val="accent2"/>
+          </a:effectRef>
+          <a:fontRef idx="minor"/>
+        </p:style>
+      </p:sp>
+      <p:sp>
+        <p:nvSpPr>
+          <p:cNvPr id="142" name="CustomShape 9"/>
+          <p:cNvSpPr/>
+          <p:nvPr/>
+        </p:nvSpPr>
+        <p:spPr>
+          <a:xfrm>
+            <a:off x="216000" y="3024000"/>
+            <a:ext cx="1368000" cy="936000"/>
+          </a:xfrm>
+          <a:prstGeom prst="rect">
+            <a:avLst/>
+          </a:prstGeom>
+          <a:solidFill>
+            <a:srgbClr val="dddddd"/>
+          </a:solidFill>
+          <a:ln>
+            <a:solidFill>
+              <a:srgbClr val="3465a4"/>
+            </a:solidFill>
+          </a:ln>
+        </p:spPr>
+        <p:style>
+          <a:lnRef idx="0"/>
+          <a:fillRef idx="0"/>
+          <a:effectRef idx="0"/>
+          <a:fontRef idx="minor"/>
+        </p:style>
+      </p:sp>
+      <p:sp>
+        <p:nvSpPr>
+          <p:cNvPr id="143" name="CustomShape 10"/>
+          <p:cNvSpPr/>
+          <p:nvPr/>
+        </p:nvSpPr>
+        <p:spPr>
+          <a:xfrm>
+            <a:off x="432000" y="3168000"/>
+            <a:ext cx="1330200" cy="936000"/>
+          </a:xfrm>
+          <a:prstGeom prst="rect">
+            <a:avLst/>
+          </a:prstGeom>
+          <a:solidFill>
+            <a:srgbClr val="dddddd"/>
+          </a:solidFill>
+          <a:ln>
+            <a:solidFill>
+              <a:srgbClr val="3465a4"/>
+            </a:solidFill>
+          </a:ln>
+        </p:spPr>
+        <p:style>
+          <a:lnRef idx="0"/>
+          <a:fillRef idx="0"/>
+          <a:effectRef idx="0"/>
+          <a:fontRef idx="minor"/>
+        </p:style>
+      </p:sp>
+      <p:sp>
+        <p:nvSpPr>
+          <p:cNvPr id="144" name="CustomShape 11"/>
+          <p:cNvSpPr/>
+          <p:nvPr/>
+        </p:nvSpPr>
+        <p:spPr>
+          <a:xfrm>
+            <a:off x="648000" y="3384000"/>
+            <a:ext cx="1296000" cy="936000"/>
+          </a:xfrm>
+          <a:prstGeom prst="rect">
+            <a:avLst/>
+          </a:prstGeom>
+          <a:solidFill>
+            <a:srgbClr val="dddddd"/>
+          </a:solidFill>
+          <a:ln>
+            <a:solidFill>
+              <a:srgbClr val="3465a4"/>
+            </a:solidFill>
+          </a:ln>
+        </p:spPr>
+        <p:style>
+          <a:lnRef idx="0"/>
+          <a:fillRef idx="0"/>
+          <a:effectRef idx="0"/>
+          <a:fontRef idx="minor"/>
+        </p:style>
+      </p:sp>
+      <p:sp>
+        <p:nvSpPr>
+          <p:cNvPr id="145" name="CustomShape 12"/>
+          <p:cNvSpPr/>
+          <p:nvPr/>
+        </p:nvSpPr>
+        <p:spPr>
+          <a:xfrm>
+            <a:off x="3168000" y="1512000"/>
+            <a:ext cx="2304000" cy="4320000"/>
+          </a:xfrm>
+          <a:prstGeom prst="rect">
+            <a:avLst/>
+          </a:prstGeom>
+          <a:solidFill>
+            <a:srgbClr val="7da7d8"/>
+          </a:solidFill>
+          <a:ln>
+            <a:solidFill>
+              <a:srgbClr val="3465a4"/>
+            </a:solidFill>
+          </a:ln>
+        </p:spPr>
+        <p:style>
+          <a:lnRef idx="0"/>
+          <a:fillRef idx="0"/>
+          <a:effectRef idx="0"/>
+          <a:fontRef idx="minor"/>
+        </p:style>
+      </p:sp>
+      <p:sp>
+        <p:nvSpPr>
+          <p:cNvPr id="146" name="CustomShape 13"/>
+          <p:cNvSpPr/>
+          <p:nvPr/>
+        </p:nvSpPr>
+        <p:spPr>
+          <a:xfrm>
+            <a:off x="6912000" y="1800000"/>
+            <a:ext cx="1440000" cy="1152000"/>
+          </a:xfrm>
+          <a:prstGeom prst="rect">
+            <a:avLst/>
+          </a:prstGeom>
+          <a:solidFill>
+            <a:srgbClr val="c2e0ae"/>
+          </a:solidFill>
+          <a:ln>
+            <a:solidFill>
+              <a:srgbClr val="3465a4"/>
+            </a:solidFill>
+          </a:ln>
+        </p:spPr>
+        <p:style>
+          <a:lnRef idx="0"/>
+          <a:fillRef idx="0"/>
+          <a:effectRef idx="0"/>
+          <a:fontRef idx="minor"/>
+        </p:style>
+        <p:txBody>
+          <a:bodyPr wrap="none" lIns="90000" rIns="90000" tIns="45000" bIns="45000" anchor="ctr"/>
+          <a:p>
+            <a:r>
+              <a:rPr b="0" lang="fr-FR" sz="1800" spc="-1" strike="noStrike">
+                <a:latin typeface="Arial"/>
+              </a:rPr>
+              <a:t>api_rest_A</a:t>
+            </a:r>
+            <a:endParaRPr b="0" lang="fr-FR" sz="1800" spc="-1" strike="noStrike">
+              <a:latin typeface="Arial"/>
+            </a:endParaRPr>
+          </a:p>
+          <a:p>
+            <a:r>
+              <a:rPr b="0" lang="fr-FR" sz="1800" spc="-1" strike="noStrike">
+                <a:latin typeface="Arial"/>
+              </a:rPr>
+              <a:t>sur</a:t>
+            </a:r>
+            <a:endParaRPr b="0" lang="fr-FR" sz="1800" spc="-1" strike="noStrike">
+              <a:latin typeface="Arial"/>
+            </a:endParaRPr>
+          </a:p>
+          <a:p>
+            <a:r>
+              <a:rPr b="0" lang="fr-FR" sz="1800" spc="-1" strike="noStrike">
+                <a:latin typeface="Arial"/>
+              </a:rPr>
+              <a:t>backEnd </a:t>
+            </a:r>
+            <a:endParaRPr b="0" lang="fr-FR" sz="1800" spc="-1" strike="noStrike">
+              <a:latin typeface="Arial"/>
+            </a:endParaRPr>
+          </a:p>
+          <a:p>
+            <a:r>
+              <a:rPr b="0" lang="fr-FR" sz="1800" spc="-1" strike="noStrike">
+                <a:latin typeface="Arial"/>
+              </a:rPr>
+              <a:t>springBoot</a:t>
+            </a:r>
+            <a:endParaRPr b="0" lang="fr-FR" sz="1800" spc="-1" strike="noStrike">
+              <a:latin typeface="Arial"/>
+            </a:endParaRPr>
+          </a:p>
+        </p:txBody>
+      </p:sp>
+      <p:sp>
+        <p:nvSpPr>
+          <p:cNvPr id="147" name="CustomShape 14"/>
+          <p:cNvSpPr/>
+          <p:nvPr/>
+        </p:nvSpPr>
+        <p:spPr>
+          <a:xfrm>
+            <a:off x="6912000" y="3816000"/>
+            <a:ext cx="1440000" cy="1152000"/>
+          </a:xfrm>
+          <a:prstGeom prst="rect">
+            <a:avLst/>
+          </a:prstGeom>
+          <a:solidFill>
+            <a:srgbClr val="c2e0ae"/>
+          </a:solidFill>
+          <a:ln>
+            <a:solidFill>
+              <a:srgbClr val="3465a4"/>
+            </a:solidFill>
+          </a:ln>
+        </p:spPr>
+        <p:style>
+          <a:lnRef idx="0"/>
+          <a:fillRef idx="0"/>
+          <a:effectRef idx="0"/>
+          <a:fontRef idx="minor"/>
+        </p:style>
+        <p:txBody>
+          <a:bodyPr wrap="none" lIns="90000" rIns="90000" tIns="45000" bIns="45000" anchor="ctr"/>
+          <a:p>
+            <a:r>
+              <a:rPr b="0" lang="fr-FR" sz="1800" spc="-1" strike="noStrike">
+                <a:latin typeface="Arial"/>
+              </a:rPr>
+              <a:t>api_rest_B</a:t>
+            </a:r>
+            <a:endParaRPr b="0" lang="fr-FR" sz="1800" spc="-1" strike="noStrike">
+              <a:latin typeface="Arial"/>
+            </a:endParaRPr>
+          </a:p>
+          <a:p>
+            <a:r>
+              <a:rPr b="0" lang="fr-FR" sz="1800" spc="-1" strike="noStrike">
+                <a:latin typeface="Arial"/>
+              </a:rPr>
+              <a:t>sur</a:t>
+            </a:r>
+            <a:endParaRPr b="0" lang="fr-FR" sz="1800" spc="-1" strike="noStrike">
+              <a:latin typeface="Arial"/>
+            </a:endParaRPr>
+          </a:p>
+          <a:p>
+            <a:r>
+              <a:rPr b="0" lang="fr-FR" sz="1800" spc="-1" strike="noStrike">
+                <a:latin typeface="Arial"/>
+              </a:rPr>
+              <a:t>backEnd </a:t>
+            </a:r>
+            <a:endParaRPr b="0" lang="fr-FR" sz="1800" spc="-1" strike="noStrike">
+              <a:latin typeface="Arial"/>
+            </a:endParaRPr>
+          </a:p>
+          <a:p>
+            <a:r>
+              <a:rPr b="0" lang="fr-FR" sz="1800" spc="-1" strike="noStrike">
+                <a:latin typeface="Arial"/>
+              </a:rPr>
+              <a:t>nodeJs</a:t>
+            </a:r>
+            <a:endParaRPr b="0" lang="fr-FR" sz="1800" spc="-1" strike="noStrike">
+              <a:latin typeface="Arial"/>
+            </a:endParaRPr>
+          </a:p>
+        </p:txBody>
+      </p:sp>
+      <p:sp>
+        <p:nvSpPr>
+          <p:cNvPr id="148" name="CustomShape 15"/>
+          <p:cNvSpPr/>
+          <p:nvPr/>
+        </p:nvSpPr>
+        <p:spPr>
+          <a:xfrm>
+            <a:off x="8548920" y="2232000"/>
+            <a:ext cx="379080" cy="584640"/>
+          </a:xfrm>
+          <a:prstGeom prst="can">
+            <a:avLst>
+              <a:gd name="adj" fmla="val 25000"/>
+            </a:avLst>
+          </a:prstGeom>
+          <a:gradFill>
+            <a:gsLst>
+              <a:gs pos="0">
+                <a:srgbClr val="94bd5e"/>
+              </a:gs>
+              <a:gs pos="100000">
+                <a:srgbClr val="5c8526"/>
+              </a:gs>
+            </a:gsLst>
+            <a:lin ang="1800000"/>
+          </a:gradFill>
+          <a:ln>
+            <a:solidFill>
+              <a:srgbClr val="4a7ebb"/>
+            </a:solidFill>
+            <a:round/>
+          </a:ln>
+          <a:effectLst>
+            <a:outerShdw blurRad="40000" dir="5400000" dist="20000" rotWithShape="0">
+              <a:srgbClr val="000000">
+                <a:alpha val="38000"/>
+              </a:srgbClr>
+            </a:outerShdw>
+          </a:effectLst>
+        </p:spPr>
+        <p:style>
+          <a:lnRef idx="1">
+            <a:schemeClr val="accent1"/>
+          </a:lnRef>
+          <a:fillRef idx="2">
+            <a:schemeClr val="accent1"/>
+          </a:fillRef>
+          <a:effectRef idx="1">
+            <a:schemeClr val="accent1"/>
+          </a:effectRef>
+          <a:fontRef idx="minor"/>
+        </p:style>
+      </p:sp>
+      <p:sp>
+        <p:nvSpPr>
+          <p:cNvPr id="149" name="CustomShape 16"/>
+          <p:cNvSpPr/>
+          <p:nvPr/>
+        </p:nvSpPr>
+        <p:spPr>
+          <a:xfrm>
+            <a:off x="8568000" y="4032000"/>
+            <a:ext cx="379080" cy="584640"/>
+          </a:xfrm>
+          <a:prstGeom prst="can">
+            <a:avLst>
+              <a:gd name="adj" fmla="val 25000"/>
+            </a:avLst>
+          </a:prstGeom>
+          <a:gradFill>
+            <a:gsLst>
+              <a:gs pos="0">
+                <a:srgbClr val="94bd5e"/>
+              </a:gs>
+              <a:gs pos="100000">
+                <a:srgbClr val="5c8526"/>
+              </a:gs>
+            </a:gsLst>
+            <a:lin ang="1800000"/>
+          </a:gradFill>
+          <a:ln>
+            <a:solidFill>
+              <a:srgbClr val="4a7ebb"/>
+            </a:solidFill>
+            <a:round/>
+          </a:ln>
+          <a:effectLst>
+            <a:outerShdw blurRad="40000" dir="5400000" dist="20000" rotWithShape="0">
+              <a:srgbClr val="000000">
+                <a:alpha val="38000"/>
+              </a:srgbClr>
+            </a:outerShdw>
+          </a:effectLst>
+        </p:spPr>
+        <p:style>
+          <a:lnRef idx="1">
+            <a:schemeClr val="accent1"/>
+          </a:lnRef>
+          <a:fillRef idx="2">
+            <a:schemeClr val="accent1"/>
+          </a:fillRef>
+          <a:effectRef idx="1">
+            <a:schemeClr val="accent1"/>
+          </a:effectRef>
+          <a:fontRef idx="minor"/>
+        </p:style>
+      </p:sp>
+      <p:sp>
+        <p:nvSpPr>
+          <p:cNvPr id="150" name="CustomShape 17"/>
+          <p:cNvSpPr/>
+          <p:nvPr/>
+        </p:nvSpPr>
+        <p:spPr>
+          <a:xfrm>
+            <a:off x="3384000" y="3600000"/>
+            <a:ext cx="2016000" cy="1728000"/>
+          </a:xfrm>
+          <a:custGeom>
+            <a:avLst/>
+            <a:gdLst/>
+            <a:ahLst/>
+            <a:rect l="0" t="0" r="r" b="b"/>
+            <a:pathLst>
+              <a:path w="5602" h="4802">
+                <a:moveTo>
+                  <a:pt x="800" y="0"/>
+                </a:moveTo>
+                <a:cubicBezTo>
+                  <a:pt x="400" y="0"/>
+                  <a:pt x="0" y="400"/>
+                  <a:pt x="0" y="800"/>
+                </a:cubicBezTo>
+                <a:lnTo>
+                  <a:pt x="0" y="4000"/>
+                </a:lnTo>
+                <a:cubicBezTo>
+                  <a:pt x="0" y="4400"/>
+                  <a:pt x="400" y="4801"/>
+                  <a:pt x="800" y="4801"/>
+                </a:cubicBezTo>
+                <a:lnTo>
+                  <a:pt x="4800" y="4801"/>
+                </a:lnTo>
+                <a:cubicBezTo>
+                  <a:pt x="5200" y="4801"/>
+                  <a:pt x="5601" y="4400"/>
+                  <a:pt x="5601" y="4000"/>
+                </a:cubicBezTo>
+                <a:lnTo>
+                  <a:pt x="5601" y="800"/>
+                </a:lnTo>
+                <a:cubicBezTo>
+                  <a:pt x="5601" y="400"/>
+                  <a:pt x="5200" y="0"/>
+                  <a:pt x="4800" y="0"/>
+                </a:cubicBezTo>
+                <a:lnTo>
+                  <a:pt x="800" y="0"/>
+                </a:lnTo>
+              </a:path>
+            </a:pathLst>
+          </a:custGeom>
+          <a:solidFill>
+            <a:srgbClr val="fff685"/>
+          </a:solidFill>
+          <a:ln>
+            <a:solidFill>
+              <a:srgbClr val="3465a4"/>
+            </a:solidFill>
+          </a:ln>
+        </p:spPr>
+        <p:style>
+          <a:lnRef idx="0"/>
+          <a:fillRef idx="0"/>
+          <a:effectRef idx="0"/>
+          <a:fontRef idx="minor"/>
+        </p:style>
+        <p:txBody>
+          <a:bodyPr wrap="none" lIns="90000" rIns="90000" tIns="45000" bIns="45000" anchor="ctr"/>
+          <a:p>
+            <a:pPr algn="ctr"/>
+            <a:r>
+              <a:rPr b="0" lang="fr-FR" sz="1800" spc="-1" strike="noStrike">
+                <a:latin typeface="Arial"/>
+              </a:rPr>
+              <a:t>config</a:t>
+            </a:r>
+            <a:endParaRPr b="0" lang="fr-FR" sz="1800" spc="-1" strike="noStrike">
+              <a:latin typeface="Arial"/>
+            </a:endParaRPr>
+          </a:p>
+          <a:p>
+            <a:pPr algn="ctr"/>
+            <a:r>
+              <a:rPr b="0" lang="fr-FR" sz="1800" spc="-1" strike="noStrike">
+                <a:latin typeface="Arial"/>
+              </a:rPr>
+              <a:t>"reverse_proxy"</a:t>
+            </a:r>
+            <a:endParaRPr b="0" lang="fr-FR" sz="1800" spc="-1" strike="noStrike">
+              <a:latin typeface="Arial"/>
+            </a:endParaRPr>
+          </a:p>
+          <a:p>
+            <a:pPr algn="ctr"/>
+            <a:r>
+              <a:rPr b="0" lang="fr-FR" sz="1800" spc="-1" strike="noStrike">
+                <a:latin typeface="Arial"/>
+              </a:rPr>
+              <a:t>selon </a:t>
+            </a:r>
+            <a:endParaRPr b="0" lang="fr-FR" sz="1800" spc="-1" strike="noStrike">
+              <a:latin typeface="Arial"/>
+            </a:endParaRPr>
+          </a:p>
+          <a:p>
+            <a:pPr algn="ctr"/>
+            <a:r>
+              <a:rPr b="0" lang="fr-FR" sz="1800" spc="-1" strike="noStrike">
+                <a:latin typeface="Arial"/>
+              </a:rPr>
+              <a:t>filtrage </a:t>
+            </a:r>
+            <a:endParaRPr b="0" lang="fr-FR" sz="1800" spc="-1" strike="noStrike">
+              <a:latin typeface="Arial"/>
+            </a:endParaRPr>
+          </a:p>
+          <a:p>
+            <a:pPr algn="ctr"/>
+            <a:r>
+              <a:rPr b="0" lang="fr-FR" sz="1800" spc="-1" strike="noStrike">
+                <a:latin typeface="Arial"/>
+              </a:rPr>
+              <a:t>d'URL</a:t>
+            </a:r>
+            <a:endParaRPr b="0" lang="fr-FR" sz="1800" spc="-1" strike="noStrike">
+              <a:latin typeface="Arial"/>
+            </a:endParaRPr>
+          </a:p>
+        </p:txBody>
+      </p:sp>
+      <p:sp>
+        <p:nvSpPr>
+          <p:cNvPr id="151" name="CustomShape 18"/>
+          <p:cNvSpPr/>
+          <p:nvPr/>
+        </p:nvSpPr>
+        <p:spPr>
+          <a:xfrm>
+            <a:off x="3384000" y="1656000"/>
+            <a:ext cx="1944000" cy="1584000"/>
+          </a:xfrm>
+          <a:custGeom>
+            <a:avLst/>
+            <a:gdLst/>
+            <a:ahLst/>
+            <a:rect l="0" t="0" r="r" b="b"/>
+            <a:pathLst>
+              <a:path w="5402" h="4402">
+                <a:moveTo>
+                  <a:pt x="733" y="0"/>
+                </a:moveTo>
+                <a:cubicBezTo>
+                  <a:pt x="366" y="0"/>
+                  <a:pt x="0" y="366"/>
+                  <a:pt x="0" y="733"/>
+                </a:cubicBezTo>
+                <a:lnTo>
+                  <a:pt x="0" y="3667"/>
+                </a:lnTo>
+                <a:cubicBezTo>
+                  <a:pt x="0" y="4034"/>
+                  <a:pt x="366" y="4401"/>
+                  <a:pt x="733" y="4401"/>
+                </a:cubicBezTo>
+                <a:lnTo>
+                  <a:pt x="4667" y="4401"/>
+                </a:lnTo>
+                <a:cubicBezTo>
+                  <a:pt x="5034" y="4401"/>
+                  <a:pt x="5401" y="4034"/>
+                  <a:pt x="5401" y="3667"/>
+                </a:cubicBezTo>
+                <a:lnTo>
+                  <a:pt x="5401" y="733"/>
+                </a:lnTo>
+                <a:cubicBezTo>
+                  <a:pt x="5401" y="366"/>
+                  <a:pt x="5034" y="0"/>
+                  <a:pt x="4667" y="0"/>
+                </a:cubicBezTo>
+                <a:lnTo>
+                  <a:pt x="733" y="0"/>
+                </a:lnTo>
+              </a:path>
+            </a:pathLst>
+          </a:custGeom>
+          <a:solidFill>
+            <a:srgbClr val="ffdaa2"/>
+          </a:solidFill>
+          <a:ln>
+            <a:solidFill>
+              <a:srgbClr val="3465a4"/>
+            </a:solidFill>
+          </a:ln>
+        </p:spPr>
+        <p:style>
+          <a:lnRef idx="0"/>
+          <a:fillRef idx="0"/>
+          <a:effectRef idx="0"/>
+          <a:fontRef idx="minor"/>
+        </p:style>
+        <p:txBody>
+          <a:bodyPr wrap="none" lIns="90000" rIns="90000" tIns="45000" bIns="45000" anchor="ctr"/>
+          <a:p>
+            <a:pPr algn="ctr"/>
+            <a:r>
+              <a:rPr b="0" lang="fr-FR" sz="1800" spc="-1" strike="noStrike">
+                <a:latin typeface="Arial"/>
+              </a:rPr>
+              <a:t>code frontEnd</a:t>
+            </a:r>
+            <a:endParaRPr b="0" lang="fr-FR" sz="1800" spc="-1" strike="noStrike">
+              <a:latin typeface="Arial"/>
+            </a:endParaRPr>
+          </a:p>
+          <a:p>
+            <a:pPr algn="ctr"/>
+            <a:r>
+              <a:rPr b="0" lang="fr-FR" sz="1800" spc="-1" strike="noStrike">
+                <a:latin typeface="Arial"/>
+              </a:rPr>
+              <a:t>(html + bundles</a:t>
+            </a:r>
+            <a:endParaRPr b="0" lang="fr-FR" sz="1800" spc="-1" strike="noStrike">
+              <a:latin typeface="Arial"/>
+            </a:endParaRPr>
+          </a:p>
+          <a:p>
+            <a:pPr algn="ctr"/>
+            <a:r>
+              <a:rPr b="0" lang="fr-FR" sz="1800" spc="-1" strike="noStrike">
+                <a:latin typeface="Arial"/>
+              </a:rPr>
+              <a:t>.js et .css)</a:t>
+            </a:r>
+            <a:endParaRPr b="0" lang="fr-FR" sz="1800" spc="-1" strike="noStrike">
+              <a:latin typeface="Arial"/>
+            </a:endParaRPr>
+          </a:p>
+          <a:p>
+            <a:pPr algn="ctr"/>
+            <a:r>
+              <a:rPr b="0" lang="fr-FR" sz="1800" spc="-1" strike="noStrike">
+                <a:latin typeface="Arial"/>
+              </a:rPr>
+              <a:t>prêt à être </a:t>
+            </a:r>
+            <a:endParaRPr b="0" lang="fr-FR" sz="1800" spc="-1" strike="noStrike">
+              <a:latin typeface="Arial"/>
+            </a:endParaRPr>
+          </a:p>
+          <a:p>
+            <a:pPr algn="ctr"/>
+            <a:r>
+              <a:rPr b="0" lang="fr-FR" sz="1800" spc="-1" strike="noStrike">
+                <a:latin typeface="Arial"/>
+              </a:rPr>
+              <a:t>téléchargé</a:t>
+            </a:r>
+            <a:endParaRPr b="0" lang="fr-FR" sz="1800" spc="-1" strike="noStrike">
+              <a:latin typeface="Arial"/>
+            </a:endParaRPr>
+          </a:p>
+        </p:txBody>
+      </p:sp>
+    </p:spTree>
+  </p:cSld>
+  <p:timing>
+    <p:tnLst>
+      <p:par>
+        <p:cTn id="7" dur="indefinite" restart="never" nodeType="tmRoot">
+          <p:childTnLst>
+            <p:seq>
+              <p:cTn id="8" nodeType="mainSeq"/>
+              <p:prevCondLst>
+                <p:cond delay="0" evt="onPrev">
+                  <p:tgtEl>
+                    <p:sldTgt/>
+                  </p:tgtEl>
+                </p:cond>
+              </p:prevCondLst>
+              <p:nextCondLst>
+                <p:cond delay="0" evt="onNext">
+                  <p:tgtEl>
+                    <p:sldTgt/>
+                  </p:tgtEl>
+                </p:cond>
+              </p:nextCondLst>
+            </p:seq>
+          </p:childTnLst>
+        </p:cTn>
+      </p:par>
+    </p:tnLst>
+  </p:timing>
+</p:sld>
+</file>
+
+<file path=ppt/slides/slide5.xml><?xml version="1.0" encoding="utf-8"?>
+<p:sld xmlns:a="http://schemas.openxmlformats.org/drawingml/2006/main" xmlns:p="http://schemas.openxmlformats.org/presentationml/2006/main" xmlns:r="http://schemas.openxmlformats.org/officeDocument/2006/relationships" xmlns:p14="http://schemas.microsoft.com/office/powerpoint/2010/main" xmlns:p15="http://schemas.microsoft.com/office/powerpoint/2012/main" xmlns:mc="http://schemas.openxmlformats.org/markup-compatibility/2006">
+  <p:cSld>
+    <p:spTree>
+      <p:nvGrpSpPr>
+        <p:cNvPr id="1" name=""/>
+        <p:cNvGrpSpPr/>
+        <p:nvPr/>
+      </p:nvGrpSpPr>
+      <p:grpSpPr>
+        <a:xfrm>
+          <a:off x="0" y="0"/>
+          <a:ext cx="0" cy="0"/>
+          <a:chOff x="0" y="0"/>
+          <a:chExt cx="0" cy="0"/>
+        </a:xfrm>
+      </p:grpSpPr>
+      <p:sp>
+        <p:nvSpPr>
+          <p:cNvPr id="152" name="CustomShape 1"/>
+          <p:cNvSpPr/>
+          <p:nvPr/>
+        </p:nvSpPr>
+        <p:spPr>
+          <a:xfrm>
+            <a:off x="685800" y="2130480"/>
+            <a:ext cx="7773480" cy="2233440"/>
+          </a:xfrm>
+          <a:prstGeom prst="rect">
+            <a:avLst/>
+          </a:prstGeom>
+          <a:noFill/>
+          <a:ln>
+            <a:noFill/>
+          </a:ln>
+        </p:spPr>
+        <p:style>
+          <a:lnRef idx="0"/>
+          <a:fillRef idx="0"/>
+          <a:effectRef idx="0"/>
+          <a:fontRef idx="minor"/>
+        </p:style>
+      </p:sp>
+      <p:sp>
+        <p:nvSpPr>
+          <p:cNvPr id="153" name="TextShape 2"/>
+          <p:cNvSpPr txBox="1"/>
+          <p:nvPr/>
+        </p:nvSpPr>
+        <p:spPr>
+          <a:xfrm>
+            <a:off x="457560" y="116640"/>
+            <a:ext cx="8229240" cy="462240"/>
+          </a:xfrm>
+          <a:prstGeom prst="rect">
+            <a:avLst/>
+          </a:prstGeom>
+          <a:noFill/>
+          <a:ln>
+            <a:noFill/>
+          </a:ln>
+        </p:spPr>
+        <p:txBody>
+          <a:bodyPr anchor="ctr">
+            <a:normAutofit/>
+          </a:bodyPr>
+          <a:p>
+            <a:pPr algn="ctr">
+              <a:lnSpc>
+                <a:spcPct val="100000"/>
+              </a:lnSpc>
+            </a:pPr>
+            <a:r>
+              <a:rPr b="0" lang="fr-FR" sz="3600" spc="-1" strike="noStrike" u="sng">
+                <a:solidFill>
+                  <a:srgbClr val="182f7c"/>
+                </a:solidFill>
+                <a:uFillTx/>
+                <a:latin typeface="Calibri"/>
+              </a:rPr>
+              <a:t>Notion de serveur d'authentification (oauth2)</a:t>
+            </a:r>
+            <a:endParaRPr b="0" lang="fr-FR" sz="3600" spc="-1" strike="noStrike">
+              <a:solidFill>
+                <a:srgbClr val="182f7c"/>
+              </a:solidFill>
+              <a:latin typeface="Arial"/>
+            </a:endParaRPr>
+          </a:p>
+        </p:txBody>
+      </p:sp>
+    </p:spTree>
+  </p:cSld>
+  <p:timing>
+    <p:tnLst>
+      <p:par>
+        <p:cTn id="9" dur="indefinite" restart="never" nodeType="tmRoot">
+          <p:childTnLst>
+            <p:seq>
+              <p:cTn id="10" nodeType="mainSeq"/>
+              <p:prevCondLst>
+                <p:cond delay="0" evt="onPrev">
+                  <p:tgtEl>
+                    <p:sldTgt/>
+                  </p:tgtEl>
+                </p:cond>
+              </p:prevCondLst>
+              <p:nextCondLst>
+                <p:cond delay="0" evt="onNext">
+                  <p:tgtEl>
+                    <p:sldTgt/>
+                  </p:tgtEl>
+                </p:cond>
+              </p:nextCondLst>
+            </p:seq>
+          </p:childTnLst>
+        </p:cTn>
+      </p:par>
+    </p:tnLst>
+  </p:timing>
+</p:sld>
+</file>
+
+<file path=ppt/slides/slide6.xml><?xml version="1.0" encoding="utf-8"?>
+<p:sld xmlns:a="http://schemas.openxmlformats.org/drawingml/2006/main" xmlns:p="http://schemas.openxmlformats.org/presentationml/2006/main" xmlns:r="http://schemas.openxmlformats.org/officeDocument/2006/relationships" xmlns:p14="http://schemas.microsoft.com/office/powerpoint/2010/main" xmlns:p15="http://schemas.microsoft.com/office/powerpoint/2012/main" xmlns:mc="http://schemas.openxmlformats.org/markup-compatibility/2006">
+  <p:cSld>
+    <p:spTree>
+      <p:nvGrpSpPr>
+        <p:cNvPr id="1" name=""/>
+        <p:cNvGrpSpPr/>
+        <p:nvPr/>
+      </p:nvGrpSpPr>
+      <p:grpSpPr>
+        <a:xfrm>
+          <a:off x="0" y="0"/>
+          <a:ext cx="0" cy="0"/>
+          <a:chOff x="0" y="0"/>
+          <a:chExt cx="0" cy="0"/>
+        </a:xfrm>
+      </p:grpSpPr>
+      <p:sp>
+        <p:nvSpPr>
+          <p:cNvPr id="154" name="CustomShape 1"/>
+          <p:cNvSpPr/>
+          <p:nvPr/>
+        </p:nvSpPr>
+        <p:spPr>
+          <a:xfrm>
+            <a:off x="685800" y="2130480"/>
+            <a:ext cx="7773480" cy="2233440"/>
+          </a:xfrm>
+          <a:prstGeom prst="rect">
+            <a:avLst/>
+          </a:prstGeom>
+          <a:noFill/>
+          <a:ln>
+            <a:noFill/>
+          </a:ln>
+        </p:spPr>
+        <p:style>
+          <a:lnRef idx="0"/>
+          <a:fillRef idx="0"/>
+          <a:effectRef idx="0"/>
+          <a:fontRef idx="minor"/>
+        </p:style>
+      </p:sp>
+      <p:sp>
+        <p:nvSpPr>
+          <p:cNvPr id="155" name="TextShape 2"/>
+          <p:cNvSpPr txBox="1"/>
+          <p:nvPr/>
+        </p:nvSpPr>
+        <p:spPr>
+          <a:xfrm>
+            <a:off x="457560" y="116640"/>
+            <a:ext cx="8229240" cy="462240"/>
+          </a:xfrm>
+          <a:prstGeom prst="rect">
+            <a:avLst/>
+          </a:prstGeom>
+          <a:noFill/>
+          <a:ln>
+            <a:noFill/>
+          </a:ln>
+        </p:spPr>
+        <p:txBody>
+          <a:bodyPr anchor="ctr">
+            <a:normAutofit/>
+          </a:bodyPr>
+          <a:p>
+            <a:pPr algn="ctr">
+              <a:lnSpc>
+                <a:spcPct val="100000"/>
+              </a:lnSpc>
+            </a:pPr>
+            <a:r>
+              <a:rPr b="0" lang="fr-FR" sz="3600" spc="-1" strike="noStrike" u="sng">
+                <a:solidFill>
+                  <a:srgbClr val="182f7c"/>
+                </a:solidFill>
+                <a:uFillTx/>
+                <a:latin typeface="Calibri"/>
+              </a:rPr>
+              <a:t>Notion de api-gateway</a:t>
+            </a:r>
+            <a:endParaRPr b="0" lang="fr-FR" sz="3600" spc="-1" strike="noStrike">
+              <a:solidFill>
+                <a:srgbClr val="182f7c"/>
+              </a:solidFill>
+              <a:latin typeface="Arial"/>
+            </a:endParaRPr>
+          </a:p>
+        </p:txBody>
+      </p:sp>
+    </p:spTree>
+  </p:cSld>
+  <p:timing>
+    <p:tnLst>
+      <p:par>
+        <p:cTn id="11" dur="indefinite" restart="never" nodeType="tmRoot">
+          <p:childTnLst>
+            <p:seq>
+              <p:cTn id="12" nodeType="mainSeq"/>
+              <p:prevCondLst>
+                <p:cond delay="0" evt="onPrev">
+                  <p:tgtEl>
+                    <p:sldTgt/>
+                  </p:tgtEl>
+                </p:cond>
+              </p:prevCondLst>
+              <p:nextCondLst>
+                <p:cond delay="0" evt="onNext">
+                  <p:tgtEl>
+                    <p:sldTgt/>
+                  </p:tgtEl>
+                </p:cond>
+              </p:nextCondLst>
+            </p:seq>
+          </p:childTnLst>
+        </p:cTn>
+      </p:par>
+    </p:tnLst>
+  </p:timing>
+</p:sld>
+</file>
+
+<file path=ppt/slides/slide7.xml><?xml version="1.0" encoding="utf-8"?>
+<p:sld xmlns:a="http://schemas.openxmlformats.org/drawingml/2006/main" xmlns:p="http://schemas.openxmlformats.org/presentationml/2006/main" xmlns:r="http://schemas.openxmlformats.org/officeDocument/2006/relationships" xmlns:p14="http://schemas.microsoft.com/office/powerpoint/2010/main" xmlns:p15="http://schemas.microsoft.com/office/powerpoint/2012/main" xmlns:mc="http://schemas.openxmlformats.org/markup-compatibility/2006">
+  <p:cSld>
+    <p:spTree>
+      <p:nvGrpSpPr>
+        <p:cNvPr id="1" name=""/>
+        <p:cNvGrpSpPr/>
+        <p:nvPr/>
+      </p:nvGrpSpPr>
+      <p:grpSpPr>
+        <a:xfrm>
+          <a:off x="0" y="0"/>
+          <a:ext cx="0" cy="0"/>
+          <a:chOff x="0" y="0"/>
+          <a:chExt cx="0" cy="0"/>
+        </a:xfrm>
+      </p:grpSpPr>
+      <p:sp>
+        <p:nvSpPr>
+          <p:cNvPr id="156" name="CustomShape 1"/>
+          <p:cNvSpPr/>
+          <p:nvPr/>
+        </p:nvSpPr>
+        <p:spPr>
+          <a:xfrm>
+            <a:off x="685800" y="2130480"/>
+            <a:ext cx="7773480" cy="2233440"/>
+          </a:xfrm>
+          <a:prstGeom prst="rect">
+            <a:avLst/>
+          </a:prstGeom>
+          <a:noFill/>
+          <a:ln>
+            <a:noFill/>
+          </a:ln>
+        </p:spPr>
+        <p:style>
+          <a:lnRef idx="0"/>
+          <a:fillRef idx="0"/>
+          <a:effectRef idx="0"/>
+          <a:fontRef idx="minor"/>
+        </p:style>
+      </p:sp>
+      <p:sp>
+        <p:nvSpPr>
+          <p:cNvPr id="157" name="TextShape 2"/>
+          <p:cNvSpPr txBox="1"/>
+          <p:nvPr/>
+        </p:nvSpPr>
+        <p:spPr>
+          <a:xfrm>
+            <a:off x="457560" y="116640"/>
+            <a:ext cx="8229240" cy="462240"/>
+          </a:xfrm>
+          <a:prstGeom prst="rect">
+            <a:avLst/>
+          </a:prstGeom>
+          <a:noFill/>
+          <a:ln>
+            <a:noFill/>
+          </a:ln>
+        </p:spPr>
+        <p:txBody>
+          <a:bodyPr anchor="ctr">
+            <a:normAutofit/>
+          </a:bodyPr>
+          <a:p>
+            <a:pPr algn="ctr">
+              <a:lnSpc>
+                <a:spcPct val="100000"/>
+              </a:lnSpc>
+            </a:pPr>
+            <a:r>
+              <a:rPr b="0" lang="fr-FR" sz="3600" spc="-1" strike="noStrike" u="sng">
+                <a:solidFill>
+                  <a:srgbClr val="182f7c"/>
+                </a:solidFill>
+                <a:uFillTx/>
+                <a:latin typeface="Calibri"/>
+              </a:rPr>
+              <a:t>Notion de terminaison-ssl</a:t>
+            </a:r>
+            <a:endParaRPr b="0" lang="fr-FR" sz="3600" spc="-1" strike="noStrike">
+              <a:solidFill>
+                <a:srgbClr val="182f7c"/>
+              </a:solidFill>
+              <a:latin typeface="Arial"/>
+            </a:endParaRPr>
+          </a:p>
+        </p:txBody>
+      </p:sp>
+    </p:spTree>
+  </p:cSld>
+  <p:timing>
+    <p:tnLst>
+      <p:par>
+        <p:cTn id="13" dur="indefinite" restart="never" nodeType="tmRoot">
+          <p:childTnLst>
+            <p:seq>
+              <p:cTn id="14" nodeType="mainSeq"/>
+              <p:prevCondLst>
+                <p:cond delay="0" evt="onPrev">
+                  <p:tgtEl>
+                    <p:sldTgt/>
+                  </p:tgtEl>
+                </p:cond>
+              </p:prevCondLst>
+              <p:nextCondLst>
+                <p:cond delay="0" evt="onNext">
+                  <p:tgtEl>
+                    <p:sldTgt/>
+                  </p:tgtEl>
+                </p:cond>
+              </p:nextCondLst>
+            </p:seq>
+          </p:childTnLst>
+        </p:cTn>
+      </p:par>
+    </p:tnLst>
+  </p:timing>
+</p:sld>
+</file>
+
+<file path=ppt/slides/slide8.xml><?xml version="1.0" encoding="utf-8"?>
+<p:sld xmlns:a="http://schemas.openxmlformats.org/drawingml/2006/main" xmlns:p="http://schemas.openxmlformats.org/presentationml/2006/main" xmlns:r="http://schemas.openxmlformats.org/officeDocument/2006/relationships" xmlns:p14="http://schemas.microsoft.com/office/powerpoint/2010/main" xmlns:p15="http://schemas.microsoft.com/office/powerpoint/2012/main" xmlns:mc="http://schemas.openxmlformats.org/markup-compatibility/2006">
+  <p:cSld>
+    <p:spTree>
+      <p:nvGrpSpPr>
+        <p:cNvPr id="1" name=""/>
+        <p:cNvGrpSpPr/>
+        <p:nvPr/>
+      </p:nvGrpSpPr>
+      <p:grpSpPr>
+        <a:xfrm>
+          <a:off x="0" y="0"/>
+          <a:ext cx="0" cy="0"/>
+          <a:chOff x="0" y="0"/>
+          <a:chExt cx="0" cy="0"/>
+        </a:xfrm>
+      </p:grpSpPr>
+      <p:sp>
+        <p:nvSpPr>
+          <p:cNvPr id="158" name="CustomShape 1"/>
+          <p:cNvSpPr/>
+          <p:nvPr/>
+        </p:nvSpPr>
+        <p:spPr>
+          <a:xfrm>
+            <a:off x="685800" y="2130480"/>
+            <a:ext cx="7773480" cy="2233440"/>
+          </a:xfrm>
+          <a:prstGeom prst="rect">
+            <a:avLst/>
+          </a:prstGeom>
+          <a:noFill/>
+          <a:ln>
+            <a:noFill/>
+          </a:ln>
+        </p:spPr>
+        <p:style>
+          <a:lnRef idx="0"/>
+          <a:fillRef idx="0"/>
+          <a:effectRef idx="0"/>
+          <a:fontRef idx="minor"/>
+        </p:style>
+      </p:sp>
+      <p:sp>
+        <p:nvSpPr>
+          <p:cNvPr id="159" name="TextShape 2"/>
+          <p:cNvSpPr txBox="1"/>
+          <p:nvPr/>
+        </p:nvSpPr>
+        <p:spPr>
+          <a:xfrm>
+            <a:off x="457560" y="116640"/>
+            <a:ext cx="8229240" cy="462240"/>
+          </a:xfrm>
+          <a:prstGeom prst="rect">
+            <a:avLst/>
+          </a:prstGeom>
+          <a:noFill/>
+          <a:ln>
+            <a:noFill/>
+          </a:ln>
+        </p:spPr>
+        <p:txBody>
+          <a:bodyPr anchor="ctr">
+            <a:normAutofit/>
+          </a:bodyPr>
+          <a:p>
+            <a:pPr algn="ctr">
+              <a:lnSpc>
+                <a:spcPct val="100000"/>
+              </a:lnSpc>
+            </a:pPr>
+            <a:r>
+              <a:rPr b="0" lang="fr-FR" sz="3600" spc="-1" strike="noStrike" u="sng">
+                <a:solidFill>
+                  <a:srgbClr val="007635"/>
+                </a:solidFill>
+                <a:uFillTx/>
+                <a:latin typeface="Calibri"/>
+              </a:rPr>
+              <a:t>Spring-cloud d'origine netflix (2014-2018 environ)</a:t>
+            </a:r>
+            <a:endParaRPr b="0" lang="fr-FR" sz="3600" spc="-1" strike="noStrike">
+              <a:latin typeface="Arial"/>
+            </a:endParaRPr>
+          </a:p>
+        </p:txBody>
+      </p:sp>
+    </p:spTree>
+  </p:cSld>
+  <p:timing>
+    <p:tnLst>
+      <p:par>
+        <p:cTn id="15" dur="indefinite" restart="never" nodeType="tmRoot">
+          <p:childTnLst>
+            <p:seq>
+              <p:cTn id="16" nodeType="mainSeq"/>
+              <p:prevCondLst>
+                <p:cond delay="0" evt="onPrev">
+                  <p:tgtEl>
+                    <p:sldTgt/>
+                  </p:tgtEl>
+                </p:cond>
+              </p:prevCondLst>
+              <p:nextCondLst>
+                <p:cond delay="0" evt="onNext">
+                  <p:tgtEl>
+                    <p:sldTgt/>
+                  </p:tgtEl>
+                </p:cond>
+              </p:nextCondLst>
+            </p:seq>
+          </p:childTnLst>
+        </p:cTn>
+      </p:par>
+    </p:tnLst>
+  </p:timing>
+</p:sld>
+</file>
+
+<file path=ppt/slides/slide9.xml><?xml version="1.0" encoding="utf-8"?>
+<p:sld xmlns:a="http://schemas.openxmlformats.org/drawingml/2006/main" xmlns:p="http://schemas.openxmlformats.org/presentationml/2006/main" xmlns:r="http://schemas.openxmlformats.org/officeDocument/2006/relationships" xmlns:p14="http://schemas.microsoft.com/office/powerpoint/2010/main" xmlns:p15="http://schemas.microsoft.com/office/powerpoint/2012/main" xmlns:mc="http://schemas.openxmlformats.org/markup-compatibility/2006">
+  <p:cSld>
+    <p:spTree>
+      <p:nvGrpSpPr>
+        <p:cNvPr id="1" name=""/>
+        <p:cNvGrpSpPr/>
+        <p:nvPr/>
+      </p:nvGrpSpPr>
+      <p:grpSpPr>
+        <a:xfrm>
+          <a:off x="0" y="0"/>
+          <a:ext cx="0" cy="0"/>
+          <a:chOff x="0" y="0"/>
+          <a:chExt cx="0" cy="0"/>
+        </a:xfrm>
+      </p:grpSpPr>
+      <p:sp>
+        <p:nvSpPr>
+          <p:cNvPr id="160" name="CustomShape 1"/>
+          <p:cNvSpPr/>
+          <p:nvPr/>
+        </p:nvSpPr>
+        <p:spPr>
+          <a:xfrm>
+            <a:off x="685800" y="2130480"/>
+            <a:ext cx="7773480" cy="2233440"/>
+          </a:xfrm>
+          <a:prstGeom prst="rect">
+            <a:avLst/>
+          </a:prstGeom>
+          <a:noFill/>
+          <a:ln>
+            <a:noFill/>
+          </a:ln>
+        </p:spPr>
+        <p:style>
+          <a:lnRef idx="0"/>
+          <a:fillRef idx="0"/>
+          <a:effectRef idx="0"/>
+          <a:fontRef idx="minor"/>
+        </p:style>
+      </p:sp>
+      <p:sp>
+        <p:nvSpPr>
+          <p:cNvPr id="161" name="TextShape 2"/>
+          <p:cNvSpPr txBox="1"/>
+          <p:nvPr/>
+        </p:nvSpPr>
+        <p:spPr>
+          <a:xfrm>
+            <a:off x="457560" y="116640"/>
+            <a:ext cx="8229240" cy="462240"/>
+          </a:xfrm>
+          <a:prstGeom prst="rect">
+            <a:avLst/>
+          </a:prstGeom>
+          <a:noFill/>
+          <a:ln>
+            <a:noFill/>
+          </a:ln>
+        </p:spPr>
+        <p:txBody>
+          <a:bodyPr anchor="ctr">
+            <a:normAutofit/>
+          </a:bodyPr>
+          <a:p>
+            <a:pPr algn="ctr">
+              <a:lnSpc>
+                <a:spcPct val="100000"/>
+              </a:lnSpc>
+            </a:pPr>
+            <a:r>
+              <a:rPr b="0" lang="fr-FR" sz="3600" spc="-1" strike="noStrike" u="sng">
+                <a:solidFill>
+                  <a:srgbClr val="182f7c"/>
+                </a:solidFill>
+                <a:uFillTx/>
+                <a:latin typeface="Calibri"/>
+              </a:rPr>
+              <a:t>Notion de micro-conteneur (docker)</a:t>
+            </a:r>
+            <a:endParaRPr b="0" lang="fr-FR" sz="3600" spc="-1" strike="noStrike">
+              <a:solidFill>
+                <a:srgbClr val="182f7c"/>
+              </a:solidFill>
+              <a:latin typeface="Arial"/>
+            </a:endParaRPr>
+          </a:p>
+        </p:txBody>
+      </p:sp>
+    </p:spTree>
+  </p:cSld>
+  <p:timing>
+    <p:tnLst>
+      <p:par>
+        <p:cTn id="17" dur="indefinite" restart="never" nodeType="tmRoot">
+          <p:childTnLst>
+            <p:seq>
+              <p:cTn id="18" nodeType="mainSeq"/>
               <p:prevCondLst>
                 <p:cond delay="0" evt="onPrev">
                   <p:tgtEl>

--- a/docs/infrastructures_cloud_et_microservices.pptx
+++ b/docs/infrastructures_cloud_et_microservices.pptx
@@ -74,8 +74,8 @@
         </p:nvSpPr>
         <p:spPr>
           <a:xfrm>
-            <a:off x="457200" y="274680"/>
-            <a:ext cx="8228520" cy="1141920"/>
+            <a:off x="457200" y="273600"/>
+            <a:ext cx="8229240" cy="1144800"/>
           </a:xfrm>
           <a:prstGeom prst="rect">
             <a:avLst/>
@@ -104,7 +104,7 @@
         <p:spPr>
           <a:xfrm>
             <a:off x="457200" y="1604520"/>
-            <a:ext cx="8228880" cy="1896840"/>
+            <a:ext cx="8229240" cy="1896840"/>
           </a:xfrm>
           <a:prstGeom prst="rect">
             <a:avLst/>
@@ -134,7 +134,7 @@
         <p:spPr>
           <a:xfrm>
             <a:off x="457200" y="3682080"/>
-            <a:ext cx="8228880" cy="1896840"/>
+            <a:ext cx="8229240" cy="1896840"/>
           </a:xfrm>
           <a:prstGeom prst="rect">
             <a:avLst/>
@@ -185,8 +185,8 @@
         </p:nvSpPr>
         <p:spPr>
           <a:xfrm>
-            <a:off x="457200" y="274680"/>
-            <a:ext cx="8228520" cy="1141920"/>
+            <a:off x="457200" y="273600"/>
+            <a:ext cx="8229240" cy="1144800"/>
           </a:xfrm>
           <a:prstGeom prst="rect">
             <a:avLst/>
@@ -215,7 +215,7 @@
         <p:spPr>
           <a:xfrm>
             <a:off x="457200" y="1604520"/>
-            <a:ext cx="4015440" cy="1896840"/>
+            <a:ext cx="4015800" cy="1896840"/>
           </a:xfrm>
           <a:prstGeom prst="rect">
             <a:avLst/>
@@ -244,8 +244,8 @@
         </p:nvSpPr>
         <p:spPr>
           <a:xfrm>
-            <a:off x="4673880" y="1604520"/>
-            <a:ext cx="4015440" cy="1896840"/>
+            <a:off x="4674240" y="1604520"/>
+            <a:ext cx="4015800" cy="1896840"/>
           </a:xfrm>
           <a:prstGeom prst="rect">
             <a:avLst/>
@@ -274,8 +274,8 @@
         </p:nvSpPr>
         <p:spPr>
           <a:xfrm>
-            <a:off x="4673880" y="3682080"/>
-            <a:ext cx="4015440" cy="1896840"/>
+            <a:off x="4674240" y="3682080"/>
+            <a:ext cx="4015800" cy="1896840"/>
           </a:xfrm>
           <a:prstGeom prst="rect">
             <a:avLst/>
@@ -305,7 +305,7 @@
         <p:spPr>
           <a:xfrm>
             <a:off x="457200" y="3682080"/>
-            <a:ext cx="4015440" cy="1896840"/>
+            <a:ext cx="4015800" cy="1896840"/>
           </a:xfrm>
           <a:prstGeom prst="rect">
             <a:avLst/>
@@ -356,8 +356,8 @@
         </p:nvSpPr>
         <p:spPr>
           <a:xfrm>
-            <a:off x="457200" y="274680"/>
-            <a:ext cx="8228520" cy="1141920"/>
+            <a:off x="457200" y="273600"/>
+            <a:ext cx="8229240" cy="1144800"/>
           </a:xfrm>
           <a:prstGeom prst="rect">
             <a:avLst/>
@@ -599,7 +599,7 @@
       </p:grpSpPr>
       <p:sp>
         <p:nvSpPr>
-          <p:cNvPr id="43" name="PlaceHolder 1"/>
+          <p:cNvPr id="40" name="PlaceHolder 1"/>
           <p:cNvSpPr>
             <a:spLocks noGrp="1"/>
           </p:cNvSpPr>
@@ -609,8 +609,8 @@
         </p:nvSpPr>
         <p:spPr>
           <a:xfrm>
-            <a:off x="457200" y="274680"/>
-            <a:ext cx="8228520" cy="1141920"/>
+            <a:off x="457200" y="273600"/>
+            <a:ext cx="8229240" cy="1144800"/>
           </a:xfrm>
           <a:prstGeom prst="rect">
             <a:avLst/>
@@ -628,7 +628,7 @@
       </p:sp>
       <p:sp>
         <p:nvSpPr>
-          <p:cNvPr id="44" name="PlaceHolder 2"/>
+          <p:cNvPr id="41" name="PlaceHolder 2"/>
           <p:cNvSpPr>
             <a:spLocks noGrp="1"/>
           </p:cNvSpPr>
@@ -639,7 +639,7 @@
         <p:spPr>
           <a:xfrm>
             <a:off x="457200" y="1604520"/>
-            <a:ext cx="8228880" cy="3976920"/>
+            <a:ext cx="8229240" cy="3977280"/>
           </a:xfrm>
           <a:prstGeom prst="rect">
             <a:avLst/>
@@ -679,7 +679,7 @@
       </p:grpSpPr>
       <p:sp>
         <p:nvSpPr>
-          <p:cNvPr id="45" name="PlaceHolder 1"/>
+          <p:cNvPr id="42" name="PlaceHolder 1"/>
           <p:cNvSpPr>
             <a:spLocks noGrp="1"/>
           </p:cNvSpPr>
@@ -689,8 +689,8 @@
         </p:nvSpPr>
         <p:spPr>
           <a:xfrm>
-            <a:off x="457200" y="274680"/>
-            <a:ext cx="8228520" cy="1141920"/>
+            <a:off x="457200" y="273600"/>
+            <a:ext cx="8229240" cy="1144800"/>
           </a:xfrm>
           <a:prstGeom prst="rect">
             <a:avLst/>
@@ -708,7 +708,7 @@
       </p:sp>
       <p:sp>
         <p:nvSpPr>
-          <p:cNvPr id="46" name="PlaceHolder 2"/>
+          <p:cNvPr id="43" name="PlaceHolder 2"/>
           <p:cNvSpPr>
             <a:spLocks noGrp="1"/>
           </p:cNvSpPr>
@@ -719,7 +719,7 @@
         <p:spPr>
           <a:xfrm>
             <a:off x="457200" y="1604520"/>
-            <a:ext cx="8228880" cy="3976920"/>
+            <a:ext cx="8229240" cy="3977280"/>
           </a:xfrm>
           <a:prstGeom prst="rect">
             <a:avLst/>
@@ -760,7 +760,7 @@
       </p:grpSpPr>
       <p:sp>
         <p:nvSpPr>
-          <p:cNvPr id="47" name="PlaceHolder 1"/>
+          <p:cNvPr id="44" name="PlaceHolder 1"/>
           <p:cNvSpPr>
             <a:spLocks noGrp="1"/>
           </p:cNvSpPr>
@@ -770,8 +770,8 @@
         </p:nvSpPr>
         <p:spPr>
           <a:xfrm>
-            <a:off x="457200" y="274680"/>
-            <a:ext cx="8228520" cy="1141920"/>
+            <a:off x="457200" y="273600"/>
+            <a:ext cx="8229240" cy="1144800"/>
           </a:xfrm>
           <a:prstGeom prst="rect">
             <a:avLst/>
@@ -789,7 +789,7 @@
       </p:sp>
       <p:sp>
         <p:nvSpPr>
-          <p:cNvPr id="48" name="PlaceHolder 2"/>
+          <p:cNvPr id="45" name="PlaceHolder 2"/>
           <p:cNvSpPr>
             <a:spLocks noGrp="1"/>
           </p:cNvSpPr>
@@ -800,7 +800,7 @@
         <p:spPr>
           <a:xfrm>
             <a:off x="457200" y="1604520"/>
-            <a:ext cx="4015440" cy="3976920"/>
+            <a:ext cx="4015800" cy="3977280"/>
           </a:xfrm>
           <a:prstGeom prst="rect">
             <a:avLst/>
@@ -819,7 +819,7 @@
       </p:sp>
       <p:sp>
         <p:nvSpPr>
-          <p:cNvPr id="49" name="PlaceHolder 3"/>
+          <p:cNvPr id="46" name="PlaceHolder 3"/>
           <p:cNvSpPr>
             <a:spLocks noGrp="1"/>
           </p:cNvSpPr>
@@ -829,8 +829,8 @@
         </p:nvSpPr>
         <p:spPr>
           <a:xfrm>
-            <a:off x="4673880" y="1604520"/>
-            <a:ext cx="4015440" cy="3976920"/>
+            <a:off x="4674240" y="1604520"/>
+            <a:ext cx="4015800" cy="3977280"/>
           </a:xfrm>
           <a:prstGeom prst="rect">
             <a:avLst/>
@@ -871,7 +871,7 @@
       </p:grpSpPr>
       <p:sp>
         <p:nvSpPr>
-          <p:cNvPr id="50" name="PlaceHolder 1"/>
+          <p:cNvPr id="47" name="PlaceHolder 1"/>
           <p:cNvSpPr>
             <a:spLocks noGrp="1"/>
           </p:cNvSpPr>
@@ -881,8 +881,8 @@
         </p:nvSpPr>
         <p:spPr>
           <a:xfrm>
-            <a:off x="457200" y="274680"/>
-            <a:ext cx="8228520" cy="1141920"/>
+            <a:off x="457200" y="273600"/>
+            <a:ext cx="8229240" cy="1144800"/>
           </a:xfrm>
           <a:prstGeom prst="rect">
             <a:avLst/>
@@ -922,7 +922,7 @@
       </p:grpSpPr>
       <p:sp>
         <p:nvSpPr>
-          <p:cNvPr id="51" name="PlaceHolder 1"/>
+          <p:cNvPr id="48" name="PlaceHolder 1"/>
           <p:cNvSpPr>
             <a:spLocks noGrp="1"/>
           </p:cNvSpPr>
@@ -932,8 +932,8 @@
         </p:nvSpPr>
         <p:spPr>
           <a:xfrm>
-            <a:off x="457200" y="274680"/>
-            <a:ext cx="8228520" cy="5294520"/>
+            <a:off x="457200" y="273600"/>
+            <a:ext cx="8229240" cy="5307840"/>
           </a:xfrm>
           <a:prstGeom prst="rect">
             <a:avLst/>
@@ -973,7 +973,7 @@
       </p:grpSpPr>
       <p:sp>
         <p:nvSpPr>
-          <p:cNvPr id="52" name="PlaceHolder 1"/>
+          <p:cNvPr id="49" name="PlaceHolder 1"/>
           <p:cNvSpPr>
             <a:spLocks noGrp="1"/>
           </p:cNvSpPr>
@@ -983,8 +983,8 @@
         </p:nvSpPr>
         <p:spPr>
           <a:xfrm>
-            <a:off x="457200" y="274680"/>
-            <a:ext cx="8228520" cy="1141920"/>
+            <a:off x="457200" y="273600"/>
+            <a:ext cx="8229240" cy="1144800"/>
           </a:xfrm>
           <a:prstGeom prst="rect">
             <a:avLst/>
@@ -1002,7 +1002,7 @@
       </p:sp>
       <p:sp>
         <p:nvSpPr>
-          <p:cNvPr id="53" name="PlaceHolder 2"/>
+          <p:cNvPr id="50" name="PlaceHolder 2"/>
           <p:cNvSpPr>
             <a:spLocks noGrp="1"/>
           </p:cNvSpPr>
@@ -1013,7 +1013,7 @@
         <p:spPr>
           <a:xfrm>
             <a:off x="457200" y="1604520"/>
-            <a:ext cx="4015440" cy="1896840"/>
+            <a:ext cx="4015800" cy="1896840"/>
           </a:xfrm>
           <a:prstGeom prst="rect">
             <a:avLst/>
@@ -1032,7 +1032,7 @@
       </p:sp>
       <p:sp>
         <p:nvSpPr>
-          <p:cNvPr id="54" name="PlaceHolder 3"/>
+          <p:cNvPr id="51" name="PlaceHolder 3"/>
           <p:cNvSpPr>
             <a:spLocks noGrp="1"/>
           </p:cNvSpPr>
@@ -1043,7 +1043,7 @@
         <p:spPr>
           <a:xfrm>
             <a:off x="457200" y="3682080"/>
-            <a:ext cx="4015440" cy="1896840"/>
+            <a:ext cx="4015800" cy="1896840"/>
           </a:xfrm>
           <a:prstGeom prst="rect">
             <a:avLst/>
@@ -1062,7 +1062,7 @@
       </p:sp>
       <p:sp>
         <p:nvSpPr>
-          <p:cNvPr id="55" name="PlaceHolder 4"/>
+          <p:cNvPr id="52" name="PlaceHolder 4"/>
           <p:cNvSpPr>
             <a:spLocks noGrp="1"/>
           </p:cNvSpPr>
@@ -1072,8 +1072,8 @@
         </p:nvSpPr>
         <p:spPr>
           <a:xfrm>
-            <a:off x="4673880" y="1604520"/>
-            <a:ext cx="4015440" cy="3976920"/>
+            <a:off x="4674240" y="1604520"/>
+            <a:ext cx="4015800" cy="3977280"/>
           </a:xfrm>
           <a:prstGeom prst="rect">
             <a:avLst/>
@@ -1124,8 +1124,8 @@
         </p:nvSpPr>
         <p:spPr>
           <a:xfrm>
-            <a:off x="457200" y="274680"/>
-            <a:ext cx="8228520" cy="1141920"/>
+            <a:off x="457200" y="273600"/>
+            <a:ext cx="8229240" cy="1144800"/>
           </a:xfrm>
           <a:prstGeom prst="rect">
             <a:avLst/>
@@ -1154,7 +1154,7 @@
         <p:spPr>
           <a:xfrm>
             <a:off x="457200" y="1604520"/>
-            <a:ext cx="8228880" cy="3976920"/>
+            <a:ext cx="8229240" cy="3977280"/>
           </a:xfrm>
           <a:prstGeom prst="rect">
             <a:avLst/>
@@ -1194,7 +1194,7 @@
       </p:grpSpPr>
       <p:sp>
         <p:nvSpPr>
-          <p:cNvPr id="56" name="PlaceHolder 1"/>
+          <p:cNvPr id="53" name="PlaceHolder 1"/>
           <p:cNvSpPr>
             <a:spLocks noGrp="1"/>
           </p:cNvSpPr>
@@ -1204,8 +1204,8 @@
         </p:nvSpPr>
         <p:spPr>
           <a:xfrm>
-            <a:off x="457200" y="274680"/>
-            <a:ext cx="8228520" cy="1141920"/>
+            <a:off x="457200" y="273600"/>
+            <a:ext cx="8229240" cy="1144800"/>
           </a:xfrm>
           <a:prstGeom prst="rect">
             <a:avLst/>
@@ -1223,7 +1223,7 @@
       </p:sp>
       <p:sp>
         <p:nvSpPr>
-          <p:cNvPr id="57" name="PlaceHolder 2"/>
+          <p:cNvPr id="54" name="PlaceHolder 2"/>
           <p:cNvSpPr>
             <a:spLocks noGrp="1"/>
           </p:cNvSpPr>
@@ -1234,7 +1234,7 @@
         <p:spPr>
           <a:xfrm>
             <a:off x="457200" y="1604520"/>
-            <a:ext cx="4015440" cy="3976920"/>
+            <a:ext cx="4015800" cy="3977280"/>
           </a:xfrm>
           <a:prstGeom prst="rect">
             <a:avLst/>
@@ -1253,7 +1253,7 @@
       </p:sp>
       <p:sp>
         <p:nvSpPr>
-          <p:cNvPr id="58" name="PlaceHolder 3"/>
+          <p:cNvPr id="55" name="PlaceHolder 3"/>
           <p:cNvSpPr>
             <a:spLocks noGrp="1"/>
           </p:cNvSpPr>
@@ -1263,8 +1263,8 @@
         </p:nvSpPr>
         <p:spPr>
           <a:xfrm>
-            <a:off x="4673880" y="1604520"/>
-            <a:ext cx="4015440" cy="1896840"/>
+            <a:off x="4674240" y="1604520"/>
+            <a:ext cx="4015800" cy="1896840"/>
           </a:xfrm>
           <a:prstGeom prst="rect">
             <a:avLst/>
@@ -1283,7 +1283,7 @@
       </p:sp>
       <p:sp>
         <p:nvSpPr>
-          <p:cNvPr id="59" name="PlaceHolder 4"/>
+          <p:cNvPr id="56" name="PlaceHolder 4"/>
           <p:cNvSpPr>
             <a:spLocks noGrp="1"/>
           </p:cNvSpPr>
@@ -1293,8 +1293,8 @@
         </p:nvSpPr>
         <p:spPr>
           <a:xfrm>
-            <a:off x="4673880" y="3682080"/>
-            <a:ext cx="4015440" cy="1896840"/>
+            <a:off x="4674240" y="3682080"/>
+            <a:ext cx="4015800" cy="1896840"/>
           </a:xfrm>
           <a:prstGeom prst="rect">
             <a:avLst/>
@@ -1335,7 +1335,7 @@
       </p:grpSpPr>
       <p:sp>
         <p:nvSpPr>
-          <p:cNvPr id="60" name="PlaceHolder 1"/>
+          <p:cNvPr id="57" name="PlaceHolder 1"/>
           <p:cNvSpPr>
             <a:spLocks noGrp="1"/>
           </p:cNvSpPr>
@@ -1345,8 +1345,8 @@
         </p:nvSpPr>
         <p:spPr>
           <a:xfrm>
-            <a:off x="457200" y="274680"/>
-            <a:ext cx="8228520" cy="1141920"/>
+            <a:off x="457200" y="273600"/>
+            <a:ext cx="8229240" cy="1144800"/>
           </a:xfrm>
           <a:prstGeom prst="rect">
             <a:avLst/>
@@ -1364,7 +1364,7 @@
       </p:sp>
       <p:sp>
         <p:nvSpPr>
-          <p:cNvPr id="61" name="PlaceHolder 2"/>
+          <p:cNvPr id="58" name="PlaceHolder 2"/>
           <p:cNvSpPr>
             <a:spLocks noGrp="1"/>
           </p:cNvSpPr>
@@ -1375,7 +1375,7 @@
         <p:spPr>
           <a:xfrm>
             <a:off x="457200" y="1604520"/>
-            <a:ext cx="4015440" cy="1896840"/>
+            <a:ext cx="4015800" cy="1896840"/>
           </a:xfrm>
           <a:prstGeom prst="rect">
             <a:avLst/>
@@ -1394,7 +1394,7 @@
       </p:sp>
       <p:sp>
         <p:nvSpPr>
-          <p:cNvPr id="62" name="PlaceHolder 3"/>
+          <p:cNvPr id="59" name="PlaceHolder 3"/>
           <p:cNvSpPr>
             <a:spLocks noGrp="1"/>
           </p:cNvSpPr>
@@ -1404,8 +1404,8 @@
         </p:nvSpPr>
         <p:spPr>
           <a:xfrm>
-            <a:off x="4673880" y="1604520"/>
-            <a:ext cx="4015440" cy="1896840"/>
+            <a:off x="4674240" y="1604520"/>
+            <a:ext cx="4015800" cy="1896840"/>
           </a:xfrm>
           <a:prstGeom prst="rect">
             <a:avLst/>
@@ -1424,7 +1424,7 @@
       </p:sp>
       <p:sp>
         <p:nvSpPr>
-          <p:cNvPr id="63" name="PlaceHolder 4"/>
+          <p:cNvPr id="60" name="PlaceHolder 4"/>
           <p:cNvSpPr>
             <a:spLocks noGrp="1"/>
           </p:cNvSpPr>
@@ -1435,7 +1435,7 @@
         <p:spPr>
           <a:xfrm>
             <a:off x="457200" y="3682080"/>
-            <a:ext cx="8228880" cy="1896840"/>
+            <a:ext cx="8229240" cy="1896840"/>
           </a:xfrm>
           <a:prstGeom prst="rect">
             <a:avLst/>
@@ -1476,7 +1476,7 @@
       </p:grpSpPr>
       <p:sp>
         <p:nvSpPr>
-          <p:cNvPr id="64" name="PlaceHolder 1"/>
+          <p:cNvPr id="61" name="PlaceHolder 1"/>
           <p:cNvSpPr>
             <a:spLocks noGrp="1"/>
           </p:cNvSpPr>
@@ -1486,8 +1486,8 @@
         </p:nvSpPr>
         <p:spPr>
           <a:xfrm>
-            <a:off x="457200" y="274680"/>
-            <a:ext cx="8228520" cy="1141920"/>
+            <a:off x="457200" y="273600"/>
+            <a:ext cx="8229240" cy="1144800"/>
           </a:xfrm>
           <a:prstGeom prst="rect">
             <a:avLst/>
@@ -1505,7 +1505,7 @@
       </p:sp>
       <p:sp>
         <p:nvSpPr>
-          <p:cNvPr id="65" name="PlaceHolder 2"/>
+          <p:cNvPr id="62" name="PlaceHolder 2"/>
           <p:cNvSpPr>
             <a:spLocks noGrp="1"/>
           </p:cNvSpPr>
@@ -1516,7 +1516,7 @@
         <p:spPr>
           <a:xfrm>
             <a:off x="457200" y="1604520"/>
-            <a:ext cx="8228880" cy="1896840"/>
+            <a:ext cx="8229240" cy="1896840"/>
           </a:xfrm>
           <a:prstGeom prst="rect">
             <a:avLst/>
@@ -1535,7 +1535,7 @@
       </p:sp>
       <p:sp>
         <p:nvSpPr>
-          <p:cNvPr id="66" name="PlaceHolder 3"/>
+          <p:cNvPr id="63" name="PlaceHolder 3"/>
           <p:cNvSpPr>
             <a:spLocks noGrp="1"/>
           </p:cNvSpPr>
@@ -1546,7 +1546,7 @@
         <p:spPr>
           <a:xfrm>
             <a:off x="457200" y="3682080"/>
-            <a:ext cx="8228880" cy="1896840"/>
+            <a:ext cx="8229240" cy="1896840"/>
           </a:xfrm>
           <a:prstGeom prst="rect">
             <a:avLst/>
@@ -1587,7 +1587,7 @@
       </p:grpSpPr>
       <p:sp>
         <p:nvSpPr>
-          <p:cNvPr id="67" name="PlaceHolder 1"/>
+          <p:cNvPr id="64" name="PlaceHolder 1"/>
           <p:cNvSpPr>
             <a:spLocks noGrp="1"/>
           </p:cNvSpPr>
@@ -1597,8 +1597,8 @@
         </p:nvSpPr>
         <p:spPr>
           <a:xfrm>
-            <a:off x="457200" y="274680"/>
-            <a:ext cx="8228520" cy="1141920"/>
+            <a:off x="457200" y="273600"/>
+            <a:ext cx="8229240" cy="1144800"/>
           </a:xfrm>
           <a:prstGeom prst="rect">
             <a:avLst/>
@@ -1616,7 +1616,7 @@
       </p:sp>
       <p:sp>
         <p:nvSpPr>
-          <p:cNvPr id="68" name="PlaceHolder 2"/>
+          <p:cNvPr id="65" name="PlaceHolder 2"/>
           <p:cNvSpPr>
             <a:spLocks noGrp="1"/>
           </p:cNvSpPr>
@@ -1627,7 +1627,7 @@
         <p:spPr>
           <a:xfrm>
             <a:off x="457200" y="1604520"/>
-            <a:ext cx="4015440" cy="1896840"/>
+            <a:ext cx="4015800" cy="1896840"/>
           </a:xfrm>
           <a:prstGeom prst="rect">
             <a:avLst/>
@@ -1646,7 +1646,7 @@
       </p:sp>
       <p:sp>
         <p:nvSpPr>
-          <p:cNvPr id="69" name="PlaceHolder 3"/>
+          <p:cNvPr id="66" name="PlaceHolder 3"/>
           <p:cNvSpPr>
             <a:spLocks noGrp="1"/>
           </p:cNvSpPr>
@@ -1656,8 +1656,8 @@
         </p:nvSpPr>
         <p:spPr>
           <a:xfrm>
-            <a:off x="4673880" y="1604520"/>
-            <a:ext cx="4015440" cy="1896840"/>
+            <a:off x="4674240" y="1604520"/>
+            <a:ext cx="4015800" cy="1896840"/>
           </a:xfrm>
           <a:prstGeom prst="rect">
             <a:avLst/>
@@ -1676,7 +1676,7 @@
       </p:sp>
       <p:sp>
         <p:nvSpPr>
-          <p:cNvPr id="70" name="PlaceHolder 4"/>
+          <p:cNvPr id="67" name="PlaceHolder 4"/>
           <p:cNvSpPr>
             <a:spLocks noGrp="1"/>
           </p:cNvSpPr>
@@ -1686,8 +1686,8 @@
         </p:nvSpPr>
         <p:spPr>
           <a:xfrm>
-            <a:off x="4673880" y="3682080"/>
-            <a:ext cx="4015440" cy="1896840"/>
+            <a:off x="4674240" y="3682080"/>
+            <a:ext cx="4015800" cy="1896840"/>
           </a:xfrm>
           <a:prstGeom prst="rect">
             <a:avLst/>
@@ -1706,7 +1706,7 @@
       </p:sp>
       <p:sp>
         <p:nvSpPr>
-          <p:cNvPr id="71" name="PlaceHolder 5"/>
+          <p:cNvPr id="68" name="PlaceHolder 5"/>
           <p:cNvSpPr>
             <a:spLocks noGrp="1"/>
           </p:cNvSpPr>
@@ -1717,7 +1717,7 @@
         <p:spPr>
           <a:xfrm>
             <a:off x="457200" y="3682080"/>
-            <a:ext cx="4015440" cy="1896840"/>
+            <a:ext cx="4015800" cy="1896840"/>
           </a:xfrm>
           <a:prstGeom prst="rect">
             <a:avLst/>
@@ -1758,7 +1758,7 @@
       </p:grpSpPr>
       <p:sp>
         <p:nvSpPr>
-          <p:cNvPr id="72" name="PlaceHolder 1"/>
+          <p:cNvPr id="69" name="PlaceHolder 1"/>
           <p:cNvSpPr>
             <a:spLocks noGrp="1"/>
           </p:cNvSpPr>
@@ -1768,8 +1768,8 @@
         </p:nvSpPr>
         <p:spPr>
           <a:xfrm>
-            <a:off x="457200" y="274680"/>
-            <a:ext cx="8228520" cy="1141920"/>
+            <a:off x="457200" y="273600"/>
+            <a:ext cx="8229240" cy="1144800"/>
           </a:xfrm>
           <a:prstGeom prst="rect">
             <a:avLst/>
@@ -1787,7 +1787,7 @@
       </p:sp>
       <p:sp>
         <p:nvSpPr>
-          <p:cNvPr id="73" name="PlaceHolder 2"/>
+          <p:cNvPr id="70" name="PlaceHolder 2"/>
           <p:cNvSpPr>
             <a:spLocks noGrp="1"/>
           </p:cNvSpPr>
@@ -1817,7 +1817,7 @@
       </p:sp>
       <p:sp>
         <p:nvSpPr>
-          <p:cNvPr id="74" name="PlaceHolder 3"/>
+          <p:cNvPr id="71" name="PlaceHolder 3"/>
           <p:cNvSpPr>
             <a:spLocks noGrp="1"/>
           </p:cNvSpPr>
@@ -1847,7 +1847,7 @@
       </p:sp>
       <p:sp>
         <p:nvSpPr>
-          <p:cNvPr id="75" name="PlaceHolder 4"/>
+          <p:cNvPr id="72" name="PlaceHolder 4"/>
           <p:cNvSpPr>
             <a:spLocks noGrp="1"/>
           </p:cNvSpPr>
@@ -1877,7 +1877,7 @@
       </p:sp>
       <p:sp>
         <p:nvSpPr>
-          <p:cNvPr id="76" name="PlaceHolder 5"/>
+          <p:cNvPr id="73" name="PlaceHolder 5"/>
           <p:cNvSpPr>
             <a:spLocks noGrp="1"/>
           </p:cNvSpPr>
@@ -1907,7 +1907,7 @@
       </p:sp>
       <p:sp>
         <p:nvSpPr>
-          <p:cNvPr id="77" name="PlaceHolder 6"/>
+          <p:cNvPr id="74" name="PlaceHolder 6"/>
           <p:cNvSpPr>
             <a:spLocks noGrp="1"/>
           </p:cNvSpPr>
@@ -1937,7 +1937,7 @@
       </p:sp>
       <p:sp>
         <p:nvSpPr>
-          <p:cNvPr id="78" name="PlaceHolder 7"/>
+          <p:cNvPr id="75" name="PlaceHolder 7"/>
           <p:cNvSpPr>
             <a:spLocks noGrp="1"/>
           </p:cNvSpPr>
@@ -1999,8 +1999,8 @@
         </p:nvSpPr>
         <p:spPr>
           <a:xfrm>
-            <a:off x="457200" y="274680"/>
-            <a:ext cx="8228520" cy="1141920"/>
+            <a:off x="457200" y="273600"/>
+            <a:ext cx="8229240" cy="1144800"/>
           </a:xfrm>
           <a:prstGeom prst="rect">
             <a:avLst/>
@@ -2029,7 +2029,7 @@
         <p:spPr>
           <a:xfrm>
             <a:off x="457200" y="1604520"/>
-            <a:ext cx="8228880" cy="3976920"/>
+            <a:ext cx="8229240" cy="3977280"/>
           </a:xfrm>
           <a:prstGeom prst="rect">
             <a:avLst/>
@@ -2080,8 +2080,8 @@
         </p:nvSpPr>
         <p:spPr>
           <a:xfrm>
-            <a:off x="457200" y="274680"/>
-            <a:ext cx="8228520" cy="1141920"/>
+            <a:off x="457200" y="273600"/>
+            <a:ext cx="8229240" cy="1144800"/>
           </a:xfrm>
           <a:prstGeom prst="rect">
             <a:avLst/>
@@ -2110,7 +2110,7 @@
         <p:spPr>
           <a:xfrm>
             <a:off x="457200" y="1604520"/>
-            <a:ext cx="4015440" cy="3976920"/>
+            <a:ext cx="4015800" cy="3977280"/>
           </a:xfrm>
           <a:prstGeom prst="rect">
             <a:avLst/>
@@ -2139,8 +2139,8 @@
         </p:nvSpPr>
         <p:spPr>
           <a:xfrm>
-            <a:off x="4673880" y="1604520"/>
-            <a:ext cx="4015440" cy="3976920"/>
+            <a:off x="4674240" y="1604520"/>
+            <a:ext cx="4015800" cy="3977280"/>
           </a:xfrm>
           <a:prstGeom prst="rect">
             <a:avLst/>
@@ -2191,8 +2191,8 @@
         </p:nvSpPr>
         <p:spPr>
           <a:xfrm>
-            <a:off x="457200" y="274680"/>
-            <a:ext cx="8228520" cy="1141920"/>
+            <a:off x="457200" y="273600"/>
+            <a:ext cx="8229240" cy="1144800"/>
           </a:xfrm>
           <a:prstGeom prst="rect">
             <a:avLst/>
@@ -2242,8 +2242,8 @@
         </p:nvSpPr>
         <p:spPr>
           <a:xfrm>
-            <a:off x="457200" y="274680"/>
-            <a:ext cx="8228520" cy="5294520"/>
+            <a:off x="457200" y="273600"/>
+            <a:ext cx="8229240" cy="5307840"/>
           </a:xfrm>
           <a:prstGeom prst="rect">
             <a:avLst/>
@@ -2293,8 +2293,8 @@
         </p:nvSpPr>
         <p:spPr>
           <a:xfrm>
-            <a:off x="457200" y="274680"/>
-            <a:ext cx="8228520" cy="1141920"/>
+            <a:off x="457200" y="273600"/>
+            <a:ext cx="8229240" cy="1144800"/>
           </a:xfrm>
           <a:prstGeom prst="rect">
             <a:avLst/>
@@ -2323,7 +2323,7 @@
         <p:spPr>
           <a:xfrm>
             <a:off x="457200" y="1604520"/>
-            <a:ext cx="4015440" cy="1896840"/>
+            <a:ext cx="4015800" cy="1896840"/>
           </a:xfrm>
           <a:prstGeom prst="rect">
             <a:avLst/>
@@ -2353,7 +2353,7 @@
         <p:spPr>
           <a:xfrm>
             <a:off x="457200" y="3682080"/>
-            <a:ext cx="4015440" cy="1896840"/>
+            <a:ext cx="4015800" cy="1896840"/>
           </a:xfrm>
           <a:prstGeom prst="rect">
             <a:avLst/>
@@ -2382,8 +2382,8 @@
         </p:nvSpPr>
         <p:spPr>
           <a:xfrm>
-            <a:off x="4673880" y="1604520"/>
-            <a:ext cx="4015440" cy="3976920"/>
+            <a:off x="4674240" y="1604520"/>
+            <a:ext cx="4015800" cy="3977280"/>
           </a:xfrm>
           <a:prstGeom prst="rect">
             <a:avLst/>
@@ -2434,8 +2434,8 @@
         </p:nvSpPr>
         <p:spPr>
           <a:xfrm>
-            <a:off x="457200" y="274680"/>
-            <a:ext cx="8228520" cy="1141920"/>
+            <a:off x="457200" y="273600"/>
+            <a:ext cx="8229240" cy="1144800"/>
           </a:xfrm>
           <a:prstGeom prst="rect">
             <a:avLst/>
@@ -2464,7 +2464,7 @@
         <p:spPr>
           <a:xfrm>
             <a:off x="457200" y="1604520"/>
-            <a:ext cx="4015440" cy="3976920"/>
+            <a:ext cx="4015800" cy="3977280"/>
           </a:xfrm>
           <a:prstGeom prst="rect">
             <a:avLst/>
@@ -2493,8 +2493,8 @@
         </p:nvSpPr>
         <p:spPr>
           <a:xfrm>
-            <a:off x="4673880" y="1604520"/>
-            <a:ext cx="4015440" cy="1896840"/>
+            <a:off x="4674240" y="1604520"/>
+            <a:ext cx="4015800" cy="1896840"/>
           </a:xfrm>
           <a:prstGeom prst="rect">
             <a:avLst/>
@@ -2523,8 +2523,8 @@
         </p:nvSpPr>
         <p:spPr>
           <a:xfrm>
-            <a:off x="4673880" y="3682080"/>
-            <a:ext cx="4015440" cy="1896840"/>
+            <a:off x="4674240" y="3682080"/>
+            <a:ext cx="4015800" cy="1896840"/>
           </a:xfrm>
           <a:prstGeom prst="rect">
             <a:avLst/>
@@ -2575,8 +2575,8 @@
         </p:nvSpPr>
         <p:spPr>
           <a:xfrm>
-            <a:off x="457200" y="274680"/>
-            <a:ext cx="8228520" cy="1141920"/>
+            <a:off x="457200" y="273600"/>
+            <a:ext cx="8229240" cy="1144800"/>
           </a:xfrm>
           <a:prstGeom prst="rect">
             <a:avLst/>
@@ -2605,7 +2605,7 @@
         <p:spPr>
           <a:xfrm>
             <a:off x="457200" y="1604520"/>
-            <a:ext cx="4015440" cy="1896840"/>
+            <a:ext cx="4015800" cy="1896840"/>
           </a:xfrm>
           <a:prstGeom prst="rect">
             <a:avLst/>
@@ -2634,8 +2634,8 @@
         </p:nvSpPr>
         <p:spPr>
           <a:xfrm>
-            <a:off x="4673880" y="1604520"/>
-            <a:ext cx="4015440" cy="1896840"/>
+            <a:off x="4674240" y="1604520"/>
+            <a:ext cx="4015800" cy="1896840"/>
           </a:xfrm>
           <a:prstGeom prst="rect">
             <a:avLst/>
@@ -2665,7 +2665,7 @@
         <p:spPr>
           <a:xfrm>
             <a:off x="457200" y="3682080"/>
-            <a:ext cx="8228880" cy="1896840"/>
+            <a:ext cx="8229240" cy="1896840"/>
           </a:xfrm>
           <a:prstGeom prst="rect">
             <a:avLst/>
@@ -2723,8 +2723,8 @@
         </p:nvSpPr>
         <p:spPr>
           <a:xfrm>
-            <a:off x="457200" y="274680"/>
-            <a:ext cx="8228520" cy="1141920"/>
+            <a:off x="457200" y="273600"/>
+            <a:ext cx="8229240" cy="1144800"/>
           </a:xfrm>
           <a:prstGeom prst="rect">
             <a:avLst/>
@@ -2733,13 +2733,14 @@
         <p:txBody>
           <a:bodyPr lIns="0" rIns="0" tIns="0" bIns="0" anchor="ctr"/>
           <a:p>
-            <a:r>
-              <a:rPr b="0" lang="fr-FR" sz="1800" spc="-1" strike="noStrike">
+            <a:pPr algn="ctr"/>
+            <a:r>
+              <a:rPr b="0" lang="fr-FR" sz="4400" spc="-1" strike="noStrike">
                 <a:latin typeface="Arial"/>
               </a:rPr>
               <a:t>Cliquez pour éditer le format du texte-titre</a:t>
             </a:r>
-            <a:endParaRPr b="0" lang="fr-FR" sz="1800" spc="-1" strike="noStrike">
+            <a:endParaRPr b="0" lang="fr-FR" sz="4400" spc="-1" strike="noStrike">
               <a:latin typeface="Arial"/>
             </a:endParaRPr>
           </a:p>
@@ -2758,7 +2759,7 @@
         <p:spPr>
           <a:xfrm>
             <a:off x="457200" y="1604520"/>
-            <a:ext cx="8228880" cy="3976920"/>
+            <a:ext cx="8229240" cy="3977280"/>
           </a:xfrm>
           <a:prstGeom prst="rect">
             <a:avLst/>
@@ -2781,12 +2782,12 @@
               <a:buChar char=""/>
             </a:pPr>
             <a:r>
-              <a:rPr b="0" lang="fr-FR" sz="1800" spc="-1" strike="noStrike">
+              <a:rPr b="0" lang="fr-FR" sz="3200" spc="-1" strike="noStrike">
                 <a:latin typeface="Arial"/>
               </a:rPr>
               <a:t>Cliquez pour éditer le format du plan de texte</a:t>
             </a:r>
-            <a:endParaRPr b="0" lang="fr-FR" sz="1800" spc="-1" strike="noStrike">
+            <a:endParaRPr b="0" lang="fr-FR" sz="3200" spc="-1" strike="noStrike">
               <a:latin typeface="Arial"/>
             </a:endParaRPr>
           </a:p>
@@ -2803,12 +2804,12 @@
               <a:buChar char=""/>
             </a:pPr>
             <a:r>
-              <a:rPr b="0" lang="fr-FR" sz="1800" spc="-1" strike="noStrike">
+              <a:rPr b="0" lang="fr-FR" sz="2800" spc="-1" strike="noStrike">
                 <a:latin typeface="Arial"/>
               </a:rPr>
               <a:t>Second niveau de plan</a:t>
             </a:r>
-            <a:endParaRPr b="0" lang="fr-FR" sz="1800" spc="-1" strike="noStrike">
+            <a:endParaRPr b="0" lang="fr-FR" sz="2800" spc="-1" strike="noStrike">
               <a:latin typeface="Arial"/>
             </a:endParaRPr>
           </a:p>
@@ -2825,12 +2826,12 @@
               <a:buChar char=""/>
             </a:pPr>
             <a:r>
-              <a:rPr b="0" lang="fr-FR" sz="1800" spc="-1" strike="noStrike">
+              <a:rPr b="0" lang="fr-FR" sz="2400" spc="-1" strike="noStrike">
                 <a:latin typeface="Arial"/>
               </a:rPr>
               <a:t>Troisième niveau de plan</a:t>
             </a:r>
-            <a:endParaRPr b="0" lang="fr-FR" sz="1800" spc="-1" strike="noStrike">
+            <a:endParaRPr b="0" lang="fr-FR" sz="2400" spc="-1" strike="noStrike">
               <a:latin typeface="Arial"/>
             </a:endParaRPr>
           </a:p>
@@ -2847,12 +2848,12 @@
               <a:buChar char=""/>
             </a:pPr>
             <a:r>
-              <a:rPr b="0" lang="fr-FR" sz="1800" spc="-1" strike="noStrike">
+              <a:rPr b="0" lang="fr-FR" sz="2000" spc="-1" strike="noStrike">
                 <a:latin typeface="Arial"/>
               </a:rPr>
               <a:t>Quatrième niveau de plan</a:t>
             </a:r>
-            <a:endParaRPr b="0" lang="fr-FR" sz="1800" spc="-1" strike="noStrike">
+            <a:endParaRPr b="0" lang="fr-FR" sz="2000" spc="-1" strike="noStrike">
               <a:latin typeface="Arial"/>
             </a:endParaRPr>
           </a:p>
@@ -2869,12 +2870,12 @@
               <a:buChar char=""/>
             </a:pPr>
             <a:r>
-              <a:rPr b="0" lang="fr-FR" sz="1800" spc="-1" strike="noStrike">
+              <a:rPr b="0" lang="fr-FR" sz="2000" spc="-1" strike="noStrike">
                 <a:latin typeface="Arial"/>
               </a:rPr>
               <a:t>Cinquième niveau de plan</a:t>
             </a:r>
-            <a:endParaRPr b="0" lang="fr-FR" sz="1800" spc="-1" strike="noStrike">
+            <a:endParaRPr b="0" lang="fr-FR" sz="2000" spc="-1" strike="noStrike">
               <a:latin typeface="Arial"/>
             </a:endParaRPr>
           </a:p>
@@ -2891,12 +2892,12 @@
               <a:buChar char=""/>
             </a:pPr>
             <a:r>
-              <a:rPr b="0" lang="fr-FR" sz="1800" spc="-1" strike="noStrike">
+              <a:rPr b="0" lang="fr-FR" sz="2000" spc="-1" strike="noStrike">
                 <a:latin typeface="Arial"/>
               </a:rPr>
               <a:t>Sixième niveau de plan</a:t>
             </a:r>
-            <a:endParaRPr b="0" lang="fr-FR" sz="1800" spc="-1" strike="noStrike">
+            <a:endParaRPr b="0" lang="fr-FR" sz="2000" spc="-1" strike="noStrike">
               <a:latin typeface="Arial"/>
             </a:endParaRPr>
           </a:p>
@@ -2913,12 +2914,12 @@
               <a:buChar char=""/>
             </a:pPr>
             <a:r>
-              <a:rPr b="0" lang="fr-FR" sz="1800" spc="-1" strike="noStrike">
+              <a:rPr b="0" lang="fr-FR" sz="2000" spc="-1" strike="noStrike">
                 <a:latin typeface="Arial"/>
               </a:rPr>
               <a:t>Septième niveau de plan</a:t>
             </a:r>
-            <a:endParaRPr b="0" lang="fr-FR" sz="1800" spc="-1" strike="noStrike">
+            <a:endParaRPr b="0" lang="fr-FR" sz="2000" spc="-1" strike="noStrike">
               <a:latin typeface="Arial"/>
             </a:endParaRPr>
           </a:p>
@@ -2980,35 +2981,25 @@
         </p:nvSpPr>
         <p:spPr>
           <a:xfrm>
-            <a:off x="457200" y="274680"/>
-            <a:ext cx="8229240" cy="1142640"/>
-          </a:xfrm>
-          <a:prstGeom prst="rect">
-            <a:avLst/>
-          </a:prstGeom>
-        </p:spPr>
-        <p:txBody>
-          <a:bodyPr anchor="ctr"/>
-          <a:p>
-            <a:pPr algn="ctr">
-              <a:lnSpc>
-                <a:spcPct val="100000"/>
-              </a:lnSpc>
-            </a:pPr>
+            <a:off x="457200" y="273600"/>
+            <a:ext cx="8229240" cy="1144800"/>
+          </a:xfrm>
+          <a:prstGeom prst="rect">
+            <a:avLst/>
+          </a:prstGeom>
+        </p:spPr>
+        <p:txBody>
+          <a:bodyPr lIns="0" rIns="0" tIns="0" bIns="0" anchor="ctr"/>
+          <a:p>
+            <a:pPr algn="ctr"/>
             <a:r>
               <a:rPr b="0" lang="fr-FR" sz="4400" spc="-1" strike="noStrike">
-                <a:solidFill>
-                  <a:srgbClr val="000000"/>
-                </a:solidFill>
-                <a:latin typeface="Calibri"/>
-              </a:rPr>
-              <a:t>Cliquez pour modifier le style du titre</a:t>
+                <a:latin typeface="Arial"/>
+              </a:rPr>
+              <a:t>Cliquez pour éditer le format du texte-titre</a:t>
             </a:r>
             <a:endParaRPr b="0" lang="fr-FR" sz="4400" spc="-1" strike="noStrike">
-              <a:solidFill>
-                <a:srgbClr val="000000"/>
-              </a:solidFill>
-              <a:latin typeface="Calibri"/>
+              <a:latin typeface="Arial"/>
             </a:endParaRPr>
           </a:p>
         </p:txBody>
@@ -3025,275 +3016,169 @@
         </p:nvSpPr>
         <p:spPr>
           <a:xfrm>
-            <a:off x="457200" y="1600200"/>
-            <a:ext cx="8229240" cy="4525560"/>
-          </a:xfrm>
-          <a:prstGeom prst="rect">
-            <a:avLst/>
-          </a:prstGeom>
-        </p:spPr>
-        <p:txBody>
-          <a:bodyPr/>
-          <a:p>
-            <a:pPr marL="343080" indent="-342720">
-              <a:lnSpc>
-                <a:spcPct val="100000"/>
-              </a:lnSpc>
+            <a:off x="457200" y="1604520"/>
+            <a:ext cx="8229240" cy="3977280"/>
+          </a:xfrm>
+          <a:prstGeom prst="rect">
+            <a:avLst/>
+          </a:prstGeom>
+        </p:spPr>
+        <p:txBody>
+          <a:bodyPr lIns="0" rIns="0" tIns="0" bIns="0">
+            <a:normAutofit/>
+          </a:bodyPr>
+          <a:p>
+            <a:pPr marL="432000" indent="-324000">
               <a:spcBef>
-                <a:spcPts val="641"/>
+                <a:spcPts val="1417"/>
               </a:spcBef>
               <a:buClr>
                 <a:srgbClr val="000000"/>
               </a:buClr>
-              <a:buFont typeface="Arial"/>
-              <a:buChar char="•"/>
+              <a:buSzPct val="45000"/>
+              <a:buFont typeface="Wingdings" charset="2"/>
+              <a:buChar char=""/>
             </a:pPr>
             <a:r>
               <a:rPr b="0" lang="fr-FR" sz="3200" spc="-1" strike="noStrike">
-                <a:solidFill>
-                  <a:srgbClr val="000000"/>
-                </a:solidFill>
-                <a:latin typeface="Calibri"/>
-              </a:rPr>
-              <a:t>Cliquez pour modifier les styles du texte du masque</a:t>
+                <a:latin typeface="Arial"/>
+              </a:rPr>
+              <a:t>Cliquez pour éditer le format du plan de texte</a:t>
             </a:r>
             <a:endParaRPr b="0" lang="fr-FR" sz="3200" spc="-1" strike="noStrike">
-              <a:solidFill>
-                <a:srgbClr val="000000"/>
-              </a:solidFill>
-              <a:latin typeface="Calibri"/>
-            </a:endParaRPr>
-          </a:p>
-          <a:p>
-            <a:pPr lvl="1" marL="743040" indent="-285480">
-              <a:lnSpc>
-                <a:spcPct val="100000"/>
-              </a:lnSpc>
+              <a:latin typeface="Arial"/>
+            </a:endParaRPr>
+          </a:p>
+          <a:p>
+            <a:pPr lvl="1" marL="864000" indent="-324000">
               <a:spcBef>
-                <a:spcPts val="561"/>
+                <a:spcPts val="1134"/>
               </a:spcBef>
               <a:buClr>
                 <a:srgbClr val="000000"/>
               </a:buClr>
-              <a:buFont typeface="Arial"/>
-              <a:buChar char="–"/>
+              <a:buSzPct val="75000"/>
+              <a:buFont typeface="Symbol" charset="2"/>
+              <a:buChar char=""/>
             </a:pPr>
             <a:r>
               <a:rPr b="0" lang="fr-FR" sz="2800" spc="-1" strike="noStrike">
-                <a:solidFill>
-                  <a:srgbClr val="000000"/>
-                </a:solidFill>
-                <a:latin typeface="Calibri"/>
-              </a:rPr>
-              <a:t>Deuxième niveau</a:t>
+                <a:latin typeface="Arial"/>
+              </a:rPr>
+              <a:t>Second niveau de plan</a:t>
             </a:r>
             <a:endParaRPr b="0" lang="fr-FR" sz="2800" spc="-1" strike="noStrike">
-              <a:solidFill>
-                <a:srgbClr val="000000"/>
-              </a:solidFill>
-              <a:latin typeface="Calibri"/>
-            </a:endParaRPr>
-          </a:p>
-          <a:p>
-            <a:pPr lvl="2" marL="1143000" indent="-228240">
-              <a:lnSpc>
-                <a:spcPct val="100000"/>
-              </a:lnSpc>
+              <a:latin typeface="Arial"/>
+            </a:endParaRPr>
+          </a:p>
+          <a:p>
+            <a:pPr lvl="2" marL="1296000" indent="-288000">
               <a:spcBef>
-                <a:spcPts val="479"/>
+                <a:spcPts val="850"/>
               </a:spcBef>
               <a:buClr>
                 <a:srgbClr val="000000"/>
               </a:buClr>
-              <a:buFont typeface="Arial"/>
-              <a:buChar char="•"/>
+              <a:buSzPct val="45000"/>
+              <a:buFont typeface="Wingdings" charset="2"/>
+              <a:buChar char=""/>
             </a:pPr>
             <a:r>
               <a:rPr b="0" lang="fr-FR" sz="2400" spc="-1" strike="noStrike">
-                <a:solidFill>
-                  <a:srgbClr val="000000"/>
-                </a:solidFill>
-                <a:latin typeface="Calibri"/>
-              </a:rPr>
-              <a:t>Troisième niveau</a:t>
+                <a:latin typeface="Arial"/>
+              </a:rPr>
+              <a:t>Troisième niveau de plan</a:t>
             </a:r>
             <a:endParaRPr b="0" lang="fr-FR" sz="2400" spc="-1" strike="noStrike">
-              <a:solidFill>
-                <a:srgbClr val="000000"/>
-              </a:solidFill>
-              <a:latin typeface="Calibri"/>
-            </a:endParaRPr>
-          </a:p>
-          <a:p>
-            <a:pPr lvl="3" marL="1600200" indent="-228240">
-              <a:lnSpc>
-                <a:spcPct val="100000"/>
-              </a:lnSpc>
+              <a:latin typeface="Arial"/>
+            </a:endParaRPr>
+          </a:p>
+          <a:p>
+            <a:pPr lvl="3" marL="1728000" indent="-216000">
               <a:spcBef>
-                <a:spcPts val="400"/>
+                <a:spcPts val="567"/>
               </a:spcBef>
               <a:buClr>
                 <a:srgbClr val="000000"/>
               </a:buClr>
-              <a:buFont typeface="Arial"/>
-              <a:buChar char="–"/>
+              <a:buSzPct val="75000"/>
+              <a:buFont typeface="Symbol" charset="2"/>
+              <a:buChar char=""/>
             </a:pPr>
             <a:r>
               <a:rPr b="0" lang="fr-FR" sz="2000" spc="-1" strike="noStrike">
-                <a:solidFill>
-                  <a:srgbClr val="000000"/>
-                </a:solidFill>
-                <a:latin typeface="Calibri"/>
-              </a:rPr>
-              <a:t>Quatrième niveau</a:t>
+                <a:latin typeface="Arial"/>
+              </a:rPr>
+              <a:t>Quatrième niveau de plan</a:t>
             </a:r>
             <a:endParaRPr b="0" lang="fr-FR" sz="2000" spc="-1" strike="noStrike">
-              <a:solidFill>
-                <a:srgbClr val="000000"/>
-              </a:solidFill>
-              <a:latin typeface="Calibri"/>
-            </a:endParaRPr>
-          </a:p>
-          <a:p>
-            <a:pPr lvl="4" marL="2057400" indent="-228240">
-              <a:lnSpc>
-                <a:spcPct val="100000"/>
-              </a:lnSpc>
+              <a:latin typeface="Arial"/>
+            </a:endParaRPr>
+          </a:p>
+          <a:p>
+            <a:pPr lvl="4" marL="2160000" indent="-216000">
               <a:spcBef>
-                <a:spcPts val="400"/>
+                <a:spcPts val="283"/>
               </a:spcBef>
               <a:buClr>
                 <a:srgbClr val="000000"/>
               </a:buClr>
-              <a:buFont typeface="Arial"/>
-              <a:buChar char="»"/>
+              <a:buSzPct val="45000"/>
+              <a:buFont typeface="Wingdings" charset="2"/>
+              <a:buChar char=""/>
             </a:pPr>
             <a:r>
               <a:rPr b="0" lang="fr-FR" sz="2000" spc="-1" strike="noStrike">
-                <a:solidFill>
-                  <a:srgbClr val="000000"/>
-                </a:solidFill>
-                <a:latin typeface="Calibri"/>
-              </a:rPr>
-              <a:t>Cinquième niveau</a:t>
+                <a:latin typeface="Arial"/>
+              </a:rPr>
+              <a:t>Cinquième niveau de plan</a:t>
             </a:r>
             <a:endParaRPr b="0" lang="fr-FR" sz="2000" spc="-1" strike="noStrike">
-              <a:solidFill>
+              <a:latin typeface="Arial"/>
+            </a:endParaRPr>
+          </a:p>
+          <a:p>
+            <a:pPr lvl="5" marL="2592000" indent="-216000">
+              <a:spcBef>
+                <a:spcPts val="283"/>
+              </a:spcBef>
+              <a:buClr>
                 <a:srgbClr val="000000"/>
-              </a:solidFill>
-              <a:latin typeface="Calibri"/>
-            </a:endParaRPr>
-          </a:p>
-        </p:txBody>
-      </p:sp>
-      <p:sp>
-        <p:nvSpPr>
-          <p:cNvPr id="40" name="PlaceHolder 3"/>
-          <p:cNvSpPr>
-            <a:spLocks noGrp="1"/>
-          </p:cNvSpPr>
-          <p:nvPr>
-            <p:ph type="dt"/>
-          </p:nvPr>
-        </p:nvSpPr>
-        <p:spPr>
-          <a:xfrm>
-            <a:off x="457200" y="6356520"/>
-            <a:ext cx="2133360" cy="364680"/>
-          </a:xfrm>
-          <a:prstGeom prst="rect">
-            <a:avLst/>
-          </a:prstGeom>
-        </p:spPr>
-        <p:txBody>
-          <a:bodyPr anchor="ctr"/>
-          <a:p>
-            <a:pPr>
-              <a:lnSpc>
-                <a:spcPct val="100000"/>
-              </a:lnSpc>
+              </a:buClr>
+              <a:buSzPct val="45000"/>
+              <a:buFont typeface="Wingdings" charset="2"/>
+              <a:buChar char=""/>
             </a:pPr>
-            <a:fld id="{ECF6DE45-8BE1-419F-B3C2-FF495F18E4D3}" type="datetime">
-              <a:rPr b="0" lang="fr-FR" sz="1200" spc="-1" strike="noStrike">
-                <a:solidFill>
-                  <a:srgbClr val="8b8b8b"/>
-                </a:solidFill>
-                <a:latin typeface="Calibri"/>
-              </a:rPr>
-              <a:t>02/06/2021</a:t>
-            </a:fld>
-            <a:endParaRPr b="0" lang="fr-FR" sz="1200" spc="-1" strike="noStrike">
-              <a:latin typeface="Times New Roman"/>
-            </a:endParaRPr>
-          </a:p>
-        </p:txBody>
-      </p:sp>
-      <p:sp>
-        <p:nvSpPr>
-          <p:cNvPr id="41" name="PlaceHolder 4"/>
-          <p:cNvSpPr>
-            <a:spLocks noGrp="1"/>
-          </p:cNvSpPr>
-          <p:nvPr>
-            <p:ph type="ftr"/>
-          </p:nvPr>
-        </p:nvSpPr>
-        <p:spPr>
-          <a:xfrm>
-            <a:off x="3124080" y="6356520"/>
-            <a:ext cx="2895120" cy="364680"/>
-          </a:xfrm>
-          <a:prstGeom prst="rect">
-            <a:avLst/>
-          </a:prstGeom>
-        </p:spPr>
-        <p:txBody>
-          <a:bodyPr anchor="ctr"/>
-          <a:p>
-            <a:endParaRPr b="0" lang="fr-FR" sz="2400" spc="-1" strike="noStrike">
-              <a:latin typeface="Times New Roman"/>
-            </a:endParaRPr>
-          </a:p>
-        </p:txBody>
-      </p:sp>
-      <p:sp>
-        <p:nvSpPr>
-          <p:cNvPr id="42" name="PlaceHolder 5"/>
-          <p:cNvSpPr>
-            <a:spLocks noGrp="1"/>
-          </p:cNvSpPr>
-          <p:nvPr>
-            <p:ph type="sldNum"/>
-          </p:nvPr>
-        </p:nvSpPr>
-        <p:spPr>
-          <a:xfrm>
-            <a:off x="6553080" y="6356520"/>
-            <a:ext cx="2133360" cy="364680"/>
-          </a:xfrm>
-          <a:prstGeom prst="rect">
-            <a:avLst/>
-          </a:prstGeom>
-        </p:spPr>
-        <p:txBody>
-          <a:bodyPr anchor="ctr"/>
-          <a:p>
-            <a:pPr algn="r">
-              <a:lnSpc>
-                <a:spcPct val="100000"/>
-              </a:lnSpc>
+            <a:r>
+              <a:rPr b="0" lang="fr-FR" sz="2000" spc="-1" strike="noStrike">
+                <a:latin typeface="Arial"/>
+              </a:rPr>
+              <a:t>Sixième niveau de plan</a:t>
+            </a:r>
+            <a:endParaRPr b="0" lang="fr-FR" sz="2000" spc="-1" strike="noStrike">
+              <a:latin typeface="Arial"/>
+            </a:endParaRPr>
+          </a:p>
+          <a:p>
+            <a:pPr lvl="6" marL="3024000" indent="-216000">
+              <a:spcBef>
+                <a:spcPts val="283"/>
+              </a:spcBef>
+              <a:buClr>
+                <a:srgbClr val="000000"/>
+              </a:buClr>
+              <a:buSzPct val="45000"/>
+              <a:buFont typeface="Wingdings" charset="2"/>
+              <a:buChar char=""/>
             </a:pPr>
-            <a:fld id="{5C16E0FC-12F6-4E8E-AECC-1CFBEF773845}" type="slidenum">
-              <a:rPr b="0" lang="fr-FR" sz="1200" spc="-1" strike="noStrike">
-                <a:solidFill>
-                  <a:srgbClr val="8b8b8b"/>
-                </a:solidFill>
-                <a:latin typeface="Calibri"/>
-              </a:rPr>
-              <a:t>1</a:t>
-            </a:fld>
-            <a:endParaRPr b="0" lang="fr-FR" sz="1200" spc="-1" strike="noStrike">
-              <a:latin typeface="Times New Roman"/>
+            <a:r>
+              <a:rPr b="0" lang="fr-FR" sz="2000" spc="-1" strike="noStrike">
+                <a:latin typeface="Arial"/>
+              </a:rPr>
+              <a:t>Septième niveau de plan</a:t>
+            </a:r>
+            <a:endParaRPr b="0" lang="fr-FR" sz="2000" spc="-1" strike="noStrike">
+              <a:latin typeface="Arial"/>
             </a:endParaRPr>
           </a:p>
         </p:txBody>
@@ -3337,14 +3222,14 @@
       </p:grpSpPr>
       <p:sp>
         <p:nvSpPr>
-          <p:cNvPr id="79" name="CustomShape 1"/>
+          <p:cNvPr id="76" name="CustomShape 1"/>
           <p:cNvSpPr/>
           <p:nvPr/>
         </p:nvSpPr>
         <p:spPr>
           <a:xfrm>
             <a:off x="685800" y="2130480"/>
-            <a:ext cx="7773480" cy="2233440"/>
+            <a:ext cx="7773120" cy="2233080"/>
           </a:xfrm>
           <a:prstGeom prst="rect">
             <a:avLst/>
@@ -3498,14 +3383,14 @@
       </p:grpSpPr>
       <p:sp>
         <p:nvSpPr>
-          <p:cNvPr id="162" name="CustomShape 1"/>
+          <p:cNvPr id="173" name="CustomShape 1"/>
           <p:cNvSpPr/>
           <p:nvPr/>
         </p:nvSpPr>
         <p:spPr>
           <a:xfrm>
             <a:off x="685800" y="2130480"/>
-            <a:ext cx="7773480" cy="2233440"/>
+            <a:ext cx="7773120" cy="2233080"/>
           </a:xfrm>
           <a:prstGeom prst="rect">
             <a:avLst/>
@@ -3524,14 +3409,14 @@
       </p:sp>
       <p:sp>
         <p:nvSpPr>
-          <p:cNvPr id="163" name="TextShape 2"/>
-          <p:cNvSpPr txBox="1"/>
+          <p:cNvPr id="174" name="CustomShape 2"/>
+          <p:cNvSpPr/>
           <p:nvPr/>
         </p:nvSpPr>
         <p:spPr>
           <a:xfrm>
             <a:off x="457560" y="116640"/>
-            <a:ext cx="8229240" cy="462240"/>
+            <a:ext cx="8228880" cy="461880"/>
           </a:xfrm>
           <a:prstGeom prst="rect">
             <a:avLst/>
@@ -3541,8 +3426,14 @@
             <a:noFill/>
           </a:ln>
         </p:spPr>
-        <p:txBody>
-          <a:bodyPr anchor="ctr">
+        <p:style>
+          <a:lnRef idx="0"/>
+          <a:fillRef idx="0"/>
+          <a:effectRef idx="0"/>
+          <a:fontRef idx="minor"/>
+        </p:style>
+        <p:txBody>
+          <a:bodyPr lIns="90000" rIns="90000" tIns="45000" bIns="45000" anchor="ctr">
             <a:normAutofit/>
           </a:bodyPr>
           <a:p>
@@ -3618,14 +3509,14 @@
       </p:grpSpPr>
       <p:sp>
         <p:nvSpPr>
-          <p:cNvPr id="164" name="CustomShape 1"/>
+          <p:cNvPr id="175" name="CustomShape 1"/>
           <p:cNvSpPr/>
           <p:nvPr/>
         </p:nvSpPr>
         <p:spPr>
           <a:xfrm>
             <a:off x="685800" y="2130480"/>
-            <a:ext cx="7773480" cy="2233440"/>
+            <a:ext cx="7773120" cy="2233080"/>
           </a:xfrm>
           <a:prstGeom prst="rect">
             <a:avLst/>
@@ -3644,14 +3535,14 @@
       </p:sp>
       <p:sp>
         <p:nvSpPr>
-          <p:cNvPr id="165" name="TextShape 2"/>
-          <p:cNvSpPr txBox="1"/>
+          <p:cNvPr id="176" name="CustomShape 2"/>
+          <p:cNvSpPr/>
           <p:nvPr/>
         </p:nvSpPr>
         <p:spPr>
           <a:xfrm>
             <a:off x="457560" y="116640"/>
-            <a:ext cx="8229240" cy="462240"/>
+            <a:ext cx="8228880" cy="461880"/>
           </a:xfrm>
           <a:prstGeom prst="rect">
             <a:avLst/>
@@ -3661,8 +3552,14 @@
             <a:noFill/>
           </a:ln>
         </p:spPr>
-        <p:txBody>
-          <a:bodyPr anchor="ctr">
+        <p:style>
+          <a:lnRef idx="0"/>
+          <a:fillRef idx="0"/>
+          <a:effectRef idx="0"/>
+          <a:fontRef idx="minor"/>
+        </p:style>
+        <p:txBody>
+          <a:bodyPr lIns="90000" rIns="90000" tIns="45000" bIns="45000" anchor="ctr">
             <a:normAutofit/>
           </a:bodyPr>
           <a:p>
@@ -3738,14 +3635,14 @@
       </p:grpSpPr>
       <p:sp>
         <p:nvSpPr>
-          <p:cNvPr id="80" name="CustomShape 1"/>
+          <p:cNvPr id="77" name="CustomShape 1"/>
           <p:cNvSpPr/>
           <p:nvPr/>
         </p:nvSpPr>
         <p:spPr>
           <a:xfrm>
             <a:off x="3990960" y="1292040"/>
-            <a:ext cx="2308680" cy="4306320"/>
+            <a:ext cx="2308320" cy="4305960"/>
           </a:xfrm>
           <a:prstGeom prst="roundRect">
             <a:avLst>
@@ -3777,14 +3674,14 @@
       </p:sp>
       <p:sp>
         <p:nvSpPr>
-          <p:cNvPr id="81" name="TextShape 2"/>
-          <p:cNvSpPr txBox="1"/>
+          <p:cNvPr id="78" name="CustomShape 2"/>
+          <p:cNvSpPr/>
           <p:nvPr/>
         </p:nvSpPr>
         <p:spPr>
           <a:xfrm>
             <a:off x="457200" y="116640"/>
-            <a:ext cx="8229240" cy="462240"/>
+            <a:ext cx="8228880" cy="461880"/>
           </a:xfrm>
           <a:prstGeom prst="rect">
             <a:avLst/>
@@ -3794,8 +3691,14 @@
             <a:noFill/>
           </a:ln>
         </p:spPr>
-        <p:txBody>
-          <a:bodyPr anchor="ctr">
+        <p:style>
+          <a:lnRef idx="0"/>
+          <a:fillRef idx="0"/>
+          <a:effectRef idx="0"/>
+          <a:fontRef idx="minor"/>
+        </p:style>
+        <p:txBody>
+          <a:bodyPr lIns="90000" rIns="90000" tIns="45000" bIns="45000" anchor="ctr">
             <a:normAutofit/>
           </a:bodyPr>
           <a:p>
@@ -3815,24 +3718,21 @@
               <a:t>DMZ + Serveur d'applications (200x)</a:t>
             </a:r>
             <a:endParaRPr b="0" lang="fr-FR" sz="3600" spc="-1" strike="noStrike">
-              <a:solidFill>
-                <a:srgbClr val="000000"/>
-              </a:solidFill>
-              <a:latin typeface="Calibri"/>
-            </a:endParaRPr>
-          </a:p>
-        </p:txBody>
-      </p:sp>
-      <p:sp>
-        <p:nvSpPr>
-          <p:cNvPr id="82" name="CustomShape 3"/>
+              <a:latin typeface="Arial"/>
+            </a:endParaRPr>
+          </a:p>
+        </p:txBody>
+      </p:sp>
+      <p:sp>
+        <p:nvSpPr>
+          <p:cNvPr id="79" name="CustomShape 3"/>
           <p:cNvSpPr/>
           <p:nvPr/>
         </p:nvSpPr>
         <p:spPr>
           <a:xfrm>
             <a:off x="6601320" y="1532520"/>
-            <a:ext cx="1921320" cy="1054440"/>
+            <a:ext cx="1920960" cy="1054080"/>
           </a:xfrm>
           <a:prstGeom prst="roundRect">
             <a:avLst>
@@ -3876,6 +3776,7 @@
                   <a:srgbClr val="000000"/>
                 </a:solidFill>
                 <a:latin typeface="Calibri"/>
+                <a:ea typeface="DejaVu Sans"/>
               </a:rPr>
               <a:t>(*)</a:t>
             </a:r>
@@ -3887,14 +3788,14 @@
       </p:sp>
       <p:sp>
         <p:nvSpPr>
-          <p:cNvPr id="83" name="CustomShape 4"/>
+          <p:cNvPr id="80" name="CustomShape 4"/>
           <p:cNvSpPr/>
           <p:nvPr/>
         </p:nvSpPr>
         <p:spPr>
           <a:xfrm>
             <a:off x="1513800" y="6093360"/>
-            <a:ext cx="5898960" cy="639000"/>
+            <a:ext cx="5898600" cy="638640"/>
           </a:xfrm>
           <a:prstGeom prst="rect">
             <a:avLst/>
@@ -3924,6 +3825,7 @@
                   <a:srgbClr val="000000"/>
                 </a:solidFill>
                 <a:latin typeface="Calibri"/>
+                <a:ea typeface="DejaVu Sans"/>
               </a:rPr>
               <a:t>(*)</a:t>
             </a:r>
@@ -3933,6 +3835,7 @@
                   <a:srgbClr val="000000"/>
                 </a:solidFill>
                 <a:latin typeface="Calibri"/>
+                <a:ea typeface="DejaVu Sans"/>
               </a:rPr>
               <a:t>Machines</a:t>
             </a:r>
@@ -3942,6 +3845,7 @@
                   <a:srgbClr val="000000"/>
                 </a:solidFill>
                 <a:latin typeface="Calibri"/>
+                <a:ea typeface="DejaVu Sans"/>
               </a:rPr>
               <a:t> physiques  ou </a:t>
             </a:r>
@@ -3951,6 +3855,7 @@
                   <a:srgbClr val="000000"/>
                 </a:solidFill>
                 <a:latin typeface="Calibri"/>
+                <a:ea typeface="DejaVu Sans"/>
               </a:rPr>
               <a:t>virtuelles</a:t>
             </a:r>
@@ -3960,6 +3865,7 @@
                   <a:srgbClr val="000000"/>
                 </a:solidFill>
                 <a:latin typeface="Calibri"/>
+                <a:ea typeface="DejaVu Sans"/>
               </a:rPr>
               <a:t> (virtualBox, vmware, …) </a:t>
             </a:r>
@@ -3970,6 +3876,7 @@
                   <a:srgbClr val="000000"/>
                 </a:solidFill>
                 <a:latin typeface="Calibri"/>
+                <a:ea typeface="DejaVu Sans"/>
               </a:rPr>
               <a:t>très souvent avec système d’exploitation </a:t>
             </a:r>
@@ -3979,6 +3886,7 @@
                   <a:srgbClr val="000000"/>
                 </a:solidFill>
                 <a:latin typeface="Calibri"/>
+                <a:ea typeface="DejaVu Sans"/>
               </a:rPr>
               <a:t>linux</a:t>
             </a:r>
@@ -3990,14 +3898,14 @@
       </p:sp>
       <p:sp>
         <p:nvSpPr>
-          <p:cNvPr id="84" name="CustomShape 5"/>
+          <p:cNvPr id="81" name="CustomShape 5"/>
           <p:cNvSpPr/>
           <p:nvPr/>
         </p:nvSpPr>
         <p:spPr>
           <a:xfrm>
             <a:off x="6626880" y="3149640"/>
-            <a:ext cx="1946880" cy="969120"/>
+            <a:ext cx="1946520" cy="968760"/>
           </a:xfrm>
           <a:prstGeom prst="roundRect">
             <a:avLst>
@@ -4041,6 +3949,7 @@
                   <a:srgbClr val="000000"/>
                 </a:solidFill>
                 <a:latin typeface="Calibri"/>
+                <a:ea typeface="DejaVu Sans"/>
               </a:rPr>
               <a:t>(*)</a:t>
             </a:r>
@@ -4052,14 +3961,14 @@
       </p:sp>
       <p:sp>
         <p:nvSpPr>
-          <p:cNvPr id="85" name="CustomShape 6"/>
+          <p:cNvPr id="82" name="CustomShape 6"/>
           <p:cNvSpPr/>
           <p:nvPr/>
         </p:nvSpPr>
         <p:spPr>
           <a:xfrm>
             <a:off x="4140000" y="1551960"/>
-            <a:ext cx="1933920" cy="1439640"/>
+            <a:ext cx="1933560" cy="1439280"/>
           </a:xfrm>
           <a:prstGeom prst="roundRect">
             <a:avLst>
@@ -4103,6 +4012,7 @@
                   <a:srgbClr val="000000"/>
                 </a:solidFill>
                 <a:latin typeface="Calibri"/>
+                <a:ea typeface="DejaVu Sans"/>
               </a:rPr>
               <a:t>(*)</a:t>
             </a:r>
@@ -4114,14 +4024,14 @@
       </p:sp>
       <p:sp>
         <p:nvSpPr>
-          <p:cNvPr id="86" name="CustomShape 7"/>
+          <p:cNvPr id="83" name="CustomShape 7"/>
           <p:cNvSpPr/>
           <p:nvPr/>
         </p:nvSpPr>
         <p:spPr>
           <a:xfrm>
             <a:off x="4149720" y="3861000"/>
-            <a:ext cx="1933920" cy="1439640"/>
+            <a:ext cx="1933560" cy="1439280"/>
           </a:xfrm>
           <a:prstGeom prst="roundRect">
             <a:avLst>
@@ -4165,6 +4075,7 @@
                   <a:srgbClr val="000000"/>
                 </a:solidFill>
                 <a:latin typeface="Calibri"/>
+                <a:ea typeface="DejaVu Sans"/>
               </a:rPr>
               <a:t>(*)</a:t>
             </a:r>
@@ -4176,14 +4087,14 @@
       </p:sp>
       <p:sp>
         <p:nvSpPr>
-          <p:cNvPr id="87" name="CustomShape 8"/>
+          <p:cNvPr id="84" name="CustomShape 8"/>
           <p:cNvSpPr/>
           <p:nvPr/>
         </p:nvSpPr>
         <p:spPr>
           <a:xfrm>
             <a:off x="1331640" y="2565000"/>
-            <a:ext cx="1933920" cy="2233440"/>
+            <a:ext cx="1933560" cy="2233080"/>
           </a:xfrm>
           <a:prstGeom prst="roundRect">
             <a:avLst>
@@ -4227,6 +4138,7 @@
                   <a:srgbClr val="000000"/>
                 </a:solidFill>
                 <a:latin typeface="Calibri"/>
+                <a:ea typeface="DejaVu Sans"/>
               </a:rPr>
               <a:t>(*)</a:t>
             </a:r>
@@ -4238,14 +4150,14 @@
       </p:sp>
       <p:sp>
         <p:nvSpPr>
-          <p:cNvPr id="88" name="CustomShape 9"/>
+          <p:cNvPr id="85" name="CustomShape 9"/>
           <p:cNvSpPr/>
           <p:nvPr/>
         </p:nvSpPr>
         <p:spPr>
           <a:xfrm>
             <a:off x="6871680" y="1893960"/>
-            <a:ext cx="559440" cy="495360"/>
+            <a:ext cx="559080" cy="495000"/>
           </a:xfrm>
           <a:prstGeom prst="can">
             <a:avLst>
@@ -4281,14 +4193,14 @@
       </p:sp>
       <p:sp>
         <p:nvSpPr>
-          <p:cNvPr id="89" name="CustomShape 10"/>
+          <p:cNvPr id="86" name="CustomShape 10"/>
           <p:cNvSpPr/>
           <p:nvPr/>
         </p:nvSpPr>
         <p:spPr>
           <a:xfrm>
             <a:off x="6823800" y="3387240"/>
-            <a:ext cx="559440" cy="495360"/>
+            <a:ext cx="559080" cy="495000"/>
           </a:xfrm>
           <a:prstGeom prst="can">
             <a:avLst>
@@ -4324,14 +4236,14 @@
       </p:sp>
       <p:sp>
         <p:nvSpPr>
-          <p:cNvPr id="90" name="CustomShape 11"/>
+          <p:cNvPr id="87" name="CustomShape 11"/>
           <p:cNvSpPr/>
           <p:nvPr/>
         </p:nvSpPr>
         <p:spPr>
           <a:xfrm>
             <a:off x="7480080" y="2142000"/>
-            <a:ext cx="723600" cy="364680"/>
+            <a:ext cx="723240" cy="364320"/>
           </a:xfrm>
           <a:prstGeom prst="rect">
             <a:avLst/>
@@ -4361,6 +4273,7 @@
                   <a:srgbClr val="000000"/>
                 </a:solidFill>
                 <a:latin typeface="Calibri"/>
+                <a:ea typeface="DejaVu Sans"/>
               </a:rPr>
               <a:t>mysql</a:t>
             </a:r>
@@ -4372,14 +4285,14 @@
       </p:sp>
       <p:sp>
         <p:nvSpPr>
-          <p:cNvPr id="91" name="CustomShape 12"/>
+          <p:cNvPr id="88" name="CustomShape 12"/>
           <p:cNvSpPr/>
           <p:nvPr/>
         </p:nvSpPr>
         <p:spPr>
           <a:xfrm>
             <a:off x="7437600" y="3623040"/>
-            <a:ext cx="1096920" cy="364680"/>
+            <a:ext cx="1096560" cy="364320"/>
           </a:xfrm>
           <a:prstGeom prst="rect">
             <a:avLst/>
@@ -4409,6 +4322,7 @@
                   <a:srgbClr val="000000"/>
                 </a:solidFill>
                 <a:latin typeface="Calibri"/>
+                <a:ea typeface="DejaVu Sans"/>
               </a:rPr>
               <a:t>mongoDB</a:t>
             </a:r>
@@ -4420,14 +4334,14 @@
       </p:sp>
       <p:sp>
         <p:nvSpPr>
-          <p:cNvPr id="92" name="CustomShape 13"/>
+          <p:cNvPr id="89" name="CustomShape 13"/>
           <p:cNvSpPr/>
           <p:nvPr/>
         </p:nvSpPr>
         <p:spPr>
           <a:xfrm>
             <a:off x="4385160" y="4300920"/>
-            <a:ext cx="1583640" cy="914040"/>
+            <a:ext cx="1583280" cy="913680"/>
           </a:xfrm>
           <a:prstGeom prst="rect">
             <a:avLst/>
@@ -4472,6 +4386,7 @@
                   <a:srgbClr val="000000"/>
                 </a:solidFill>
                 <a:latin typeface="Calibri"/>
+                <a:ea typeface="DejaVu Sans"/>
               </a:rPr>
               <a:t>Tomcat (8080)</a:t>
             </a:r>
@@ -4482,6 +4397,7 @@
                   <a:srgbClr val="000000"/>
                 </a:solidFill>
                 <a:latin typeface="Calibri"/>
+                <a:ea typeface="DejaVu Sans"/>
               </a:rPr>
               <a:t>+ appli java</a:t>
             </a:r>
@@ -4493,14 +4409,14 @@
       </p:sp>
       <p:sp>
         <p:nvSpPr>
-          <p:cNvPr id="93" name="CustomShape 14"/>
+          <p:cNvPr id="90" name="CustomShape 14"/>
           <p:cNvSpPr/>
           <p:nvPr/>
         </p:nvSpPr>
         <p:spPr>
           <a:xfrm>
             <a:off x="4356000" y="2004840"/>
-            <a:ext cx="1583640" cy="775800"/>
+            <a:ext cx="1583280" cy="775440"/>
           </a:xfrm>
           <a:prstGeom prst="rect">
             <a:avLst/>
@@ -4545,6 +4461,7 @@
                   <a:srgbClr val="000000"/>
                 </a:solidFill>
                 <a:latin typeface="Calibri"/>
+                <a:ea typeface="DejaVu Sans"/>
               </a:rPr>
               <a:t>Tomcat (8080)</a:t>
             </a:r>
@@ -4555,6 +4472,7 @@
                   <a:srgbClr val="000000"/>
                 </a:solidFill>
                 <a:latin typeface="Calibri"/>
+                <a:ea typeface="DejaVu Sans"/>
               </a:rPr>
               <a:t>+ appli java</a:t>
             </a:r>
@@ -4566,14 +4484,14 @@
       </p:sp>
       <p:sp>
         <p:nvSpPr>
-          <p:cNvPr id="94" name="CustomShape 15"/>
+          <p:cNvPr id="91" name="CustomShape 15"/>
           <p:cNvSpPr/>
           <p:nvPr/>
         </p:nvSpPr>
         <p:spPr>
           <a:xfrm>
             <a:off x="1547640" y="3204720"/>
-            <a:ext cx="1192680" cy="914040"/>
+            <a:ext cx="1192320" cy="913680"/>
           </a:xfrm>
           <a:prstGeom prst="rect">
             <a:avLst/>
@@ -4618,6 +4536,7 @@
                   <a:srgbClr val="000000"/>
                 </a:solidFill>
                 <a:latin typeface="Calibri"/>
+                <a:ea typeface="DejaVu Sans"/>
               </a:rPr>
               <a:t>http/80 server (ex: apache2)</a:t>
             </a:r>
@@ -4629,14 +4548,14 @@
       </p:sp>
       <p:sp>
         <p:nvSpPr>
-          <p:cNvPr id="95" name="CustomShape 16"/>
+          <p:cNvPr id="92" name="CustomShape 16"/>
           <p:cNvSpPr/>
           <p:nvPr/>
         </p:nvSpPr>
         <p:spPr>
           <a:xfrm>
             <a:off x="2066760" y="3985560"/>
-            <a:ext cx="1347480" cy="627840"/>
+            <a:ext cx="1347120" cy="627480"/>
           </a:xfrm>
           <a:prstGeom prst="ellipse">
             <a:avLst/>
@@ -4681,6 +4600,7 @@
                   <a:srgbClr val="000000"/>
                 </a:solidFill>
                 <a:latin typeface="Calibri"/>
+                <a:ea typeface="DejaVu Sans"/>
               </a:rPr>
               <a:t>mod_...</a:t>
             </a:r>
@@ -4700,6 +4620,7 @@
                   <a:srgbClr val="c00000"/>
                 </a:solidFill>
                 <a:latin typeface="Calibri"/>
+                <a:ea typeface="DejaVu Sans"/>
               </a:rPr>
               <a:t>(**)</a:t>
             </a:r>
@@ -4711,14 +4632,14 @@
       </p:sp>
       <p:sp>
         <p:nvSpPr>
-          <p:cNvPr id="96" name="CustomShape 17"/>
+          <p:cNvPr id="93" name="CustomShape 17"/>
           <p:cNvSpPr/>
           <p:nvPr/>
         </p:nvSpPr>
         <p:spPr>
           <a:xfrm>
             <a:off x="351360" y="1154880"/>
-            <a:ext cx="1192680" cy="914040"/>
+            <a:ext cx="1192320" cy="913680"/>
           </a:xfrm>
           <a:prstGeom prst="rect">
             <a:avLst/>
@@ -4763,6 +4684,7 @@
                   <a:srgbClr val="000000"/>
                 </a:solidFill>
                 <a:latin typeface="Calibri"/>
+                <a:ea typeface="DejaVu Sans"/>
               </a:rPr>
               <a:t>Navigateur</a:t>
             </a:r>
@@ -4773,6 +4695,7 @@
                   <a:srgbClr val="000000"/>
                 </a:solidFill>
                 <a:latin typeface="Calibri"/>
+                <a:ea typeface="DejaVu Sans"/>
               </a:rPr>
               <a:t>web</a:t>
             </a:r>
@@ -4784,14 +4707,14 @@
       </p:sp>
       <p:sp>
         <p:nvSpPr>
-          <p:cNvPr id="97" name="CustomShape 18"/>
+          <p:cNvPr id="94" name="CustomShape 18"/>
           <p:cNvSpPr/>
           <p:nvPr/>
         </p:nvSpPr>
         <p:spPr>
           <a:xfrm>
             <a:off x="426600" y="1268640"/>
-            <a:ext cx="1192680" cy="914040"/>
+            <a:ext cx="1192320" cy="913680"/>
           </a:xfrm>
           <a:prstGeom prst="rect">
             <a:avLst/>
@@ -4836,6 +4759,7 @@
                   <a:srgbClr val="000000"/>
                 </a:solidFill>
                 <a:latin typeface="Calibri"/>
+                <a:ea typeface="DejaVu Sans"/>
               </a:rPr>
               <a:t>Navigateur</a:t>
             </a:r>
@@ -4846,6 +4770,7 @@
                   <a:srgbClr val="000000"/>
                 </a:solidFill>
                 <a:latin typeface="Calibri"/>
+                <a:ea typeface="DejaVu Sans"/>
               </a:rPr>
               <a:t>web</a:t>
             </a:r>
@@ -4857,14 +4782,14 @@
       </p:sp>
       <p:sp>
         <p:nvSpPr>
-          <p:cNvPr id="98" name="CustomShape 19"/>
+          <p:cNvPr id="95" name="CustomShape 19"/>
           <p:cNvSpPr/>
           <p:nvPr/>
         </p:nvSpPr>
         <p:spPr>
           <a:xfrm>
             <a:off x="498600" y="1412640"/>
-            <a:ext cx="1192680" cy="914040"/>
+            <a:ext cx="1192320" cy="913680"/>
           </a:xfrm>
           <a:prstGeom prst="rect">
             <a:avLst/>
@@ -4909,6 +4834,7 @@
                   <a:srgbClr val="000000"/>
                 </a:solidFill>
                 <a:latin typeface="Calibri"/>
+                <a:ea typeface="DejaVu Sans"/>
               </a:rPr>
               <a:t>Navigateur</a:t>
             </a:r>
@@ -4919,6 +4845,7 @@
                   <a:srgbClr val="000000"/>
                 </a:solidFill>
                 <a:latin typeface="Calibri"/>
+                <a:ea typeface="DejaVu Sans"/>
               </a:rPr>
               <a:t>web</a:t>
             </a:r>
@@ -4930,14 +4857,14 @@
       </p:sp>
       <p:sp>
         <p:nvSpPr>
-          <p:cNvPr id="99" name="CustomShape 20"/>
+          <p:cNvPr id="96" name="CustomShape 20"/>
           <p:cNvSpPr/>
           <p:nvPr/>
         </p:nvSpPr>
         <p:spPr>
           <a:xfrm>
             <a:off x="318600" y="338760"/>
-            <a:ext cx="359640" cy="359640"/>
+            <a:ext cx="359280" cy="359280"/>
           </a:xfrm>
           <a:prstGeom prst="smileyFace">
             <a:avLst>
@@ -4973,14 +4900,14 @@
       </p:sp>
       <p:sp>
         <p:nvSpPr>
-          <p:cNvPr id="100" name="CustomShape 21"/>
+          <p:cNvPr id="97" name="CustomShape 21"/>
           <p:cNvSpPr/>
           <p:nvPr/>
         </p:nvSpPr>
         <p:spPr>
           <a:xfrm>
             <a:off x="318600" y="737280"/>
-            <a:ext cx="359640" cy="402120"/>
+            <a:ext cx="359280" cy="401760"/>
           </a:xfrm>
           <a:prstGeom prst="heart">
             <a:avLst/>
@@ -5014,14 +4941,14 @@
       </p:sp>
       <p:sp>
         <p:nvSpPr>
-          <p:cNvPr id="101" name="CustomShape 22"/>
+          <p:cNvPr id="98" name="CustomShape 22"/>
           <p:cNvSpPr/>
           <p:nvPr/>
         </p:nvSpPr>
         <p:spPr>
           <a:xfrm>
             <a:off x="470880" y="491040"/>
-            <a:ext cx="359640" cy="359640"/>
+            <a:ext cx="359280" cy="359280"/>
           </a:xfrm>
           <a:prstGeom prst="smileyFace">
             <a:avLst>
@@ -5057,14 +4984,14 @@
       </p:sp>
       <p:sp>
         <p:nvSpPr>
-          <p:cNvPr id="102" name="CustomShape 23"/>
+          <p:cNvPr id="99" name="CustomShape 23"/>
           <p:cNvSpPr/>
           <p:nvPr/>
         </p:nvSpPr>
         <p:spPr>
           <a:xfrm>
             <a:off x="470880" y="889560"/>
-            <a:ext cx="359640" cy="402120"/>
+            <a:ext cx="359280" cy="401760"/>
           </a:xfrm>
           <a:prstGeom prst="heart">
             <a:avLst/>
@@ -5098,14 +5025,14 @@
       </p:sp>
       <p:sp>
         <p:nvSpPr>
-          <p:cNvPr id="103" name="CustomShape 24"/>
+          <p:cNvPr id="100" name="CustomShape 24"/>
           <p:cNvSpPr/>
           <p:nvPr/>
         </p:nvSpPr>
         <p:spPr>
           <a:xfrm>
             <a:off x="623520" y="643320"/>
-            <a:ext cx="359640" cy="359640"/>
+            <a:ext cx="359280" cy="359280"/>
           </a:xfrm>
           <a:prstGeom prst="smileyFace">
             <a:avLst>
@@ -5141,14 +5068,14 @@
       </p:sp>
       <p:sp>
         <p:nvSpPr>
-          <p:cNvPr id="104" name="CustomShape 25"/>
+          <p:cNvPr id="101" name="CustomShape 25"/>
           <p:cNvSpPr/>
           <p:nvPr/>
         </p:nvSpPr>
         <p:spPr>
           <a:xfrm>
             <a:off x="623520" y="1041840"/>
-            <a:ext cx="359640" cy="402120"/>
+            <a:ext cx="359280" cy="401760"/>
           </a:xfrm>
           <a:prstGeom prst="heart">
             <a:avLst/>
@@ -5182,14 +5109,14 @@
       </p:sp>
       <p:sp>
         <p:nvSpPr>
-          <p:cNvPr id="105" name="CustomShape 26"/>
+          <p:cNvPr id="102" name="CustomShape 26"/>
           <p:cNvSpPr/>
           <p:nvPr/>
         </p:nvSpPr>
         <p:spPr>
           <a:xfrm>
             <a:off x="4717800" y="3223080"/>
-            <a:ext cx="339480" cy="364680"/>
+            <a:ext cx="339120" cy="364320"/>
           </a:xfrm>
           <a:prstGeom prst="rect">
             <a:avLst/>
@@ -5219,6 +5146,7 @@
                   <a:srgbClr val="000000"/>
                 </a:solidFill>
                 <a:latin typeface="Calibri"/>
+                <a:ea typeface="DejaVu Sans"/>
               </a:rPr>
               <a:t>…</a:t>
             </a:r>
@@ -5230,14 +5158,14 @@
       </p:sp>
       <p:sp>
         <p:nvSpPr>
-          <p:cNvPr id="106" name="CustomShape 27"/>
+          <p:cNvPr id="103" name="CustomShape 27"/>
           <p:cNvSpPr/>
           <p:nvPr/>
         </p:nvSpPr>
         <p:spPr>
           <a:xfrm>
             <a:off x="913320" y="2781000"/>
-            <a:ext cx="219240" cy="2376000"/>
+            <a:ext cx="218880" cy="2375640"/>
           </a:xfrm>
           <a:prstGeom prst="rect">
             <a:avLst/>
@@ -5271,14 +5199,14 @@
       </p:sp>
       <p:sp>
         <p:nvSpPr>
-          <p:cNvPr id="107" name="CustomShape 28"/>
+          <p:cNvPr id="104" name="CustomShape 28"/>
           <p:cNvSpPr/>
           <p:nvPr/>
         </p:nvSpPr>
         <p:spPr>
           <a:xfrm>
             <a:off x="3564000" y="2715120"/>
-            <a:ext cx="219240" cy="2448000"/>
+            <a:ext cx="218880" cy="2447640"/>
           </a:xfrm>
           <a:prstGeom prst="rect">
             <a:avLst/>
@@ -5312,14 +5240,14 @@
       </p:sp>
       <p:sp>
         <p:nvSpPr>
-          <p:cNvPr id="108" name="CustomShape 29"/>
+          <p:cNvPr id="105" name="CustomShape 29"/>
           <p:cNvSpPr/>
           <p:nvPr/>
         </p:nvSpPr>
         <p:spPr>
           <a:xfrm>
             <a:off x="628560" y="5229360"/>
-            <a:ext cx="796680" cy="333720"/>
+            <a:ext cx="796320" cy="333360"/>
           </a:xfrm>
           <a:prstGeom prst="rect">
             <a:avLst/>
@@ -5349,6 +5277,7 @@
                   <a:srgbClr val="7030a0"/>
                 </a:solidFill>
                 <a:latin typeface="Calibri"/>
+                <a:ea typeface="DejaVu Sans"/>
               </a:rPr>
               <a:t>firewall</a:t>
             </a:r>
@@ -5360,14 +5289,14 @@
       </p:sp>
       <p:sp>
         <p:nvSpPr>
-          <p:cNvPr id="109" name="CustomShape 30"/>
+          <p:cNvPr id="106" name="CustomShape 30"/>
           <p:cNvSpPr/>
           <p:nvPr/>
         </p:nvSpPr>
         <p:spPr>
           <a:xfrm>
             <a:off x="3193920" y="5250600"/>
-            <a:ext cx="796680" cy="333720"/>
+            <a:ext cx="796320" cy="333360"/>
           </a:xfrm>
           <a:prstGeom prst="rect">
             <a:avLst/>
@@ -5397,6 +5326,7 @@
                   <a:srgbClr val="7030a0"/>
                 </a:solidFill>
                 <a:latin typeface="Calibri"/>
+                <a:ea typeface="DejaVu Sans"/>
               </a:rPr>
               <a:t>firewall</a:t>
             </a:r>
@@ -5408,14 +5338,14 @@
       </p:sp>
       <p:sp>
         <p:nvSpPr>
-          <p:cNvPr id="110" name="CustomShape 31"/>
+          <p:cNvPr id="107" name="CustomShape 31"/>
           <p:cNvSpPr/>
           <p:nvPr/>
         </p:nvSpPr>
         <p:spPr>
           <a:xfrm flipV="1">
-            <a:off x="498600" y="3642480"/>
-            <a:ext cx="1048680" cy="19440"/>
+            <a:off x="498600" y="3622680"/>
+            <a:ext cx="1048320" cy="19080"/>
           </a:xfrm>
           <a:custGeom>
             <a:avLst/>
@@ -5457,14 +5387,14 @@
       </p:sp>
       <p:sp>
         <p:nvSpPr>
-          <p:cNvPr id="111" name="CustomShape 32"/>
+          <p:cNvPr id="108" name="CustomShape 32"/>
           <p:cNvSpPr/>
           <p:nvPr/>
         </p:nvSpPr>
         <p:spPr>
           <a:xfrm flipV="1">
-            <a:off x="510120" y="3774960"/>
-            <a:ext cx="1048680" cy="19440"/>
+            <a:off x="510120" y="3755160"/>
+            <a:ext cx="1048320" cy="19080"/>
           </a:xfrm>
           <a:custGeom>
             <a:avLst/>
@@ -5506,14 +5436,14 @@
       </p:sp>
       <p:sp>
         <p:nvSpPr>
-          <p:cNvPr id="112" name="CustomShape 33"/>
+          <p:cNvPr id="109" name="CustomShape 33"/>
           <p:cNvSpPr/>
           <p:nvPr/>
         </p:nvSpPr>
         <p:spPr>
           <a:xfrm flipV="1">
-            <a:off x="538200" y="3913560"/>
-            <a:ext cx="1048680" cy="19440"/>
+            <a:off x="538200" y="3893760"/>
+            <a:ext cx="1048320" cy="19080"/>
           </a:xfrm>
           <a:custGeom>
             <a:avLst/>
@@ -5555,7 +5485,7 @@
       </p:sp>
       <p:sp>
         <p:nvSpPr>
-          <p:cNvPr id="113" name="Line 34"/>
+          <p:cNvPr id="110" name="Line 34"/>
           <p:cNvSpPr/>
           <p:nvPr/>
         </p:nvSpPr>
@@ -5589,7 +5519,7 @@
       </p:sp>
       <p:sp>
         <p:nvSpPr>
-          <p:cNvPr id="114" name="Line 35"/>
+          <p:cNvPr id="111" name="Line 35"/>
           <p:cNvSpPr/>
           <p:nvPr/>
         </p:nvSpPr>
@@ -5623,7 +5553,7 @@
       </p:sp>
       <p:sp>
         <p:nvSpPr>
-          <p:cNvPr id="115" name="Line 36"/>
+          <p:cNvPr id="112" name="Line 36"/>
           <p:cNvSpPr/>
           <p:nvPr/>
         </p:nvSpPr>
@@ -5657,14 +5587,14 @@
       </p:sp>
       <p:sp>
         <p:nvSpPr>
-          <p:cNvPr id="116" name="CustomShape 37"/>
+          <p:cNvPr id="113" name="CustomShape 37"/>
           <p:cNvSpPr/>
           <p:nvPr/>
         </p:nvSpPr>
         <p:spPr>
           <a:xfrm flipV="1">
-            <a:off x="3060000" y="1443240"/>
-            <a:ext cx="1376640" cy="1337760"/>
+            <a:off x="3060000" y="105120"/>
+            <a:ext cx="1376280" cy="1337400"/>
           </a:xfrm>
           <a:custGeom>
             <a:avLst/>
@@ -5706,14 +5636,14 @@
       </p:sp>
       <p:sp>
         <p:nvSpPr>
-          <p:cNvPr id="117" name="CustomShape 38"/>
+          <p:cNvPr id="114" name="CustomShape 38"/>
           <p:cNvSpPr/>
           <p:nvPr/>
         </p:nvSpPr>
         <p:spPr>
           <a:xfrm flipV="1">
-            <a:off x="3265920" y="2696040"/>
-            <a:ext cx="1449720" cy="711000"/>
+            <a:off x="3265920" y="1985400"/>
+            <a:ext cx="1449360" cy="710640"/>
           </a:xfrm>
           <a:custGeom>
             <a:avLst/>
@@ -5755,14 +5685,14 @@
       </p:sp>
       <p:sp>
         <p:nvSpPr>
-          <p:cNvPr id="118" name="CustomShape 39"/>
+          <p:cNvPr id="115" name="CustomShape 39"/>
           <p:cNvSpPr/>
           <p:nvPr/>
         </p:nvSpPr>
         <p:spPr>
           <a:xfrm>
             <a:off x="3414600" y="4299480"/>
-            <a:ext cx="734760" cy="281160"/>
+            <a:ext cx="734400" cy="280800"/>
           </a:xfrm>
           <a:custGeom>
             <a:avLst/>
@@ -5804,14 +5734,14 @@
       </p:sp>
       <p:sp>
         <p:nvSpPr>
-          <p:cNvPr id="119" name="CustomShape 40"/>
+          <p:cNvPr id="116" name="CustomShape 40"/>
           <p:cNvSpPr/>
           <p:nvPr/>
         </p:nvSpPr>
         <p:spPr>
           <a:xfrm>
             <a:off x="190080" y="4236120"/>
-            <a:ext cx="734760" cy="64440"/>
+            <a:ext cx="734400" cy="64080"/>
           </a:xfrm>
           <a:custGeom>
             <a:avLst/>
@@ -5853,14 +5783,14 @@
       </p:sp>
       <p:sp>
         <p:nvSpPr>
-          <p:cNvPr id="120" name="CustomShape 41"/>
+          <p:cNvPr id="117" name="CustomShape 41"/>
           <p:cNvSpPr/>
           <p:nvPr/>
         </p:nvSpPr>
         <p:spPr>
           <a:xfrm>
             <a:off x="202680" y="4377960"/>
-            <a:ext cx="734760" cy="64440"/>
+            <a:ext cx="734400" cy="64080"/>
           </a:xfrm>
           <a:custGeom>
             <a:avLst/>
@@ -5902,14 +5832,14 @@
       </p:sp>
       <p:sp>
         <p:nvSpPr>
-          <p:cNvPr id="121" name="CustomShape 42"/>
+          <p:cNvPr id="118" name="CustomShape 42"/>
           <p:cNvSpPr/>
           <p:nvPr/>
         </p:nvSpPr>
         <p:spPr>
           <a:xfrm>
             <a:off x="202320" y="4613400"/>
-            <a:ext cx="734760" cy="64440"/>
+            <a:ext cx="734400" cy="64080"/>
           </a:xfrm>
           <a:custGeom>
             <a:avLst/>
@@ -5951,14 +5881,14 @@
       </p:sp>
       <p:sp>
         <p:nvSpPr>
-          <p:cNvPr id="122" name="CustomShape 43"/>
+          <p:cNvPr id="119" name="CustomShape 43"/>
           <p:cNvSpPr/>
           <p:nvPr/>
         </p:nvSpPr>
         <p:spPr>
           <a:xfrm>
             <a:off x="2740680" y="2316960"/>
-            <a:ext cx="843480" cy="448920"/>
+            <a:ext cx="843120" cy="448560"/>
           </a:xfrm>
           <a:custGeom>
             <a:avLst/>
@@ -6000,14 +5930,14 @@
       </p:sp>
       <p:sp>
         <p:nvSpPr>
-          <p:cNvPr id="123" name="CustomShape 44"/>
+          <p:cNvPr id="120" name="CustomShape 44"/>
           <p:cNvSpPr/>
           <p:nvPr/>
         </p:nvSpPr>
         <p:spPr>
           <a:xfrm flipV="1">
-            <a:off x="5891760" y="2052000"/>
-            <a:ext cx="979560" cy="90000"/>
+            <a:off x="5891760" y="1961640"/>
+            <a:ext cx="979200" cy="89640"/>
           </a:xfrm>
           <a:custGeom>
             <a:avLst/>
@@ -6049,14 +5979,14 @@
       </p:sp>
       <p:sp>
         <p:nvSpPr>
-          <p:cNvPr id="124" name="CustomShape 45"/>
+          <p:cNvPr id="121" name="CustomShape 45"/>
           <p:cNvSpPr/>
           <p:nvPr/>
         </p:nvSpPr>
         <p:spPr>
           <a:xfrm flipV="1">
-            <a:off x="5954760" y="727560"/>
-            <a:ext cx="930960" cy="1695240"/>
+            <a:off x="5954760" y="-967320"/>
+            <a:ext cx="930600" cy="1694880"/>
           </a:xfrm>
           <a:custGeom>
             <a:avLst/>
@@ -6098,14 +6028,14 @@
       </p:sp>
       <p:sp>
         <p:nvSpPr>
-          <p:cNvPr id="125" name="CustomShape 46"/>
+          <p:cNvPr id="122" name="CustomShape 46"/>
           <p:cNvSpPr/>
           <p:nvPr/>
         </p:nvSpPr>
         <p:spPr>
           <a:xfrm flipV="1">
-            <a:off x="5969160" y="2891520"/>
-            <a:ext cx="854280" cy="742680"/>
+            <a:off x="5969160" y="2149200"/>
+            <a:ext cx="853920" cy="742320"/>
           </a:xfrm>
           <a:custGeom>
             <a:avLst/>
@@ -6147,14 +6077,14 @@
       </p:sp>
       <p:sp>
         <p:nvSpPr>
-          <p:cNvPr id="126" name="CustomShape 47"/>
+          <p:cNvPr id="123" name="CustomShape 47"/>
           <p:cNvSpPr/>
           <p:nvPr/>
         </p:nvSpPr>
         <p:spPr>
           <a:xfrm>
             <a:off x="6626880" y="4377960"/>
-            <a:ext cx="1913760" cy="1220040"/>
+            <a:ext cx="1913400" cy="1219680"/>
           </a:xfrm>
           <a:prstGeom prst="roundRect">
             <a:avLst>
@@ -6198,6 +6128,7 @@
                   <a:srgbClr val="000000"/>
                 </a:solidFill>
                 <a:latin typeface="Calibri"/>
+                <a:ea typeface="DejaVu Sans"/>
               </a:rPr>
               <a:t>(*)</a:t>
             </a:r>
@@ -6209,14 +6140,14 @@
       </p:sp>
       <p:sp>
         <p:nvSpPr>
-          <p:cNvPr id="127" name="CustomShape 48"/>
+          <p:cNvPr id="124" name="CustomShape 48"/>
           <p:cNvSpPr/>
           <p:nvPr/>
         </p:nvSpPr>
         <p:spPr>
           <a:xfrm>
             <a:off x="6711840" y="4797000"/>
-            <a:ext cx="1604160" cy="647640"/>
+            <a:ext cx="1603800" cy="647280"/>
           </a:xfrm>
           <a:prstGeom prst="rect">
             <a:avLst/>
@@ -6261,6 +6192,7 @@
                   <a:srgbClr val="000000"/>
                 </a:solidFill>
                 <a:latin typeface="Calibri"/>
+                <a:ea typeface="DejaVu Sans"/>
               </a:rPr>
               <a:t>Routeur SMTP (envoi email)</a:t>
             </a:r>
@@ -6272,14 +6204,14 @@
       </p:sp>
       <p:sp>
         <p:nvSpPr>
-          <p:cNvPr id="128" name="CustomShape 49"/>
+          <p:cNvPr id="125" name="CustomShape 49"/>
           <p:cNvSpPr/>
           <p:nvPr/>
         </p:nvSpPr>
         <p:spPr>
           <a:xfrm>
             <a:off x="5969160" y="4581000"/>
-            <a:ext cx="854280" cy="406800"/>
+            <a:ext cx="853920" cy="406440"/>
           </a:xfrm>
           <a:custGeom>
             <a:avLst/>
@@ -6321,14 +6253,14 @@
       </p:sp>
       <p:sp>
         <p:nvSpPr>
-          <p:cNvPr id="129" name="CustomShape 50"/>
+          <p:cNvPr id="126" name="CustomShape 50"/>
           <p:cNvSpPr/>
           <p:nvPr/>
         </p:nvSpPr>
         <p:spPr>
           <a:xfrm>
             <a:off x="4166280" y="955080"/>
-            <a:ext cx="1967040" cy="364680"/>
+            <a:ext cx="1966680" cy="364320"/>
           </a:xfrm>
           <a:prstGeom prst="rect">
             <a:avLst/>
@@ -6358,6 +6290,7 @@
                   <a:srgbClr val="050571"/>
                 </a:solidFill>
                 <a:latin typeface="Calibri"/>
+                <a:ea typeface="DejaVu Sans"/>
               </a:rPr>
               <a:t>Cluster de serveurs</a:t>
             </a:r>
@@ -6369,14 +6302,14 @@
       </p:sp>
       <p:sp>
         <p:nvSpPr>
-          <p:cNvPr id="130" name="CustomShape 51"/>
+          <p:cNvPr id="127" name="CustomShape 51"/>
           <p:cNvSpPr/>
           <p:nvPr/>
         </p:nvSpPr>
         <p:spPr>
           <a:xfrm>
             <a:off x="1605600" y="4885560"/>
-            <a:ext cx="1561680" cy="820440"/>
+            <a:ext cx="1561320" cy="820080"/>
           </a:xfrm>
           <a:prstGeom prst="rect">
             <a:avLst/>
@@ -6406,6 +6339,7 @@
                   <a:srgbClr val="c00000"/>
                 </a:solidFill>
                 <a:latin typeface="Calibri"/>
+                <a:ea typeface="DejaVu Sans"/>
               </a:rPr>
               <a:t>(**) répartition</a:t>
             </a:r>
@@ -6425,6 +6359,7 @@
                   <a:srgbClr val="c00000"/>
                 </a:solidFill>
                 <a:latin typeface="Calibri"/>
+                <a:ea typeface="DejaVu Sans"/>
               </a:rPr>
               <a:t>de charge</a:t>
             </a:r>
@@ -6444,6 +6379,7 @@
                   <a:srgbClr val="c00000"/>
                 </a:solidFill>
                 <a:latin typeface="Calibri"/>
+                <a:ea typeface="DejaVu Sans"/>
               </a:rPr>
               <a:t>(load_balancing</a:t>
             </a:r>
@@ -6453,6 +6389,7 @@
                   <a:srgbClr val="000000"/>
                 </a:solidFill>
                 <a:latin typeface="Calibri"/>
+                <a:ea typeface="DejaVu Sans"/>
               </a:rPr>
               <a:t>)</a:t>
             </a:r>
@@ -6513,14 +6450,14 @@
       </p:grpSpPr>
       <p:sp>
         <p:nvSpPr>
-          <p:cNvPr id="131" name="CustomShape 1"/>
+          <p:cNvPr id="128" name="CustomShape 1"/>
           <p:cNvSpPr/>
           <p:nvPr/>
         </p:nvSpPr>
         <p:spPr>
           <a:xfrm>
             <a:off x="685800" y="2130480"/>
-            <a:ext cx="7773480" cy="2233440"/>
+            <a:ext cx="7773120" cy="2233080"/>
           </a:xfrm>
           <a:prstGeom prst="rect">
             <a:avLst/>
@@ -6539,14 +6476,14 @@
       </p:sp>
       <p:sp>
         <p:nvSpPr>
-          <p:cNvPr id="132" name="TextShape 2"/>
-          <p:cNvSpPr txBox="1"/>
+          <p:cNvPr id="129" name="CustomShape 2"/>
+          <p:cNvSpPr/>
           <p:nvPr/>
         </p:nvSpPr>
         <p:spPr>
           <a:xfrm>
             <a:off x="788760" y="288000"/>
-            <a:ext cx="6339240" cy="546120"/>
+            <a:ext cx="6338880" cy="545760"/>
           </a:xfrm>
           <a:prstGeom prst="rect">
             <a:avLst/>
@@ -6556,6 +6493,12 @@
             <a:noFill/>
           </a:ln>
         </p:spPr>
+        <p:style>
+          <a:lnRef idx="0"/>
+          <a:fillRef idx="0"/>
+          <a:effectRef idx="0"/>
+          <a:fontRef idx="minor"/>
+        </p:style>
         <p:txBody>
           <a:bodyPr lIns="90000" rIns="90000" tIns="45000" bIns="45000"/>
           <a:p>
@@ -6580,14 +6523,14 @@
       </p:sp>
       <p:sp>
         <p:nvSpPr>
-          <p:cNvPr id="133" name="TextShape 3"/>
-          <p:cNvSpPr txBox="1"/>
+          <p:cNvPr id="130" name="CustomShape 3"/>
+          <p:cNvSpPr/>
           <p:nvPr/>
         </p:nvSpPr>
         <p:spPr>
           <a:xfrm>
             <a:off x="288000" y="1148040"/>
-            <a:ext cx="8529120" cy="5187960"/>
+            <a:ext cx="8528760" cy="5187600"/>
           </a:xfrm>
           <a:prstGeom prst="rect">
             <a:avLst/>
@@ -6597,6 +6540,12 @@
             <a:noFill/>
           </a:ln>
         </p:spPr>
+        <p:style>
+          <a:lnRef idx="0"/>
+          <a:fillRef idx="0"/>
+          <a:effectRef idx="0"/>
+          <a:fontRef idx="minor"/>
+        </p:style>
         <p:txBody>
           <a:bodyPr lIns="90000" rIns="90000" tIns="45000" bIns="45000"/>
           <a:p>
@@ -6801,14 +6750,14 @@
       </p:grpSpPr>
       <p:sp>
         <p:nvSpPr>
-          <p:cNvPr id="134" name="CustomShape 1"/>
+          <p:cNvPr id="131" name="CustomShape 1"/>
           <p:cNvSpPr/>
           <p:nvPr/>
         </p:nvSpPr>
         <p:spPr>
           <a:xfrm>
             <a:off x="685800" y="2130480"/>
-            <a:ext cx="7773480" cy="2233440"/>
+            <a:ext cx="7773120" cy="2233080"/>
           </a:xfrm>
           <a:prstGeom prst="rect">
             <a:avLst/>
@@ -6827,14 +6776,14 @@
       </p:sp>
       <p:sp>
         <p:nvSpPr>
-          <p:cNvPr id="135" name="TextShape 2"/>
-          <p:cNvSpPr txBox="1"/>
+          <p:cNvPr id="132" name="CustomShape 2"/>
+          <p:cNvSpPr/>
           <p:nvPr/>
         </p:nvSpPr>
         <p:spPr>
           <a:xfrm>
             <a:off x="457560" y="116640"/>
-            <a:ext cx="8229240" cy="462240"/>
+            <a:ext cx="8228880" cy="461880"/>
           </a:xfrm>
           <a:prstGeom prst="rect">
             <a:avLst/>
@@ -6844,8 +6793,14 @@
             <a:noFill/>
           </a:ln>
         </p:spPr>
-        <p:txBody>
-          <a:bodyPr anchor="ctr">
+        <p:style>
+          <a:lnRef idx="0"/>
+          <a:fillRef idx="0"/>
+          <a:effectRef idx="0"/>
+          <a:fontRef idx="minor"/>
+        </p:style>
+        <p:txBody>
+          <a:bodyPr lIns="90000" rIns="90000" tIns="45000" bIns="45000" anchor="ctr">
             <a:normAutofit/>
           </a:bodyPr>
           <a:p>
@@ -6865,24 +6820,21 @@
               <a:t>Notion de reverse-proxy</a:t>
             </a:r>
             <a:endParaRPr b="0" lang="fr-FR" sz="3600" spc="-1" strike="noStrike">
-              <a:solidFill>
-                <a:srgbClr val="182f7c"/>
-              </a:solidFill>
-              <a:latin typeface="Arial"/>
-            </a:endParaRPr>
-          </a:p>
-        </p:txBody>
-      </p:sp>
-      <p:sp>
-        <p:nvSpPr>
-          <p:cNvPr id="136" name="CustomShape 3"/>
+              <a:latin typeface="Arial"/>
+            </a:endParaRPr>
+          </a:p>
+        </p:txBody>
+      </p:sp>
+      <p:sp>
+        <p:nvSpPr>
+          <p:cNvPr id="133" name="CustomShape 3"/>
           <p:cNvSpPr/>
           <p:nvPr/>
         </p:nvSpPr>
         <p:spPr>
           <a:xfrm>
             <a:off x="395640" y="2062800"/>
-            <a:ext cx="287280" cy="359280"/>
+            <a:ext cx="286920" cy="358920"/>
           </a:xfrm>
           <a:prstGeom prst="smileyFace">
             <a:avLst>
@@ -6918,14 +6870,14 @@
       </p:sp>
       <p:sp>
         <p:nvSpPr>
-          <p:cNvPr id="137" name="CustomShape 4"/>
+          <p:cNvPr id="134" name="CustomShape 4"/>
           <p:cNvSpPr/>
           <p:nvPr/>
         </p:nvSpPr>
         <p:spPr>
           <a:xfrm>
             <a:off x="395640" y="2494800"/>
-            <a:ext cx="287280" cy="215280"/>
+            <a:ext cx="286920" cy="214920"/>
           </a:xfrm>
           <a:prstGeom prst="heart">
             <a:avLst/>
@@ -6959,14 +6911,14 @@
       </p:sp>
       <p:sp>
         <p:nvSpPr>
-          <p:cNvPr id="138" name="CustomShape 5"/>
+          <p:cNvPr id="135" name="CustomShape 5"/>
           <p:cNvSpPr/>
           <p:nvPr/>
         </p:nvSpPr>
         <p:spPr>
           <a:xfrm>
             <a:off x="754200" y="2101320"/>
-            <a:ext cx="287280" cy="359280"/>
+            <a:ext cx="286920" cy="358920"/>
           </a:xfrm>
           <a:prstGeom prst="smileyFace">
             <a:avLst>
@@ -7002,14 +6954,14 @@
       </p:sp>
       <p:sp>
         <p:nvSpPr>
-          <p:cNvPr id="139" name="CustomShape 6"/>
+          <p:cNvPr id="136" name="CustomShape 6"/>
           <p:cNvSpPr/>
           <p:nvPr/>
         </p:nvSpPr>
         <p:spPr>
           <a:xfrm>
             <a:off x="754200" y="2533680"/>
-            <a:ext cx="287280" cy="215280"/>
+            <a:ext cx="286920" cy="214920"/>
           </a:xfrm>
           <a:prstGeom prst="heart">
             <a:avLst/>
@@ -7043,14 +6995,14 @@
       </p:sp>
       <p:sp>
         <p:nvSpPr>
-          <p:cNvPr id="140" name="CustomShape 7"/>
+          <p:cNvPr id="137" name="CustomShape 7"/>
           <p:cNvSpPr/>
           <p:nvPr/>
         </p:nvSpPr>
         <p:spPr>
           <a:xfrm>
             <a:off x="547920" y="2215440"/>
-            <a:ext cx="287280" cy="359280"/>
+            <a:ext cx="286920" cy="358920"/>
           </a:xfrm>
           <a:prstGeom prst="smileyFace">
             <a:avLst>
@@ -7086,14 +7038,14 @@
       </p:sp>
       <p:sp>
         <p:nvSpPr>
-          <p:cNvPr id="141" name="CustomShape 8"/>
+          <p:cNvPr id="138" name="CustomShape 8"/>
           <p:cNvSpPr/>
           <p:nvPr/>
         </p:nvSpPr>
         <p:spPr>
           <a:xfrm>
             <a:off x="547920" y="2647440"/>
-            <a:ext cx="287280" cy="215280"/>
+            <a:ext cx="286920" cy="214920"/>
           </a:xfrm>
           <a:prstGeom prst="heart">
             <a:avLst/>
@@ -7127,14 +7079,14 @@
       </p:sp>
       <p:sp>
         <p:nvSpPr>
-          <p:cNvPr id="142" name="CustomShape 9"/>
+          <p:cNvPr id="139" name="CustomShape 9"/>
           <p:cNvSpPr/>
           <p:nvPr/>
         </p:nvSpPr>
         <p:spPr>
           <a:xfrm>
             <a:off x="216000" y="3024000"/>
-            <a:ext cx="1368000" cy="936000"/>
+            <a:ext cx="1367640" cy="935640"/>
           </a:xfrm>
           <a:prstGeom prst="rect">
             <a:avLst/>
@@ -7157,14 +7109,14 @@
       </p:sp>
       <p:sp>
         <p:nvSpPr>
-          <p:cNvPr id="143" name="CustomShape 10"/>
+          <p:cNvPr id="140" name="CustomShape 10"/>
           <p:cNvSpPr/>
           <p:nvPr/>
         </p:nvSpPr>
         <p:spPr>
           <a:xfrm>
             <a:off x="432000" y="3168000"/>
-            <a:ext cx="1330200" cy="936000"/>
+            <a:ext cx="1329840" cy="935640"/>
           </a:xfrm>
           <a:prstGeom prst="rect">
             <a:avLst/>
@@ -7187,14 +7139,14 @@
       </p:sp>
       <p:sp>
         <p:nvSpPr>
-          <p:cNvPr id="144" name="CustomShape 11"/>
+          <p:cNvPr id="141" name="CustomShape 11"/>
           <p:cNvSpPr/>
           <p:nvPr/>
         </p:nvSpPr>
         <p:spPr>
           <a:xfrm>
             <a:off x="648000" y="3384000"/>
-            <a:ext cx="1296000" cy="936000"/>
+            <a:ext cx="1295640" cy="935640"/>
           </a:xfrm>
           <a:prstGeom prst="rect">
             <a:avLst/>
@@ -7217,14 +7169,14 @@
       </p:sp>
       <p:sp>
         <p:nvSpPr>
-          <p:cNvPr id="145" name="CustomShape 12"/>
+          <p:cNvPr id="142" name="CustomShape 12"/>
           <p:cNvSpPr/>
           <p:nvPr/>
         </p:nvSpPr>
         <p:spPr>
           <a:xfrm>
             <a:off x="3168000" y="1512000"/>
-            <a:ext cx="2304000" cy="4320000"/>
+            <a:ext cx="2520000" cy="4104000"/>
           </a:xfrm>
           <a:prstGeom prst="rect">
             <a:avLst/>
@@ -7247,14 +7199,14 @@
       </p:sp>
       <p:sp>
         <p:nvSpPr>
-          <p:cNvPr id="146" name="CustomShape 13"/>
+          <p:cNvPr id="143" name="CustomShape 13"/>
           <p:cNvSpPr/>
           <p:nvPr/>
         </p:nvSpPr>
         <p:spPr>
           <a:xfrm>
             <a:off x="6912000" y="1800000"/>
-            <a:ext cx="1440000" cy="1152000"/>
+            <a:ext cx="1439640" cy="1151640"/>
           </a:xfrm>
           <a:prstGeom prst="rect">
             <a:avLst/>
@@ -7279,7 +7231,11 @@
           <a:p>
             <a:r>
               <a:rPr b="0" lang="fr-FR" sz="1800" spc="-1" strike="noStrike">
+                <a:solidFill>
+                  <a:srgbClr val="000000"/>
+                </a:solidFill>
                 <a:latin typeface="Arial"/>
+                <a:ea typeface="DejaVu Sans"/>
               </a:rPr>
               <a:t>api_rest_A</a:t>
             </a:r>
@@ -7290,7 +7246,11 @@
           <a:p>
             <a:r>
               <a:rPr b="0" lang="fr-FR" sz="1800" spc="-1" strike="noStrike">
+                <a:solidFill>
+                  <a:srgbClr val="000000"/>
+                </a:solidFill>
                 <a:latin typeface="Arial"/>
+                <a:ea typeface="DejaVu Sans"/>
               </a:rPr>
               <a:t>sur</a:t>
             </a:r>
@@ -7301,7 +7261,11 @@
           <a:p>
             <a:r>
               <a:rPr b="0" lang="fr-FR" sz="1800" spc="-1" strike="noStrike">
+                <a:solidFill>
+                  <a:srgbClr val="000000"/>
+                </a:solidFill>
                 <a:latin typeface="Arial"/>
+                <a:ea typeface="DejaVu Sans"/>
               </a:rPr>
               <a:t>backEnd </a:t>
             </a:r>
@@ -7312,7 +7276,11 @@
           <a:p>
             <a:r>
               <a:rPr b="0" lang="fr-FR" sz="1800" spc="-1" strike="noStrike">
+                <a:solidFill>
+                  <a:srgbClr val="000000"/>
+                </a:solidFill>
                 <a:latin typeface="Arial"/>
+                <a:ea typeface="DejaVu Sans"/>
               </a:rPr>
               <a:t>springBoot</a:t>
             </a:r>
@@ -7324,14 +7292,14 @@
       </p:sp>
       <p:sp>
         <p:nvSpPr>
-          <p:cNvPr id="147" name="CustomShape 14"/>
+          <p:cNvPr id="144" name="CustomShape 14"/>
           <p:cNvSpPr/>
           <p:nvPr/>
         </p:nvSpPr>
         <p:spPr>
           <a:xfrm>
             <a:off x="6912000" y="3816000"/>
-            <a:ext cx="1440000" cy="1152000"/>
+            <a:ext cx="1439640" cy="1151640"/>
           </a:xfrm>
           <a:prstGeom prst="rect">
             <a:avLst/>
@@ -7356,7 +7324,11 @@
           <a:p>
             <a:r>
               <a:rPr b="0" lang="fr-FR" sz="1800" spc="-1" strike="noStrike">
+                <a:solidFill>
+                  <a:srgbClr val="000000"/>
+                </a:solidFill>
                 <a:latin typeface="Arial"/>
+                <a:ea typeface="DejaVu Sans"/>
               </a:rPr>
               <a:t>api_rest_B</a:t>
             </a:r>
@@ -7367,7 +7339,11 @@
           <a:p>
             <a:r>
               <a:rPr b="0" lang="fr-FR" sz="1800" spc="-1" strike="noStrike">
+                <a:solidFill>
+                  <a:srgbClr val="000000"/>
+                </a:solidFill>
                 <a:latin typeface="Arial"/>
+                <a:ea typeface="DejaVu Sans"/>
               </a:rPr>
               <a:t>sur</a:t>
             </a:r>
@@ -7378,7 +7354,11 @@
           <a:p>
             <a:r>
               <a:rPr b="0" lang="fr-FR" sz="1800" spc="-1" strike="noStrike">
+                <a:solidFill>
+                  <a:srgbClr val="000000"/>
+                </a:solidFill>
                 <a:latin typeface="Arial"/>
+                <a:ea typeface="DejaVu Sans"/>
               </a:rPr>
               <a:t>backEnd </a:t>
             </a:r>
@@ -7389,7 +7369,11 @@
           <a:p>
             <a:r>
               <a:rPr b="0" lang="fr-FR" sz="1800" spc="-1" strike="noStrike">
+                <a:solidFill>
+                  <a:srgbClr val="000000"/>
+                </a:solidFill>
                 <a:latin typeface="Arial"/>
+                <a:ea typeface="DejaVu Sans"/>
               </a:rPr>
               <a:t>nodeJs</a:t>
             </a:r>
@@ -7401,14 +7385,14 @@
       </p:sp>
       <p:sp>
         <p:nvSpPr>
-          <p:cNvPr id="148" name="CustomShape 15"/>
+          <p:cNvPr id="145" name="CustomShape 15"/>
           <p:cNvSpPr/>
           <p:nvPr/>
         </p:nvSpPr>
         <p:spPr>
           <a:xfrm>
             <a:off x="8548920" y="2232000"/>
-            <a:ext cx="379080" cy="584640"/>
+            <a:ext cx="378720" cy="584280"/>
           </a:xfrm>
           <a:prstGeom prst="can">
             <a:avLst>
@@ -7455,14 +7439,14 @@
       </p:sp>
       <p:sp>
         <p:nvSpPr>
-          <p:cNvPr id="149" name="CustomShape 16"/>
+          <p:cNvPr id="146" name="CustomShape 16"/>
           <p:cNvSpPr/>
           <p:nvPr/>
         </p:nvSpPr>
         <p:spPr>
           <a:xfrm>
             <a:off x="8568000" y="4032000"/>
-            <a:ext cx="379080" cy="584640"/>
+            <a:ext cx="378720" cy="584280"/>
           </a:xfrm>
           <a:prstGeom prst="can">
             <a:avLst>
@@ -7509,20 +7493,20 @@
       </p:sp>
       <p:sp>
         <p:nvSpPr>
-          <p:cNvPr id="150" name="CustomShape 17"/>
+          <p:cNvPr id="147" name="CustomShape 17"/>
           <p:cNvSpPr/>
           <p:nvPr/>
         </p:nvSpPr>
         <p:spPr>
           <a:xfrm>
             <a:off x="3384000" y="3600000"/>
-            <a:ext cx="2016000" cy="1728000"/>
+            <a:ext cx="2015640" cy="1727640"/>
           </a:xfrm>
           <a:custGeom>
             <a:avLst/>
             <a:gdLst/>
             <a:ahLst/>
-            <a:rect l="0" t="0" r="r" b="b"/>
+            <a:rect l="l" t="t" r="r" b="b"/>
             <a:pathLst>
               <a:path w="5602" h="4802">
                 <a:moveTo>
@@ -7581,10 +7565,18 @@
         <p:txBody>
           <a:bodyPr wrap="none" lIns="90000" rIns="90000" tIns="45000" bIns="45000" anchor="ctr"/>
           <a:p>
-            <a:pPr algn="ctr"/>
+            <a:pPr algn="ctr">
+              <a:lnSpc>
+                <a:spcPct val="100000"/>
+              </a:lnSpc>
+            </a:pPr>
             <a:r>
               <a:rPr b="0" lang="fr-FR" sz="1800" spc="-1" strike="noStrike">
+                <a:solidFill>
+                  <a:srgbClr val="000000"/>
+                </a:solidFill>
                 <a:latin typeface="Arial"/>
+                <a:ea typeface="DejaVu Sans"/>
               </a:rPr>
               <a:t>config</a:t>
             </a:r>
@@ -7593,10 +7585,18 @@
             </a:endParaRPr>
           </a:p>
           <a:p>
-            <a:pPr algn="ctr"/>
+            <a:pPr algn="ctr">
+              <a:lnSpc>
+                <a:spcPct val="100000"/>
+              </a:lnSpc>
+            </a:pPr>
             <a:r>
               <a:rPr b="0" lang="fr-FR" sz="1800" spc="-1" strike="noStrike">
+                <a:solidFill>
+                  <a:srgbClr val="000000"/>
+                </a:solidFill>
                 <a:latin typeface="Arial"/>
+                <a:ea typeface="DejaVu Sans"/>
               </a:rPr>
               <a:t>"reverse_proxy"</a:t>
             </a:r>
@@ -7605,10 +7605,18 @@
             </a:endParaRPr>
           </a:p>
           <a:p>
-            <a:pPr algn="ctr"/>
+            <a:pPr algn="ctr">
+              <a:lnSpc>
+                <a:spcPct val="100000"/>
+              </a:lnSpc>
+            </a:pPr>
             <a:r>
               <a:rPr b="0" lang="fr-FR" sz="1800" spc="-1" strike="noStrike">
+                <a:solidFill>
+                  <a:srgbClr val="000000"/>
+                </a:solidFill>
                 <a:latin typeface="Arial"/>
+                <a:ea typeface="DejaVu Sans"/>
               </a:rPr>
               <a:t>selon </a:t>
             </a:r>
@@ -7617,10 +7625,18 @@
             </a:endParaRPr>
           </a:p>
           <a:p>
-            <a:pPr algn="ctr"/>
+            <a:pPr algn="ctr">
+              <a:lnSpc>
+                <a:spcPct val="100000"/>
+              </a:lnSpc>
+            </a:pPr>
             <a:r>
               <a:rPr b="0" lang="fr-FR" sz="1800" spc="-1" strike="noStrike">
+                <a:solidFill>
+                  <a:srgbClr val="000000"/>
+                </a:solidFill>
                 <a:latin typeface="Arial"/>
+                <a:ea typeface="DejaVu Sans"/>
               </a:rPr>
               <a:t>filtrage </a:t>
             </a:r>
@@ -7629,10 +7645,18 @@
             </a:endParaRPr>
           </a:p>
           <a:p>
-            <a:pPr algn="ctr"/>
+            <a:pPr algn="ctr">
+              <a:lnSpc>
+                <a:spcPct val="100000"/>
+              </a:lnSpc>
+            </a:pPr>
             <a:r>
               <a:rPr b="0" lang="fr-FR" sz="1800" spc="-1" strike="noStrike">
+                <a:solidFill>
+                  <a:srgbClr val="000000"/>
+                </a:solidFill>
                 <a:latin typeface="Arial"/>
+                <a:ea typeface="DejaVu Sans"/>
               </a:rPr>
               <a:t>d'URL</a:t>
             </a:r>
@@ -7644,20 +7668,20 @@
       </p:sp>
       <p:sp>
         <p:nvSpPr>
-          <p:cNvPr id="151" name="CustomShape 18"/>
+          <p:cNvPr id="148" name="CustomShape 18"/>
           <p:cNvSpPr/>
           <p:nvPr/>
         </p:nvSpPr>
         <p:spPr>
           <a:xfrm>
             <a:off x="3384000" y="1656000"/>
-            <a:ext cx="1944000" cy="1584000"/>
+            <a:ext cx="1943640" cy="1583640"/>
           </a:xfrm>
           <a:custGeom>
             <a:avLst/>
             <a:gdLst/>
             <a:ahLst/>
-            <a:rect l="0" t="0" r="r" b="b"/>
+            <a:rect l="l" t="t" r="r" b="b"/>
             <a:pathLst>
               <a:path w="5402" h="4402">
                 <a:moveTo>
@@ -7716,60 +7740,649 @@
         <p:txBody>
           <a:bodyPr wrap="none" lIns="90000" rIns="90000" tIns="45000" bIns="45000" anchor="ctr"/>
           <a:p>
-            <a:pPr algn="ctr"/>
+            <a:pPr algn="ctr">
+              <a:lnSpc>
+                <a:spcPct val="100000"/>
+              </a:lnSpc>
+            </a:pPr>
+            <a:r>
+              <a:rPr b="0" lang="fr-FR" sz="1800" spc="-1" strike="noStrike">
+                <a:solidFill>
+                  <a:srgbClr val="000000"/>
+                </a:solidFill>
+                <a:latin typeface="Arial"/>
+                <a:ea typeface="DejaVu Sans"/>
+              </a:rPr>
+              <a:t>code frontEnd</a:t>
+            </a:r>
+            <a:endParaRPr b="0" lang="fr-FR" sz="1800" spc="-1" strike="noStrike">
+              <a:latin typeface="Arial"/>
+            </a:endParaRPr>
+          </a:p>
+          <a:p>
+            <a:pPr algn="ctr">
+              <a:lnSpc>
+                <a:spcPct val="100000"/>
+              </a:lnSpc>
+            </a:pPr>
+            <a:r>
+              <a:rPr b="0" lang="fr-FR" sz="1800" spc="-1" strike="noStrike">
+                <a:solidFill>
+                  <a:srgbClr val="000000"/>
+                </a:solidFill>
+                <a:latin typeface="Arial"/>
+                <a:ea typeface="DejaVu Sans"/>
+              </a:rPr>
+              <a:t>(html + bundles</a:t>
+            </a:r>
+            <a:endParaRPr b="0" lang="fr-FR" sz="1800" spc="-1" strike="noStrike">
+              <a:latin typeface="Arial"/>
+            </a:endParaRPr>
+          </a:p>
+          <a:p>
+            <a:pPr algn="ctr">
+              <a:lnSpc>
+                <a:spcPct val="100000"/>
+              </a:lnSpc>
+            </a:pPr>
+            <a:r>
+              <a:rPr b="0" lang="fr-FR" sz="1800" spc="-1" strike="noStrike">
+                <a:solidFill>
+                  <a:srgbClr val="000000"/>
+                </a:solidFill>
+                <a:latin typeface="Arial"/>
+                <a:ea typeface="DejaVu Sans"/>
+              </a:rPr>
+              <a:t>.js et .css)</a:t>
+            </a:r>
+            <a:endParaRPr b="0" lang="fr-FR" sz="1800" spc="-1" strike="noStrike">
+              <a:latin typeface="Arial"/>
+            </a:endParaRPr>
+          </a:p>
+          <a:p>
+            <a:pPr algn="ctr">
+              <a:lnSpc>
+                <a:spcPct val="100000"/>
+              </a:lnSpc>
+            </a:pPr>
+            <a:r>
+              <a:rPr b="0" lang="fr-FR" sz="1800" spc="-1" strike="noStrike">
+                <a:solidFill>
+                  <a:srgbClr val="000000"/>
+                </a:solidFill>
+                <a:latin typeface="Arial"/>
+                <a:ea typeface="DejaVu Sans"/>
+              </a:rPr>
+              <a:t>prêt à être </a:t>
+            </a:r>
+            <a:endParaRPr b="0" lang="fr-FR" sz="1800" spc="-1" strike="noStrike">
+              <a:latin typeface="Arial"/>
+            </a:endParaRPr>
+          </a:p>
+          <a:p>
+            <a:pPr algn="ctr">
+              <a:lnSpc>
+                <a:spcPct val="100000"/>
+              </a:lnSpc>
+            </a:pPr>
+            <a:r>
+              <a:rPr b="0" lang="fr-FR" sz="1800" spc="-1" strike="noStrike">
+                <a:solidFill>
+                  <a:srgbClr val="000000"/>
+                </a:solidFill>
+                <a:latin typeface="Arial"/>
+                <a:ea typeface="DejaVu Sans"/>
+              </a:rPr>
+              <a:t>téléchargé</a:t>
+            </a:r>
+            <a:endParaRPr b="0" lang="fr-FR" sz="1800" spc="-1" strike="noStrike">
+              <a:latin typeface="Arial"/>
+            </a:endParaRPr>
+          </a:p>
+        </p:txBody>
+      </p:sp>
+      <p:sp>
+        <p:nvSpPr>
+          <p:cNvPr id="149" name="TextShape 19"/>
+          <p:cNvSpPr txBox="1"/>
+          <p:nvPr/>
+        </p:nvSpPr>
+        <p:spPr>
+          <a:xfrm>
+            <a:off x="3195720" y="936000"/>
+            <a:ext cx="1700280" cy="602280"/>
+          </a:xfrm>
+          <a:prstGeom prst="rect">
+            <a:avLst/>
+          </a:prstGeom>
+          <a:noFill/>
+          <a:ln>
+            <a:noFill/>
+          </a:ln>
+        </p:spPr>
+        <p:txBody>
+          <a:bodyPr lIns="90000" rIns="90000" tIns="45000" bIns="45000"/>
+          <a:p>
             <a:r>
               <a:rPr b="0" lang="fr-FR" sz="1800" spc="-1" strike="noStrike">
                 <a:latin typeface="Arial"/>
               </a:rPr>
-              <a:t>code frontEnd</a:t>
+              <a:t>Serveur HTTP </a:t>
             </a:r>
             <a:endParaRPr b="0" lang="fr-FR" sz="1800" spc="-1" strike="noStrike">
               <a:latin typeface="Arial"/>
             </a:endParaRPr>
           </a:p>
           <a:p>
-            <a:pPr algn="ctr"/>
             <a:r>
               <a:rPr b="0" lang="fr-FR" sz="1800" spc="-1" strike="noStrike">
                 <a:latin typeface="Arial"/>
               </a:rPr>
-              <a:t>(html + bundles</a:t>
+              <a:t>(ex : nginx)</a:t>
             </a:r>
             <a:endParaRPr b="0" lang="fr-FR" sz="1800" spc="-1" strike="noStrike">
               <a:latin typeface="Arial"/>
             </a:endParaRPr>
           </a:p>
+        </p:txBody>
+      </p:sp>
+      <p:sp>
+        <p:nvSpPr>
+          <p:cNvPr id="150" name="Line 20"/>
+          <p:cNvSpPr/>
+          <p:nvPr/>
+        </p:nvSpPr>
+        <p:spPr>
+          <a:xfrm flipH="1">
+            <a:off x="1080000" y="3060000"/>
+            <a:ext cx="2448000" cy="504000"/>
+          </a:xfrm>
+          <a:prstGeom prst="line">
+            <a:avLst/>
+          </a:prstGeom>
+          <a:ln>
+            <a:solidFill>
+              <a:srgbClr val="000000"/>
+            </a:solidFill>
+            <a:tailEnd len="med" type="triangle" w="med"/>
+          </a:ln>
+        </p:spPr>
+        <p:style>
+          <a:lnRef idx="0"/>
+          <a:fillRef idx="0"/>
+          <a:effectRef idx="0"/>
+          <a:fontRef idx="minor"/>
+        </p:style>
+      </p:sp>
+      <p:sp>
+        <p:nvSpPr>
+          <p:cNvPr id="151" name="Line 21"/>
+          <p:cNvSpPr/>
+          <p:nvPr/>
+        </p:nvSpPr>
+        <p:spPr>
+          <a:xfrm>
+            <a:off x="1512000" y="3852000"/>
+            <a:ext cx="2232000" cy="648000"/>
+          </a:xfrm>
+          <a:prstGeom prst="line">
+            <a:avLst/>
+          </a:prstGeom>
+          <a:ln>
+            <a:solidFill>
+              <a:srgbClr val="000000"/>
+            </a:solidFill>
+            <a:tailEnd len="med" type="triangle" w="med"/>
+          </a:ln>
+        </p:spPr>
+        <p:style>
+          <a:lnRef idx="0"/>
+          <a:fillRef idx="0"/>
+          <a:effectRef idx="0"/>
+          <a:fontRef idx="minor"/>
+        </p:style>
+      </p:sp>
+      <p:sp>
+        <p:nvSpPr>
+          <p:cNvPr id="152" name="Line 22"/>
+          <p:cNvSpPr/>
+          <p:nvPr/>
+        </p:nvSpPr>
+        <p:spPr>
+          <a:xfrm flipV="1">
+            <a:off x="5256000" y="3780000"/>
+            <a:ext cx="1512000" cy="648000"/>
+          </a:xfrm>
+          <a:prstGeom prst="line">
+            <a:avLst/>
+          </a:prstGeom>
+          <a:ln>
+            <a:solidFill>
+              <a:srgbClr val="000000"/>
+            </a:solidFill>
+            <a:tailEnd len="med" type="triangle" w="med"/>
+          </a:ln>
+        </p:spPr>
+        <p:style>
+          <a:lnRef idx="0"/>
+          <a:fillRef idx="0"/>
+          <a:effectRef idx="0"/>
+          <a:fontRef idx="minor"/>
+        </p:style>
+      </p:sp>
+      <p:sp>
+        <p:nvSpPr>
+          <p:cNvPr id="153" name="Line 23"/>
+          <p:cNvSpPr/>
+          <p:nvPr/>
+        </p:nvSpPr>
+        <p:spPr>
+          <a:xfrm flipH="1">
+            <a:off x="5184000" y="4068000"/>
+            <a:ext cx="1512000" cy="648000"/>
+          </a:xfrm>
+          <a:prstGeom prst="line">
+            <a:avLst/>
+          </a:prstGeom>
+          <a:ln>
+            <a:solidFill>
+              <a:srgbClr val="000000"/>
+            </a:solidFill>
+            <a:tailEnd len="med" type="triangle" w="med"/>
+          </a:ln>
+        </p:spPr>
+        <p:style>
+          <a:lnRef idx="0"/>
+          <a:fillRef idx="0"/>
+          <a:effectRef idx="0"/>
+          <a:fontRef idx="minor"/>
+        </p:style>
+      </p:sp>
+      <p:sp>
+        <p:nvSpPr>
+          <p:cNvPr id="154" name="Line 24"/>
+          <p:cNvSpPr/>
+          <p:nvPr/>
+        </p:nvSpPr>
+        <p:spPr>
+          <a:xfrm flipH="1" flipV="1">
+            <a:off x="1584000" y="4103640"/>
+            <a:ext cx="1944000" cy="612360"/>
+          </a:xfrm>
+          <a:prstGeom prst="line">
+            <a:avLst/>
+          </a:prstGeom>
+          <a:ln>
+            <a:solidFill>
+              <a:srgbClr val="000000"/>
+            </a:solidFill>
+            <a:tailEnd len="med" type="triangle" w="med"/>
+          </a:ln>
+        </p:spPr>
+        <p:style>
+          <a:lnRef idx="0"/>
+          <a:fillRef idx="0"/>
+          <a:effectRef idx="0"/>
+          <a:fontRef idx="minor"/>
+        </p:style>
+      </p:sp>
+      <p:sp>
+        <p:nvSpPr>
+          <p:cNvPr id="155" name="Line 25"/>
+          <p:cNvSpPr/>
+          <p:nvPr/>
+        </p:nvSpPr>
+        <p:spPr>
+          <a:xfrm flipV="1">
+            <a:off x="1080000" y="2844000"/>
+            <a:ext cx="2448000" cy="540000"/>
+          </a:xfrm>
+          <a:prstGeom prst="line">
+            <a:avLst/>
+          </a:prstGeom>
+          <a:ln>
+            <a:solidFill>
+              <a:srgbClr val="000000"/>
+            </a:solidFill>
+            <a:tailEnd len="med" type="triangle" w="med"/>
+          </a:ln>
+        </p:spPr>
+        <p:style>
+          <a:lnRef idx="0"/>
+          <a:fillRef idx="0"/>
+          <a:effectRef idx="0"/>
+          <a:fontRef idx="minor"/>
+        </p:style>
+      </p:sp>
+      <p:sp>
+        <p:nvSpPr>
+          <p:cNvPr id="156" name="CustomShape 26"/>
+          <p:cNvSpPr/>
+          <p:nvPr/>
+        </p:nvSpPr>
+        <p:spPr>
+          <a:xfrm>
+            <a:off x="1537560" y="2772000"/>
+            <a:ext cx="262440" cy="288000"/>
+          </a:xfrm>
+          <a:prstGeom prst="ellipse">
+            <a:avLst/>
+          </a:prstGeom>
+          <a:solidFill>
+            <a:srgbClr val="fff9ae"/>
+          </a:solidFill>
+          <a:ln>
+            <a:solidFill>
+              <a:srgbClr val="3465a4"/>
+            </a:solidFill>
+          </a:ln>
+        </p:spPr>
+        <p:style>
+          <a:lnRef idx="0"/>
+          <a:fillRef idx="0"/>
+          <a:effectRef idx="0"/>
+          <a:fontRef idx="minor"/>
+        </p:style>
+        <p:txBody>
+          <a:bodyPr wrap="none" lIns="90000" rIns="90000" tIns="45000" bIns="45000" anchor="ctr"/>
           <a:p>
             <a:pPr algn="ctr"/>
             <a:r>
-              <a:rPr b="0" lang="fr-FR" sz="1800" spc="-1" strike="noStrike">
+              <a:rPr b="1" lang="fr-FR" sz="1800" spc="-1" strike="noStrike">
+                <a:solidFill>
+                  <a:srgbClr val="182f7c"/>
+                </a:solidFill>
                 <a:latin typeface="Arial"/>
               </a:rPr>
-              <a:t>.js et .css)</a:t>
+              <a:t>1</a:t>
             </a:r>
             <a:endParaRPr b="0" lang="fr-FR" sz="1800" spc="-1" strike="noStrike">
               <a:latin typeface="Arial"/>
             </a:endParaRPr>
           </a:p>
+        </p:txBody>
+      </p:sp>
+      <p:sp>
+        <p:nvSpPr>
+          <p:cNvPr id="157" name="CustomShape 27"/>
+          <p:cNvSpPr/>
+          <p:nvPr/>
+        </p:nvSpPr>
+        <p:spPr>
+          <a:xfrm>
+            <a:off x="817560" y="3672000"/>
+            <a:ext cx="262440" cy="288000"/>
+          </a:xfrm>
+          <a:prstGeom prst="ellipse">
+            <a:avLst/>
+          </a:prstGeom>
+          <a:solidFill>
+            <a:srgbClr val="fff9ae"/>
+          </a:solidFill>
+          <a:ln>
+            <a:solidFill>
+              <a:srgbClr val="3465a4"/>
+            </a:solidFill>
+          </a:ln>
+        </p:spPr>
+        <p:style>
+          <a:lnRef idx="0"/>
+          <a:fillRef idx="0"/>
+          <a:effectRef idx="0"/>
+          <a:fontRef idx="minor"/>
+        </p:style>
+        <p:txBody>
+          <a:bodyPr wrap="none" lIns="90000" rIns="90000" tIns="45000" bIns="45000" anchor="ctr"/>
           <a:p>
             <a:pPr algn="ctr"/>
             <a:r>
-              <a:rPr b="0" lang="fr-FR" sz="1800" spc="-1" strike="noStrike">
+              <a:rPr b="1" lang="fr-FR" sz="1800" spc="-1" strike="noStrike">
+                <a:solidFill>
+                  <a:srgbClr val="182f7c"/>
+                </a:solidFill>
                 <a:latin typeface="Arial"/>
               </a:rPr>
-              <a:t>prêt à être </a:t>
+              <a:t>2</a:t>
             </a:r>
             <a:endParaRPr b="0" lang="fr-FR" sz="1800" spc="-1" strike="noStrike">
               <a:latin typeface="Arial"/>
             </a:endParaRPr>
           </a:p>
+        </p:txBody>
+      </p:sp>
+      <p:sp>
+        <p:nvSpPr>
+          <p:cNvPr id="158" name="CustomShape 28"/>
+          <p:cNvSpPr/>
+          <p:nvPr/>
+        </p:nvSpPr>
+        <p:spPr>
+          <a:xfrm>
+            <a:off x="2545560" y="3888000"/>
+            <a:ext cx="262440" cy="288000"/>
+          </a:xfrm>
+          <a:prstGeom prst="ellipse">
+            <a:avLst/>
+          </a:prstGeom>
+          <a:solidFill>
+            <a:srgbClr val="fff9ae"/>
+          </a:solidFill>
+          <a:ln>
+            <a:solidFill>
+              <a:srgbClr val="3465a4"/>
+            </a:solidFill>
+          </a:ln>
+        </p:spPr>
+        <p:style>
+          <a:lnRef idx="0"/>
+          <a:fillRef idx="0"/>
+          <a:effectRef idx="0"/>
+          <a:fontRef idx="minor"/>
+        </p:style>
+        <p:txBody>
+          <a:bodyPr wrap="none" lIns="90000" rIns="90000" tIns="45000" bIns="45000" anchor="ctr"/>
           <a:p>
             <a:pPr algn="ctr"/>
             <a:r>
-              <a:rPr b="0" lang="fr-FR" sz="1800" spc="-1" strike="noStrike">
+              <a:rPr b="1" lang="fr-FR" sz="1800" spc="-1" strike="noStrike">
+                <a:solidFill>
+                  <a:srgbClr val="182f7c"/>
+                </a:solidFill>
                 <a:latin typeface="Arial"/>
               </a:rPr>
-              <a:t>téléchargé</a:t>
+              <a:t>3</a:t>
+            </a:r>
+            <a:endParaRPr b="0" lang="fr-FR" sz="1800" spc="-1" strike="noStrike">
+              <a:latin typeface="Arial"/>
+            </a:endParaRPr>
+          </a:p>
+        </p:txBody>
+      </p:sp>
+      <p:sp>
+        <p:nvSpPr>
+          <p:cNvPr id="159" name="CustomShape 29"/>
+          <p:cNvSpPr/>
+          <p:nvPr/>
+        </p:nvSpPr>
+        <p:spPr>
+          <a:xfrm>
+            <a:off x="5976000" y="3600000"/>
+            <a:ext cx="262440" cy="288000"/>
+          </a:xfrm>
+          <a:prstGeom prst="ellipse">
+            <a:avLst/>
+          </a:prstGeom>
+          <a:solidFill>
+            <a:srgbClr val="fff9ae"/>
+          </a:solidFill>
+          <a:ln>
+            <a:solidFill>
+              <a:srgbClr val="3465a4"/>
+            </a:solidFill>
+          </a:ln>
+        </p:spPr>
+        <p:style>
+          <a:lnRef idx="0"/>
+          <a:fillRef idx="0"/>
+          <a:effectRef idx="0"/>
+          <a:fontRef idx="minor"/>
+        </p:style>
+        <p:txBody>
+          <a:bodyPr wrap="none" lIns="90000" rIns="90000" tIns="45000" bIns="45000" anchor="ctr"/>
+          <a:p>
+            <a:pPr algn="ctr"/>
+            <a:r>
+              <a:rPr b="1" lang="fr-FR" sz="1800" spc="-1" strike="noStrike">
+                <a:solidFill>
+                  <a:srgbClr val="182f7c"/>
+                </a:solidFill>
+                <a:latin typeface="Arial"/>
+              </a:rPr>
+              <a:t>4</a:t>
+            </a:r>
+            <a:endParaRPr b="0" lang="fr-FR" sz="1800" spc="-1" strike="noStrike">
+              <a:latin typeface="Arial"/>
+            </a:endParaRPr>
+          </a:p>
+        </p:txBody>
+      </p:sp>
+      <p:sp>
+        <p:nvSpPr>
+          <p:cNvPr id="160" name="CustomShape 30"/>
+          <p:cNvSpPr/>
+          <p:nvPr/>
+        </p:nvSpPr>
+        <p:spPr>
+          <a:xfrm>
+            <a:off x="5929560" y="4428000"/>
+            <a:ext cx="262440" cy="288000"/>
+          </a:xfrm>
+          <a:prstGeom prst="ellipse">
+            <a:avLst/>
+          </a:prstGeom>
+          <a:solidFill>
+            <a:srgbClr val="fff9ae"/>
+          </a:solidFill>
+          <a:ln>
+            <a:solidFill>
+              <a:srgbClr val="3465a4"/>
+            </a:solidFill>
+          </a:ln>
+        </p:spPr>
+        <p:style>
+          <a:lnRef idx="0"/>
+          <a:fillRef idx="0"/>
+          <a:effectRef idx="0"/>
+          <a:fontRef idx="minor"/>
+        </p:style>
+        <p:txBody>
+          <a:bodyPr wrap="none" lIns="90000" rIns="90000" tIns="45000" bIns="45000" anchor="ctr"/>
+          <a:p>
+            <a:pPr algn="ctr"/>
+            <a:r>
+              <a:rPr b="1" lang="fr-FR" sz="1800" spc="-1" strike="noStrike">
+                <a:solidFill>
+                  <a:srgbClr val="182f7c"/>
+                </a:solidFill>
+                <a:latin typeface="Arial"/>
+              </a:rPr>
+              <a:t>5</a:t>
+            </a:r>
+            <a:endParaRPr b="0" lang="fr-FR" sz="1800" spc="-1" strike="noStrike">
+              <a:latin typeface="Arial"/>
+            </a:endParaRPr>
+          </a:p>
+        </p:txBody>
+      </p:sp>
+      <p:sp>
+        <p:nvSpPr>
+          <p:cNvPr id="161" name="CustomShape 31"/>
+          <p:cNvSpPr/>
+          <p:nvPr/>
+        </p:nvSpPr>
+        <p:spPr>
+          <a:xfrm>
+            <a:off x="2473560" y="4500000"/>
+            <a:ext cx="262440" cy="288000"/>
+          </a:xfrm>
+          <a:prstGeom prst="ellipse">
+            <a:avLst/>
+          </a:prstGeom>
+          <a:solidFill>
+            <a:srgbClr val="fff9ae"/>
+          </a:solidFill>
+          <a:ln>
+            <a:solidFill>
+              <a:srgbClr val="3465a4"/>
+            </a:solidFill>
+          </a:ln>
+        </p:spPr>
+        <p:style>
+          <a:lnRef idx="0"/>
+          <a:fillRef idx="0"/>
+          <a:effectRef idx="0"/>
+          <a:fontRef idx="minor"/>
+        </p:style>
+        <p:txBody>
+          <a:bodyPr wrap="none" lIns="90000" rIns="90000" tIns="45000" bIns="45000" anchor="ctr"/>
+          <a:p>
+            <a:pPr algn="ctr"/>
+            <a:r>
+              <a:rPr b="1" lang="fr-FR" sz="1800" spc="-1" strike="noStrike">
+                <a:solidFill>
+                  <a:srgbClr val="182f7c"/>
+                </a:solidFill>
+                <a:latin typeface="Arial"/>
+              </a:rPr>
+              <a:t>6</a:t>
+            </a:r>
+            <a:endParaRPr b="0" lang="fr-FR" sz="1800" spc="-1" strike="noStrike">
+              <a:latin typeface="Arial"/>
+            </a:endParaRPr>
+          </a:p>
+        </p:txBody>
+      </p:sp>
+      <p:sp>
+        <p:nvSpPr>
+          <p:cNvPr id="162" name="CustomShape 32"/>
+          <p:cNvSpPr/>
+          <p:nvPr/>
+        </p:nvSpPr>
+        <p:spPr>
+          <a:xfrm>
+            <a:off x="1152000" y="4176000"/>
+            <a:ext cx="262440" cy="288000"/>
+          </a:xfrm>
+          <a:prstGeom prst="ellipse">
+            <a:avLst/>
+          </a:prstGeom>
+          <a:solidFill>
+            <a:srgbClr val="fff9ae"/>
+          </a:solidFill>
+          <a:ln>
+            <a:solidFill>
+              <a:srgbClr val="3465a4"/>
+            </a:solidFill>
+          </a:ln>
+        </p:spPr>
+        <p:style>
+          <a:lnRef idx="0"/>
+          <a:fillRef idx="0"/>
+          <a:effectRef idx="0"/>
+          <a:fontRef idx="minor"/>
+        </p:style>
+        <p:txBody>
+          <a:bodyPr wrap="none" lIns="90000" rIns="90000" tIns="45000" bIns="45000" anchor="ctr"/>
+          <a:p>
+            <a:pPr algn="ctr"/>
+            <a:r>
+              <a:rPr b="1" lang="fr-FR" sz="1800" spc="-1" strike="noStrike">
+                <a:solidFill>
+                  <a:srgbClr val="182f7c"/>
+                </a:solidFill>
+                <a:latin typeface="Arial"/>
+              </a:rPr>
+              <a:t>7</a:t>
             </a:r>
             <a:endParaRPr b="0" lang="fr-FR" sz="1800" spc="-1" strike="noStrike">
               <a:latin typeface="Arial"/>
@@ -7828,14 +8441,14 @@
       </p:grpSpPr>
       <p:sp>
         <p:nvSpPr>
-          <p:cNvPr id="152" name="CustomShape 1"/>
+          <p:cNvPr id="163" name="CustomShape 1"/>
           <p:cNvSpPr/>
           <p:nvPr/>
         </p:nvSpPr>
         <p:spPr>
           <a:xfrm>
             <a:off x="685800" y="2130480"/>
-            <a:ext cx="7773480" cy="2233440"/>
+            <a:ext cx="7773120" cy="2233080"/>
           </a:xfrm>
           <a:prstGeom prst="rect">
             <a:avLst/>
@@ -7854,14 +8467,14 @@
       </p:sp>
       <p:sp>
         <p:nvSpPr>
-          <p:cNvPr id="153" name="TextShape 2"/>
-          <p:cNvSpPr txBox="1"/>
+          <p:cNvPr id="164" name="CustomShape 2"/>
+          <p:cNvSpPr/>
           <p:nvPr/>
         </p:nvSpPr>
         <p:spPr>
           <a:xfrm>
             <a:off x="457560" y="116640"/>
-            <a:ext cx="8229240" cy="462240"/>
+            <a:ext cx="8228880" cy="461880"/>
           </a:xfrm>
           <a:prstGeom prst="rect">
             <a:avLst/>
@@ -7871,8 +8484,14 @@
             <a:noFill/>
           </a:ln>
         </p:spPr>
-        <p:txBody>
-          <a:bodyPr anchor="ctr">
+        <p:style>
+          <a:lnRef idx="0"/>
+          <a:fillRef idx="0"/>
+          <a:effectRef idx="0"/>
+          <a:fontRef idx="minor"/>
+        </p:style>
+        <p:txBody>
+          <a:bodyPr lIns="90000" rIns="90000" tIns="45000" bIns="45000" anchor="ctr">
             <a:normAutofit/>
           </a:bodyPr>
           <a:p>
@@ -7892,9 +8511,6 @@
               <a:t>Notion de serveur d'authentification (oauth2)</a:t>
             </a:r>
             <a:endParaRPr b="0" lang="fr-FR" sz="3600" spc="-1" strike="noStrike">
-              <a:solidFill>
-                <a:srgbClr val="182f7c"/>
-              </a:solidFill>
               <a:latin typeface="Arial"/>
             </a:endParaRPr>
           </a:p>
@@ -7951,14 +8567,14 @@
       </p:grpSpPr>
       <p:sp>
         <p:nvSpPr>
-          <p:cNvPr id="154" name="CustomShape 1"/>
+          <p:cNvPr id="165" name="CustomShape 1"/>
           <p:cNvSpPr/>
           <p:nvPr/>
         </p:nvSpPr>
         <p:spPr>
           <a:xfrm>
             <a:off x="685800" y="2130480"/>
-            <a:ext cx="7773480" cy="2233440"/>
+            <a:ext cx="7773120" cy="2233080"/>
           </a:xfrm>
           <a:prstGeom prst="rect">
             <a:avLst/>
@@ -7977,14 +8593,14 @@
       </p:sp>
       <p:sp>
         <p:nvSpPr>
-          <p:cNvPr id="155" name="TextShape 2"/>
-          <p:cNvSpPr txBox="1"/>
+          <p:cNvPr id="166" name="CustomShape 2"/>
+          <p:cNvSpPr/>
           <p:nvPr/>
         </p:nvSpPr>
         <p:spPr>
           <a:xfrm>
             <a:off x="457560" y="116640"/>
-            <a:ext cx="8229240" cy="462240"/>
+            <a:ext cx="8228880" cy="461880"/>
           </a:xfrm>
           <a:prstGeom prst="rect">
             <a:avLst/>
@@ -7994,8 +8610,14 @@
             <a:noFill/>
           </a:ln>
         </p:spPr>
-        <p:txBody>
-          <a:bodyPr anchor="ctr">
+        <p:style>
+          <a:lnRef idx="0"/>
+          <a:fillRef idx="0"/>
+          <a:effectRef idx="0"/>
+          <a:fontRef idx="minor"/>
+        </p:style>
+        <p:txBody>
+          <a:bodyPr lIns="90000" rIns="90000" tIns="45000" bIns="45000" anchor="ctr">
             <a:normAutofit/>
           </a:bodyPr>
           <a:p>
@@ -8015,9 +8637,6 @@
               <a:t>Notion de api-gateway</a:t>
             </a:r>
             <a:endParaRPr b="0" lang="fr-FR" sz="3600" spc="-1" strike="noStrike">
-              <a:solidFill>
-                <a:srgbClr val="182f7c"/>
-              </a:solidFill>
               <a:latin typeface="Arial"/>
             </a:endParaRPr>
           </a:p>
@@ -8074,14 +8693,14 @@
       </p:grpSpPr>
       <p:sp>
         <p:nvSpPr>
-          <p:cNvPr id="156" name="CustomShape 1"/>
+          <p:cNvPr id="167" name="CustomShape 1"/>
           <p:cNvSpPr/>
           <p:nvPr/>
         </p:nvSpPr>
         <p:spPr>
           <a:xfrm>
             <a:off x="685800" y="2130480"/>
-            <a:ext cx="7773480" cy="2233440"/>
+            <a:ext cx="7773120" cy="2233080"/>
           </a:xfrm>
           <a:prstGeom prst="rect">
             <a:avLst/>
@@ -8100,14 +8719,14 @@
       </p:sp>
       <p:sp>
         <p:nvSpPr>
-          <p:cNvPr id="157" name="TextShape 2"/>
-          <p:cNvSpPr txBox="1"/>
+          <p:cNvPr id="168" name="CustomShape 2"/>
+          <p:cNvSpPr/>
           <p:nvPr/>
         </p:nvSpPr>
         <p:spPr>
           <a:xfrm>
             <a:off x="457560" y="116640"/>
-            <a:ext cx="8229240" cy="462240"/>
+            <a:ext cx="8228880" cy="461880"/>
           </a:xfrm>
           <a:prstGeom prst="rect">
             <a:avLst/>
@@ -8117,8 +8736,14 @@
             <a:noFill/>
           </a:ln>
         </p:spPr>
-        <p:txBody>
-          <a:bodyPr anchor="ctr">
+        <p:style>
+          <a:lnRef idx="0"/>
+          <a:fillRef idx="0"/>
+          <a:effectRef idx="0"/>
+          <a:fontRef idx="minor"/>
+        </p:style>
+        <p:txBody>
+          <a:bodyPr lIns="90000" rIns="90000" tIns="45000" bIns="45000" anchor="ctr">
             <a:normAutofit/>
           </a:bodyPr>
           <a:p>
@@ -8138,9 +8763,6 @@
               <a:t>Notion de terminaison-ssl</a:t>
             </a:r>
             <a:endParaRPr b="0" lang="fr-FR" sz="3600" spc="-1" strike="noStrike">
-              <a:solidFill>
-                <a:srgbClr val="182f7c"/>
-              </a:solidFill>
               <a:latin typeface="Arial"/>
             </a:endParaRPr>
           </a:p>
@@ -8197,14 +8819,14 @@
       </p:grpSpPr>
       <p:sp>
         <p:nvSpPr>
-          <p:cNvPr id="158" name="CustomShape 1"/>
+          <p:cNvPr id="169" name="CustomShape 1"/>
           <p:cNvSpPr/>
           <p:nvPr/>
         </p:nvSpPr>
         <p:spPr>
           <a:xfrm>
             <a:off x="685800" y="2130480"/>
-            <a:ext cx="7773480" cy="2233440"/>
+            <a:ext cx="7773120" cy="2233080"/>
           </a:xfrm>
           <a:prstGeom prst="rect">
             <a:avLst/>
@@ -8223,14 +8845,14 @@
       </p:sp>
       <p:sp>
         <p:nvSpPr>
-          <p:cNvPr id="159" name="TextShape 2"/>
-          <p:cNvSpPr txBox="1"/>
+          <p:cNvPr id="170" name="CustomShape 2"/>
+          <p:cNvSpPr/>
           <p:nvPr/>
         </p:nvSpPr>
         <p:spPr>
           <a:xfrm>
             <a:off x="457560" y="116640"/>
-            <a:ext cx="8229240" cy="462240"/>
+            <a:ext cx="8228880" cy="461880"/>
           </a:xfrm>
           <a:prstGeom prst="rect">
             <a:avLst/>
@@ -8240,8 +8862,14 @@
             <a:noFill/>
           </a:ln>
         </p:spPr>
-        <p:txBody>
-          <a:bodyPr anchor="ctr">
+        <p:style>
+          <a:lnRef idx="0"/>
+          <a:fillRef idx="0"/>
+          <a:effectRef idx="0"/>
+          <a:fontRef idx="minor"/>
+        </p:style>
+        <p:txBody>
+          <a:bodyPr lIns="90000" rIns="90000" tIns="45000" bIns="45000" anchor="ctr">
             <a:normAutofit/>
           </a:bodyPr>
           <a:p>
@@ -8317,14 +8945,14 @@
       </p:grpSpPr>
       <p:sp>
         <p:nvSpPr>
-          <p:cNvPr id="160" name="CustomShape 1"/>
+          <p:cNvPr id="171" name="CustomShape 1"/>
           <p:cNvSpPr/>
           <p:nvPr/>
         </p:nvSpPr>
         <p:spPr>
           <a:xfrm>
             <a:off x="685800" y="2130480"/>
-            <a:ext cx="7773480" cy="2233440"/>
+            <a:ext cx="7773120" cy="2233080"/>
           </a:xfrm>
           <a:prstGeom prst="rect">
             <a:avLst/>
@@ -8343,14 +8971,14 @@
       </p:sp>
       <p:sp>
         <p:nvSpPr>
-          <p:cNvPr id="161" name="TextShape 2"/>
-          <p:cNvSpPr txBox="1"/>
+          <p:cNvPr id="172" name="CustomShape 2"/>
+          <p:cNvSpPr/>
           <p:nvPr/>
         </p:nvSpPr>
         <p:spPr>
           <a:xfrm>
             <a:off x="457560" y="116640"/>
-            <a:ext cx="8229240" cy="462240"/>
+            <a:ext cx="8228880" cy="461880"/>
           </a:xfrm>
           <a:prstGeom prst="rect">
             <a:avLst/>
@@ -8360,8 +8988,14 @@
             <a:noFill/>
           </a:ln>
         </p:spPr>
-        <p:txBody>
-          <a:bodyPr anchor="ctr">
+        <p:style>
+          <a:lnRef idx="0"/>
+          <a:fillRef idx="0"/>
+          <a:effectRef idx="0"/>
+          <a:fontRef idx="minor"/>
+        </p:style>
+        <p:txBody>
+          <a:bodyPr lIns="90000" rIns="90000" tIns="45000" bIns="45000" anchor="ctr">
             <a:normAutofit/>
           </a:bodyPr>
           <a:p>
@@ -8381,9 +9015,6 @@
               <a:t>Notion de micro-conteneur (docker)</a:t>
             </a:r>
             <a:endParaRPr b="0" lang="fr-FR" sz="3600" spc="-1" strike="noStrike">
-              <a:solidFill>
-                <a:srgbClr val="182f7c"/>
-              </a:solidFill>
               <a:latin typeface="Arial"/>
             </a:endParaRPr>
           </a:p>

--- a/docs/infrastructures_cloud_et_microservices.pptx
+++ b/docs/infrastructures_cloud_et_microservices.pptx
@@ -17,6 +17,7 @@
     <p:sldId id="264" r:id="rId12"/>
     <p:sldId id="265" r:id="rId13"/>
     <p:sldId id="266" r:id="rId14"/>
+    <p:sldId id="267" r:id="rId15"/>
   </p:sldIdLst>
   <p:sldSz cx="9144000" cy="6858000"/>
   <p:notesSz cx="7559675" cy="10691812"/>
@@ -3229,7 +3230,7 @@
         <p:spPr>
           <a:xfrm>
             <a:off x="685800" y="2130480"/>
-            <a:ext cx="7773120" cy="2233080"/>
+            <a:ext cx="7772760" cy="2232720"/>
           </a:xfrm>
           <a:prstGeom prst="rect">
             <a:avLst/>
@@ -3383,14 +3384,14 @@
       </p:grpSpPr>
       <p:sp>
         <p:nvSpPr>
-          <p:cNvPr id="173" name="CustomShape 1"/>
+          <p:cNvPr id="292" name="CustomShape 1"/>
           <p:cNvSpPr/>
           <p:nvPr/>
         </p:nvSpPr>
         <p:spPr>
           <a:xfrm>
             <a:off x="685800" y="2130480"/>
-            <a:ext cx="7773120" cy="2233080"/>
+            <a:ext cx="7772760" cy="2232720"/>
           </a:xfrm>
           <a:prstGeom prst="rect">
             <a:avLst/>
@@ -3409,14 +3410,14 @@
       </p:sp>
       <p:sp>
         <p:nvSpPr>
-          <p:cNvPr id="174" name="CustomShape 2"/>
+          <p:cNvPr id="293" name="CustomShape 2"/>
           <p:cNvSpPr/>
           <p:nvPr/>
         </p:nvSpPr>
         <p:spPr>
           <a:xfrm>
             <a:off x="457560" y="116640"/>
-            <a:ext cx="8228880" cy="461880"/>
+            <a:ext cx="8228520" cy="461520"/>
           </a:xfrm>
           <a:prstGeom prst="rect">
             <a:avLst/>
@@ -3445,12 +3446,13 @@
             <a:r>
               <a:rPr b="0" lang="fr-FR" sz="3600" spc="-1" strike="noStrike" u="sng">
                 <a:solidFill>
-                  <a:srgbClr val="007635"/>
+                  <a:srgbClr val="182f7c"/>
                 </a:solidFill>
                 <a:uFillTx/>
                 <a:latin typeface="Calibri"/>
-              </a:rPr>
-              <a:t>Kubernates : cluster de conteneurs "docker" (à partir de 2017)</a:t>
+                <a:ea typeface="DejaVu Sans"/>
+              </a:rPr>
+              <a:t>Notion de micro-conteneur (docker)</a:t>
             </a:r>
             <a:endParaRPr b="0" lang="fr-FR" sz="3600" spc="-1" strike="noStrike">
               <a:latin typeface="Arial"/>
@@ -3509,14 +3511,14 @@
       </p:grpSpPr>
       <p:sp>
         <p:nvSpPr>
-          <p:cNvPr id="175" name="CustomShape 1"/>
+          <p:cNvPr id="294" name="CustomShape 1"/>
           <p:cNvSpPr/>
           <p:nvPr/>
         </p:nvSpPr>
         <p:spPr>
           <a:xfrm>
             <a:off x="685800" y="2130480"/>
-            <a:ext cx="7773120" cy="2233080"/>
+            <a:ext cx="7772760" cy="2232720"/>
           </a:xfrm>
           <a:prstGeom prst="rect">
             <a:avLst/>
@@ -3535,14 +3537,14 @@
       </p:sp>
       <p:sp>
         <p:nvSpPr>
-          <p:cNvPr id="176" name="CustomShape 2"/>
+          <p:cNvPr id="295" name="CustomShape 2"/>
           <p:cNvSpPr/>
           <p:nvPr/>
         </p:nvSpPr>
         <p:spPr>
           <a:xfrm>
             <a:off x="457560" y="116640"/>
-            <a:ext cx="8228880" cy="461880"/>
+            <a:ext cx="8228520" cy="461520"/>
           </a:xfrm>
           <a:prstGeom prst="rect">
             <a:avLst/>
@@ -3575,8 +3577,9 @@
                 </a:solidFill>
                 <a:uFillTx/>
                 <a:latin typeface="Calibri"/>
-              </a:rPr>
-              <a:t>Kubernates + istio (sidecar) (à partir de 2019)</a:t>
+                <a:ea typeface="DejaVu Sans"/>
+              </a:rPr>
+              <a:t>Kubernates : cluster de conteneurs "docker" (récent)</a:t>
             </a:r>
             <a:endParaRPr b="0" lang="fr-FR" sz="3600" spc="-1" strike="noStrike">
               <a:latin typeface="Arial"/>
@@ -3593,6 +3596,133 @@
           <p:childTnLst>
             <p:seq>
               <p:cTn id="22" nodeType="mainSeq"/>
+              <p:prevCondLst>
+                <p:cond delay="0" evt="onPrev">
+                  <p:tgtEl>
+                    <p:sldTgt/>
+                  </p:tgtEl>
+                </p:cond>
+              </p:prevCondLst>
+              <p:nextCondLst>
+                <p:cond delay="0" evt="onNext">
+                  <p:tgtEl>
+                    <p:sldTgt/>
+                  </p:tgtEl>
+                </p:cond>
+              </p:nextCondLst>
+            </p:seq>
+          </p:childTnLst>
+        </p:cTn>
+      </p:par>
+    </p:tnLst>
+  </p:timing>
+</p:sld>
+</file>
+
+<file path=ppt/slides/slide12.xml><?xml version="1.0" encoding="utf-8"?>
+<p:sld xmlns:a="http://schemas.openxmlformats.org/drawingml/2006/main" xmlns:p="http://schemas.openxmlformats.org/presentationml/2006/main" xmlns:r="http://schemas.openxmlformats.org/officeDocument/2006/relationships" xmlns:p14="http://schemas.microsoft.com/office/powerpoint/2010/main" xmlns:p15="http://schemas.microsoft.com/office/powerpoint/2012/main" xmlns:mc="http://schemas.openxmlformats.org/markup-compatibility/2006">
+  <p:cSld>
+    <p:spTree>
+      <p:nvGrpSpPr>
+        <p:cNvPr id="1" name=""/>
+        <p:cNvGrpSpPr/>
+        <p:nvPr/>
+      </p:nvGrpSpPr>
+      <p:grpSpPr>
+        <a:xfrm>
+          <a:off x="0" y="0"/>
+          <a:ext cx="0" cy="0"/>
+          <a:chOff x="0" y="0"/>
+          <a:chExt cx="0" cy="0"/>
+        </a:xfrm>
+      </p:grpSpPr>
+      <p:sp>
+        <p:nvSpPr>
+          <p:cNvPr id="296" name="CustomShape 1"/>
+          <p:cNvSpPr/>
+          <p:nvPr/>
+        </p:nvSpPr>
+        <p:spPr>
+          <a:xfrm>
+            <a:off x="685800" y="2130480"/>
+            <a:ext cx="7772760" cy="2232720"/>
+          </a:xfrm>
+          <a:prstGeom prst="rect">
+            <a:avLst/>
+          </a:prstGeom>
+          <a:noFill/>
+          <a:ln>
+            <a:noFill/>
+          </a:ln>
+        </p:spPr>
+        <p:style>
+          <a:lnRef idx="0"/>
+          <a:fillRef idx="0"/>
+          <a:effectRef idx="0"/>
+          <a:fontRef idx="minor"/>
+        </p:style>
+      </p:sp>
+      <p:sp>
+        <p:nvSpPr>
+          <p:cNvPr id="297" name="CustomShape 2"/>
+          <p:cNvSpPr/>
+          <p:nvPr/>
+        </p:nvSpPr>
+        <p:spPr>
+          <a:xfrm>
+            <a:off x="457560" y="116640"/>
+            <a:ext cx="8228520" cy="461520"/>
+          </a:xfrm>
+          <a:prstGeom prst="rect">
+            <a:avLst/>
+          </a:prstGeom>
+          <a:noFill/>
+          <a:ln>
+            <a:noFill/>
+          </a:ln>
+        </p:spPr>
+        <p:style>
+          <a:lnRef idx="0"/>
+          <a:fillRef idx="0"/>
+          <a:effectRef idx="0"/>
+          <a:fontRef idx="minor"/>
+        </p:style>
+        <p:txBody>
+          <a:bodyPr lIns="90000" rIns="90000" tIns="45000" bIns="45000" anchor="ctr">
+            <a:normAutofit/>
+          </a:bodyPr>
+          <a:p>
+            <a:pPr algn="ctr">
+              <a:lnSpc>
+                <a:spcPct val="100000"/>
+              </a:lnSpc>
+            </a:pPr>
+            <a:r>
+              <a:rPr b="0" lang="fr-FR" sz="3600" spc="-1" strike="noStrike" u="sng">
+                <a:solidFill>
+                  <a:srgbClr val="007635"/>
+                </a:solidFill>
+                <a:uFillTx/>
+                <a:latin typeface="Calibri"/>
+                <a:ea typeface="DejaVu Sans"/>
+              </a:rPr>
+              <a:t>Kubernates + istio (sidecar) (plus récent encore)</a:t>
+            </a:r>
+            <a:endParaRPr b="0" lang="fr-FR" sz="3600" spc="-1" strike="noStrike">
+              <a:latin typeface="Arial"/>
+            </a:endParaRPr>
+          </a:p>
+        </p:txBody>
+      </p:sp>
+    </p:spTree>
+  </p:cSld>
+  <p:timing>
+    <p:tnLst>
+      <p:par>
+        <p:cTn id="23" dur="indefinite" restart="never" nodeType="tmRoot">
+          <p:childTnLst>
+            <p:seq>
+              <p:cTn id="24" nodeType="mainSeq"/>
               <p:prevCondLst>
                 <p:cond delay="0" evt="onPrev">
                   <p:tgtEl>
@@ -3642,7 +3772,7 @@
         <p:spPr>
           <a:xfrm>
             <a:off x="3990960" y="1292040"/>
-            <a:ext cx="2308320" cy="4305960"/>
+            <a:ext cx="2307960" cy="4305600"/>
           </a:xfrm>
           <a:prstGeom prst="roundRect">
             <a:avLst>
@@ -3681,7 +3811,7 @@
         <p:spPr>
           <a:xfrm>
             <a:off x="457200" y="116640"/>
-            <a:ext cx="8228880" cy="461880"/>
+            <a:ext cx="8228520" cy="461520"/>
           </a:xfrm>
           <a:prstGeom prst="rect">
             <a:avLst/>
@@ -3714,6 +3844,7 @@
                 </a:solidFill>
                 <a:uFillTx/>
                 <a:latin typeface="Calibri"/>
+                <a:ea typeface="DejaVu Sans"/>
               </a:rPr>
               <a:t>DMZ + Serveur d'applications (200x)</a:t>
             </a:r>
@@ -3732,7 +3863,7 @@
         <p:spPr>
           <a:xfrm>
             <a:off x="6601320" y="1532520"/>
-            <a:ext cx="1920960" cy="1054080"/>
+            <a:ext cx="1920600" cy="1053720"/>
           </a:xfrm>
           <a:prstGeom prst="roundRect">
             <a:avLst>
@@ -3795,7 +3926,7 @@
         <p:spPr>
           <a:xfrm>
             <a:off x="1513800" y="6093360"/>
-            <a:ext cx="5898600" cy="638640"/>
+            <a:ext cx="5898240" cy="638280"/>
           </a:xfrm>
           <a:prstGeom prst="rect">
             <a:avLst/>
@@ -3905,7 +4036,7 @@
         <p:spPr>
           <a:xfrm>
             <a:off x="6626880" y="3149640"/>
-            <a:ext cx="1946520" cy="968760"/>
+            <a:ext cx="1946160" cy="968400"/>
           </a:xfrm>
           <a:prstGeom prst="roundRect">
             <a:avLst>
@@ -3968,7 +4099,7 @@
         <p:spPr>
           <a:xfrm>
             <a:off x="4140000" y="1551960"/>
-            <a:ext cx="1933560" cy="1439280"/>
+            <a:ext cx="1933200" cy="1438920"/>
           </a:xfrm>
           <a:prstGeom prst="roundRect">
             <a:avLst>
@@ -4031,7 +4162,7 @@
         <p:spPr>
           <a:xfrm>
             <a:off x="4149720" y="3861000"/>
-            <a:ext cx="1933560" cy="1439280"/>
+            <a:ext cx="1933200" cy="1438920"/>
           </a:xfrm>
           <a:prstGeom prst="roundRect">
             <a:avLst>
@@ -4094,7 +4225,7 @@
         <p:spPr>
           <a:xfrm>
             <a:off x="1331640" y="2565000"/>
-            <a:ext cx="1933560" cy="2233080"/>
+            <a:ext cx="1933200" cy="2232720"/>
           </a:xfrm>
           <a:prstGeom prst="roundRect">
             <a:avLst>
@@ -4157,7 +4288,7 @@
         <p:spPr>
           <a:xfrm>
             <a:off x="6871680" y="1893960"/>
-            <a:ext cx="559080" cy="495000"/>
+            <a:ext cx="558720" cy="494640"/>
           </a:xfrm>
           <a:prstGeom prst="can">
             <a:avLst>
@@ -4200,7 +4331,7 @@
         <p:spPr>
           <a:xfrm>
             <a:off x="6823800" y="3387240"/>
-            <a:ext cx="559080" cy="495000"/>
+            <a:ext cx="558720" cy="494640"/>
           </a:xfrm>
           <a:prstGeom prst="can">
             <a:avLst>
@@ -4243,7 +4374,7 @@
         <p:spPr>
           <a:xfrm>
             <a:off x="7480080" y="2142000"/>
-            <a:ext cx="723240" cy="364320"/>
+            <a:ext cx="722880" cy="363960"/>
           </a:xfrm>
           <a:prstGeom prst="rect">
             <a:avLst/>
@@ -4292,7 +4423,7 @@
         <p:spPr>
           <a:xfrm>
             <a:off x="7437600" y="3623040"/>
-            <a:ext cx="1096560" cy="364320"/>
+            <a:ext cx="1096200" cy="363960"/>
           </a:xfrm>
           <a:prstGeom prst="rect">
             <a:avLst/>
@@ -4341,7 +4472,7 @@
         <p:spPr>
           <a:xfrm>
             <a:off x="4385160" y="4300920"/>
-            <a:ext cx="1583280" cy="913680"/>
+            <a:ext cx="1582920" cy="913320"/>
           </a:xfrm>
           <a:prstGeom prst="rect">
             <a:avLst/>
@@ -4416,7 +4547,7 @@
         <p:spPr>
           <a:xfrm>
             <a:off x="4356000" y="2004840"/>
-            <a:ext cx="1583280" cy="775440"/>
+            <a:ext cx="1582920" cy="775080"/>
           </a:xfrm>
           <a:prstGeom prst="rect">
             <a:avLst/>
@@ -4491,7 +4622,7 @@
         <p:spPr>
           <a:xfrm>
             <a:off x="1547640" y="3204720"/>
-            <a:ext cx="1192320" cy="913680"/>
+            <a:ext cx="1191960" cy="913320"/>
           </a:xfrm>
           <a:prstGeom prst="rect">
             <a:avLst/>
@@ -4555,7 +4686,7 @@
         <p:spPr>
           <a:xfrm>
             <a:off x="2066760" y="3985560"/>
-            <a:ext cx="1347120" cy="627480"/>
+            <a:ext cx="1346760" cy="627120"/>
           </a:xfrm>
           <a:prstGeom prst="ellipse">
             <a:avLst/>
@@ -4639,7 +4770,7 @@
         <p:spPr>
           <a:xfrm>
             <a:off x="351360" y="1154880"/>
-            <a:ext cx="1192320" cy="913680"/>
+            <a:ext cx="1191960" cy="913320"/>
           </a:xfrm>
           <a:prstGeom prst="rect">
             <a:avLst/>
@@ -4714,7 +4845,7 @@
         <p:spPr>
           <a:xfrm>
             <a:off x="426600" y="1268640"/>
-            <a:ext cx="1192320" cy="913680"/>
+            <a:ext cx="1191960" cy="913320"/>
           </a:xfrm>
           <a:prstGeom prst="rect">
             <a:avLst/>
@@ -4789,7 +4920,7 @@
         <p:spPr>
           <a:xfrm>
             <a:off x="498600" y="1412640"/>
-            <a:ext cx="1192320" cy="913680"/>
+            <a:ext cx="1191960" cy="913320"/>
           </a:xfrm>
           <a:prstGeom prst="rect">
             <a:avLst/>
@@ -4864,7 +4995,7 @@
         <p:spPr>
           <a:xfrm>
             <a:off x="318600" y="338760"/>
-            <a:ext cx="359280" cy="359280"/>
+            <a:ext cx="358920" cy="358920"/>
           </a:xfrm>
           <a:prstGeom prst="smileyFace">
             <a:avLst>
@@ -4907,7 +5038,7 @@
         <p:spPr>
           <a:xfrm>
             <a:off x="318600" y="737280"/>
-            <a:ext cx="359280" cy="401760"/>
+            <a:ext cx="358920" cy="401400"/>
           </a:xfrm>
           <a:prstGeom prst="heart">
             <a:avLst/>
@@ -4948,7 +5079,7 @@
         <p:spPr>
           <a:xfrm>
             <a:off x="470880" y="491040"/>
-            <a:ext cx="359280" cy="359280"/>
+            <a:ext cx="358920" cy="358920"/>
           </a:xfrm>
           <a:prstGeom prst="smileyFace">
             <a:avLst>
@@ -4991,7 +5122,7 @@
         <p:spPr>
           <a:xfrm>
             <a:off x="470880" y="889560"/>
-            <a:ext cx="359280" cy="401760"/>
+            <a:ext cx="358920" cy="401400"/>
           </a:xfrm>
           <a:prstGeom prst="heart">
             <a:avLst/>
@@ -5032,7 +5163,7 @@
         <p:spPr>
           <a:xfrm>
             <a:off x="623520" y="643320"/>
-            <a:ext cx="359280" cy="359280"/>
+            <a:ext cx="358920" cy="358920"/>
           </a:xfrm>
           <a:prstGeom prst="smileyFace">
             <a:avLst>
@@ -5075,7 +5206,7 @@
         <p:spPr>
           <a:xfrm>
             <a:off x="623520" y="1041840"/>
-            <a:ext cx="359280" cy="401760"/>
+            <a:ext cx="358920" cy="401400"/>
           </a:xfrm>
           <a:prstGeom prst="heart">
             <a:avLst/>
@@ -5116,7 +5247,7 @@
         <p:spPr>
           <a:xfrm>
             <a:off x="4717800" y="3223080"/>
-            <a:ext cx="339120" cy="364320"/>
+            <a:ext cx="338760" cy="363960"/>
           </a:xfrm>
           <a:prstGeom prst="rect">
             <a:avLst/>
@@ -5165,7 +5296,7 @@
         <p:spPr>
           <a:xfrm>
             <a:off x="913320" y="2781000"/>
-            <a:ext cx="218880" cy="2375640"/>
+            <a:ext cx="218520" cy="2375280"/>
           </a:xfrm>
           <a:prstGeom prst="rect">
             <a:avLst/>
@@ -5206,7 +5337,7 @@
         <p:spPr>
           <a:xfrm>
             <a:off x="3564000" y="2715120"/>
-            <a:ext cx="218880" cy="2447640"/>
+            <a:ext cx="218520" cy="2447280"/>
           </a:xfrm>
           <a:prstGeom prst="rect">
             <a:avLst/>
@@ -5247,7 +5378,7 @@
         <p:spPr>
           <a:xfrm>
             <a:off x="628560" y="5229360"/>
-            <a:ext cx="796320" cy="333360"/>
+            <a:ext cx="795960" cy="333000"/>
           </a:xfrm>
           <a:prstGeom prst="rect">
             <a:avLst/>
@@ -5296,7 +5427,7 @@
         <p:spPr>
           <a:xfrm>
             <a:off x="3193920" y="5250600"/>
-            <a:ext cx="796320" cy="333360"/>
+            <a:ext cx="795960" cy="333000"/>
           </a:xfrm>
           <a:prstGeom prst="rect">
             <a:avLst/>
@@ -5344,8 +5475,8 @@
         </p:nvSpPr>
         <p:spPr>
           <a:xfrm flipV="1">
-            <a:off x="498600" y="3622680"/>
-            <a:ext cx="1048320" cy="19080"/>
+            <a:off x="498600" y="3603960"/>
+            <a:ext cx="1047960" cy="18720"/>
           </a:xfrm>
           <a:custGeom>
             <a:avLst/>
@@ -5393,8 +5524,8 @@
         </p:nvSpPr>
         <p:spPr>
           <a:xfrm flipV="1">
-            <a:off x="510120" y="3755160"/>
-            <a:ext cx="1048320" cy="19080"/>
+            <a:off x="510120" y="3736440"/>
+            <a:ext cx="1047960" cy="18720"/>
           </a:xfrm>
           <a:custGeom>
             <a:avLst/>
@@ -5442,8 +5573,8 @@
         </p:nvSpPr>
         <p:spPr>
           <a:xfrm flipV="1">
-            <a:off x="538200" y="3893760"/>
-            <a:ext cx="1048320" cy="19080"/>
+            <a:off x="538200" y="3875040"/>
+            <a:ext cx="1047960" cy="18720"/>
           </a:xfrm>
           <a:custGeom>
             <a:avLst/>
@@ -5593,8 +5724,8 @@
         </p:nvSpPr>
         <p:spPr>
           <a:xfrm flipV="1">
-            <a:off x="3060000" y="105120"/>
-            <a:ext cx="1376280" cy="1337400"/>
+            <a:off x="3265920" y="1274400"/>
+            <a:ext cx="1449000" cy="710280"/>
           </a:xfrm>
           <a:custGeom>
             <a:avLst/>
@@ -5641,9 +5772,9 @@
           <p:nvPr/>
         </p:nvSpPr>
         <p:spPr>
-          <a:xfrm flipV="1">
-            <a:off x="3265920" y="1985400"/>
-            <a:ext cx="1449360" cy="710640"/>
+          <a:xfrm>
+            <a:off x="3414600" y="4299480"/>
+            <a:ext cx="734040" cy="280440"/>
           </a:xfrm>
           <a:custGeom>
             <a:avLst/>
@@ -5691,8 +5822,204 @@
         </p:nvSpPr>
         <p:spPr>
           <a:xfrm>
-            <a:off x="3414600" y="4299480"/>
-            <a:ext cx="734400" cy="280800"/>
+            <a:off x="190080" y="4236120"/>
+            <a:ext cx="734040" cy="63720"/>
+          </a:xfrm>
+          <a:custGeom>
+            <a:avLst/>
+            <a:gdLst/>
+            <a:ahLst/>
+            <a:rect l="l" t="t" r="r" b="b"/>
+            <a:pathLst>
+              <a:path w="21600" h="21600">
+                <a:moveTo>
+                  <a:pt x="0" y="0"/>
+                </a:moveTo>
+                <a:lnTo>
+                  <a:pt x="21600" y="21600"/>
+                </a:lnTo>
+              </a:path>
+            </a:pathLst>
+          </a:custGeom>
+          <a:noFill/>
+          <a:ln w="19080">
+            <a:solidFill>
+              <a:srgbClr val="c00000"/>
+            </a:solidFill>
+            <a:round/>
+            <a:tailEnd len="med" type="triangle" w="med"/>
+          </a:ln>
+        </p:spPr>
+        <p:style>
+          <a:lnRef idx="1">
+            <a:schemeClr val="accent1"/>
+          </a:lnRef>
+          <a:fillRef idx="0">
+            <a:schemeClr val="accent1"/>
+          </a:fillRef>
+          <a:effectRef idx="0">
+            <a:schemeClr val="accent1"/>
+          </a:effectRef>
+          <a:fontRef idx="minor"/>
+        </p:style>
+      </p:sp>
+      <p:sp>
+        <p:nvSpPr>
+          <p:cNvPr id="116" name="CustomShape 40"/>
+          <p:cNvSpPr/>
+          <p:nvPr/>
+        </p:nvSpPr>
+        <p:spPr>
+          <a:xfrm>
+            <a:off x="202680" y="4377960"/>
+            <a:ext cx="734040" cy="63720"/>
+          </a:xfrm>
+          <a:custGeom>
+            <a:avLst/>
+            <a:gdLst/>
+            <a:ahLst/>
+            <a:rect l="l" t="t" r="r" b="b"/>
+            <a:pathLst>
+              <a:path w="21600" h="21600">
+                <a:moveTo>
+                  <a:pt x="0" y="0"/>
+                </a:moveTo>
+                <a:lnTo>
+                  <a:pt x="21600" y="21600"/>
+                </a:lnTo>
+              </a:path>
+            </a:pathLst>
+          </a:custGeom>
+          <a:noFill/>
+          <a:ln w="19080">
+            <a:solidFill>
+              <a:srgbClr val="c00000"/>
+            </a:solidFill>
+            <a:round/>
+            <a:tailEnd len="med" type="triangle" w="med"/>
+          </a:ln>
+        </p:spPr>
+        <p:style>
+          <a:lnRef idx="1">
+            <a:schemeClr val="accent1"/>
+          </a:lnRef>
+          <a:fillRef idx="0">
+            <a:schemeClr val="accent1"/>
+          </a:fillRef>
+          <a:effectRef idx="0">
+            <a:schemeClr val="accent1"/>
+          </a:effectRef>
+          <a:fontRef idx="minor"/>
+        </p:style>
+      </p:sp>
+      <p:sp>
+        <p:nvSpPr>
+          <p:cNvPr id="117" name="CustomShape 41"/>
+          <p:cNvSpPr/>
+          <p:nvPr/>
+        </p:nvSpPr>
+        <p:spPr>
+          <a:xfrm>
+            <a:off x="202320" y="4613400"/>
+            <a:ext cx="734040" cy="63720"/>
+          </a:xfrm>
+          <a:custGeom>
+            <a:avLst/>
+            <a:gdLst/>
+            <a:ahLst/>
+            <a:rect l="l" t="t" r="r" b="b"/>
+            <a:pathLst>
+              <a:path w="21600" h="21600">
+                <a:moveTo>
+                  <a:pt x="0" y="0"/>
+                </a:moveTo>
+                <a:lnTo>
+                  <a:pt x="21600" y="21600"/>
+                </a:lnTo>
+              </a:path>
+            </a:pathLst>
+          </a:custGeom>
+          <a:noFill/>
+          <a:ln w="19080">
+            <a:solidFill>
+              <a:srgbClr val="c00000"/>
+            </a:solidFill>
+            <a:round/>
+            <a:tailEnd len="med" type="triangle" w="med"/>
+          </a:ln>
+        </p:spPr>
+        <p:style>
+          <a:lnRef idx="1">
+            <a:schemeClr val="accent1"/>
+          </a:lnRef>
+          <a:fillRef idx="0">
+            <a:schemeClr val="accent1"/>
+          </a:fillRef>
+          <a:effectRef idx="0">
+            <a:schemeClr val="accent1"/>
+          </a:effectRef>
+          <a:fontRef idx="minor"/>
+        </p:style>
+      </p:sp>
+      <p:sp>
+        <p:nvSpPr>
+          <p:cNvPr id="118" name="CustomShape 42"/>
+          <p:cNvSpPr/>
+          <p:nvPr/>
+        </p:nvSpPr>
+        <p:spPr>
+          <a:xfrm>
+            <a:off x="2740680" y="2316960"/>
+            <a:ext cx="842760" cy="448200"/>
+          </a:xfrm>
+          <a:custGeom>
+            <a:avLst/>
+            <a:gdLst/>
+            <a:ahLst/>
+            <a:rect l="l" t="t" r="r" b="b"/>
+            <a:pathLst>
+              <a:path w="21600" h="21600">
+                <a:moveTo>
+                  <a:pt x="0" y="0"/>
+                </a:moveTo>
+                <a:lnTo>
+                  <a:pt x="21600" y="21600"/>
+                </a:lnTo>
+              </a:path>
+            </a:pathLst>
+          </a:custGeom>
+          <a:noFill/>
+          <a:ln w="19080">
+            <a:solidFill>
+              <a:srgbClr val="c00000"/>
+            </a:solidFill>
+            <a:round/>
+            <a:tailEnd len="med" type="triangle" w="med"/>
+          </a:ln>
+        </p:spPr>
+        <p:style>
+          <a:lnRef idx="1">
+            <a:schemeClr val="accent1"/>
+          </a:lnRef>
+          <a:fillRef idx="0">
+            <a:schemeClr val="accent1"/>
+          </a:fillRef>
+          <a:effectRef idx="0">
+            <a:schemeClr val="accent1"/>
+          </a:effectRef>
+          <a:fontRef idx="minor"/>
+        </p:style>
+      </p:sp>
+      <p:sp>
+        <p:nvSpPr>
+          <p:cNvPr id="119" name="CustomShape 43"/>
+          <p:cNvSpPr/>
+          <p:nvPr/>
+        </p:nvSpPr>
+        <p:spPr>
+          <a:xfrm flipV="1">
+            <a:off x="5891760" y="1872360"/>
+            <a:ext cx="978840" cy="89280"/>
           </a:xfrm>
           <a:custGeom>
             <a:avLst/>
@@ -5734,210 +6061,14 @@
       </p:sp>
       <p:sp>
         <p:nvSpPr>
-          <p:cNvPr id="116" name="CustomShape 40"/>
-          <p:cNvSpPr/>
-          <p:nvPr/>
-        </p:nvSpPr>
-        <p:spPr>
-          <a:xfrm>
-            <a:off x="190080" y="4236120"/>
-            <a:ext cx="734400" cy="64080"/>
-          </a:xfrm>
-          <a:custGeom>
-            <a:avLst/>
-            <a:gdLst/>
-            <a:ahLst/>
-            <a:rect l="l" t="t" r="r" b="b"/>
-            <a:pathLst>
-              <a:path w="21600" h="21600">
-                <a:moveTo>
-                  <a:pt x="0" y="0"/>
-                </a:moveTo>
-                <a:lnTo>
-                  <a:pt x="21600" y="21600"/>
-                </a:lnTo>
-              </a:path>
-            </a:pathLst>
-          </a:custGeom>
-          <a:noFill/>
-          <a:ln w="19080">
-            <a:solidFill>
-              <a:srgbClr val="c00000"/>
-            </a:solidFill>
-            <a:round/>
-            <a:tailEnd len="med" type="triangle" w="med"/>
-          </a:ln>
-        </p:spPr>
-        <p:style>
-          <a:lnRef idx="1">
-            <a:schemeClr val="accent1"/>
-          </a:lnRef>
-          <a:fillRef idx="0">
-            <a:schemeClr val="accent1"/>
-          </a:fillRef>
-          <a:effectRef idx="0">
-            <a:schemeClr val="accent1"/>
-          </a:effectRef>
-          <a:fontRef idx="minor"/>
-        </p:style>
-      </p:sp>
-      <p:sp>
-        <p:nvSpPr>
-          <p:cNvPr id="117" name="CustomShape 41"/>
-          <p:cNvSpPr/>
-          <p:nvPr/>
-        </p:nvSpPr>
-        <p:spPr>
-          <a:xfrm>
-            <a:off x="202680" y="4377960"/>
-            <a:ext cx="734400" cy="64080"/>
-          </a:xfrm>
-          <a:custGeom>
-            <a:avLst/>
-            <a:gdLst/>
-            <a:ahLst/>
-            <a:rect l="l" t="t" r="r" b="b"/>
-            <a:pathLst>
-              <a:path w="21600" h="21600">
-                <a:moveTo>
-                  <a:pt x="0" y="0"/>
-                </a:moveTo>
-                <a:lnTo>
-                  <a:pt x="21600" y="21600"/>
-                </a:lnTo>
-              </a:path>
-            </a:pathLst>
-          </a:custGeom>
-          <a:noFill/>
-          <a:ln w="19080">
-            <a:solidFill>
-              <a:srgbClr val="c00000"/>
-            </a:solidFill>
-            <a:round/>
-            <a:tailEnd len="med" type="triangle" w="med"/>
-          </a:ln>
-        </p:spPr>
-        <p:style>
-          <a:lnRef idx="1">
-            <a:schemeClr val="accent1"/>
-          </a:lnRef>
-          <a:fillRef idx="0">
-            <a:schemeClr val="accent1"/>
-          </a:fillRef>
-          <a:effectRef idx="0">
-            <a:schemeClr val="accent1"/>
-          </a:effectRef>
-          <a:fontRef idx="minor"/>
-        </p:style>
-      </p:sp>
-      <p:sp>
-        <p:nvSpPr>
-          <p:cNvPr id="118" name="CustomShape 42"/>
-          <p:cNvSpPr/>
-          <p:nvPr/>
-        </p:nvSpPr>
-        <p:spPr>
-          <a:xfrm>
-            <a:off x="202320" y="4613400"/>
-            <a:ext cx="734400" cy="64080"/>
-          </a:xfrm>
-          <a:custGeom>
-            <a:avLst/>
-            <a:gdLst/>
-            <a:ahLst/>
-            <a:rect l="l" t="t" r="r" b="b"/>
-            <a:pathLst>
-              <a:path w="21600" h="21600">
-                <a:moveTo>
-                  <a:pt x="0" y="0"/>
-                </a:moveTo>
-                <a:lnTo>
-                  <a:pt x="21600" y="21600"/>
-                </a:lnTo>
-              </a:path>
-            </a:pathLst>
-          </a:custGeom>
-          <a:noFill/>
-          <a:ln w="19080">
-            <a:solidFill>
-              <a:srgbClr val="c00000"/>
-            </a:solidFill>
-            <a:round/>
-            <a:tailEnd len="med" type="triangle" w="med"/>
-          </a:ln>
-        </p:spPr>
-        <p:style>
-          <a:lnRef idx="1">
-            <a:schemeClr val="accent1"/>
-          </a:lnRef>
-          <a:fillRef idx="0">
-            <a:schemeClr val="accent1"/>
-          </a:fillRef>
-          <a:effectRef idx="0">
-            <a:schemeClr val="accent1"/>
-          </a:effectRef>
-          <a:fontRef idx="minor"/>
-        </p:style>
-      </p:sp>
-      <p:sp>
-        <p:nvSpPr>
-          <p:cNvPr id="119" name="CustomShape 43"/>
-          <p:cNvSpPr/>
-          <p:nvPr/>
-        </p:nvSpPr>
-        <p:spPr>
-          <a:xfrm>
-            <a:off x="2740680" y="2316960"/>
-            <a:ext cx="843120" cy="448560"/>
-          </a:xfrm>
-          <a:custGeom>
-            <a:avLst/>
-            <a:gdLst/>
-            <a:ahLst/>
-            <a:rect l="l" t="t" r="r" b="b"/>
-            <a:pathLst>
-              <a:path w="21600" h="21600">
-                <a:moveTo>
-                  <a:pt x="0" y="0"/>
-                </a:moveTo>
-                <a:lnTo>
-                  <a:pt x="21600" y="21600"/>
-                </a:lnTo>
-              </a:path>
-            </a:pathLst>
-          </a:custGeom>
-          <a:noFill/>
-          <a:ln w="19080">
-            <a:solidFill>
-              <a:srgbClr val="c00000"/>
-            </a:solidFill>
-            <a:round/>
-            <a:tailEnd len="med" type="triangle" w="med"/>
-          </a:ln>
-        </p:spPr>
-        <p:style>
-          <a:lnRef idx="1">
-            <a:schemeClr val="accent1"/>
-          </a:lnRef>
-          <a:fillRef idx="0">
-            <a:schemeClr val="accent1"/>
-          </a:fillRef>
-          <a:effectRef idx="0">
-            <a:schemeClr val="accent1"/>
-          </a:effectRef>
-          <a:fontRef idx="minor"/>
-        </p:style>
-      </p:sp>
-      <p:sp>
-        <p:nvSpPr>
           <p:cNvPr id="120" name="CustomShape 44"/>
           <p:cNvSpPr/>
           <p:nvPr/>
         </p:nvSpPr>
         <p:spPr>
           <a:xfrm flipV="1">
-            <a:off x="5891760" y="1961640"/>
-            <a:ext cx="979200" cy="89640"/>
+            <a:off x="5969160" y="1406520"/>
+            <a:ext cx="853560" cy="741960"/>
           </a:xfrm>
           <a:custGeom>
             <a:avLst/>
@@ -5984,9 +6115,136 @@
           <p:nvPr/>
         </p:nvSpPr>
         <p:spPr>
-          <a:xfrm flipV="1">
-            <a:off x="5954760" y="-967320"/>
-            <a:ext cx="930600" cy="1694880"/>
+          <a:xfrm>
+            <a:off x="6626880" y="4377960"/>
+            <a:ext cx="1913040" cy="1219320"/>
+          </a:xfrm>
+          <a:prstGeom prst="roundRect">
+            <a:avLst>
+              <a:gd name="adj" fmla="val 16667"/>
+            </a:avLst>
+          </a:prstGeom>
+          <a:ln>
+            <a:round/>
+          </a:ln>
+          <a:effectLst>
+            <a:outerShdw blurRad="40000" dir="5400000" dist="20000" rotWithShape="0">
+              <a:srgbClr val="000000">
+                <a:alpha val="38000"/>
+              </a:srgbClr>
+            </a:outerShdw>
+          </a:effectLst>
+        </p:spPr>
+        <p:style>
+          <a:lnRef idx="1">
+            <a:schemeClr val="dk1"/>
+          </a:lnRef>
+          <a:fillRef idx="2">
+            <a:schemeClr val="dk1"/>
+          </a:fillRef>
+          <a:effectRef idx="1">
+            <a:schemeClr val="dk1"/>
+          </a:effectRef>
+          <a:fontRef idx="minor"/>
+        </p:style>
+        <p:txBody>
+          <a:bodyPr lIns="90000" rIns="90000" tIns="45000" bIns="45000"/>
+          <a:p>
+            <a:pPr algn="ctr">
+              <a:lnSpc>
+                <a:spcPct val="100000"/>
+              </a:lnSpc>
+            </a:pPr>
+            <a:r>
+              <a:rPr b="0" lang="fr-FR" sz="1800" spc="-1" strike="noStrike">
+                <a:solidFill>
+                  <a:srgbClr val="000000"/>
+                </a:solidFill>
+                <a:latin typeface="Calibri"/>
+                <a:ea typeface="DejaVu Sans"/>
+              </a:rPr>
+              <a:t>(*)</a:t>
+            </a:r>
+            <a:endParaRPr b="0" lang="fr-FR" sz="1800" spc="-1" strike="noStrike">
+              <a:latin typeface="Arial"/>
+            </a:endParaRPr>
+          </a:p>
+        </p:txBody>
+      </p:sp>
+      <p:sp>
+        <p:nvSpPr>
+          <p:cNvPr id="122" name="CustomShape 46"/>
+          <p:cNvSpPr/>
+          <p:nvPr/>
+        </p:nvSpPr>
+        <p:spPr>
+          <a:xfrm>
+            <a:off x="6711840" y="4797000"/>
+            <a:ext cx="1603440" cy="646920"/>
+          </a:xfrm>
+          <a:prstGeom prst="rect">
+            <a:avLst/>
+          </a:prstGeom>
+          <a:ln>
+            <a:solidFill>
+              <a:srgbClr val="f59240"/>
+            </a:solidFill>
+            <a:round/>
+          </a:ln>
+          <a:effectLst>
+            <a:outerShdw blurRad="40000" dir="5400000" dist="20000" rotWithShape="0">
+              <a:srgbClr val="000000">
+                <a:alpha val="38000"/>
+              </a:srgbClr>
+            </a:outerShdw>
+          </a:effectLst>
+        </p:spPr>
+        <p:style>
+          <a:lnRef idx="1">
+            <a:schemeClr val="accent6"/>
+          </a:lnRef>
+          <a:fillRef idx="2">
+            <a:schemeClr val="accent6"/>
+          </a:fillRef>
+          <a:effectRef idx="1">
+            <a:schemeClr val="accent6"/>
+          </a:effectRef>
+          <a:fontRef idx="minor"/>
+        </p:style>
+        <p:txBody>
+          <a:bodyPr lIns="90000" rIns="90000" tIns="45000" bIns="45000" anchor="ctr"/>
+          <a:p>
+            <a:pPr algn="ctr">
+              <a:lnSpc>
+                <a:spcPct val="100000"/>
+              </a:lnSpc>
+            </a:pPr>
+            <a:r>
+              <a:rPr b="0" lang="fr-FR" sz="1800" spc="-1" strike="noStrike">
+                <a:solidFill>
+                  <a:srgbClr val="000000"/>
+                </a:solidFill>
+                <a:latin typeface="Calibri"/>
+                <a:ea typeface="DejaVu Sans"/>
+              </a:rPr>
+              <a:t>Routeur SMTP (envoi email)</a:t>
+            </a:r>
+            <a:endParaRPr b="0" lang="fr-FR" sz="1800" spc="-1" strike="noStrike">
+              <a:latin typeface="Arial"/>
+            </a:endParaRPr>
+          </a:p>
+        </p:txBody>
+      </p:sp>
+      <p:sp>
+        <p:nvSpPr>
+          <p:cNvPr id="123" name="CustomShape 47"/>
+          <p:cNvSpPr/>
+          <p:nvPr/>
+        </p:nvSpPr>
+        <p:spPr>
+          <a:xfrm>
+            <a:off x="5969160" y="4581000"/>
+            <a:ext cx="853560" cy="406080"/>
           </a:xfrm>
           <a:custGeom>
             <a:avLst/>
@@ -6028,239 +6286,14 @@
       </p:sp>
       <p:sp>
         <p:nvSpPr>
-          <p:cNvPr id="122" name="CustomShape 46"/>
-          <p:cNvSpPr/>
-          <p:nvPr/>
-        </p:nvSpPr>
-        <p:spPr>
-          <a:xfrm flipV="1">
-            <a:off x="5969160" y="2149200"/>
-            <a:ext cx="853920" cy="742320"/>
-          </a:xfrm>
-          <a:custGeom>
-            <a:avLst/>
-            <a:gdLst/>
-            <a:ahLst/>
-            <a:rect l="l" t="t" r="r" b="b"/>
-            <a:pathLst>
-              <a:path w="21600" h="21600">
-                <a:moveTo>
-                  <a:pt x="0" y="0"/>
-                </a:moveTo>
-                <a:lnTo>
-                  <a:pt x="21600" y="21600"/>
-                </a:lnTo>
-              </a:path>
-            </a:pathLst>
-          </a:custGeom>
-          <a:noFill/>
-          <a:ln w="19080">
-            <a:solidFill>
-              <a:schemeClr val="tx1"/>
-            </a:solidFill>
-            <a:round/>
-            <a:tailEnd len="med" type="triangle" w="med"/>
-          </a:ln>
-        </p:spPr>
-        <p:style>
-          <a:lnRef idx="1">
-            <a:schemeClr val="accent1"/>
-          </a:lnRef>
-          <a:fillRef idx="0">
-            <a:schemeClr val="accent1"/>
-          </a:fillRef>
-          <a:effectRef idx="0">
-            <a:schemeClr val="accent1"/>
-          </a:effectRef>
-          <a:fontRef idx="minor"/>
-        </p:style>
-      </p:sp>
-      <p:sp>
-        <p:nvSpPr>
-          <p:cNvPr id="123" name="CustomShape 47"/>
-          <p:cNvSpPr/>
-          <p:nvPr/>
-        </p:nvSpPr>
-        <p:spPr>
-          <a:xfrm>
-            <a:off x="6626880" y="4377960"/>
-            <a:ext cx="1913400" cy="1219680"/>
-          </a:xfrm>
-          <a:prstGeom prst="roundRect">
-            <a:avLst>
-              <a:gd name="adj" fmla="val 16667"/>
-            </a:avLst>
-          </a:prstGeom>
-          <a:ln>
-            <a:round/>
-          </a:ln>
-          <a:effectLst>
-            <a:outerShdw blurRad="40000" dir="5400000" dist="20000" rotWithShape="0">
-              <a:srgbClr val="000000">
-                <a:alpha val="38000"/>
-              </a:srgbClr>
-            </a:outerShdw>
-          </a:effectLst>
-        </p:spPr>
-        <p:style>
-          <a:lnRef idx="1">
-            <a:schemeClr val="dk1"/>
-          </a:lnRef>
-          <a:fillRef idx="2">
-            <a:schemeClr val="dk1"/>
-          </a:fillRef>
-          <a:effectRef idx="1">
-            <a:schemeClr val="dk1"/>
-          </a:effectRef>
-          <a:fontRef idx="minor"/>
-        </p:style>
-        <p:txBody>
-          <a:bodyPr lIns="90000" rIns="90000" tIns="45000" bIns="45000"/>
-          <a:p>
-            <a:pPr algn="ctr">
-              <a:lnSpc>
-                <a:spcPct val="100000"/>
-              </a:lnSpc>
-            </a:pPr>
-            <a:r>
-              <a:rPr b="0" lang="fr-FR" sz="1800" spc="-1" strike="noStrike">
-                <a:solidFill>
-                  <a:srgbClr val="000000"/>
-                </a:solidFill>
-                <a:latin typeface="Calibri"/>
-                <a:ea typeface="DejaVu Sans"/>
-              </a:rPr>
-              <a:t>(*)</a:t>
-            </a:r>
-            <a:endParaRPr b="0" lang="fr-FR" sz="1800" spc="-1" strike="noStrike">
-              <a:latin typeface="Arial"/>
-            </a:endParaRPr>
-          </a:p>
-        </p:txBody>
-      </p:sp>
-      <p:sp>
-        <p:nvSpPr>
           <p:cNvPr id="124" name="CustomShape 48"/>
           <p:cNvSpPr/>
           <p:nvPr/>
         </p:nvSpPr>
         <p:spPr>
           <a:xfrm>
-            <a:off x="6711840" y="4797000"/>
-            <a:ext cx="1603800" cy="647280"/>
-          </a:xfrm>
-          <a:prstGeom prst="rect">
-            <a:avLst/>
-          </a:prstGeom>
-          <a:ln>
-            <a:solidFill>
-              <a:srgbClr val="f59240"/>
-            </a:solidFill>
-            <a:round/>
-          </a:ln>
-          <a:effectLst>
-            <a:outerShdw blurRad="40000" dir="5400000" dist="20000" rotWithShape="0">
-              <a:srgbClr val="000000">
-                <a:alpha val="38000"/>
-              </a:srgbClr>
-            </a:outerShdw>
-          </a:effectLst>
-        </p:spPr>
-        <p:style>
-          <a:lnRef idx="1">
-            <a:schemeClr val="accent6"/>
-          </a:lnRef>
-          <a:fillRef idx="2">
-            <a:schemeClr val="accent6"/>
-          </a:fillRef>
-          <a:effectRef idx="1">
-            <a:schemeClr val="accent6"/>
-          </a:effectRef>
-          <a:fontRef idx="minor"/>
-        </p:style>
-        <p:txBody>
-          <a:bodyPr lIns="90000" rIns="90000" tIns="45000" bIns="45000" anchor="ctr"/>
-          <a:p>
-            <a:pPr algn="ctr">
-              <a:lnSpc>
-                <a:spcPct val="100000"/>
-              </a:lnSpc>
-            </a:pPr>
-            <a:r>
-              <a:rPr b="0" lang="fr-FR" sz="1800" spc="-1" strike="noStrike">
-                <a:solidFill>
-                  <a:srgbClr val="000000"/>
-                </a:solidFill>
-                <a:latin typeface="Calibri"/>
-                <a:ea typeface="DejaVu Sans"/>
-              </a:rPr>
-              <a:t>Routeur SMTP (envoi email)</a:t>
-            </a:r>
-            <a:endParaRPr b="0" lang="fr-FR" sz="1800" spc="-1" strike="noStrike">
-              <a:latin typeface="Arial"/>
-            </a:endParaRPr>
-          </a:p>
-        </p:txBody>
-      </p:sp>
-      <p:sp>
-        <p:nvSpPr>
-          <p:cNvPr id="125" name="CustomShape 49"/>
-          <p:cNvSpPr/>
-          <p:nvPr/>
-        </p:nvSpPr>
-        <p:spPr>
-          <a:xfrm>
-            <a:off x="5969160" y="4581000"/>
-            <a:ext cx="853920" cy="406440"/>
-          </a:xfrm>
-          <a:custGeom>
-            <a:avLst/>
-            <a:gdLst/>
-            <a:ahLst/>
-            <a:rect l="l" t="t" r="r" b="b"/>
-            <a:pathLst>
-              <a:path w="21600" h="21600">
-                <a:moveTo>
-                  <a:pt x="0" y="0"/>
-                </a:moveTo>
-                <a:lnTo>
-                  <a:pt x="21600" y="21600"/>
-                </a:lnTo>
-              </a:path>
-            </a:pathLst>
-          </a:custGeom>
-          <a:noFill/>
-          <a:ln w="19080">
-            <a:solidFill>
-              <a:schemeClr val="tx1"/>
-            </a:solidFill>
-            <a:round/>
-            <a:tailEnd len="med" type="triangle" w="med"/>
-          </a:ln>
-        </p:spPr>
-        <p:style>
-          <a:lnRef idx="1">
-            <a:schemeClr val="accent1"/>
-          </a:lnRef>
-          <a:fillRef idx="0">
-            <a:schemeClr val="accent1"/>
-          </a:fillRef>
-          <a:effectRef idx="0">
-            <a:schemeClr val="accent1"/>
-          </a:effectRef>
-          <a:fontRef idx="minor"/>
-        </p:style>
-      </p:sp>
-      <p:sp>
-        <p:nvSpPr>
-          <p:cNvPr id="126" name="CustomShape 50"/>
-          <p:cNvSpPr/>
-          <p:nvPr/>
-        </p:nvSpPr>
-        <p:spPr>
-          <a:xfrm>
             <a:off x="4166280" y="955080"/>
-            <a:ext cx="1966680" cy="364320"/>
+            <a:ext cx="1966320" cy="363960"/>
           </a:xfrm>
           <a:prstGeom prst="rect">
             <a:avLst/>
@@ -6302,14 +6335,14 @@
       </p:sp>
       <p:sp>
         <p:nvSpPr>
-          <p:cNvPr id="127" name="CustomShape 51"/>
+          <p:cNvPr id="125" name="CustomShape 49"/>
           <p:cNvSpPr/>
           <p:nvPr/>
         </p:nvSpPr>
         <p:spPr>
           <a:xfrm>
             <a:off x="1605600" y="4885560"/>
-            <a:ext cx="1561320" cy="820080"/>
+            <a:ext cx="1560960" cy="819720"/>
           </a:xfrm>
           <a:prstGeom prst="rect">
             <a:avLst/>
@@ -6450,14 +6483,14 @@
       </p:grpSpPr>
       <p:sp>
         <p:nvSpPr>
-          <p:cNvPr id="128" name="CustomShape 1"/>
+          <p:cNvPr id="126" name="CustomShape 1"/>
           <p:cNvSpPr/>
           <p:nvPr/>
         </p:nvSpPr>
         <p:spPr>
           <a:xfrm>
             <a:off x="685800" y="2130480"/>
-            <a:ext cx="7773120" cy="2233080"/>
+            <a:ext cx="7772760" cy="2232720"/>
           </a:xfrm>
           <a:prstGeom prst="rect">
             <a:avLst/>
@@ -6476,14 +6509,14 @@
       </p:sp>
       <p:sp>
         <p:nvSpPr>
-          <p:cNvPr id="129" name="CustomShape 2"/>
+          <p:cNvPr id="127" name="CustomShape 2"/>
           <p:cNvSpPr/>
           <p:nvPr/>
         </p:nvSpPr>
         <p:spPr>
           <a:xfrm>
             <a:off x="788760" y="288000"/>
-            <a:ext cx="6338880" cy="545760"/>
+            <a:ext cx="6338520" cy="545400"/>
           </a:xfrm>
           <a:prstGeom prst="rect">
             <a:avLst/>
@@ -6504,14 +6537,22 @@
           <a:p>
             <a:r>
               <a:rPr b="0" lang="fr-FR" sz="3200" spc="-1" strike="noStrike" u="sng">
+                <a:solidFill>
+                  <a:srgbClr val="000000"/>
+                </a:solidFill>
                 <a:uFillTx/>
                 <a:latin typeface="Arial"/>
+                <a:ea typeface="DejaVu Sans"/>
               </a:rPr>
               <a:t>Limitations du clustering "java/EE</a:t>
             </a:r>
             <a:r>
               <a:rPr b="0" lang="fr-FR" sz="3200" spc="-1" strike="noStrike">
-                <a:latin typeface="Arial"/>
+                <a:solidFill>
+                  <a:srgbClr val="000000"/>
+                </a:solidFill>
+                <a:latin typeface="Arial"/>
+                <a:ea typeface="DejaVu Sans"/>
               </a:rPr>
               <a:t>"</a:t>
             </a:r>
@@ -6523,14 +6564,14 @@
       </p:sp>
       <p:sp>
         <p:nvSpPr>
-          <p:cNvPr id="130" name="CustomShape 3"/>
+          <p:cNvPr id="128" name="CustomShape 3"/>
           <p:cNvSpPr/>
           <p:nvPr/>
         </p:nvSpPr>
         <p:spPr>
           <a:xfrm>
             <a:off x="288000" y="1148040"/>
-            <a:ext cx="8528760" cy="5187600"/>
+            <a:ext cx="8528400" cy="5187240"/>
           </a:xfrm>
           <a:prstGeom prst="rect">
             <a:avLst/>
@@ -6551,7 +6592,11 @@
           <a:p>
             <a:r>
               <a:rPr b="0" lang="fr-FR" sz="2400" spc="-1" strike="noStrike">
-                <a:latin typeface="Arial"/>
+                <a:solidFill>
+                  <a:srgbClr val="000000"/>
+                </a:solidFill>
+                <a:latin typeface="Arial"/>
+                <a:ea typeface="DejaVu Sans"/>
               </a:rPr>
               <a:t>* limité à java</a:t>
             </a:r>
@@ -6567,7 +6612,11 @@
           <a:p>
             <a:r>
               <a:rPr b="0" lang="fr-FR" sz="2400" spc="-1" strike="noStrike">
-                <a:latin typeface="Arial"/>
+                <a:solidFill>
+                  <a:srgbClr val="000000"/>
+                </a:solidFill>
+                <a:latin typeface="Arial"/>
+                <a:ea typeface="DejaVu Sans"/>
               </a:rPr>
               <a:t>* spécifique à une marque </a:t>
             </a:r>
@@ -6578,13 +6627,21 @@
           <a:p>
             <a:r>
               <a:rPr b="0" lang="fr-FR" sz="2400" spc="-1" strike="noStrike">
-                <a:latin typeface="Arial"/>
+                <a:solidFill>
+                  <a:srgbClr val="000000"/>
+                </a:solidFill>
+                <a:latin typeface="Arial"/>
+                <a:ea typeface="DejaVu Sans"/>
               </a:rPr>
               <a:t>  </a:t>
             </a:r>
             <a:r>
               <a:rPr b="0" lang="fr-FR" sz="2400" spc="-1" strike="noStrike">
-                <a:latin typeface="Arial"/>
+                <a:solidFill>
+                  <a:srgbClr val="000000"/>
+                </a:solidFill>
+                <a:latin typeface="Arial"/>
+                <a:ea typeface="DejaVu Sans"/>
               </a:rPr>
               <a:t>et un modèle de serveur (ex : IBM WebSphere AS 7)</a:t>
             </a:r>
@@ -6600,14 +6657,22 @@
           <a:p>
             <a:r>
               <a:rPr b="0" lang="fr-FR" sz="2400" spc="-1" strike="noStrike">
-                <a:latin typeface="Arial"/>
+                <a:solidFill>
+                  <a:srgbClr val="000000"/>
+                </a:solidFill>
+                <a:latin typeface="Arial"/>
+                <a:ea typeface="DejaVu Sans"/>
               </a:rPr>
               <a:t>* configuration souvent très différente selon type et/ou version</a:t>
             </a:r>
             <a:br/>
             <a:r>
               <a:rPr b="0" lang="fr-FR" sz="2400" spc="-1" strike="noStrike">
-                <a:latin typeface="Arial"/>
+                <a:solidFill>
+                  <a:srgbClr val="000000"/>
+                </a:solidFill>
+                <a:latin typeface="Arial"/>
+                <a:ea typeface="DejaVu Sans"/>
               </a:rPr>
               <a:t>  des serveurs (ex : JBoss AS 4.x , JBoss EAP 7 , ...)</a:t>
             </a:r>
@@ -6623,7 +6688,11 @@
           <a:p>
             <a:r>
               <a:rPr b="0" lang="fr-FR" sz="2400" spc="-1" strike="noStrike">
-                <a:latin typeface="Arial"/>
+                <a:solidFill>
+                  <a:srgbClr val="000000"/>
+                </a:solidFill>
+                <a:latin typeface="Arial"/>
+                <a:ea typeface="DejaVu Sans"/>
               </a:rPr>
               <a:t>* paramétrages des extensions et de la sécurité </a:t>
             </a:r>
@@ -6634,13 +6703,21 @@
           <a:p>
             <a:r>
               <a:rPr b="0" lang="fr-FR" sz="2400" spc="-1" strike="noStrike">
-                <a:latin typeface="Arial"/>
+                <a:solidFill>
+                  <a:srgbClr val="000000"/>
+                </a:solidFill>
+                <a:latin typeface="Arial"/>
+                <a:ea typeface="DejaVu Sans"/>
               </a:rPr>
               <a:t>  </a:t>
             </a:r>
             <a:r>
               <a:rPr b="0" lang="fr-FR" sz="2400" spc="-1" strike="noStrike">
-                <a:latin typeface="Arial"/>
+                <a:solidFill>
+                  <a:srgbClr val="000000"/>
+                </a:solidFill>
+                <a:latin typeface="Arial"/>
+                <a:ea typeface="DejaVu Sans"/>
               </a:rPr>
               <a:t>quelquefois complexes</a:t>
             </a:r>
@@ -6656,7 +6733,11 @@
           <a:p>
             <a:r>
               <a:rPr b="0" lang="fr-FR" sz="2400" spc="-1" strike="noStrike">
-                <a:latin typeface="Arial"/>
+                <a:solidFill>
+                  <a:srgbClr val="000000"/>
+                </a:solidFill>
+                <a:latin typeface="Arial"/>
+                <a:ea typeface="DejaVu Sans"/>
               </a:rPr>
               <a:t>===============</a:t>
             </a:r>
@@ -6672,7 +6753,11 @@
           <a:p>
             <a:r>
               <a:rPr b="0" lang="fr-FR" sz="2400" spc="-1" strike="noStrike">
-                <a:latin typeface="Arial"/>
+                <a:solidFill>
+                  <a:srgbClr val="000000"/>
+                </a:solidFill>
+                <a:latin typeface="Arial"/>
+                <a:ea typeface="DejaVu Sans"/>
               </a:rPr>
               <a:t>* Mêmes types de limitations dans des mondes concurrents</a:t>
             </a:r>
@@ -6683,13 +6768,21 @@
           <a:p>
             <a:r>
               <a:rPr b="0" lang="fr-FR" sz="2400" spc="-1" strike="noStrike">
-                <a:latin typeface="Arial"/>
+                <a:solidFill>
+                  <a:srgbClr val="000000"/>
+                </a:solidFill>
+                <a:latin typeface="Arial"/>
+                <a:ea typeface="DejaVu Sans"/>
               </a:rPr>
               <a:t>  </a:t>
             </a:r>
             <a:r>
               <a:rPr b="0" lang="fr-FR" sz="2400" spc="-1" strike="noStrike">
-                <a:latin typeface="Arial"/>
+                <a:solidFill>
+                  <a:srgbClr val="000000"/>
+                </a:solidFill>
+                <a:latin typeface="Arial"/>
+                <a:ea typeface="DejaVu Sans"/>
               </a:rPr>
               <a:t>(Microsoft .net , python, ...)</a:t>
             </a:r>
@@ -6750,14 +6843,14 @@
       </p:grpSpPr>
       <p:sp>
         <p:nvSpPr>
-          <p:cNvPr id="131" name="CustomShape 1"/>
+          <p:cNvPr id="129" name="CustomShape 1"/>
           <p:cNvSpPr/>
           <p:nvPr/>
         </p:nvSpPr>
         <p:spPr>
           <a:xfrm>
             <a:off x="685800" y="2130480"/>
-            <a:ext cx="7773120" cy="2233080"/>
+            <a:ext cx="7772760" cy="2232720"/>
           </a:xfrm>
           <a:prstGeom prst="rect">
             <a:avLst/>
@@ -6776,14 +6869,14 @@
       </p:sp>
       <p:sp>
         <p:nvSpPr>
-          <p:cNvPr id="132" name="CustomShape 2"/>
-          <p:cNvSpPr/>
-          <p:nvPr/>
-        </p:nvSpPr>
-        <p:spPr>
-          <a:xfrm>
-            <a:off x="457560" y="116640"/>
-            <a:ext cx="8228880" cy="461880"/>
+          <p:cNvPr id="130" name="CustomShape 2"/>
+          <p:cNvSpPr/>
+          <p:nvPr/>
+        </p:nvSpPr>
+        <p:spPr>
+          <a:xfrm>
+            <a:off x="411480" y="114480"/>
+            <a:ext cx="8228520" cy="461520"/>
           </a:xfrm>
           <a:prstGeom prst="rect">
             <a:avLst/>
@@ -6810,31 +6903,43 @@
               </a:lnSpc>
             </a:pPr>
             <a:r>
-              <a:rPr b="0" lang="fr-FR" sz="3600" spc="-1" strike="noStrike" u="sng">
+              <a:rPr b="0" lang="fr-FR" sz="4800" spc="-1" strike="noStrike" u="sng">
                 <a:solidFill>
                   <a:srgbClr val="182f7c"/>
                 </a:solidFill>
                 <a:uFillTx/>
-                <a:latin typeface="Calibri"/>
-              </a:rPr>
-              <a:t>Notion de reverse-proxy</a:t>
-            </a:r>
-            <a:endParaRPr b="0" lang="fr-FR" sz="3600" spc="-1" strike="noStrike">
-              <a:latin typeface="Arial"/>
-            </a:endParaRPr>
-          </a:p>
-        </p:txBody>
-      </p:sp>
-      <p:sp>
-        <p:nvSpPr>
-          <p:cNvPr id="133" name="CustomShape 3"/>
+                <a:latin typeface="Times New Roman"/>
+                <a:ea typeface="DejaVu Sans"/>
+              </a:rPr>
+              <a:t>Notion de </a:t>
+            </a:r>
+            <a:r>
+              <a:rPr b="1" lang="fr-FR" sz="4800" spc="-1" strike="noStrike" u="sng">
+                <a:solidFill>
+                  <a:srgbClr val="182f7c"/>
+                </a:solidFill>
+                <a:uFillTx/>
+                <a:latin typeface="Times New Roman"/>
+                <a:ea typeface="DejaVu Sans"/>
+              </a:rPr>
+              <a:t>reverse-proxy</a:t>
+            </a:r>
+            <a:endParaRPr b="0" lang="fr-FR" sz="4800" spc="-1" strike="noStrike">
+              <a:latin typeface="Times New Roman"/>
+            </a:endParaRPr>
+          </a:p>
+        </p:txBody>
+      </p:sp>
+      <p:sp>
+        <p:nvSpPr>
+          <p:cNvPr id="131" name="CustomShape 3"/>
           <p:cNvSpPr/>
           <p:nvPr/>
         </p:nvSpPr>
         <p:spPr>
           <a:xfrm>
             <a:off x="395640" y="2062800"/>
-            <a:ext cx="286920" cy="358920"/>
+            <a:ext cx="286560" cy="358560"/>
           </a:xfrm>
           <a:prstGeom prst="smileyFace">
             <a:avLst>
@@ -6870,14 +6975,14 @@
       </p:sp>
       <p:sp>
         <p:nvSpPr>
-          <p:cNvPr id="134" name="CustomShape 4"/>
+          <p:cNvPr id="132" name="CustomShape 4"/>
           <p:cNvSpPr/>
           <p:nvPr/>
         </p:nvSpPr>
         <p:spPr>
           <a:xfrm>
             <a:off x="395640" y="2494800"/>
-            <a:ext cx="286920" cy="214920"/>
+            <a:ext cx="286560" cy="214560"/>
           </a:xfrm>
           <a:prstGeom prst="heart">
             <a:avLst/>
@@ -6911,14 +7016,14 @@
       </p:sp>
       <p:sp>
         <p:nvSpPr>
-          <p:cNvPr id="135" name="CustomShape 5"/>
+          <p:cNvPr id="133" name="CustomShape 5"/>
           <p:cNvSpPr/>
           <p:nvPr/>
         </p:nvSpPr>
         <p:spPr>
           <a:xfrm>
             <a:off x="754200" y="2101320"/>
-            <a:ext cx="286920" cy="358920"/>
+            <a:ext cx="286560" cy="358560"/>
           </a:xfrm>
           <a:prstGeom prst="smileyFace">
             <a:avLst>
@@ -6954,14 +7059,14 @@
       </p:sp>
       <p:sp>
         <p:nvSpPr>
-          <p:cNvPr id="136" name="CustomShape 6"/>
+          <p:cNvPr id="134" name="CustomShape 6"/>
           <p:cNvSpPr/>
           <p:nvPr/>
         </p:nvSpPr>
         <p:spPr>
           <a:xfrm>
             <a:off x="754200" y="2533680"/>
-            <a:ext cx="286920" cy="214920"/>
+            <a:ext cx="286560" cy="214560"/>
           </a:xfrm>
           <a:prstGeom prst="heart">
             <a:avLst/>
@@ -6995,14 +7100,14 @@
       </p:sp>
       <p:sp>
         <p:nvSpPr>
-          <p:cNvPr id="137" name="CustomShape 7"/>
+          <p:cNvPr id="135" name="CustomShape 7"/>
           <p:cNvSpPr/>
           <p:nvPr/>
         </p:nvSpPr>
         <p:spPr>
           <a:xfrm>
             <a:off x="547920" y="2215440"/>
-            <a:ext cx="286920" cy="358920"/>
+            <a:ext cx="286560" cy="358560"/>
           </a:xfrm>
           <a:prstGeom prst="smileyFace">
             <a:avLst>
@@ -7038,14 +7143,14 @@
       </p:sp>
       <p:sp>
         <p:nvSpPr>
-          <p:cNvPr id="138" name="CustomShape 8"/>
+          <p:cNvPr id="136" name="CustomShape 8"/>
           <p:cNvSpPr/>
           <p:nvPr/>
         </p:nvSpPr>
         <p:spPr>
           <a:xfrm>
             <a:off x="547920" y="2647440"/>
-            <a:ext cx="286920" cy="214920"/>
+            <a:ext cx="286560" cy="214560"/>
           </a:xfrm>
           <a:prstGeom prst="heart">
             <a:avLst/>
@@ -7079,14 +7184,14 @@
       </p:sp>
       <p:sp>
         <p:nvSpPr>
-          <p:cNvPr id="139" name="CustomShape 9"/>
+          <p:cNvPr id="137" name="CustomShape 9"/>
           <p:cNvSpPr/>
           <p:nvPr/>
         </p:nvSpPr>
         <p:spPr>
           <a:xfrm>
             <a:off x="216000" y="3024000"/>
-            <a:ext cx="1367640" cy="935640"/>
+            <a:ext cx="1367280" cy="935280"/>
           </a:xfrm>
           <a:prstGeom prst="rect">
             <a:avLst/>
@@ -7109,14 +7214,14 @@
       </p:sp>
       <p:sp>
         <p:nvSpPr>
-          <p:cNvPr id="140" name="CustomShape 10"/>
+          <p:cNvPr id="138" name="CustomShape 10"/>
           <p:cNvSpPr/>
           <p:nvPr/>
         </p:nvSpPr>
         <p:spPr>
           <a:xfrm>
             <a:off x="432000" y="3168000"/>
-            <a:ext cx="1329840" cy="935640"/>
+            <a:ext cx="1329480" cy="935280"/>
           </a:xfrm>
           <a:prstGeom prst="rect">
             <a:avLst/>
@@ -7139,14 +7244,14 @@
       </p:sp>
       <p:sp>
         <p:nvSpPr>
-          <p:cNvPr id="141" name="CustomShape 11"/>
+          <p:cNvPr id="139" name="CustomShape 11"/>
           <p:cNvSpPr/>
           <p:nvPr/>
         </p:nvSpPr>
         <p:spPr>
           <a:xfrm>
             <a:off x="648000" y="3384000"/>
-            <a:ext cx="1295640" cy="935640"/>
+            <a:ext cx="1295280" cy="935280"/>
           </a:xfrm>
           <a:prstGeom prst="rect">
             <a:avLst/>
@@ -7169,14 +7274,14 @@
       </p:sp>
       <p:sp>
         <p:nvSpPr>
-          <p:cNvPr id="142" name="CustomShape 12"/>
+          <p:cNvPr id="140" name="CustomShape 12"/>
           <p:cNvSpPr/>
           <p:nvPr/>
         </p:nvSpPr>
         <p:spPr>
           <a:xfrm>
             <a:off x="3168000" y="1512000"/>
-            <a:ext cx="2520000" cy="4104000"/>
+            <a:ext cx="2519640" cy="4103640"/>
           </a:xfrm>
           <a:prstGeom prst="rect">
             <a:avLst/>
@@ -7199,14 +7304,14 @@
       </p:sp>
       <p:sp>
         <p:nvSpPr>
-          <p:cNvPr id="143" name="CustomShape 13"/>
+          <p:cNvPr id="141" name="CustomShape 13"/>
           <p:cNvSpPr/>
           <p:nvPr/>
         </p:nvSpPr>
         <p:spPr>
           <a:xfrm>
             <a:off x="6912000" y="1800000"/>
-            <a:ext cx="1439640" cy="1151640"/>
+            <a:ext cx="1439280" cy="1151280"/>
           </a:xfrm>
           <a:prstGeom prst="rect">
             <a:avLst/>
@@ -7232,7 +7337,7 @@
             <a:r>
               <a:rPr b="0" lang="fr-FR" sz="1800" spc="-1" strike="noStrike">
                 <a:solidFill>
-                  <a:srgbClr val="000000"/>
+                  <a:srgbClr val="182f7c"/>
                 </a:solidFill>
                 <a:latin typeface="Arial"/>
                 <a:ea typeface="DejaVu Sans"/>
@@ -7240,6 +7345,9 @@
               <a:t>api_rest_A</a:t>
             </a:r>
             <a:endParaRPr b="0" lang="fr-FR" sz="1800" spc="-1" strike="noStrike">
+              <a:solidFill>
+                <a:srgbClr val="182f7c"/>
+              </a:solidFill>
               <a:latin typeface="Arial"/>
             </a:endParaRPr>
           </a:p>
@@ -7247,7 +7355,7 @@
             <a:r>
               <a:rPr b="0" lang="fr-FR" sz="1800" spc="-1" strike="noStrike">
                 <a:solidFill>
-                  <a:srgbClr val="000000"/>
+                  <a:srgbClr val="182f7c"/>
                 </a:solidFill>
                 <a:latin typeface="Arial"/>
                 <a:ea typeface="DejaVu Sans"/>
@@ -7255,21 +7363,37 @@
               <a:t>sur</a:t>
             </a:r>
             <a:endParaRPr b="0" lang="fr-FR" sz="1800" spc="-1" strike="noStrike">
-              <a:latin typeface="Arial"/>
-            </a:endParaRPr>
-          </a:p>
-          <a:p>
+              <a:solidFill>
+                <a:srgbClr val="182f7c"/>
+              </a:solidFill>
+              <a:latin typeface="Arial"/>
+            </a:endParaRPr>
+          </a:p>
+          <a:p>
+            <a:r>
+              <a:rPr b="1" lang="fr-FR" sz="1800" spc="-1" strike="noStrike">
+                <a:solidFill>
+                  <a:srgbClr val="182f7c"/>
+                </a:solidFill>
+                <a:latin typeface="Arial"/>
+                <a:ea typeface="DejaVu Sans"/>
+              </a:rPr>
+              <a:t>backEnd</a:t>
+            </a:r>
             <a:r>
               <a:rPr b="0" lang="fr-FR" sz="1800" spc="-1" strike="noStrike">
                 <a:solidFill>
-                  <a:srgbClr val="000000"/>
+                  <a:srgbClr val="182f7c"/>
                 </a:solidFill>
                 <a:latin typeface="Arial"/>
                 <a:ea typeface="DejaVu Sans"/>
               </a:rPr>
-              <a:t>backEnd </a:t>
+              <a:t> </a:t>
             </a:r>
             <a:endParaRPr b="0" lang="fr-FR" sz="1800" spc="-1" strike="noStrike">
+              <a:solidFill>
+                <a:srgbClr val="182f7c"/>
+              </a:solidFill>
               <a:latin typeface="Arial"/>
             </a:endParaRPr>
           </a:p>
@@ -7277,7 +7401,7 @@
             <a:r>
               <a:rPr b="0" lang="fr-FR" sz="1800" spc="-1" strike="noStrike">
                 <a:solidFill>
-                  <a:srgbClr val="000000"/>
+                  <a:srgbClr val="182f7c"/>
                 </a:solidFill>
                 <a:latin typeface="Arial"/>
                 <a:ea typeface="DejaVu Sans"/>
@@ -7285,21 +7409,24 @@
               <a:t>springBoot</a:t>
             </a:r>
             <a:endParaRPr b="0" lang="fr-FR" sz="1800" spc="-1" strike="noStrike">
-              <a:latin typeface="Arial"/>
-            </a:endParaRPr>
-          </a:p>
-        </p:txBody>
-      </p:sp>
-      <p:sp>
-        <p:nvSpPr>
-          <p:cNvPr id="144" name="CustomShape 14"/>
+              <a:solidFill>
+                <a:srgbClr val="182f7c"/>
+              </a:solidFill>
+              <a:latin typeface="Arial"/>
+            </a:endParaRPr>
+          </a:p>
+        </p:txBody>
+      </p:sp>
+      <p:sp>
+        <p:nvSpPr>
+          <p:cNvPr id="142" name="CustomShape 14"/>
           <p:cNvSpPr/>
           <p:nvPr/>
         </p:nvSpPr>
         <p:spPr>
           <a:xfrm>
             <a:off x="6912000" y="3816000"/>
-            <a:ext cx="1439640" cy="1151640"/>
+            <a:ext cx="1439280" cy="1151280"/>
           </a:xfrm>
           <a:prstGeom prst="rect">
             <a:avLst/>
@@ -7325,7 +7452,7 @@
             <a:r>
               <a:rPr b="0" lang="fr-FR" sz="1800" spc="-1" strike="noStrike">
                 <a:solidFill>
-                  <a:srgbClr val="000000"/>
+                  <a:srgbClr val="182f7c"/>
                 </a:solidFill>
                 <a:latin typeface="Arial"/>
                 <a:ea typeface="DejaVu Sans"/>
@@ -7333,6 +7460,9 @@
               <a:t>api_rest_B</a:t>
             </a:r>
             <a:endParaRPr b="0" lang="fr-FR" sz="1800" spc="-1" strike="noStrike">
+              <a:solidFill>
+                <a:srgbClr val="182f7c"/>
+              </a:solidFill>
               <a:latin typeface="Arial"/>
             </a:endParaRPr>
           </a:p>
@@ -7340,7 +7470,7 @@
             <a:r>
               <a:rPr b="0" lang="fr-FR" sz="1800" spc="-1" strike="noStrike">
                 <a:solidFill>
-                  <a:srgbClr val="000000"/>
+                  <a:srgbClr val="182f7c"/>
                 </a:solidFill>
                 <a:latin typeface="Arial"/>
                 <a:ea typeface="DejaVu Sans"/>
@@ -7348,21 +7478,37 @@
               <a:t>sur</a:t>
             </a:r>
             <a:endParaRPr b="0" lang="fr-FR" sz="1800" spc="-1" strike="noStrike">
-              <a:latin typeface="Arial"/>
-            </a:endParaRPr>
-          </a:p>
-          <a:p>
+              <a:solidFill>
+                <a:srgbClr val="182f7c"/>
+              </a:solidFill>
+              <a:latin typeface="Arial"/>
+            </a:endParaRPr>
+          </a:p>
+          <a:p>
+            <a:r>
+              <a:rPr b="1" lang="fr-FR" sz="1800" spc="-1" strike="noStrike">
+                <a:solidFill>
+                  <a:srgbClr val="182f7c"/>
+                </a:solidFill>
+                <a:latin typeface="Arial"/>
+                <a:ea typeface="DejaVu Sans"/>
+              </a:rPr>
+              <a:t>backEnd</a:t>
+            </a:r>
             <a:r>
               <a:rPr b="0" lang="fr-FR" sz="1800" spc="-1" strike="noStrike">
                 <a:solidFill>
-                  <a:srgbClr val="000000"/>
+                  <a:srgbClr val="182f7c"/>
                 </a:solidFill>
                 <a:latin typeface="Arial"/>
                 <a:ea typeface="DejaVu Sans"/>
               </a:rPr>
-              <a:t>backEnd </a:t>
+              <a:t> </a:t>
             </a:r>
             <a:endParaRPr b="0" lang="fr-FR" sz="1800" spc="-1" strike="noStrike">
+              <a:solidFill>
+                <a:srgbClr val="182f7c"/>
+              </a:solidFill>
               <a:latin typeface="Arial"/>
             </a:endParaRPr>
           </a:p>
@@ -7370,7 +7516,7 @@
             <a:r>
               <a:rPr b="0" lang="fr-FR" sz="1800" spc="-1" strike="noStrike">
                 <a:solidFill>
-                  <a:srgbClr val="000000"/>
+                  <a:srgbClr val="182f7c"/>
                 </a:solidFill>
                 <a:latin typeface="Arial"/>
                 <a:ea typeface="DejaVu Sans"/>
@@ -7378,21 +7524,24 @@
               <a:t>nodeJs</a:t>
             </a:r>
             <a:endParaRPr b="0" lang="fr-FR" sz="1800" spc="-1" strike="noStrike">
-              <a:latin typeface="Arial"/>
-            </a:endParaRPr>
-          </a:p>
-        </p:txBody>
-      </p:sp>
-      <p:sp>
-        <p:nvSpPr>
-          <p:cNvPr id="145" name="CustomShape 15"/>
+              <a:solidFill>
+                <a:srgbClr val="182f7c"/>
+              </a:solidFill>
+              <a:latin typeface="Arial"/>
+            </a:endParaRPr>
+          </a:p>
+        </p:txBody>
+      </p:sp>
+      <p:sp>
+        <p:nvSpPr>
+          <p:cNvPr id="143" name="CustomShape 15"/>
           <p:cNvSpPr/>
           <p:nvPr/>
         </p:nvSpPr>
         <p:spPr>
           <a:xfrm>
             <a:off x="8548920" y="2232000"/>
-            <a:ext cx="378720" cy="584280"/>
+            <a:ext cx="378360" cy="583920"/>
           </a:xfrm>
           <a:prstGeom prst="can">
             <a:avLst>
@@ -7439,14 +7588,14 @@
       </p:sp>
       <p:sp>
         <p:nvSpPr>
-          <p:cNvPr id="146" name="CustomShape 16"/>
+          <p:cNvPr id="144" name="CustomShape 16"/>
           <p:cNvSpPr/>
           <p:nvPr/>
         </p:nvSpPr>
         <p:spPr>
           <a:xfrm>
             <a:off x="8568000" y="4032000"/>
-            <a:ext cx="378720" cy="584280"/>
+            <a:ext cx="378360" cy="583920"/>
           </a:xfrm>
           <a:prstGeom prst="can">
             <a:avLst>
@@ -7493,14 +7642,14 @@
       </p:sp>
       <p:sp>
         <p:nvSpPr>
-          <p:cNvPr id="147" name="CustomShape 17"/>
+          <p:cNvPr id="145" name="CustomShape 17"/>
           <p:cNvSpPr/>
           <p:nvPr/>
         </p:nvSpPr>
         <p:spPr>
           <a:xfrm>
             <a:off x="3384000" y="3600000"/>
-            <a:ext cx="2015640" cy="1727640"/>
+            <a:ext cx="2015280" cy="1727280"/>
           </a:xfrm>
           <a:custGeom>
             <a:avLst/>
@@ -7598,7 +7747,27 @@
                 <a:latin typeface="Arial"/>
                 <a:ea typeface="DejaVu Sans"/>
               </a:rPr>
-              <a:t>"reverse_proxy"</a:t>
+              <a:t>"</a:t>
+            </a:r>
+            <a:r>
+              <a:rPr b="1" lang="fr-FR" sz="1800" spc="-1" strike="noStrike">
+                <a:solidFill>
+                  <a:srgbClr val="000000"/>
+                </a:solidFill>
+                <a:latin typeface="Arial"/>
+                <a:ea typeface="DejaVu Sans"/>
+              </a:rPr>
+              <a:t>reverse_proxy</a:t>
+            </a:r>
+            <a:r>
+              <a:rPr b="0" lang="fr-FR" sz="1800" spc="-1" strike="noStrike">
+                <a:solidFill>
+                  <a:srgbClr val="000000"/>
+                </a:solidFill>
+                <a:latin typeface="Arial"/>
+                <a:ea typeface="DejaVu Sans"/>
+              </a:rPr>
+              <a:t>"</a:t>
             </a:r>
             <a:endParaRPr b="0" lang="fr-FR" sz="1800" spc="-1" strike="noStrike">
               <a:latin typeface="Arial"/>
@@ -7668,14 +7837,14 @@
       </p:sp>
       <p:sp>
         <p:nvSpPr>
-          <p:cNvPr id="148" name="CustomShape 18"/>
+          <p:cNvPr id="146" name="CustomShape 18"/>
           <p:cNvSpPr/>
           <p:nvPr/>
         </p:nvSpPr>
         <p:spPr>
           <a:xfrm>
             <a:off x="3384000" y="1656000"/>
-            <a:ext cx="1943640" cy="1583640"/>
+            <a:ext cx="1943280" cy="1583280"/>
           </a:xfrm>
           <a:custGeom>
             <a:avLst/>
@@ -7753,7 +7922,17 @@
                 <a:latin typeface="Arial"/>
                 <a:ea typeface="DejaVu Sans"/>
               </a:rPr>
-              <a:t>code frontEnd</a:t>
+              <a:t>code </a:t>
+            </a:r>
+            <a:r>
+              <a:rPr b="1" lang="fr-FR" sz="1800" spc="-1" strike="noStrike">
+                <a:solidFill>
+                  <a:srgbClr val="000000"/>
+                </a:solidFill>
+                <a:latin typeface="Arial"/>
+                <a:ea typeface="DejaVu Sans"/>
+              </a:rPr>
+              <a:t>frontEnd</a:t>
             </a:r>
             <a:endParaRPr b="0" lang="fr-FR" sz="1800" spc="-1" strike="noStrike">
               <a:latin typeface="Arial"/>
@@ -7843,14 +8022,14 @@
       </p:sp>
       <p:sp>
         <p:nvSpPr>
-          <p:cNvPr id="149" name="TextShape 19"/>
-          <p:cNvSpPr txBox="1"/>
+          <p:cNvPr id="147" name="CustomShape 19"/>
+          <p:cNvSpPr/>
           <p:nvPr/>
         </p:nvSpPr>
         <p:spPr>
           <a:xfrm>
             <a:off x="3195720" y="936000"/>
-            <a:ext cx="1700280" cy="602280"/>
+            <a:ext cx="1699920" cy="601920"/>
           </a:xfrm>
           <a:prstGeom prst="rect">
             <a:avLst/>
@@ -7860,14 +8039,26 @@
             <a:noFill/>
           </a:ln>
         </p:spPr>
+        <p:style>
+          <a:lnRef idx="0"/>
+          <a:fillRef idx="0"/>
+          <a:effectRef idx="0"/>
+          <a:fontRef idx="minor"/>
+        </p:style>
         <p:txBody>
           <a:bodyPr lIns="90000" rIns="90000" tIns="45000" bIns="45000"/>
           <a:p>
             <a:r>
+              <a:rPr b="1" lang="fr-FR" sz="1800" spc="-1" strike="noStrike">
+                <a:latin typeface="Arial"/>
+              </a:rPr>
+              <a:t>Serveur HTTP</a:t>
+            </a:r>
+            <a:r>
               <a:rPr b="0" lang="fr-FR" sz="1800" spc="-1" strike="noStrike">
                 <a:latin typeface="Arial"/>
               </a:rPr>
-              <a:t>Serveur HTTP </a:t>
+              <a:t> </a:t>
             </a:r>
             <a:endParaRPr b="0" lang="fr-FR" sz="1800" spc="-1" strike="noStrike">
               <a:latin typeface="Arial"/>
@@ -7878,7 +8069,19 @@
               <a:rPr b="0" lang="fr-FR" sz="1800" spc="-1" strike="noStrike">
                 <a:latin typeface="Arial"/>
               </a:rPr>
-              <a:t>(ex : nginx)</a:t>
+              <a:t>(ex : </a:t>
+            </a:r>
+            <a:r>
+              <a:rPr b="1" lang="fr-FR" sz="1800" spc="-1" strike="noStrike">
+                <a:latin typeface="Arial"/>
+              </a:rPr>
+              <a:t>nginx</a:t>
+            </a:r>
+            <a:r>
+              <a:rPr b="0" lang="fr-FR" sz="1800" spc="-1" strike="noStrike">
+                <a:latin typeface="Arial"/>
+              </a:rPr>
+              <a:t>)</a:t>
             </a:r>
             <a:endParaRPr b="0" lang="fr-FR" sz="1800" spc="-1" strike="noStrike">
               <a:latin typeface="Arial"/>
@@ -7888,7 +8091,7 @@
       </p:sp>
       <p:sp>
         <p:nvSpPr>
-          <p:cNvPr id="150" name="Line 20"/>
+          <p:cNvPr id="148" name="Line 20"/>
           <p:cNvSpPr/>
           <p:nvPr/>
         </p:nvSpPr>
@@ -7916,7 +8119,7 @@
       </p:sp>
       <p:sp>
         <p:nvSpPr>
-          <p:cNvPr id="151" name="Line 21"/>
+          <p:cNvPr id="149" name="Line 21"/>
           <p:cNvSpPr/>
           <p:nvPr/>
         </p:nvSpPr>
@@ -7944,7 +8147,7 @@
       </p:sp>
       <p:sp>
         <p:nvSpPr>
-          <p:cNvPr id="152" name="Line 22"/>
+          <p:cNvPr id="150" name="Line 22"/>
           <p:cNvSpPr/>
           <p:nvPr/>
         </p:nvSpPr>
@@ -7972,7 +8175,7 @@
       </p:sp>
       <p:sp>
         <p:nvSpPr>
-          <p:cNvPr id="153" name="Line 23"/>
+          <p:cNvPr id="151" name="Line 23"/>
           <p:cNvSpPr/>
           <p:nvPr/>
         </p:nvSpPr>
@@ -8000,7 +8203,7 @@
       </p:sp>
       <p:sp>
         <p:nvSpPr>
-          <p:cNvPr id="154" name="Line 24"/>
+          <p:cNvPr id="152" name="Line 24"/>
           <p:cNvSpPr/>
           <p:nvPr/>
         </p:nvSpPr>
@@ -8028,7 +8231,7 @@
       </p:sp>
       <p:sp>
         <p:nvSpPr>
-          <p:cNvPr id="155" name="Line 25"/>
+          <p:cNvPr id="153" name="Line 25"/>
           <p:cNvSpPr/>
           <p:nvPr/>
         </p:nvSpPr>
@@ -8056,14 +8259,14 @@
       </p:sp>
       <p:sp>
         <p:nvSpPr>
-          <p:cNvPr id="156" name="CustomShape 26"/>
+          <p:cNvPr id="154" name="CustomShape 26"/>
           <p:cNvSpPr/>
           <p:nvPr/>
         </p:nvSpPr>
         <p:spPr>
           <a:xfrm>
             <a:off x="1537560" y="2772000"/>
-            <a:ext cx="262440" cy="288000"/>
+            <a:ext cx="406440" cy="287640"/>
           </a:xfrm>
           <a:prstGeom prst="ellipse">
             <a:avLst/>
@@ -8086,13 +8289,18 @@
         <p:txBody>
           <a:bodyPr wrap="none" lIns="90000" rIns="90000" tIns="45000" bIns="45000" anchor="ctr"/>
           <a:p>
-            <a:pPr algn="ctr"/>
+            <a:pPr algn="ctr">
+              <a:lnSpc>
+                <a:spcPct val="100000"/>
+              </a:lnSpc>
+            </a:pPr>
             <a:r>
               <a:rPr b="1" lang="fr-FR" sz="1800" spc="-1" strike="noStrike">
                 <a:solidFill>
                   <a:srgbClr val="182f7c"/>
                 </a:solidFill>
                 <a:latin typeface="Arial"/>
+                <a:ea typeface="DejaVu Sans"/>
               </a:rPr>
               <a:t>1</a:t>
             </a:r>
@@ -8104,14 +8312,14 @@
       </p:sp>
       <p:sp>
         <p:nvSpPr>
-          <p:cNvPr id="157" name="CustomShape 27"/>
+          <p:cNvPr id="155" name="CustomShape 27"/>
           <p:cNvSpPr/>
           <p:nvPr/>
         </p:nvSpPr>
         <p:spPr>
           <a:xfrm>
             <a:off x="817560" y="3672000"/>
-            <a:ext cx="262440" cy="288000"/>
+            <a:ext cx="334440" cy="287640"/>
           </a:xfrm>
           <a:prstGeom prst="ellipse">
             <a:avLst/>
@@ -8134,13 +8342,18 @@
         <p:txBody>
           <a:bodyPr wrap="none" lIns="90000" rIns="90000" tIns="45000" bIns="45000" anchor="ctr"/>
           <a:p>
-            <a:pPr algn="ctr"/>
+            <a:pPr algn="ctr">
+              <a:lnSpc>
+                <a:spcPct val="100000"/>
+              </a:lnSpc>
+            </a:pPr>
             <a:r>
               <a:rPr b="1" lang="fr-FR" sz="1800" spc="-1" strike="noStrike">
                 <a:solidFill>
                   <a:srgbClr val="182f7c"/>
                 </a:solidFill>
                 <a:latin typeface="Arial"/>
+                <a:ea typeface="DejaVu Sans"/>
               </a:rPr>
               <a:t>2</a:t>
             </a:r>
@@ -8152,14 +8365,14 @@
       </p:sp>
       <p:sp>
         <p:nvSpPr>
-          <p:cNvPr id="158" name="CustomShape 28"/>
+          <p:cNvPr id="156" name="CustomShape 28"/>
           <p:cNvSpPr/>
           <p:nvPr/>
         </p:nvSpPr>
         <p:spPr>
           <a:xfrm>
             <a:off x="2545560" y="3888000"/>
-            <a:ext cx="262440" cy="288000"/>
+            <a:ext cx="334440" cy="287640"/>
           </a:xfrm>
           <a:prstGeom prst="ellipse">
             <a:avLst/>
@@ -8182,13 +8395,18 @@
         <p:txBody>
           <a:bodyPr wrap="none" lIns="90000" rIns="90000" tIns="45000" bIns="45000" anchor="ctr"/>
           <a:p>
-            <a:pPr algn="ctr"/>
+            <a:pPr algn="ctr">
+              <a:lnSpc>
+                <a:spcPct val="100000"/>
+              </a:lnSpc>
+            </a:pPr>
             <a:r>
               <a:rPr b="1" lang="fr-FR" sz="1800" spc="-1" strike="noStrike">
                 <a:solidFill>
                   <a:srgbClr val="182f7c"/>
                 </a:solidFill>
                 <a:latin typeface="Arial"/>
+                <a:ea typeface="DejaVu Sans"/>
               </a:rPr>
               <a:t>3</a:t>
             </a:r>
@@ -8200,14 +8418,14 @@
       </p:sp>
       <p:sp>
         <p:nvSpPr>
-          <p:cNvPr id="159" name="CustomShape 29"/>
+          <p:cNvPr id="157" name="CustomShape 29"/>
           <p:cNvSpPr/>
           <p:nvPr/>
         </p:nvSpPr>
         <p:spPr>
           <a:xfrm>
             <a:off x="5976000" y="3600000"/>
-            <a:ext cx="262440" cy="288000"/>
+            <a:ext cx="360000" cy="287640"/>
           </a:xfrm>
           <a:prstGeom prst="ellipse">
             <a:avLst/>
@@ -8230,13 +8448,18 @@
         <p:txBody>
           <a:bodyPr wrap="none" lIns="90000" rIns="90000" tIns="45000" bIns="45000" anchor="ctr"/>
           <a:p>
-            <a:pPr algn="ctr"/>
+            <a:pPr algn="ctr">
+              <a:lnSpc>
+                <a:spcPct val="100000"/>
+              </a:lnSpc>
+            </a:pPr>
             <a:r>
               <a:rPr b="1" lang="fr-FR" sz="1800" spc="-1" strike="noStrike">
                 <a:solidFill>
                   <a:srgbClr val="182f7c"/>
                 </a:solidFill>
                 <a:latin typeface="Arial"/>
+                <a:ea typeface="DejaVu Sans"/>
               </a:rPr>
               <a:t>4</a:t>
             </a:r>
@@ -8248,14 +8471,14 @@
       </p:sp>
       <p:sp>
         <p:nvSpPr>
-          <p:cNvPr id="160" name="CustomShape 30"/>
-          <p:cNvSpPr/>
-          <p:nvPr/>
-        </p:nvSpPr>
-        <p:spPr>
-          <a:xfrm>
-            <a:off x="5929560" y="4428000"/>
-            <a:ext cx="262440" cy="288000"/>
+          <p:cNvPr id="158" name="CustomShape 30"/>
+          <p:cNvSpPr/>
+          <p:nvPr/>
+        </p:nvSpPr>
+        <p:spPr>
+          <a:xfrm>
+            <a:off x="7992000" y="4248000"/>
+            <a:ext cx="334440" cy="287640"/>
           </a:xfrm>
           <a:prstGeom prst="ellipse">
             <a:avLst/>
@@ -8278,13 +8501,18 @@
         <p:txBody>
           <a:bodyPr wrap="none" lIns="90000" rIns="90000" tIns="45000" bIns="45000" anchor="ctr"/>
           <a:p>
-            <a:pPr algn="ctr"/>
+            <a:pPr algn="ctr">
+              <a:lnSpc>
+                <a:spcPct val="100000"/>
+              </a:lnSpc>
+            </a:pPr>
             <a:r>
               <a:rPr b="1" lang="fr-FR" sz="1800" spc="-1" strike="noStrike">
                 <a:solidFill>
                   <a:srgbClr val="182f7c"/>
                 </a:solidFill>
                 <a:latin typeface="Arial"/>
+                <a:ea typeface="DejaVu Sans"/>
               </a:rPr>
               <a:t>5</a:t>
             </a:r>
@@ -8296,14 +8524,14 @@
       </p:sp>
       <p:sp>
         <p:nvSpPr>
-          <p:cNvPr id="161" name="CustomShape 31"/>
-          <p:cNvSpPr/>
-          <p:nvPr/>
-        </p:nvSpPr>
-        <p:spPr>
-          <a:xfrm>
-            <a:off x="2473560" y="4500000"/>
-            <a:ext cx="262440" cy="288000"/>
+          <p:cNvPr id="159" name="CustomShape 31"/>
+          <p:cNvSpPr/>
+          <p:nvPr/>
+        </p:nvSpPr>
+        <p:spPr>
+          <a:xfrm>
+            <a:off x="6001560" y="4464360"/>
+            <a:ext cx="334440" cy="287640"/>
           </a:xfrm>
           <a:prstGeom prst="ellipse">
             <a:avLst/>
@@ -8326,13 +8554,18 @@
         <p:txBody>
           <a:bodyPr wrap="none" lIns="90000" rIns="90000" tIns="45000" bIns="45000" anchor="ctr"/>
           <a:p>
-            <a:pPr algn="ctr"/>
+            <a:pPr algn="ctr">
+              <a:lnSpc>
+                <a:spcPct val="100000"/>
+              </a:lnSpc>
+            </a:pPr>
             <a:r>
               <a:rPr b="1" lang="fr-FR" sz="1800" spc="-1" strike="noStrike">
                 <a:solidFill>
                   <a:srgbClr val="182f7c"/>
                 </a:solidFill>
                 <a:latin typeface="Arial"/>
+                <a:ea typeface="DejaVu Sans"/>
               </a:rPr>
               <a:t>6</a:t>
             </a:r>
@@ -8344,14 +8577,14 @@
       </p:sp>
       <p:sp>
         <p:nvSpPr>
-          <p:cNvPr id="162" name="CustomShape 32"/>
+          <p:cNvPr id="160" name="CustomShape 32"/>
           <p:cNvSpPr/>
           <p:nvPr/>
         </p:nvSpPr>
         <p:spPr>
           <a:xfrm>
             <a:off x="1152000" y="4176000"/>
-            <a:ext cx="262440" cy="288000"/>
+            <a:ext cx="360000" cy="287640"/>
           </a:xfrm>
           <a:prstGeom prst="ellipse">
             <a:avLst/>
@@ -8374,15 +8607,474 @@
         <p:txBody>
           <a:bodyPr wrap="none" lIns="90000" rIns="90000" tIns="45000" bIns="45000" anchor="ctr"/>
           <a:p>
-            <a:pPr algn="ctr"/>
+            <a:pPr algn="ctr">
+              <a:lnSpc>
+                <a:spcPct val="100000"/>
+              </a:lnSpc>
+            </a:pPr>
             <a:r>
               <a:rPr b="1" lang="fr-FR" sz="1800" spc="-1" strike="noStrike">
                 <a:solidFill>
                   <a:srgbClr val="182f7c"/>
                 </a:solidFill>
                 <a:latin typeface="Arial"/>
+                <a:ea typeface="DejaVu Sans"/>
+              </a:rPr>
+              <a:t>8</a:t>
+            </a:r>
+            <a:endParaRPr b="0" lang="fr-FR" sz="1800" spc="-1" strike="noStrike">
+              <a:latin typeface="Arial"/>
+            </a:endParaRPr>
+          </a:p>
+        </p:txBody>
+      </p:sp>
+      <p:sp>
+        <p:nvSpPr>
+          <p:cNvPr id="161" name="CustomShape 33"/>
+          <p:cNvSpPr/>
+          <p:nvPr/>
+        </p:nvSpPr>
+        <p:spPr>
+          <a:xfrm>
+            <a:off x="2304000" y="4500000"/>
+            <a:ext cx="360000" cy="287640"/>
+          </a:xfrm>
+          <a:prstGeom prst="ellipse">
+            <a:avLst/>
+          </a:prstGeom>
+          <a:solidFill>
+            <a:srgbClr val="fff9ae"/>
+          </a:solidFill>
+          <a:ln>
+            <a:solidFill>
+              <a:srgbClr val="3465a4"/>
+            </a:solidFill>
+          </a:ln>
+        </p:spPr>
+        <p:style>
+          <a:lnRef idx="0"/>
+          <a:fillRef idx="0"/>
+          <a:effectRef idx="0"/>
+          <a:fontRef idx="minor"/>
+        </p:style>
+        <p:txBody>
+          <a:bodyPr wrap="none" lIns="90000" rIns="90000" tIns="45000" bIns="45000" anchor="ctr"/>
+          <a:p>
+            <a:pPr algn="ctr">
+              <a:lnSpc>
+                <a:spcPct val="100000"/>
+              </a:lnSpc>
+            </a:pPr>
+            <a:r>
+              <a:rPr b="1" lang="fr-FR" sz="1800" spc="-1" strike="noStrike">
+                <a:solidFill>
+                  <a:srgbClr val="182f7c"/>
+                </a:solidFill>
+                <a:latin typeface="Arial"/>
+                <a:ea typeface="DejaVu Sans"/>
               </a:rPr>
               <a:t>7</a:t>
+            </a:r>
+            <a:endParaRPr b="0" lang="fr-FR" sz="1800" spc="-1" strike="noStrike">
+              <a:latin typeface="Arial"/>
+            </a:endParaRPr>
+          </a:p>
+        </p:txBody>
+      </p:sp>
+      <p:sp>
+        <p:nvSpPr>
+          <p:cNvPr id="162" name="TextShape 34"/>
+          <p:cNvSpPr txBox="1"/>
+          <p:nvPr/>
+        </p:nvSpPr>
+        <p:spPr>
+          <a:xfrm>
+            <a:off x="1296000" y="2497680"/>
+            <a:ext cx="1752120" cy="346320"/>
+          </a:xfrm>
+          <a:prstGeom prst="rect">
+            <a:avLst/>
+          </a:prstGeom>
+          <a:noFill/>
+          <a:ln>
+            <a:noFill/>
+          </a:ln>
+        </p:spPr>
+        <p:txBody>
+          <a:bodyPr lIns="90000" rIns="90000" tIns="45000" bIns="45000"/>
+          <a:p>
+            <a:r>
+              <a:rPr b="0" lang="fr-FR" sz="1800" spc="-1" strike="noStrike">
+                <a:latin typeface="Arial"/>
+              </a:rPr>
+              <a:t>téléchargement</a:t>
+            </a:r>
+            <a:endParaRPr b="0" lang="fr-FR" sz="1800" spc="-1" strike="noStrike">
+              <a:latin typeface="Arial"/>
+            </a:endParaRPr>
+          </a:p>
+        </p:txBody>
+      </p:sp>
+      <p:sp>
+        <p:nvSpPr>
+          <p:cNvPr id="163" name="TextShape 35"/>
+          <p:cNvSpPr txBox="1"/>
+          <p:nvPr/>
+        </p:nvSpPr>
+        <p:spPr>
+          <a:xfrm>
+            <a:off x="2503080" y="3312000"/>
+            <a:ext cx="736920" cy="602280"/>
+          </a:xfrm>
+          <a:prstGeom prst="rect">
+            <a:avLst/>
+          </a:prstGeom>
+          <a:noFill/>
+          <a:ln>
+            <a:noFill/>
+          </a:ln>
+        </p:spPr>
+        <p:txBody>
+          <a:bodyPr lIns="90000" rIns="90000" tIns="45000" bIns="45000"/>
+          <a:p>
+            <a:r>
+              <a:rPr b="0" lang="fr-FR" sz="1800" spc="-1" strike="noStrike">
+                <a:latin typeface="Arial"/>
+              </a:rPr>
+              <a:t>appel</a:t>
+            </a:r>
+            <a:endParaRPr b="0" lang="fr-FR" sz="1800" spc="-1" strike="noStrike">
+              <a:latin typeface="Arial"/>
+            </a:endParaRPr>
+          </a:p>
+          <a:p>
+            <a:r>
+              <a:rPr b="0" lang="fr-FR" sz="1800" spc="-1" strike="noStrike">
+                <a:latin typeface="Arial"/>
+              </a:rPr>
+              <a:t>ajax</a:t>
+            </a:r>
+            <a:endParaRPr b="0" lang="fr-FR" sz="1800" spc="-1" strike="noStrike">
+              <a:latin typeface="Arial"/>
+            </a:endParaRPr>
+          </a:p>
+        </p:txBody>
+      </p:sp>
+      <p:sp>
+        <p:nvSpPr>
+          <p:cNvPr id="164" name="TextShape 36"/>
+          <p:cNvSpPr txBox="1"/>
+          <p:nvPr/>
+        </p:nvSpPr>
+        <p:spPr>
+          <a:xfrm>
+            <a:off x="5832720" y="4829760"/>
+            <a:ext cx="1223280" cy="858240"/>
+          </a:xfrm>
+          <a:prstGeom prst="rect">
+            <a:avLst/>
+          </a:prstGeom>
+          <a:noFill/>
+          <a:ln>
+            <a:noFill/>
+          </a:ln>
+        </p:spPr>
+        <p:txBody>
+          <a:bodyPr lIns="90000" rIns="90000" tIns="45000" bIns="45000"/>
+          <a:p>
+            <a:r>
+              <a:rPr b="0" lang="fr-FR" sz="1800" spc="-1" strike="noStrike">
+                <a:latin typeface="Arial"/>
+              </a:rPr>
+              <a:t>réponse</a:t>
+            </a:r>
+            <a:endParaRPr b="0" lang="fr-FR" sz="1800" spc="-1" strike="noStrike">
+              <a:latin typeface="Arial"/>
+            </a:endParaRPr>
+          </a:p>
+          <a:p>
+            <a:r>
+              <a:rPr b="0" lang="fr-FR" sz="1800" spc="-1" strike="noStrike">
+                <a:latin typeface="Arial"/>
+              </a:rPr>
+              <a:t>JSON du</a:t>
+            </a:r>
+            <a:endParaRPr b="0" lang="fr-FR" sz="1800" spc="-1" strike="noStrike">
+              <a:latin typeface="Arial"/>
+            </a:endParaRPr>
+          </a:p>
+          <a:p>
+            <a:r>
+              <a:rPr b="0" lang="fr-FR" sz="1800" spc="-1" strike="noStrike">
+                <a:latin typeface="Arial"/>
+              </a:rPr>
+              <a:t>WS REST</a:t>
+            </a:r>
+            <a:endParaRPr b="0" lang="fr-FR" sz="1800" spc="-1" strike="noStrike">
+              <a:latin typeface="Arial"/>
+            </a:endParaRPr>
+          </a:p>
+        </p:txBody>
+      </p:sp>
+      <p:sp>
+        <p:nvSpPr>
+          <p:cNvPr id="165" name="TextShape 37"/>
+          <p:cNvSpPr txBox="1"/>
+          <p:nvPr/>
+        </p:nvSpPr>
+        <p:spPr>
+          <a:xfrm>
+            <a:off x="89280" y="4501800"/>
+            <a:ext cx="1710720" cy="1114200"/>
+          </a:xfrm>
+          <a:prstGeom prst="rect">
+            <a:avLst/>
+          </a:prstGeom>
+          <a:noFill/>
+          <a:ln>
+            <a:noFill/>
+          </a:ln>
+        </p:spPr>
+        <p:txBody>
+          <a:bodyPr lIns="90000" rIns="90000" tIns="45000" bIns="45000"/>
+          <a:p>
+            <a:r>
+              <a:rPr b="0" lang="fr-FR" sz="1800" spc="-1" strike="noStrike">
+                <a:latin typeface="Arial"/>
+              </a:rPr>
+              <a:t>récupération</a:t>
+            </a:r>
+            <a:endParaRPr b="0" lang="fr-FR" sz="1800" spc="-1" strike="noStrike">
+              <a:latin typeface="Arial"/>
+            </a:endParaRPr>
+          </a:p>
+          <a:p>
+            <a:r>
+              <a:rPr b="0" lang="fr-FR" sz="1800" spc="-1" strike="noStrike">
+                <a:latin typeface="Arial"/>
+              </a:rPr>
+              <a:t>réponse JSON</a:t>
+            </a:r>
+            <a:endParaRPr b="0" lang="fr-FR" sz="1800" spc="-1" strike="noStrike">
+              <a:latin typeface="Arial"/>
+            </a:endParaRPr>
+          </a:p>
+          <a:p>
+            <a:r>
+              <a:rPr b="0" lang="fr-FR" sz="1800" spc="-1" strike="noStrike">
+                <a:latin typeface="Arial"/>
+              </a:rPr>
+              <a:t>et affichage via</a:t>
+            </a:r>
+            <a:endParaRPr b="0" lang="fr-FR" sz="1800" spc="-1" strike="noStrike">
+              <a:latin typeface="Arial"/>
+            </a:endParaRPr>
+          </a:p>
+          <a:p>
+            <a:r>
+              <a:rPr b="0" lang="fr-FR" sz="1800" spc="-1" strike="noStrike">
+                <a:latin typeface="Arial"/>
+              </a:rPr>
+              <a:t>api DOM</a:t>
+            </a:r>
+            <a:endParaRPr b="0" lang="fr-FR" sz="1800" spc="-1" strike="noStrike">
+              <a:latin typeface="Arial"/>
+            </a:endParaRPr>
+          </a:p>
+        </p:txBody>
+      </p:sp>
+      <p:sp>
+        <p:nvSpPr>
+          <p:cNvPr id="166" name="TextShape 38"/>
+          <p:cNvSpPr txBox="1"/>
+          <p:nvPr/>
+        </p:nvSpPr>
+        <p:spPr>
+          <a:xfrm>
+            <a:off x="144000" y="1224000"/>
+            <a:ext cx="1904400" cy="602280"/>
+          </a:xfrm>
+          <a:prstGeom prst="rect">
+            <a:avLst/>
+          </a:prstGeom>
+          <a:noFill/>
+          <a:ln>
+            <a:noFill/>
+          </a:ln>
+        </p:spPr>
+        <p:txBody>
+          <a:bodyPr lIns="90000" rIns="90000" tIns="45000" bIns="45000"/>
+          <a:p>
+            <a:r>
+              <a:rPr b="0" lang="fr-FR" sz="1800" spc="-1" strike="noStrike">
+                <a:latin typeface="Arial"/>
+              </a:rPr>
+              <a:t>Utilisateurs</a:t>
+            </a:r>
+            <a:br/>
+            <a:r>
+              <a:rPr b="0" lang="fr-FR" sz="1800" spc="-1" strike="noStrike">
+                <a:latin typeface="Arial"/>
+              </a:rPr>
+              <a:t>avec navigateurs</a:t>
+            </a:r>
+            <a:endParaRPr b="0" lang="fr-FR" sz="1800" spc="-1" strike="noStrike">
+              <a:latin typeface="Arial"/>
+            </a:endParaRPr>
+          </a:p>
+        </p:txBody>
+      </p:sp>
+      <p:sp>
+        <p:nvSpPr>
+          <p:cNvPr id="167" name="TextShape 39"/>
+          <p:cNvSpPr txBox="1"/>
+          <p:nvPr/>
+        </p:nvSpPr>
+        <p:spPr>
+          <a:xfrm>
+            <a:off x="864000" y="5904000"/>
+            <a:ext cx="8191080" cy="858240"/>
+          </a:xfrm>
+          <a:prstGeom prst="rect">
+            <a:avLst/>
+          </a:prstGeom>
+          <a:noFill/>
+          <a:ln>
+            <a:noFill/>
+          </a:ln>
+        </p:spPr>
+        <p:txBody>
+          <a:bodyPr lIns="90000" rIns="90000" tIns="45000" bIns="45000"/>
+          <a:p>
+            <a:r>
+              <a:rPr b="0" lang="fr-FR" sz="1800" spc="-1" strike="noStrike">
+                <a:latin typeface="Arial"/>
+              </a:rPr>
+              <a:t>URL étape 1 : </a:t>
+            </a:r>
+            <a:r>
+              <a:rPr b="0" lang="fr-FR" sz="1800" spc="-1" strike="noStrike">
+                <a:solidFill>
+                  <a:srgbClr val="00864b"/>
+                </a:solidFill>
+                <a:latin typeface="Arial"/>
+              </a:rPr>
+              <a:t>http://www.xyz.com</a:t>
+            </a:r>
+            <a:r>
+              <a:rPr b="0" lang="fr-FR" sz="1800" spc="-1" strike="noStrike">
+                <a:latin typeface="Arial"/>
+              </a:rPr>
+              <a:t>/zz/index.html</a:t>
+            </a:r>
+            <a:endParaRPr b="0" lang="fr-FR" sz="1800" spc="-1" strike="noStrike">
+              <a:latin typeface="Arial"/>
+            </a:endParaRPr>
+          </a:p>
+          <a:p>
+            <a:r>
+              <a:rPr b="0" lang="fr-FR" sz="1800" spc="-1" strike="noStrike">
+                <a:latin typeface="Arial"/>
+              </a:rPr>
+              <a:t>URL étape 3 : </a:t>
+            </a:r>
+            <a:r>
+              <a:rPr b="0" lang="fr-FR" sz="1800" spc="-1" strike="noStrike">
+                <a:solidFill>
+                  <a:srgbClr val="00864b"/>
+                </a:solidFill>
+                <a:latin typeface="Arial"/>
+              </a:rPr>
+              <a:t>http://www.xyz.com</a:t>
+            </a:r>
+            <a:r>
+              <a:rPr b="0" lang="fr-FR" sz="1800" spc="-1" strike="noStrike">
+                <a:latin typeface="Arial"/>
+              </a:rPr>
+              <a:t>/zz/</a:t>
+            </a:r>
+            <a:r>
+              <a:rPr b="0" lang="fr-FR" sz="1800" spc="-1" strike="noStrike">
+                <a:solidFill>
+                  <a:srgbClr val="ce181e"/>
+                </a:solidFill>
+                <a:latin typeface="Arial"/>
+              </a:rPr>
+              <a:t>api-b/aaa/bbb</a:t>
+            </a:r>
+            <a:r>
+              <a:rPr b="0" lang="fr-FR" sz="1800" spc="-1" strike="noStrike">
+                <a:latin typeface="Arial"/>
+              </a:rPr>
+              <a:t> </a:t>
+            </a:r>
+            <a:r>
+              <a:rPr b="0" i="1" lang="fr-FR" sz="1800" spc="-1" strike="noStrike">
+                <a:solidFill>
+                  <a:srgbClr val="00864b"/>
+                </a:solidFill>
+                <a:latin typeface="Arial"/>
+              </a:rPr>
+              <a:t>(pas besoin CORS)</a:t>
+            </a:r>
+            <a:endParaRPr b="0" lang="fr-FR" sz="1800" spc="-1" strike="noStrike">
+              <a:latin typeface="Arial"/>
+            </a:endParaRPr>
+          </a:p>
+          <a:p>
+            <a:r>
+              <a:rPr b="0" lang="fr-FR" sz="1800" spc="-1" strike="noStrike">
+                <a:latin typeface="Arial"/>
+              </a:rPr>
+              <a:t>URL étape 4 : </a:t>
+            </a:r>
+            <a:r>
+              <a:rPr b="0" lang="fr-FR" sz="1800" spc="-1" strike="noStrike">
+                <a:solidFill>
+                  <a:srgbClr val="182f7c"/>
+                </a:solidFill>
+                <a:latin typeface="Arial"/>
+              </a:rPr>
+              <a:t>http://serveurB:8282</a:t>
+            </a:r>
+            <a:r>
+              <a:rPr b="0" lang="fr-FR" sz="1800" spc="-1" strike="noStrike">
+                <a:latin typeface="Arial"/>
+              </a:rPr>
+              <a:t>/</a:t>
+            </a:r>
+            <a:r>
+              <a:rPr b="0" lang="fr-FR" sz="1800" spc="-1" strike="noStrike">
+                <a:solidFill>
+                  <a:srgbClr val="ce181e"/>
+                </a:solidFill>
+                <a:latin typeface="Arial"/>
+              </a:rPr>
+              <a:t>api-b/aaa/bbb</a:t>
+            </a:r>
+            <a:r>
+              <a:rPr b="0" lang="fr-FR" sz="1800" spc="-1" strike="noStrike">
+                <a:latin typeface="Arial"/>
+              </a:rPr>
+              <a:t> </a:t>
+            </a:r>
+            <a:r>
+              <a:rPr b="1" i="1" lang="fr-FR" sz="1800" spc="-1" strike="noStrike">
+                <a:solidFill>
+                  <a:srgbClr val="182f7c"/>
+                </a:solidFill>
+                <a:latin typeface="Arial"/>
+              </a:rPr>
+              <a:t>(redirection reverse-proxy)</a:t>
+            </a:r>
+            <a:r>
+              <a:rPr b="0" lang="fr-FR" sz="1800" spc="-1" strike="noStrike">
+                <a:solidFill>
+                  <a:srgbClr val="182f7c"/>
+                </a:solidFill>
+                <a:latin typeface="Arial"/>
+              </a:rPr>
+              <a:t> </a:t>
             </a:r>
             <a:endParaRPr b="0" lang="fr-FR" sz="1800" spc="-1" strike="noStrike">
               <a:latin typeface="Arial"/>
@@ -8441,21 +9133,25 @@
       </p:grpSpPr>
       <p:sp>
         <p:nvSpPr>
-          <p:cNvPr id="163" name="CustomShape 1"/>
-          <p:cNvSpPr/>
-          <p:nvPr/>
-        </p:nvSpPr>
-        <p:spPr>
-          <a:xfrm>
-            <a:off x="685800" y="2130480"/>
-            <a:ext cx="7773120" cy="2233080"/>
-          </a:xfrm>
-          <a:prstGeom prst="rect">
-            <a:avLst/>
-          </a:prstGeom>
-          <a:noFill/>
-          <a:ln>
-            <a:noFill/>
+          <p:cNvPr id="168" name="CustomShape 1"/>
+          <p:cNvSpPr/>
+          <p:nvPr/>
+        </p:nvSpPr>
+        <p:spPr>
+          <a:xfrm>
+            <a:off x="6984720" y="1583280"/>
+            <a:ext cx="1439280" cy="1151280"/>
+          </a:xfrm>
+          <a:prstGeom prst="rect">
+            <a:avLst/>
+          </a:prstGeom>
+          <a:solidFill>
+            <a:srgbClr val="c2e0ae"/>
+          </a:solidFill>
+          <a:ln>
+            <a:solidFill>
+              <a:srgbClr val="3465a4"/>
+            </a:solidFill>
           </a:ln>
         </p:spPr>
         <p:style>
@@ -8467,14 +9163,70 @@
       </p:sp>
       <p:sp>
         <p:nvSpPr>
-          <p:cNvPr id="164" name="CustomShape 2"/>
+          <p:cNvPr id="169" name="CustomShape 2"/>
+          <p:cNvSpPr/>
+          <p:nvPr/>
+        </p:nvSpPr>
+        <p:spPr>
+          <a:xfrm>
+            <a:off x="6841440" y="1441440"/>
+            <a:ext cx="1439280" cy="1151280"/>
+          </a:xfrm>
+          <a:prstGeom prst="rect">
+            <a:avLst/>
+          </a:prstGeom>
+          <a:solidFill>
+            <a:srgbClr val="c2e0ae"/>
+          </a:solidFill>
+          <a:ln>
+            <a:solidFill>
+              <a:srgbClr val="3465a4"/>
+            </a:solidFill>
+          </a:ln>
+        </p:spPr>
+        <p:style>
+          <a:lnRef idx="0"/>
+          <a:fillRef idx="0"/>
+          <a:effectRef idx="0"/>
+          <a:fontRef idx="minor"/>
+        </p:style>
+      </p:sp>
+      <p:sp>
+        <p:nvSpPr>
+          <p:cNvPr id="170" name="CustomShape 3"/>
+          <p:cNvSpPr/>
+          <p:nvPr/>
+        </p:nvSpPr>
+        <p:spPr>
+          <a:xfrm>
+            <a:off x="685800" y="1842480"/>
+            <a:ext cx="7772760" cy="2232720"/>
+          </a:xfrm>
+          <a:prstGeom prst="rect">
+            <a:avLst/>
+          </a:prstGeom>
+          <a:noFill/>
+          <a:ln>
+            <a:noFill/>
+          </a:ln>
+        </p:spPr>
+        <p:style>
+          <a:lnRef idx="0"/>
+          <a:fillRef idx="0"/>
+          <a:effectRef idx="0"/>
+          <a:fontRef idx="minor"/>
+        </p:style>
+      </p:sp>
+      <p:sp>
+        <p:nvSpPr>
+          <p:cNvPr id="171" name="CustomShape 4"/>
           <p:cNvSpPr/>
           <p:nvPr/>
         </p:nvSpPr>
         <p:spPr>
           <a:xfrm>
             <a:off x="457560" y="116640"/>
-            <a:ext cx="8228880" cy="461880"/>
+            <a:ext cx="8228520" cy="461520"/>
           </a:xfrm>
           <a:prstGeom prst="rect">
             <a:avLst/>
@@ -8507,10 +9259,1638 @@
                 </a:solidFill>
                 <a:uFillTx/>
                 <a:latin typeface="Calibri"/>
-              </a:rPr>
-              <a:t>Notion de serveur d'authentification (oauth2)</a:t>
+                <a:ea typeface="DejaVu Sans"/>
+              </a:rPr>
+              <a:t>Notion de api-gateway</a:t>
             </a:r>
             <a:endParaRPr b="0" lang="fr-FR" sz="3600" spc="-1" strike="noStrike">
+              <a:latin typeface="Arial"/>
+            </a:endParaRPr>
+          </a:p>
+        </p:txBody>
+      </p:sp>
+      <p:sp>
+        <p:nvSpPr>
+          <p:cNvPr id="172" name="CustomShape 5"/>
+          <p:cNvSpPr/>
+          <p:nvPr/>
+        </p:nvSpPr>
+        <p:spPr>
+          <a:xfrm>
+            <a:off x="688320" y="1842480"/>
+            <a:ext cx="7772760" cy="2232720"/>
+          </a:xfrm>
+          <a:prstGeom prst="rect">
+            <a:avLst/>
+          </a:prstGeom>
+          <a:noFill/>
+          <a:ln>
+            <a:noFill/>
+          </a:ln>
+        </p:spPr>
+        <p:style>
+          <a:lnRef idx="0"/>
+          <a:fillRef idx="0"/>
+          <a:effectRef idx="0"/>
+          <a:fontRef idx="minor"/>
+        </p:style>
+      </p:sp>
+      <p:sp>
+        <p:nvSpPr>
+          <p:cNvPr id="173" name="CustomShape 6"/>
+          <p:cNvSpPr/>
+          <p:nvPr/>
+        </p:nvSpPr>
+        <p:spPr>
+          <a:xfrm>
+            <a:off x="398160" y="1774800"/>
+            <a:ext cx="286560" cy="358560"/>
+          </a:xfrm>
+          <a:prstGeom prst="smileyFace">
+            <a:avLst>
+              <a:gd name="adj" fmla="val 4653"/>
+            </a:avLst>
+          </a:prstGeom>
+          <a:ln>
+            <a:solidFill>
+              <a:srgbClr val="be4b48"/>
+            </a:solidFill>
+            <a:round/>
+          </a:ln>
+          <a:effectLst>
+            <a:outerShdw blurRad="40000" dir="5400000" dist="20000" rotWithShape="0">
+              <a:srgbClr val="000000">
+                <a:alpha val="38000"/>
+              </a:srgbClr>
+            </a:outerShdw>
+          </a:effectLst>
+        </p:spPr>
+        <p:style>
+          <a:lnRef idx="1">
+            <a:schemeClr val="accent2"/>
+          </a:lnRef>
+          <a:fillRef idx="2">
+            <a:schemeClr val="accent2"/>
+          </a:fillRef>
+          <a:effectRef idx="1">
+            <a:schemeClr val="accent2"/>
+          </a:effectRef>
+          <a:fontRef idx="minor"/>
+        </p:style>
+      </p:sp>
+      <p:sp>
+        <p:nvSpPr>
+          <p:cNvPr id="174" name="CustomShape 7"/>
+          <p:cNvSpPr/>
+          <p:nvPr/>
+        </p:nvSpPr>
+        <p:spPr>
+          <a:xfrm>
+            <a:off x="398160" y="2206800"/>
+            <a:ext cx="286560" cy="214560"/>
+          </a:xfrm>
+          <a:prstGeom prst="heart">
+            <a:avLst/>
+          </a:prstGeom>
+          <a:ln>
+            <a:solidFill>
+              <a:srgbClr val="be4b48"/>
+            </a:solidFill>
+            <a:round/>
+          </a:ln>
+          <a:effectLst>
+            <a:outerShdw blurRad="40000" dir="5400000" dist="20000" rotWithShape="0">
+              <a:srgbClr val="000000">
+                <a:alpha val="38000"/>
+              </a:srgbClr>
+            </a:outerShdw>
+          </a:effectLst>
+        </p:spPr>
+        <p:style>
+          <a:lnRef idx="1">
+            <a:schemeClr val="accent2"/>
+          </a:lnRef>
+          <a:fillRef idx="2">
+            <a:schemeClr val="accent2"/>
+          </a:fillRef>
+          <a:effectRef idx="1">
+            <a:schemeClr val="accent2"/>
+          </a:effectRef>
+          <a:fontRef idx="minor"/>
+        </p:style>
+      </p:sp>
+      <p:sp>
+        <p:nvSpPr>
+          <p:cNvPr id="175" name="CustomShape 8"/>
+          <p:cNvSpPr/>
+          <p:nvPr/>
+        </p:nvSpPr>
+        <p:spPr>
+          <a:xfrm>
+            <a:off x="756720" y="1813320"/>
+            <a:ext cx="286560" cy="358560"/>
+          </a:xfrm>
+          <a:prstGeom prst="smileyFace">
+            <a:avLst>
+              <a:gd name="adj" fmla="val 4653"/>
+            </a:avLst>
+          </a:prstGeom>
+          <a:ln>
+            <a:solidFill>
+              <a:srgbClr val="be4b48"/>
+            </a:solidFill>
+            <a:round/>
+          </a:ln>
+          <a:effectLst>
+            <a:outerShdw blurRad="40000" dir="5400000" dist="20000" rotWithShape="0">
+              <a:srgbClr val="000000">
+                <a:alpha val="38000"/>
+              </a:srgbClr>
+            </a:outerShdw>
+          </a:effectLst>
+        </p:spPr>
+        <p:style>
+          <a:lnRef idx="1">
+            <a:schemeClr val="accent2"/>
+          </a:lnRef>
+          <a:fillRef idx="2">
+            <a:schemeClr val="accent2"/>
+          </a:fillRef>
+          <a:effectRef idx="1">
+            <a:schemeClr val="accent2"/>
+          </a:effectRef>
+          <a:fontRef idx="minor"/>
+        </p:style>
+      </p:sp>
+      <p:sp>
+        <p:nvSpPr>
+          <p:cNvPr id="176" name="CustomShape 9"/>
+          <p:cNvSpPr/>
+          <p:nvPr/>
+        </p:nvSpPr>
+        <p:spPr>
+          <a:xfrm>
+            <a:off x="756720" y="2245680"/>
+            <a:ext cx="286560" cy="214560"/>
+          </a:xfrm>
+          <a:prstGeom prst="heart">
+            <a:avLst/>
+          </a:prstGeom>
+          <a:ln>
+            <a:solidFill>
+              <a:srgbClr val="be4b48"/>
+            </a:solidFill>
+            <a:round/>
+          </a:ln>
+          <a:effectLst>
+            <a:outerShdw blurRad="40000" dir="5400000" dist="20000" rotWithShape="0">
+              <a:srgbClr val="000000">
+                <a:alpha val="38000"/>
+              </a:srgbClr>
+            </a:outerShdw>
+          </a:effectLst>
+        </p:spPr>
+        <p:style>
+          <a:lnRef idx="1">
+            <a:schemeClr val="accent2"/>
+          </a:lnRef>
+          <a:fillRef idx="2">
+            <a:schemeClr val="accent2"/>
+          </a:fillRef>
+          <a:effectRef idx="1">
+            <a:schemeClr val="accent2"/>
+          </a:effectRef>
+          <a:fontRef idx="minor"/>
+        </p:style>
+      </p:sp>
+      <p:sp>
+        <p:nvSpPr>
+          <p:cNvPr id="177" name="CustomShape 10"/>
+          <p:cNvSpPr/>
+          <p:nvPr/>
+        </p:nvSpPr>
+        <p:spPr>
+          <a:xfrm>
+            <a:off x="550440" y="1927440"/>
+            <a:ext cx="286560" cy="358560"/>
+          </a:xfrm>
+          <a:prstGeom prst="smileyFace">
+            <a:avLst>
+              <a:gd name="adj" fmla="val 4653"/>
+            </a:avLst>
+          </a:prstGeom>
+          <a:ln>
+            <a:solidFill>
+              <a:srgbClr val="be4b48"/>
+            </a:solidFill>
+            <a:round/>
+          </a:ln>
+          <a:effectLst>
+            <a:outerShdw blurRad="40000" dir="5400000" dist="20000" rotWithShape="0">
+              <a:srgbClr val="000000">
+                <a:alpha val="38000"/>
+              </a:srgbClr>
+            </a:outerShdw>
+          </a:effectLst>
+        </p:spPr>
+        <p:style>
+          <a:lnRef idx="1">
+            <a:schemeClr val="accent2"/>
+          </a:lnRef>
+          <a:fillRef idx="2">
+            <a:schemeClr val="accent2"/>
+          </a:fillRef>
+          <a:effectRef idx="1">
+            <a:schemeClr val="accent2"/>
+          </a:effectRef>
+          <a:fontRef idx="minor"/>
+        </p:style>
+      </p:sp>
+      <p:sp>
+        <p:nvSpPr>
+          <p:cNvPr id="178" name="CustomShape 11"/>
+          <p:cNvSpPr/>
+          <p:nvPr/>
+        </p:nvSpPr>
+        <p:spPr>
+          <a:xfrm>
+            <a:off x="550440" y="2359440"/>
+            <a:ext cx="286560" cy="214560"/>
+          </a:xfrm>
+          <a:prstGeom prst="heart">
+            <a:avLst/>
+          </a:prstGeom>
+          <a:ln>
+            <a:solidFill>
+              <a:srgbClr val="be4b48"/>
+            </a:solidFill>
+            <a:round/>
+          </a:ln>
+          <a:effectLst>
+            <a:outerShdw blurRad="40000" dir="5400000" dist="20000" rotWithShape="0">
+              <a:srgbClr val="000000">
+                <a:alpha val="38000"/>
+              </a:srgbClr>
+            </a:outerShdw>
+          </a:effectLst>
+        </p:spPr>
+        <p:style>
+          <a:lnRef idx="1">
+            <a:schemeClr val="accent2"/>
+          </a:lnRef>
+          <a:fillRef idx="2">
+            <a:schemeClr val="accent2"/>
+          </a:fillRef>
+          <a:effectRef idx="1">
+            <a:schemeClr val="accent2"/>
+          </a:effectRef>
+          <a:fontRef idx="minor"/>
+        </p:style>
+      </p:sp>
+      <p:sp>
+        <p:nvSpPr>
+          <p:cNvPr id="179" name="CustomShape 12"/>
+          <p:cNvSpPr/>
+          <p:nvPr/>
+        </p:nvSpPr>
+        <p:spPr>
+          <a:xfrm>
+            <a:off x="218520" y="2736000"/>
+            <a:ext cx="1367280" cy="935280"/>
+          </a:xfrm>
+          <a:prstGeom prst="rect">
+            <a:avLst/>
+          </a:prstGeom>
+          <a:solidFill>
+            <a:srgbClr val="dddddd"/>
+          </a:solidFill>
+          <a:ln>
+            <a:solidFill>
+              <a:srgbClr val="3465a4"/>
+            </a:solidFill>
+          </a:ln>
+        </p:spPr>
+        <p:style>
+          <a:lnRef idx="0"/>
+          <a:fillRef idx="0"/>
+          <a:effectRef idx="0"/>
+          <a:fontRef idx="minor"/>
+        </p:style>
+      </p:sp>
+      <p:sp>
+        <p:nvSpPr>
+          <p:cNvPr id="180" name="CustomShape 13"/>
+          <p:cNvSpPr/>
+          <p:nvPr/>
+        </p:nvSpPr>
+        <p:spPr>
+          <a:xfrm>
+            <a:off x="434520" y="2880000"/>
+            <a:ext cx="1329480" cy="935280"/>
+          </a:xfrm>
+          <a:prstGeom prst="rect">
+            <a:avLst/>
+          </a:prstGeom>
+          <a:solidFill>
+            <a:srgbClr val="dddddd"/>
+          </a:solidFill>
+          <a:ln>
+            <a:solidFill>
+              <a:srgbClr val="3465a4"/>
+            </a:solidFill>
+          </a:ln>
+        </p:spPr>
+        <p:style>
+          <a:lnRef idx="0"/>
+          <a:fillRef idx="0"/>
+          <a:effectRef idx="0"/>
+          <a:fontRef idx="minor"/>
+        </p:style>
+      </p:sp>
+      <p:sp>
+        <p:nvSpPr>
+          <p:cNvPr id="181" name="CustomShape 14"/>
+          <p:cNvSpPr/>
+          <p:nvPr/>
+        </p:nvSpPr>
+        <p:spPr>
+          <a:xfrm>
+            <a:off x="650520" y="3096000"/>
+            <a:ext cx="1295280" cy="935280"/>
+          </a:xfrm>
+          <a:prstGeom prst="rect">
+            <a:avLst/>
+          </a:prstGeom>
+          <a:solidFill>
+            <a:srgbClr val="dddddd"/>
+          </a:solidFill>
+          <a:ln>
+            <a:solidFill>
+              <a:srgbClr val="3465a4"/>
+            </a:solidFill>
+          </a:ln>
+        </p:spPr>
+        <p:style>
+          <a:lnRef idx="0"/>
+          <a:fillRef idx="0"/>
+          <a:effectRef idx="0"/>
+          <a:fontRef idx="minor"/>
+        </p:style>
+      </p:sp>
+      <p:sp>
+        <p:nvSpPr>
+          <p:cNvPr id="182" name="CustomShape 15"/>
+          <p:cNvSpPr/>
+          <p:nvPr/>
+        </p:nvSpPr>
+        <p:spPr>
+          <a:xfrm>
+            <a:off x="3170520" y="2160000"/>
+            <a:ext cx="2519640" cy="2520000"/>
+          </a:xfrm>
+          <a:prstGeom prst="rect">
+            <a:avLst/>
+          </a:prstGeom>
+          <a:solidFill>
+            <a:srgbClr val="fdc578"/>
+          </a:solidFill>
+          <a:ln>
+            <a:solidFill>
+              <a:srgbClr val="3465a4"/>
+            </a:solidFill>
+          </a:ln>
+        </p:spPr>
+        <p:style>
+          <a:lnRef idx="0"/>
+          <a:fillRef idx="0"/>
+          <a:effectRef idx="0"/>
+          <a:fontRef idx="minor"/>
+        </p:style>
+      </p:sp>
+      <p:sp>
+        <p:nvSpPr>
+          <p:cNvPr id="183" name="CustomShape 16"/>
+          <p:cNvSpPr/>
+          <p:nvPr/>
+        </p:nvSpPr>
+        <p:spPr>
+          <a:xfrm>
+            <a:off x="3198240" y="1152000"/>
+            <a:ext cx="2489760" cy="864000"/>
+          </a:xfrm>
+          <a:prstGeom prst="rect">
+            <a:avLst/>
+          </a:prstGeom>
+          <a:noFill/>
+          <a:ln>
+            <a:noFill/>
+          </a:ln>
+        </p:spPr>
+        <p:style>
+          <a:lnRef idx="0"/>
+          <a:fillRef idx="0"/>
+          <a:effectRef idx="0"/>
+          <a:fontRef idx="minor"/>
+        </p:style>
+        <p:txBody>
+          <a:bodyPr lIns="90000" rIns="90000" tIns="45000" bIns="45000"/>
+          <a:p>
+            <a:r>
+              <a:rPr b="1" lang="fr-FR" sz="2400" spc="-1" strike="noStrike">
+                <a:solidFill>
+                  <a:srgbClr val="ce181e"/>
+                </a:solidFill>
+                <a:latin typeface="Arial"/>
+              </a:rPr>
+              <a:t>api-getaway</a:t>
+            </a:r>
+            <a:endParaRPr b="1" lang="fr-FR" sz="2400" spc="-1" strike="noStrike">
+              <a:solidFill>
+                <a:srgbClr val="ce181e"/>
+              </a:solidFill>
+              <a:latin typeface="Arial"/>
+            </a:endParaRPr>
+          </a:p>
+          <a:p>
+            <a:r>
+              <a:rPr b="0" i="1" lang="fr-FR" sz="2400" spc="-1" strike="noStrike">
+                <a:solidFill>
+                  <a:srgbClr val="ce181e"/>
+                </a:solidFill>
+                <a:latin typeface="Arial"/>
+              </a:rPr>
+              <a:t>(ex : Kong , ...)</a:t>
+            </a:r>
+            <a:endParaRPr b="1" lang="fr-FR" sz="2400" spc="-1" strike="noStrike">
+              <a:solidFill>
+                <a:srgbClr val="ce181e"/>
+              </a:solidFill>
+              <a:latin typeface="Arial"/>
+            </a:endParaRPr>
+          </a:p>
+        </p:txBody>
+      </p:sp>
+      <p:sp>
+        <p:nvSpPr>
+          <p:cNvPr id="184" name="Line 17"/>
+          <p:cNvSpPr/>
+          <p:nvPr/>
+        </p:nvSpPr>
+        <p:spPr>
+          <a:xfrm flipV="1">
+            <a:off x="1080000" y="3528000"/>
+            <a:ext cx="2520000" cy="180000"/>
+          </a:xfrm>
+          <a:prstGeom prst="line">
+            <a:avLst/>
+          </a:prstGeom>
+          <a:ln w="38160">
+            <a:solidFill>
+              <a:srgbClr val="000000"/>
+            </a:solidFill>
+            <a:round/>
+            <a:tailEnd len="med" type="triangle" w="med"/>
+          </a:ln>
+        </p:spPr>
+        <p:style>
+          <a:lnRef idx="0"/>
+          <a:fillRef idx="0"/>
+          <a:effectRef idx="0"/>
+          <a:fontRef idx="minor"/>
+        </p:style>
+      </p:sp>
+      <p:sp>
+        <p:nvSpPr>
+          <p:cNvPr id="185" name="TextShape 18"/>
+          <p:cNvSpPr txBox="1"/>
+          <p:nvPr/>
+        </p:nvSpPr>
+        <p:spPr>
+          <a:xfrm>
+            <a:off x="146520" y="936000"/>
+            <a:ext cx="1904400" cy="602280"/>
+          </a:xfrm>
+          <a:prstGeom prst="rect">
+            <a:avLst/>
+          </a:prstGeom>
+          <a:noFill/>
+          <a:ln>
+            <a:noFill/>
+          </a:ln>
+        </p:spPr>
+        <p:txBody>
+          <a:bodyPr lIns="90000" rIns="90000" tIns="45000" bIns="45000"/>
+          <a:p>
+            <a:r>
+              <a:rPr b="0" lang="fr-FR" sz="1800" spc="-1" strike="noStrike">
+                <a:latin typeface="Arial"/>
+              </a:rPr>
+              <a:t>Utilisateurs</a:t>
+            </a:r>
+            <a:br/>
+            <a:r>
+              <a:rPr b="0" lang="fr-FR" sz="1800" spc="-1" strike="noStrike">
+                <a:latin typeface="Arial"/>
+              </a:rPr>
+              <a:t>avec navigateurs</a:t>
+            </a:r>
+            <a:endParaRPr b="0" lang="fr-FR" sz="1800" spc="-1" strike="noStrike">
+              <a:latin typeface="Arial"/>
+            </a:endParaRPr>
+          </a:p>
+        </p:txBody>
+      </p:sp>
+      <p:sp>
+        <p:nvSpPr>
+          <p:cNvPr id="186" name="CustomShape 19"/>
+          <p:cNvSpPr/>
+          <p:nvPr/>
+        </p:nvSpPr>
+        <p:spPr>
+          <a:xfrm>
+            <a:off x="688320" y="1842480"/>
+            <a:ext cx="7772760" cy="2232720"/>
+          </a:xfrm>
+          <a:prstGeom prst="rect">
+            <a:avLst/>
+          </a:prstGeom>
+          <a:noFill/>
+          <a:ln>
+            <a:noFill/>
+          </a:ln>
+        </p:spPr>
+        <p:style>
+          <a:lnRef idx="0"/>
+          <a:fillRef idx="0"/>
+          <a:effectRef idx="0"/>
+          <a:fontRef idx="minor"/>
+        </p:style>
+      </p:sp>
+      <p:sp>
+        <p:nvSpPr>
+          <p:cNvPr id="187" name="CustomShape 20"/>
+          <p:cNvSpPr/>
+          <p:nvPr/>
+        </p:nvSpPr>
+        <p:spPr>
+          <a:xfrm>
+            <a:off x="6696720" y="1224000"/>
+            <a:ext cx="1439280" cy="1151280"/>
+          </a:xfrm>
+          <a:prstGeom prst="rect">
+            <a:avLst/>
+          </a:prstGeom>
+          <a:solidFill>
+            <a:srgbClr val="c2e0ae"/>
+          </a:solidFill>
+          <a:ln>
+            <a:solidFill>
+              <a:srgbClr val="3465a4"/>
+            </a:solidFill>
+          </a:ln>
+        </p:spPr>
+        <p:style>
+          <a:lnRef idx="0"/>
+          <a:fillRef idx="0"/>
+          <a:effectRef idx="0"/>
+          <a:fontRef idx="minor"/>
+        </p:style>
+        <p:txBody>
+          <a:bodyPr wrap="none" lIns="90000" rIns="90000" tIns="45000" bIns="45000" anchor="ctr"/>
+          <a:p>
+            <a:r>
+              <a:rPr b="0" lang="fr-FR" sz="1800" spc="-1" strike="noStrike">
+                <a:solidFill>
+                  <a:srgbClr val="182f7c"/>
+                </a:solidFill>
+                <a:latin typeface="Arial"/>
+                <a:ea typeface="DejaVu Sans"/>
+              </a:rPr>
+              <a:t>api_rest_A</a:t>
+            </a:r>
+            <a:endParaRPr b="0" lang="fr-FR" sz="1800" spc="-1" strike="noStrike">
+              <a:solidFill>
+                <a:srgbClr val="182f7c"/>
+              </a:solidFill>
+              <a:latin typeface="Arial"/>
+            </a:endParaRPr>
+          </a:p>
+          <a:p>
+            <a:r>
+              <a:rPr b="0" lang="fr-FR" sz="1800" spc="-1" strike="noStrike">
+                <a:solidFill>
+                  <a:srgbClr val="182f7c"/>
+                </a:solidFill>
+                <a:latin typeface="Arial"/>
+                <a:ea typeface="DejaVu Sans"/>
+              </a:rPr>
+              <a:t>sur</a:t>
+            </a:r>
+            <a:endParaRPr b="0" lang="fr-FR" sz="1800" spc="-1" strike="noStrike">
+              <a:solidFill>
+                <a:srgbClr val="182f7c"/>
+              </a:solidFill>
+              <a:latin typeface="Arial"/>
+            </a:endParaRPr>
+          </a:p>
+          <a:p>
+            <a:r>
+              <a:rPr b="1" lang="fr-FR" sz="1800" spc="-1" strike="noStrike">
+                <a:solidFill>
+                  <a:srgbClr val="182f7c"/>
+                </a:solidFill>
+                <a:latin typeface="Arial"/>
+                <a:ea typeface="DejaVu Sans"/>
+              </a:rPr>
+              <a:t>backEnd</a:t>
+            </a:r>
+            <a:r>
+              <a:rPr b="0" lang="fr-FR" sz="1800" spc="-1" strike="noStrike">
+                <a:solidFill>
+                  <a:srgbClr val="182f7c"/>
+                </a:solidFill>
+                <a:latin typeface="Arial"/>
+                <a:ea typeface="DejaVu Sans"/>
+              </a:rPr>
+              <a:t> </a:t>
+            </a:r>
+            <a:endParaRPr b="0" lang="fr-FR" sz="1800" spc="-1" strike="noStrike">
+              <a:solidFill>
+                <a:srgbClr val="182f7c"/>
+              </a:solidFill>
+              <a:latin typeface="Arial"/>
+            </a:endParaRPr>
+          </a:p>
+          <a:p>
+            <a:r>
+              <a:rPr b="0" lang="fr-FR" sz="1800" spc="-1" strike="noStrike">
+                <a:solidFill>
+                  <a:srgbClr val="182f7c"/>
+                </a:solidFill>
+                <a:latin typeface="Arial"/>
+                <a:ea typeface="DejaVu Sans"/>
+              </a:rPr>
+              <a:t>springBoot</a:t>
+            </a:r>
+            <a:endParaRPr b="0" lang="fr-FR" sz="1800" spc="-1" strike="noStrike">
+              <a:solidFill>
+                <a:srgbClr val="182f7c"/>
+              </a:solidFill>
+              <a:latin typeface="Arial"/>
+            </a:endParaRPr>
+          </a:p>
+        </p:txBody>
+      </p:sp>
+      <p:sp>
+        <p:nvSpPr>
+          <p:cNvPr id="188" name="CustomShape 21"/>
+          <p:cNvSpPr/>
+          <p:nvPr/>
+        </p:nvSpPr>
+        <p:spPr>
+          <a:xfrm>
+            <a:off x="7128720" y="3672720"/>
+            <a:ext cx="1439280" cy="1151280"/>
+          </a:xfrm>
+          <a:prstGeom prst="rect">
+            <a:avLst/>
+          </a:prstGeom>
+          <a:solidFill>
+            <a:srgbClr val="c2e0ae"/>
+          </a:solidFill>
+          <a:ln>
+            <a:solidFill>
+              <a:srgbClr val="3465a4"/>
+            </a:solidFill>
+          </a:ln>
+        </p:spPr>
+        <p:style>
+          <a:lnRef idx="0"/>
+          <a:fillRef idx="0"/>
+          <a:effectRef idx="0"/>
+          <a:fontRef idx="minor"/>
+        </p:style>
+      </p:sp>
+      <p:sp>
+        <p:nvSpPr>
+          <p:cNvPr id="189" name="CustomShape 22"/>
+          <p:cNvSpPr/>
+          <p:nvPr/>
+        </p:nvSpPr>
+        <p:spPr>
+          <a:xfrm>
+            <a:off x="6985440" y="3530880"/>
+            <a:ext cx="1439280" cy="1151280"/>
+          </a:xfrm>
+          <a:prstGeom prst="rect">
+            <a:avLst/>
+          </a:prstGeom>
+          <a:solidFill>
+            <a:srgbClr val="c2e0ae"/>
+          </a:solidFill>
+          <a:ln>
+            <a:solidFill>
+              <a:srgbClr val="3465a4"/>
+            </a:solidFill>
+          </a:ln>
+        </p:spPr>
+        <p:style>
+          <a:lnRef idx="0"/>
+          <a:fillRef idx="0"/>
+          <a:effectRef idx="0"/>
+          <a:fontRef idx="minor"/>
+        </p:style>
+      </p:sp>
+      <p:sp>
+        <p:nvSpPr>
+          <p:cNvPr id="190" name="CustomShape 23"/>
+          <p:cNvSpPr/>
+          <p:nvPr/>
+        </p:nvSpPr>
+        <p:spPr>
+          <a:xfrm>
+            <a:off x="6843960" y="3386880"/>
+            <a:ext cx="1439280" cy="1151280"/>
+          </a:xfrm>
+          <a:prstGeom prst="rect">
+            <a:avLst/>
+          </a:prstGeom>
+          <a:solidFill>
+            <a:srgbClr val="c2e0ae"/>
+          </a:solidFill>
+          <a:ln>
+            <a:solidFill>
+              <a:srgbClr val="3465a4"/>
+            </a:solidFill>
+          </a:ln>
+        </p:spPr>
+        <p:style>
+          <a:lnRef idx="0"/>
+          <a:fillRef idx="0"/>
+          <a:effectRef idx="0"/>
+          <a:fontRef idx="minor"/>
+        </p:style>
+        <p:txBody>
+          <a:bodyPr wrap="none" lIns="90000" rIns="90000" tIns="45000" bIns="45000" anchor="ctr"/>
+          <a:p>
+            <a:r>
+              <a:rPr b="0" lang="fr-FR" sz="1800" spc="-1" strike="noStrike">
+                <a:solidFill>
+                  <a:srgbClr val="182f7c"/>
+                </a:solidFill>
+                <a:latin typeface="Arial"/>
+                <a:ea typeface="DejaVu Sans"/>
+              </a:rPr>
+              <a:t>api_rest_B</a:t>
+            </a:r>
+            <a:endParaRPr b="0" lang="fr-FR" sz="1800" spc="-1" strike="noStrike">
+              <a:solidFill>
+                <a:srgbClr val="182f7c"/>
+              </a:solidFill>
+              <a:latin typeface="Arial"/>
+            </a:endParaRPr>
+          </a:p>
+          <a:p>
+            <a:r>
+              <a:rPr b="0" lang="fr-FR" sz="1800" spc="-1" strike="noStrike">
+                <a:solidFill>
+                  <a:srgbClr val="182f7c"/>
+                </a:solidFill>
+                <a:latin typeface="Arial"/>
+                <a:ea typeface="DejaVu Sans"/>
+              </a:rPr>
+              <a:t>sur</a:t>
+            </a:r>
+            <a:endParaRPr b="0" lang="fr-FR" sz="1800" spc="-1" strike="noStrike">
+              <a:solidFill>
+                <a:srgbClr val="182f7c"/>
+              </a:solidFill>
+              <a:latin typeface="Arial"/>
+            </a:endParaRPr>
+          </a:p>
+          <a:p>
+            <a:r>
+              <a:rPr b="1" lang="fr-FR" sz="1800" spc="-1" strike="noStrike">
+                <a:solidFill>
+                  <a:srgbClr val="182f7c"/>
+                </a:solidFill>
+                <a:latin typeface="Arial"/>
+                <a:ea typeface="DejaVu Sans"/>
+              </a:rPr>
+              <a:t>backEnd</a:t>
+            </a:r>
+            <a:r>
+              <a:rPr b="0" lang="fr-FR" sz="1800" spc="-1" strike="noStrike">
+                <a:solidFill>
+                  <a:srgbClr val="182f7c"/>
+                </a:solidFill>
+                <a:latin typeface="Arial"/>
+                <a:ea typeface="DejaVu Sans"/>
+              </a:rPr>
+              <a:t> </a:t>
+            </a:r>
+            <a:endParaRPr b="0" lang="fr-FR" sz="1800" spc="-1" strike="noStrike">
+              <a:solidFill>
+                <a:srgbClr val="182f7c"/>
+              </a:solidFill>
+              <a:latin typeface="Arial"/>
+            </a:endParaRPr>
+          </a:p>
+          <a:p>
+            <a:r>
+              <a:rPr b="0" lang="fr-FR" sz="1800" spc="-1" strike="noStrike">
+                <a:solidFill>
+                  <a:srgbClr val="182f7c"/>
+                </a:solidFill>
+                <a:latin typeface="Arial"/>
+                <a:ea typeface="DejaVu Sans"/>
+              </a:rPr>
+              <a:t>nodeJs</a:t>
+            </a:r>
+            <a:endParaRPr b="0" lang="fr-FR" sz="1800" spc="-1" strike="noStrike">
+              <a:solidFill>
+                <a:srgbClr val="182f7c"/>
+              </a:solidFill>
+              <a:latin typeface="Arial"/>
+            </a:endParaRPr>
+          </a:p>
+        </p:txBody>
+      </p:sp>
+      <p:sp>
+        <p:nvSpPr>
+          <p:cNvPr id="191" name="TextShape 24"/>
+          <p:cNvSpPr txBox="1"/>
+          <p:nvPr/>
+        </p:nvSpPr>
+        <p:spPr>
+          <a:xfrm>
+            <a:off x="2088000" y="2808000"/>
+            <a:ext cx="930600" cy="346320"/>
+          </a:xfrm>
+          <a:prstGeom prst="rect">
+            <a:avLst/>
+          </a:prstGeom>
+          <a:noFill/>
+          <a:ln>
+            <a:noFill/>
+          </a:ln>
+        </p:spPr>
+        <p:txBody>
+          <a:bodyPr lIns="90000" rIns="90000" tIns="45000" bIns="45000"/>
+          <a:p>
+            <a:r>
+              <a:rPr b="1" lang="fr-FR" sz="1800" spc="-1" strike="noStrike">
+                <a:latin typeface="Arial"/>
+              </a:rPr>
+              <a:t>HTTPS</a:t>
+            </a:r>
+            <a:endParaRPr b="1" lang="fr-FR" sz="1800" spc="-1" strike="noStrike">
+              <a:latin typeface="Arial"/>
+            </a:endParaRPr>
+          </a:p>
+        </p:txBody>
+      </p:sp>
+      <p:sp>
+        <p:nvSpPr>
+          <p:cNvPr id="192" name="Line 25"/>
+          <p:cNvSpPr/>
+          <p:nvPr/>
+        </p:nvSpPr>
+        <p:spPr>
+          <a:xfrm flipV="1">
+            <a:off x="4752000" y="1656000"/>
+            <a:ext cx="2016000" cy="1152000"/>
+          </a:xfrm>
+          <a:prstGeom prst="line">
+            <a:avLst/>
+          </a:prstGeom>
+          <a:ln>
+            <a:solidFill>
+              <a:srgbClr val="000000"/>
+            </a:solidFill>
+            <a:tailEnd len="med" type="triangle" w="med"/>
+          </a:ln>
+        </p:spPr>
+        <p:style>
+          <a:lnRef idx="0"/>
+          <a:fillRef idx="0"/>
+          <a:effectRef idx="0"/>
+          <a:fontRef idx="minor"/>
+        </p:style>
+      </p:sp>
+      <p:sp>
+        <p:nvSpPr>
+          <p:cNvPr id="193" name="Line 26"/>
+          <p:cNvSpPr/>
+          <p:nvPr/>
+        </p:nvSpPr>
+        <p:spPr>
+          <a:xfrm flipV="1">
+            <a:off x="4824000" y="2448000"/>
+            <a:ext cx="2017440" cy="360000"/>
+          </a:xfrm>
+          <a:prstGeom prst="line">
+            <a:avLst/>
+          </a:prstGeom>
+          <a:ln>
+            <a:solidFill>
+              <a:srgbClr val="000000"/>
+            </a:solidFill>
+            <a:tailEnd len="med" type="triangle" w="med"/>
+          </a:ln>
+        </p:spPr>
+        <p:style>
+          <a:lnRef idx="0"/>
+          <a:fillRef idx="0"/>
+          <a:effectRef idx="0"/>
+          <a:fontRef idx="minor"/>
+        </p:style>
+      </p:sp>
+      <p:sp>
+        <p:nvSpPr>
+          <p:cNvPr id="194" name="Line 27"/>
+          <p:cNvSpPr/>
+          <p:nvPr/>
+        </p:nvSpPr>
+        <p:spPr>
+          <a:xfrm flipV="1">
+            <a:off x="4824000" y="2664000"/>
+            <a:ext cx="2160720" cy="144000"/>
+          </a:xfrm>
+          <a:prstGeom prst="line">
+            <a:avLst/>
+          </a:prstGeom>
+          <a:ln>
+            <a:solidFill>
+              <a:srgbClr val="000000"/>
+            </a:solidFill>
+            <a:tailEnd len="med" type="triangle" w="med"/>
+          </a:ln>
+        </p:spPr>
+        <p:style>
+          <a:lnRef idx="0"/>
+          <a:fillRef idx="0"/>
+          <a:effectRef idx="0"/>
+          <a:fontRef idx="minor"/>
+        </p:style>
+      </p:sp>
+      <p:sp>
+        <p:nvSpPr>
+          <p:cNvPr id="195" name="Line 28"/>
+          <p:cNvSpPr/>
+          <p:nvPr/>
+        </p:nvSpPr>
+        <p:spPr>
+          <a:xfrm>
+            <a:off x="5040000" y="3888000"/>
+            <a:ext cx="1872000" cy="0"/>
+          </a:xfrm>
+          <a:prstGeom prst="line">
+            <a:avLst/>
+          </a:prstGeom>
+          <a:ln>
+            <a:solidFill>
+              <a:srgbClr val="000000"/>
+            </a:solidFill>
+            <a:tailEnd len="med" type="triangle" w="med"/>
+          </a:ln>
+        </p:spPr>
+        <p:style>
+          <a:lnRef idx="0"/>
+          <a:fillRef idx="0"/>
+          <a:effectRef idx="0"/>
+          <a:fontRef idx="minor"/>
+        </p:style>
+      </p:sp>
+      <p:sp>
+        <p:nvSpPr>
+          <p:cNvPr id="196" name="Line 29"/>
+          <p:cNvSpPr/>
+          <p:nvPr/>
+        </p:nvSpPr>
+        <p:spPr>
+          <a:xfrm>
+            <a:off x="5040000" y="3888000"/>
+            <a:ext cx="2016000" cy="720000"/>
+          </a:xfrm>
+          <a:prstGeom prst="line">
+            <a:avLst/>
+          </a:prstGeom>
+          <a:ln>
+            <a:solidFill>
+              <a:srgbClr val="000000"/>
+            </a:solidFill>
+            <a:tailEnd len="med" type="triangle" w="med"/>
+          </a:ln>
+        </p:spPr>
+        <p:style>
+          <a:lnRef idx="0"/>
+          <a:fillRef idx="0"/>
+          <a:effectRef idx="0"/>
+          <a:fontRef idx="minor"/>
+        </p:style>
+      </p:sp>
+      <p:sp>
+        <p:nvSpPr>
+          <p:cNvPr id="197" name="Line 30"/>
+          <p:cNvSpPr/>
+          <p:nvPr/>
+        </p:nvSpPr>
+        <p:spPr>
+          <a:xfrm>
+            <a:off x="5040000" y="3888000"/>
+            <a:ext cx="2088720" cy="936000"/>
+          </a:xfrm>
+          <a:prstGeom prst="line">
+            <a:avLst/>
+          </a:prstGeom>
+          <a:ln>
+            <a:solidFill>
+              <a:srgbClr val="000000"/>
+            </a:solidFill>
+            <a:tailEnd len="med" type="triangle" w="med"/>
+          </a:ln>
+        </p:spPr>
+        <p:style>
+          <a:lnRef idx="0"/>
+          <a:fillRef idx="0"/>
+          <a:effectRef idx="0"/>
+          <a:fontRef idx="minor"/>
+        </p:style>
+      </p:sp>
+      <p:sp>
+        <p:nvSpPr>
+          <p:cNvPr id="198" name="TextShape 31"/>
+          <p:cNvSpPr txBox="1"/>
+          <p:nvPr/>
+        </p:nvSpPr>
+        <p:spPr>
+          <a:xfrm>
+            <a:off x="5904000" y="2173680"/>
+            <a:ext cx="561600" cy="346320"/>
+          </a:xfrm>
+          <a:prstGeom prst="rect">
+            <a:avLst/>
+          </a:prstGeom>
+          <a:noFill/>
+          <a:ln>
+            <a:noFill/>
+          </a:ln>
+        </p:spPr>
+        <p:txBody>
+          <a:bodyPr lIns="90000" rIns="90000" tIns="45000" bIns="45000"/>
+          <a:p>
+            <a:r>
+              <a:rPr b="0" lang="fr-FR" sz="1800" spc="-1" strike="noStrike">
+                <a:latin typeface="Arial"/>
+              </a:rPr>
+              <a:t>http</a:t>
+            </a:r>
+            <a:endParaRPr b="0" lang="fr-FR" sz="1800" spc="-1" strike="noStrike">
+              <a:latin typeface="Arial"/>
+            </a:endParaRPr>
+          </a:p>
+        </p:txBody>
+      </p:sp>
+      <p:sp>
+        <p:nvSpPr>
+          <p:cNvPr id="199" name="TextShape 32"/>
+          <p:cNvSpPr txBox="1"/>
+          <p:nvPr/>
+        </p:nvSpPr>
+        <p:spPr>
+          <a:xfrm>
+            <a:off x="6062400" y="3901680"/>
+            <a:ext cx="561600" cy="346320"/>
+          </a:xfrm>
+          <a:prstGeom prst="rect">
+            <a:avLst/>
+          </a:prstGeom>
+          <a:noFill/>
+          <a:ln>
+            <a:noFill/>
+          </a:ln>
+        </p:spPr>
+        <p:txBody>
+          <a:bodyPr lIns="90000" rIns="90000" tIns="45000" bIns="45000"/>
+          <a:p>
+            <a:r>
+              <a:rPr b="0" lang="fr-FR" sz="1800" spc="-1" strike="noStrike">
+                <a:latin typeface="Arial"/>
+              </a:rPr>
+              <a:t>http</a:t>
+            </a:r>
+            <a:endParaRPr b="0" lang="fr-FR" sz="1800" spc="-1" strike="noStrike">
+              <a:latin typeface="Arial"/>
+            </a:endParaRPr>
+          </a:p>
+        </p:txBody>
+      </p:sp>
+      <p:sp>
+        <p:nvSpPr>
+          <p:cNvPr id="200" name="CustomShape 33"/>
+          <p:cNvSpPr/>
+          <p:nvPr/>
+        </p:nvSpPr>
+        <p:spPr>
+          <a:xfrm>
+            <a:off x="3240000" y="5256000"/>
+            <a:ext cx="2664000" cy="864000"/>
+          </a:xfrm>
+          <a:prstGeom prst="rect">
+            <a:avLst/>
+          </a:prstGeom>
+          <a:solidFill>
+            <a:srgbClr val="cccccc"/>
+          </a:solidFill>
+          <a:ln>
+            <a:solidFill>
+              <a:srgbClr val="3465a4"/>
+            </a:solidFill>
+          </a:ln>
+        </p:spPr>
+        <p:style>
+          <a:lnRef idx="0"/>
+          <a:fillRef idx="0"/>
+          <a:effectRef idx="0"/>
+          <a:fontRef idx="minor"/>
+        </p:style>
+        <p:txBody>
+          <a:bodyPr wrap="none" lIns="90000" rIns="90000" tIns="45000" bIns="45000" anchor="ctr"/>
+          <a:p>
+            <a:pPr algn="ctr"/>
+            <a:r>
+              <a:rPr b="0" lang="fr-FR" sz="1800" spc="-1" strike="noStrike">
+                <a:latin typeface="Arial"/>
+              </a:rPr>
+              <a:t>éventuel</a:t>
+            </a:r>
+            <a:endParaRPr b="0" lang="fr-FR" sz="1800" spc="-1" strike="noStrike">
+              <a:latin typeface="Arial"/>
+            </a:endParaRPr>
+          </a:p>
+          <a:p>
+            <a:pPr algn="ctr"/>
+            <a:r>
+              <a:rPr b="0" lang="fr-FR" sz="1800" spc="-1" strike="noStrike">
+                <a:latin typeface="Arial"/>
+              </a:rPr>
+              <a:t>serveur d'authentification</a:t>
+            </a:r>
+            <a:endParaRPr b="0" lang="fr-FR" sz="1800" spc="-1" strike="noStrike">
+              <a:latin typeface="Arial"/>
+            </a:endParaRPr>
+          </a:p>
+          <a:p>
+            <a:pPr algn="ctr"/>
+            <a:r>
+              <a:rPr b="0" lang="fr-FR" sz="1800" spc="-1" strike="noStrike">
+                <a:latin typeface="Arial"/>
+              </a:rPr>
+              <a:t>oauth2</a:t>
+            </a:r>
+            <a:endParaRPr b="0" lang="fr-FR" sz="1800" spc="-1" strike="noStrike">
+              <a:latin typeface="Arial"/>
+            </a:endParaRPr>
+          </a:p>
+        </p:txBody>
+      </p:sp>
+      <p:sp>
+        <p:nvSpPr>
+          <p:cNvPr id="201" name="CustomShape 34"/>
+          <p:cNvSpPr/>
+          <p:nvPr/>
+        </p:nvSpPr>
+        <p:spPr>
+          <a:xfrm>
+            <a:off x="3672000" y="2880000"/>
+            <a:ext cx="1440000" cy="1512000"/>
+          </a:xfrm>
+          <a:custGeom>
+            <a:avLst/>
+            <a:gdLst/>
+            <a:ahLst/>
+            <a:rect l="l" t="t" r="r" b="b"/>
+            <a:pathLst>
+              <a:path w="21600" h="21600">
+                <a:moveTo>
+                  <a:pt x="1930" y="7160"/>
+                </a:moveTo>
+                <a:cubicBezTo>
+                  <a:pt x="1530" y="4490"/>
+                  <a:pt x="3400" y="1970"/>
+                  <a:pt x="5270" y="1970"/>
+                </a:cubicBezTo>
+                <a:cubicBezTo>
+                  <a:pt x="5860" y="1950"/>
+                  <a:pt x="6470" y="2210"/>
+                  <a:pt x="6970" y="2600"/>
+                </a:cubicBezTo>
+                <a:cubicBezTo>
+                  <a:pt x="7450" y="1390"/>
+                  <a:pt x="8340" y="650"/>
+                  <a:pt x="9340" y="650"/>
+                </a:cubicBezTo>
+                <a:cubicBezTo>
+                  <a:pt x="10004" y="690"/>
+                  <a:pt x="10710" y="1050"/>
+                  <a:pt x="11210" y="1700"/>
+                </a:cubicBezTo>
+                <a:cubicBezTo>
+                  <a:pt x="11570" y="630"/>
+                  <a:pt x="12330" y="0"/>
+                  <a:pt x="13150" y="0"/>
+                </a:cubicBezTo>
+                <a:cubicBezTo>
+                  <a:pt x="13840" y="0"/>
+                  <a:pt x="14470" y="460"/>
+                  <a:pt x="14870" y="1160"/>
+                </a:cubicBezTo>
+                <a:cubicBezTo>
+                  <a:pt x="15330" y="440"/>
+                  <a:pt x="16020" y="0"/>
+                  <a:pt x="16740" y="0"/>
+                </a:cubicBezTo>
+                <a:cubicBezTo>
+                  <a:pt x="17910" y="0"/>
+                  <a:pt x="18900" y="1130"/>
+                  <a:pt x="19110" y="2710"/>
+                </a:cubicBezTo>
+                <a:cubicBezTo>
+                  <a:pt x="20240" y="3150"/>
+                  <a:pt x="21060" y="4580"/>
+                  <a:pt x="21060" y="6220"/>
+                </a:cubicBezTo>
+                <a:cubicBezTo>
+                  <a:pt x="21060" y="6720"/>
+                  <a:pt x="21000" y="7200"/>
+                  <a:pt x="20830" y="7660"/>
+                </a:cubicBezTo>
+                <a:cubicBezTo>
+                  <a:pt x="21310" y="8460"/>
+                  <a:pt x="21600" y="9450"/>
+                  <a:pt x="21600" y="10460"/>
+                </a:cubicBezTo>
+                <a:cubicBezTo>
+                  <a:pt x="21600" y="12750"/>
+                  <a:pt x="20310" y="14680"/>
+                  <a:pt x="18650" y="15010"/>
+                </a:cubicBezTo>
+                <a:cubicBezTo>
+                  <a:pt x="18650" y="17200"/>
+                  <a:pt x="17370" y="18920"/>
+                  <a:pt x="15770" y="18920"/>
+                </a:cubicBezTo>
+                <a:cubicBezTo>
+                  <a:pt x="15220" y="18920"/>
+                  <a:pt x="14700" y="18710"/>
+                  <a:pt x="14240" y="18310"/>
+                </a:cubicBezTo>
+                <a:cubicBezTo>
+                  <a:pt x="13820" y="20240"/>
+                  <a:pt x="12490" y="21600"/>
+                  <a:pt x="11000" y="21600"/>
+                </a:cubicBezTo>
+                <a:cubicBezTo>
+                  <a:pt x="9890" y="21600"/>
+                  <a:pt x="8840" y="20790"/>
+                  <a:pt x="8210" y="19510"/>
+                </a:cubicBezTo>
+                <a:cubicBezTo>
+                  <a:pt x="7620" y="20000"/>
+                  <a:pt x="7930" y="20290"/>
+                  <a:pt x="6240" y="20290"/>
+                </a:cubicBezTo>
+                <a:cubicBezTo>
+                  <a:pt x="4850" y="20290"/>
+                  <a:pt x="3570" y="19280"/>
+                  <a:pt x="2900" y="17640"/>
+                </a:cubicBezTo>
+                <a:cubicBezTo>
+                  <a:pt x="1300" y="17600"/>
+                  <a:pt x="480" y="16300"/>
+                  <a:pt x="480" y="14660"/>
+                </a:cubicBezTo>
+                <a:cubicBezTo>
+                  <a:pt x="480" y="13900"/>
+                  <a:pt x="690" y="13210"/>
+                  <a:pt x="1070" y="12640"/>
+                </a:cubicBezTo>
+                <a:cubicBezTo>
+                  <a:pt x="380" y="12160"/>
+                  <a:pt x="0" y="11210"/>
+                  <a:pt x="0" y="10120"/>
+                </a:cubicBezTo>
+                <a:cubicBezTo>
+                  <a:pt x="0" y="8590"/>
+                  <a:pt x="840" y="7330"/>
+                  <a:pt x="1930" y="7160"/>
+                </a:cubicBezTo>
+                <a:close/>
+                <a:moveTo>
+                  <a:pt x="1930" y="7160"/>
+                </a:moveTo>
+                <a:cubicBezTo>
+                  <a:pt x="1950" y="7410"/>
+                  <a:pt x="2040" y="7690"/>
+                  <a:pt x="2090" y="7920"/>
+                </a:cubicBezTo>
+                <a:moveTo>
+                  <a:pt x="6970" y="2600"/>
+                </a:moveTo>
+                <a:cubicBezTo>
+                  <a:pt x="7200" y="2790"/>
+                  <a:pt x="7480" y="3050"/>
+                  <a:pt x="7670" y="3310"/>
+                </a:cubicBezTo>
+                <a:moveTo>
+                  <a:pt x="11210" y="1700"/>
+                </a:moveTo>
+                <a:cubicBezTo>
+                  <a:pt x="11130" y="1910"/>
+                  <a:pt x="11080" y="2160"/>
+                  <a:pt x="11030" y="2400"/>
+                </a:cubicBezTo>
+                <a:moveTo>
+                  <a:pt x="14870" y="1160"/>
+                </a:moveTo>
+                <a:cubicBezTo>
+                  <a:pt x="14720" y="1400"/>
+                  <a:pt x="14640" y="1720"/>
+                  <a:pt x="14540" y="2010"/>
+                </a:cubicBezTo>
+                <a:moveTo>
+                  <a:pt x="19110" y="2710"/>
+                </a:moveTo>
+                <a:cubicBezTo>
+                  <a:pt x="19130" y="2890"/>
+                  <a:pt x="19230" y="3290"/>
+                  <a:pt x="19190" y="3380"/>
+                </a:cubicBezTo>
+                <a:moveTo>
+                  <a:pt x="20830" y="7660"/>
+                </a:moveTo>
+                <a:cubicBezTo>
+                  <a:pt x="20660" y="8170"/>
+                  <a:pt x="20430" y="8620"/>
+                  <a:pt x="20110" y="8990"/>
+                </a:cubicBezTo>
+                <a:moveTo>
+                  <a:pt x="18660" y="15010"/>
+                </a:moveTo>
+                <a:cubicBezTo>
+                  <a:pt x="18740" y="14200"/>
+                  <a:pt x="18280" y="12200"/>
+                  <a:pt x="17000" y="11450"/>
+                </a:cubicBezTo>
+                <a:moveTo>
+                  <a:pt x="14240" y="18310"/>
+                </a:moveTo>
+                <a:cubicBezTo>
+                  <a:pt x="14320" y="17980"/>
+                  <a:pt x="14350" y="17680"/>
+                  <a:pt x="14370" y="17360"/>
+                </a:cubicBezTo>
+                <a:moveTo>
+                  <a:pt x="8220" y="19510"/>
+                </a:moveTo>
+                <a:cubicBezTo>
+                  <a:pt x="8060" y="19250"/>
+                  <a:pt x="7960" y="18950"/>
+                  <a:pt x="7860" y="18640"/>
+                </a:cubicBezTo>
+                <a:moveTo>
+                  <a:pt x="2900" y="17640"/>
+                </a:moveTo>
+                <a:cubicBezTo>
+                  <a:pt x="3090" y="17600"/>
+                  <a:pt x="3280" y="17540"/>
+                  <a:pt x="3460" y="17450"/>
+                </a:cubicBezTo>
+                <a:moveTo>
+                  <a:pt x="1070" y="12640"/>
+                </a:moveTo>
+                <a:cubicBezTo>
+                  <a:pt x="1400" y="12900"/>
+                  <a:pt x="1780" y="13130"/>
+                  <a:pt x="2330" y="13040"/>
+                </a:cubicBezTo>
+              </a:path>
+            </a:pathLst>
+          </a:custGeom>
+          <a:solidFill>
+            <a:srgbClr val="add58a"/>
+          </a:solidFill>
+          <a:ln>
+            <a:solidFill>
+              <a:srgbClr val="3465a4"/>
+            </a:solidFill>
+          </a:ln>
+        </p:spPr>
+        <p:style>
+          <a:lnRef idx="0"/>
+          <a:fillRef idx="0"/>
+          <a:effectRef idx="0"/>
+          <a:fontRef idx="minor"/>
+        </p:style>
+      </p:sp>
+      <p:sp>
+        <p:nvSpPr>
+          <p:cNvPr id="202" name="Line 35"/>
+          <p:cNvSpPr/>
+          <p:nvPr/>
+        </p:nvSpPr>
+        <p:spPr>
+          <a:xfrm>
+            <a:off x="4752000" y="4536000"/>
+            <a:ext cx="648000" cy="864000"/>
+          </a:xfrm>
+          <a:prstGeom prst="line">
+            <a:avLst/>
+          </a:prstGeom>
+          <a:ln w="19080">
+            <a:solidFill>
+              <a:srgbClr val="000000"/>
+            </a:solidFill>
+            <a:round/>
+          </a:ln>
+        </p:spPr>
+        <p:style>
+          <a:lnRef idx="0"/>
+          <a:fillRef idx="0"/>
+          <a:effectRef idx="0"/>
+          <a:fontRef idx="minor"/>
+        </p:style>
+      </p:sp>
+      <p:sp>
+        <p:nvSpPr>
+          <p:cNvPr id="203" name="Line 36"/>
+          <p:cNvSpPr/>
+          <p:nvPr/>
+        </p:nvSpPr>
+        <p:spPr>
+          <a:xfrm flipV="1">
+            <a:off x="1800000" y="3816000"/>
+            <a:ext cx="2448000" cy="864000"/>
+          </a:xfrm>
+          <a:prstGeom prst="line">
+            <a:avLst/>
+          </a:prstGeom>
+          <a:ln>
+            <a:solidFill>
+              <a:srgbClr val="000000"/>
+            </a:solidFill>
+            <a:custDash/>
+            <a:tailEnd len="med" type="triangle" w="med"/>
+          </a:ln>
+        </p:spPr>
+        <p:style>
+          <a:lnRef idx="0"/>
+          <a:fillRef idx="0"/>
+          <a:effectRef idx="0"/>
+          <a:fontRef idx="minor"/>
+        </p:style>
+      </p:sp>
+      <p:sp>
+        <p:nvSpPr>
+          <p:cNvPr id="204" name="TextShape 37"/>
+          <p:cNvSpPr txBox="1"/>
+          <p:nvPr/>
+        </p:nvSpPr>
+        <p:spPr>
+          <a:xfrm>
+            <a:off x="288000" y="4752000"/>
+            <a:ext cx="2719440" cy="1882080"/>
+          </a:xfrm>
+          <a:prstGeom prst="rect">
+            <a:avLst/>
+          </a:prstGeom>
+          <a:noFill/>
+          <a:ln>
+            <a:noFill/>
+          </a:ln>
+        </p:spPr>
+        <p:txBody>
+          <a:bodyPr lIns="90000" rIns="90000" tIns="45000" bIns="45000"/>
+          <a:p>
+            <a:r>
+              <a:rPr b="1" lang="fr-FR" sz="1800" spc="-1" strike="noStrike" u="sng">
+                <a:uFillTx/>
+                <a:latin typeface="Arial"/>
+              </a:rPr>
+              <a:t>valeurs ajoutées :</a:t>
+            </a:r>
+            <a:br/>
+            <a:r>
+              <a:rPr b="0" lang="fr-FR" sz="1800" spc="-1" strike="noStrike">
+                <a:latin typeface="Arial"/>
+              </a:rPr>
+              <a:t>* </a:t>
+            </a:r>
+            <a:r>
+              <a:rPr b="1" lang="fr-FR" sz="1800" spc="-1" strike="noStrike">
+                <a:latin typeface="Arial"/>
+              </a:rPr>
+              <a:t>sécurité</a:t>
+            </a:r>
+            <a:r>
+              <a:rPr b="0" lang="fr-FR" sz="1800" spc="-1" strike="noStrike">
+                <a:latin typeface="Arial"/>
+              </a:rPr>
+              <a:t> (ssl,oauth2,...)</a:t>
+            </a:r>
+            <a:endParaRPr b="0" lang="fr-FR" sz="1800" spc="-1" strike="noStrike">
+              <a:latin typeface="Arial"/>
+            </a:endParaRPr>
+          </a:p>
+          <a:p>
+            <a:r>
+              <a:rPr b="0" lang="fr-FR" sz="1800" spc="-1" strike="noStrike">
+                <a:latin typeface="Arial"/>
+              </a:rPr>
+              <a:t>* </a:t>
+            </a:r>
+            <a:r>
+              <a:rPr b="1" lang="fr-FR" sz="1800" spc="-1" strike="noStrike">
+                <a:latin typeface="Arial"/>
+              </a:rPr>
+              <a:t>load-balancing</a:t>
+            </a:r>
+            <a:endParaRPr b="0" lang="fr-FR" sz="1800" spc="-1" strike="noStrike">
+              <a:latin typeface="Arial"/>
+            </a:endParaRPr>
+          </a:p>
+          <a:p>
+            <a:r>
+              <a:rPr b="0" lang="fr-FR" sz="1800" spc="-1" strike="noStrike">
+                <a:latin typeface="Arial"/>
+              </a:rPr>
+              <a:t>* </a:t>
+            </a:r>
+            <a:r>
+              <a:rPr b="1" lang="fr-FR" sz="1800" spc="-1" strike="noStrike">
+                <a:latin typeface="Arial"/>
+              </a:rPr>
+              <a:t>api-key</a:t>
+            </a:r>
+            <a:r>
+              <a:rPr b="0" lang="fr-FR" sz="1800" spc="-1" strike="noStrike">
+                <a:latin typeface="Arial"/>
+              </a:rPr>
+              <a:t> (si nécessaire)</a:t>
+            </a:r>
+            <a:endParaRPr b="0" lang="fr-FR" sz="1800" spc="-1" strike="noStrike">
+              <a:latin typeface="Arial"/>
+            </a:endParaRPr>
+          </a:p>
+          <a:p>
+            <a:r>
+              <a:rPr b="0" lang="fr-FR" sz="1800" spc="-1" strike="noStrike">
+                <a:latin typeface="Arial"/>
+              </a:rPr>
+              <a:t>* </a:t>
+            </a:r>
+            <a:r>
+              <a:rPr b="0" i="1" lang="fr-FR" sz="1800" spc="-1" strike="noStrike">
+                <a:latin typeface="Arial"/>
+              </a:rPr>
+              <a:t>documentation</a:t>
+            </a:r>
+            <a:endParaRPr b="0" lang="fr-FR" sz="1800" spc="-1" strike="noStrike">
+              <a:latin typeface="Arial"/>
+            </a:endParaRPr>
+          </a:p>
+          <a:p>
+            <a:r>
+              <a:rPr b="0" lang="fr-FR" sz="1800" spc="-1" strike="noStrike">
+                <a:latin typeface="Arial"/>
+              </a:rPr>
+              <a:t>* </a:t>
+            </a:r>
+            <a:r>
+              <a:rPr b="0" i="1" lang="fr-FR" sz="1800" spc="-1" strike="noStrike">
+                <a:latin typeface="Arial"/>
+              </a:rPr>
+              <a:t>monitoring</a:t>
+            </a:r>
+            <a:endParaRPr b="0" lang="fr-FR" sz="1800" spc="-1" strike="noStrike">
+              <a:latin typeface="Arial"/>
+            </a:endParaRPr>
+          </a:p>
+          <a:p>
+            <a:r>
+              <a:rPr b="0" lang="fr-FR" sz="1800" spc="-1" strike="noStrike">
+                <a:latin typeface="Arial"/>
+              </a:rPr>
+              <a:t>*</a:t>
+            </a:r>
+            <a:r>
+              <a:rPr b="1" i="1" lang="fr-FR" sz="1800" spc="-1" strike="noStrike">
+                <a:latin typeface="Arial"/>
+              </a:rPr>
+              <a:t> ...</a:t>
+            </a:r>
+            <a:endParaRPr b="0" lang="fr-FR" sz="1800" spc="-1" strike="noStrike">
               <a:latin typeface="Arial"/>
             </a:endParaRPr>
           </a:p>
@@ -8567,14 +10947,14 @@
       </p:grpSpPr>
       <p:sp>
         <p:nvSpPr>
-          <p:cNvPr id="165" name="CustomShape 1"/>
-          <p:cNvSpPr/>
-          <p:nvPr/>
-        </p:nvSpPr>
-        <p:spPr>
-          <a:xfrm>
-            <a:off x="685800" y="2130480"/>
-            <a:ext cx="7773120" cy="2233080"/>
+          <p:cNvPr id="205" name="CustomShape 1"/>
+          <p:cNvSpPr/>
+          <p:nvPr/>
+        </p:nvSpPr>
+        <p:spPr>
+          <a:xfrm>
+            <a:off x="704880" y="1684080"/>
+            <a:ext cx="7772760" cy="2232720"/>
           </a:xfrm>
           <a:prstGeom prst="rect">
             <a:avLst/>
@@ -8593,14 +10973,14 @@
       </p:sp>
       <p:sp>
         <p:nvSpPr>
-          <p:cNvPr id="166" name="CustomShape 2"/>
+          <p:cNvPr id="206" name="CustomShape 2"/>
           <p:cNvSpPr/>
           <p:nvPr/>
         </p:nvSpPr>
         <p:spPr>
           <a:xfrm>
             <a:off x="457560" y="116640"/>
-            <a:ext cx="8228880" cy="461880"/>
+            <a:ext cx="8228520" cy="461520"/>
           </a:xfrm>
           <a:prstGeom prst="rect">
             <a:avLst/>
@@ -8633,10 +11013,2351 @@
                 </a:solidFill>
                 <a:uFillTx/>
                 <a:latin typeface="Calibri"/>
-              </a:rPr>
-              <a:t>Notion de api-gateway</a:t>
+                <a:ea typeface="DejaVu Sans"/>
+              </a:rPr>
+              <a:t>Notion d</a:t>
+            </a:r>
+            <a:r>
+              <a:rPr b="1" lang="fr-FR" sz="3600" spc="-1" strike="noStrike" u="sng">
+                <a:solidFill>
+                  <a:srgbClr val="182f7c"/>
+                </a:solidFill>
+                <a:uFillTx/>
+                <a:latin typeface="Calibri"/>
+                <a:ea typeface="DejaVu Sans"/>
+              </a:rPr>
+              <a:t>e serveur d'authentification</a:t>
+            </a:r>
+            <a:r>
+              <a:rPr b="0" lang="fr-FR" sz="3600" spc="-1" strike="noStrike" u="sng">
+                <a:solidFill>
+                  <a:srgbClr val="182f7c"/>
+                </a:solidFill>
+                <a:uFillTx/>
+                <a:latin typeface="Calibri"/>
+                <a:ea typeface="DejaVu Sans"/>
+              </a:rPr>
+              <a:t> (</a:t>
+            </a:r>
+            <a:r>
+              <a:rPr b="1" lang="fr-FR" sz="3600" spc="-1" strike="noStrike" u="sng">
+                <a:solidFill>
+                  <a:srgbClr val="182f7c"/>
+                </a:solidFill>
+                <a:uFillTx/>
+                <a:latin typeface="Calibri"/>
+                <a:ea typeface="DejaVu Sans"/>
+              </a:rPr>
+              <a:t>oauth2</a:t>
+            </a:r>
+            <a:r>
+              <a:rPr b="0" lang="fr-FR" sz="3600" spc="-1" strike="noStrike" u="sng">
+                <a:solidFill>
+                  <a:srgbClr val="182f7c"/>
+                </a:solidFill>
+                <a:uFillTx/>
+                <a:latin typeface="Calibri"/>
+                <a:ea typeface="DejaVu Sans"/>
+              </a:rPr>
+              <a:t>)</a:t>
             </a:r>
             <a:endParaRPr b="0" lang="fr-FR" sz="3600" spc="-1" strike="noStrike">
+              <a:latin typeface="Arial"/>
+            </a:endParaRPr>
+          </a:p>
+        </p:txBody>
+      </p:sp>
+      <p:sp>
+        <p:nvSpPr>
+          <p:cNvPr id="207" name="CustomShape 3"/>
+          <p:cNvSpPr/>
+          <p:nvPr/>
+        </p:nvSpPr>
+        <p:spPr>
+          <a:xfrm>
+            <a:off x="707400" y="1684080"/>
+            <a:ext cx="7772760" cy="2232720"/>
+          </a:xfrm>
+          <a:prstGeom prst="rect">
+            <a:avLst/>
+          </a:prstGeom>
+          <a:noFill/>
+          <a:ln>
+            <a:noFill/>
+          </a:ln>
+        </p:spPr>
+        <p:style>
+          <a:lnRef idx="0"/>
+          <a:fillRef idx="0"/>
+          <a:effectRef idx="0"/>
+          <a:fontRef idx="minor"/>
+        </p:style>
+      </p:sp>
+      <p:sp>
+        <p:nvSpPr>
+          <p:cNvPr id="208" name="CustomShape 4"/>
+          <p:cNvSpPr/>
+          <p:nvPr/>
+        </p:nvSpPr>
+        <p:spPr>
+          <a:xfrm>
+            <a:off x="417240" y="1616400"/>
+            <a:ext cx="286560" cy="358560"/>
+          </a:xfrm>
+          <a:prstGeom prst="smileyFace">
+            <a:avLst>
+              <a:gd name="adj" fmla="val 4653"/>
+            </a:avLst>
+          </a:prstGeom>
+          <a:ln>
+            <a:solidFill>
+              <a:srgbClr val="be4b48"/>
+            </a:solidFill>
+            <a:round/>
+          </a:ln>
+          <a:effectLst>
+            <a:outerShdw blurRad="40000" dir="5400000" dist="20000" rotWithShape="0">
+              <a:srgbClr val="000000">
+                <a:alpha val="38000"/>
+              </a:srgbClr>
+            </a:outerShdw>
+          </a:effectLst>
+        </p:spPr>
+        <p:style>
+          <a:lnRef idx="1">
+            <a:schemeClr val="accent2"/>
+          </a:lnRef>
+          <a:fillRef idx="2">
+            <a:schemeClr val="accent2"/>
+          </a:fillRef>
+          <a:effectRef idx="1">
+            <a:schemeClr val="accent2"/>
+          </a:effectRef>
+          <a:fontRef idx="minor"/>
+        </p:style>
+      </p:sp>
+      <p:sp>
+        <p:nvSpPr>
+          <p:cNvPr id="209" name="CustomShape 5"/>
+          <p:cNvSpPr/>
+          <p:nvPr/>
+        </p:nvSpPr>
+        <p:spPr>
+          <a:xfrm>
+            <a:off x="417240" y="2048400"/>
+            <a:ext cx="286560" cy="214560"/>
+          </a:xfrm>
+          <a:prstGeom prst="heart">
+            <a:avLst/>
+          </a:prstGeom>
+          <a:ln>
+            <a:solidFill>
+              <a:srgbClr val="be4b48"/>
+            </a:solidFill>
+            <a:round/>
+          </a:ln>
+          <a:effectLst>
+            <a:outerShdw blurRad="40000" dir="5400000" dist="20000" rotWithShape="0">
+              <a:srgbClr val="000000">
+                <a:alpha val="38000"/>
+              </a:srgbClr>
+            </a:outerShdw>
+          </a:effectLst>
+        </p:spPr>
+        <p:style>
+          <a:lnRef idx="1">
+            <a:schemeClr val="accent2"/>
+          </a:lnRef>
+          <a:fillRef idx="2">
+            <a:schemeClr val="accent2"/>
+          </a:fillRef>
+          <a:effectRef idx="1">
+            <a:schemeClr val="accent2"/>
+          </a:effectRef>
+          <a:fontRef idx="minor"/>
+        </p:style>
+      </p:sp>
+      <p:sp>
+        <p:nvSpPr>
+          <p:cNvPr id="210" name="CustomShape 6"/>
+          <p:cNvSpPr/>
+          <p:nvPr/>
+        </p:nvSpPr>
+        <p:spPr>
+          <a:xfrm>
+            <a:off x="775800" y="1654920"/>
+            <a:ext cx="286560" cy="358560"/>
+          </a:xfrm>
+          <a:prstGeom prst="smileyFace">
+            <a:avLst>
+              <a:gd name="adj" fmla="val 4653"/>
+            </a:avLst>
+          </a:prstGeom>
+          <a:ln>
+            <a:solidFill>
+              <a:srgbClr val="be4b48"/>
+            </a:solidFill>
+            <a:round/>
+          </a:ln>
+          <a:effectLst>
+            <a:outerShdw blurRad="40000" dir="5400000" dist="20000" rotWithShape="0">
+              <a:srgbClr val="000000">
+                <a:alpha val="38000"/>
+              </a:srgbClr>
+            </a:outerShdw>
+          </a:effectLst>
+        </p:spPr>
+        <p:style>
+          <a:lnRef idx="1">
+            <a:schemeClr val="accent2"/>
+          </a:lnRef>
+          <a:fillRef idx="2">
+            <a:schemeClr val="accent2"/>
+          </a:fillRef>
+          <a:effectRef idx="1">
+            <a:schemeClr val="accent2"/>
+          </a:effectRef>
+          <a:fontRef idx="minor"/>
+        </p:style>
+      </p:sp>
+      <p:sp>
+        <p:nvSpPr>
+          <p:cNvPr id="211" name="CustomShape 7"/>
+          <p:cNvSpPr/>
+          <p:nvPr/>
+        </p:nvSpPr>
+        <p:spPr>
+          <a:xfrm>
+            <a:off x="775800" y="2087280"/>
+            <a:ext cx="286560" cy="214560"/>
+          </a:xfrm>
+          <a:prstGeom prst="heart">
+            <a:avLst/>
+          </a:prstGeom>
+          <a:ln>
+            <a:solidFill>
+              <a:srgbClr val="be4b48"/>
+            </a:solidFill>
+            <a:round/>
+          </a:ln>
+          <a:effectLst>
+            <a:outerShdw blurRad="40000" dir="5400000" dist="20000" rotWithShape="0">
+              <a:srgbClr val="000000">
+                <a:alpha val="38000"/>
+              </a:srgbClr>
+            </a:outerShdw>
+          </a:effectLst>
+        </p:spPr>
+        <p:style>
+          <a:lnRef idx="1">
+            <a:schemeClr val="accent2"/>
+          </a:lnRef>
+          <a:fillRef idx="2">
+            <a:schemeClr val="accent2"/>
+          </a:fillRef>
+          <a:effectRef idx="1">
+            <a:schemeClr val="accent2"/>
+          </a:effectRef>
+          <a:fontRef idx="minor"/>
+        </p:style>
+      </p:sp>
+      <p:sp>
+        <p:nvSpPr>
+          <p:cNvPr id="212" name="CustomShape 8"/>
+          <p:cNvSpPr/>
+          <p:nvPr/>
+        </p:nvSpPr>
+        <p:spPr>
+          <a:xfrm>
+            <a:off x="569520" y="1769040"/>
+            <a:ext cx="286560" cy="358560"/>
+          </a:xfrm>
+          <a:prstGeom prst="smileyFace">
+            <a:avLst>
+              <a:gd name="adj" fmla="val 4653"/>
+            </a:avLst>
+          </a:prstGeom>
+          <a:ln>
+            <a:solidFill>
+              <a:srgbClr val="be4b48"/>
+            </a:solidFill>
+            <a:round/>
+          </a:ln>
+          <a:effectLst>
+            <a:outerShdw blurRad="40000" dir="5400000" dist="20000" rotWithShape="0">
+              <a:srgbClr val="000000">
+                <a:alpha val="38000"/>
+              </a:srgbClr>
+            </a:outerShdw>
+          </a:effectLst>
+        </p:spPr>
+        <p:style>
+          <a:lnRef idx="1">
+            <a:schemeClr val="accent2"/>
+          </a:lnRef>
+          <a:fillRef idx="2">
+            <a:schemeClr val="accent2"/>
+          </a:fillRef>
+          <a:effectRef idx="1">
+            <a:schemeClr val="accent2"/>
+          </a:effectRef>
+          <a:fontRef idx="minor"/>
+        </p:style>
+      </p:sp>
+      <p:sp>
+        <p:nvSpPr>
+          <p:cNvPr id="213" name="CustomShape 9"/>
+          <p:cNvSpPr/>
+          <p:nvPr/>
+        </p:nvSpPr>
+        <p:spPr>
+          <a:xfrm>
+            <a:off x="569520" y="2201040"/>
+            <a:ext cx="286560" cy="214560"/>
+          </a:xfrm>
+          <a:prstGeom prst="heart">
+            <a:avLst/>
+          </a:prstGeom>
+          <a:ln>
+            <a:solidFill>
+              <a:srgbClr val="be4b48"/>
+            </a:solidFill>
+            <a:round/>
+          </a:ln>
+          <a:effectLst>
+            <a:outerShdw blurRad="40000" dir="5400000" dist="20000" rotWithShape="0">
+              <a:srgbClr val="000000">
+                <a:alpha val="38000"/>
+              </a:srgbClr>
+            </a:outerShdw>
+          </a:effectLst>
+        </p:spPr>
+        <p:style>
+          <a:lnRef idx="1">
+            <a:schemeClr val="accent2"/>
+          </a:lnRef>
+          <a:fillRef idx="2">
+            <a:schemeClr val="accent2"/>
+          </a:fillRef>
+          <a:effectRef idx="1">
+            <a:schemeClr val="accent2"/>
+          </a:effectRef>
+          <a:fontRef idx="minor"/>
+        </p:style>
+      </p:sp>
+      <p:sp>
+        <p:nvSpPr>
+          <p:cNvPr id="214" name="CustomShape 10"/>
+          <p:cNvSpPr/>
+          <p:nvPr/>
+        </p:nvSpPr>
+        <p:spPr>
+          <a:xfrm>
+            <a:off x="237600" y="2577600"/>
+            <a:ext cx="907920" cy="935280"/>
+          </a:xfrm>
+          <a:prstGeom prst="rect">
+            <a:avLst/>
+          </a:prstGeom>
+          <a:solidFill>
+            <a:srgbClr val="dddddd"/>
+          </a:solidFill>
+          <a:ln>
+            <a:solidFill>
+              <a:srgbClr val="3465a4"/>
+            </a:solidFill>
+          </a:ln>
+        </p:spPr>
+        <p:style>
+          <a:lnRef idx="0"/>
+          <a:fillRef idx="0"/>
+          <a:effectRef idx="0"/>
+          <a:fontRef idx="minor"/>
+        </p:style>
+      </p:sp>
+      <p:sp>
+        <p:nvSpPr>
+          <p:cNvPr id="215" name="CustomShape 11"/>
+          <p:cNvSpPr/>
+          <p:nvPr/>
+        </p:nvSpPr>
+        <p:spPr>
+          <a:xfrm>
+            <a:off x="453600" y="2721600"/>
+            <a:ext cx="842400" cy="935280"/>
+          </a:xfrm>
+          <a:prstGeom prst="rect">
+            <a:avLst/>
+          </a:prstGeom>
+          <a:solidFill>
+            <a:srgbClr val="dddddd"/>
+          </a:solidFill>
+          <a:ln>
+            <a:solidFill>
+              <a:srgbClr val="3465a4"/>
+            </a:solidFill>
+          </a:ln>
+        </p:spPr>
+        <p:style>
+          <a:lnRef idx="0"/>
+          <a:fillRef idx="0"/>
+          <a:effectRef idx="0"/>
+          <a:fontRef idx="minor"/>
+        </p:style>
+      </p:sp>
+      <p:sp>
+        <p:nvSpPr>
+          <p:cNvPr id="216" name="CustomShape 12"/>
+          <p:cNvSpPr/>
+          <p:nvPr/>
+        </p:nvSpPr>
+        <p:spPr>
+          <a:xfrm>
+            <a:off x="2121840" y="944280"/>
+            <a:ext cx="1497240" cy="4103640"/>
+          </a:xfrm>
+          <a:prstGeom prst="rect">
+            <a:avLst/>
+          </a:prstGeom>
+          <a:solidFill>
+            <a:srgbClr val="7da7d8"/>
+          </a:solidFill>
+          <a:ln>
+            <a:solidFill>
+              <a:srgbClr val="3465a4"/>
+            </a:solidFill>
+          </a:ln>
+        </p:spPr>
+        <p:style>
+          <a:lnRef idx="0"/>
+          <a:fillRef idx="0"/>
+          <a:effectRef idx="0"/>
+          <a:fontRef idx="minor"/>
+        </p:style>
+        <p:txBody>
+          <a:bodyPr lIns="90000" rIns="90000" tIns="45000" bIns="45000"/>
+          <a:p>
+            <a:r>
+              <a:rPr b="0" i="1" lang="fr-FR" sz="1800" spc="-1" strike="noStrike">
+                <a:latin typeface="Arial"/>
+              </a:rPr>
+              <a:t>éventuel intermédiaire qui va bien</a:t>
+            </a:r>
+            <a:r>
+              <a:rPr b="0" lang="fr-FR" sz="1800" spc="-1" strike="noStrike">
+                <a:latin typeface="Arial"/>
+              </a:rPr>
+              <a:t> (reverse-proxy , </a:t>
+            </a:r>
+            <a:r>
+              <a:rPr b="1" lang="fr-FR" sz="1800" spc="-1" strike="noStrike">
+                <a:latin typeface="Arial"/>
+              </a:rPr>
+              <a:t>gateway</a:t>
+            </a:r>
+            <a:r>
+              <a:rPr b="0" lang="fr-FR" sz="1800" spc="-1" strike="noStrike">
+                <a:latin typeface="Arial"/>
+              </a:rPr>
+              <a:t> , ...)</a:t>
+            </a:r>
+            <a:endParaRPr b="0" lang="fr-FR" sz="1800" spc="-1" strike="noStrike">
+              <a:latin typeface="Arial"/>
+            </a:endParaRPr>
+          </a:p>
+        </p:txBody>
+      </p:sp>
+      <p:sp>
+        <p:nvSpPr>
+          <p:cNvPr id="217" name="CustomShape 13"/>
+          <p:cNvSpPr/>
+          <p:nvPr/>
+        </p:nvSpPr>
+        <p:spPr>
+          <a:xfrm>
+            <a:off x="5779080" y="994320"/>
+            <a:ext cx="2088000" cy="1439280"/>
+          </a:xfrm>
+          <a:prstGeom prst="rect">
+            <a:avLst/>
+          </a:prstGeom>
+          <a:solidFill>
+            <a:srgbClr val="fff9ae"/>
+          </a:solidFill>
+          <a:ln>
+            <a:solidFill>
+              <a:srgbClr val="3465a4"/>
+            </a:solidFill>
+          </a:ln>
+        </p:spPr>
+        <p:style>
+          <a:lnRef idx="0"/>
+          <a:fillRef idx="0"/>
+          <a:effectRef idx="0"/>
+          <a:fontRef idx="minor"/>
+        </p:style>
+        <p:txBody>
+          <a:bodyPr wrap="none" lIns="90000" rIns="90000" tIns="45000" bIns="45000" anchor="ctr"/>
+          <a:p>
+            <a:r>
+              <a:rPr b="1" lang="fr-FR" sz="1800" spc="-1" strike="noStrike">
+                <a:solidFill>
+                  <a:srgbClr val="ce181e"/>
+                </a:solidFill>
+                <a:latin typeface="Arial"/>
+                <a:ea typeface="DejaVu Sans"/>
+              </a:rPr>
+              <a:t>serveur </a:t>
+            </a:r>
+            <a:endParaRPr b="0" lang="fr-FR" sz="1800" spc="-1" strike="noStrike">
+              <a:solidFill>
+                <a:srgbClr val="182f7c"/>
+              </a:solidFill>
+              <a:latin typeface="Arial"/>
+            </a:endParaRPr>
+          </a:p>
+          <a:p>
+            <a:r>
+              <a:rPr b="1" lang="fr-FR" sz="1800" spc="-1" strike="noStrike">
+                <a:solidFill>
+                  <a:srgbClr val="ce181e"/>
+                </a:solidFill>
+                <a:latin typeface="Arial"/>
+                <a:ea typeface="DejaVu Sans"/>
+              </a:rPr>
+              <a:t>d'autentification</a:t>
+            </a:r>
+            <a:endParaRPr b="0" lang="fr-FR" sz="1800" spc="-1" strike="noStrike">
+              <a:solidFill>
+                <a:srgbClr val="182f7c"/>
+              </a:solidFill>
+              <a:latin typeface="Arial"/>
+            </a:endParaRPr>
+          </a:p>
+          <a:p>
+            <a:r>
+              <a:rPr b="0" lang="fr-FR" sz="1800" spc="-1" strike="noStrike">
+                <a:solidFill>
+                  <a:srgbClr val="182f7c"/>
+                </a:solidFill>
+                <a:latin typeface="Arial"/>
+                <a:ea typeface="DejaVu Sans"/>
+              </a:rPr>
+              <a:t>(ex : </a:t>
+            </a:r>
+            <a:r>
+              <a:rPr b="1" i="1" lang="fr-FR" sz="1800" spc="-1" strike="noStrike">
+                <a:solidFill>
+                  <a:srgbClr val="182f7c"/>
+                </a:solidFill>
+                <a:latin typeface="Arial"/>
+                <a:ea typeface="DejaVu Sans"/>
+              </a:rPr>
+              <a:t>hydra</a:t>
+            </a:r>
+            <a:r>
+              <a:rPr b="0" lang="fr-FR" sz="1800" spc="-1" strike="noStrike">
+                <a:solidFill>
+                  <a:srgbClr val="182f7c"/>
+                </a:solidFill>
+                <a:latin typeface="Arial"/>
+                <a:ea typeface="DejaVu Sans"/>
+              </a:rPr>
+              <a:t> , </a:t>
+            </a:r>
+            <a:endParaRPr b="0" lang="fr-FR" sz="1800" spc="-1" strike="noStrike">
+              <a:solidFill>
+                <a:srgbClr val="182f7c"/>
+              </a:solidFill>
+              <a:latin typeface="Arial"/>
+            </a:endParaRPr>
+          </a:p>
+          <a:p>
+            <a:r>
+              <a:rPr b="0" lang="fr-FR" sz="1800" spc="-1" strike="noStrike">
+                <a:solidFill>
+                  <a:srgbClr val="182f7c"/>
+                </a:solidFill>
+                <a:latin typeface="Arial"/>
+                <a:ea typeface="DejaVu Sans"/>
+              </a:rPr>
+              <a:t>amazon </a:t>
+            </a:r>
+            <a:r>
+              <a:rPr b="1" i="1" lang="fr-FR" sz="1800" spc="-1" strike="noStrike">
+                <a:solidFill>
+                  <a:srgbClr val="182f7c"/>
+                </a:solidFill>
+                <a:latin typeface="Arial"/>
+                <a:ea typeface="DejaVu Sans"/>
+              </a:rPr>
+              <a:t>cognito</a:t>
+            </a:r>
+            <a:r>
+              <a:rPr b="0" lang="fr-FR" sz="1800" spc="-1" strike="noStrike">
+                <a:solidFill>
+                  <a:srgbClr val="182f7c"/>
+                </a:solidFill>
+                <a:latin typeface="Arial"/>
+                <a:ea typeface="DejaVu Sans"/>
+              </a:rPr>
+              <a:t> ,</a:t>
+            </a:r>
+            <a:endParaRPr b="0" lang="fr-FR" sz="1800" spc="-1" strike="noStrike">
+              <a:solidFill>
+                <a:srgbClr val="182f7c"/>
+              </a:solidFill>
+              <a:latin typeface="Arial"/>
+            </a:endParaRPr>
+          </a:p>
+          <a:p>
+            <a:r>
+              <a:rPr b="0" lang="fr-FR" sz="1800" spc="-1" strike="noStrike">
+                <a:solidFill>
+                  <a:srgbClr val="182f7c"/>
+                </a:solidFill>
+                <a:latin typeface="Arial"/>
+                <a:ea typeface="DejaVu Sans"/>
+              </a:rPr>
+              <a:t> </a:t>
+            </a:r>
+            <a:r>
+              <a:rPr b="0" lang="fr-FR" sz="1800" spc="-1" strike="noStrike">
+                <a:solidFill>
+                  <a:srgbClr val="182f7c"/>
+                </a:solidFill>
+                <a:latin typeface="Arial"/>
+                <a:ea typeface="DejaVu Sans"/>
+              </a:rPr>
+              <a:t>...)</a:t>
+            </a:r>
+            <a:endParaRPr b="0" lang="fr-FR" sz="1800" spc="-1" strike="noStrike">
+              <a:solidFill>
+                <a:srgbClr val="182f7c"/>
+              </a:solidFill>
+              <a:latin typeface="Arial"/>
+            </a:endParaRPr>
+          </a:p>
+        </p:txBody>
+      </p:sp>
+      <p:sp>
+        <p:nvSpPr>
+          <p:cNvPr id="218" name="CustomShape 14"/>
+          <p:cNvSpPr/>
+          <p:nvPr/>
+        </p:nvSpPr>
+        <p:spPr>
+          <a:xfrm>
+            <a:off x="5995080" y="3937680"/>
+            <a:ext cx="1728000" cy="1296000"/>
+          </a:xfrm>
+          <a:prstGeom prst="rect">
+            <a:avLst/>
+          </a:prstGeom>
+          <a:solidFill>
+            <a:srgbClr val="c2e0ae"/>
+          </a:solidFill>
+          <a:ln>
+            <a:solidFill>
+              <a:srgbClr val="3465a4"/>
+            </a:solidFill>
+          </a:ln>
+        </p:spPr>
+        <p:style>
+          <a:lnRef idx="0"/>
+          <a:fillRef idx="0"/>
+          <a:effectRef idx="0"/>
+          <a:fontRef idx="minor"/>
+        </p:style>
+        <p:txBody>
+          <a:bodyPr wrap="none" lIns="90000" rIns="90000" tIns="45000" bIns="45000" anchor="ctr"/>
+          <a:p>
+            <a:r>
+              <a:rPr b="0" lang="fr-FR" sz="1800" spc="-1" strike="noStrike">
+                <a:solidFill>
+                  <a:srgbClr val="182f7c"/>
+                </a:solidFill>
+                <a:latin typeface="Arial"/>
+                <a:ea typeface="DejaVu Sans"/>
+              </a:rPr>
+              <a:t>api_rest_xy</a:t>
+            </a:r>
+            <a:endParaRPr b="0" lang="fr-FR" sz="1800" spc="-1" strike="noStrike">
+              <a:solidFill>
+                <a:srgbClr val="182f7c"/>
+              </a:solidFill>
+              <a:latin typeface="Arial"/>
+            </a:endParaRPr>
+          </a:p>
+          <a:p>
+            <a:r>
+              <a:rPr b="0" lang="fr-FR" sz="1800" spc="-1" strike="noStrike">
+                <a:solidFill>
+                  <a:srgbClr val="182f7c"/>
+                </a:solidFill>
+                <a:latin typeface="Arial"/>
+                <a:ea typeface="DejaVu Sans"/>
+              </a:rPr>
+              <a:t>sur backEnd </a:t>
+            </a:r>
+            <a:endParaRPr b="0" lang="fr-FR" sz="1800" spc="-1" strike="noStrike">
+              <a:solidFill>
+                <a:srgbClr val="182f7c"/>
+              </a:solidFill>
+              <a:latin typeface="Arial"/>
+            </a:endParaRPr>
+          </a:p>
+          <a:p>
+            <a:r>
+              <a:rPr b="1" lang="fr-FR" sz="1800" spc="-1" strike="noStrike">
+                <a:solidFill>
+                  <a:srgbClr val="182f7c"/>
+                </a:solidFill>
+                <a:latin typeface="Arial"/>
+                <a:ea typeface="DejaVu Sans"/>
+              </a:rPr>
+              <a:t>(serveur de </a:t>
+            </a:r>
+            <a:endParaRPr b="0" lang="fr-FR" sz="1800" spc="-1" strike="noStrike">
+              <a:solidFill>
+                <a:srgbClr val="182f7c"/>
+              </a:solidFill>
+              <a:latin typeface="Arial"/>
+            </a:endParaRPr>
+          </a:p>
+          <a:p>
+            <a:r>
+              <a:rPr b="1" lang="fr-FR" sz="1800" spc="-1" strike="noStrike">
+                <a:solidFill>
+                  <a:srgbClr val="182f7c"/>
+                </a:solidFill>
+                <a:latin typeface="Arial"/>
+                <a:ea typeface="DejaVu Sans"/>
+              </a:rPr>
+              <a:t>ressources)</a:t>
+            </a:r>
+            <a:endParaRPr b="0" lang="fr-FR" sz="1800" spc="-1" strike="noStrike">
+              <a:solidFill>
+                <a:srgbClr val="182f7c"/>
+              </a:solidFill>
+              <a:latin typeface="Arial"/>
+            </a:endParaRPr>
+          </a:p>
+        </p:txBody>
+      </p:sp>
+      <p:sp>
+        <p:nvSpPr>
+          <p:cNvPr id="219" name="CustomShape 15"/>
+          <p:cNvSpPr/>
+          <p:nvPr/>
+        </p:nvSpPr>
+        <p:spPr>
+          <a:xfrm>
+            <a:off x="8424720" y="1684080"/>
+            <a:ext cx="378360" cy="583920"/>
+          </a:xfrm>
+          <a:prstGeom prst="can">
+            <a:avLst>
+              <a:gd name="adj" fmla="val 25000"/>
+            </a:avLst>
+          </a:prstGeom>
+          <a:gradFill>
+            <a:gsLst>
+              <a:gs pos="0">
+                <a:srgbClr val="94bd5e"/>
+              </a:gs>
+              <a:gs pos="100000">
+                <a:srgbClr val="5c8526"/>
+              </a:gs>
+            </a:gsLst>
+            <a:lin ang="1800000"/>
+          </a:gradFill>
+          <a:ln>
+            <a:solidFill>
+              <a:srgbClr val="4a7ebb"/>
+            </a:solidFill>
+            <a:round/>
+          </a:ln>
+          <a:effectLst>
+            <a:outerShdw blurRad="40000" dir="5400000" dist="20000" rotWithShape="0">
+              <a:srgbClr val="000000">
+                <a:alpha val="38000"/>
+              </a:srgbClr>
+            </a:outerShdw>
+          </a:effectLst>
+        </p:spPr>
+        <p:style>
+          <a:lnRef idx="1">
+            <a:schemeClr val="accent1"/>
+          </a:lnRef>
+          <a:fillRef idx="2">
+            <a:schemeClr val="accent1"/>
+          </a:fillRef>
+          <a:effectRef idx="1">
+            <a:schemeClr val="accent1"/>
+          </a:effectRef>
+          <a:fontRef idx="minor"/>
+        </p:style>
+      </p:sp>
+      <p:sp>
+        <p:nvSpPr>
+          <p:cNvPr id="220" name="CustomShape 16"/>
+          <p:cNvSpPr/>
+          <p:nvPr/>
+        </p:nvSpPr>
+        <p:spPr>
+          <a:xfrm>
+            <a:off x="8208720" y="4505760"/>
+            <a:ext cx="378360" cy="583920"/>
+          </a:xfrm>
+          <a:prstGeom prst="can">
+            <a:avLst>
+              <a:gd name="adj" fmla="val 25000"/>
+            </a:avLst>
+          </a:prstGeom>
+          <a:gradFill>
+            <a:gsLst>
+              <a:gs pos="0">
+                <a:srgbClr val="94bd5e"/>
+              </a:gs>
+              <a:gs pos="100000">
+                <a:srgbClr val="5c8526"/>
+              </a:gs>
+            </a:gsLst>
+            <a:lin ang="1800000"/>
+          </a:gradFill>
+          <a:ln>
+            <a:solidFill>
+              <a:srgbClr val="4a7ebb"/>
+            </a:solidFill>
+            <a:round/>
+          </a:ln>
+          <a:effectLst>
+            <a:outerShdw blurRad="40000" dir="5400000" dist="20000" rotWithShape="0">
+              <a:srgbClr val="000000">
+                <a:alpha val="38000"/>
+              </a:srgbClr>
+            </a:outerShdw>
+          </a:effectLst>
+        </p:spPr>
+        <p:style>
+          <a:lnRef idx="1">
+            <a:schemeClr val="accent1"/>
+          </a:lnRef>
+          <a:fillRef idx="2">
+            <a:schemeClr val="accent1"/>
+          </a:fillRef>
+          <a:effectRef idx="1">
+            <a:schemeClr val="accent1"/>
+          </a:effectRef>
+          <a:fontRef idx="minor"/>
+        </p:style>
+      </p:sp>
+      <p:sp>
+        <p:nvSpPr>
+          <p:cNvPr id="221" name="Line 17"/>
+          <p:cNvSpPr/>
+          <p:nvPr/>
+        </p:nvSpPr>
+        <p:spPr>
+          <a:xfrm flipH="1">
+            <a:off x="1145520" y="3168000"/>
+            <a:ext cx="1440000" cy="0"/>
+          </a:xfrm>
+          <a:prstGeom prst="line">
+            <a:avLst/>
+          </a:prstGeom>
+          <a:ln>
+            <a:solidFill>
+              <a:srgbClr val="000000"/>
+            </a:solidFill>
+            <a:tailEnd len="med" type="triangle" w="med"/>
+          </a:ln>
+        </p:spPr>
+        <p:style>
+          <a:lnRef idx="0"/>
+          <a:fillRef idx="0"/>
+          <a:effectRef idx="0"/>
+          <a:fontRef idx="minor"/>
+        </p:style>
+      </p:sp>
+      <p:sp>
+        <p:nvSpPr>
+          <p:cNvPr id="222" name="Line 18"/>
+          <p:cNvSpPr/>
+          <p:nvPr/>
+        </p:nvSpPr>
+        <p:spPr>
+          <a:xfrm flipV="1">
+            <a:off x="3168000" y="1857600"/>
+            <a:ext cx="2520000" cy="1296000"/>
+          </a:xfrm>
+          <a:prstGeom prst="line">
+            <a:avLst/>
+          </a:prstGeom>
+          <a:ln>
+            <a:solidFill>
+              <a:srgbClr val="000000"/>
+            </a:solidFill>
+            <a:tailEnd len="med" type="triangle" w="med"/>
+          </a:ln>
+        </p:spPr>
+        <p:style>
+          <a:lnRef idx="0"/>
+          <a:fillRef idx="0"/>
+          <a:effectRef idx="0"/>
+          <a:fontRef idx="minor"/>
+        </p:style>
+      </p:sp>
+      <p:sp>
+        <p:nvSpPr>
+          <p:cNvPr id="223" name="Line 19"/>
+          <p:cNvSpPr/>
+          <p:nvPr/>
+        </p:nvSpPr>
+        <p:spPr>
+          <a:xfrm flipH="1">
+            <a:off x="3240000" y="2016000"/>
+            <a:ext cx="2376000" cy="1224000"/>
+          </a:xfrm>
+          <a:prstGeom prst="line">
+            <a:avLst/>
+          </a:prstGeom>
+          <a:ln>
+            <a:solidFill>
+              <a:srgbClr val="000000"/>
+            </a:solidFill>
+            <a:tailEnd len="med" type="triangle" w="med"/>
+          </a:ln>
+        </p:spPr>
+        <p:style>
+          <a:lnRef idx="0"/>
+          <a:fillRef idx="0"/>
+          <a:effectRef idx="0"/>
+          <a:fontRef idx="minor"/>
+        </p:style>
+      </p:sp>
+      <p:sp>
+        <p:nvSpPr>
+          <p:cNvPr id="224" name="Line 20"/>
+          <p:cNvSpPr/>
+          <p:nvPr/>
+        </p:nvSpPr>
+        <p:spPr>
+          <a:xfrm>
+            <a:off x="1152000" y="3024000"/>
+            <a:ext cx="1440000" cy="0"/>
+          </a:xfrm>
+          <a:prstGeom prst="line">
+            <a:avLst/>
+          </a:prstGeom>
+          <a:ln>
+            <a:solidFill>
+              <a:srgbClr val="000000"/>
+            </a:solidFill>
+            <a:tailEnd len="med" type="triangle" w="med"/>
+          </a:ln>
+        </p:spPr>
+        <p:style>
+          <a:lnRef idx="0"/>
+          <a:fillRef idx="0"/>
+          <a:effectRef idx="0"/>
+          <a:fontRef idx="minor"/>
+        </p:style>
+      </p:sp>
+      <p:sp>
+        <p:nvSpPr>
+          <p:cNvPr id="225" name="CustomShape 21"/>
+          <p:cNvSpPr/>
+          <p:nvPr/>
+        </p:nvSpPr>
+        <p:spPr>
+          <a:xfrm>
+            <a:off x="3979080" y="1857600"/>
+            <a:ext cx="406440" cy="287640"/>
+          </a:xfrm>
+          <a:prstGeom prst="ellipse">
+            <a:avLst/>
+          </a:prstGeom>
+          <a:solidFill>
+            <a:srgbClr val="fff9ae"/>
+          </a:solidFill>
+          <a:ln>
+            <a:solidFill>
+              <a:srgbClr val="3465a4"/>
+            </a:solidFill>
+          </a:ln>
+        </p:spPr>
+        <p:style>
+          <a:lnRef idx="0"/>
+          <a:fillRef idx="0"/>
+          <a:effectRef idx="0"/>
+          <a:fontRef idx="minor"/>
+        </p:style>
+        <p:txBody>
+          <a:bodyPr wrap="none" lIns="90000" rIns="90000" tIns="45000" bIns="45000" anchor="ctr"/>
+          <a:p>
+            <a:pPr algn="ctr">
+              <a:lnSpc>
+                <a:spcPct val="100000"/>
+              </a:lnSpc>
+            </a:pPr>
+            <a:r>
+              <a:rPr b="1" lang="fr-FR" sz="1800" spc="-1" strike="noStrike">
+                <a:solidFill>
+                  <a:srgbClr val="182f7c"/>
+                </a:solidFill>
+                <a:latin typeface="Arial"/>
+                <a:ea typeface="DejaVu Sans"/>
+              </a:rPr>
+              <a:t>1</a:t>
+            </a:r>
+            <a:endParaRPr b="0" lang="fr-FR" sz="1800" spc="-1" strike="noStrike">
+              <a:latin typeface="Arial"/>
+            </a:endParaRPr>
+          </a:p>
+        </p:txBody>
+      </p:sp>
+      <p:sp>
+        <p:nvSpPr>
+          <p:cNvPr id="226" name="CustomShape 22"/>
+          <p:cNvSpPr/>
+          <p:nvPr/>
+        </p:nvSpPr>
+        <p:spPr>
+          <a:xfrm>
+            <a:off x="7939080" y="1785960"/>
+            <a:ext cx="334440" cy="287640"/>
+          </a:xfrm>
+          <a:prstGeom prst="ellipse">
+            <a:avLst/>
+          </a:prstGeom>
+          <a:solidFill>
+            <a:srgbClr val="fff9ae"/>
+          </a:solidFill>
+          <a:ln>
+            <a:solidFill>
+              <a:srgbClr val="3465a4"/>
+            </a:solidFill>
+          </a:ln>
+        </p:spPr>
+        <p:style>
+          <a:lnRef idx="0"/>
+          <a:fillRef idx="0"/>
+          <a:effectRef idx="0"/>
+          <a:fontRef idx="minor"/>
+        </p:style>
+        <p:txBody>
+          <a:bodyPr wrap="none" lIns="90000" rIns="90000" tIns="45000" bIns="45000" anchor="ctr"/>
+          <a:p>
+            <a:pPr algn="ctr">
+              <a:lnSpc>
+                <a:spcPct val="100000"/>
+              </a:lnSpc>
+            </a:pPr>
+            <a:r>
+              <a:rPr b="1" lang="fr-FR" sz="1800" spc="-1" strike="noStrike">
+                <a:solidFill>
+                  <a:srgbClr val="182f7c"/>
+                </a:solidFill>
+                <a:latin typeface="Arial"/>
+                <a:ea typeface="DejaVu Sans"/>
+              </a:rPr>
+              <a:t>2</a:t>
+            </a:r>
+            <a:endParaRPr b="0" lang="fr-FR" sz="1800" spc="-1" strike="noStrike">
+              <a:latin typeface="Arial"/>
+            </a:endParaRPr>
+          </a:p>
+        </p:txBody>
+      </p:sp>
+      <p:sp>
+        <p:nvSpPr>
+          <p:cNvPr id="227" name="CustomShape 23"/>
+          <p:cNvSpPr/>
+          <p:nvPr/>
+        </p:nvSpPr>
+        <p:spPr>
+          <a:xfrm>
+            <a:off x="4273560" y="2736000"/>
+            <a:ext cx="334440" cy="287640"/>
+          </a:xfrm>
+          <a:prstGeom prst="ellipse">
+            <a:avLst/>
+          </a:prstGeom>
+          <a:solidFill>
+            <a:srgbClr val="fff9ae"/>
+          </a:solidFill>
+          <a:ln>
+            <a:solidFill>
+              <a:srgbClr val="3465a4"/>
+            </a:solidFill>
+          </a:ln>
+        </p:spPr>
+        <p:style>
+          <a:lnRef idx="0"/>
+          <a:fillRef idx="0"/>
+          <a:effectRef idx="0"/>
+          <a:fontRef idx="minor"/>
+        </p:style>
+        <p:txBody>
+          <a:bodyPr wrap="none" lIns="90000" rIns="90000" tIns="45000" bIns="45000" anchor="ctr"/>
+          <a:p>
+            <a:pPr algn="ctr">
+              <a:lnSpc>
+                <a:spcPct val="100000"/>
+              </a:lnSpc>
+            </a:pPr>
+            <a:r>
+              <a:rPr b="1" lang="fr-FR" sz="1800" spc="-1" strike="noStrike">
+                <a:solidFill>
+                  <a:srgbClr val="182f7c"/>
+                </a:solidFill>
+                <a:latin typeface="Arial"/>
+                <a:ea typeface="DejaVu Sans"/>
+              </a:rPr>
+              <a:t>3</a:t>
+            </a:r>
+            <a:endParaRPr b="0" lang="fr-FR" sz="1800" spc="-1" strike="noStrike">
+              <a:latin typeface="Arial"/>
+            </a:endParaRPr>
+          </a:p>
+        </p:txBody>
+      </p:sp>
+      <p:sp>
+        <p:nvSpPr>
+          <p:cNvPr id="228" name="CustomShape 24"/>
+          <p:cNvSpPr/>
+          <p:nvPr/>
+        </p:nvSpPr>
+        <p:spPr>
+          <a:xfrm>
+            <a:off x="1368000" y="3629160"/>
+            <a:ext cx="360000" cy="287640"/>
+          </a:xfrm>
+          <a:prstGeom prst="ellipse">
+            <a:avLst/>
+          </a:prstGeom>
+          <a:solidFill>
+            <a:srgbClr val="fff9ae"/>
+          </a:solidFill>
+          <a:ln>
+            <a:solidFill>
+              <a:srgbClr val="3465a4"/>
+            </a:solidFill>
+          </a:ln>
+        </p:spPr>
+        <p:style>
+          <a:lnRef idx="0"/>
+          <a:fillRef idx="0"/>
+          <a:effectRef idx="0"/>
+          <a:fontRef idx="minor"/>
+        </p:style>
+        <p:txBody>
+          <a:bodyPr wrap="none" lIns="90000" rIns="90000" tIns="45000" bIns="45000" anchor="ctr"/>
+          <a:p>
+            <a:pPr algn="ctr">
+              <a:lnSpc>
+                <a:spcPct val="100000"/>
+              </a:lnSpc>
+            </a:pPr>
+            <a:r>
+              <a:rPr b="1" lang="fr-FR" sz="1800" spc="-1" strike="noStrike">
+                <a:solidFill>
+                  <a:srgbClr val="182f7c"/>
+                </a:solidFill>
+                <a:latin typeface="Arial"/>
+                <a:ea typeface="DejaVu Sans"/>
+              </a:rPr>
+              <a:t>5</a:t>
+            </a:r>
+            <a:endParaRPr b="0" lang="fr-FR" sz="1800" spc="-1" strike="noStrike">
+              <a:latin typeface="Arial"/>
+            </a:endParaRPr>
+          </a:p>
+        </p:txBody>
+      </p:sp>
+      <p:sp>
+        <p:nvSpPr>
+          <p:cNvPr id="229" name="CustomShape 25"/>
+          <p:cNvSpPr/>
+          <p:nvPr/>
+        </p:nvSpPr>
+        <p:spPr>
+          <a:xfrm>
+            <a:off x="5870880" y="5446080"/>
+            <a:ext cx="334440" cy="287640"/>
+          </a:xfrm>
+          <a:prstGeom prst="ellipse">
+            <a:avLst/>
+          </a:prstGeom>
+          <a:solidFill>
+            <a:srgbClr val="fff9ae"/>
+          </a:solidFill>
+          <a:ln>
+            <a:solidFill>
+              <a:srgbClr val="3465a4"/>
+            </a:solidFill>
+          </a:ln>
+        </p:spPr>
+        <p:style>
+          <a:lnRef idx="0"/>
+          <a:fillRef idx="0"/>
+          <a:effectRef idx="0"/>
+          <a:fontRef idx="minor"/>
+        </p:style>
+        <p:txBody>
+          <a:bodyPr wrap="none" lIns="90000" rIns="90000" tIns="45000" bIns="45000" anchor="ctr"/>
+          <a:p>
+            <a:pPr algn="ctr">
+              <a:lnSpc>
+                <a:spcPct val="100000"/>
+              </a:lnSpc>
+            </a:pPr>
+            <a:r>
+              <a:rPr b="1" lang="fr-FR" sz="1800" spc="-1" strike="noStrike">
+                <a:solidFill>
+                  <a:srgbClr val="182f7c"/>
+                </a:solidFill>
+                <a:latin typeface="Arial"/>
+                <a:ea typeface="DejaVu Sans"/>
+              </a:rPr>
+              <a:t>7</a:t>
+            </a:r>
+            <a:endParaRPr b="0" lang="fr-FR" sz="1800" spc="-1" strike="noStrike">
+              <a:latin typeface="Arial"/>
+            </a:endParaRPr>
+          </a:p>
+        </p:txBody>
+      </p:sp>
+      <p:sp>
+        <p:nvSpPr>
+          <p:cNvPr id="230" name="CustomShape 26"/>
+          <p:cNvSpPr/>
+          <p:nvPr/>
+        </p:nvSpPr>
+        <p:spPr>
+          <a:xfrm>
+            <a:off x="5472000" y="3916800"/>
+            <a:ext cx="360000" cy="287640"/>
+          </a:xfrm>
+          <a:prstGeom prst="ellipse">
+            <a:avLst/>
+          </a:prstGeom>
+          <a:solidFill>
+            <a:srgbClr val="fff9ae"/>
+          </a:solidFill>
+          <a:ln>
+            <a:solidFill>
+              <a:srgbClr val="3465a4"/>
+            </a:solidFill>
+          </a:ln>
+        </p:spPr>
+        <p:style>
+          <a:lnRef idx="0"/>
+          <a:fillRef idx="0"/>
+          <a:effectRef idx="0"/>
+          <a:fontRef idx="minor"/>
+        </p:style>
+        <p:txBody>
+          <a:bodyPr wrap="none" lIns="90000" rIns="90000" tIns="45000" bIns="45000" anchor="ctr"/>
+          <a:p>
+            <a:pPr algn="ctr">
+              <a:lnSpc>
+                <a:spcPct val="100000"/>
+              </a:lnSpc>
+            </a:pPr>
+            <a:r>
+              <a:rPr b="1" lang="fr-FR" sz="1800" spc="-1" strike="noStrike">
+                <a:solidFill>
+                  <a:srgbClr val="182f7c"/>
+                </a:solidFill>
+                <a:latin typeface="Arial"/>
+                <a:ea typeface="DejaVu Sans"/>
+              </a:rPr>
+              <a:t>...</a:t>
+            </a:r>
+            <a:endParaRPr b="0" lang="fr-FR" sz="1800" spc="-1" strike="noStrike">
+              <a:latin typeface="Arial"/>
+            </a:endParaRPr>
+          </a:p>
+        </p:txBody>
+      </p:sp>
+      <p:sp>
+        <p:nvSpPr>
+          <p:cNvPr id="231" name="CustomShape 27"/>
+          <p:cNvSpPr/>
+          <p:nvPr/>
+        </p:nvSpPr>
+        <p:spPr>
+          <a:xfrm>
+            <a:off x="1800000" y="3629160"/>
+            <a:ext cx="360000" cy="287640"/>
+          </a:xfrm>
+          <a:prstGeom prst="ellipse">
+            <a:avLst/>
+          </a:prstGeom>
+          <a:solidFill>
+            <a:srgbClr val="fff9ae"/>
+          </a:solidFill>
+          <a:ln>
+            <a:solidFill>
+              <a:srgbClr val="3465a4"/>
+            </a:solidFill>
+          </a:ln>
+        </p:spPr>
+        <p:style>
+          <a:lnRef idx="0"/>
+          <a:fillRef idx="0"/>
+          <a:effectRef idx="0"/>
+          <a:fontRef idx="minor"/>
+        </p:style>
+        <p:txBody>
+          <a:bodyPr wrap="none" lIns="90000" rIns="90000" tIns="45000" bIns="45000" anchor="ctr"/>
+          <a:p>
+            <a:pPr algn="ctr">
+              <a:lnSpc>
+                <a:spcPct val="100000"/>
+              </a:lnSpc>
+            </a:pPr>
+            <a:r>
+              <a:rPr b="1" lang="fr-FR" sz="1800" spc="-1" strike="noStrike">
+                <a:solidFill>
+                  <a:srgbClr val="182f7c"/>
+                </a:solidFill>
+                <a:latin typeface="Arial"/>
+                <a:ea typeface="DejaVu Sans"/>
+              </a:rPr>
+              <a:t>...</a:t>
+            </a:r>
+            <a:endParaRPr b="0" lang="fr-FR" sz="1800" spc="-1" strike="noStrike">
+              <a:latin typeface="Arial"/>
+            </a:endParaRPr>
+          </a:p>
+        </p:txBody>
+      </p:sp>
+      <p:sp>
+        <p:nvSpPr>
+          <p:cNvPr id="232" name="TextShape 28"/>
+          <p:cNvSpPr txBox="1"/>
+          <p:nvPr/>
+        </p:nvSpPr>
+        <p:spPr>
+          <a:xfrm>
+            <a:off x="2971080" y="5287320"/>
+            <a:ext cx="1715400" cy="602280"/>
+          </a:xfrm>
+          <a:prstGeom prst="rect">
+            <a:avLst/>
+          </a:prstGeom>
+          <a:noFill/>
+          <a:ln>
+            <a:noFill/>
+          </a:ln>
+        </p:spPr>
+        <p:txBody>
+          <a:bodyPr lIns="90000" rIns="90000" tIns="45000" bIns="45000"/>
+          <a:p>
+            <a:r>
+              <a:rPr b="0" lang="fr-FR" sz="1800" spc="-1" strike="noStrike">
+                <a:latin typeface="Arial"/>
+              </a:rPr>
+              <a:t>réponse </a:t>
+            </a:r>
+            <a:r>
+              <a:rPr b="1" i="1" lang="fr-FR" sz="1800" spc="-1" strike="noStrike">
+                <a:latin typeface="Arial"/>
+              </a:rPr>
+              <a:t>ok</a:t>
+            </a:r>
+            <a:r>
+              <a:rPr b="0" lang="fr-FR" sz="1800" spc="-1" strike="noStrike">
+                <a:latin typeface="Arial"/>
+              </a:rPr>
+              <a:t> ou </a:t>
+            </a:r>
+            <a:endParaRPr b="0" lang="fr-FR" sz="1800" spc="-1" strike="noStrike">
+              <a:latin typeface="Arial"/>
+            </a:endParaRPr>
+          </a:p>
+          <a:p>
+            <a:r>
+              <a:rPr b="1" i="1" lang="fr-FR" sz="1800" spc="-1" strike="noStrike">
+                <a:latin typeface="Arial"/>
+              </a:rPr>
+              <a:t>forbidden</a:t>
+            </a:r>
+            <a:endParaRPr b="0" lang="fr-FR" sz="1800" spc="-1" strike="noStrike">
+              <a:latin typeface="Arial"/>
+            </a:endParaRPr>
+          </a:p>
+        </p:txBody>
+      </p:sp>
+      <p:sp>
+        <p:nvSpPr>
+          <p:cNvPr id="233" name="TextShape 29"/>
+          <p:cNvSpPr txBox="1"/>
+          <p:nvPr/>
+        </p:nvSpPr>
+        <p:spPr>
+          <a:xfrm>
+            <a:off x="72000" y="1008000"/>
+            <a:ext cx="1904400" cy="602280"/>
+          </a:xfrm>
+          <a:prstGeom prst="rect">
+            <a:avLst/>
+          </a:prstGeom>
+          <a:noFill/>
+          <a:ln>
+            <a:noFill/>
+          </a:ln>
+        </p:spPr>
+        <p:txBody>
+          <a:bodyPr lIns="90000" rIns="90000" tIns="45000" bIns="45000"/>
+          <a:p>
+            <a:r>
+              <a:rPr b="0" lang="fr-FR" sz="1800" spc="-1" strike="noStrike">
+                <a:latin typeface="Arial"/>
+              </a:rPr>
+              <a:t>Utilisateurs</a:t>
+            </a:r>
+            <a:br/>
+            <a:r>
+              <a:rPr b="0" lang="fr-FR" sz="1800" spc="-1" strike="noStrike">
+                <a:latin typeface="Arial"/>
+              </a:rPr>
+              <a:t>avec navigateurs</a:t>
+            </a:r>
+            <a:endParaRPr b="0" lang="fr-FR" sz="1800" spc="-1" strike="noStrike">
+              <a:latin typeface="Arial"/>
+            </a:endParaRPr>
+          </a:p>
+        </p:txBody>
+      </p:sp>
+      <p:sp>
+        <p:nvSpPr>
+          <p:cNvPr id="234" name="TextShape 30"/>
+          <p:cNvSpPr txBox="1"/>
+          <p:nvPr/>
+        </p:nvSpPr>
+        <p:spPr>
+          <a:xfrm>
+            <a:off x="7916040" y="1008000"/>
+            <a:ext cx="1155960" cy="602280"/>
+          </a:xfrm>
+          <a:prstGeom prst="rect">
+            <a:avLst/>
+          </a:prstGeom>
+          <a:noFill/>
+          <a:ln>
+            <a:noFill/>
+          </a:ln>
+        </p:spPr>
+        <p:txBody>
+          <a:bodyPr lIns="90000" rIns="90000" tIns="45000" bIns="45000"/>
+          <a:p>
+            <a:r>
+              <a:rPr b="0" lang="fr-FR" sz="1800" spc="-1" strike="noStrike">
+                <a:latin typeface="Arial"/>
+              </a:rPr>
+              <a:t>User</a:t>
+            </a:r>
+            <a:endParaRPr b="0" lang="fr-FR" sz="1800" spc="-1" strike="noStrike">
+              <a:latin typeface="Arial"/>
+            </a:endParaRPr>
+          </a:p>
+          <a:p>
+            <a:r>
+              <a:rPr b="0" lang="fr-FR" sz="1800" spc="-1" strike="noStrike">
+                <a:latin typeface="Arial"/>
+              </a:rPr>
+              <a:t>Database</a:t>
+            </a:r>
+            <a:endParaRPr b="0" lang="fr-FR" sz="1800" spc="-1" strike="noStrike">
+              <a:latin typeface="Arial"/>
+            </a:endParaRPr>
+          </a:p>
+        </p:txBody>
+      </p:sp>
+      <p:sp>
+        <p:nvSpPr>
+          <p:cNvPr id="235" name="TextShape 31"/>
+          <p:cNvSpPr txBox="1"/>
+          <p:nvPr/>
+        </p:nvSpPr>
+        <p:spPr>
+          <a:xfrm>
+            <a:off x="7863120" y="3847320"/>
+            <a:ext cx="1155960" cy="602280"/>
+          </a:xfrm>
+          <a:prstGeom prst="rect">
+            <a:avLst/>
+          </a:prstGeom>
+          <a:noFill/>
+          <a:ln>
+            <a:noFill/>
+          </a:ln>
+        </p:spPr>
+        <p:txBody>
+          <a:bodyPr lIns="90000" rIns="90000" tIns="45000" bIns="45000"/>
+          <a:p>
+            <a:r>
+              <a:rPr b="0" lang="fr-FR" sz="1800" spc="-1" strike="noStrike">
+                <a:latin typeface="Arial"/>
+              </a:rPr>
+              <a:t>App</a:t>
+            </a:r>
+            <a:endParaRPr b="0" lang="fr-FR" sz="1800" spc="-1" strike="noStrike">
+              <a:latin typeface="Arial"/>
+            </a:endParaRPr>
+          </a:p>
+          <a:p>
+            <a:r>
+              <a:rPr b="0" lang="fr-FR" sz="1800" spc="-1" strike="noStrike">
+                <a:latin typeface="Arial"/>
+              </a:rPr>
+              <a:t>Database</a:t>
+            </a:r>
+            <a:endParaRPr b="0" lang="fr-FR" sz="1800" spc="-1" strike="noStrike">
+              <a:latin typeface="Arial"/>
+            </a:endParaRPr>
+          </a:p>
+        </p:txBody>
+      </p:sp>
+      <p:sp>
+        <p:nvSpPr>
+          <p:cNvPr id="236" name="TextShape 32"/>
+          <p:cNvSpPr txBox="1"/>
+          <p:nvPr/>
+        </p:nvSpPr>
+        <p:spPr>
+          <a:xfrm>
+            <a:off x="3763080" y="1255320"/>
+            <a:ext cx="2084040" cy="602280"/>
+          </a:xfrm>
+          <a:prstGeom prst="rect">
+            <a:avLst/>
+          </a:prstGeom>
+          <a:noFill/>
+          <a:ln>
+            <a:noFill/>
+          </a:ln>
+        </p:spPr>
+        <p:txBody>
+          <a:bodyPr lIns="90000" rIns="90000" tIns="45000" bIns="45000"/>
+          <a:p>
+            <a:r>
+              <a:rPr b="1" lang="fr-FR" sz="1800" spc="-1" strike="noStrike">
+                <a:latin typeface="Arial"/>
+              </a:rPr>
+              <a:t>login</a:t>
+            </a:r>
+            <a:endParaRPr b="0" lang="fr-FR" sz="1800" spc="-1" strike="noStrike">
+              <a:latin typeface="Arial"/>
+            </a:endParaRPr>
+          </a:p>
+          <a:p>
+            <a:r>
+              <a:rPr b="0" lang="fr-FR" sz="1800" spc="-1" strike="noStrike">
+                <a:latin typeface="Arial"/>
+              </a:rPr>
+              <a:t>(username,pwd,...)</a:t>
+            </a:r>
+            <a:endParaRPr b="0" lang="fr-FR" sz="1800" spc="-1" strike="noStrike">
+              <a:latin typeface="Arial"/>
+            </a:endParaRPr>
+          </a:p>
+        </p:txBody>
+      </p:sp>
+      <p:sp>
+        <p:nvSpPr>
+          <p:cNvPr id="237" name="TextShape 33"/>
+          <p:cNvSpPr txBox="1"/>
+          <p:nvPr/>
+        </p:nvSpPr>
+        <p:spPr>
+          <a:xfrm>
+            <a:off x="4613040" y="2669760"/>
+            <a:ext cx="1434960" cy="858240"/>
+          </a:xfrm>
+          <a:prstGeom prst="rect">
+            <a:avLst/>
+          </a:prstGeom>
+          <a:noFill/>
+          <a:ln>
+            <a:noFill/>
+          </a:ln>
+        </p:spPr>
+        <p:txBody>
+          <a:bodyPr lIns="90000" rIns="90000" tIns="45000" bIns="45000"/>
+          <a:p>
+            <a:r>
+              <a:rPr b="1" lang="fr-FR" sz="1800" spc="-1" strike="noStrike">
+                <a:latin typeface="Arial"/>
+              </a:rPr>
+              <a:t>J.W .Token</a:t>
+            </a:r>
+            <a:r>
+              <a:rPr b="0" lang="fr-FR" sz="1800" spc="-1" strike="noStrike">
+                <a:latin typeface="Arial"/>
+              </a:rPr>
+              <a:t> </a:t>
+            </a:r>
+            <a:endParaRPr b="0" lang="fr-FR" sz="1800" spc="-1" strike="noStrike">
+              <a:latin typeface="Arial"/>
+            </a:endParaRPr>
+          </a:p>
+          <a:p>
+            <a:r>
+              <a:rPr b="0" lang="fr-FR" sz="1800" spc="-1" strike="noStrike">
+                <a:latin typeface="Arial"/>
+              </a:rPr>
+              <a:t>with </a:t>
+            </a:r>
+            <a:r>
+              <a:rPr b="0" i="1" lang="fr-FR" sz="1800" spc="-1" strike="noStrike">
+                <a:latin typeface="Arial"/>
+              </a:rPr>
+              <a:t>roles</a:t>
+            </a:r>
+            <a:r>
+              <a:rPr b="0" lang="fr-FR" sz="1800" spc="-1" strike="noStrike">
+                <a:latin typeface="Arial"/>
+              </a:rPr>
+              <a:t> </a:t>
+            </a:r>
+            <a:endParaRPr b="0" lang="fr-FR" sz="1800" spc="-1" strike="noStrike">
+              <a:latin typeface="Arial"/>
+            </a:endParaRPr>
+          </a:p>
+          <a:p>
+            <a:r>
+              <a:rPr b="0" lang="fr-FR" sz="1800" spc="-1" strike="noStrike">
+                <a:latin typeface="Arial"/>
+              </a:rPr>
+              <a:t>or </a:t>
+            </a:r>
+            <a:r>
+              <a:rPr b="1" i="1" lang="fr-FR" sz="1800" spc="-1" strike="noStrike">
+                <a:latin typeface="Arial"/>
+              </a:rPr>
+              <a:t>scopes</a:t>
+            </a:r>
+            <a:endParaRPr b="0" lang="fr-FR" sz="1800" spc="-1" strike="noStrike">
+              <a:latin typeface="Arial"/>
+            </a:endParaRPr>
+          </a:p>
+        </p:txBody>
+      </p:sp>
+      <p:sp>
+        <p:nvSpPr>
+          <p:cNvPr id="238" name="TextShape 34"/>
+          <p:cNvSpPr txBox="1"/>
+          <p:nvPr/>
+        </p:nvSpPr>
+        <p:spPr>
+          <a:xfrm>
+            <a:off x="3672000" y="2245680"/>
+            <a:ext cx="676080" cy="346320"/>
+          </a:xfrm>
+          <a:prstGeom prst="rect">
+            <a:avLst/>
+          </a:prstGeom>
+          <a:noFill/>
+          <a:ln>
+            <a:noFill/>
+          </a:ln>
+        </p:spPr>
+        <p:txBody>
+          <a:bodyPr lIns="90000" rIns="90000" tIns="45000" bIns="45000"/>
+          <a:p>
+            <a:r>
+              <a:rPr b="0" lang="fr-FR" sz="1800" spc="-1" strike="noStrike">
+                <a:latin typeface="Arial"/>
+              </a:rPr>
+              <a:t>https</a:t>
+            </a:r>
+            <a:endParaRPr b="0" lang="fr-FR" sz="1800" spc="-1" strike="noStrike">
+              <a:latin typeface="Arial"/>
+            </a:endParaRPr>
+          </a:p>
+        </p:txBody>
+      </p:sp>
+      <p:sp>
+        <p:nvSpPr>
+          <p:cNvPr id="239" name="Line 35"/>
+          <p:cNvSpPr/>
+          <p:nvPr/>
+        </p:nvSpPr>
+        <p:spPr>
+          <a:xfrm flipH="1">
+            <a:off x="3456000" y="3600000"/>
+            <a:ext cx="3528000" cy="0"/>
+          </a:xfrm>
+          <a:prstGeom prst="line">
+            <a:avLst/>
+          </a:prstGeom>
+          <a:ln>
+            <a:solidFill>
+              <a:srgbClr val="000000"/>
+            </a:solidFill>
+            <a:custDash/>
+          </a:ln>
+        </p:spPr>
+        <p:style>
+          <a:lnRef idx="0"/>
+          <a:fillRef idx="0"/>
+          <a:effectRef idx="0"/>
+          <a:fontRef idx="minor"/>
+        </p:style>
+      </p:sp>
+      <p:sp>
+        <p:nvSpPr>
+          <p:cNvPr id="240" name="Line 36"/>
+          <p:cNvSpPr/>
+          <p:nvPr/>
+        </p:nvSpPr>
+        <p:spPr>
+          <a:xfrm>
+            <a:off x="3259080" y="3772800"/>
+            <a:ext cx="2664000" cy="676800"/>
+          </a:xfrm>
+          <a:prstGeom prst="line">
+            <a:avLst/>
+          </a:prstGeom>
+          <a:ln>
+            <a:solidFill>
+              <a:srgbClr val="000000"/>
+            </a:solidFill>
+            <a:tailEnd len="med" type="triangle" w="med"/>
+          </a:ln>
+        </p:spPr>
+        <p:style>
+          <a:lnRef idx="0"/>
+          <a:fillRef idx="0"/>
+          <a:effectRef idx="0"/>
+          <a:fontRef idx="minor"/>
+        </p:style>
+      </p:sp>
+      <p:sp>
+        <p:nvSpPr>
+          <p:cNvPr id="241" name="TextShape 37"/>
+          <p:cNvSpPr txBox="1"/>
+          <p:nvPr/>
+        </p:nvSpPr>
+        <p:spPr>
+          <a:xfrm>
+            <a:off x="334080" y="3965760"/>
+            <a:ext cx="1892160" cy="1370160"/>
+          </a:xfrm>
+          <a:prstGeom prst="rect">
+            <a:avLst/>
+          </a:prstGeom>
+          <a:noFill/>
+          <a:ln>
+            <a:noFill/>
+          </a:ln>
+        </p:spPr>
+        <p:txBody>
+          <a:bodyPr lIns="90000" rIns="90000" tIns="45000" bIns="45000"/>
+          <a:p>
+            <a:r>
+              <a:rPr b="0" lang="fr-FR" sz="1800" spc="-1" strike="noStrike">
+                <a:latin typeface="Arial"/>
+              </a:rPr>
+              <a:t>appels vers api</a:t>
+            </a:r>
+            <a:br/>
+            <a:r>
+              <a:rPr b="0" lang="fr-FR" sz="1800" spc="-1" strike="noStrike">
+                <a:latin typeface="Arial"/>
+              </a:rPr>
+              <a:t>avec "</a:t>
+            </a:r>
+            <a:r>
+              <a:rPr b="1" lang="fr-FR" sz="1800" spc="-1" strike="noStrike">
+                <a:latin typeface="Arial"/>
+              </a:rPr>
+              <a:t>bearer </a:t>
+            </a:r>
+            <a:endParaRPr b="0" lang="fr-FR" sz="1800" spc="-1" strike="noStrike">
+              <a:latin typeface="Arial"/>
+            </a:endParaRPr>
+          </a:p>
+          <a:p>
+            <a:r>
+              <a:rPr b="1" lang="fr-FR" sz="1800" spc="-1" strike="noStrike">
+                <a:latin typeface="Arial"/>
+              </a:rPr>
+              <a:t>token</a:t>
+            </a:r>
+            <a:r>
+              <a:rPr b="0" lang="fr-FR" sz="1800" spc="-1" strike="noStrike">
+                <a:latin typeface="Arial"/>
+              </a:rPr>
+              <a:t>"</a:t>
+            </a:r>
+            <a:endParaRPr b="0" lang="fr-FR" sz="1800" spc="-1" strike="noStrike">
+              <a:latin typeface="Arial"/>
+            </a:endParaRPr>
+          </a:p>
+          <a:p>
+            <a:r>
+              <a:rPr b="0" lang="fr-FR" sz="1800" spc="-1" strike="noStrike">
+                <a:latin typeface="Arial"/>
+              </a:rPr>
+              <a:t>au format </a:t>
+            </a:r>
+            <a:r>
+              <a:rPr b="1" lang="fr-FR" sz="1800" spc="-1" strike="noStrike">
+                <a:latin typeface="Arial"/>
+              </a:rPr>
+              <a:t>JWT</a:t>
+            </a:r>
+            <a:endParaRPr b="0" lang="fr-FR" sz="1800" spc="-1" strike="noStrike">
+              <a:latin typeface="Arial"/>
+            </a:endParaRPr>
+          </a:p>
+          <a:p>
+            <a:r>
+              <a:rPr b="0" lang="fr-FR" sz="1800" spc="-1" strike="noStrike">
+                <a:latin typeface="Arial"/>
+              </a:rPr>
+              <a:t>dans http header</a:t>
+            </a:r>
+            <a:endParaRPr b="0" lang="fr-FR" sz="1800" spc="-1" strike="noStrike">
+              <a:latin typeface="Arial"/>
+            </a:endParaRPr>
+          </a:p>
+        </p:txBody>
+      </p:sp>
+      <p:sp>
+        <p:nvSpPr>
+          <p:cNvPr id="242" name="Line 38"/>
+          <p:cNvSpPr/>
+          <p:nvPr/>
+        </p:nvSpPr>
+        <p:spPr>
+          <a:xfrm flipH="1" flipV="1">
+            <a:off x="3907080" y="5097600"/>
+            <a:ext cx="1348920" cy="302400"/>
+          </a:xfrm>
+          <a:prstGeom prst="line">
+            <a:avLst/>
+          </a:prstGeom>
+          <a:ln>
+            <a:solidFill>
+              <a:srgbClr val="000000"/>
+            </a:solidFill>
+            <a:tailEnd len="med" type="triangle" w="med"/>
+          </a:ln>
+        </p:spPr>
+        <p:style>
+          <a:lnRef idx="0"/>
+          <a:fillRef idx="0"/>
+          <a:effectRef idx="0"/>
+          <a:fontRef idx="minor"/>
+        </p:style>
+      </p:sp>
+      <p:sp>
+        <p:nvSpPr>
+          <p:cNvPr id="243" name="CustomShape 39"/>
+          <p:cNvSpPr/>
+          <p:nvPr/>
+        </p:nvSpPr>
+        <p:spPr>
+          <a:xfrm>
+            <a:off x="3572640" y="5097600"/>
+            <a:ext cx="334440" cy="287640"/>
+          </a:xfrm>
+          <a:prstGeom prst="ellipse">
+            <a:avLst/>
+          </a:prstGeom>
+          <a:solidFill>
+            <a:srgbClr val="fff9ae"/>
+          </a:solidFill>
+          <a:ln>
+            <a:solidFill>
+              <a:srgbClr val="3465a4"/>
+            </a:solidFill>
+          </a:ln>
+        </p:spPr>
+        <p:style>
+          <a:lnRef idx="0"/>
+          <a:fillRef idx="0"/>
+          <a:effectRef idx="0"/>
+          <a:fontRef idx="minor"/>
+        </p:style>
+        <p:txBody>
+          <a:bodyPr wrap="none" lIns="90000" rIns="90000" tIns="45000" bIns="45000" anchor="ctr"/>
+          <a:p>
+            <a:pPr algn="ctr">
+              <a:lnSpc>
+                <a:spcPct val="100000"/>
+              </a:lnSpc>
+            </a:pPr>
+            <a:r>
+              <a:rPr b="1" lang="fr-FR" sz="1800" spc="-1" strike="noStrike">
+                <a:solidFill>
+                  <a:srgbClr val="182f7c"/>
+                </a:solidFill>
+                <a:latin typeface="Arial"/>
+                <a:ea typeface="DejaVu Sans"/>
+              </a:rPr>
+              <a:t>9</a:t>
+            </a:r>
+            <a:endParaRPr b="0" lang="fr-FR" sz="1800" spc="-1" strike="noStrike">
+              <a:latin typeface="Arial"/>
+            </a:endParaRPr>
+          </a:p>
+        </p:txBody>
+      </p:sp>
+      <p:sp>
+        <p:nvSpPr>
+          <p:cNvPr id="244" name="TextShape 40"/>
+          <p:cNvSpPr txBox="1"/>
+          <p:nvPr/>
+        </p:nvSpPr>
+        <p:spPr>
+          <a:xfrm>
+            <a:off x="3566520" y="4117680"/>
+            <a:ext cx="1401480" cy="602280"/>
+          </a:xfrm>
+          <a:prstGeom prst="rect">
+            <a:avLst/>
+          </a:prstGeom>
+          <a:noFill/>
+          <a:ln>
+            <a:noFill/>
+          </a:ln>
+        </p:spPr>
+        <p:txBody>
+          <a:bodyPr lIns="90000" rIns="90000" tIns="45000" bIns="45000"/>
+          <a:p>
+            <a:r>
+              <a:rPr b="1" lang="fr-FR" sz="1800" spc="-1" strike="noStrike">
+                <a:latin typeface="Arial"/>
+              </a:rPr>
+              <a:t>vérif. jeton </a:t>
+            </a:r>
+            <a:endParaRPr b="1" lang="fr-FR" sz="1800" spc="-1" strike="noStrike">
+              <a:latin typeface="Arial"/>
+            </a:endParaRPr>
+          </a:p>
+          <a:p>
+            <a:r>
+              <a:rPr b="1" lang="fr-FR" sz="1800" spc="-1" strike="noStrike">
+                <a:latin typeface="Arial"/>
+              </a:rPr>
+              <a:t>JWT valide</a:t>
+            </a:r>
+            <a:endParaRPr b="1" lang="fr-FR" sz="1800" spc="-1" strike="noStrike">
+              <a:latin typeface="Arial"/>
+            </a:endParaRPr>
+          </a:p>
+        </p:txBody>
+      </p:sp>
+      <p:sp>
+        <p:nvSpPr>
+          <p:cNvPr id="245" name="TextShape 41"/>
+          <p:cNvSpPr txBox="1"/>
+          <p:nvPr/>
+        </p:nvSpPr>
+        <p:spPr>
+          <a:xfrm>
+            <a:off x="6302880" y="5373720"/>
+            <a:ext cx="2478960" cy="602280"/>
+          </a:xfrm>
+          <a:prstGeom prst="rect">
+            <a:avLst/>
+          </a:prstGeom>
+          <a:noFill/>
+          <a:ln>
+            <a:noFill/>
+          </a:ln>
+        </p:spPr>
+        <p:txBody>
+          <a:bodyPr lIns="90000" rIns="90000" tIns="45000" bIns="45000"/>
+          <a:p>
+            <a:r>
+              <a:rPr b="1" lang="fr-FR" sz="1800" spc="-1" strike="noStrike">
+                <a:latin typeface="Arial"/>
+              </a:rPr>
+              <a:t>vérif. </a:t>
+            </a:r>
+            <a:r>
+              <a:rPr b="0" i="1" lang="fr-FR" sz="1800" spc="-1" strike="noStrike">
+                <a:latin typeface="Arial"/>
+              </a:rPr>
+              <a:t>roles</a:t>
+            </a:r>
+            <a:r>
+              <a:rPr b="1" lang="fr-FR" sz="1800" spc="-1" strike="noStrike">
+                <a:latin typeface="Arial"/>
+              </a:rPr>
+              <a:t> ou </a:t>
+            </a:r>
+            <a:r>
+              <a:rPr b="1" i="1" lang="fr-FR" sz="1800" spc="-1" strike="noStrike">
+                <a:latin typeface="Arial"/>
+              </a:rPr>
+              <a:t>scopes</a:t>
+            </a:r>
+            <a:br/>
+            <a:r>
+              <a:rPr b="1" lang="fr-FR" sz="1800" spc="-1" strike="noStrike">
+                <a:latin typeface="Arial"/>
+              </a:rPr>
+              <a:t>suffisants</a:t>
+            </a:r>
+            <a:endParaRPr b="1" lang="fr-FR" sz="1800" spc="-1" strike="noStrike">
+              <a:latin typeface="Arial"/>
+            </a:endParaRPr>
+          </a:p>
+        </p:txBody>
+      </p:sp>
+      <p:sp>
+        <p:nvSpPr>
+          <p:cNvPr id="246" name="CustomShape 42"/>
+          <p:cNvSpPr/>
+          <p:nvPr/>
+        </p:nvSpPr>
+        <p:spPr>
+          <a:xfrm>
+            <a:off x="7795080" y="4593600"/>
+            <a:ext cx="334440" cy="287640"/>
+          </a:xfrm>
+          <a:prstGeom prst="ellipse">
+            <a:avLst/>
+          </a:prstGeom>
+          <a:solidFill>
+            <a:srgbClr val="fff9ae"/>
+          </a:solidFill>
+          <a:ln>
+            <a:solidFill>
+              <a:srgbClr val="3465a4"/>
+            </a:solidFill>
+          </a:ln>
+        </p:spPr>
+        <p:style>
+          <a:lnRef idx="0"/>
+          <a:fillRef idx="0"/>
+          <a:effectRef idx="0"/>
+          <a:fontRef idx="minor"/>
+        </p:style>
+        <p:txBody>
+          <a:bodyPr wrap="none" lIns="90000" rIns="90000" tIns="45000" bIns="45000" anchor="ctr"/>
+          <a:p>
+            <a:pPr algn="ctr">
+              <a:lnSpc>
+                <a:spcPct val="100000"/>
+              </a:lnSpc>
+            </a:pPr>
+            <a:r>
+              <a:rPr b="1" lang="fr-FR" sz="1800" spc="-1" strike="noStrike">
+                <a:solidFill>
+                  <a:srgbClr val="182f7c"/>
+                </a:solidFill>
+                <a:latin typeface="Arial"/>
+                <a:ea typeface="DejaVu Sans"/>
+              </a:rPr>
+              <a:t>8</a:t>
+            </a:r>
+            <a:endParaRPr b="0" lang="fr-FR" sz="1800" spc="-1" strike="noStrike">
+              <a:latin typeface="Arial"/>
+            </a:endParaRPr>
+          </a:p>
+        </p:txBody>
+      </p:sp>
+      <p:sp>
+        <p:nvSpPr>
+          <p:cNvPr id="247" name="CustomShape 43"/>
+          <p:cNvSpPr/>
+          <p:nvPr/>
+        </p:nvSpPr>
+        <p:spPr>
+          <a:xfrm>
+            <a:off x="576000" y="3240000"/>
+            <a:ext cx="334440" cy="287640"/>
+          </a:xfrm>
+          <a:prstGeom prst="ellipse">
+            <a:avLst/>
+          </a:prstGeom>
+          <a:solidFill>
+            <a:srgbClr val="fff9ae"/>
+          </a:solidFill>
+          <a:ln>
+            <a:solidFill>
+              <a:srgbClr val="3465a4"/>
+            </a:solidFill>
+          </a:ln>
+        </p:spPr>
+        <p:style>
+          <a:lnRef idx="0"/>
+          <a:fillRef idx="0"/>
+          <a:effectRef idx="0"/>
+          <a:fontRef idx="minor"/>
+        </p:style>
+        <p:txBody>
+          <a:bodyPr wrap="none" lIns="90000" rIns="90000" tIns="45000" bIns="45000" anchor="ctr"/>
+          <a:p>
+            <a:pPr algn="ctr">
+              <a:lnSpc>
+                <a:spcPct val="100000"/>
+              </a:lnSpc>
+            </a:pPr>
+            <a:r>
+              <a:rPr b="1" lang="fr-FR" sz="1800" spc="-1" strike="noStrike">
+                <a:solidFill>
+                  <a:srgbClr val="182f7c"/>
+                </a:solidFill>
+                <a:latin typeface="Arial"/>
+                <a:ea typeface="DejaVu Sans"/>
+              </a:rPr>
+              <a:t>4</a:t>
+            </a:r>
+            <a:endParaRPr b="0" lang="fr-FR" sz="1800" spc="-1" strike="noStrike">
+              <a:latin typeface="Arial"/>
+            </a:endParaRPr>
+          </a:p>
+        </p:txBody>
+      </p:sp>
+      <p:sp>
+        <p:nvSpPr>
+          <p:cNvPr id="248" name="TextShape 44"/>
+          <p:cNvSpPr txBox="1"/>
+          <p:nvPr/>
+        </p:nvSpPr>
+        <p:spPr>
+          <a:xfrm>
+            <a:off x="288000" y="6120000"/>
+            <a:ext cx="7799040" cy="602280"/>
+          </a:xfrm>
+          <a:prstGeom prst="rect">
+            <a:avLst/>
+          </a:prstGeom>
+          <a:noFill/>
+          <a:ln>
+            <a:noFill/>
+          </a:ln>
+        </p:spPr>
+        <p:txBody>
+          <a:bodyPr lIns="90000" rIns="90000" tIns="45000" bIns="45000"/>
+          <a:p>
+            <a:r>
+              <a:rPr b="0" lang="fr-FR" sz="1800" spc="-1" strike="noStrike">
+                <a:latin typeface="Arial"/>
+              </a:rPr>
+              <a:t>Beaucoup de variantes possibles :</a:t>
+            </a:r>
+            <a:endParaRPr b="0" lang="fr-FR" sz="1800" spc="-1" strike="noStrike">
+              <a:latin typeface="Arial"/>
+            </a:endParaRPr>
+          </a:p>
+          <a:p>
+            <a:r>
+              <a:rPr b="0" lang="fr-FR" sz="1800" spc="-1" strike="noStrike">
+                <a:latin typeface="Arial"/>
+              </a:rPr>
+              <a:t>(ex : étape 6 effectuée par api-gateway ou bien par serveur de ressources )</a:t>
+            </a:r>
+            <a:endParaRPr b="0" lang="fr-FR" sz="1800" spc="-1" strike="noStrike">
+              <a:latin typeface="Arial"/>
+            </a:endParaRPr>
+          </a:p>
+        </p:txBody>
+      </p:sp>
+      <p:sp>
+        <p:nvSpPr>
+          <p:cNvPr id="249" name="Line 45"/>
+          <p:cNvSpPr/>
+          <p:nvPr/>
+        </p:nvSpPr>
+        <p:spPr>
+          <a:xfrm>
+            <a:off x="1145520" y="3512880"/>
+            <a:ext cx="1302480" cy="15120"/>
+          </a:xfrm>
+          <a:prstGeom prst="line">
+            <a:avLst/>
+          </a:prstGeom>
+          <a:ln>
+            <a:solidFill>
+              <a:srgbClr val="000000"/>
+            </a:solidFill>
+            <a:tailEnd len="med" type="triangle" w="med"/>
+          </a:ln>
+        </p:spPr>
+        <p:style>
+          <a:lnRef idx="0"/>
+          <a:fillRef idx="0"/>
+          <a:effectRef idx="0"/>
+          <a:fontRef idx="minor"/>
+        </p:style>
+      </p:sp>
+      <p:sp>
+        <p:nvSpPr>
+          <p:cNvPr id="250" name="CustomShape 46"/>
+          <p:cNvSpPr/>
+          <p:nvPr/>
+        </p:nvSpPr>
+        <p:spPr>
+          <a:xfrm>
+            <a:off x="3121560" y="4032000"/>
+            <a:ext cx="334440" cy="287640"/>
+          </a:xfrm>
+          <a:prstGeom prst="ellipse">
+            <a:avLst/>
+          </a:prstGeom>
+          <a:solidFill>
+            <a:srgbClr val="fff9ae"/>
+          </a:solidFill>
+          <a:ln>
+            <a:solidFill>
+              <a:srgbClr val="3465a4"/>
+            </a:solidFill>
+          </a:ln>
+        </p:spPr>
+        <p:style>
+          <a:lnRef idx="0"/>
+          <a:fillRef idx="0"/>
+          <a:effectRef idx="0"/>
+          <a:fontRef idx="minor"/>
+        </p:style>
+        <p:txBody>
+          <a:bodyPr wrap="none" lIns="90000" rIns="90000" tIns="45000" bIns="45000" anchor="ctr"/>
+          <a:p>
+            <a:pPr algn="ctr">
+              <a:lnSpc>
+                <a:spcPct val="100000"/>
+              </a:lnSpc>
+            </a:pPr>
+            <a:r>
+              <a:rPr b="1" lang="fr-FR" sz="1800" spc="-1" strike="noStrike">
+                <a:solidFill>
+                  <a:srgbClr val="182f7c"/>
+                </a:solidFill>
+                <a:latin typeface="Arial"/>
+                <a:ea typeface="DejaVu Sans"/>
+              </a:rPr>
+              <a:t>6</a:t>
+            </a:r>
+            <a:endParaRPr b="0" lang="fr-FR" sz="1800" spc="-1" strike="noStrike">
+              <a:latin typeface="Arial"/>
+            </a:endParaRPr>
+          </a:p>
+        </p:txBody>
+      </p:sp>
+      <p:sp>
+        <p:nvSpPr>
+          <p:cNvPr id="251" name="Line 47"/>
+          <p:cNvSpPr/>
+          <p:nvPr/>
+        </p:nvSpPr>
+        <p:spPr>
+          <a:xfrm flipV="1">
+            <a:off x="6984000" y="2304000"/>
+            <a:ext cx="0" cy="1296000"/>
+          </a:xfrm>
+          <a:prstGeom prst="line">
+            <a:avLst/>
+          </a:prstGeom>
+          <a:ln>
+            <a:solidFill>
+              <a:srgbClr val="000000"/>
+            </a:solidFill>
+            <a:custDash/>
+          </a:ln>
+        </p:spPr>
+        <p:style>
+          <a:lnRef idx="0"/>
+          <a:fillRef idx="0"/>
+          <a:effectRef idx="0"/>
+          <a:fontRef idx="minor"/>
+        </p:style>
+      </p:sp>
+      <p:sp>
+        <p:nvSpPr>
+          <p:cNvPr id="252" name="TextShape 48"/>
+          <p:cNvSpPr txBox="1"/>
+          <p:nvPr/>
+        </p:nvSpPr>
+        <p:spPr>
+          <a:xfrm>
+            <a:off x="1368000" y="3181680"/>
+            <a:ext cx="676080" cy="346320"/>
+          </a:xfrm>
+          <a:prstGeom prst="rect">
+            <a:avLst/>
+          </a:prstGeom>
+          <a:noFill/>
+          <a:ln>
+            <a:noFill/>
+          </a:ln>
+        </p:spPr>
+        <p:txBody>
+          <a:bodyPr lIns="90000" rIns="90000" tIns="45000" bIns="45000"/>
+          <a:p>
+            <a:r>
+              <a:rPr b="0" lang="fr-FR" sz="1800" spc="-1" strike="noStrike">
+                <a:latin typeface="Arial"/>
+              </a:rPr>
+              <a:t>https</a:t>
+            </a:r>
+            <a:endParaRPr b="0" lang="fr-FR" sz="1800" spc="-1" strike="noStrike">
+              <a:latin typeface="Arial"/>
+            </a:endParaRPr>
+          </a:p>
+        </p:txBody>
+      </p:sp>
+      <p:sp>
+        <p:nvSpPr>
+          <p:cNvPr id="253" name="CustomShape 49"/>
+          <p:cNvSpPr/>
+          <p:nvPr/>
+        </p:nvSpPr>
+        <p:spPr>
+          <a:xfrm>
+            <a:off x="2448000" y="4752000"/>
+            <a:ext cx="360000" cy="287640"/>
+          </a:xfrm>
+          <a:prstGeom prst="ellipse">
+            <a:avLst/>
+          </a:prstGeom>
+          <a:solidFill>
+            <a:srgbClr val="fff9ae"/>
+          </a:solidFill>
+          <a:ln>
+            <a:solidFill>
+              <a:srgbClr val="3465a4"/>
+            </a:solidFill>
+          </a:ln>
+        </p:spPr>
+        <p:style>
+          <a:lnRef idx="0"/>
+          <a:fillRef idx="0"/>
+          <a:effectRef idx="0"/>
+          <a:fontRef idx="minor"/>
+        </p:style>
+        <p:txBody>
+          <a:bodyPr wrap="none" lIns="90000" rIns="90000" tIns="45000" bIns="45000" anchor="ctr"/>
+          <a:p>
+            <a:pPr algn="ctr">
+              <a:lnSpc>
+                <a:spcPct val="100000"/>
+              </a:lnSpc>
+            </a:pPr>
+            <a:r>
+              <a:rPr b="1" lang="fr-FR" sz="1800" spc="-1" strike="noStrike">
+                <a:solidFill>
+                  <a:srgbClr val="182f7c"/>
+                </a:solidFill>
+                <a:latin typeface="Arial"/>
+                <a:ea typeface="DejaVu Sans"/>
+              </a:rPr>
+              <a:t>...</a:t>
+            </a:r>
+            <a:endParaRPr b="0" lang="fr-FR" sz="1800" spc="-1" strike="noStrike">
               <a:latin typeface="Arial"/>
             </a:endParaRPr>
           </a:p>
@@ -8693,14 +13414,14 @@
       </p:grpSpPr>
       <p:sp>
         <p:nvSpPr>
-          <p:cNvPr id="167" name="CustomShape 1"/>
+          <p:cNvPr id="254" name="CustomShape 1"/>
           <p:cNvSpPr/>
           <p:nvPr/>
         </p:nvSpPr>
         <p:spPr>
           <a:xfrm>
             <a:off x="685800" y="2130480"/>
-            <a:ext cx="7773120" cy="2233080"/>
+            <a:ext cx="7772760" cy="2232720"/>
           </a:xfrm>
           <a:prstGeom prst="rect">
             <a:avLst/>
@@ -8719,14 +13440,14 @@
       </p:sp>
       <p:sp>
         <p:nvSpPr>
-          <p:cNvPr id="168" name="CustomShape 2"/>
+          <p:cNvPr id="255" name="CustomShape 2"/>
           <p:cNvSpPr/>
           <p:nvPr/>
         </p:nvSpPr>
         <p:spPr>
           <a:xfrm>
             <a:off x="457560" y="116640"/>
-            <a:ext cx="8228880" cy="461880"/>
+            <a:ext cx="8228520" cy="461520"/>
           </a:xfrm>
           <a:prstGeom prst="rect">
             <a:avLst/>
@@ -8759,10 +13480,1523 @@
                 </a:solidFill>
                 <a:uFillTx/>
                 <a:latin typeface="Calibri"/>
+                <a:ea typeface="DejaVu Sans"/>
               </a:rPr>
               <a:t>Notion de terminaison-ssl</a:t>
             </a:r>
             <a:endParaRPr b="0" lang="fr-FR" sz="3600" spc="-1" strike="noStrike">
+              <a:latin typeface="Arial"/>
+            </a:endParaRPr>
+          </a:p>
+        </p:txBody>
+      </p:sp>
+      <p:sp>
+        <p:nvSpPr>
+          <p:cNvPr id="256" name="CustomShape 3"/>
+          <p:cNvSpPr/>
+          <p:nvPr/>
+        </p:nvSpPr>
+        <p:spPr>
+          <a:xfrm>
+            <a:off x="688320" y="2130480"/>
+            <a:ext cx="7772760" cy="2232720"/>
+          </a:xfrm>
+          <a:prstGeom prst="rect">
+            <a:avLst/>
+          </a:prstGeom>
+          <a:noFill/>
+          <a:ln>
+            <a:noFill/>
+          </a:ln>
+        </p:spPr>
+        <p:style>
+          <a:lnRef idx="0"/>
+          <a:fillRef idx="0"/>
+          <a:effectRef idx="0"/>
+          <a:fontRef idx="minor"/>
+        </p:style>
+      </p:sp>
+      <p:sp>
+        <p:nvSpPr>
+          <p:cNvPr id="257" name="CustomShape 4"/>
+          <p:cNvSpPr/>
+          <p:nvPr/>
+        </p:nvSpPr>
+        <p:spPr>
+          <a:xfrm>
+            <a:off x="398160" y="2062800"/>
+            <a:ext cx="286560" cy="358560"/>
+          </a:xfrm>
+          <a:prstGeom prst="smileyFace">
+            <a:avLst>
+              <a:gd name="adj" fmla="val 4653"/>
+            </a:avLst>
+          </a:prstGeom>
+          <a:ln>
+            <a:solidFill>
+              <a:srgbClr val="be4b48"/>
+            </a:solidFill>
+            <a:round/>
+          </a:ln>
+          <a:effectLst>
+            <a:outerShdw blurRad="40000" dir="5400000" dist="20000" rotWithShape="0">
+              <a:srgbClr val="000000">
+                <a:alpha val="38000"/>
+              </a:srgbClr>
+            </a:outerShdw>
+          </a:effectLst>
+        </p:spPr>
+        <p:style>
+          <a:lnRef idx="1">
+            <a:schemeClr val="accent2"/>
+          </a:lnRef>
+          <a:fillRef idx="2">
+            <a:schemeClr val="accent2"/>
+          </a:fillRef>
+          <a:effectRef idx="1">
+            <a:schemeClr val="accent2"/>
+          </a:effectRef>
+          <a:fontRef idx="minor"/>
+        </p:style>
+      </p:sp>
+      <p:sp>
+        <p:nvSpPr>
+          <p:cNvPr id="258" name="CustomShape 5"/>
+          <p:cNvSpPr/>
+          <p:nvPr/>
+        </p:nvSpPr>
+        <p:spPr>
+          <a:xfrm>
+            <a:off x="398160" y="2494800"/>
+            <a:ext cx="286560" cy="214560"/>
+          </a:xfrm>
+          <a:prstGeom prst="heart">
+            <a:avLst/>
+          </a:prstGeom>
+          <a:ln>
+            <a:solidFill>
+              <a:srgbClr val="be4b48"/>
+            </a:solidFill>
+            <a:round/>
+          </a:ln>
+          <a:effectLst>
+            <a:outerShdw blurRad="40000" dir="5400000" dist="20000" rotWithShape="0">
+              <a:srgbClr val="000000">
+                <a:alpha val="38000"/>
+              </a:srgbClr>
+            </a:outerShdw>
+          </a:effectLst>
+        </p:spPr>
+        <p:style>
+          <a:lnRef idx="1">
+            <a:schemeClr val="accent2"/>
+          </a:lnRef>
+          <a:fillRef idx="2">
+            <a:schemeClr val="accent2"/>
+          </a:fillRef>
+          <a:effectRef idx="1">
+            <a:schemeClr val="accent2"/>
+          </a:effectRef>
+          <a:fontRef idx="minor"/>
+        </p:style>
+      </p:sp>
+      <p:sp>
+        <p:nvSpPr>
+          <p:cNvPr id="259" name="CustomShape 6"/>
+          <p:cNvSpPr/>
+          <p:nvPr/>
+        </p:nvSpPr>
+        <p:spPr>
+          <a:xfrm>
+            <a:off x="756720" y="2101320"/>
+            <a:ext cx="286560" cy="358560"/>
+          </a:xfrm>
+          <a:prstGeom prst="smileyFace">
+            <a:avLst>
+              <a:gd name="adj" fmla="val 4653"/>
+            </a:avLst>
+          </a:prstGeom>
+          <a:ln>
+            <a:solidFill>
+              <a:srgbClr val="be4b48"/>
+            </a:solidFill>
+            <a:round/>
+          </a:ln>
+          <a:effectLst>
+            <a:outerShdw blurRad="40000" dir="5400000" dist="20000" rotWithShape="0">
+              <a:srgbClr val="000000">
+                <a:alpha val="38000"/>
+              </a:srgbClr>
+            </a:outerShdw>
+          </a:effectLst>
+        </p:spPr>
+        <p:style>
+          <a:lnRef idx="1">
+            <a:schemeClr val="accent2"/>
+          </a:lnRef>
+          <a:fillRef idx="2">
+            <a:schemeClr val="accent2"/>
+          </a:fillRef>
+          <a:effectRef idx="1">
+            <a:schemeClr val="accent2"/>
+          </a:effectRef>
+          <a:fontRef idx="minor"/>
+        </p:style>
+      </p:sp>
+      <p:sp>
+        <p:nvSpPr>
+          <p:cNvPr id="260" name="CustomShape 7"/>
+          <p:cNvSpPr/>
+          <p:nvPr/>
+        </p:nvSpPr>
+        <p:spPr>
+          <a:xfrm>
+            <a:off x="756720" y="2533680"/>
+            <a:ext cx="286560" cy="214560"/>
+          </a:xfrm>
+          <a:prstGeom prst="heart">
+            <a:avLst/>
+          </a:prstGeom>
+          <a:ln>
+            <a:solidFill>
+              <a:srgbClr val="be4b48"/>
+            </a:solidFill>
+            <a:round/>
+          </a:ln>
+          <a:effectLst>
+            <a:outerShdw blurRad="40000" dir="5400000" dist="20000" rotWithShape="0">
+              <a:srgbClr val="000000">
+                <a:alpha val="38000"/>
+              </a:srgbClr>
+            </a:outerShdw>
+          </a:effectLst>
+        </p:spPr>
+        <p:style>
+          <a:lnRef idx="1">
+            <a:schemeClr val="accent2"/>
+          </a:lnRef>
+          <a:fillRef idx="2">
+            <a:schemeClr val="accent2"/>
+          </a:fillRef>
+          <a:effectRef idx="1">
+            <a:schemeClr val="accent2"/>
+          </a:effectRef>
+          <a:fontRef idx="minor"/>
+        </p:style>
+      </p:sp>
+      <p:sp>
+        <p:nvSpPr>
+          <p:cNvPr id="261" name="CustomShape 8"/>
+          <p:cNvSpPr/>
+          <p:nvPr/>
+        </p:nvSpPr>
+        <p:spPr>
+          <a:xfrm>
+            <a:off x="550440" y="2215440"/>
+            <a:ext cx="286560" cy="358560"/>
+          </a:xfrm>
+          <a:prstGeom prst="smileyFace">
+            <a:avLst>
+              <a:gd name="adj" fmla="val 4653"/>
+            </a:avLst>
+          </a:prstGeom>
+          <a:ln>
+            <a:solidFill>
+              <a:srgbClr val="be4b48"/>
+            </a:solidFill>
+            <a:round/>
+          </a:ln>
+          <a:effectLst>
+            <a:outerShdw blurRad="40000" dir="5400000" dist="20000" rotWithShape="0">
+              <a:srgbClr val="000000">
+                <a:alpha val="38000"/>
+              </a:srgbClr>
+            </a:outerShdw>
+          </a:effectLst>
+        </p:spPr>
+        <p:style>
+          <a:lnRef idx="1">
+            <a:schemeClr val="accent2"/>
+          </a:lnRef>
+          <a:fillRef idx="2">
+            <a:schemeClr val="accent2"/>
+          </a:fillRef>
+          <a:effectRef idx="1">
+            <a:schemeClr val="accent2"/>
+          </a:effectRef>
+          <a:fontRef idx="minor"/>
+        </p:style>
+      </p:sp>
+      <p:sp>
+        <p:nvSpPr>
+          <p:cNvPr id="262" name="CustomShape 9"/>
+          <p:cNvSpPr/>
+          <p:nvPr/>
+        </p:nvSpPr>
+        <p:spPr>
+          <a:xfrm>
+            <a:off x="550440" y="2647440"/>
+            <a:ext cx="286560" cy="214560"/>
+          </a:xfrm>
+          <a:prstGeom prst="heart">
+            <a:avLst/>
+          </a:prstGeom>
+          <a:ln>
+            <a:solidFill>
+              <a:srgbClr val="be4b48"/>
+            </a:solidFill>
+            <a:round/>
+          </a:ln>
+          <a:effectLst>
+            <a:outerShdw blurRad="40000" dir="5400000" dist="20000" rotWithShape="0">
+              <a:srgbClr val="000000">
+                <a:alpha val="38000"/>
+              </a:srgbClr>
+            </a:outerShdw>
+          </a:effectLst>
+        </p:spPr>
+        <p:style>
+          <a:lnRef idx="1">
+            <a:schemeClr val="accent2"/>
+          </a:lnRef>
+          <a:fillRef idx="2">
+            <a:schemeClr val="accent2"/>
+          </a:fillRef>
+          <a:effectRef idx="1">
+            <a:schemeClr val="accent2"/>
+          </a:effectRef>
+          <a:fontRef idx="minor"/>
+        </p:style>
+      </p:sp>
+      <p:sp>
+        <p:nvSpPr>
+          <p:cNvPr id="263" name="CustomShape 10"/>
+          <p:cNvSpPr/>
+          <p:nvPr/>
+        </p:nvSpPr>
+        <p:spPr>
+          <a:xfrm>
+            <a:off x="218520" y="3024000"/>
+            <a:ext cx="933480" cy="935280"/>
+          </a:xfrm>
+          <a:prstGeom prst="rect">
+            <a:avLst/>
+          </a:prstGeom>
+          <a:solidFill>
+            <a:srgbClr val="dddddd"/>
+          </a:solidFill>
+          <a:ln>
+            <a:solidFill>
+              <a:srgbClr val="3465a4"/>
+            </a:solidFill>
+          </a:ln>
+        </p:spPr>
+        <p:style>
+          <a:lnRef idx="0"/>
+          <a:fillRef idx="0"/>
+          <a:effectRef idx="0"/>
+          <a:fontRef idx="minor"/>
+        </p:style>
+      </p:sp>
+      <p:sp>
+        <p:nvSpPr>
+          <p:cNvPr id="264" name="CustomShape 11"/>
+          <p:cNvSpPr/>
+          <p:nvPr/>
+        </p:nvSpPr>
+        <p:spPr>
+          <a:xfrm>
+            <a:off x="434520" y="3168000"/>
+            <a:ext cx="933480" cy="935280"/>
+          </a:xfrm>
+          <a:prstGeom prst="rect">
+            <a:avLst/>
+          </a:prstGeom>
+          <a:solidFill>
+            <a:srgbClr val="dddddd"/>
+          </a:solidFill>
+          <a:ln>
+            <a:solidFill>
+              <a:srgbClr val="3465a4"/>
+            </a:solidFill>
+          </a:ln>
+        </p:spPr>
+        <p:style>
+          <a:lnRef idx="0"/>
+          <a:fillRef idx="0"/>
+          <a:effectRef idx="0"/>
+          <a:fontRef idx="minor"/>
+        </p:style>
+      </p:sp>
+      <p:sp>
+        <p:nvSpPr>
+          <p:cNvPr id="265" name="CustomShape 12"/>
+          <p:cNvSpPr/>
+          <p:nvPr/>
+        </p:nvSpPr>
+        <p:spPr>
+          <a:xfrm>
+            <a:off x="4896000" y="1368000"/>
+            <a:ext cx="1872000" cy="762480"/>
+          </a:xfrm>
+          <a:prstGeom prst="rect">
+            <a:avLst/>
+          </a:prstGeom>
+          <a:solidFill>
+            <a:srgbClr val="c2e0ae"/>
+          </a:solidFill>
+          <a:ln>
+            <a:solidFill>
+              <a:srgbClr val="3465a4"/>
+            </a:solidFill>
+          </a:ln>
+        </p:spPr>
+        <p:style>
+          <a:lnRef idx="0"/>
+          <a:fillRef idx="0"/>
+          <a:effectRef idx="0"/>
+          <a:fontRef idx="minor"/>
+        </p:style>
+        <p:txBody>
+          <a:bodyPr wrap="none" lIns="90000" rIns="90000" tIns="45000" bIns="45000" anchor="ctr"/>
+          <a:p>
+            <a:r>
+              <a:rPr b="1" lang="fr-FR" sz="1800" spc="-1" strike="noStrike">
+                <a:solidFill>
+                  <a:srgbClr val="182f7c"/>
+                </a:solidFill>
+                <a:latin typeface="Arial"/>
+                <a:ea typeface="DejaVu Sans"/>
+              </a:rPr>
+              <a:t>serveur A</a:t>
+            </a:r>
+            <a:endParaRPr b="0" lang="fr-FR" sz="1800" spc="-1" strike="noStrike">
+              <a:solidFill>
+                <a:srgbClr val="182f7c"/>
+              </a:solidFill>
+              <a:latin typeface="Arial"/>
+            </a:endParaRPr>
+          </a:p>
+          <a:p>
+            <a:r>
+              <a:rPr b="0" lang="fr-FR" sz="1800" spc="-1" strike="noStrike">
+                <a:solidFill>
+                  <a:srgbClr val="182f7c"/>
+                </a:solidFill>
+                <a:latin typeface="Arial"/>
+                <a:ea typeface="DejaVu Sans"/>
+              </a:rPr>
+              <a:t>(ex : springBoot)</a:t>
+            </a:r>
+            <a:endParaRPr b="0" lang="fr-FR" sz="1800" spc="-1" strike="noStrike">
+              <a:solidFill>
+                <a:srgbClr val="182f7c"/>
+              </a:solidFill>
+              <a:latin typeface="Arial"/>
+            </a:endParaRPr>
+          </a:p>
+          <a:p>
+            <a:endParaRPr b="0" lang="fr-FR" sz="1800" spc="-1" strike="noStrike">
+              <a:solidFill>
+                <a:srgbClr val="182f7c"/>
+              </a:solidFill>
+              <a:latin typeface="Arial"/>
+            </a:endParaRPr>
+          </a:p>
+        </p:txBody>
+      </p:sp>
+      <p:sp>
+        <p:nvSpPr>
+          <p:cNvPr id="266" name="CustomShape 13"/>
+          <p:cNvSpPr/>
+          <p:nvPr/>
+        </p:nvSpPr>
+        <p:spPr>
+          <a:xfrm>
+            <a:off x="1584720" y="4536000"/>
+            <a:ext cx="1583280" cy="1296000"/>
+          </a:xfrm>
+          <a:custGeom>
+            <a:avLst/>
+            <a:gdLst/>
+            <a:ahLst/>
+            <a:rect l="l" t="t" r="r" b="b"/>
+            <a:pathLst>
+              <a:path w="5602" h="4802">
+                <a:moveTo>
+                  <a:pt x="800" y="0"/>
+                </a:moveTo>
+                <a:cubicBezTo>
+                  <a:pt x="400" y="0"/>
+                  <a:pt x="0" y="400"/>
+                  <a:pt x="0" y="800"/>
+                </a:cubicBezTo>
+                <a:lnTo>
+                  <a:pt x="0" y="4000"/>
+                </a:lnTo>
+                <a:cubicBezTo>
+                  <a:pt x="0" y="4400"/>
+                  <a:pt x="400" y="4801"/>
+                  <a:pt x="800" y="4801"/>
+                </a:cubicBezTo>
+                <a:lnTo>
+                  <a:pt x="4800" y="4801"/>
+                </a:lnTo>
+                <a:cubicBezTo>
+                  <a:pt x="5200" y="4801"/>
+                  <a:pt x="5601" y="4400"/>
+                  <a:pt x="5601" y="4000"/>
+                </a:cubicBezTo>
+                <a:lnTo>
+                  <a:pt x="5601" y="800"/>
+                </a:lnTo>
+                <a:cubicBezTo>
+                  <a:pt x="5601" y="400"/>
+                  <a:pt x="5200" y="0"/>
+                  <a:pt x="4800" y="0"/>
+                </a:cubicBezTo>
+                <a:lnTo>
+                  <a:pt x="800" y="0"/>
+                </a:lnTo>
+              </a:path>
+            </a:pathLst>
+          </a:custGeom>
+          <a:solidFill>
+            <a:srgbClr val="fff685"/>
+          </a:solidFill>
+          <a:ln>
+            <a:solidFill>
+              <a:srgbClr val="3465a4"/>
+            </a:solidFill>
+          </a:ln>
+        </p:spPr>
+        <p:style>
+          <a:lnRef idx="0"/>
+          <a:fillRef idx="0"/>
+          <a:effectRef idx="0"/>
+          <a:fontRef idx="minor"/>
+        </p:style>
+        <p:txBody>
+          <a:bodyPr wrap="none" lIns="90000" rIns="90000" tIns="45000" bIns="45000" anchor="ctr"/>
+          <a:p>
+            <a:pPr algn="ctr">
+              <a:lnSpc>
+                <a:spcPct val="100000"/>
+              </a:lnSpc>
+            </a:pPr>
+            <a:endParaRPr b="0" lang="fr-FR" sz="1800" spc="-1" strike="noStrike">
+              <a:latin typeface="Arial"/>
+            </a:endParaRPr>
+          </a:p>
+          <a:p>
+            <a:pPr algn="ctr">
+              <a:lnSpc>
+                <a:spcPct val="100000"/>
+              </a:lnSpc>
+            </a:pPr>
+            <a:r>
+              <a:rPr b="0" lang="fr-FR" sz="1800" spc="-1" strike="noStrike">
+                <a:solidFill>
+                  <a:srgbClr val="000000"/>
+                </a:solidFill>
+                <a:latin typeface="Arial"/>
+                <a:ea typeface="DejaVu Sans"/>
+              </a:rPr>
+              <a:t>intermédiaire </a:t>
+            </a:r>
+            <a:endParaRPr b="0" lang="fr-FR" sz="1800" spc="-1" strike="noStrike">
+              <a:latin typeface="Arial"/>
+            </a:endParaRPr>
+          </a:p>
+          <a:p>
+            <a:pPr algn="ctr">
+              <a:lnSpc>
+                <a:spcPct val="100000"/>
+              </a:lnSpc>
+            </a:pPr>
+            <a:r>
+              <a:rPr b="0" lang="fr-FR" sz="1800" spc="-1" strike="noStrike">
+                <a:solidFill>
+                  <a:srgbClr val="000000"/>
+                </a:solidFill>
+                <a:latin typeface="Arial"/>
+                <a:ea typeface="DejaVu Sans"/>
+              </a:rPr>
+              <a:t>1</a:t>
+            </a:r>
+            <a:endParaRPr b="0" lang="fr-FR" sz="1800" spc="-1" strike="noStrike">
+              <a:latin typeface="Arial"/>
+            </a:endParaRPr>
+          </a:p>
+        </p:txBody>
+      </p:sp>
+      <p:sp>
+        <p:nvSpPr>
+          <p:cNvPr id="267" name="TextShape 14"/>
+          <p:cNvSpPr txBox="1"/>
+          <p:nvPr/>
+        </p:nvSpPr>
+        <p:spPr>
+          <a:xfrm>
+            <a:off x="146520" y="1224000"/>
+            <a:ext cx="1904400" cy="602280"/>
+          </a:xfrm>
+          <a:prstGeom prst="rect">
+            <a:avLst/>
+          </a:prstGeom>
+          <a:noFill/>
+          <a:ln>
+            <a:noFill/>
+          </a:ln>
+        </p:spPr>
+        <p:txBody>
+          <a:bodyPr lIns="90000" rIns="90000" tIns="45000" bIns="45000"/>
+          <a:p>
+            <a:r>
+              <a:rPr b="0" lang="fr-FR" sz="1800" spc="-1" strike="noStrike">
+                <a:latin typeface="Arial"/>
+              </a:rPr>
+              <a:t>Utilisateurs</a:t>
+            </a:r>
+            <a:br/>
+            <a:r>
+              <a:rPr b="0" lang="fr-FR" sz="1800" spc="-1" strike="noStrike">
+                <a:latin typeface="Arial"/>
+              </a:rPr>
+              <a:t>avec navigateurs</a:t>
+            </a:r>
+            <a:endParaRPr b="0" lang="fr-FR" sz="1800" spc="-1" strike="noStrike">
+              <a:latin typeface="Arial"/>
+            </a:endParaRPr>
+          </a:p>
+        </p:txBody>
+      </p:sp>
+      <p:sp>
+        <p:nvSpPr>
+          <p:cNvPr id="268" name="CustomShape 15"/>
+          <p:cNvSpPr/>
+          <p:nvPr/>
+        </p:nvSpPr>
+        <p:spPr>
+          <a:xfrm>
+            <a:off x="4032000" y="3168720"/>
+            <a:ext cx="1656000" cy="1727280"/>
+          </a:xfrm>
+          <a:custGeom>
+            <a:avLst/>
+            <a:gdLst/>
+            <a:ahLst/>
+            <a:rect l="l" t="t" r="r" b="b"/>
+            <a:pathLst>
+              <a:path w="5602" h="4802">
+                <a:moveTo>
+                  <a:pt x="800" y="0"/>
+                </a:moveTo>
+                <a:cubicBezTo>
+                  <a:pt x="400" y="0"/>
+                  <a:pt x="0" y="400"/>
+                  <a:pt x="0" y="800"/>
+                </a:cubicBezTo>
+                <a:lnTo>
+                  <a:pt x="0" y="4000"/>
+                </a:lnTo>
+                <a:cubicBezTo>
+                  <a:pt x="0" y="4400"/>
+                  <a:pt x="400" y="4801"/>
+                  <a:pt x="800" y="4801"/>
+                </a:cubicBezTo>
+                <a:lnTo>
+                  <a:pt x="4800" y="4801"/>
+                </a:lnTo>
+                <a:cubicBezTo>
+                  <a:pt x="5200" y="4801"/>
+                  <a:pt x="5601" y="4400"/>
+                  <a:pt x="5601" y="4000"/>
+                </a:cubicBezTo>
+                <a:lnTo>
+                  <a:pt x="5601" y="800"/>
+                </a:lnTo>
+                <a:cubicBezTo>
+                  <a:pt x="5601" y="400"/>
+                  <a:pt x="5200" y="0"/>
+                  <a:pt x="4800" y="0"/>
+                </a:cubicBezTo>
+                <a:lnTo>
+                  <a:pt x="800" y="0"/>
+                </a:lnTo>
+              </a:path>
+            </a:pathLst>
+          </a:custGeom>
+          <a:solidFill>
+            <a:srgbClr val="fff685"/>
+          </a:solidFill>
+          <a:ln>
+            <a:solidFill>
+              <a:srgbClr val="3465a4"/>
+            </a:solidFill>
+          </a:ln>
+        </p:spPr>
+        <p:style>
+          <a:lnRef idx="0"/>
+          <a:fillRef idx="0"/>
+          <a:effectRef idx="0"/>
+          <a:fontRef idx="minor"/>
+        </p:style>
+        <p:txBody>
+          <a:bodyPr wrap="none" lIns="90000" rIns="90000" tIns="45000" bIns="45000" anchor="ctr"/>
+          <a:p>
+            <a:pPr algn="ctr">
+              <a:lnSpc>
+                <a:spcPct val="100000"/>
+              </a:lnSpc>
+            </a:pPr>
+            <a:r>
+              <a:rPr b="1" lang="fr-FR" sz="1800" spc="-1" strike="noStrike">
+                <a:solidFill>
+                  <a:srgbClr val="ce181e"/>
+                </a:solidFill>
+                <a:latin typeface="Arial"/>
+                <a:ea typeface="DejaVu Sans"/>
+              </a:rPr>
+              <a:t>serveur </a:t>
+            </a:r>
+            <a:endParaRPr b="1" lang="fr-FR" sz="1800" spc="-1" strike="noStrike">
+              <a:latin typeface="Arial"/>
+            </a:endParaRPr>
+          </a:p>
+          <a:p>
+            <a:pPr algn="ctr">
+              <a:lnSpc>
+                <a:spcPct val="100000"/>
+              </a:lnSpc>
+            </a:pPr>
+            <a:r>
+              <a:rPr b="1" lang="fr-FR" sz="1800" spc="-1" strike="noStrike">
+                <a:solidFill>
+                  <a:srgbClr val="ce181e"/>
+                </a:solidFill>
+                <a:latin typeface="Arial"/>
+                <a:ea typeface="DejaVu Sans"/>
+              </a:rPr>
+              <a:t>intermédiaire </a:t>
+            </a:r>
+            <a:endParaRPr b="1" lang="fr-FR" sz="1800" spc="-1" strike="noStrike">
+              <a:latin typeface="Arial"/>
+            </a:endParaRPr>
+          </a:p>
+          <a:p>
+            <a:pPr algn="ctr">
+              <a:lnSpc>
+                <a:spcPct val="100000"/>
+              </a:lnSpc>
+            </a:pPr>
+            <a:r>
+              <a:rPr b="1" lang="fr-FR" sz="1800" spc="-1" strike="noStrike">
+                <a:solidFill>
+                  <a:srgbClr val="000000"/>
+                </a:solidFill>
+                <a:latin typeface="Arial"/>
+                <a:ea typeface="DejaVu Sans"/>
+              </a:rPr>
+              <a:t>2</a:t>
+            </a:r>
+            <a:endParaRPr b="1" lang="fr-FR" sz="1800" spc="-1" strike="noStrike">
+              <a:latin typeface="Arial"/>
+            </a:endParaRPr>
+          </a:p>
+          <a:p>
+            <a:pPr algn="ctr">
+              <a:lnSpc>
+                <a:spcPct val="100000"/>
+              </a:lnSpc>
+            </a:pPr>
+            <a:r>
+              <a:rPr b="1" lang="fr-FR" sz="1800" spc="-1" strike="noStrike">
+                <a:solidFill>
+                  <a:srgbClr val="000000"/>
+                </a:solidFill>
+                <a:latin typeface="Arial"/>
+                <a:ea typeface="DejaVu Sans"/>
+              </a:rPr>
+              <a:t>(ex : nginx)</a:t>
+            </a:r>
+            <a:endParaRPr b="1" lang="fr-FR" sz="1800" spc="-1" strike="noStrike">
+              <a:latin typeface="Arial"/>
+            </a:endParaRPr>
+          </a:p>
+        </p:txBody>
+      </p:sp>
+      <p:sp>
+        <p:nvSpPr>
+          <p:cNvPr id="269" name="CustomShape 16"/>
+          <p:cNvSpPr/>
+          <p:nvPr/>
+        </p:nvSpPr>
+        <p:spPr>
+          <a:xfrm>
+            <a:off x="7200000" y="1368000"/>
+            <a:ext cx="1583280" cy="791280"/>
+          </a:xfrm>
+          <a:prstGeom prst="rect">
+            <a:avLst/>
+          </a:prstGeom>
+          <a:solidFill>
+            <a:srgbClr val="c2e0ae"/>
+          </a:solidFill>
+          <a:ln>
+            <a:solidFill>
+              <a:srgbClr val="3465a4"/>
+            </a:solidFill>
+          </a:ln>
+        </p:spPr>
+        <p:style>
+          <a:lnRef idx="0"/>
+          <a:fillRef idx="0"/>
+          <a:effectRef idx="0"/>
+          <a:fontRef idx="minor"/>
+        </p:style>
+        <p:txBody>
+          <a:bodyPr wrap="none" lIns="90000" rIns="90000" tIns="45000" bIns="45000" anchor="ctr"/>
+          <a:p>
+            <a:r>
+              <a:rPr b="1" lang="fr-FR" sz="1800" spc="-1" strike="noStrike">
+                <a:solidFill>
+                  <a:srgbClr val="182f7c"/>
+                </a:solidFill>
+                <a:latin typeface="Arial"/>
+                <a:ea typeface="DejaVu Sans"/>
+              </a:rPr>
+              <a:t>serveur B</a:t>
+            </a:r>
+            <a:endParaRPr b="0" lang="fr-FR" sz="1800" spc="-1" strike="noStrike">
+              <a:solidFill>
+                <a:srgbClr val="182f7c"/>
+              </a:solidFill>
+              <a:latin typeface="Arial"/>
+            </a:endParaRPr>
+          </a:p>
+          <a:p>
+            <a:r>
+              <a:rPr b="0" lang="fr-FR" sz="1800" spc="-1" strike="noStrike">
+                <a:solidFill>
+                  <a:srgbClr val="182f7c"/>
+                </a:solidFill>
+                <a:latin typeface="Arial"/>
+                <a:ea typeface="DejaVu Sans"/>
+              </a:rPr>
+              <a:t>(ex : nodeJs)</a:t>
+            </a:r>
+            <a:endParaRPr b="0" lang="fr-FR" sz="1800" spc="-1" strike="noStrike">
+              <a:solidFill>
+                <a:srgbClr val="182f7c"/>
+              </a:solidFill>
+              <a:latin typeface="Arial"/>
+            </a:endParaRPr>
+          </a:p>
+          <a:p>
+            <a:endParaRPr b="0" lang="fr-FR" sz="1800" spc="-1" strike="noStrike">
+              <a:solidFill>
+                <a:srgbClr val="182f7c"/>
+              </a:solidFill>
+              <a:latin typeface="Arial"/>
+            </a:endParaRPr>
+          </a:p>
+        </p:txBody>
+      </p:sp>
+      <p:sp>
+        <p:nvSpPr>
+          <p:cNvPr id="270" name="CustomShape 17"/>
+          <p:cNvSpPr/>
+          <p:nvPr/>
+        </p:nvSpPr>
+        <p:spPr>
+          <a:xfrm>
+            <a:off x="6696720" y="2923200"/>
+            <a:ext cx="1583280" cy="1036800"/>
+          </a:xfrm>
+          <a:custGeom>
+            <a:avLst/>
+            <a:gdLst/>
+            <a:ahLst/>
+            <a:rect l="l" t="t" r="r" b="b"/>
+            <a:pathLst>
+              <a:path w="5602" h="4802">
+                <a:moveTo>
+                  <a:pt x="800" y="0"/>
+                </a:moveTo>
+                <a:cubicBezTo>
+                  <a:pt x="400" y="0"/>
+                  <a:pt x="0" y="400"/>
+                  <a:pt x="0" y="800"/>
+                </a:cubicBezTo>
+                <a:lnTo>
+                  <a:pt x="0" y="4000"/>
+                </a:lnTo>
+                <a:cubicBezTo>
+                  <a:pt x="0" y="4400"/>
+                  <a:pt x="400" y="4801"/>
+                  <a:pt x="800" y="4801"/>
+                </a:cubicBezTo>
+                <a:lnTo>
+                  <a:pt x="4800" y="4801"/>
+                </a:lnTo>
+                <a:cubicBezTo>
+                  <a:pt x="5200" y="4801"/>
+                  <a:pt x="5601" y="4400"/>
+                  <a:pt x="5601" y="4000"/>
+                </a:cubicBezTo>
+                <a:lnTo>
+                  <a:pt x="5601" y="800"/>
+                </a:lnTo>
+                <a:cubicBezTo>
+                  <a:pt x="5601" y="400"/>
+                  <a:pt x="5200" y="0"/>
+                  <a:pt x="4800" y="0"/>
+                </a:cubicBezTo>
+                <a:lnTo>
+                  <a:pt x="800" y="0"/>
+                </a:lnTo>
+              </a:path>
+            </a:pathLst>
+          </a:custGeom>
+          <a:solidFill>
+            <a:srgbClr val="cccccc"/>
+          </a:solidFill>
+          <a:ln>
+            <a:solidFill>
+              <a:srgbClr val="3465a4"/>
+            </a:solidFill>
+          </a:ln>
+        </p:spPr>
+        <p:style>
+          <a:lnRef idx="0"/>
+          <a:fillRef idx="0"/>
+          <a:effectRef idx="0"/>
+          <a:fontRef idx="minor"/>
+        </p:style>
+        <p:txBody>
+          <a:bodyPr wrap="none" lIns="90000" rIns="90000" tIns="45000" bIns="45000" anchor="ctr"/>
+          <a:p>
+            <a:pPr algn="ctr">
+              <a:lnSpc>
+                <a:spcPct val="100000"/>
+              </a:lnSpc>
+            </a:pPr>
+            <a:endParaRPr b="0" lang="fr-FR" sz="1800" spc="-1" strike="noStrike">
+              <a:latin typeface="Arial"/>
+            </a:endParaRPr>
+          </a:p>
+          <a:p>
+            <a:pPr algn="ctr">
+              <a:lnSpc>
+                <a:spcPct val="100000"/>
+              </a:lnSpc>
+            </a:pPr>
+            <a:r>
+              <a:rPr b="0" lang="fr-FR" sz="1800" spc="-1" strike="noStrike">
+                <a:solidFill>
+                  <a:srgbClr val="000000"/>
+                </a:solidFill>
+                <a:latin typeface="Arial"/>
+                <a:ea typeface="DejaVu Sans"/>
+              </a:rPr>
+              <a:t>intermédiaire </a:t>
+            </a:r>
+            <a:endParaRPr b="0" lang="fr-FR" sz="1800" spc="-1" strike="noStrike">
+              <a:latin typeface="Arial"/>
+            </a:endParaRPr>
+          </a:p>
+          <a:p>
+            <a:pPr algn="ctr">
+              <a:lnSpc>
+                <a:spcPct val="100000"/>
+              </a:lnSpc>
+            </a:pPr>
+            <a:r>
+              <a:rPr b="0" lang="fr-FR" sz="1800" spc="-1" strike="noStrike">
+                <a:solidFill>
+                  <a:srgbClr val="000000"/>
+                </a:solidFill>
+                <a:latin typeface="Arial"/>
+                <a:ea typeface="DejaVu Sans"/>
+              </a:rPr>
+              <a:t>3</a:t>
+            </a:r>
+            <a:endParaRPr b="0" lang="fr-FR" sz="1800" spc="-1" strike="noStrike">
+              <a:latin typeface="Arial"/>
+            </a:endParaRPr>
+          </a:p>
+        </p:txBody>
+      </p:sp>
+      <p:sp>
+        <p:nvSpPr>
+          <p:cNvPr id="271" name="Line 18"/>
+          <p:cNvSpPr/>
+          <p:nvPr/>
+        </p:nvSpPr>
+        <p:spPr>
+          <a:xfrm>
+            <a:off x="936000" y="3672000"/>
+            <a:ext cx="936000" cy="1152000"/>
+          </a:xfrm>
+          <a:prstGeom prst="line">
+            <a:avLst/>
+          </a:prstGeom>
+          <a:ln w="38160">
+            <a:solidFill>
+              <a:srgbClr val="3465a4"/>
+            </a:solidFill>
+            <a:round/>
+            <a:headEnd len="med" type="triangle" w="med"/>
+            <a:tailEnd len="med" type="triangle" w="med"/>
+          </a:ln>
+        </p:spPr>
+        <p:style>
+          <a:lnRef idx="0"/>
+          <a:fillRef idx="0"/>
+          <a:effectRef idx="0"/>
+          <a:fontRef idx="minor"/>
+        </p:style>
+      </p:sp>
+      <p:sp>
+        <p:nvSpPr>
+          <p:cNvPr id="272" name="Line 19"/>
+          <p:cNvSpPr/>
+          <p:nvPr/>
+        </p:nvSpPr>
+        <p:spPr>
+          <a:xfrm flipV="1">
+            <a:off x="2736000" y="4176000"/>
+            <a:ext cx="1512000" cy="576000"/>
+          </a:xfrm>
+          <a:prstGeom prst="line">
+            <a:avLst/>
+          </a:prstGeom>
+          <a:ln w="38160">
+            <a:solidFill>
+              <a:srgbClr val="3465a4"/>
+            </a:solidFill>
+            <a:round/>
+            <a:headEnd len="med" type="triangle" w="med"/>
+            <a:tailEnd len="med" type="triangle" w="med"/>
+          </a:ln>
+        </p:spPr>
+        <p:style>
+          <a:lnRef idx="0"/>
+          <a:fillRef idx="0"/>
+          <a:effectRef idx="0"/>
+          <a:fontRef idx="minor"/>
+        </p:style>
+      </p:sp>
+      <p:sp>
+        <p:nvSpPr>
+          <p:cNvPr id="273" name="Line 20"/>
+          <p:cNvSpPr/>
+          <p:nvPr/>
+        </p:nvSpPr>
+        <p:spPr>
+          <a:xfrm flipV="1">
+            <a:off x="5472000" y="3744000"/>
+            <a:ext cx="1584000" cy="504000"/>
+          </a:xfrm>
+          <a:prstGeom prst="line">
+            <a:avLst/>
+          </a:prstGeom>
+          <a:ln w="38160">
+            <a:solidFill>
+              <a:srgbClr val="ef413d"/>
+            </a:solidFill>
+            <a:round/>
+            <a:headEnd len="med" type="triangle" w="med"/>
+            <a:tailEnd len="med" type="triangle" w="med"/>
+          </a:ln>
+        </p:spPr>
+        <p:style>
+          <a:lnRef idx="0"/>
+          <a:fillRef idx="0"/>
+          <a:effectRef idx="0"/>
+          <a:fontRef idx="minor"/>
+        </p:style>
+      </p:sp>
+      <p:sp>
+        <p:nvSpPr>
+          <p:cNvPr id="274" name="Line 21"/>
+          <p:cNvSpPr/>
+          <p:nvPr/>
+        </p:nvSpPr>
+        <p:spPr>
+          <a:xfrm flipV="1">
+            <a:off x="7632000" y="2016000"/>
+            <a:ext cx="792000" cy="1080000"/>
+          </a:xfrm>
+          <a:prstGeom prst="line">
+            <a:avLst/>
+          </a:prstGeom>
+          <a:ln w="38160">
+            <a:solidFill>
+              <a:srgbClr val="ef413d"/>
+            </a:solidFill>
+            <a:round/>
+            <a:headEnd len="med" type="triangle" w="med"/>
+            <a:tailEnd len="med" type="triangle" w="med"/>
+          </a:ln>
+        </p:spPr>
+        <p:style>
+          <a:lnRef idx="0"/>
+          <a:fillRef idx="0"/>
+          <a:effectRef idx="0"/>
+          <a:fontRef idx="minor"/>
+        </p:style>
+      </p:sp>
+      <p:sp>
+        <p:nvSpPr>
+          <p:cNvPr id="275" name="Line 22"/>
+          <p:cNvSpPr/>
+          <p:nvPr/>
+        </p:nvSpPr>
+        <p:spPr>
+          <a:xfrm>
+            <a:off x="5760000" y="2016000"/>
+            <a:ext cx="1368000" cy="1080000"/>
+          </a:xfrm>
+          <a:prstGeom prst="line">
+            <a:avLst/>
+          </a:prstGeom>
+          <a:ln w="38160">
+            <a:solidFill>
+              <a:srgbClr val="ef413d"/>
+            </a:solidFill>
+            <a:round/>
+            <a:headEnd len="med" type="triangle" w="med"/>
+            <a:tailEnd len="med" type="triangle" w="med"/>
+          </a:ln>
+        </p:spPr>
+        <p:style>
+          <a:lnRef idx="0"/>
+          <a:fillRef idx="0"/>
+          <a:effectRef idx="0"/>
+          <a:fontRef idx="minor"/>
+        </p:style>
+      </p:sp>
+      <p:sp>
+        <p:nvSpPr>
+          <p:cNvPr id="276" name="TextShape 23"/>
+          <p:cNvSpPr txBox="1"/>
+          <p:nvPr/>
+        </p:nvSpPr>
+        <p:spPr>
+          <a:xfrm>
+            <a:off x="1584000" y="3960000"/>
+            <a:ext cx="930600" cy="346320"/>
+          </a:xfrm>
+          <a:prstGeom prst="rect">
+            <a:avLst/>
+          </a:prstGeom>
+          <a:noFill/>
+          <a:ln>
+            <a:noFill/>
+          </a:ln>
+        </p:spPr>
+        <p:txBody>
+          <a:bodyPr lIns="90000" rIns="90000" tIns="45000" bIns="45000"/>
+          <a:p>
+            <a:r>
+              <a:rPr b="1" lang="fr-FR" sz="1800" spc="-1" strike="noStrike">
+                <a:solidFill>
+                  <a:srgbClr val="0d1f63"/>
+                </a:solidFill>
+                <a:latin typeface="Arial"/>
+              </a:rPr>
+              <a:t>HTTPS</a:t>
+            </a:r>
+            <a:endParaRPr b="0" lang="fr-FR" sz="1800" spc="-1" strike="noStrike">
+              <a:solidFill>
+                <a:srgbClr val="0d1f63"/>
+              </a:solidFill>
+              <a:latin typeface="Arial"/>
+            </a:endParaRPr>
+          </a:p>
+        </p:txBody>
+      </p:sp>
+      <p:sp>
+        <p:nvSpPr>
+          <p:cNvPr id="277" name="TextShape 24"/>
+          <p:cNvSpPr txBox="1"/>
+          <p:nvPr/>
+        </p:nvSpPr>
+        <p:spPr>
+          <a:xfrm>
+            <a:off x="3173400" y="4608000"/>
+            <a:ext cx="930600" cy="346320"/>
+          </a:xfrm>
+          <a:prstGeom prst="rect">
+            <a:avLst/>
+          </a:prstGeom>
+          <a:noFill/>
+          <a:ln>
+            <a:noFill/>
+          </a:ln>
+        </p:spPr>
+        <p:txBody>
+          <a:bodyPr lIns="90000" rIns="90000" tIns="45000" bIns="45000"/>
+          <a:p>
+            <a:r>
+              <a:rPr b="1" lang="fr-FR" sz="1800" spc="-1" strike="noStrike">
+                <a:solidFill>
+                  <a:srgbClr val="0d1f63"/>
+                </a:solidFill>
+                <a:latin typeface="Arial"/>
+              </a:rPr>
+              <a:t>HTTPS</a:t>
+            </a:r>
+            <a:endParaRPr b="0" lang="fr-FR" sz="1800" spc="-1" strike="noStrike">
+              <a:solidFill>
+                <a:srgbClr val="0d1f63"/>
+              </a:solidFill>
+              <a:latin typeface="Arial"/>
+            </a:endParaRPr>
+          </a:p>
+        </p:txBody>
+      </p:sp>
+      <p:sp>
+        <p:nvSpPr>
+          <p:cNvPr id="278" name="TextShape 25"/>
+          <p:cNvSpPr txBox="1"/>
+          <p:nvPr/>
+        </p:nvSpPr>
+        <p:spPr>
+          <a:xfrm>
+            <a:off x="5909400" y="4189680"/>
+            <a:ext cx="777960" cy="346320"/>
+          </a:xfrm>
+          <a:prstGeom prst="rect">
+            <a:avLst/>
+          </a:prstGeom>
+          <a:noFill/>
+          <a:ln>
+            <a:noFill/>
+          </a:ln>
+        </p:spPr>
+        <p:txBody>
+          <a:bodyPr lIns="90000" rIns="90000" tIns="45000" bIns="45000"/>
+          <a:p>
+            <a:r>
+              <a:rPr b="1" lang="fr-FR" sz="1800" spc="-1" strike="noStrike">
+                <a:solidFill>
+                  <a:srgbClr val="ce181e"/>
+                </a:solidFill>
+                <a:latin typeface="Arial"/>
+              </a:rPr>
+              <a:t>HTTP</a:t>
+            </a:r>
+            <a:endParaRPr b="0" lang="fr-FR" sz="1800" spc="-1" strike="noStrike">
+              <a:solidFill>
+                <a:srgbClr val="ce181e"/>
+              </a:solidFill>
+              <a:latin typeface="Arial"/>
+            </a:endParaRPr>
+          </a:p>
+        </p:txBody>
+      </p:sp>
+      <p:sp>
+        <p:nvSpPr>
+          <p:cNvPr id="279" name="TextShape 26"/>
+          <p:cNvSpPr txBox="1"/>
+          <p:nvPr/>
+        </p:nvSpPr>
+        <p:spPr>
+          <a:xfrm>
+            <a:off x="5630040" y="2533680"/>
+            <a:ext cx="777960" cy="346320"/>
+          </a:xfrm>
+          <a:prstGeom prst="rect">
+            <a:avLst/>
+          </a:prstGeom>
+          <a:noFill/>
+          <a:ln>
+            <a:noFill/>
+          </a:ln>
+        </p:spPr>
+        <p:txBody>
+          <a:bodyPr lIns="90000" rIns="90000" tIns="45000" bIns="45000"/>
+          <a:p>
+            <a:r>
+              <a:rPr b="1" lang="fr-FR" sz="1800" spc="-1" strike="noStrike">
+                <a:solidFill>
+                  <a:srgbClr val="ce181e"/>
+                </a:solidFill>
+                <a:latin typeface="Arial"/>
+              </a:rPr>
+              <a:t>HTTP</a:t>
+            </a:r>
+            <a:endParaRPr b="0" lang="fr-FR" sz="1800" spc="-1" strike="noStrike">
+              <a:solidFill>
+                <a:srgbClr val="ce181e"/>
+              </a:solidFill>
+              <a:latin typeface="Arial"/>
+            </a:endParaRPr>
+          </a:p>
+        </p:txBody>
+      </p:sp>
+      <p:sp>
+        <p:nvSpPr>
+          <p:cNvPr id="280" name="TextShape 27"/>
+          <p:cNvSpPr txBox="1"/>
+          <p:nvPr/>
+        </p:nvSpPr>
+        <p:spPr>
+          <a:xfrm>
+            <a:off x="8150040" y="2520000"/>
+            <a:ext cx="777960" cy="346320"/>
+          </a:xfrm>
+          <a:prstGeom prst="rect">
+            <a:avLst/>
+          </a:prstGeom>
+          <a:noFill/>
+          <a:ln>
+            <a:noFill/>
+          </a:ln>
+        </p:spPr>
+        <p:txBody>
+          <a:bodyPr lIns="90000" rIns="90000" tIns="45000" bIns="45000"/>
+          <a:p>
+            <a:r>
+              <a:rPr b="1" lang="fr-FR" sz="1800" spc="-1" strike="noStrike">
+                <a:solidFill>
+                  <a:srgbClr val="ce181e"/>
+                </a:solidFill>
+                <a:latin typeface="Arial"/>
+              </a:rPr>
+              <a:t>HTTP</a:t>
+            </a:r>
+            <a:endParaRPr b="0" lang="fr-FR" sz="1800" spc="-1" strike="noStrike">
+              <a:solidFill>
+                <a:srgbClr val="ce181e"/>
+              </a:solidFill>
+              <a:latin typeface="Arial"/>
+            </a:endParaRPr>
+          </a:p>
+        </p:txBody>
+      </p:sp>
+      <p:sp>
+        <p:nvSpPr>
+          <p:cNvPr id="281" name="CustomShape 28"/>
+          <p:cNvSpPr/>
+          <p:nvPr/>
+        </p:nvSpPr>
+        <p:spPr>
+          <a:xfrm>
+            <a:off x="5976000" y="5112000"/>
+            <a:ext cx="2016000" cy="720000"/>
+          </a:xfrm>
+          <a:prstGeom prst="rect">
+            <a:avLst/>
+          </a:prstGeom>
+          <a:noFill/>
+          <a:ln>
+            <a:solidFill>
+              <a:srgbClr val="3465a4"/>
+            </a:solidFill>
+          </a:ln>
+        </p:spPr>
+        <p:style>
+          <a:lnRef idx="0"/>
+          <a:fillRef idx="0"/>
+          <a:effectRef idx="0"/>
+          <a:fontRef idx="minor"/>
+        </p:style>
+        <p:txBody>
+          <a:bodyPr wrap="none" lIns="90000" rIns="90000" tIns="45000" bIns="45000" anchor="ctr"/>
+          <a:p>
+            <a:pPr algn="ctr"/>
+            <a:r>
+              <a:rPr b="1" lang="fr-FR" sz="1800" spc="-1" strike="noStrike">
+                <a:latin typeface="Arial"/>
+              </a:rPr>
+              <a:t>certificats</a:t>
+            </a:r>
+            <a:r>
+              <a:rPr b="0" lang="fr-FR" sz="1800" spc="-1" strike="noStrike">
+                <a:latin typeface="Arial"/>
+              </a:rPr>
+              <a:t> officiels</a:t>
+            </a:r>
+            <a:endParaRPr b="0" lang="fr-FR" sz="1800" spc="-1" strike="noStrike">
+              <a:latin typeface="Arial"/>
+            </a:endParaRPr>
+          </a:p>
+          <a:p>
+            <a:pPr algn="ctr"/>
+            <a:r>
+              <a:rPr b="1" lang="fr-FR" sz="1800" spc="-1" strike="noStrike">
+                <a:latin typeface="Arial"/>
+              </a:rPr>
+              <a:t>configurés</a:t>
+            </a:r>
+            <a:endParaRPr b="0" lang="fr-FR" sz="1800" spc="-1" strike="noStrike">
+              <a:latin typeface="Arial"/>
+            </a:endParaRPr>
+          </a:p>
+        </p:txBody>
+      </p:sp>
+      <p:sp>
+        <p:nvSpPr>
+          <p:cNvPr id="282" name="Line 29"/>
+          <p:cNvSpPr/>
+          <p:nvPr/>
+        </p:nvSpPr>
+        <p:spPr>
+          <a:xfrm flipH="1" flipV="1">
+            <a:off x="5256000" y="4680000"/>
+            <a:ext cx="864000" cy="504000"/>
+          </a:xfrm>
+          <a:prstGeom prst="line">
+            <a:avLst/>
+          </a:prstGeom>
+          <a:ln>
+            <a:solidFill>
+              <a:srgbClr val="000000"/>
+            </a:solidFill>
+          </a:ln>
+        </p:spPr>
+        <p:style>
+          <a:lnRef idx="0"/>
+          <a:fillRef idx="0"/>
+          <a:effectRef idx="0"/>
+          <a:fontRef idx="minor"/>
+        </p:style>
+      </p:sp>
+      <p:sp>
+        <p:nvSpPr>
+          <p:cNvPr id="283" name="Line 30"/>
+          <p:cNvSpPr/>
+          <p:nvPr/>
+        </p:nvSpPr>
+        <p:spPr>
+          <a:xfrm flipV="1">
+            <a:off x="4392000" y="4680000"/>
+            <a:ext cx="288000" cy="1008000"/>
+          </a:xfrm>
+          <a:prstGeom prst="line">
+            <a:avLst/>
+          </a:prstGeom>
+          <a:ln>
+            <a:solidFill>
+              <a:srgbClr val="000000"/>
+            </a:solidFill>
+            <a:tailEnd len="med" type="triangle" w="med"/>
+          </a:ln>
+        </p:spPr>
+        <p:style>
+          <a:lnRef idx="0"/>
+          <a:fillRef idx="0"/>
+          <a:effectRef idx="0"/>
+          <a:fontRef idx="minor"/>
+        </p:style>
+      </p:sp>
+      <p:sp>
+        <p:nvSpPr>
+          <p:cNvPr id="284" name="TextShape 31"/>
+          <p:cNvSpPr txBox="1"/>
+          <p:nvPr/>
+        </p:nvSpPr>
+        <p:spPr>
+          <a:xfrm>
+            <a:off x="3530520" y="5688000"/>
+            <a:ext cx="3021480" cy="858240"/>
+          </a:xfrm>
+          <a:prstGeom prst="rect">
+            <a:avLst/>
+          </a:prstGeom>
+          <a:noFill/>
+          <a:ln>
+            <a:noFill/>
+          </a:ln>
+        </p:spPr>
+        <p:txBody>
+          <a:bodyPr lIns="90000" rIns="90000" tIns="45000" bIns="45000"/>
+          <a:p>
+            <a:r>
+              <a:rPr b="1" lang="fr-FR" sz="1800" spc="-1" strike="noStrike">
+                <a:solidFill>
+                  <a:srgbClr val="ce181e"/>
+                </a:solidFill>
+                <a:latin typeface="Arial"/>
+              </a:rPr>
+              <a:t>terminaison ssl</a:t>
+            </a:r>
+            <a:endParaRPr b="0" lang="fr-FR" sz="1800" spc="-1" strike="noStrike">
+              <a:solidFill>
+                <a:srgbClr val="ce181e"/>
+              </a:solidFill>
+              <a:latin typeface="Arial"/>
+            </a:endParaRPr>
+          </a:p>
+          <a:p>
+            <a:r>
+              <a:rPr b="0" lang="fr-FR" sz="1800" spc="-1" strike="noStrike">
+                <a:solidFill>
+                  <a:srgbClr val="ce181e"/>
+                </a:solidFill>
+                <a:latin typeface="Arial"/>
+              </a:rPr>
+              <a:t>(là ou s'arrête le cryptage </a:t>
+            </a:r>
+            <a:endParaRPr b="0" lang="fr-FR" sz="1800" spc="-1" strike="noStrike">
+              <a:solidFill>
+                <a:srgbClr val="ce181e"/>
+              </a:solidFill>
+              <a:latin typeface="Arial"/>
+            </a:endParaRPr>
+          </a:p>
+          <a:p>
+            <a:r>
+              <a:rPr b="0" lang="fr-FR" sz="1800" spc="-1" strike="noStrike">
+                <a:solidFill>
+                  <a:srgbClr val="ce181e"/>
+                </a:solidFill>
+                <a:latin typeface="Arial"/>
+              </a:rPr>
+              <a:t>des requêtes/réponses http)</a:t>
+            </a:r>
+            <a:endParaRPr b="0" lang="fr-FR" sz="1800" spc="-1" strike="noStrike">
+              <a:solidFill>
+                <a:srgbClr val="ce181e"/>
+              </a:solidFill>
+              <a:latin typeface="Arial"/>
+            </a:endParaRPr>
+          </a:p>
+        </p:txBody>
+      </p:sp>
+      <p:sp>
+        <p:nvSpPr>
+          <p:cNvPr id="285" name="TextShape 32"/>
+          <p:cNvSpPr txBox="1"/>
+          <p:nvPr/>
+        </p:nvSpPr>
+        <p:spPr>
+          <a:xfrm>
+            <a:off x="216000" y="6264000"/>
+            <a:ext cx="1860120" cy="346320"/>
+          </a:xfrm>
+          <a:prstGeom prst="rect">
+            <a:avLst/>
+          </a:prstGeom>
+          <a:noFill/>
+          <a:ln>
+            <a:noFill/>
+          </a:ln>
+        </p:spPr>
+        <p:txBody>
+          <a:bodyPr lIns="90000" rIns="90000" tIns="45000" bIns="45000"/>
+          <a:p>
+            <a:r>
+              <a:rPr b="0" lang="fr-FR" sz="1800" spc="-1" strike="noStrike">
+                <a:latin typeface="Arial"/>
+              </a:rPr>
+              <a:t>https = http + ssl</a:t>
+            </a:r>
+            <a:endParaRPr b="0" lang="fr-FR" sz="1800" spc="-1" strike="noStrike">
               <a:latin typeface="Arial"/>
             </a:endParaRPr>
           </a:p>
@@ -8819,14 +15053,14 @@
       </p:grpSpPr>
       <p:sp>
         <p:nvSpPr>
-          <p:cNvPr id="169" name="CustomShape 1"/>
+          <p:cNvPr id="286" name="CustomShape 1"/>
           <p:cNvSpPr/>
           <p:nvPr/>
         </p:nvSpPr>
         <p:spPr>
           <a:xfrm>
             <a:off x="685800" y="2130480"/>
-            <a:ext cx="7773120" cy="2233080"/>
+            <a:ext cx="7772760" cy="2232720"/>
           </a:xfrm>
           <a:prstGeom prst="rect">
             <a:avLst/>
@@ -8845,14 +15079,14 @@
       </p:sp>
       <p:sp>
         <p:nvSpPr>
-          <p:cNvPr id="170" name="CustomShape 2"/>
+          <p:cNvPr id="287" name="CustomShape 2"/>
           <p:cNvSpPr/>
           <p:nvPr/>
         </p:nvSpPr>
         <p:spPr>
           <a:xfrm>
             <a:off x="457560" y="116640"/>
-            <a:ext cx="8228880" cy="461880"/>
+            <a:ext cx="8228520" cy="461520"/>
           </a:xfrm>
           <a:prstGeom prst="rect">
             <a:avLst/>
@@ -8885,6 +15119,7 @@
                 </a:solidFill>
                 <a:uFillTx/>
                 <a:latin typeface="Calibri"/>
+                <a:ea typeface="DejaVu Sans"/>
               </a:rPr>
               <a:t>Spring-cloud d'origine netflix (2014-2018 environ)</a:t>
             </a:r>
@@ -8894,6 +15129,29 @@
           </a:p>
         </p:txBody>
       </p:sp>
+      <p:pic>
+        <p:nvPicPr>
+          <p:cNvPr id="288" name="" descr=""/>
+          <p:cNvPicPr/>
+          <p:nvPr/>
+        </p:nvPicPr>
+        <p:blipFill>
+          <a:blip r:embed="rId1"/>
+          <a:stretch/>
+        </p:blipFill>
+        <p:spPr>
+          <a:xfrm>
+            <a:off x="825120" y="961200"/>
+            <a:ext cx="7454880" cy="5590800"/>
+          </a:xfrm>
+          <a:prstGeom prst="rect">
+            <a:avLst/>
+          </a:prstGeom>
+          <a:ln>
+            <a:noFill/>
+          </a:ln>
+        </p:spPr>
+      </p:pic>
     </p:spTree>
   </p:cSld>
   <p:timing>
@@ -8945,14 +15203,14 @@
       </p:grpSpPr>
       <p:sp>
         <p:nvSpPr>
-          <p:cNvPr id="171" name="CustomShape 1"/>
+          <p:cNvPr id="289" name="CustomShape 1"/>
           <p:cNvSpPr/>
           <p:nvPr/>
         </p:nvSpPr>
         <p:spPr>
           <a:xfrm>
             <a:off x="685800" y="2130480"/>
-            <a:ext cx="7773120" cy="2233080"/>
+            <a:ext cx="7772760" cy="2232720"/>
           </a:xfrm>
           <a:prstGeom prst="rect">
             <a:avLst/>
@@ -8971,14 +15229,14 @@
       </p:sp>
       <p:sp>
         <p:nvSpPr>
-          <p:cNvPr id="172" name="CustomShape 2"/>
+          <p:cNvPr id="290" name="CustomShape 2"/>
           <p:cNvSpPr/>
           <p:nvPr/>
         </p:nvSpPr>
         <p:spPr>
           <a:xfrm>
             <a:off x="457560" y="116640"/>
-            <a:ext cx="8228880" cy="461880"/>
+            <a:ext cx="8228520" cy="461520"/>
           </a:xfrm>
           <a:prstGeom prst="rect">
             <a:avLst/>
@@ -9007,14 +15265,146 @@
             <a:r>
               <a:rPr b="0" lang="fr-FR" sz="3600" spc="-1" strike="noStrike" u="sng">
                 <a:solidFill>
-                  <a:srgbClr val="182f7c"/>
+                  <a:srgbClr val="007635"/>
                 </a:solidFill>
                 <a:uFillTx/>
                 <a:latin typeface="Calibri"/>
-              </a:rPr>
-              <a:t>Notion de micro-conteneur (docker)</a:t>
+                <a:ea typeface="DejaVu Sans"/>
+              </a:rPr>
+              <a:t>Spring-cloud (caractéristiques)</a:t>
             </a:r>
             <a:endParaRPr b="0" lang="fr-FR" sz="3600" spc="-1" strike="noStrike">
+              <a:latin typeface="Arial"/>
+            </a:endParaRPr>
+          </a:p>
+        </p:txBody>
+      </p:sp>
+      <p:sp>
+        <p:nvSpPr>
+          <p:cNvPr id="291" name="TextShape 3"/>
+          <p:cNvSpPr txBox="1"/>
+          <p:nvPr/>
+        </p:nvSpPr>
+        <p:spPr>
+          <a:xfrm>
+            <a:off x="360000" y="864000"/>
+            <a:ext cx="8170920" cy="4168440"/>
+          </a:xfrm>
+          <a:prstGeom prst="rect">
+            <a:avLst/>
+          </a:prstGeom>
+          <a:noFill/>
+          <a:ln>
+            <a:noFill/>
+          </a:ln>
+        </p:spPr>
+        <p:txBody>
+          <a:bodyPr lIns="90000" rIns="90000" tIns="45000" bIns="45000"/>
+          <a:p>
+            <a:r>
+              <a:rPr b="0" lang="fr-FR" sz="2400" spc="-1" strike="noStrike">
+                <a:latin typeface="Arial"/>
+              </a:rPr>
+              <a:t>* ok pour backend java/jee (springBoot) </a:t>
+            </a:r>
+            <a:br/>
+            <a:r>
+              <a:rPr b="0" lang="fr-FR" sz="2400" spc="-1" strike="noStrike">
+                <a:latin typeface="Arial"/>
+              </a:rPr>
+              <a:t>mais pas simple d'intégrer autre chose (nodeJs, python, ...)</a:t>
+            </a:r>
+            <a:endParaRPr b="0" lang="fr-FR" sz="2400" spc="-1" strike="noStrike">
+              <a:latin typeface="Arial"/>
+            </a:endParaRPr>
+          </a:p>
+          <a:p>
+            <a:endParaRPr b="0" lang="fr-FR" sz="2400" spc="-1" strike="noStrike">
+              <a:latin typeface="Arial"/>
+            </a:endParaRPr>
+          </a:p>
+          <a:p>
+            <a:r>
+              <a:rPr b="0" lang="fr-FR" sz="2400" spc="-1" strike="noStrike">
+                <a:latin typeface="Arial"/>
+              </a:rPr>
+              <a:t>* un peu "infrastructure as code"</a:t>
+            </a:r>
+            <a:endParaRPr b="0" lang="fr-FR" sz="2400" spc="-1" strike="noStrike">
+              <a:latin typeface="Arial"/>
+            </a:endParaRPr>
+          </a:p>
+          <a:p>
+            <a:endParaRPr b="0" lang="fr-FR" sz="2400" spc="-1" strike="noStrike">
+              <a:latin typeface="Arial"/>
+            </a:endParaRPr>
+          </a:p>
+          <a:p>
+            <a:r>
+              <a:rPr b="0" lang="fr-FR" sz="2400" spc="-1" strike="noStrike">
+                <a:latin typeface="Arial"/>
+              </a:rPr>
+              <a:t>* configuration centralisée via serveur de config </a:t>
+            </a:r>
+            <a:br/>
+            <a:r>
+              <a:rPr b="0" lang="fr-FR" sz="2400" spc="-1" strike="noStrike">
+                <a:latin typeface="Arial"/>
+              </a:rPr>
+              <a:t>  (.yaml proche de .properties)</a:t>
+            </a:r>
+            <a:endParaRPr b="0" lang="fr-FR" sz="2400" spc="-1" strike="noStrike">
+              <a:latin typeface="Arial"/>
+            </a:endParaRPr>
+          </a:p>
+          <a:p>
+            <a:endParaRPr b="0" lang="fr-FR" sz="2400" spc="-1" strike="noStrike">
+              <a:latin typeface="Arial"/>
+            </a:endParaRPr>
+          </a:p>
+          <a:p>
+            <a:r>
+              <a:rPr b="0" lang="fr-FR" sz="2400" spc="-1" strike="noStrike">
+                <a:latin typeface="Arial"/>
+              </a:rPr>
+              <a:t>* api-gateway par code java (grandement aidé par .... </a:t>
+            </a:r>
+            <a:br/>
+            <a:r>
+              <a:rPr b="0" lang="fr-FR" sz="2400" spc="-1" strike="noStrike">
+                <a:latin typeface="Arial"/>
+              </a:rPr>
+              <a:t>   et </a:t>
+            </a:r>
+            <a:r>
+              <a:rPr b="1" lang="fr-FR" sz="2400" spc="-1" strike="noStrike">
+                <a:latin typeface="Arial"/>
+              </a:rPr>
+              <a:t>ribbon</a:t>
+            </a:r>
+            <a:r>
+              <a:rPr b="0" lang="fr-FR" sz="2400" spc="-1" strike="noStrike">
+                <a:latin typeface="Arial"/>
+              </a:rPr>
+              <a:t> pour le load-balancing)</a:t>
+            </a:r>
+            <a:endParaRPr b="0" lang="fr-FR" sz="2400" spc="-1" strike="noStrike">
+              <a:latin typeface="Arial"/>
+            </a:endParaRPr>
+          </a:p>
+          <a:p>
+            <a:endParaRPr b="0" lang="fr-FR" sz="2400" spc="-1" strike="noStrike">
+              <a:latin typeface="Arial"/>
+            </a:endParaRPr>
+          </a:p>
+          <a:p>
+            <a:r>
+              <a:rPr b="0" lang="fr-FR" sz="2400" spc="-1" strike="noStrike">
+                <a:latin typeface="Arial"/>
+              </a:rPr>
+              <a:t>....</a:t>
+            </a:r>
+            <a:endParaRPr b="0" lang="fr-FR" sz="2400" spc="-1" strike="noStrike">
               <a:latin typeface="Arial"/>
             </a:endParaRPr>
           </a:p>

--- a/docs/infrastructures_cloud_et_microservices.pptx
+++ b/docs/infrastructures_cloud_et_microservices.pptx
@@ -3230,7 +3230,7 @@
         <p:spPr>
           <a:xfrm>
             <a:off x="685800" y="2130480"/>
-            <a:ext cx="7772760" cy="2232720"/>
+            <a:ext cx="7772400" cy="2232360"/>
           </a:xfrm>
           <a:prstGeom prst="rect">
             <a:avLst/>
@@ -3391,7 +3391,7 @@
         <p:spPr>
           <a:xfrm>
             <a:off x="685800" y="2130480"/>
-            <a:ext cx="7772760" cy="2232720"/>
+            <a:ext cx="7772400" cy="2232360"/>
           </a:xfrm>
           <a:prstGeom prst="rect">
             <a:avLst/>
@@ -3417,7 +3417,7 @@
         <p:spPr>
           <a:xfrm>
             <a:off x="457560" y="116640"/>
-            <a:ext cx="8228520" cy="461520"/>
+            <a:ext cx="8228160" cy="461160"/>
           </a:xfrm>
           <a:prstGeom prst="rect">
             <a:avLst/>
@@ -3518,7 +3518,7 @@
         <p:spPr>
           <a:xfrm>
             <a:off x="685800" y="2130480"/>
-            <a:ext cx="7772760" cy="2232720"/>
+            <a:ext cx="7772400" cy="2232360"/>
           </a:xfrm>
           <a:prstGeom prst="rect">
             <a:avLst/>
@@ -3544,7 +3544,7 @@
         <p:spPr>
           <a:xfrm>
             <a:off x="457560" y="116640"/>
-            <a:ext cx="8228520" cy="461520"/>
+            <a:ext cx="8228160" cy="461160"/>
           </a:xfrm>
           <a:prstGeom prst="rect">
             <a:avLst/>
@@ -3645,7 +3645,7 @@
         <p:spPr>
           <a:xfrm>
             <a:off x="685800" y="2130480"/>
-            <a:ext cx="7772760" cy="2232720"/>
+            <a:ext cx="7772400" cy="2232360"/>
           </a:xfrm>
           <a:prstGeom prst="rect">
             <a:avLst/>
@@ -3671,7 +3671,7 @@
         <p:spPr>
           <a:xfrm>
             <a:off x="457560" y="116640"/>
-            <a:ext cx="8228520" cy="461520"/>
+            <a:ext cx="8228160" cy="461160"/>
           </a:xfrm>
           <a:prstGeom prst="rect">
             <a:avLst/>
@@ -3772,7 +3772,7 @@
         <p:spPr>
           <a:xfrm>
             <a:off x="3990960" y="1292040"/>
-            <a:ext cx="2307960" cy="4305600"/>
+            <a:ext cx="2307600" cy="4305240"/>
           </a:xfrm>
           <a:prstGeom prst="roundRect">
             <a:avLst>
@@ -3811,7 +3811,7 @@
         <p:spPr>
           <a:xfrm>
             <a:off x="457200" y="116640"/>
-            <a:ext cx="8228520" cy="461520"/>
+            <a:ext cx="8228160" cy="461160"/>
           </a:xfrm>
           <a:prstGeom prst="rect">
             <a:avLst/>
@@ -3863,7 +3863,7 @@
         <p:spPr>
           <a:xfrm>
             <a:off x="6601320" y="1532520"/>
-            <a:ext cx="1920600" cy="1053720"/>
+            <a:ext cx="1920240" cy="1053360"/>
           </a:xfrm>
           <a:prstGeom prst="roundRect">
             <a:avLst>
@@ -3926,7 +3926,7 @@
         <p:spPr>
           <a:xfrm>
             <a:off x="1513800" y="6093360"/>
-            <a:ext cx="5898240" cy="638280"/>
+            <a:ext cx="5897880" cy="637920"/>
           </a:xfrm>
           <a:prstGeom prst="rect">
             <a:avLst/>
@@ -4036,7 +4036,7 @@
         <p:spPr>
           <a:xfrm>
             <a:off x="6626880" y="3149640"/>
-            <a:ext cx="1946160" cy="968400"/>
+            <a:ext cx="1945800" cy="968040"/>
           </a:xfrm>
           <a:prstGeom prst="roundRect">
             <a:avLst>
@@ -4099,7 +4099,7 @@
         <p:spPr>
           <a:xfrm>
             <a:off x="4140000" y="1551960"/>
-            <a:ext cx="1933200" cy="1438920"/>
+            <a:ext cx="1932840" cy="1438560"/>
           </a:xfrm>
           <a:prstGeom prst="roundRect">
             <a:avLst>
@@ -4162,7 +4162,7 @@
         <p:spPr>
           <a:xfrm>
             <a:off x="4149720" y="3861000"/>
-            <a:ext cx="1933200" cy="1438920"/>
+            <a:ext cx="1932840" cy="1438560"/>
           </a:xfrm>
           <a:prstGeom prst="roundRect">
             <a:avLst>
@@ -4225,7 +4225,7 @@
         <p:spPr>
           <a:xfrm>
             <a:off x="1331640" y="2565000"/>
-            <a:ext cx="1933200" cy="2232720"/>
+            <a:ext cx="1932840" cy="2232360"/>
           </a:xfrm>
           <a:prstGeom prst="roundRect">
             <a:avLst>
@@ -4288,7 +4288,7 @@
         <p:spPr>
           <a:xfrm>
             <a:off x="6871680" y="1893960"/>
-            <a:ext cx="558720" cy="494640"/>
+            <a:ext cx="558360" cy="494280"/>
           </a:xfrm>
           <a:prstGeom prst="can">
             <a:avLst>
@@ -4331,7 +4331,7 @@
         <p:spPr>
           <a:xfrm>
             <a:off x="6823800" y="3387240"/>
-            <a:ext cx="558720" cy="494640"/>
+            <a:ext cx="558360" cy="494280"/>
           </a:xfrm>
           <a:prstGeom prst="can">
             <a:avLst>
@@ -4374,7 +4374,7 @@
         <p:spPr>
           <a:xfrm>
             <a:off x="7480080" y="2142000"/>
-            <a:ext cx="722880" cy="363960"/>
+            <a:ext cx="722520" cy="363600"/>
           </a:xfrm>
           <a:prstGeom prst="rect">
             <a:avLst/>
@@ -4423,7 +4423,7 @@
         <p:spPr>
           <a:xfrm>
             <a:off x="7437600" y="3623040"/>
-            <a:ext cx="1096200" cy="363960"/>
+            <a:ext cx="1095840" cy="363600"/>
           </a:xfrm>
           <a:prstGeom prst="rect">
             <a:avLst/>
@@ -4472,7 +4472,7 @@
         <p:spPr>
           <a:xfrm>
             <a:off x="4385160" y="4300920"/>
-            <a:ext cx="1582920" cy="913320"/>
+            <a:ext cx="1582560" cy="912960"/>
           </a:xfrm>
           <a:prstGeom prst="rect">
             <a:avLst/>
@@ -4547,7 +4547,7 @@
         <p:spPr>
           <a:xfrm>
             <a:off x="4356000" y="2004840"/>
-            <a:ext cx="1582920" cy="775080"/>
+            <a:ext cx="1582560" cy="774720"/>
           </a:xfrm>
           <a:prstGeom prst="rect">
             <a:avLst/>
@@ -4622,7 +4622,7 @@
         <p:spPr>
           <a:xfrm>
             <a:off x="1547640" y="3204720"/>
-            <a:ext cx="1191960" cy="913320"/>
+            <a:ext cx="1191600" cy="912960"/>
           </a:xfrm>
           <a:prstGeom prst="rect">
             <a:avLst/>
@@ -4686,7 +4686,7 @@
         <p:spPr>
           <a:xfrm>
             <a:off x="2066760" y="3985560"/>
-            <a:ext cx="1346760" cy="627120"/>
+            <a:ext cx="1346400" cy="626760"/>
           </a:xfrm>
           <a:prstGeom prst="ellipse">
             <a:avLst/>
@@ -4770,7 +4770,7 @@
         <p:spPr>
           <a:xfrm>
             <a:off x="351360" y="1154880"/>
-            <a:ext cx="1191960" cy="913320"/>
+            <a:ext cx="1191600" cy="912960"/>
           </a:xfrm>
           <a:prstGeom prst="rect">
             <a:avLst/>
@@ -4845,7 +4845,7 @@
         <p:spPr>
           <a:xfrm>
             <a:off x="426600" y="1268640"/>
-            <a:ext cx="1191960" cy="913320"/>
+            <a:ext cx="1191600" cy="912960"/>
           </a:xfrm>
           <a:prstGeom prst="rect">
             <a:avLst/>
@@ -4920,7 +4920,7 @@
         <p:spPr>
           <a:xfrm>
             <a:off x="498600" y="1412640"/>
-            <a:ext cx="1191960" cy="913320"/>
+            <a:ext cx="1191600" cy="912960"/>
           </a:xfrm>
           <a:prstGeom prst="rect">
             <a:avLst/>
@@ -4995,7 +4995,7 @@
         <p:spPr>
           <a:xfrm>
             <a:off x="318600" y="338760"/>
-            <a:ext cx="358920" cy="358920"/>
+            <a:ext cx="358560" cy="358560"/>
           </a:xfrm>
           <a:prstGeom prst="smileyFace">
             <a:avLst>
@@ -5038,7 +5038,7 @@
         <p:spPr>
           <a:xfrm>
             <a:off x="318600" y="737280"/>
-            <a:ext cx="358920" cy="401400"/>
+            <a:ext cx="358560" cy="401040"/>
           </a:xfrm>
           <a:prstGeom prst="heart">
             <a:avLst/>
@@ -5079,7 +5079,7 @@
         <p:spPr>
           <a:xfrm>
             <a:off x="470880" y="491040"/>
-            <a:ext cx="358920" cy="358920"/>
+            <a:ext cx="358560" cy="358560"/>
           </a:xfrm>
           <a:prstGeom prst="smileyFace">
             <a:avLst>
@@ -5122,7 +5122,7 @@
         <p:spPr>
           <a:xfrm>
             <a:off x="470880" y="889560"/>
-            <a:ext cx="358920" cy="401400"/>
+            <a:ext cx="358560" cy="401040"/>
           </a:xfrm>
           <a:prstGeom prst="heart">
             <a:avLst/>
@@ -5163,7 +5163,7 @@
         <p:spPr>
           <a:xfrm>
             <a:off x="623520" y="643320"/>
-            <a:ext cx="358920" cy="358920"/>
+            <a:ext cx="358560" cy="358560"/>
           </a:xfrm>
           <a:prstGeom prst="smileyFace">
             <a:avLst>
@@ -5206,7 +5206,7 @@
         <p:spPr>
           <a:xfrm>
             <a:off x="623520" y="1041840"/>
-            <a:ext cx="358920" cy="401400"/>
+            <a:ext cx="358560" cy="401040"/>
           </a:xfrm>
           <a:prstGeom prst="heart">
             <a:avLst/>
@@ -5247,7 +5247,7 @@
         <p:spPr>
           <a:xfrm>
             <a:off x="4717800" y="3223080"/>
-            <a:ext cx="338760" cy="363960"/>
+            <a:ext cx="338400" cy="363600"/>
           </a:xfrm>
           <a:prstGeom prst="rect">
             <a:avLst/>
@@ -5296,7 +5296,7 @@
         <p:spPr>
           <a:xfrm>
             <a:off x="913320" y="2781000"/>
-            <a:ext cx="218520" cy="2375280"/>
+            <a:ext cx="218160" cy="2374920"/>
           </a:xfrm>
           <a:prstGeom prst="rect">
             <a:avLst/>
@@ -5337,7 +5337,7 @@
         <p:spPr>
           <a:xfrm>
             <a:off x="3564000" y="2715120"/>
-            <a:ext cx="218520" cy="2447280"/>
+            <a:ext cx="218160" cy="2446920"/>
           </a:xfrm>
           <a:prstGeom prst="rect">
             <a:avLst/>
@@ -5378,7 +5378,7 @@
         <p:spPr>
           <a:xfrm>
             <a:off x="628560" y="5229360"/>
-            <a:ext cx="795960" cy="333000"/>
+            <a:ext cx="795600" cy="332640"/>
           </a:xfrm>
           <a:prstGeom prst="rect">
             <a:avLst/>
@@ -5427,7 +5427,7 @@
         <p:spPr>
           <a:xfrm>
             <a:off x="3193920" y="5250600"/>
-            <a:ext cx="795960" cy="333000"/>
+            <a:ext cx="795600" cy="332640"/>
           </a:xfrm>
           <a:prstGeom prst="rect">
             <a:avLst/>
@@ -5475,8 +5475,8 @@
         </p:nvSpPr>
         <p:spPr>
           <a:xfrm flipV="1">
-            <a:off x="498600" y="3603960"/>
-            <a:ext cx="1047960" cy="18720"/>
+            <a:off x="498600" y="3584880"/>
+            <a:ext cx="1047600" cy="18360"/>
           </a:xfrm>
           <a:custGeom>
             <a:avLst/>
@@ -5524,8 +5524,8 @@
         </p:nvSpPr>
         <p:spPr>
           <a:xfrm flipV="1">
-            <a:off x="510120" y="3736440"/>
-            <a:ext cx="1047960" cy="18720"/>
+            <a:off x="510120" y="3717360"/>
+            <a:ext cx="1047600" cy="18360"/>
           </a:xfrm>
           <a:custGeom>
             <a:avLst/>
@@ -5573,8 +5573,8 @@
         </p:nvSpPr>
         <p:spPr>
           <a:xfrm flipV="1">
-            <a:off x="538200" y="3875040"/>
-            <a:ext cx="1047960" cy="18720"/>
+            <a:off x="538200" y="3855960"/>
+            <a:ext cx="1047600" cy="18360"/>
           </a:xfrm>
           <a:custGeom>
             <a:avLst/>
@@ -5724,8 +5724,8 @@
         </p:nvSpPr>
         <p:spPr>
           <a:xfrm flipV="1">
-            <a:off x="3265920" y="1274400"/>
-            <a:ext cx="1449000" cy="710280"/>
+            <a:off x="3265920" y="564480"/>
+            <a:ext cx="1448640" cy="709920"/>
           </a:xfrm>
           <a:custGeom>
             <a:avLst/>
@@ -5774,7 +5774,7 @@
         <p:spPr>
           <a:xfrm>
             <a:off x="3414600" y="4299480"/>
-            <a:ext cx="734040" cy="280440"/>
+            <a:ext cx="733680" cy="280080"/>
           </a:xfrm>
           <a:custGeom>
             <a:avLst/>
@@ -5823,7 +5823,7 @@
         <p:spPr>
           <a:xfrm>
             <a:off x="190080" y="4236120"/>
-            <a:ext cx="734040" cy="63720"/>
+            <a:ext cx="733680" cy="63360"/>
           </a:xfrm>
           <a:custGeom>
             <a:avLst/>
@@ -5872,7 +5872,7 @@
         <p:spPr>
           <a:xfrm>
             <a:off x="202680" y="4377960"/>
-            <a:ext cx="734040" cy="63720"/>
+            <a:ext cx="733680" cy="63360"/>
           </a:xfrm>
           <a:custGeom>
             <a:avLst/>
@@ -5921,7 +5921,7 @@
         <p:spPr>
           <a:xfrm>
             <a:off x="202320" y="4613400"/>
-            <a:ext cx="734040" cy="63720"/>
+            <a:ext cx="733680" cy="63360"/>
           </a:xfrm>
           <a:custGeom>
             <a:avLst/>
@@ -5970,7 +5970,7 @@
         <p:spPr>
           <a:xfrm>
             <a:off x="2740680" y="2316960"/>
-            <a:ext cx="842760" cy="448200"/>
+            <a:ext cx="842400" cy="447840"/>
           </a:xfrm>
           <a:custGeom>
             <a:avLst/>
@@ -6018,8 +6018,8 @@
         </p:nvSpPr>
         <p:spPr>
           <a:xfrm flipV="1">
-            <a:off x="5891760" y="1872360"/>
-            <a:ext cx="978840" cy="89280"/>
+            <a:off x="5891760" y="1782720"/>
+            <a:ext cx="978480" cy="88920"/>
           </a:xfrm>
           <a:custGeom>
             <a:avLst/>
@@ -6067,8 +6067,8 @@
         </p:nvSpPr>
         <p:spPr>
           <a:xfrm flipV="1">
-            <a:off x="5969160" y="1406520"/>
-            <a:ext cx="853560" cy="741960"/>
+            <a:off x="5969160" y="664920"/>
+            <a:ext cx="853200" cy="741600"/>
           </a:xfrm>
           <a:custGeom>
             <a:avLst/>
@@ -6117,7 +6117,7 @@
         <p:spPr>
           <a:xfrm>
             <a:off x="6626880" y="4377960"/>
-            <a:ext cx="1913040" cy="1219320"/>
+            <a:ext cx="1912680" cy="1218960"/>
           </a:xfrm>
           <a:prstGeom prst="roundRect">
             <a:avLst>
@@ -6180,7 +6180,7 @@
         <p:spPr>
           <a:xfrm>
             <a:off x="6711840" y="4797000"/>
-            <a:ext cx="1603440" cy="646920"/>
+            <a:ext cx="1603080" cy="646560"/>
           </a:xfrm>
           <a:prstGeom prst="rect">
             <a:avLst/>
@@ -6244,7 +6244,7 @@
         <p:spPr>
           <a:xfrm>
             <a:off x="5969160" y="4581000"/>
-            <a:ext cx="853560" cy="406080"/>
+            <a:ext cx="853200" cy="405720"/>
           </a:xfrm>
           <a:custGeom>
             <a:avLst/>
@@ -6293,7 +6293,7 @@
         <p:spPr>
           <a:xfrm>
             <a:off x="4166280" y="955080"/>
-            <a:ext cx="1966320" cy="363960"/>
+            <a:ext cx="1965960" cy="363600"/>
           </a:xfrm>
           <a:prstGeom prst="rect">
             <a:avLst/>
@@ -6342,7 +6342,7 @@
         <p:spPr>
           <a:xfrm>
             <a:off x="1605600" y="4885560"/>
-            <a:ext cx="1560960" cy="819720"/>
+            <a:ext cx="1560600" cy="819360"/>
           </a:xfrm>
           <a:prstGeom prst="rect">
             <a:avLst/>
@@ -6490,7 +6490,7 @@
         <p:spPr>
           <a:xfrm>
             <a:off x="685800" y="2130480"/>
-            <a:ext cx="7772760" cy="2232720"/>
+            <a:ext cx="7772400" cy="2232360"/>
           </a:xfrm>
           <a:prstGeom prst="rect">
             <a:avLst/>
@@ -6516,7 +6516,7 @@
         <p:spPr>
           <a:xfrm>
             <a:off x="788760" y="288000"/>
-            <a:ext cx="6338520" cy="545400"/>
+            <a:ext cx="6338160" cy="545040"/>
           </a:xfrm>
           <a:prstGeom prst="rect">
             <a:avLst/>
@@ -6571,7 +6571,7 @@
         <p:spPr>
           <a:xfrm>
             <a:off x="288000" y="1148040"/>
-            <a:ext cx="8528400" cy="5187240"/>
+            <a:ext cx="8528040" cy="5186880"/>
           </a:xfrm>
           <a:prstGeom prst="rect">
             <a:avLst/>
@@ -6850,7 +6850,7 @@
         <p:spPr>
           <a:xfrm>
             <a:off x="685800" y="2130480"/>
-            <a:ext cx="7772760" cy="2232720"/>
+            <a:ext cx="7772400" cy="2232360"/>
           </a:xfrm>
           <a:prstGeom prst="rect">
             <a:avLst/>
@@ -6876,7 +6876,7 @@
         <p:spPr>
           <a:xfrm>
             <a:off x="411480" y="114480"/>
-            <a:ext cx="8228520" cy="461520"/>
+            <a:ext cx="8228160" cy="461160"/>
           </a:xfrm>
           <a:prstGeom prst="rect">
             <a:avLst/>
@@ -6925,7 +6925,7 @@
               <a:t>reverse-proxy</a:t>
             </a:r>
             <a:endParaRPr b="0" lang="fr-FR" sz="4800" spc="-1" strike="noStrike">
-              <a:latin typeface="Times New Roman"/>
+              <a:latin typeface="Arial"/>
             </a:endParaRPr>
           </a:p>
         </p:txBody>
@@ -6939,7 +6939,7 @@
         <p:spPr>
           <a:xfrm>
             <a:off x="395640" y="2062800"/>
-            <a:ext cx="286560" cy="358560"/>
+            <a:ext cx="286200" cy="358200"/>
           </a:xfrm>
           <a:prstGeom prst="smileyFace">
             <a:avLst>
@@ -6982,7 +6982,7 @@
         <p:spPr>
           <a:xfrm>
             <a:off x="395640" y="2494800"/>
-            <a:ext cx="286560" cy="214560"/>
+            <a:ext cx="286200" cy="214200"/>
           </a:xfrm>
           <a:prstGeom prst="heart">
             <a:avLst/>
@@ -7023,7 +7023,7 @@
         <p:spPr>
           <a:xfrm>
             <a:off x="754200" y="2101320"/>
-            <a:ext cx="286560" cy="358560"/>
+            <a:ext cx="286200" cy="358200"/>
           </a:xfrm>
           <a:prstGeom prst="smileyFace">
             <a:avLst>
@@ -7066,7 +7066,7 @@
         <p:spPr>
           <a:xfrm>
             <a:off x="754200" y="2533680"/>
-            <a:ext cx="286560" cy="214560"/>
+            <a:ext cx="286200" cy="214200"/>
           </a:xfrm>
           <a:prstGeom prst="heart">
             <a:avLst/>
@@ -7107,7 +7107,7 @@
         <p:spPr>
           <a:xfrm>
             <a:off x="547920" y="2215440"/>
-            <a:ext cx="286560" cy="358560"/>
+            <a:ext cx="286200" cy="358200"/>
           </a:xfrm>
           <a:prstGeom prst="smileyFace">
             <a:avLst>
@@ -7150,7 +7150,7 @@
         <p:spPr>
           <a:xfrm>
             <a:off x="547920" y="2647440"/>
-            <a:ext cx="286560" cy="214560"/>
+            <a:ext cx="286200" cy="214200"/>
           </a:xfrm>
           <a:prstGeom prst="heart">
             <a:avLst/>
@@ -7191,7 +7191,7 @@
         <p:spPr>
           <a:xfrm>
             <a:off x="216000" y="3024000"/>
-            <a:ext cx="1367280" cy="935280"/>
+            <a:ext cx="1366920" cy="934920"/>
           </a:xfrm>
           <a:prstGeom prst="rect">
             <a:avLst/>
@@ -7221,7 +7221,7 @@
         <p:spPr>
           <a:xfrm>
             <a:off x="432000" y="3168000"/>
-            <a:ext cx="1329480" cy="935280"/>
+            <a:ext cx="1329120" cy="934920"/>
           </a:xfrm>
           <a:prstGeom prst="rect">
             <a:avLst/>
@@ -7251,7 +7251,7 @@
         <p:spPr>
           <a:xfrm>
             <a:off x="648000" y="3384000"/>
-            <a:ext cx="1295280" cy="935280"/>
+            <a:ext cx="1294920" cy="934920"/>
           </a:xfrm>
           <a:prstGeom prst="rect">
             <a:avLst/>
@@ -7281,7 +7281,7 @@
         <p:spPr>
           <a:xfrm>
             <a:off x="3168000" y="1512000"/>
-            <a:ext cx="2519640" cy="4103640"/>
+            <a:ext cx="2519280" cy="4103280"/>
           </a:xfrm>
           <a:prstGeom prst="rect">
             <a:avLst/>
@@ -7311,7 +7311,7 @@
         <p:spPr>
           <a:xfrm>
             <a:off x="6912000" y="1800000"/>
-            <a:ext cx="1439280" cy="1151280"/>
+            <a:ext cx="1438920" cy="1150920"/>
           </a:xfrm>
           <a:prstGeom prst="rect">
             <a:avLst/>
@@ -7345,9 +7345,6 @@
               <a:t>api_rest_A</a:t>
             </a:r>
             <a:endParaRPr b="0" lang="fr-FR" sz="1800" spc="-1" strike="noStrike">
-              <a:solidFill>
-                <a:srgbClr val="182f7c"/>
-              </a:solidFill>
               <a:latin typeface="Arial"/>
             </a:endParaRPr>
           </a:p>
@@ -7363,9 +7360,6 @@
               <a:t>sur</a:t>
             </a:r>
             <a:endParaRPr b="0" lang="fr-FR" sz="1800" spc="-1" strike="noStrike">
-              <a:solidFill>
-                <a:srgbClr val="182f7c"/>
-              </a:solidFill>
               <a:latin typeface="Arial"/>
             </a:endParaRPr>
           </a:p>
@@ -7391,9 +7385,6 @@
               <a:t> </a:t>
             </a:r>
             <a:endParaRPr b="0" lang="fr-FR" sz="1800" spc="-1" strike="noStrike">
-              <a:solidFill>
-                <a:srgbClr val="182f7c"/>
-              </a:solidFill>
               <a:latin typeface="Arial"/>
             </a:endParaRPr>
           </a:p>
@@ -7409,9 +7400,6 @@
               <a:t>springBoot</a:t>
             </a:r>
             <a:endParaRPr b="0" lang="fr-FR" sz="1800" spc="-1" strike="noStrike">
-              <a:solidFill>
-                <a:srgbClr val="182f7c"/>
-              </a:solidFill>
               <a:latin typeface="Arial"/>
             </a:endParaRPr>
           </a:p>
@@ -7426,7 +7414,7 @@
         <p:spPr>
           <a:xfrm>
             <a:off x="6912000" y="3816000"/>
-            <a:ext cx="1439280" cy="1151280"/>
+            <a:ext cx="1438920" cy="1150920"/>
           </a:xfrm>
           <a:prstGeom prst="rect">
             <a:avLst/>
@@ -7460,9 +7448,6 @@
               <a:t>api_rest_B</a:t>
             </a:r>
             <a:endParaRPr b="0" lang="fr-FR" sz="1800" spc="-1" strike="noStrike">
-              <a:solidFill>
-                <a:srgbClr val="182f7c"/>
-              </a:solidFill>
               <a:latin typeface="Arial"/>
             </a:endParaRPr>
           </a:p>
@@ -7478,9 +7463,6 @@
               <a:t>sur</a:t>
             </a:r>
             <a:endParaRPr b="0" lang="fr-FR" sz="1800" spc="-1" strike="noStrike">
-              <a:solidFill>
-                <a:srgbClr val="182f7c"/>
-              </a:solidFill>
               <a:latin typeface="Arial"/>
             </a:endParaRPr>
           </a:p>
@@ -7506,9 +7488,6 @@
               <a:t> </a:t>
             </a:r>
             <a:endParaRPr b="0" lang="fr-FR" sz="1800" spc="-1" strike="noStrike">
-              <a:solidFill>
-                <a:srgbClr val="182f7c"/>
-              </a:solidFill>
               <a:latin typeface="Arial"/>
             </a:endParaRPr>
           </a:p>
@@ -7524,9 +7503,6 @@
               <a:t>nodeJs</a:t>
             </a:r>
             <a:endParaRPr b="0" lang="fr-FR" sz="1800" spc="-1" strike="noStrike">
-              <a:solidFill>
-                <a:srgbClr val="182f7c"/>
-              </a:solidFill>
               <a:latin typeface="Arial"/>
             </a:endParaRPr>
           </a:p>
@@ -7541,7 +7517,7 @@
         <p:spPr>
           <a:xfrm>
             <a:off x="8548920" y="2232000"/>
-            <a:ext cx="378360" cy="583920"/>
+            <a:ext cx="378000" cy="583560"/>
           </a:xfrm>
           <a:prstGeom prst="can">
             <a:avLst>
@@ -7595,7 +7571,7 @@
         <p:spPr>
           <a:xfrm>
             <a:off x="8568000" y="4032000"/>
-            <a:ext cx="378360" cy="583920"/>
+            <a:ext cx="378000" cy="583560"/>
           </a:xfrm>
           <a:prstGeom prst="can">
             <a:avLst>
@@ -7649,7 +7625,7 @@
         <p:spPr>
           <a:xfrm>
             <a:off x="3384000" y="3600000"/>
-            <a:ext cx="2015280" cy="1727280"/>
+            <a:ext cx="2014920" cy="1726920"/>
           </a:xfrm>
           <a:custGeom>
             <a:avLst/>
@@ -7844,7 +7820,7 @@
         <p:spPr>
           <a:xfrm>
             <a:off x="3384000" y="1656000"/>
-            <a:ext cx="1943280" cy="1583280"/>
+            <a:ext cx="1942920" cy="1582920"/>
           </a:xfrm>
           <a:custGeom>
             <a:avLst/>
@@ -8029,7 +8005,7 @@
         <p:spPr>
           <a:xfrm>
             <a:off x="3195720" y="936000"/>
-            <a:ext cx="1699920" cy="601920"/>
+            <a:ext cx="1699560" cy="601560"/>
           </a:xfrm>
           <a:prstGeom prst="rect">
             <a:avLst/>
@@ -8050,13 +8026,21 @@
           <a:p>
             <a:r>
               <a:rPr b="1" lang="fr-FR" sz="1800" spc="-1" strike="noStrike">
-                <a:latin typeface="Arial"/>
+                <a:solidFill>
+                  <a:srgbClr val="000000"/>
+                </a:solidFill>
+                <a:latin typeface="Arial"/>
+                <a:ea typeface="DejaVu Sans"/>
               </a:rPr>
               <a:t>Serveur HTTP</a:t>
             </a:r>
             <a:r>
               <a:rPr b="0" lang="fr-FR" sz="1800" spc="-1" strike="noStrike">
-                <a:latin typeface="Arial"/>
+                <a:solidFill>
+                  <a:srgbClr val="000000"/>
+                </a:solidFill>
+                <a:latin typeface="Arial"/>
+                <a:ea typeface="DejaVu Sans"/>
               </a:rPr>
               <a:t> </a:t>
             </a:r>
@@ -8067,19 +8051,31 @@
           <a:p>
             <a:r>
               <a:rPr b="0" lang="fr-FR" sz="1800" spc="-1" strike="noStrike">
-                <a:latin typeface="Arial"/>
+                <a:solidFill>
+                  <a:srgbClr val="000000"/>
+                </a:solidFill>
+                <a:latin typeface="Arial"/>
+                <a:ea typeface="DejaVu Sans"/>
               </a:rPr>
               <a:t>(ex : </a:t>
             </a:r>
             <a:r>
               <a:rPr b="1" lang="fr-FR" sz="1800" spc="-1" strike="noStrike">
-                <a:latin typeface="Arial"/>
+                <a:solidFill>
+                  <a:srgbClr val="000000"/>
+                </a:solidFill>
+                <a:latin typeface="Arial"/>
+                <a:ea typeface="DejaVu Sans"/>
               </a:rPr>
               <a:t>nginx</a:t>
             </a:r>
             <a:r>
               <a:rPr b="0" lang="fr-FR" sz="1800" spc="-1" strike="noStrike">
-                <a:latin typeface="Arial"/>
+                <a:solidFill>
+                  <a:srgbClr val="000000"/>
+                </a:solidFill>
+                <a:latin typeface="Arial"/>
+                <a:ea typeface="DejaVu Sans"/>
               </a:rPr>
               <a:t>)</a:t>
             </a:r>
@@ -8266,7 +8262,7 @@
         <p:spPr>
           <a:xfrm>
             <a:off x="1537560" y="2772000"/>
-            <a:ext cx="406440" cy="287640"/>
+            <a:ext cx="406080" cy="287280"/>
           </a:xfrm>
           <a:prstGeom prst="ellipse">
             <a:avLst/>
@@ -8319,7 +8315,7 @@
         <p:spPr>
           <a:xfrm>
             <a:off x="817560" y="3672000"/>
-            <a:ext cx="334440" cy="287640"/>
+            <a:ext cx="334080" cy="287280"/>
           </a:xfrm>
           <a:prstGeom prst="ellipse">
             <a:avLst/>
@@ -8372,7 +8368,7 @@
         <p:spPr>
           <a:xfrm>
             <a:off x="2545560" y="3888000"/>
-            <a:ext cx="334440" cy="287640"/>
+            <a:ext cx="334080" cy="287280"/>
           </a:xfrm>
           <a:prstGeom prst="ellipse">
             <a:avLst/>
@@ -8425,7 +8421,7 @@
         <p:spPr>
           <a:xfrm>
             <a:off x="5976000" y="3600000"/>
-            <a:ext cx="360000" cy="287640"/>
+            <a:ext cx="359640" cy="287280"/>
           </a:xfrm>
           <a:prstGeom prst="ellipse">
             <a:avLst/>
@@ -8478,7 +8474,7 @@
         <p:spPr>
           <a:xfrm>
             <a:off x="7992000" y="4248000"/>
-            <a:ext cx="334440" cy="287640"/>
+            <a:ext cx="334080" cy="287280"/>
           </a:xfrm>
           <a:prstGeom prst="ellipse">
             <a:avLst/>
@@ -8531,7 +8527,7 @@
         <p:spPr>
           <a:xfrm>
             <a:off x="6001560" y="4464360"/>
-            <a:ext cx="334440" cy="287640"/>
+            <a:ext cx="334080" cy="287280"/>
           </a:xfrm>
           <a:prstGeom prst="ellipse">
             <a:avLst/>
@@ -8584,7 +8580,7 @@
         <p:spPr>
           <a:xfrm>
             <a:off x="1152000" y="4176000"/>
-            <a:ext cx="360000" cy="287640"/>
+            <a:ext cx="359640" cy="287280"/>
           </a:xfrm>
           <a:prstGeom prst="ellipse">
             <a:avLst/>
@@ -8637,7 +8633,7 @@
         <p:spPr>
           <a:xfrm>
             <a:off x="2304000" y="4500000"/>
-            <a:ext cx="360000" cy="287640"/>
+            <a:ext cx="359640" cy="287280"/>
           </a:xfrm>
           <a:prstGeom prst="ellipse">
             <a:avLst/>
@@ -8683,14 +8679,14 @@
       </p:sp>
       <p:sp>
         <p:nvSpPr>
-          <p:cNvPr id="162" name="TextShape 34"/>
-          <p:cNvSpPr txBox="1"/>
+          <p:cNvPr id="162" name="CustomShape 34"/>
+          <p:cNvSpPr/>
           <p:nvPr/>
         </p:nvSpPr>
         <p:spPr>
           <a:xfrm>
             <a:off x="1296000" y="2497680"/>
-            <a:ext cx="1752120" cy="346320"/>
+            <a:ext cx="1751760" cy="345960"/>
           </a:xfrm>
           <a:prstGeom prst="rect">
             <a:avLst/>
@@ -8700,6 +8696,12 @@
             <a:noFill/>
           </a:ln>
         </p:spPr>
+        <p:style>
+          <a:lnRef idx="0"/>
+          <a:fillRef idx="0"/>
+          <a:effectRef idx="0"/>
+          <a:fontRef idx="minor"/>
+        </p:style>
         <p:txBody>
           <a:bodyPr lIns="90000" rIns="90000" tIns="45000" bIns="45000"/>
           <a:p>
@@ -8717,14 +8719,14 @@
       </p:sp>
       <p:sp>
         <p:nvSpPr>
-          <p:cNvPr id="163" name="TextShape 35"/>
-          <p:cNvSpPr txBox="1"/>
+          <p:cNvPr id="163" name="CustomShape 35"/>
+          <p:cNvSpPr/>
           <p:nvPr/>
         </p:nvSpPr>
         <p:spPr>
           <a:xfrm>
             <a:off x="2503080" y="3312000"/>
-            <a:ext cx="736920" cy="602280"/>
+            <a:ext cx="736560" cy="601920"/>
           </a:xfrm>
           <a:prstGeom prst="rect">
             <a:avLst/>
@@ -8734,6 +8736,12 @@
             <a:noFill/>
           </a:ln>
         </p:spPr>
+        <p:style>
+          <a:lnRef idx="0"/>
+          <a:fillRef idx="0"/>
+          <a:effectRef idx="0"/>
+          <a:fontRef idx="minor"/>
+        </p:style>
         <p:txBody>
           <a:bodyPr lIns="90000" rIns="90000" tIns="45000" bIns="45000"/>
           <a:p>
@@ -8762,14 +8770,14 @@
       </p:sp>
       <p:sp>
         <p:nvSpPr>
-          <p:cNvPr id="164" name="TextShape 36"/>
-          <p:cNvSpPr txBox="1"/>
+          <p:cNvPr id="164" name="CustomShape 36"/>
+          <p:cNvSpPr/>
           <p:nvPr/>
         </p:nvSpPr>
         <p:spPr>
           <a:xfrm>
             <a:off x="5832720" y="4829760"/>
-            <a:ext cx="1223280" cy="858240"/>
+            <a:ext cx="1222920" cy="857880"/>
           </a:xfrm>
           <a:prstGeom prst="rect">
             <a:avLst/>
@@ -8779,6 +8787,12 @@
             <a:noFill/>
           </a:ln>
         </p:spPr>
+        <p:style>
+          <a:lnRef idx="0"/>
+          <a:fillRef idx="0"/>
+          <a:effectRef idx="0"/>
+          <a:fontRef idx="minor"/>
+        </p:style>
         <p:txBody>
           <a:bodyPr lIns="90000" rIns="90000" tIns="45000" bIns="45000"/>
           <a:p>
@@ -8818,14 +8832,14 @@
       </p:sp>
       <p:sp>
         <p:nvSpPr>
-          <p:cNvPr id="165" name="TextShape 37"/>
-          <p:cNvSpPr txBox="1"/>
+          <p:cNvPr id="165" name="CustomShape 37"/>
+          <p:cNvSpPr/>
           <p:nvPr/>
         </p:nvSpPr>
         <p:spPr>
           <a:xfrm>
             <a:off x="89280" y="4501800"/>
-            <a:ext cx="1710720" cy="1114200"/>
+            <a:ext cx="1710360" cy="1113840"/>
           </a:xfrm>
           <a:prstGeom prst="rect">
             <a:avLst/>
@@ -8835,6 +8849,12 @@
             <a:noFill/>
           </a:ln>
         </p:spPr>
+        <p:style>
+          <a:lnRef idx="0"/>
+          <a:fillRef idx="0"/>
+          <a:effectRef idx="0"/>
+          <a:fontRef idx="minor"/>
+        </p:style>
         <p:txBody>
           <a:bodyPr lIns="90000" rIns="90000" tIns="45000" bIns="45000"/>
           <a:p>
@@ -8885,14 +8905,14 @@
       </p:sp>
       <p:sp>
         <p:nvSpPr>
-          <p:cNvPr id="166" name="TextShape 38"/>
-          <p:cNvSpPr txBox="1"/>
+          <p:cNvPr id="166" name="CustomShape 38"/>
+          <p:cNvSpPr/>
           <p:nvPr/>
         </p:nvSpPr>
         <p:spPr>
           <a:xfrm>
             <a:off x="144000" y="1224000"/>
-            <a:ext cx="1904400" cy="602280"/>
+            <a:ext cx="1904040" cy="601920"/>
           </a:xfrm>
           <a:prstGeom prst="rect">
             <a:avLst/>
@@ -8902,6 +8922,12 @@
             <a:noFill/>
           </a:ln>
         </p:spPr>
+        <p:style>
+          <a:lnRef idx="0"/>
+          <a:fillRef idx="0"/>
+          <a:effectRef idx="0"/>
+          <a:fontRef idx="minor"/>
+        </p:style>
         <p:txBody>
           <a:bodyPr lIns="90000" rIns="90000" tIns="45000" bIns="45000"/>
           <a:p>
@@ -8926,14 +8952,14 @@
       </p:sp>
       <p:sp>
         <p:nvSpPr>
-          <p:cNvPr id="167" name="TextShape 39"/>
-          <p:cNvSpPr txBox="1"/>
+          <p:cNvPr id="167" name="CustomShape 39"/>
+          <p:cNvSpPr/>
           <p:nvPr/>
         </p:nvSpPr>
         <p:spPr>
           <a:xfrm>
             <a:off x="864000" y="5904000"/>
-            <a:ext cx="8191080" cy="858240"/>
+            <a:ext cx="8190720" cy="857880"/>
           </a:xfrm>
           <a:prstGeom prst="rect">
             <a:avLst/>
@@ -8943,6 +8969,12 @@
             <a:noFill/>
           </a:ln>
         </p:spPr>
+        <p:style>
+          <a:lnRef idx="0"/>
+          <a:fillRef idx="0"/>
+          <a:effectRef idx="0"/>
+          <a:fontRef idx="minor"/>
+        </p:style>
         <p:txBody>
           <a:bodyPr lIns="90000" rIns="90000" tIns="45000" bIns="45000"/>
           <a:p>
@@ -8959,13 +8991,39 @@
                 </a:solidFill>
                 <a:latin typeface="Arial"/>
               </a:rPr>
-              <a:t>http://www.xyz.com</a:t>
-            </a:r>
+              <a:t>http://www.xyz.com/zz/index.html</a:t>
+            </a:r>
+            <a:endParaRPr b="0" lang="fr-FR" sz="1800" spc="-1" strike="noStrike">
+              <a:latin typeface="Arial"/>
+            </a:endParaRPr>
+          </a:p>
+          <a:p>
             <a:r>
               <a:rPr b="0" lang="fr-FR" sz="1800" spc="-1" strike="noStrike">
-                <a:latin typeface="Arial"/>
-              </a:rPr>
-              <a:t>/zz/index.html</a:t>
+                <a:solidFill>
+                  <a:srgbClr val="00864b"/>
+                </a:solidFill>
+                <a:latin typeface="Arial"/>
+              </a:rPr>
+              <a:t>URL étape 3 : http://www.xyz.com/zz/</a:t>
+            </a:r>
+            <a:r>
+              <a:rPr b="0" lang="fr-FR" sz="1800" spc="-1" strike="noStrike">
+                <a:solidFill>
+                  <a:srgbClr val="ce181e"/>
+                </a:solidFill>
+                <a:latin typeface="Arial"/>
+              </a:rPr>
+              <a:t>api-b/aaa/bbb </a:t>
+            </a:r>
+            <a:r>
+              <a:rPr b="0" i="1" lang="fr-FR" sz="1800" spc="-1" strike="noStrike">
+                <a:solidFill>
+                  <a:srgbClr val="00864b"/>
+                </a:solidFill>
+                <a:latin typeface="Arial"/>
+              </a:rPr>
+              <a:t>(pas besoin CORS)</a:t>
             </a:r>
             <a:endParaRPr b="0" lang="fr-FR" sz="1800" spc="-1" strike="noStrike">
               <a:latin typeface="Arial"/>
@@ -8974,89 +9032,30 @@
           <a:p>
             <a:r>
               <a:rPr b="0" lang="fr-FR" sz="1800" spc="-1" strike="noStrike">
-                <a:latin typeface="Arial"/>
-              </a:rPr>
-              <a:t>URL étape 3 : </a:t>
+                <a:solidFill>
+                  <a:srgbClr val="00864b"/>
+                </a:solidFill>
+                <a:latin typeface="Arial"/>
+              </a:rPr>
+              <a:t>URL étape 4 : </a:t>
             </a:r>
             <a:r>
               <a:rPr b="0" lang="fr-FR" sz="1800" spc="-1" strike="noStrike">
                 <a:solidFill>
-                  <a:srgbClr val="00864b"/>
-                </a:solidFill>
-                <a:latin typeface="Arial"/>
-              </a:rPr>
-              <a:t>http://www.xyz.com</a:t>
+                  <a:srgbClr val="182f7c"/>
+                </a:solidFill>
+                <a:latin typeface="Arial"/>
+              </a:rPr>
+              <a:t>http://serveurB:8282/</a:t>
             </a:r>
             <a:r>
               <a:rPr b="0" lang="fr-FR" sz="1800" spc="-1" strike="noStrike">
-                <a:latin typeface="Arial"/>
-              </a:rPr>
-              <a:t>/zz/</a:t>
-            </a:r>
-            <a:r>
-              <a:rPr b="0" lang="fr-FR" sz="1800" spc="-1" strike="noStrike">
                 <a:solidFill>
                   <a:srgbClr val="ce181e"/>
                 </a:solidFill>
                 <a:latin typeface="Arial"/>
               </a:rPr>
-              <a:t>api-b/aaa/bbb</a:t>
-            </a:r>
-            <a:r>
-              <a:rPr b="0" lang="fr-FR" sz="1800" spc="-1" strike="noStrike">
-                <a:latin typeface="Arial"/>
-              </a:rPr>
-              <a:t> </a:t>
-            </a:r>
-            <a:r>
-              <a:rPr b="0" i="1" lang="fr-FR" sz="1800" spc="-1" strike="noStrike">
-                <a:solidFill>
-                  <a:srgbClr val="00864b"/>
-                </a:solidFill>
-                <a:latin typeface="Arial"/>
-              </a:rPr>
-              <a:t>(pas besoin CORS)</a:t>
-            </a:r>
-            <a:endParaRPr b="0" lang="fr-FR" sz="1800" spc="-1" strike="noStrike">
-              <a:latin typeface="Arial"/>
-            </a:endParaRPr>
-          </a:p>
-          <a:p>
-            <a:r>
-              <a:rPr b="0" lang="fr-FR" sz="1800" spc="-1" strike="noStrike">
-                <a:latin typeface="Arial"/>
-              </a:rPr>
-              <a:t>URL étape 4 : </a:t>
-            </a:r>
-            <a:r>
-              <a:rPr b="0" lang="fr-FR" sz="1800" spc="-1" strike="noStrike">
-                <a:solidFill>
-                  <a:srgbClr val="182f7c"/>
-                </a:solidFill>
-                <a:latin typeface="Arial"/>
-              </a:rPr>
-              <a:t>http://serveurB:8282</a:t>
-            </a:r>
-            <a:r>
-              <a:rPr b="0" lang="fr-FR" sz="1800" spc="-1" strike="noStrike">
-                <a:latin typeface="Arial"/>
-              </a:rPr>
-              <a:t>/</a:t>
-            </a:r>
-            <a:r>
-              <a:rPr b="0" lang="fr-FR" sz="1800" spc="-1" strike="noStrike">
-                <a:solidFill>
-                  <a:srgbClr val="ce181e"/>
-                </a:solidFill>
-                <a:latin typeface="Arial"/>
-              </a:rPr>
-              <a:t>api-b/aaa/bbb</a:t>
-            </a:r>
-            <a:r>
-              <a:rPr b="0" lang="fr-FR" sz="1800" spc="-1" strike="noStrike">
-                <a:latin typeface="Arial"/>
-              </a:rPr>
-              <a:t> </a:t>
+              <a:t>api-b/aaa/bbb </a:t>
             </a:r>
             <a:r>
               <a:rPr b="1" i="1" lang="fr-FR" sz="1800" spc="-1" strike="noStrike">
@@ -9140,7 +9139,7 @@
         <p:spPr>
           <a:xfrm>
             <a:off x="6984720" y="1583280"/>
-            <a:ext cx="1439280" cy="1151280"/>
+            <a:ext cx="1438920" cy="1150920"/>
           </a:xfrm>
           <a:prstGeom prst="rect">
             <a:avLst/>
@@ -9170,7 +9169,7 @@
         <p:spPr>
           <a:xfrm>
             <a:off x="6841440" y="1441440"/>
-            <a:ext cx="1439280" cy="1151280"/>
+            <a:ext cx="1438920" cy="1150920"/>
           </a:xfrm>
           <a:prstGeom prst="rect">
             <a:avLst/>
@@ -9200,7 +9199,7 @@
         <p:spPr>
           <a:xfrm>
             <a:off x="685800" y="1842480"/>
-            <a:ext cx="7772760" cy="2232720"/>
+            <a:ext cx="7772400" cy="2232360"/>
           </a:xfrm>
           <a:prstGeom prst="rect">
             <a:avLst/>
@@ -9226,7 +9225,7 @@
         <p:spPr>
           <a:xfrm>
             <a:off x="457560" y="116640"/>
-            <a:ext cx="8228520" cy="461520"/>
+            <a:ext cx="8228160" cy="461160"/>
           </a:xfrm>
           <a:prstGeom prst="rect">
             <a:avLst/>
@@ -9278,7 +9277,7 @@
         <p:spPr>
           <a:xfrm>
             <a:off x="688320" y="1842480"/>
-            <a:ext cx="7772760" cy="2232720"/>
+            <a:ext cx="7772400" cy="2232360"/>
           </a:xfrm>
           <a:prstGeom prst="rect">
             <a:avLst/>
@@ -9304,7 +9303,7 @@
         <p:spPr>
           <a:xfrm>
             <a:off x="398160" y="1774800"/>
-            <a:ext cx="286560" cy="358560"/>
+            <a:ext cx="286200" cy="358200"/>
           </a:xfrm>
           <a:prstGeom prst="smileyFace">
             <a:avLst>
@@ -9347,7 +9346,7 @@
         <p:spPr>
           <a:xfrm>
             <a:off x="398160" y="2206800"/>
-            <a:ext cx="286560" cy="214560"/>
+            <a:ext cx="286200" cy="214200"/>
           </a:xfrm>
           <a:prstGeom prst="heart">
             <a:avLst/>
@@ -9388,7 +9387,7 @@
         <p:spPr>
           <a:xfrm>
             <a:off x="756720" y="1813320"/>
-            <a:ext cx="286560" cy="358560"/>
+            <a:ext cx="286200" cy="358200"/>
           </a:xfrm>
           <a:prstGeom prst="smileyFace">
             <a:avLst>
@@ -9431,7 +9430,7 @@
         <p:spPr>
           <a:xfrm>
             <a:off x="756720" y="2245680"/>
-            <a:ext cx="286560" cy="214560"/>
+            <a:ext cx="286200" cy="214200"/>
           </a:xfrm>
           <a:prstGeom prst="heart">
             <a:avLst/>
@@ -9472,7 +9471,7 @@
         <p:spPr>
           <a:xfrm>
             <a:off x="550440" y="1927440"/>
-            <a:ext cx="286560" cy="358560"/>
+            <a:ext cx="286200" cy="358200"/>
           </a:xfrm>
           <a:prstGeom prst="smileyFace">
             <a:avLst>
@@ -9515,7 +9514,7 @@
         <p:spPr>
           <a:xfrm>
             <a:off x="550440" y="2359440"/>
-            <a:ext cx="286560" cy="214560"/>
+            <a:ext cx="286200" cy="214200"/>
           </a:xfrm>
           <a:prstGeom prst="heart">
             <a:avLst/>
@@ -9556,7 +9555,7 @@
         <p:spPr>
           <a:xfrm>
             <a:off x="218520" y="2736000"/>
-            <a:ext cx="1367280" cy="935280"/>
+            <a:ext cx="1366920" cy="934920"/>
           </a:xfrm>
           <a:prstGeom prst="rect">
             <a:avLst/>
@@ -9586,7 +9585,7 @@
         <p:spPr>
           <a:xfrm>
             <a:off x="434520" y="2880000"/>
-            <a:ext cx="1329480" cy="935280"/>
+            <a:ext cx="1329120" cy="934920"/>
           </a:xfrm>
           <a:prstGeom prst="rect">
             <a:avLst/>
@@ -9616,7 +9615,7 @@
         <p:spPr>
           <a:xfrm>
             <a:off x="650520" y="3096000"/>
-            <a:ext cx="1295280" cy="935280"/>
+            <a:ext cx="1294920" cy="934920"/>
           </a:xfrm>
           <a:prstGeom prst="rect">
             <a:avLst/>
@@ -9646,7 +9645,7 @@
         <p:spPr>
           <a:xfrm>
             <a:off x="3170520" y="2160000"/>
-            <a:ext cx="2519640" cy="2520000"/>
+            <a:ext cx="2519280" cy="2519640"/>
           </a:xfrm>
           <a:prstGeom prst="rect">
             <a:avLst/>
@@ -9676,7 +9675,7 @@
         <p:spPr>
           <a:xfrm>
             <a:off x="3198240" y="1152000"/>
-            <a:ext cx="2489760" cy="864000"/>
+            <a:ext cx="2489400" cy="863640"/>
           </a:xfrm>
           <a:prstGeom prst="rect">
             <a:avLst/>
@@ -9701,13 +9700,11 @@
                   <a:srgbClr val="ce181e"/>
                 </a:solidFill>
                 <a:latin typeface="Arial"/>
+                <a:ea typeface="DejaVu Sans"/>
               </a:rPr>
               <a:t>api-getaway</a:t>
             </a:r>
-            <a:endParaRPr b="1" lang="fr-FR" sz="2400" spc="-1" strike="noStrike">
-              <a:solidFill>
-                <a:srgbClr val="ce181e"/>
-              </a:solidFill>
+            <a:endParaRPr b="0" lang="fr-FR" sz="2400" spc="-1" strike="noStrike">
               <a:latin typeface="Arial"/>
             </a:endParaRPr>
           </a:p>
@@ -9718,13 +9715,11 @@
                   <a:srgbClr val="ce181e"/>
                 </a:solidFill>
                 <a:latin typeface="Arial"/>
+                <a:ea typeface="DejaVu Sans"/>
               </a:rPr>
               <a:t>(ex : Kong , ...)</a:t>
             </a:r>
-            <a:endParaRPr b="1" lang="fr-FR" sz="2400" spc="-1" strike="noStrike">
-              <a:solidFill>
-                <a:srgbClr val="ce181e"/>
-              </a:solidFill>
+            <a:endParaRPr b="0" lang="fr-FR" sz="2400" spc="-1" strike="noStrike">
               <a:latin typeface="Arial"/>
             </a:endParaRPr>
           </a:p>
@@ -9761,55 +9756,14 @@
       </p:sp>
       <p:sp>
         <p:nvSpPr>
-          <p:cNvPr id="185" name="TextShape 18"/>
-          <p:cNvSpPr txBox="1"/>
+          <p:cNvPr id="185" name="CustomShape 18"/>
+          <p:cNvSpPr/>
           <p:nvPr/>
         </p:nvSpPr>
         <p:spPr>
           <a:xfrm>
             <a:off x="146520" y="936000"/>
-            <a:ext cx="1904400" cy="602280"/>
-          </a:xfrm>
-          <a:prstGeom prst="rect">
-            <a:avLst/>
-          </a:prstGeom>
-          <a:noFill/>
-          <a:ln>
-            <a:noFill/>
-          </a:ln>
-        </p:spPr>
-        <p:txBody>
-          <a:bodyPr lIns="90000" rIns="90000" tIns="45000" bIns="45000"/>
-          <a:p>
-            <a:r>
-              <a:rPr b="0" lang="fr-FR" sz="1800" spc="-1" strike="noStrike">
-                <a:latin typeface="Arial"/>
-              </a:rPr>
-              <a:t>Utilisateurs</a:t>
-            </a:r>
-            <a:br/>
-            <a:r>
-              <a:rPr b="0" lang="fr-FR" sz="1800" spc="-1" strike="noStrike">
-                <a:latin typeface="Arial"/>
-              </a:rPr>
-              <a:t>avec navigateurs</a:t>
-            </a:r>
-            <a:endParaRPr b="0" lang="fr-FR" sz="1800" spc="-1" strike="noStrike">
-              <a:latin typeface="Arial"/>
-            </a:endParaRPr>
-          </a:p>
-        </p:txBody>
-      </p:sp>
-      <p:sp>
-        <p:nvSpPr>
-          <p:cNvPr id="186" name="CustomShape 19"/>
-          <p:cNvSpPr/>
-          <p:nvPr/>
-        </p:nvSpPr>
-        <p:spPr>
-          <a:xfrm>
-            <a:off x="688320" y="1842480"/>
-            <a:ext cx="7772760" cy="2232720"/>
+            <a:ext cx="1904040" cy="601920"/>
           </a:xfrm>
           <a:prstGeom prst="rect">
             <a:avLst/>
@@ -9825,6 +9779,53 @@
           <a:effectRef idx="0"/>
           <a:fontRef idx="minor"/>
         </p:style>
+        <p:txBody>
+          <a:bodyPr lIns="90000" rIns="90000" tIns="45000" bIns="45000"/>
+          <a:p>
+            <a:r>
+              <a:rPr b="0" lang="fr-FR" sz="1800" spc="-1" strike="noStrike">
+                <a:latin typeface="Arial"/>
+              </a:rPr>
+              <a:t>Utilisateurs</a:t>
+            </a:r>
+            <a:br/>
+            <a:r>
+              <a:rPr b="0" lang="fr-FR" sz="1800" spc="-1" strike="noStrike">
+                <a:latin typeface="Arial"/>
+              </a:rPr>
+              <a:t>avec navigateurs</a:t>
+            </a:r>
+            <a:endParaRPr b="0" lang="fr-FR" sz="1800" spc="-1" strike="noStrike">
+              <a:latin typeface="Arial"/>
+            </a:endParaRPr>
+          </a:p>
+        </p:txBody>
+      </p:sp>
+      <p:sp>
+        <p:nvSpPr>
+          <p:cNvPr id="186" name="CustomShape 19"/>
+          <p:cNvSpPr/>
+          <p:nvPr/>
+        </p:nvSpPr>
+        <p:spPr>
+          <a:xfrm>
+            <a:off x="688320" y="1842480"/>
+            <a:ext cx="7772400" cy="2232360"/>
+          </a:xfrm>
+          <a:prstGeom prst="rect">
+            <a:avLst/>
+          </a:prstGeom>
+          <a:noFill/>
+          <a:ln>
+            <a:noFill/>
+          </a:ln>
+        </p:spPr>
+        <p:style>
+          <a:lnRef idx="0"/>
+          <a:fillRef idx="0"/>
+          <a:effectRef idx="0"/>
+          <a:fontRef idx="minor"/>
+        </p:style>
       </p:sp>
       <p:sp>
         <p:nvSpPr>
@@ -9835,7 +9836,7 @@
         <p:spPr>
           <a:xfrm>
             <a:off x="6696720" y="1224000"/>
-            <a:ext cx="1439280" cy="1151280"/>
+            <a:ext cx="1438920" cy="1150920"/>
           </a:xfrm>
           <a:prstGeom prst="rect">
             <a:avLst/>
@@ -9869,9 +9870,6 @@
               <a:t>api_rest_A</a:t>
             </a:r>
             <a:endParaRPr b="0" lang="fr-FR" sz="1800" spc="-1" strike="noStrike">
-              <a:solidFill>
-                <a:srgbClr val="182f7c"/>
-              </a:solidFill>
               <a:latin typeface="Arial"/>
             </a:endParaRPr>
           </a:p>
@@ -9887,9 +9885,6 @@
               <a:t>sur</a:t>
             </a:r>
             <a:endParaRPr b="0" lang="fr-FR" sz="1800" spc="-1" strike="noStrike">
-              <a:solidFill>
-                <a:srgbClr val="182f7c"/>
-              </a:solidFill>
               <a:latin typeface="Arial"/>
             </a:endParaRPr>
           </a:p>
@@ -9915,9 +9910,6 @@
               <a:t> </a:t>
             </a:r>
             <a:endParaRPr b="0" lang="fr-FR" sz="1800" spc="-1" strike="noStrike">
-              <a:solidFill>
-                <a:srgbClr val="182f7c"/>
-              </a:solidFill>
               <a:latin typeface="Arial"/>
             </a:endParaRPr>
           </a:p>
@@ -9933,9 +9925,6 @@
               <a:t>springBoot</a:t>
             </a:r>
             <a:endParaRPr b="0" lang="fr-FR" sz="1800" spc="-1" strike="noStrike">
-              <a:solidFill>
-                <a:srgbClr val="182f7c"/>
-              </a:solidFill>
               <a:latin typeface="Arial"/>
             </a:endParaRPr>
           </a:p>
@@ -9950,7 +9939,7 @@
         <p:spPr>
           <a:xfrm>
             <a:off x="7128720" y="3672720"/>
-            <a:ext cx="1439280" cy="1151280"/>
+            <a:ext cx="1438920" cy="1150920"/>
           </a:xfrm>
           <a:prstGeom prst="rect">
             <a:avLst/>
@@ -9980,7 +9969,7 @@
         <p:spPr>
           <a:xfrm>
             <a:off x="6985440" y="3530880"/>
-            <a:ext cx="1439280" cy="1151280"/>
+            <a:ext cx="1438920" cy="1150920"/>
           </a:xfrm>
           <a:prstGeom prst="rect">
             <a:avLst/>
@@ -10010,7 +9999,7 @@
         <p:spPr>
           <a:xfrm>
             <a:off x="6843960" y="3386880"/>
-            <a:ext cx="1439280" cy="1151280"/>
+            <a:ext cx="1438920" cy="1150920"/>
           </a:xfrm>
           <a:prstGeom prst="rect">
             <a:avLst/>
@@ -10044,9 +10033,6 @@
               <a:t>api_rest_B</a:t>
             </a:r>
             <a:endParaRPr b="0" lang="fr-FR" sz="1800" spc="-1" strike="noStrike">
-              <a:solidFill>
-                <a:srgbClr val="182f7c"/>
-              </a:solidFill>
               <a:latin typeface="Arial"/>
             </a:endParaRPr>
           </a:p>
@@ -10062,9 +10048,6 @@
               <a:t>sur</a:t>
             </a:r>
             <a:endParaRPr b="0" lang="fr-FR" sz="1800" spc="-1" strike="noStrike">
-              <a:solidFill>
-                <a:srgbClr val="182f7c"/>
-              </a:solidFill>
               <a:latin typeface="Arial"/>
             </a:endParaRPr>
           </a:p>
@@ -10090,9 +10073,6 @@
               <a:t> </a:t>
             </a:r>
             <a:endParaRPr b="0" lang="fr-FR" sz="1800" spc="-1" strike="noStrike">
-              <a:solidFill>
-                <a:srgbClr val="182f7c"/>
-              </a:solidFill>
               <a:latin typeface="Arial"/>
             </a:endParaRPr>
           </a:p>
@@ -10108,24 +10088,21 @@
               <a:t>nodeJs</a:t>
             </a:r>
             <a:endParaRPr b="0" lang="fr-FR" sz="1800" spc="-1" strike="noStrike">
-              <a:solidFill>
-                <a:srgbClr val="182f7c"/>
-              </a:solidFill>
-              <a:latin typeface="Arial"/>
-            </a:endParaRPr>
-          </a:p>
-        </p:txBody>
-      </p:sp>
-      <p:sp>
-        <p:nvSpPr>
-          <p:cNvPr id="191" name="TextShape 24"/>
-          <p:cNvSpPr txBox="1"/>
+              <a:latin typeface="Arial"/>
+            </a:endParaRPr>
+          </a:p>
+        </p:txBody>
+      </p:sp>
+      <p:sp>
+        <p:nvSpPr>
+          <p:cNvPr id="191" name="CustomShape 24"/>
+          <p:cNvSpPr/>
           <p:nvPr/>
         </p:nvSpPr>
         <p:spPr>
           <a:xfrm>
             <a:off x="2088000" y="2808000"/>
-            <a:ext cx="930600" cy="346320"/>
+            <a:ext cx="930240" cy="345960"/>
           </a:xfrm>
           <a:prstGeom prst="rect">
             <a:avLst/>
@@ -10135,6 +10112,12 @@
             <a:noFill/>
           </a:ln>
         </p:spPr>
+        <p:style>
+          <a:lnRef idx="0"/>
+          <a:fillRef idx="0"/>
+          <a:effectRef idx="0"/>
+          <a:fontRef idx="minor"/>
+        </p:style>
         <p:txBody>
           <a:bodyPr lIns="90000" rIns="90000" tIns="45000" bIns="45000"/>
           <a:p>
@@ -10144,7 +10127,7 @@
               </a:rPr>
               <a:t>HTTPS</a:t>
             </a:r>
-            <a:endParaRPr b="1" lang="fr-FR" sz="1800" spc="-1" strike="noStrike">
+            <a:endParaRPr b="0" lang="fr-FR" sz="1800" spc="-1" strike="noStrike">
               <a:latin typeface="Arial"/>
             </a:endParaRPr>
           </a:p>
@@ -10243,7 +10226,7 @@
         <p:spPr>
           <a:xfrm>
             <a:off x="5040000" y="3888000"/>
-            <a:ext cx="1872000" cy="0"/>
+            <a:ext cx="1872000" cy="360"/>
           </a:xfrm>
           <a:prstGeom prst="line">
             <a:avLst/>
@@ -10320,14 +10303,14 @@
       </p:sp>
       <p:sp>
         <p:nvSpPr>
-          <p:cNvPr id="198" name="TextShape 31"/>
-          <p:cNvSpPr txBox="1"/>
+          <p:cNvPr id="198" name="CustomShape 31"/>
+          <p:cNvSpPr/>
           <p:nvPr/>
         </p:nvSpPr>
         <p:spPr>
           <a:xfrm>
             <a:off x="5904000" y="2173680"/>
-            <a:ext cx="561600" cy="346320"/>
+            <a:ext cx="561240" cy="345960"/>
           </a:xfrm>
           <a:prstGeom prst="rect">
             <a:avLst/>
@@ -10337,6 +10320,12 @@
             <a:noFill/>
           </a:ln>
         </p:spPr>
+        <p:style>
+          <a:lnRef idx="0"/>
+          <a:fillRef idx="0"/>
+          <a:effectRef idx="0"/>
+          <a:fontRef idx="minor"/>
+        </p:style>
         <p:txBody>
           <a:bodyPr lIns="90000" rIns="90000" tIns="45000" bIns="45000"/>
           <a:p>
@@ -10354,14 +10343,14 @@
       </p:sp>
       <p:sp>
         <p:nvSpPr>
-          <p:cNvPr id="199" name="TextShape 32"/>
-          <p:cNvSpPr txBox="1"/>
+          <p:cNvPr id="199" name="CustomShape 32"/>
+          <p:cNvSpPr/>
           <p:nvPr/>
         </p:nvSpPr>
         <p:spPr>
           <a:xfrm>
             <a:off x="6062400" y="3901680"/>
-            <a:ext cx="561600" cy="346320"/>
+            <a:ext cx="561240" cy="345960"/>
           </a:xfrm>
           <a:prstGeom prst="rect">
             <a:avLst/>
@@ -10371,6 +10360,12 @@
             <a:noFill/>
           </a:ln>
         </p:spPr>
+        <p:style>
+          <a:lnRef idx="0"/>
+          <a:fillRef idx="0"/>
+          <a:effectRef idx="0"/>
+          <a:fontRef idx="minor"/>
+        </p:style>
         <p:txBody>
           <a:bodyPr lIns="90000" rIns="90000" tIns="45000" bIns="45000"/>
           <a:p>
@@ -10395,7 +10390,7 @@
         <p:spPr>
           <a:xfrm>
             <a:off x="3240000" y="5256000"/>
-            <a:ext cx="2664000" cy="864000"/>
+            <a:ext cx="2663640" cy="863640"/>
           </a:xfrm>
           <a:prstGeom prst="rect">
             <a:avLst/>
@@ -10418,10 +10413,18 @@
         <p:txBody>
           <a:bodyPr wrap="none" lIns="90000" rIns="90000" tIns="45000" bIns="45000" anchor="ctr"/>
           <a:p>
-            <a:pPr algn="ctr"/>
+            <a:pPr algn="ctr">
+              <a:lnSpc>
+                <a:spcPct val="100000"/>
+              </a:lnSpc>
+            </a:pPr>
             <a:r>
               <a:rPr b="0" lang="fr-FR" sz="1800" spc="-1" strike="noStrike">
-                <a:latin typeface="Arial"/>
+                <a:solidFill>
+                  <a:srgbClr val="000000"/>
+                </a:solidFill>
+                <a:latin typeface="Arial"/>
+                <a:ea typeface="DejaVu Sans"/>
               </a:rPr>
               <a:t>éventuel</a:t>
             </a:r>
@@ -10430,10 +10433,18 @@
             </a:endParaRPr>
           </a:p>
           <a:p>
-            <a:pPr algn="ctr"/>
+            <a:pPr algn="ctr">
+              <a:lnSpc>
+                <a:spcPct val="100000"/>
+              </a:lnSpc>
+            </a:pPr>
             <a:r>
               <a:rPr b="0" lang="fr-FR" sz="1800" spc="-1" strike="noStrike">
-                <a:latin typeface="Arial"/>
+                <a:solidFill>
+                  <a:srgbClr val="000000"/>
+                </a:solidFill>
+                <a:latin typeface="Arial"/>
+                <a:ea typeface="DejaVu Sans"/>
               </a:rPr>
               <a:t>serveur d'authentification</a:t>
             </a:r>
@@ -10442,10 +10453,18 @@
             </a:endParaRPr>
           </a:p>
           <a:p>
-            <a:pPr algn="ctr"/>
+            <a:pPr algn="ctr">
+              <a:lnSpc>
+                <a:spcPct val="100000"/>
+              </a:lnSpc>
+            </a:pPr>
             <a:r>
               <a:rPr b="0" lang="fr-FR" sz="1800" spc="-1" strike="noStrike">
-                <a:latin typeface="Arial"/>
+                <a:solidFill>
+                  <a:srgbClr val="000000"/>
+                </a:solidFill>
+                <a:latin typeface="Arial"/>
+                <a:ea typeface="DejaVu Sans"/>
               </a:rPr>
               <a:t>oauth2</a:t>
             </a:r>
@@ -10464,7 +10483,7 @@
         <p:spPr>
           <a:xfrm>
             <a:off x="3672000" y="2880000"/>
-            <a:ext cx="1440000" cy="1512000"/>
+            <a:ext cx="1439640" cy="1511640"/>
           </a:xfrm>
           <a:custGeom>
             <a:avLst/>
@@ -10740,7 +10759,6 @@
             <a:solidFill>
               <a:srgbClr val="000000"/>
             </a:solidFill>
-            <a:custDash/>
             <a:tailEnd len="med" type="triangle" w="med"/>
           </a:ln>
         </p:spPr>
@@ -10753,14 +10771,14 @@
       </p:sp>
       <p:sp>
         <p:nvSpPr>
-          <p:cNvPr id="204" name="TextShape 37"/>
-          <p:cNvSpPr txBox="1"/>
+          <p:cNvPr id="204" name="CustomShape 37"/>
+          <p:cNvSpPr/>
           <p:nvPr/>
         </p:nvSpPr>
         <p:spPr>
           <a:xfrm>
             <a:off x="288000" y="4752000"/>
-            <a:ext cx="2719440" cy="1882080"/>
+            <a:ext cx="2719080" cy="1881720"/>
           </a:xfrm>
           <a:prstGeom prst="rect">
             <a:avLst/>
@@ -10770,6 +10788,12 @@
             <a:noFill/>
           </a:ln>
         </p:spPr>
+        <p:style>
+          <a:lnRef idx="0"/>
+          <a:fillRef idx="0"/>
+          <a:effectRef idx="0"/>
+          <a:fontRef idx="minor"/>
+        </p:style>
         <p:txBody>
           <a:bodyPr lIns="90000" rIns="90000" tIns="45000" bIns="45000"/>
           <a:p>
@@ -10954,7 +10978,7 @@
         <p:spPr>
           <a:xfrm>
             <a:off x="704880" y="1684080"/>
-            <a:ext cx="7772760" cy="2232720"/>
+            <a:ext cx="7772400" cy="2232360"/>
           </a:xfrm>
           <a:prstGeom prst="rect">
             <a:avLst/>
@@ -10980,7 +11004,7 @@
         <p:spPr>
           <a:xfrm>
             <a:off x="457560" y="116640"/>
-            <a:ext cx="8228520" cy="461520"/>
+            <a:ext cx="8228160" cy="461160"/>
           </a:xfrm>
           <a:prstGeom prst="rect">
             <a:avLst/>
@@ -11076,7 +11100,7 @@
         <p:spPr>
           <a:xfrm>
             <a:off x="707400" y="1684080"/>
-            <a:ext cx="7772760" cy="2232720"/>
+            <a:ext cx="7772400" cy="2232360"/>
           </a:xfrm>
           <a:prstGeom prst="rect">
             <a:avLst/>
@@ -11102,7 +11126,7 @@
         <p:spPr>
           <a:xfrm>
             <a:off x="417240" y="1616400"/>
-            <a:ext cx="286560" cy="358560"/>
+            <a:ext cx="286200" cy="358200"/>
           </a:xfrm>
           <a:prstGeom prst="smileyFace">
             <a:avLst>
@@ -11145,7 +11169,7 @@
         <p:spPr>
           <a:xfrm>
             <a:off x="417240" y="2048400"/>
-            <a:ext cx="286560" cy="214560"/>
+            <a:ext cx="286200" cy="214200"/>
           </a:xfrm>
           <a:prstGeom prst="heart">
             <a:avLst/>
@@ -11186,7 +11210,7 @@
         <p:spPr>
           <a:xfrm>
             <a:off x="775800" y="1654920"/>
-            <a:ext cx="286560" cy="358560"/>
+            <a:ext cx="286200" cy="358200"/>
           </a:xfrm>
           <a:prstGeom prst="smileyFace">
             <a:avLst>
@@ -11229,7 +11253,7 @@
         <p:spPr>
           <a:xfrm>
             <a:off x="775800" y="2087280"/>
-            <a:ext cx="286560" cy="214560"/>
+            <a:ext cx="286200" cy="214200"/>
           </a:xfrm>
           <a:prstGeom prst="heart">
             <a:avLst/>
@@ -11270,7 +11294,7 @@
         <p:spPr>
           <a:xfrm>
             <a:off x="569520" y="1769040"/>
-            <a:ext cx="286560" cy="358560"/>
+            <a:ext cx="286200" cy="358200"/>
           </a:xfrm>
           <a:prstGeom prst="smileyFace">
             <a:avLst>
@@ -11313,7 +11337,7 @@
         <p:spPr>
           <a:xfrm>
             <a:off x="569520" y="2201040"/>
-            <a:ext cx="286560" cy="214560"/>
+            <a:ext cx="286200" cy="214200"/>
           </a:xfrm>
           <a:prstGeom prst="heart">
             <a:avLst/>
@@ -11354,7 +11378,7 @@
         <p:spPr>
           <a:xfrm>
             <a:off x="237600" y="2577600"/>
-            <a:ext cx="907920" cy="935280"/>
+            <a:ext cx="907560" cy="934920"/>
           </a:xfrm>
           <a:prstGeom prst="rect">
             <a:avLst/>
@@ -11384,7 +11408,7 @@
         <p:spPr>
           <a:xfrm>
             <a:off x="453600" y="2721600"/>
-            <a:ext cx="842400" cy="935280"/>
+            <a:ext cx="842040" cy="934920"/>
           </a:xfrm>
           <a:prstGeom prst="rect">
             <a:avLst/>
@@ -11414,7 +11438,7 @@
         <p:spPr>
           <a:xfrm>
             <a:off x="2121840" y="944280"/>
-            <a:ext cx="1497240" cy="4103640"/>
+            <a:ext cx="1496880" cy="4103280"/>
           </a:xfrm>
           <a:prstGeom prst="rect">
             <a:avLst/>
@@ -11439,25 +11463,41 @@
           <a:p>
             <a:r>
               <a:rPr b="0" i="1" lang="fr-FR" sz="1800" spc="-1" strike="noStrike">
-                <a:latin typeface="Arial"/>
+                <a:solidFill>
+                  <a:srgbClr val="000000"/>
+                </a:solidFill>
+                <a:latin typeface="Arial"/>
+                <a:ea typeface="DejaVu Sans"/>
               </a:rPr>
               <a:t>éventuel intermédiaire qui va bien</a:t>
             </a:r>
             <a:r>
               <a:rPr b="0" lang="fr-FR" sz="1800" spc="-1" strike="noStrike">
-                <a:latin typeface="Arial"/>
+                <a:solidFill>
+                  <a:srgbClr val="000000"/>
+                </a:solidFill>
+                <a:latin typeface="Arial"/>
+                <a:ea typeface="DejaVu Sans"/>
               </a:rPr>
               <a:t> (reverse-proxy , </a:t>
             </a:r>
             <a:r>
               <a:rPr b="1" lang="fr-FR" sz="1800" spc="-1" strike="noStrike">
-                <a:latin typeface="Arial"/>
+                <a:solidFill>
+                  <a:srgbClr val="000000"/>
+                </a:solidFill>
+                <a:latin typeface="Arial"/>
+                <a:ea typeface="DejaVu Sans"/>
               </a:rPr>
               <a:t>gateway</a:t>
             </a:r>
             <a:r>
               <a:rPr b="0" lang="fr-FR" sz="1800" spc="-1" strike="noStrike">
-                <a:latin typeface="Arial"/>
+                <a:solidFill>
+                  <a:srgbClr val="000000"/>
+                </a:solidFill>
+                <a:latin typeface="Arial"/>
+                <a:ea typeface="DejaVu Sans"/>
               </a:rPr>
               <a:t> , ...)</a:t>
             </a:r>
@@ -11476,7 +11516,7 @@
         <p:spPr>
           <a:xfrm>
             <a:off x="5779080" y="994320"/>
-            <a:ext cx="2088000" cy="1439280"/>
+            <a:ext cx="2087640" cy="1438920"/>
           </a:xfrm>
           <a:prstGeom prst="rect">
             <a:avLst/>
@@ -11510,9 +11550,6 @@
               <a:t>serveur </a:t>
             </a:r>
             <a:endParaRPr b="0" lang="fr-FR" sz="1800" spc="-1" strike="noStrike">
-              <a:solidFill>
-                <a:srgbClr val="182f7c"/>
-              </a:solidFill>
               <a:latin typeface="Arial"/>
             </a:endParaRPr>
           </a:p>
@@ -11528,9 +11565,6 @@
               <a:t>d'autentification</a:t>
             </a:r>
             <a:endParaRPr b="0" lang="fr-FR" sz="1800" spc="-1" strike="noStrike">
-              <a:solidFill>
-                <a:srgbClr val="182f7c"/>
-              </a:solidFill>
               <a:latin typeface="Arial"/>
             </a:endParaRPr>
           </a:p>
@@ -11566,9 +11600,6 @@
               <a:t> , </a:t>
             </a:r>
             <a:endParaRPr b="0" lang="fr-FR" sz="1800" spc="-1" strike="noStrike">
-              <a:solidFill>
-                <a:srgbClr val="182f7c"/>
-              </a:solidFill>
               <a:latin typeface="Arial"/>
             </a:endParaRPr>
           </a:p>
@@ -11604,9 +11635,6 @@
               <a:t> ,</a:t>
             </a:r>
             <a:endParaRPr b="0" lang="fr-FR" sz="1800" spc="-1" strike="noStrike">
-              <a:solidFill>
-                <a:srgbClr val="182f7c"/>
-              </a:solidFill>
               <a:latin typeface="Arial"/>
             </a:endParaRPr>
           </a:p>
@@ -11632,9 +11660,6 @@
               <a:t>...)</a:t>
             </a:r>
             <a:endParaRPr b="0" lang="fr-FR" sz="1800" spc="-1" strike="noStrike">
-              <a:solidFill>
-                <a:srgbClr val="182f7c"/>
-              </a:solidFill>
               <a:latin typeface="Arial"/>
             </a:endParaRPr>
           </a:p>
@@ -11649,7 +11674,7 @@
         <p:spPr>
           <a:xfrm>
             <a:off x="5995080" y="3937680"/>
-            <a:ext cx="1728000" cy="1296000"/>
+            <a:ext cx="1727640" cy="1295640"/>
           </a:xfrm>
           <a:prstGeom prst="rect">
             <a:avLst/>
@@ -11683,9 +11708,6 @@
               <a:t>api_rest_xy</a:t>
             </a:r>
             <a:endParaRPr b="0" lang="fr-FR" sz="1800" spc="-1" strike="noStrike">
-              <a:solidFill>
-                <a:srgbClr val="182f7c"/>
-              </a:solidFill>
               <a:latin typeface="Arial"/>
             </a:endParaRPr>
           </a:p>
@@ -11701,9 +11723,6 @@
               <a:t>sur backEnd </a:t>
             </a:r>
             <a:endParaRPr b="0" lang="fr-FR" sz="1800" spc="-1" strike="noStrike">
-              <a:solidFill>
-                <a:srgbClr val="182f7c"/>
-              </a:solidFill>
               <a:latin typeface="Arial"/>
             </a:endParaRPr>
           </a:p>
@@ -11719,9 +11738,6 @@
               <a:t>(serveur de </a:t>
             </a:r>
             <a:endParaRPr b="0" lang="fr-FR" sz="1800" spc="-1" strike="noStrike">
-              <a:solidFill>
-                <a:srgbClr val="182f7c"/>
-              </a:solidFill>
               <a:latin typeface="Arial"/>
             </a:endParaRPr>
           </a:p>
@@ -11737,9 +11753,6 @@
               <a:t>ressources)</a:t>
             </a:r>
             <a:endParaRPr b="0" lang="fr-FR" sz="1800" spc="-1" strike="noStrike">
-              <a:solidFill>
-                <a:srgbClr val="182f7c"/>
-              </a:solidFill>
               <a:latin typeface="Arial"/>
             </a:endParaRPr>
           </a:p>
@@ -11754,7 +11767,7 @@
         <p:spPr>
           <a:xfrm>
             <a:off x="8424720" y="1684080"/>
-            <a:ext cx="378360" cy="583920"/>
+            <a:ext cx="378000" cy="583560"/>
           </a:xfrm>
           <a:prstGeom prst="can">
             <a:avLst>
@@ -11808,7 +11821,7 @@
         <p:spPr>
           <a:xfrm>
             <a:off x="8208720" y="4505760"/>
-            <a:ext cx="378360" cy="583920"/>
+            <a:ext cx="378000" cy="583560"/>
           </a:xfrm>
           <a:prstGeom prst="can">
             <a:avLst>
@@ -11862,7 +11875,7 @@
         <p:spPr>
           <a:xfrm flipH="1">
             <a:off x="1145520" y="3168000"/>
-            <a:ext cx="1440000" cy="0"/>
+            <a:ext cx="1440000" cy="360"/>
           </a:xfrm>
           <a:prstGeom prst="line">
             <a:avLst/>
@@ -11946,7 +11959,7 @@
         <p:spPr>
           <a:xfrm>
             <a:off x="1152000" y="3024000"/>
-            <a:ext cx="1440000" cy="0"/>
+            <a:ext cx="1440000" cy="360"/>
           </a:xfrm>
           <a:prstGeom prst="line">
             <a:avLst/>
@@ -11974,7 +11987,7 @@
         <p:spPr>
           <a:xfrm>
             <a:off x="3979080" y="1857600"/>
-            <a:ext cx="406440" cy="287640"/>
+            <a:ext cx="406080" cy="287280"/>
           </a:xfrm>
           <a:prstGeom prst="ellipse">
             <a:avLst/>
@@ -12027,7 +12040,7 @@
         <p:spPr>
           <a:xfrm>
             <a:off x="7939080" y="1785960"/>
-            <a:ext cx="334440" cy="287640"/>
+            <a:ext cx="334080" cy="287280"/>
           </a:xfrm>
           <a:prstGeom prst="ellipse">
             <a:avLst/>
@@ -12080,7 +12093,7 @@
         <p:spPr>
           <a:xfrm>
             <a:off x="4273560" y="2736000"/>
-            <a:ext cx="334440" cy="287640"/>
+            <a:ext cx="334080" cy="287280"/>
           </a:xfrm>
           <a:prstGeom prst="ellipse">
             <a:avLst/>
@@ -12133,7 +12146,7 @@
         <p:spPr>
           <a:xfrm>
             <a:off x="1368000" y="3629160"/>
-            <a:ext cx="360000" cy="287640"/>
+            <a:ext cx="359640" cy="287280"/>
           </a:xfrm>
           <a:prstGeom prst="ellipse">
             <a:avLst/>
@@ -12186,7 +12199,7 @@
         <p:spPr>
           <a:xfrm>
             <a:off x="5870880" y="5446080"/>
-            <a:ext cx="334440" cy="287640"/>
+            <a:ext cx="334080" cy="287280"/>
           </a:xfrm>
           <a:prstGeom prst="ellipse">
             <a:avLst/>
@@ -12239,7 +12252,7 @@
         <p:spPr>
           <a:xfrm>
             <a:off x="5472000" y="3916800"/>
-            <a:ext cx="360000" cy="287640"/>
+            <a:ext cx="359640" cy="287280"/>
           </a:xfrm>
           <a:prstGeom prst="ellipse">
             <a:avLst/>
@@ -12292,7 +12305,7 @@
         <p:spPr>
           <a:xfrm>
             <a:off x="1800000" y="3629160"/>
-            <a:ext cx="360000" cy="287640"/>
+            <a:ext cx="359640" cy="287280"/>
           </a:xfrm>
           <a:prstGeom prst="ellipse">
             <a:avLst/>
@@ -12338,14 +12351,14 @@
       </p:sp>
       <p:sp>
         <p:nvSpPr>
-          <p:cNvPr id="232" name="TextShape 28"/>
-          <p:cNvSpPr txBox="1"/>
+          <p:cNvPr id="232" name="CustomShape 28"/>
+          <p:cNvSpPr/>
           <p:nvPr/>
         </p:nvSpPr>
         <p:spPr>
           <a:xfrm>
             <a:off x="2971080" y="5287320"/>
-            <a:ext cx="1715400" cy="602280"/>
+            <a:ext cx="1715040" cy="601920"/>
           </a:xfrm>
           <a:prstGeom prst="rect">
             <a:avLst/>
@@ -12355,6 +12368,12 @@
             <a:noFill/>
           </a:ln>
         </p:spPr>
+        <p:style>
+          <a:lnRef idx="0"/>
+          <a:fillRef idx="0"/>
+          <a:effectRef idx="0"/>
+          <a:fontRef idx="minor"/>
+        </p:style>
         <p:txBody>
           <a:bodyPr lIns="90000" rIns="90000" tIns="45000" bIns="45000"/>
           <a:p>
@@ -12395,14 +12414,14 @@
       </p:sp>
       <p:sp>
         <p:nvSpPr>
-          <p:cNvPr id="233" name="TextShape 29"/>
-          <p:cNvSpPr txBox="1"/>
+          <p:cNvPr id="233" name="CustomShape 29"/>
+          <p:cNvSpPr/>
           <p:nvPr/>
         </p:nvSpPr>
         <p:spPr>
           <a:xfrm>
             <a:off x="72000" y="1008000"/>
-            <a:ext cx="1904400" cy="602280"/>
+            <a:ext cx="1904040" cy="601920"/>
           </a:xfrm>
           <a:prstGeom prst="rect">
             <a:avLst/>
@@ -12412,6 +12431,12 @@
             <a:noFill/>
           </a:ln>
         </p:spPr>
+        <p:style>
+          <a:lnRef idx="0"/>
+          <a:fillRef idx="0"/>
+          <a:effectRef idx="0"/>
+          <a:fontRef idx="minor"/>
+        </p:style>
         <p:txBody>
           <a:bodyPr lIns="90000" rIns="90000" tIns="45000" bIns="45000"/>
           <a:p>
@@ -12436,14 +12461,14 @@
       </p:sp>
       <p:sp>
         <p:nvSpPr>
-          <p:cNvPr id="234" name="TextShape 30"/>
-          <p:cNvSpPr txBox="1"/>
+          <p:cNvPr id="234" name="CustomShape 30"/>
+          <p:cNvSpPr/>
           <p:nvPr/>
         </p:nvSpPr>
         <p:spPr>
           <a:xfrm>
             <a:off x="7916040" y="1008000"/>
-            <a:ext cx="1155960" cy="602280"/>
+            <a:ext cx="1155600" cy="601920"/>
           </a:xfrm>
           <a:prstGeom prst="rect">
             <a:avLst/>
@@ -12453,6 +12478,12 @@
             <a:noFill/>
           </a:ln>
         </p:spPr>
+        <p:style>
+          <a:lnRef idx="0"/>
+          <a:fillRef idx="0"/>
+          <a:effectRef idx="0"/>
+          <a:fontRef idx="minor"/>
+        </p:style>
         <p:txBody>
           <a:bodyPr lIns="90000" rIns="90000" tIns="45000" bIns="45000"/>
           <a:p>
@@ -12481,14 +12512,14 @@
       </p:sp>
       <p:sp>
         <p:nvSpPr>
-          <p:cNvPr id="235" name="TextShape 31"/>
-          <p:cNvSpPr txBox="1"/>
+          <p:cNvPr id="235" name="CustomShape 31"/>
+          <p:cNvSpPr/>
           <p:nvPr/>
         </p:nvSpPr>
         <p:spPr>
           <a:xfrm>
             <a:off x="7863120" y="3847320"/>
-            <a:ext cx="1155960" cy="602280"/>
+            <a:ext cx="1155600" cy="601920"/>
           </a:xfrm>
           <a:prstGeom prst="rect">
             <a:avLst/>
@@ -12498,6 +12529,12 @@
             <a:noFill/>
           </a:ln>
         </p:spPr>
+        <p:style>
+          <a:lnRef idx="0"/>
+          <a:fillRef idx="0"/>
+          <a:effectRef idx="0"/>
+          <a:fontRef idx="minor"/>
+        </p:style>
         <p:txBody>
           <a:bodyPr lIns="90000" rIns="90000" tIns="45000" bIns="45000"/>
           <a:p>
@@ -12526,14 +12563,14 @@
       </p:sp>
       <p:sp>
         <p:nvSpPr>
-          <p:cNvPr id="236" name="TextShape 32"/>
-          <p:cNvSpPr txBox="1"/>
+          <p:cNvPr id="236" name="CustomShape 32"/>
+          <p:cNvSpPr/>
           <p:nvPr/>
         </p:nvSpPr>
         <p:spPr>
           <a:xfrm>
             <a:off x="3763080" y="1255320"/>
-            <a:ext cx="2084040" cy="602280"/>
+            <a:ext cx="2083680" cy="601920"/>
           </a:xfrm>
           <a:prstGeom prst="rect">
             <a:avLst/>
@@ -12543,6 +12580,12 @@
             <a:noFill/>
           </a:ln>
         </p:spPr>
+        <p:style>
+          <a:lnRef idx="0"/>
+          <a:fillRef idx="0"/>
+          <a:effectRef idx="0"/>
+          <a:fontRef idx="minor"/>
+        </p:style>
         <p:txBody>
           <a:bodyPr lIns="90000" rIns="90000" tIns="45000" bIns="45000"/>
           <a:p>
@@ -12571,14 +12614,14 @@
       </p:sp>
       <p:sp>
         <p:nvSpPr>
-          <p:cNvPr id="237" name="TextShape 33"/>
-          <p:cNvSpPr txBox="1"/>
+          <p:cNvPr id="237" name="CustomShape 33"/>
+          <p:cNvSpPr/>
           <p:nvPr/>
         </p:nvSpPr>
         <p:spPr>
           <a:xfrm>
             <a:off x="4613040" y="2669760"/>
-            <a:ext cx="1434960" cy="858240"/>
+            <a:ext cx="1434600" cy="857880"/>
           </a:xfrm>
           <a:prstGeom prst="rect">
             <a:avLst/>
@@ -12588,6 +12631,12 @@
             <a:noFill/>
           </a:ln>
         </p:spPr>
+        <p:style>
+          <a:lnRef idx="0"/>
+          <a:fillRef idx="0"/>
+          <a:effectRef idx="0"/>
+          <a:fontRef idx="minor"/>
+        </p:style>
         <p:txBody>
           <a:bodyPr lIns="90000" rIns="90000" tIns="45000" bIns="45000"/>
           <a:p>
@@ -12651,14 +12700,14 @@
       </p:sp>
       <p:sp>
         <p:nvSpPr>
-          <p:cNvPr id="238" name="TextShape 34"/>
-          <p:cNvSpPr txBox="1"/>
+          <p:cNvPr id="238" name="CustomShape 34"/>
+          <p:cNvSpPr/>
           <p:nvPr/>
         </p:nvSpPr>
         <p:spPr>
           <a:xfrm>
             <a:off x="3672000" y="2245680"/>
-            <a:ext cx="676080" cy="346320"/>
+            <a:ext cx="675720" cy="345960"/>
           </a:xfrm>
           <a:prstGeom prst="rect">
             <a:avLst/>
@@ -12668,6 +12717,12 @@
             <a:noFill/>
           </a:ln>
         </p:spPr>
+        <p:style>
+          <a:lnRef idx="0"/>
+          <a:fillRef idx="0"/>
+          <a:effectRef idx="0"/>
+          <a:fontRef idx="minor"/>
+        </p:style>
         <p:txBody>
           <a:bodyPr lIns="90000" rIns="90000" tIns="45000" bIns="45000"/>
           <a:p>
@@ -12692,7 +12747,7 @@
         <p:spPr>
           <a:xfrm flipH="1">
             <a:off x="3456000" y="3600000"/>
-            <a:ext cx="3528000" cy="0"/>
+            <a:ext cx="3528000" cy="360"/>
           </a:xfrm>
           <a:prstGeom prst="line">
             <a:avLst/>
@@ -12701,7 +12756,6 @@
             <a:solidFill>
               <a:srgbClr val="000000"/>
             </a:solidFill>
-            <a:custDash/>
           </a:ln>
         </p:spPr>
         <p:style>
@@ -12741,14 +12795,14 @@
       </p:sp>
       <p:sp>
         <p:nvSpPr>
-          <p:cNvPr id="241" name="TextShape 37"/>
-          <p:cNvSpPr txBox="1"/>
+          <p:cNvPr id="241" name="CustomShape 37"/>
+          <p:cNvSpPr/>
           <p:nvPr/>
         </p:nvSpPr>
         <p:spPr>
           <a:xfrm>
             <a:off x="334080" y="3965760"/>
-            <a:ext cx="1892160" cy="1370160"/>
+            <a:ext cx="1891800" cy="1369800"/>
           </a:xfrm>
           <a:prstGeom prst="rect">
             <a:avLst/>
@@ -12758,6 +12812,12 @@
             <a:noFill/>
           </a:ln>
         </p:spPr>
+        <p:style>
+          <a:lnRef idx="0"/>
+          <a:fillRef idx="0"/>
+          <a:effectRef idx="0"/>
+          <a:fontRef idx="minor"/>
+        </p:style>
         <p:txBody>
           <a:bodyPr lIns="90000" rIns="90000" tIns="45000" bIns="45000"/>
           <a:p>
@@ -12868,7 +12928,7 @@
         <p:spPr>
           <a:xfrm>
             <a:off x="3572640" y="5097600"/>
-            <a:ext cx="334440" cy="287640"/>
+            <a:ext cx="334080" cy="287280"/>
           </a:xfrm>
           <a:prstGeom prst="ellipse">
             <a:avLst/>
@@ -12914,14 +12974,14 @@
       </p:sp>
       <p:sp>
         <p:nvSpPr>
-          <p:cNvPr id="244" name="TextShape 40"/>
-          <p:cNvSpPr txBox="1"/>
+          <p:cNvPr id="244" name="CustomShape 40"/>
+          <p:cNvSpPr/>
           <p:nvPr/>
         </p:nvSpPr>
         <p:spPr>
           <a:xfrm>
             <a:off x="3566520" y="4117680"/>
-            <a:ext cx="1401480" cy="602280"/>
+            <a:ext cx="1401120" cy="601920"/>
           </a:xfrm>
           <a:prstGeom prst="rect">
             <a:avLst/>
@@ -12931,6 +12991,12 @@
             <a:noFill/>
           </a:ln>
         </p:spPr>
+        <p:style>
+          <a:lnRef idx="0"/>
+          <a:fillRef idx="0"/>
+          <a:effectRef idx="0"/>
+          <a:fontRef idx="minor"/>
+        </p:style>
         <p:txBody>
           <a:bodyPr lIns="90000" rIns="90000" tIns="45000" bIns="45000"/>
           <a:p>
@@ -12940,7 +13006,7 @@
               </a:rPr>
               <a:t>vérif. jeton </a:t>
             </a:r>
-            <a:endParaRPr b="1" lang="fr-FR" sz="1800" spc="-1" strike="noStrike">
+            <a:endParaRPr b="0" lang="fr-FR" sz="1800" spc="-1" strike="noStrike">
               <a:latin typeface="Arial"/>
             </a:endParaRPr>
           </a:p>
@@ -12951,22 +13017,22 @@
               </a:rPr>
               <a:t>JWT valide</a:t>
             </a:r>
-            <a:endParaRPr b="1" lang="fr-FR" sz="1800" spc="-1" strike="noStrike">
-              <a:latin typeface="Arial"/>
-            </a:endParaRPr>
-          </a:p>
-        </p:txBody>
-      </p:sp>
-      <p:sp>
-        <p:nvSpPr>
-          <p:cNvPr id="245" name="TextShape 41"/>
-          <p:cNvSpPr txBox="1"/>
+            <a:endParaRPr b="0" lang="fr-FR" sz="1800" spc="-1" strike="noStrike">
+              <a:latin typeface="Arial"/>
+            </a:endParaRPr>
+          </a:p>
+        </p:txBody>
+      </p:sp>
+      <p:sp>
+        <p:nvSpPr>
+          <p:cNvPr id="245" name="CustomShape 41"/>
+          <p:cNvSpPr/>
           <p:nvPr/>
         </p:nvSpPr>
         <p:spPr>
           <a:xfrm>
             <a:off x="6302880" y="5373720"/>
-            <a:ext cx="2478960" cy="602280"/>
+            <a:ext cx="2478600" cy="601920"/>
           </a:xfrm>
           <a:prstGeom prst="rect">
             <a:avLst/>
@@ -12976,6 +13042,12 @@
             <a:noFill/>
           </a:ln>
         </p:spPr>
+        <p:style>
+          <a:lnRef idx="0"/>
+          <a:fillRef idx="0"/>
+          <a:effectRef idx="0"/>
+          <a:fontRef idx="minor"/>
+        </p:style>
         <p:txBody>
           <a:bodyPr lIns="90000" rIns="90000" tIns="45000" bIns="45000"/>
           <a:p>
@@ -13010,7 +13082,7 @@
               </a:rPr>
               <a:t>suffisants</a:t>
             </a:r>
-            <a:endParaRPr b="1" lang="fr-FR" sz="1800" spc="-1" strike="noStrike">
+            <a:endParaRPr b="0" lang="fr-FR" sz="1800" spc="-1" strike="noStrike">
               <a:latin typeface="Arial"/>
             </a:endParaRPr>
           </a:p>
@@ -13025,7 +13097,7 @@
         <p:spPr>
           <a:xfrm>
             <a:off x="7795080" y="4593600"/>
-            <a:ext cx="334440" cy="287640"/>
+            <a:ext cx="334080" cy="287280"/>
           </a:xfrm>
           <a:prstGeom prst="ellipse">
             <a:avLst/>
@@ -13078,7 +13150,7 @@
         <p:spPr>
           <a:xfrm>
             <a:off x="576000" y="3240000"/>
-            <a:ext cx="334440" cy="287640"/>
+            <a:ext cx="334080" cy="287280"/>
           </a:xfrm>
           <a:prstGeom prst="ellipse">
             <a:avLst/>
@@ -13124,14 +13196,14 @@
       </p:sp>
       <p:sp>
         <p:nvSpPr>
-          <p:cNvPr id="248" name="TextShape 44"/>
-          <p:cNvSpPr txBox="1"/>
+          <p:cNvPr id="248" name="CustomShape 44"/>
+          <p:cNvSpPr/>
           <p:nvPr/>
         </p:nvSpPr>
         <p:spPr>
           <a:xfrm>
             <a:off x="288000" y="6120000"/>
-            <a:ext cx="7799040" cy="602280"/>
+            <a:ext cx="7798680" cy="601920"/>
           </a:xfrm>
           <a:prstGeom prst="rect">
             <a:avLst/>
@@ -13141,6 +13213,12 @@
             <a:noFill/>
           </a:ln>
         </p:spPr>
+        <p:style>
+          <a:lnRef idx="0"/>
+          <a:fillRef idx="0"/>
+          <a:effectRef idx="0"/>
+          <a:fontRef idx="minor"/>
+        </p:style>
         <p:txBody>
           <a:bodyPr lIns="90000" rIns="90000" tIns="45000" bIns="45000"/>
           <a:p>
@@ -13204,7 +13282,7 @@
         <p:spPr>
           <a:xfrm>
             <a:off x="3121560" y="4032000"/>
-            <a:ext cx="334440" cy="287640"/>
+            <a:ext cx="334080" cy="287280"/>
           </a:xfrm>
           <a:prstGeom prst="ellipse">
             <a:avLst/>
@@ -13257,7 +13335,7 @@
         <p:spPr>
           <a:xfrm flipV="1">
             <a:off x="6984000" y="2304000"/>
-            <a:ext cx="0" cy="1296000"/>
+            <a:ext cx="360" cy="1296000"/>
           </a:xfrm>
           <a:prstGeom prst="line">
             <a:avLst/>
@@ -13266,7 +13344,6 @@
             <a:solidFill>
               <a:srgbClr val="000000"/>
             </a:solidFill>
-            <a:custDash/>
           </a:ln>
         </p:spPr>
         <p:style>
@@ -13278,14 +13355,14 @@
       </p:sp>
       <p:sp>
         <p:nvSpPr>
-          <p:cNvPr id="252" name="TextShape 48"/>
-          <p:cNvSpPr txBox="1"/>
+          <p:cNvPr id="252" name="CustomShape 48"/>
+          <p:cNvSpPr/>
           <p:nvPr/>
         </p:nvSpPr>
         <p:spPr>
           <a:xfrm>
             <a:off x="1368000" y="3181680"/>
-            <a:ext cx="676080" cy="346320"/>
+            <a:ext cx="675720" cy="345960"/>
           </a:xfrm>
           <a:prstGeom prst="rect">
             <a:avLst/>
@@ -13295,6 +13372,12 @@
             <a:noFill/>
           </a:ln>
         </p:spPr>
+        <p:style>
+          <a:lnRef idx="0"/>
+          <a:fillRef idx="0"/>
+          <a:effectRef idx="0"/>
+          <a:fontRef idx="minor"/>
+        </p:style>
         <p:txBody>
           <a:bodyPr lIns="90000" rIns="90000" tIns="45000" bIns="45000"/>
           <a:p>
@@ -13319,7 +13402,7 @@
         <p:spPr>
           <a:xfrm>
             <a:off x="2448000" y="4752000"/>
-            <a:ext cx="360000" cy="287640"/>
+            <a:ext cx="359640" cy="287280"/>
           </a:xfrm>
           <a:prstGeom prst="ellipse">
             <a:avLst/>
@@ -13421,7 +13504,7 @@
         <p:spPr>
           <a:xfrm>
             <a:off x="685800" y="2130480"/>
-            <a:ext cx="7772760" cy="2232720"/>
+            <a:ext cx="7772400" cy="2232360"/>
           </a:xfrm>
           <a:prstGeom prst="rect">
             <a:avLst/>
@@ -13447,7 +13530,7 @@
         <p:spPr>
           <a:xfrm>
             <a:off x="457560" y="116640"/>
-            <a:ext cx="8228520" cy="461520"/>
+            <a:ext cx="8228160" cy="461160"/>
           </a:xfrm>
           <a:prstGeom prst="rect">
             <a:avLst/>
@@ -13499,7 +13582,7 @@
         <p:spPr>
           <a:xfrm>
             <a:off x="688320" y="2130480"/>
-            <a:ext cx="7772760" cy="2232720"/>
+            <a:ext cx="7772400" cy="2232360"/>
           </a:xfrm>
           <a:prstGeom prst="rect">
             <a:avLst/>
@@ -13525,7 +13608,7 @@
         <p:spPr>
           <a:xfrm>
             <a:off x="398160" y="2062800"/>
-            <a:ext cx="286560" cy="358560"/>
+            <a:ext cx="286200" cy="358200"/>
           </a:xfrm>
           <a:prstGeom prst="smileyFace">
             <a:avLst>
@@ -13568,7 +13651,7 @@
         <p:spPr>
           <a:xfrm>
             <a:off x="398160" y="2494800"/>
-            <a:ext cx="286560" cy="214560"/>
+            <a:ext cx="286200" cy="214200"/>
           </a:xfrm>
           <a:prstGeom prst="heart">
             <a:avLst/>
@@ -13609,7 +13692,7 @@
         <p:spPr>
           <a:xfrm>
             <a:off x="756720" y="2101320"/>
-            <a:ext cx="286560" cy="358560"/>
+            <a:ext cx="286200" cy="358200"/>
           </a:xfrm>
           <a:prstGeom prst="smileyFace">
             <a:avLst>
@@ -13652,7 +13735,7 @@
         <p:spPr>
           <a:xfrm>
             <a:off x="756720" y="2533680"/>
-            <a:ext cx="286560" cy="214560"/>
+            <a:ext cx="286200" cy="214200"/>
           </a:xfrm>
           <a:prstGeom prst="heart">
             <a:avLst/>
@@ -13693,7 +13776,7 @@
         <p:spPr>
           <a:xfrm>
             <a:off x="550440" y="2215440"/>
-            <a:ext cx="286560" cy="358560"/>
+            <a:ext cx="286200" cy="358200"/>
           </a:xfrm>
           <a:prstGeom prst="smileyFace">
             <a:avLst>
@@ -13736,7 +13819,7 @@
         <p:spPr>
           <a:xfrm>
             <a:off x="550440" y="2647440"/>
-            <a:ext cx="286560" cy="214560"/>
+            <a:ext cx="286200" cy="214200"/>
           </a:xfrm>
           <a:prstGeom prst="heart">
             <a:avLst/>
@@ -13777,7 +13860,7 @@
         <p:spPr>
           <a:xfrm>
             <a:off x="218520" y="3024000"/>
-            <a:ext cx="933480" cy="935280"/>
+            <a:ext cx="933120" cy="934920"/>
           </a:xfrm>
           <a:prstGeom prst="rect">
             <a:avLst/>
@@ -13807,7 +13890,7 @@
         <p:spPr>
           <a:xfrm>
             <a:off x="434520" y="3168000"/>
-            <a:ext cx="933480" cy="935280"/>
+            <a:ext cx="933120" cy="934920"/>
           </a:xfrm>
           <a:prstGeom prst="rect">
             <a:avLst/>
@@ -13837,7 +13920,7 @@
         <p:spPr>
           <a:xfrm>
             <a:off x="4896000" y="1368000"/>
-            <a:ext cx="1872000" cy="762480"/>
+            <a:ext cx="1871640" cy="762120"/>
           </a:xfrm>
           <a:prstGeom prst="rect">
             <a:avLst/>
@@ -13871,9 +13954,6 @@
               <a:t>serveur A</a:t>
             </a:r>
             <a:endParaRPr b="0" lang="fr-FR" sz="1800" spc="-1" strike="noStrike">
-              <a:solidFill>
-                <a:srgbClr val="182f7c"/>
-              </a:solidFill>
               <a:latin typeface="Arial"/>
             </a:endParaRPr>
           </a:p>
@@ -13889,17 +13969,11 @@
               <a:t>(ex : springBoot)</a:t>
             </a:r>
             <a:endParaRPr b="0" lang="fr-FR" sz="1800" spc="-1" strike="noStrike">
-              <a:solidFill>
-                <a:srgbClr val="182f7c"/>
-              </a:solidFill>
               <a:latin typeface="Arial"/>
             </a:endParaRPr>
           </a:p>
           <a:p>
             <a:endParaRPr b="0" lang="fr-FR" sz="1800" spc="-1" strike="noStrike">
-              <a:solidFill>
-                <a:srgbClr val="182f7c"/>
-              </a:solidFill>
               <a:latin typeface="Arial"/>
             </a:endParaRPr>
           </a:p>
@@ -13914,7 +13988,7 @@
         <p:spPr>
           <a:xfrm>
             <a:off x="1584720" y="4536000"/>
-            <a:ext cx="1583280" cy="1296000"/>
+            <a:ext cx="1582920" cy="1295640"/>
           </a:xfrm>
           <a:custGeom>
             <a:avLst/>
@@ -14032,14 +14106,14 @@
       </p:sp>
       <p:sp>
         <p:nvSpPr>
-          <p:cNvPr id="267" name="TextShape 14"/>
-          <p:cNvSpPr txBox="1"/>
+          <p:cNvPr id="267" name="CustomShape 14"/>
+          <p:cNvSpPr/>
           <p:nvPr/>
         </p:nvSpPr>
         <p:spPr>
           <a:xfrm>
             <a:off x="146520" y="1224000"/>
-            <a:ext cx="1904400" cy="602280"/>
+            <a:ext cx="1904040" cy="601920"/>
           </a:xfrm>
           <a:prstGeom prst="rect">
             <a:avLst/>
@@ -14049,6 +14123,12 @@
             <a:noFill/>
           </a:ln>
         </p:spPr>
+        <p:style>
+          <a:lnRef idx="0"/>
+          <a:fillRef idx="0"/>
+          <a:effectRef idx="0"/>
+          <a:fontRef idx="minor"/>
+        </p:style>
         <p:txBody>
           <a:bodyPr lIns="90000" rIns="90000" tIns="45000" bIns="45000"/>
           <a:p>
@@ -14080,7 +14160,7 @@
         <p:spPr>
           <a:xfrm>
             <a:off x="4032000" y="3168720"/>
-            <a:ext cx="1656000" cy="1727280"/>
+            <a:ext cx="1655640" cy="1726920"/>
           </a:xfrm>
           <a:custGeom>
             <a:avLst/>
@@ -14160,7 +14240,7 @@
               </a:rPr>
               <a:t>serveur </a:t>
             </a:r>
-            <a:endParaRPr b="1" lang="fr-FR" sz="1800" spc="-1" strike="noStrike">
+            <a:endParaRPr b="0" lang="fr-FR" sz="1800" spc="-1" strike="noStrike">
               <a:latin typeface="Arial"/>
             </a:endParaRPr>
           </a:p>
@@ -14180,7 +14260,7 @@
               </a:rPr>
               <a:t>intermédiaire </a:t>
             </a:r>
-            <a:endParaRPr b="1" lang="fr-FR" sz="1800" spc="-1" strike="noStrike">
+            <a:endParaRPr b="0" lang="fr-FR" sz="1800" spc="-1" strike="noStrike">
               <a:latin typeface="Arial"/>
             </a:endParaRPr>
           </a:p>
@@ -14200,7 +14280,7 @@
               </a:rPr>
               <a:t>2</a:t>
             </a:r>
-            <a:endParaRPr b="1" lang="fr-FR" sz="1800" spc="-1" strike="noStrike">
+            <a:endParaRPr b="0" lang="fr-FR" sz="1800" spc="-1" strike="noStrike">
               <a:latin typeface="Arial"/>
             </a:endParaRPr>
           </a:p>
@@ -14220,7 +14300,7 @@
               </a:rPr>
               <a:t>(ex : nginx)</a:t>
             </a:r>
-            <a:endParaRPr b="1" lang="fr-FR" sz="1800" spc="-1" strike="noStrike">
+            <a:endParaRPr b="0" lang="fr-FR" sz="1800" spc="-1" strike="noStrike">
               <a:latin typeface="Arial"/>
             </a:endParaRPr>
           </a:p>
@@ -14235,7 +14315,7 @@
         <p:spPr>
           <a:xfrm>
             <a:off x="7200000" y="1368000"/>
-            <a:ext cx="1583280" cy="791280"/>
+            <a:ext cx="1582920" cy="790920"/>
           </a:xfrm>
           <a:prstGeom prst="rect">
             <a:avLst/>
@@ -14269,9 +14349,6 @@
               <a:t>serveur B</a:t>
             </a:r>
             <a:endParaRPr b="0" lang="fr-FR" sz="1800" spc="-1" strike="noStrike">
-              <a:solidFill>
-                <a:srgbClr val="182f7c"/>
-              </a:solidFill>
               <a:latin typeface="Arial"/>
             </a:endParaRPr>
           </a:p>
@@ -14287,17 +14364,11 @@
               <a:t>(ex : nodeJs)</a:t>
             </a:r>
             <a:endParaRPr b="0" lang="fr-FR" sz="1800" spc="-1" strike="noStrike">
-              <a:solidFill>
-                <a:srgbClr val="182f7c"/>
-              </a:solidFill>
               <a:latin typeface="Arial"/>
             </a:endParaRPr>
           </a:p>
           <a:p>
             <a:endParaRPr b="0" lang="fr-FR" sz="1800" spc="-1" strike="noStrike">
-              <a:solidFill>
-                <a:srgbClr val="182f7c"/>
-              </a:solidFill>
               <a:latin typeface="Arial"/>
             </a:endParaRPr>
           </a:p>
@@ -14312,7 +14383,7 @@
         <p:spPr>
           <a:xfrm>
             <a:off x="6696720" y="2923200"/>
-            <a:ext cx="1583280" cy="1036800"/>
+            <a:ext cx="1582920" cy="1036440"/>
           </a:xfrm>
           <a:custGeom>
             <a:avLst/>
@@ -14580,14 +14651,14 @@
       </p:sp>
       <p:sp>
         <p:nvSpPr>
-          <p:cNvPr id="276" name="TextShape 23"/>
-          <p:cNvSpPr txBox="1"/>
+          <p:cNvPr id="276" name="CustomShape 23"/>
+          <p:cNvSpPr/>
           <p:nvPr/>
         </p:nvSpPr>
         <p:spPr>
           <a:xfrm>
             <a:off x="1584000" y="3960000"/>
-            <a:ext cx="930600" cy="346320"/>
+            <a:ext cx="930240" cy="345960"/>
           </a:xfrm>
           <a:prstGeom prst="rect">
             <a:avLst/>
@@ -14597,6 +14668,12 @@
             <a:noFill/>
           </a:ln>
         </p:spPr>
+        <p:style>
+          <a:lnRef idx="0"/>
+          <a:fillRef idx="0"/>
+          <a:effectRef idx="0"/>
+          <a:fontRef idx="minor"/>
+        </p:style>
         <p:txBody>
           <a:bodyPr lIns="90000" rIns="90000" tIns="45000" bIns="45000"/>
           <a:p>
@@ -14610,24 +14687,21 @@
               <a:t>HTTPS</a:t>
             </a:r>
             <a:endParaRPr b="0" lang="fr-FR" sz="1800" spc="-1" strike="noStrike">
-              <a:solidFill>
-                <a:srgbClr val="0d1f63"/>
-              </a:solidFill>
-              <a:latin typeface="Arial"/>
-            </a:endParaRPr>
-          </a:p>
-        </p:txBody>
-      </p:sp>
-      <p:sp>
-        <p:nvSpPr>
-          <p:cNvPr id="277" name="TextShape 24"/>
-          <p:cNvSpPr txBox="1"/>
+              <a:latin typeface="Arial"/>
+            </a:endParaRPr>
+          </a:p>
+        </p:txBody>
+      </p:sp>
+      <p:sp>
+        <p:nvSpPr>
+          <p:cNvPr id="277" name="CustomShape 24"/>
+          <p:cNvSpPr/>
           <p:nvPr/>
         </p:nvSpPr>
         <p:spPr>
           <a:xfrm>
             <a:off x="3173400" y="4608000"/>
-            <a:ext cx="930600" cy="346320"/>
+            <a:ext cx="930240" cy="345960"/>
           </a:xfrm>
           <a:prstGeom prst="rect">
             <a:avLst/>
@@ -14637,6 +14711,12 @@
             <a:noFill/>
           </a:ln>
         </p:spPr>
+        <p:style>
+          <a:lnRef idx="0"/>
+          <a:fillRef idx="0"/>
+          <a:effectRef idx="0"/>
+          <a:fontRef idx="minor"/>
+        </p:style>
         <p:txBody>
           <a:bodyPr lIns="90000" rIns="90000" tIns="45000" bIns="45000"/>
           <a:p>
@@ -14650,24 +14730,21 @@
               <a:t>HTTPS</a:t>
             </a:r>
             <a:endParaRPr b="0" lang="fr-FR" sz="1800" spc="-1" strike="noStrike">
-              <a:solidFill>
-                <a:srgbClr val="0d1f63"/>
-              </a:solidFill>
-              <a:latin typeface="Arial"/>
-            </a:endParaRPr>
-          </a:p>
-        </p:txBody>
-      </p:sp>
-      <p:sp>
-        <p:nvSpPr>
-          <p:cNvPr id="278" name="TextShape 25"/>
-          <p:cNvSpPr txBox="1"/>
+              <a:latin typeface="Arial"/>
+            </a:endParaRPr>
+          </a:p>
+        </p:txBody>
+      </p:sp>
+      <p:sp>
+        <p:nvSpPr>
+          <p:cNvPr id="278" name="CustomShape 25"/>
+          <p:cNvSpPr/>
           <p:nvPr/>
         </p:nvSpPr>
         <p:spPr>
           <a:xfrm>
             <a:off x="5909400" y="4189680"/>
-            <a:ext cx="777960" cy="346320"/>
+            <a:ext cx="777600" cy="345960"/>
           </a:xfrm>
           <a:prstGeom prst="rect">
             <a:avLst/>
@@ -14677,6 +14754,12 @@
             <a:noFill/>
           </a:ln>
         </p:spPr>
+        <p:style>
+          <a:lnRef idx="0"/>
+          <a:fillRef idx="0"/>
+          <a:effectRef idx="0"/>
+          <a:fontRef idx="minor"/>
+        </p:style>
         <p:txBody>
           <a:bodyPr lIns="90000" rIns="90000" tIns="45000" bIns="45000"/>
           <a:p>
@@ -14690,24 +14773,21 @@
               <a:t>HTTP</a:t>
             </a:r>
             <a:endParaRPr b="0" lang="fr-FR" sz="1800" spc="-1" strike="noStrike">
-              <a:solidFill>
-                <a:srgbClr val="ce181e"/>
-              </a:solidFill>
-              <a:latin typeface="Arial"/>
-            </a:endParaRPr>
-          </a:p>
-        </p:txBody>
-      </p:sp>
-      <p:sp>
-        <p:nvSpPr>
-          <p:cNvPr id="279" name="TextShape 26"/>
-          <p:cNvSpPr txBox="1"/>
+              <a:latin typeface="Arial"/>
+            </a:endParaRPr>
+          </a:p>
+        </p:txBody>
+      </p:sp>
+      <p:sp>
+        <p:nvSpPr>
+          <p:cNvPr id="279" name="CustomShape 26"/>
+          <p:cNvSpPr/>
           <p:nvPr/>
         </p:nvSpPr>
         <p:spPr>
           <a:xfrm>
             <a:off x="5630040" y="2533680"/>
-            <a:ext cx="777960" cy="346320"/>
+            <a:ext cx="777600" cy="345960"/>
           </a:xfrm>
           <a:prstGeom prst="rect">
             <a:avLst/>
@@ -14717,6 +14797,12 @@
             <a:noFill/>
           </a:ln>
         </p:spPr>
+        <p:style>
+          <a:lnRef idx="0"/>
+          <a:fillRef idx="0"/>
+          <a:effectRef idx="0"/>
+          <a:fontRef idx="minor"/>
+        </p:style>
         <p:txBody>
           <a:bodyPr lIns="90000" rIns="90000" tIns="45000" bIns="45000"/>
           <a:p>
@@ -14730,24 +14816,21 @@
               <a:t>HTTP</a:t>
             </a:r>
             <a:endParaRPr b="0" lang="fr-FR" sz="1800" spc="-1" strike="noStrike">
-              <a:solidFill>
-                <a:srgbClr val="ce181e"/>
-              </a:solidFill>
-              <a:latin typeface="Arial"/>
-            </a:endParaRPr>
-          </a:p>
-        </p:txBody>
-      </p:sp>
-      <p:sp>
-        <p:nvSpPr>
-          <p:cNvPr id="280" name="TextShape 27"/>
-          <p:cNvSpPr txBox="1"/>
+              <a:latin typeface="Arial"/>
+            </a:endParaRPr>
+          </a:p>
+        </p:txBody>
+      </p:sp>
+      <p:sp>
+        <p:nvSpPr>
+          <p:cNvPr id="280" name="CustomShape 27"/>
+          <p:cNvSpPr/>
           <p:nvPr/>
         </p:nvSpPr>
         <p:spPr>
           <a:xfrm>
             <a:off x="8150040" y="2520000"/>
-            <a:ext cx="777960" cy="346320"/>
+            <a:ext cx="777600" cy="345960"/>
           </a:xfrm>
           <a:prstGeom prst="rect">
             <a:avLst/>
@@ -14757,6 +14840,12 @@
             <a:noFill/>
           </a:ln>
         </p:spPr>
+        <p:style>
+          <a:lnRef idx="0"/>
+          <a:fillRef idx="0"/>
+          <a:effectRef idx="0"/>
+          <a:fontRef idx="minor"/>
+        </p:style>
         <p:txBody>
           <a:bodyPr lIns="90000" rIns="90000" tIns="45000" bIns="45000"/>
           <a:p>
@@ -14770,9 +14859,6 @@
               <a:t>HTTP</a:t>
             </a:r>
             <a:endParaRPr b="0" lang="fr-FR" sz="1800" spc="-1" strike="noStrike">
-              <a:solidFill>
-                <a:srgbClr val="ce181e"/>
-              </a:solidFill>
               <a:latin typeface="Arial"/>
             </a:endParaRPr>
           </a:p>
@@ -14787,7 +14873,7 @@
         <p:spPr>
           <a:xfrm>
             <a:off x="5976000" y="5112000"/>
-            <a:ext cx="2016000" cy="720000"/>
+            <a:ext cx="2015640" cy="719640"/>
           </a:xfrm>
           <a:prstGeom prst="rect">
             <a:avLst/>
@@ -14808,16 +14894,28 @@
         <p:txBody>
           <a:bodyPr wrap="none" lIns="90000" rIns="90000" tIns="45000" bIns="45000" anchor="ctr"/>
           <a:p>
-            <a:pPr algn="ctr"/>
+            <a:pPr algn="ctr">
+              <a:lnSpc>
+                <a:spcPct val="100000"/>
+              </a:lnSpc>
+            </a:pPr>
             <a:r>
               <a:rPr b="1" lang="fr-FR" sz="1800" spc="-1" strike="noStrike">
-                <a:latin typeface="Arial"/>
+                <a:solidFill>
+                  <a:srgbClr val="000000"/>
+                </a:solidFill>
+                <a:latin typeface="Arial"/>
+                <a:ea typeface="DejaVu Sans"/>
               </a:rPr>
               <a:t>certificats</a:t>
             </a:r>
             <a:r>
               <a:rPr b="0" lang="fr-FR" sz="1800" spc="-1" strike="noStrike">
-                <a:latin typeface="Arial"/>
+                <a:solidFill>
+                  <a:srgbClr val="000000"/>
+                </a:solidFill>
+                <a:latin typeface="Arial"/>
+                <a:ea typeface="DejaVu Sans"/>
               </a:rPr>
               <a:t> officiels</a:t>
             </a:r>
@@ -14826,10 +14924,18 @@
             </a:endParaRPr>
           </a:p>
           <a:p>
-            <a:pPr algn="ctr"/>
+            <a:pPr algn="ctr">
+              <a:lnSpc>
+                <a:spcPct val="100000"/>
+              </a:lnSpc>
+            </a:pPr>
             <a:r>
               <a:rPr b="1" lang="fr-FR" sz="1800" spc="-1" strike="noStrike">
-                <a:latin typeface="Arial"/>
+                <a:solidFill>
+                  <a:srgbClr val="000000"/>
+                </a:solidFill>
+                <a:latin typeface="Arial"/>
+                <a:ea typeface="DejaVu Sans"/>
               </a:rPr>
               <a:t>configurés</a:t>
             </a:r>
@@ -14896,14 +15002,14 @@
       </p:sp>
       <p:sp>
         <p:nvSpPr>
-          <p:cNvPr id="284" name="TextShape 31"/>
-          <p:cNvSpPr txBox="1"/>
+          <p:cNvPr id="284" name="CustomShape 31"/>
+          <p:cNvSpPr/>
           <p:nvPr/>
         </p:nvSpPr>
         <p:spPr>
           <a:xfrm>
             <a:off x="3530520" y="5688000"/>
-            <a:ext cx="3021480" cy="858240"/>
+            <a:ext cx="3021120" cy="857880"/>
           </a:xfrm>
           <a:prstGeom prst="rect">
             <a:avLst/>
@@ -14913,6 +15019,12 @@
             <a:noFill/>
           </a:ln>
         </p:spPr>
+        <p:style>
+          <a:lnRef idx="0"/>
+          <a:fillRef idx="0"/>
+          <a:effectRef idx="0"/>
+          <a:fontRef idx="minor"/>
+        </p:style>
         <p:txBody>
           <a:bodyPr lIns="90000" rIns="90000" tIns="45000" bIns="45000"/>
           <a:p>
@@ -14926,9 +15038,6 @@
               <a:t>terminaison ssl</a:t>
             </a:r>
             <a:endParaRPr b="0" lang="fr-FR" sz="1800" spc="-1" strike="noStrike">
-              <a:solidFill>
-                <a:srgbClr val="ce181e"/>
-              </a:solidFill>
               <a:latin typeface="Arial"/>
             </a:endParaRPr>
           </a:p>
@@ -14943,9 +15052,6 @@
               <a:t>(là ou s'arrête le cryptage </a:t>
             </a:r>
             <a:endParaRPr b="0" lang="fr-FR" sz="1800" spc="-1" strike="noStrike">
-              <a:solidFill>
-                <a:srgbClr val="ce181e"/>
-              </a:solidFill>
               <a:latin typeface="Arial"/>
             </a:endParaRPr>
           </a:p>
@@ -14960,24 +15066,21 @@
               <a:t>des requêtes/réponses http)</a:t>
             </a:r>
             <a:endParaRPr b="0" lang="fr-FR" sz="1800" spc="-1" strike="noStrike">
-              <a:solidFill>
-                <a:srgbClr val="ce181e"/>
-              </a:solidFill>
-              <a:latin typeface="Arial"/>
-            </a:endParaRPr>
-          </a:p>
-        </p:txBody>
-      </p:sp>
-      <p:sp>
-        <p:nvSpPr>
-          <p:cNvPr id="285" name="TextShape 32"/>
-          <p:cNvSpPr txBox="1"/>
+              <a:latin typeface="Arial"/>
+            </a:endParaRPr>
+          </a:p>
+        </p:txBody>
+      </p:sp>
+      <p:sp>
+        <p:nvSpPr>
+          <p:cNvPr id="285" name="CustomShape 32"/>
+          <p:cNvSpPr/>
           <p:nvPr/>
         </p:nvSpPr>
         <p:spPr>
           <a:xfrm>
             <a:off x="216000" y="6264000"/>
-            <a:ext cx="1860120" cy="346320"/>
+            <a:ext cx="1859760" cy="345960"/>
           </a:xfrm>
           <a:prstGeom prst="rect">
             <a:avLst/>
@@ -14987,6 +15090,12 @@
             <a:noFill/>
           </a:ln>
         </p:spPr>
+        <p:style>
+          <a:lnRef idx="0"/>
+          <a:fillRef idx="0"/>
+          <a:effectRef idx="0"/>
+          <a:fontRef idx="minor"/>
+        </p:style>
         <p:txBody>
           <a:bodyPr lIns="90000" rIns="90000" tIns="45000" bIns="45000"/>
           <a:p>
@@ -15060,7 +15169,7 @@
         <p:spPr>
           <a:xfrm>
             <a:off x="685800" y="2130480"/>
-            <a:ext cx="7772760" cy="2232720"/>
+            <a:ext cx="7772400" cy="2232360"/>
           </a:xfrm>
           <a:prstGeom prst="rect">
             <a:avLst/>
@@ -15086,7 +15195,7 @@
         <p:spPr>
           <a:xfrm>
             <a:off x="457560" y="116640"/>
-            <a:ext cx="8228520" cy="461520"/>
+            <a:ext cx="8228160" cy="461160"/>
           </a:xfrm>
           <a:prstGeom prst="rect">
             <a:avLst/>
@@ -15142,7 +15251,7 @@
         <p:spPr>
           <a:xfrm>
             <a:off x="825120" y="961200"/>
-            <a:ext cx="7454880" cy="5590800"/>
+            <a:ext cx="7454520" cy="5590440"/>
           </a:xfrm>
           <a:prstGeom prst="rect">
             <a:avLst/>
@@ -15210,7 +15319,7 @@
         <p:spPr>
           <a:xfrm>
             <a:off x="685800" y="2130480"/>
-            <a:ext cx="7772760" cy="2232720"/>
+            <a:ext cx="7772400" cy="2232360"/>
           </a:xfrm>
           <a:prstGeom prst="rect">
             <a:avLst/>
@@ -15236,7 +15345,7 @@
         <p:spPr>
           <a:xfrm>
             <a:off x="457560" y="116640"/>
-            <a:ext cx="8228520" cy="461520"/>
+            <a:ext cx="8228160" cy="461160"/>
           </a:xfrm>
           <a:prstGeom prst="rect">
             <a:avLst/>
@@ -15281,14 +15390,14 @@
       </p:sp>
       <p:sp>
         <p:nvSpPr>
-          <p:cNvPr id="291" name="TextShape 3"/>
-          <p:cNvSpPr txBox="1"/>
+          <p:cNvPr id="291" name="CustomShape 3"/>
+          <p:cNvSpPr/>
           <p:nvPr/>
         </p:nvSpPr>
         <p:spPr>
           <a:xfrm>
             <a:off x="360000" y="864000"/>
-            <a:ext cx="8170920" cy="4168440"/>
+            <a:ext cx="8170560" cy="4168080"/>
           </a:xfrm>
           <a:prstGeom prst="rect">
             <a:avLst/>
@@ -15298,6 +15407,12 @@
             <a:noFill/>
           </a:ln>
         </p:spPr>
+        <p:style>
+          <a:lnRef idx="0"/>
+          <a:fillRef idx="0"/>
+          <a:effectRef idx="0"/>
+          <a:fontRef idx="minor"/>
+        </p:style>
         <p:txBody>
           <a:bodyPr lIns="90000" rIns="90000" tIns="45000" bIns="45000"/>
           <a:p>

--- a/docs/infrastructures_cloud_et_microservices.pptx
+++ b/docs/infrastructures_cloud_et_microservices.pptx
@@ -2016,7 +2016,7 @@
       </p:grpSpPr>
       <p:sp>
         <p:nvSpPr>
-          <p:cNvPr id="81" name="PlaceHolder 1"/>
+          <p:cNvPr id="78" name="PlaceHolder 1"/>
           <p:cNvSpPr>
             <a:spLocks noGrp="1"/>
           </p:cNvSpPr>
@@ -2045,7 +2045,7 @@
       </p:sp>
       <p:sp>
         <p:nvSpPr>
-          <p:cNvPr id="82" name="PlaceHolder 2"/>
+          <p:cNvPr id="79" name="PlaceHolder 2"/>
           <p:cNvSpPr>
             <a:spLocks noGrp="1"/>
           </p:cNvSpPr>
@@ -2096,7 +2096,7 @@
       </p:grpSpPr>
       <p:sp>
         <p:nvSpPr>
-          <p:cNvPr id="83" name="PlaceHolder 1"/>
+          <p:cNvPr id="80" name="PlaceHolder 1"/>
           <p:cNvSpPr>
             <a:spLocks noGrp="1"/>
           </p:cNvSpPr>
@@ -2125,7 +2125,7 @@
       </p:sp>
       <p:sp>
         <p:nvSpPr>
-          <p:cNvPr id="84" name="PlaceHolder 2"/>
+          <p:cNvPr id="81" name="PlaceHolder 2"/>
           <p:cNvSpPr>
             <a:spLocks noGrp="1"/>
           </p:cNvSpPr>
@@ -2177,7 +2177,7 @@
       </p:grpSpPr>
       <p:sp>
         <p:nvSpPr>
-          <p:cNvPr id="85" name="PlaceHolder 1"/>
+          <p:cNvPr id="82" name="PlaceHolder 1"/>
           <p:cNvSpPr>
             <a:spLocks noGrp="1"/>
           </p:cNvSpPr>
@@ -2206,7 +2206,7 @@
       </p:sp>
       <p:sp>
         <p:nvSpPr>
-          <p:cNvPr id="86" name="PlaceHolder 2"/>
+          <p:cNvPr id="83" name="PlaceHolder 2"/>
           <p:cNvSpPr>
             <a:spLocks noGrp="1"/>
           </p:cNvSpPr>
@@ -2236,7 +2236,7 @@
       </p:sp>
       <p:sp>
         <p:nvSpPr>
-          <p:cNvPr id="87" name="PlaceHolder 3"/>
+          <p:cNvPr id="84" name="PlaceHolder 3"/>
           <p:cNvSpPr>
             <a:spLocks noGrp="1"/>
           </p:cNvSpPr>
@@ -2288,7 +2288,7 @@
       </p:grpSpPr>
       <p:sp>
         <p:nvSpPr>
-          <p:cNvPr id="88" name="PlaceHolder 1"/>
+          <p:cNvPr id="85" name="PlaceHolder 1"/>
           <p:cNvSpPr>
             <a:spLocks noGrp="1"/>
           </p:cNvSpPr>
@@ -2420,7 +2420,7 @@
       </p:grpSpPr>
       <p:sp>
         <p:nvSpPr>
-          <p:cNvPr id="89" name="PlaceHolder 1"/>
+          <p:cNvPr id="86" name="PlaceHolder 1"/>
           <p:cNvSpPr>
             <a:spLocks noGrp="1"/>
           </p:cNvSpPr>
@@ -2471,7 +2471,7 @@
       </p:grpSpPr>
       <p:sp>
         <p:nvSpPr>
-          <p:cNvPr id="90" name="PlaceHolder 1"/>
+          <p:cNvPr id="87" name="PlaceHolder 1"/>
           <p:cNvSpPr>
             <a:spLocks noGrp="1"/>
           </p:cNvSpPr>
@@ -2500,7 +2500,7 @@
       </p:sp>
       <p:sp>
         <p:nvSpPr>
-          <p:cNvPr id="91" name="PlaceHolder 2"/>
+          <p:cNvPr id="88" name="PlaceHolder 2"/>
           <p:cNvSpPr>
             <a:spLocks noGrp="1"/>
           </p:cNvSpPr>
@@ -2530,7 +2530,7 @@
       </p:sp>
       <p:sp>
         <p:nvSpPr>
-          <p:cNvPr id="92" name="PlaceHolder 3"/>
+          <p:cNvPr id="89" name="PlaceHolder 3"/>
           <p:cNvSpPr>
             <a:spLocks noGrp="1"/>
           </p:cNvSpPr>
@@ -2560,7 +2560,7 @@
       </p:sp>
       <p:sp>
         <p:nvSpPr>
-          <p:cNvPr id="93" name="PlaceHolder 4"/>
+          <p:cNvPr id="90" name="PlaceHolder 4"/>
           <p:cNvSpPr>
             <a:spLocks noGrp="1"/>
           </p:cNvSpPr>
@@ -2612,7 +2612,7 @@
       </p:grpSpPr>
       <p:sp>
         <p:nvSpPr>
-          <p:cNvPr id="94" name="PlaceHolder 1"/>
+          <p:cNvPr id="91" name="PlaceHolder 1"/>
           <p:cNvSpPr>
             <a:spLocks noGrp="1"/>
           </p:cNvSpPr>
@@ -2641,7 +2641,7 @@
       </p:sp>
       <p:sp>
         <p:nvSpPr>
-          <p:cNvPr id="95" name="PlaceHolder 2"/>
+          <p:cNvPr id="92" name="PlaceHolder 2"/>
           <p:cNvSpPr>
             <a:spLocks noGrp="1"/>
           </p:cNvSpPr>
@@ -2671,7 +2671,7 @@
       </p:sp>
       <p:sp>
         <p:nvSpPr>
-          <p:cNvPr id="96" name="PlaceHolder 3"/>
+          <p:cNvPr id="93" name="PlaceHolder 3"/>
           <p:cNvSpPr>
             <a:spLocks noGrp="1"/>
           </p:cNvSpPr>
@@ -2701,7 +2701,7 @@
       </p:sp>
       <p:sp>
         <p:nvSpPr>
-          <p:cNvPr id="97" name="PlaceHolder 4"/>
+          <p:cNvPr id="94" name="PlaceHolder 4"/>
           <p:cNvSpPr>
             <a:spLocks noGrp="1"/>
           </p:cNvSpPr>
@@ -2753,7 +2753,7 @@
       </p:grpSpPr>
       <p:sp>
         <p:nvSpPr>
-          <p:cNvPr id="98" name="PlaceHolder 1"/>
+          <p:cNvPr id="95" name="PlaceHolder 1"/>
           <p:cNvSpPr>
             <a:spLocks noGrp="1"/>
           </p:cNvSpPr>
@@ -2782,7 +2782,7 @@
       </p:sp>
       <p:sp>
         <p:nvSpPr>
-          <p:cNvPr id="99" name="PlaceHolder 2"/>
+          <p:cNvPr id="96" name="PlaceHolder 2"/>
           <p:cNvSpPr>
             <a:spLocks noGrp="1"/>
           </p:cNvSpPr>
@@ -2812,7 +2812,7 @@
       </p:sp>
       <p:sp>
         <p:nvSpPr>
-          <p:cNvPr id="100" name="PlaceHolder 3"/>
+          <p:cNvPr id="97" name="PlaceHolder 3"/>
           <p:cNvSpPr>
             <a:spLocks noGrp="1"/>
           </p:cNvSpPr>
@@ -2842,7 +2842,7 @@
       </p:sp>
       <p:sp>
         <p:nvSpPr>
-          <p:cNvPr id="101" name="PlaceHolder 4"/>
+          <p:cNvPr id="98" name="PlaceHolder 4"/>
           <p:cNvSpPr>
             <a:spLocks noGrp="1"/>
           </p:cNvSpPr>
@@ -2894,7 +2894,7 @@
       </p:grpSpPr>
       <p:sp>
         <p:nvSpPr>
-          <p:cNvPr id="102" name="PlaceHolder 1"/>
+          <p:cNvPr id="99" name="PlaceHolder 1"/>
           <p:cNvSpPr>
             <a:spLocks noGrp="1"/>
           </p:cNvSpPr>
@@ -2923,7 +2923,7 @@
       </p:sp>
       <p:sp>
         <p:nvSpPr>
-          <p:cNvPr id="103" name="PlaceHolder 2"/>
+          <p:cNvPr id="100" name="PlaceHolder 2"/>
           <p:cNvSpPr>
             <a:spLocks noGrp="1"/>
           </p:cNvSpPr>
@@ -2953,7 +2953,7 @@
       </p:sp>
       <p:sp>
         <p:nvSpPr>
-          <p:cNvPr id="104" name="PlaceHolder 3"/>
+          <p:cNvPr id="101" name="PlaceHolder 3"/>
           <p:cNvSpPr>
             <a:spLocks noGrp="1"/>
           </p:cNvSpPr>
@@ -3005,7 +3005,7 @@
       </p:grpSpPr>
       <p:sp>
         <p:nvSpPr>
-          <p:cNvPr id="105" name="PlaceHolder 1"/>
+          <p:cNvPr id="102" name="PlaceHolder 1"/>
           <p:cNvSpPr>
             <a:spLocks noGrp="1"/>
           </p:cNvSpPr>
@@ -3034,7 +3034,7 @@
       </p:sp>
       <p:sp>
         <p:nvSpPr>
-          <p:cNvPr id="106" name="PlaceHolder 2"/>
+          <p:cNvPr id="103" name="PlaceHolder 2"/>
           <p:cNvSpPr>
             <a:spLocks noGrp="1"/>
           </p:cNvSpPr>
@@ -3064,7 +3064,7 @@
       </p:sp>
       <p:sp>
         <p:nvSpPr>
-          <p:cNvPr id="107" name="PlaceHolder 3"/>
+          <p:cNvPr id="104" name="PlaceHolder 3"/>
           <p:cNvSpPr>
             <a:spLocks noGrp="1"/>
           </p:cNvSpPr>
@@ -3094,7 +3094,7 @@
       </p:sp>
       <p:sp>
         <p:nvSpPr>
-          <p:cNvPr id="108" name="PlaceHolder 4"/>
+          <p:cNvPr id="105" name="PlaceHolder 4"/>
           <p:cNvSpPr>
             <a:spLocks noGrp="1"/>
           </p:cNvSpPr>
@@ -3124,7 +3124,7 @@
       </p:sp>
       <p:sp>
         <p:nvSpPr>
-          <p:cNvPr id="109" name="PlaceHolder 5"/>
+          <p:cNvPr id="106" name="PlaceHolder 5"/>
           <p:cNvSpPr>
             <a:spLocks noGrp="1"/>
           </p:cNvSpPr>
@@ -3176,7 +3176,7 @@
       </p:grpSpPr>
       <p:sp>
         <p:nvSpPr>
-          <p:cNvPr id="110" name="PlaceHolder 1"/>
+          <p:cNvPr id="107" name="PlaceHolder 1"/>
           <p:cNvSpPr>
             <a:spLocks noGrp="1"/>
           </p:cNvSpPr>
@@ -3205,7 +3205,7 @@
       </p:sp>
       <p:sp>
         <p:nvSpPr>
-          <p:cNvPr id="111" name="PlaceHolder 2"/>
+          <p:cNvPr id="108" name="PlaceHolder 2"/>
           <p:cNvSpPr>
             <a:spLocks noGrp="1"/>
           </p:cNvSpPr>
@@ -3235,7 +3235,7 @@
       </p:sp>
       <p:sp>
         <p:nvSpPr>
-          <p:cNvPr id="112" name="PlaceHolder 3"/>
+          <p:cNvPr id="109" name="PlaceHolder 3"/>
           <p:cNvSpPr>
             <a:spLocks noGrp="1"/>
           </p:cNvSpPr>
@@ -3265,7 +3265,7 @@
       </p:sp>
       <p:sp>
         <p:nvSpPr>
-          <p:cNvPr id="113" name="PlaceHolder 4"/>
+          <p:cNvPr id="110" name="PlaceHolder 4"/>
           <p:cNvSpPr>
             <a:spLocks noGrp="1"/>
           </p:cNvSpPr>
@@ -3295,7 +3295,7 @@
       </p:sp>
       <p:sp>
         <p:nvSpPr>
-          <p:cNvPr id="114" name="PlaceHolder 5"/>
+          <p:cNvPr id="111" name="PlaceHolder 5"/>
           <p:cNvSpPr>
             <a:spLocks noGrp="1"/>
           </p:cNvSpPr>
@@ -3325,7 +3325,7 @@
       </p:sp>
       <p:sp>
         <p:nvSpPr>
-          <p:cNvPr id="115" name="PlaceHolder 6"/>
+          <p:cNvPr id="112" name="PlaceHolder 6"/>
           <p:cNvSpPr>
             <a:spLocks noGrp="1"/>
           </p:cNvSpPr>
@@ -3355,7 +3355,7 @@
       </p:sp>
       <p:sp>
         <p:nvSpPr>
-          <p:cNvPr id="116" name="PlaceHolder 7"/>
+          <p:cNvPr id="113" name="PlaceHolder 7"/>
           <p:cNvSpPr>
             <a:spLocks noGrp="1"/>
           </p:cNvSpPr>
@@ -3429,7 +3429,7 @@
       </p:grpSpPr>
       <p:sp>
         <p:nvSpPr>
-          <p:cNvPr id="122" name="PlaceHolder 1"/>
+          <p:cNvPr id="116" name="PlaceHolder 1"/>
           <p:cNvSpPr>
             <a:spLocks noGrp="1"/>
           </p:cNvSpPr>
@@ -3458,7 +3458,7 @@
       </p:sp>
       <p:sp>
         <p:nvSpPr>
-          <p:cNvPr id="123" name="PlaceHolder 2"/>
+          <p:cNvPr id="117" name="PlaceHolder 2"/>
           <p:cNvSpPr>
             <a:spLocks noGrp="1"/>
           </p:cNvSpPr>
@@ -3509,7 +3509,7 @@
       </p:grpSpPr>
       <p:sp>
         <p:nvSpPr>
-          <p:cNvPr id="124" name="PlaceHolder 1"/>
+          <p:cNvPr id="118" name="PlaceHolder 1"/>
           <p:cNvSpPr>
             <a:spLocks noGrp="1"/>
           </p:cNvSpPr>
@@ -3538,7 +3538,7 @@
       </p:sp>
       <p:sp>
         <p:nvSpPr>
-          <p:cNvPr id="125" name="PlaceHolder 2"/>
+          <p:cNvPr id="119" name="PlaceHolder 2"/>
           <p:cNvSpPr>
             <a:spLocks noGrp="1"/>
           </p:cNvSpPr>
@@ -3701,7 +3701,7 @@
       </p:grpSpPr>
       <p:sp>
         <p:nvSpPr>
-          <p:cNvPr id="126" name="PlaceHolder 1"/>
+          <p:cNvPr id="120" name="PlaceHolder 1"/>
           <p:cNvSpPr>
             <a:spLocks noGrp="1"/>
           </p:cNvSpPr>
@@ -3730,7 +3730,7 @@
       </p:sp>
       <p:sp>
         <p:nvSpPr>
-          <p:cNvPr id="127" name="PlaceHolder 2"/>
+          <p:cNvPr id="121" name="PlaceHolder 2"/>
           <p:cNvSpPr>
             <a:spLocks noGrp="1"/>
           </p:cNvSpPr>
@@ -3760,7 +3760,7 @@
       </p:sp>
       <p:sp>
         <p:nvSpPr>
-          <p:cNvPr id="128" name="PlaceHolder 3"/>
+          <p:cNvPr id="122" name="PlaceHolder 3"/>
           <p:cNvSpPr>
             <a:spLocks noGrp="1"/>
           </p:cNvSpPr>
@@ -3812,7 +3812,7 @@
       </p:grpSpPr>
       <p:sp>
         <p:nvSpPr>
-          <p:cNvPr id="129" name="PlaceHolder 1"/>
+          <p:cNvPr id="123" name="PlaceHolder 1"/>
           <p:cNvSpPr>
             <a:spLocks noGrp="1"/>
           </p:cNvSpPr>
@@ -3863,7 +3863,7 @@
       </p:grpSpPr>
       <p:sp>
         <p:nvSpPr>
-          <p:cNvPr id="130" name="PlaceHolder 1"/>
+          <p:cNvPr id="124" name="PlaceHolder 1"/>
           <p:cNvSpPr>
             <a:spLocks noGrp="1"/>
           </p:cNvSpPr>
@@ -3914,7 +3914,7 @@
       </p:grpSpPr>
       <p:sp>
         <p:nvSpPr>
-          <p:cNvPr id="131" name="PlaceHolder 1"/>
+          <p:cNvPr id="125" name="PlaceHolder 1"/>
           <p:cNvSpPr>
             <a:spLocks noGrp="1"/>
           </p:cNvSpPr>
@@ -3943,7 +3943,7 @@
       </p:sp>
       <p:sp>
         <p:nvSpPr>
-          <p:cNvPr id="132" name="PlaceHolder 2"/>
+          <p:cNvPr id="126" name="PlaceHolder 2"/>
           <p:cNvSpPr>
             <a:spLocks noGrp="1"/>
           </p:cNvSpPr>
@@ -3973,7 +3973,7 @@
       </p:sp>
       <p:sp>
         <p:nvSpPr>
-          <p:cNvPr id="133" name="PlaceHolder 3"/>
+          <p:cNvPr id="127" name="PlaceHolder 3"/>
           <p:cNvSpPr>
             <a:spLocks noGrp="1"/>
           </p:cNvSpPr>
@@ -4003,7 +4003,7 @@
       </p:sp>
       <p:sp>
         <p:nvSpPr>
-          <p:cNvPr id="134" name="PlaceHolder 4"/>
+          <p:cNvPr id="128" name="PlaceHolder 4"/>
           <p:cNvSpPr>
             <a:spLocks noGrp="1"/>
           </p:cNvSpPr>
@@ -4055,7 +4055,7 @@
       </p:grpSpPr>
       <p:sp>
         <p:nvSpPr>
-          <p:cNvPr id="135" name="PlaceHolder 1"/>
+          <p:cNvPr id="129" name="PlaceHolder 1"/>
           <p:cNvSpPr>
             <a:spLocks noGrp="1"/>
           </p:cNvSpPr>
@@ -4084,7 +4084,7 @@
       </p:sp>
       <p:sp>
         <p:nvSpPr>
-          <p:cNvPr id="136" name="PlaceHolder 2"/>
+          <p:cNvPr id="130" name="PlaceHolder 2"/>
           <p:cNvSpPr>
             <a:spLocks noGrp="1"/>
           </p:cNvSpPr>
@@ -4114,7 +4114,7 @@
       </p:sp>
       <p:sp>
         <p:nvSpPr>
-          <p:cNvPr id="137" name="PlaceHolder 3"/>
+          <p:cNvPr id="131" name="PlaceHolder 3"/>
           <p:cNvSpPr>
             <a:spLocks noGrp="1"/>
           </p:cNvSpPr>
@@ -4144,7 +4144,7 @@
       </p:sp>
       <p:sp>
         <p:nvSpPr>
-          <p:cNvPr id="138" name="PlaceHolder 4"/>
+          <p:cNvPr id="132" name="PlaceHolder 4"/>
           <p:cNvSpPr>
             <a:spLocks noGrp="1"/>
           </p:cNvSpPr>
@@ -4196,7 +4196,7 @@
       </p:grpSpPr>
       <p:sp>
         <p:nvSpPr>
-          <p:cNvPr id="139" name="PlaceHolder 1"/>
+          <p:cNvPr id="133" name="PlaceHolder 1"/>
           <p:cNvSpPr>
             <a:spLocks noGrp="1"/>
           </p:cNvSpPr>
@@ -4225,7 +4225,7 @@
       </p:sp>
       <p:sp>
         <p:nvSpPr>
-          <p:cNvPr id="140" name="PlaceHolder 2"/>
+          <p:cNvPr id="134" name="PlaceHolder 2"/>
           <p:cNvSpPr>
             <a:spLocks noGrp="1"/>
           </p:cNvSpPr>
@@ -4255,7 +4255,7 @@
       </p:sp>
       <p:sp>
         <p:nvSpPr>
-          <p:cNvPr id="141" name="PlaceHolder 3"/>
+          <p:cNvPr id="135" name="PlaceHolder 3"/>
           <p:cNvSpPr>
             <a:spLocks noGrp="1"/>
           </p:cNvSpPr>
@@ -4285,7 +4285,7 @@
       </p:sp>
       <p:sp>
         <p:nvSpPr>
-          <p:cNvPr id="142" name="PlaceHolder 4"/>
+          <p:cNvPr id="136" name="PlaceHolder 4"/>
           <p:cNvSpPr>
             <a:spLocks noGrp="1"/>
           </p:cNvSpPr>
@@ -4337,7 +4337,7 @@
       </p:grpSpPr>
       <p:sp>
         <p:nvSpPr>
-          <p:cNvPr id="143" name="PlaceHolder 1"/>
+          <p:cNvPr id="137" name="PlaceHolder 1"/>
           <p:cNvSpPr>
             <a:spLocks noGrp="1"/>
           </p:cNvSpPr>
@@ -4366,7 +4366,7 @@
       </p:sp>
       <p:sp>
         <p:nvSpPr>
-          <p:cNvPr id="144" name="PlaceHolder 2"/>
+          <p:cNvPr id="138" name="PlaceHolder 2"/>
           <p:cNvSpPr>
             <a:spLocks noGrp="1"/>
           </p:cNvSpPr>
@@ -4396,7 +4396,7 @@
       </p:sp>
       <p:sp>
         <p:nvSpPr>
-          <p:cNvPr id="145" name="PlaceHolder 3"/>
+          <p:cNvPr id="139" name="PlaceHolder 3"/>
           <p:cNvSpPr>
             <a:spLocks noGrp="1"/>
           </p:cNvSpPr>
@@ -4448,7 +4448,7 @@
       </p:grpSpPr>
       <p:sp>
         <p:nvSpPr>
-          <p:cNvPr id="146" name="PlaceHolder 1"/>
+          <p:cNvPr id="140" name="PlaceHolder 1"/>
           <p:cNvSpPr>
             <a:spLocks noGrp="1"/>
           </p:cNvSpPr>
@@ -4477,7 +4477,7 @@
       </p:sp>
       <p:sp>
         <p:nvSpPr>
-          <p:cNvPr id="147" name="PlaceHolder 2"/>
+          <p:cNvPr id="141" name="PlaceHolder 2"/>
           <p:cNvSpPr>
             <a:spLocks noGrp="1"/>
           </p:cNvSpPr>
@@ -4507,7 +4507,7 @@
       </p:sp>
       <p:sp>
         <p:nvSpPr>
-          <p:cNvPr id="148" name="PlaceHolder 3"/>
+          <p:cNvPr id="142" name="PlaceHolder 3"/>
           <p:cNvSpPr>
             <a:spLocks noGrp="1"/>
           </p:cNvSpPr>
@@ -4537,7 +4537,7 @@
       </p:sp>
       <p:sp>
         <p:nvSpPr>
-          <p:cNvPr id="149" name="PlaceHolder 4"/>
+          <p:cNvPr id="143" name="PlaceHolder 4"/>
           <p:cNvSpPr>
             <a:spLocks noGrp="1"/>
           </p:cNvSpPr>
@@ -4567,7 +4567,7 @@
       </p:sp>
       <p:sp>
         <p:nvSpPr>
-          <p:cNvPr id="150" name="PlaceHolder 5"/>
+          <p:cNvPr id="144" name="PlaceHolder 5"/>
           <p:cNvSpPr>
             <a:spLocks noGrp="1"/>
           </p:cNvSpPr>
@@ -4619,7 +4619,7 @@
       </p:grpSpPr>
       <p:sp>
         <p:nvSpPr>
-          <p:cNvPr id="151" name="PlaceHolder 1"/>
+          <p:cNvPr id="145" name="PlaceHolder 1"/>
           <p:cNvSpPr>
             <a:spLocks noGrp="1"/>
           </p:cNvSpPr>
@@ -4648,7 +4648,7 @@
       </p:sp>
       <p:sp>
         <p:nvSpPr>
-          <p:cNvPr id="152" name="PlaceHolder 2"/>
+          <p:cNvPr id="146" name="PlaceHolder 2"/>
           <p:cNvSpPr>
             <a:spLocks noGrp="1"/>
           </p:cNvSpPr>
@@ -4678,7 +4678,7 @@
       </p:sp>
       <p:sp>
         <p:nvSpPr>
-          <p:cNvPr id="153" name="PlaceHolder 3"/>
+          <p:cNvPr id="147" name="PlaceHolder 3"/>
           <p:cNvSpPr>
             <a:spLocks noGrp="1"/>
           </p:cNvSpPr>
@@ -4708,7 +4708,7 @@
       </p:sp>
       <p:sp>
         <p:nvSpPr>
-          <p:cNvPr id="154" name="PlaceHolder 4"/>
+          <p:cNvPr id="148" name="PlaceHolder 4"/>
           <p:cNvSpPr>
             <a:spLocks noGrp="1"/>
           </p:cNvSpPr>
@@ -4738,7 +4738,7 @@
       </p:sp>
       <p:sp>
         <p:nvSpPr>
-          <p:cNvPr id="155" name="PlaceHolder 5"/>
+          <p:cNvPr id="149" name="PlaceHolder 5"/>
           <p:cNvSpPr>
             <a:spLocks noGrp="1"/>
           </p:cNvSpPr>
@@ -4768,7 +4768,7 @@
       </p:sp>
       <p:sp>
         <p:nvSpPr>
-          <p:cNvPr id="156" name="PlaceHolder 6"/>
+          <p:cNvPr id="150" name="PlaceHolder 6"/>
           <p:cNvSpPr>
             <a:spLocks noGrp="1"/>
           </p:cNvSpPr>
@@ -4798,7 +4798,7 @@
       </p:sp>
       <p:sp>
         <p:nvSpPr>
-          <p:cNvPr id="157" name="PlaceHolder 7"/>
+          <p:cNvPr id="151" name="PlaceHolder 7"/>
           <p:cNvSpPr>
             <a:spLocks noGrp="1"/>
           </p:cNvSpPr>
@@ -5908,8 +5908,8 @@
         </p:nvSpPr>
         <p:spPr>
           <a:xfrm>
-            <a:off x="456120" y="274320"/>
-            <a:ext cx="8199720" cy="1115280"/>
+            <a:off x="457200" y="273600"/>
+            <a:ext cx="8228880" cy="1144440"/>
           </a:xfrm>
           <a:prstGeom prst="rect">
             <a:avLst/>
@@ -5918,21 +5918,14 @@
         <p:txBody>
           <a:bodyPr lIns="0" rIns="0" tIns="0" bIns="0" anchor="ctr"/>
           <a:p>
-            <a:pPr algn="ctr"/>
-            <a:r>
-              <a:rPr b="0" lang="fr-FR" sz="7680" spc="-1" strike="noStrike">
-                <a:solidFill>
-                  <a:srgbClr val="000000"/>
-                </a:solidFill>
-                <a:latin typeface="Times New Roman"/>
+            <a:r>
+              <a:rPr b="0" lang="fr-FR" sz="1800" spc="-1" strike="noStrike">
+                <a:latin typeface="Arial"/>
               </a:rPr>
               <a:t>Cliquez pour éditer le format du texte-titre</a:t>
             </a:r>
-            <a:endParaRPr b="0" lang="fr-FR" sz="7680" spc="-1" strike="noStrike">
-              <a:solidFill>
-                <a:srgbClr val="000000"/>
-              </a:solidFill>
-              <a:latin typeface="Times New Roman"/>
+            <a:endParaRPr b="0" lang="fr-FR" sz="1800" spc="-1" strike="noStrike">
+              <a:latin typeface="Arial"/>
             </a:endParaRPr>
           </a:p>
         </p:txBody>
@@ -5949,319 +5942,169 @@
         </p:nvSpPr>
         <p:spPr>
           <a:xfrm>
-            <a:off x="456120" y="1603440"/>
-            <a:ext cx="8199720" cy="3949560"/>
-          </a:xfrm>
-          <a:prstGeom prst="rect">
-            <a:avLst/>
-          </a:prstGeom>
-        </p:spPr>
-        <p:txBody>
-          <a:bodyPr lIns="0" rIns="0" tIns="29160" bIns="0">
+            <a:off x="457200" y="1604520"/>
+            <a:ext cx="8228880" cy="3976920"/>
+          </a:xfrm>
+          <a:prstGeom prst="rect">
+            <a:avLst/>
+          </a:prstGeom>
+        </p:spPr>
+        <p:txBody>
+          <a:bodyPr lIns="0" rIns="0" tIns="0" bIns="0">
             <a:normAutofit/>
           </a:bodyPr>
           <a:p>
-            <a:pPr marL="410400" indent="-410400">
-              <a:spcAft>
-                <a:spcPts val="2455"/>
-              </a:spcAft>
-            </a:pPr>
-            <a:r>
-              <a:rPr b="0" lang="fr-FR" sz="5520" spc="-1" strike="noStrike">
-                <a:solidFill>
-                  <a:srgbClr val="000000"/>
-                </a:solidFill>
-                <a:latin typeface="Times New Roman"/>
-              </a:rPr>
-              <a:t>Cliquez pour éditer le format du plan de texte</a:t>
-            </a:r>
-            <a:endParaRPr b="0" lang="fr-FR" sz="5520" spc="-1" strike="noStrike">
-              <a:solidFill>
-                <a:srgbClr val="000000"/>
-              </a:solidFill>
-              <a:latin typeface="Times New Roman"/>
-            </a:endParaRPr>
-          </a:p>
-          <a:p>
-            <a:pPr lvl="1" marL="410400" indent="-410400">
-              <a:spcAft>
-                <a:spcPts val="2455"/>
-              </a:spcAft>
+            <a:pPr marL="432000" indent="-324000">
+              <a:spcBef>
+                <a:spcPts val="1417"/>
+              </a:spcBef>
               <a:buClr>
                 <a:srgbClr val="000000"/>
               </a:buClr>
-              <a:buFont typeface="Times New Roman"/>
-              <a:buChar char="–"/>
+              <a:buSzPct val="45000"/>
+              <a:buFont typeface="Wingdings" charset="2"/>
+              <a:buChar char=""/>
             </a:pPr>
             <a:r>
-              <a:rPr b="0" lang="fr-FR" sz="5520" spc="-1" strike="noStrike">
-                <a:solidFill>
-                  <a:srgbClr val="000000"/>
-                </a:solidFill>
-                <a:latin typeface="Times New Roman"/>
-              </a:rPr>
-              <a:t>Second niveau de plan</a:t>
-            </a:r>
-            <a:endParaRPr b="0" lang="fr-FR" sz="5520" spc="-1" strike="noStrike">
-              <a:solidFill>
-                <a:srgbClr val="000000"/>
-              </a:solidFill>
-              <a:latin typeface="Times New Roman"/>
-            </a:endParaRPr>
-          </a:p>
-          <a:p>
-            <a:pPr lvl="2" marL="410400" indent="-410400">
-              <a:spcAft>
-                <a:spcPts val="2455"/>
-              </a:spcAft>
+              <a:rPr b="0" lang="fr-FR" sz="1800" spc="-1" strike="noStrike">
+                <a:latin typeface="Arial"/>
+              </a:rPr>
+              <a:t>Cliquez pour éditer le format du plan de texte</a:t>
+            </a:r>
+            <a:endParaRPr b="0" lang="fr-FR" sz="1800" spc="-1" strike="noStrike">
+              <a:latin typeface="Arial"/>
+            </a:endParaRPr>
+          </a:p>
+          <a:p>
+            <a:pPr lvl="1" marL="864000" indent="-324000">
+              <a:spcBef>
+                <a:spcPts val="1134"/>
+              </a:spcBef>
               <a:buClr>
                 <a:srgbClr val="000000"/>
               </a:buClr>
-              <a:buFont typeface="Times New Roman"/>
-              <a:buChar char="•"/>
+              <a:buSzPct val="75000"/>
+              <a:buFont typeface="Symbol" charset="2"/>
+              <a:buChar char=""/>
             </a:pPr>
             <a:r>
-              <a:rPr b="0" lang="fr-FR" sz="5520" spc="-1" strike="noStrike">
-                <a:solidFill>
-                  <a:srgbClr val="000000"/>
-                </a:solidFill>
-                <a:latin typeface="Times New Roman"/>
-              </a:rPr>
-              <a:t>Troisième niveau de plan</a:t>
-            </a:r>
-            <a:endParaRPr b="0" lang="fr-FR" sz="5520" spc="-1" strike="noStrike">
-              <a:solidFill>
-                <a:srgbClr val="000000"/>
-              </a:solidFill>
-              <a:latin typeface="Times New Roman"/>
-            </a:endParaRPr>
-          </a:p>
-          <a:p>
-            <a:pPr lvl="3" marL="410400" indent="-410400">
-              <a:spcAft>
-                <a:spcPts val="2455"/>
-              </a:spcAft>
+              <a:rPr b="0" lang="fr-FR" sz="1800" spc="-1" strike="noStrike">
+                <a:latin typeface="Arial"/>
+              </a:rPr>
+              <a:t>Second niveau de plan</a:t>
+            </a:r>
+            <a:endParaRPr b="0" lang="fr-FR" sz="1800" spc="-1" strike="noStrike">
+              <a:latin typeface="Arial"/>
+            </a:endParaRPr>
+          </a:p>
+          <a:p>
+            <a:pPr lvl="2" marL="1296000" indent="-288000">
+              <a:spcBef>
+                <a:spcPts val="850"/>
+              </a:spcBef>
               <a:buClr>
                 <a:srgbClr val="000000"/>
               </a:buClr>
-              <a:buFont typeface="Times New Roman"/>
-              <a:buChar char="–"/>
+              <a:buSzPct val="45000"/>
+              <a:buFont typeface="Wingdings" charset="2"/>
+              <a:buChar char=""/>
             </a:pPr>
             <a:r>
-              <a:rPr b="0" lang="fr-FR" sz="5520" spc="-1" strike="noStrike">
-                <a:solidFill>
-                  <a:srgbClr val="000000"/>
-                </a:solidFill>
-                <a:latin typeface="Times New Roman"/>
-              </a:rPr>
-              <a:t>Quatrième niveau de plan</a:t>
-            </a:r>
-            <a:endParaRPr b="0" lang="fr-FR" sz="5520" spc="-1" strike="noStrike">
-              <a:solidFill>
-                <a:srgbClr val="000000"/>
-              </a:solidFill>
-              <a:latin typeface="Times New Roman"/>
-            </a:endParaRPr>
-          </a:p>
-          <a:p>
-            <a:pPr lvl="4" marL="410400" indent="-410400">
-              <a:spcAft>
-                <a:spcPts val="2455"/>
-              </a:spcAft>
+              <a:rPr b="0" lang="fr-FR" sz="1800" spc="-1" strike="noStrike">
+                <a:latin typeface="Arial"/>
+              </a:rPr>
+              <a:t>Troisième niveau de plan</a:t>
+            </a:r>
+            <a:endParaRPr b="0" lang="fr-FR" sz="1800" spc="-1" strike="noStrike">
+              <a:latin typeface="Arial"/>
+            </a:endParaRPr>
+          </a:p>
+          <a:p>
+            <a:pPr lvl="3" marL="1728000" indent="-216000">
+              <a:spcBef>
+                <a:spcPts val="567"/>
+              </a:spcBef>
               <a:buClr>
                 <a:srgbClr val="000000"/>
               </a:buClr>
-              <a:buFont typeface="Times New Roman"/>
-              <a:buChar char="»"/>
+              <a:buSzPct val="75000"/>
+              <a:buFont typeface="Symbol" charset="2"/>
+              <a:buChar char=""/>
             </a:pPr>
             <a:r>
-              <a:rPr b="0" lang="fr-FR" sz="5520" spc="-1" strike="noStrike">
-                <a:solidFill>
-                  <a:srgbClr val="000000"/>
-                </a:solidFill>
-                <a:latin typeface="Times New Roman"/>
-              </a:rPr>
-              <a:t>Cinquième niveau de plan</a:t>
-            </a:r>
-            <a:endParaRPr b="0" lang="fr-FR" sz="5520" spc="-1" strike="noStrike">
-              <a:solidFill>
-                <a:srgbClr val="000000"/>
-              </a:solidFill>
-              <a:latin typeface="Times New Roman"/>
-            </a:endParaRPr>
-          </a:p>
-          <a:p>
-            <a:pPr lvl="5" marL="410400" indent="-410400">
-              <a:spcAft>
-                <a:spcPts val="2455"/>
-              </a:spcAft>
+              <a:rPr b="0" lang="fr-FR" sz="1800" spc="-1" strike="noStrike">
+                <a:latin typeface="Arial"/>
+              </a:rPr>
+              <a:t>Quatrième niveau de plan</a:t>
+            </a:r>
+            <a:endParaRPr b="0" lang="fr-FR" sz="1800" spc="-1" strike="noStrike">
+              <a:latin typeface="Arial"/>
+            </a:endParaRPr>
+          </a:p>
+          <a:p>
+            <a:pPr lvl="4" marL="2160000" indent="-216000">
+              <a:spcBef>
+                <a:spcPts val="283"/>
+              </a:spcBef>
               <a:buClr>
                 <a:srgbClr val="000000"/>
               </a:buClr>
-              <a:buFont typeface="Times New Roman"/>
-              <a:buChar char="»"/>
+              <a:buSzPct val="45000"/>
+              <a:buFont typeface="Wingdings" charset="2"/>
+              <a:buChar char=""/>
             </a:pPr>
             <a:r>
-              <a:rPr b="0" lang="fr-FR" sz="5520" spc="-1" strike="noStrike">
-                <a:solidFill>
-                  <a:srgbClr val="000000"/>
-                </a:solidFill>
-                <a:latin typeface="Times New Roman"/>
-              </a:rPr>
-              <a:t>Sixième niveau de plan</a:t>
-            </a:r>
-            <a:endParaRPr b="0" lang="fr-FR" sz="5520" spc="-1" strike="noStrike">
-              <a:solidFill>
-                <a:srgbClr val="000000"/>
-              </a:solidFill>
-              <a:latin typeface="Times New Roman"/>
-            </a:endParaRPr>
-          </a:p>
-          <a:p>
-            <a:pPr lvl="6" marL="410400" indent="-410400">
-              <a:spcAft>
-                <a:spcPts val="2455"/>
-              </a:spcAft>
+              <a:rPr b="0" lang="fr-FR" sz="1800" spc="-1" strike="noStrike">
+                <a:latin typeface="Arial"/>
+              </a:rPr>
+              <a:t>Cinquième niveau de plan</a:t>
+            </a:r>
+            <a:endParaRPr b="0" lang="fr-FR" sz="1800" spc="-1" strike="noStrike">
+              <a:latin typeface="Arial"/>
+            </a:endParaRPr>
+          </a:p>
+          <a:p>
+            <a:pPr lvl="5" marL="2592000" indent="-216000">
+              <a:spcBef>
+                <a:spcPts val="283"/>
+              </a:spcBef>
               <a:buClr>
                 <a:srgbClr val="000000"/>
               </a:buClr>
-              <a:buFont typeface="Times New Roman"/>
-              <a:buChar char="»"/>
+              <a:buSzPct val="45000"/>
+              <a:buFont typeface="Wingdings" charset="2"/>
+              <a:buChar char=""/>
             </a:pPr>
             <a:r>
-              <a:rPr b="0" lang="fr-FR" sz="5520" spc="-1" strike="noStrike">
-                <a:solidFill>
-                  <a:srgbClr val="000000"/>
-                </a:solidFill>
-                <a:latin typeface="Times New Roman"/>
+              <a:rPr b="0" lang="fr-FR" sz="1800" spc="-1" strike="noStrike">
+                <a:latin typeface="Arial"/>
+              </a:rPr>
+              <a:t>Sixième niveau de plan</a:t>
+            </a:r>
+            <a:endParaRPr b="0" lang="fr-FR" sz="1800" spc="-1" strike="noStrike">
+              <a:latin typeface="Arial"/>
+            </a:endParaRPr>
+          </a:p>
+          <a:p>
+            <a:pPr lvl="6" marL="3024000" indent="-216000">
+              <a:spcBef>
+                <a:spcPts val="283"/>
+              </a:spcBef>
+              <a:buClr>
+                <a:srgbClr val="000000"/>
+              </a:buClr>
+              <a:buSzPct val="45000"/>
+              <a:buFont typeface="Wingdings" charset="2"/>
+              <a:buChar char=""/>
+            </a:pPr>
+            <a:r>
+              <a:rPr b="0" lang="fr-FR" sz="1800" spc="-1" strike="noStrike">
+                <a:latin typeface="Arial"/>
               </a:rPr>
               <a:t>Septième niveau de plan</a:t>
             </a:r>
-            <a:endParaRPr b="0" lang="fr-FR" sz="5520" spc="-1" strike="noStrike">
-              <a:solidFill>
-                <a:srgbClr val="000000"/>
-              </a:solidFill>
-              <a:latin typeface="Times New Roman"/>
-            </a:endParaRPr>
-          </a:p>
-        </p:txBody>
-      </p:sp>
-      <p:sp>
-        <p:nvSpPr>
-          <p:cNvPr id="78" name="PlaceHolder 3"/>
-          <p:cNvSpPr>
-            <a:spLocks noGrp="1"/>
-          </p:cNvSpPr>
-          <p:nvPr>
-            <p:ph type="dt"/>
-          </p:nvPr>
-        </p:nvSpPr>
-        <p:spPr>
-          <a:xfrm>
-            <a:off x="456120" y="6248160"/>
-            <a:ext cx="2102040" cy="443520"/>
-          </a:xfrm>
-          <a:prstGeom prst="rect">
-            <a:avLst/>
-          </a:prstGeom>
-        </p:spPr>
-        <p:txBody>
-          <a:bodyPr lIns="0" rIns="0" tIns="0" bIns="0"/>
-          <a:p>
-            <a:pPr>
-              <a:lnSpc>
-                <a:spcPct val="95000"/>
-              </a:lnSpc>
-            </a:pPr>
-            <a:r>
-              <a:rPr b="0" lang="fr-FR" sz="1400" spc="-1" strike="noStrike">
-                <a:latin typeface="Times New Roman"/>
-                <a:ea typeface="Segoe UI"/>
-              </a:rPr>
-              <a:t> </a:t>
-            </a:r>
-            <a:endParaRPr b="0" lang="fr-FR" sz="1400" spc="-1" strike="noStrike">
-              <a:latin typeface="Times New Roman"/>
-            </a:endParaRPr>
-          </a:p>
-        </p:txBody>
-      </p:sp>
-      <p:sp>
-        <p:nvSpPr>
-          <p:cNvPr id="79" name="PlaceHolder 4"/>
-          <p:cNvSpPr>
-            <a:spLocks noGrp="1"/>
-          </p:cNvSpPr>
-          <p:nvPr>
-            <p:ph type="ftr"/>
-          </p:nvPr>
-        </p:nvSpPr>
-        <p:spPr>
-          <a:xfrm>
-            <a:off x="3125520" y="6248160"/>
-            <a:ext cx="2868840" cy="443520"/>
-          </a:xfrm>
-          <a:prstGeom prst="rect">
-            <a:avLst/>
-          </a:prstGeom>
-        </p:spPr>
-        <p:txBody>
-          <a:bodyPr lIns="0" rIns="0" tIns="0" bIns="0"/>
-          <a:p>
-            <a:pPr algn="ctr">
-              <a:lnSpc>
-                <a:spcPct val="95000"/>
-              </a:lnSpc>
-            </a:pPr>
-            <a:r>
-              <a:rPr b="0" lang="fr-FR" sz="1400" spc="-1" strike="noStrike">
-                <a:latin typeface="Times New Roman"/>
-                <a:ea typeface="Segoe UI"/>
-              </a:rPr>
-              <a:t> </a:t>
-            </a:r>
-            <a:endParaRPr b="0" lang="fr-FR" sz="1400" spc="-1" strike="noStrike">
-              <a:latin typeface="Times New Roman"/>
-            </a:endParaRPr>
-          </a:p>
-        </p:txBody>
-      </p:sp>
-      <p:sp>
-        <p:nvSpPr>
-          <p:cNvPr id="80" name="PlaceHolder 5"/>
-          <p:cNvSpPr>
-            <a:spLocks noGrp="1"/>
-          </p:cNvSpPr>
-          <p:nvPr>
-            <p:ph type="sldNum"/>
-          </p:nvPr>
-        </p:nvSpPr>
-        <p:spPr>
-          <a:xfrm>
-            <a:off x="6556320" y="6248160"/>
-            <a:ext cx="2101680" cy="443520"/>
-          </a:xfrm>
-          <a:prstGeom prst="rect">
-            <a:avLst/>
-          </a:prstGeom>
-        </p:spPr>
-        <p:txBody>
-          <a:bodyPr lIns="0" rIns="0" tIns="0" bIns="0"/>
-          <a:p>
-            <a:pPr algn="r">
-              <a:lnSpc>
-                <a:spcPct val="95000"/>
-              </a:lnSpc>
-            </a:pPr>
-            <a:fld id="{91CF3AAC-F9C4-440A-AF1C-37F42F3D1107}" type="slidenum">
-              <a:rPr b="0" lang="fr-FR" sz="1400" spc="-1" strike="noStrike">
-                <a:latin typeface="Times New Roman"/>
-                <a:ea typeface="Segoe UI"/>
-              </a:rPr>
-              <a:t>1</a:t>
-            </a:fld>
-            <a:endParaRPr b="0" lang="fr-FR" sz="1400" spc="-1" strike="noStrike">
-              <a:latin typeface="Times New Roman"/>
+            <a:endParaRPr b="0" lang="fr-FR" sz="1800" spc="-1" strike="noStrike">
+              <a:latin typeface="Arial"/>
             </a:endParaRPr>
           </a:p>
         </p:txBody>
@@ -6312,7 +6155,7 @@
       </p:grpSpPr>
       <p:sp>
         <p:nvSpPr>
-          <p:cNvPr id="117" name="PlaceHolder 1"/>
+          <p:cNvPr id="114" name="PlaceHolder 1"/>
           <p:cNvSpPr>
             <a:spLocks noGrp="1"/>
           </p:cNvSpPr>
@@ -6322,8 +6165,8 @@
         </p:nvSpPr>
         <p:spPr>
           <a:xfrm>
-            <a:off x="456120" y="274320"/>
-            <a:ext cx="8209440" cy="1124640"/>
+            <a:off x="457200" y="273600"/>
+            <a:ext cx="8228880" cy="1144440"/>
           </a:xfrm>
           <a:prstGeom prst="rect">
             <a:avLst/>
@@ -6332,28 +6175,21 @@
         <p:txBody>
           <a:bodyPr lIns="0" rIns="0" tIns="0" bIns="0" anchor="ctr"/>
           <a:p>
-            <a:pPr algn="ctr"/>
-            <a:r>
-              <a:rPr b="0" lang="fr-FR" sz="7680" spc="-1" strike="noStrike">
-                <a:solidFill>
-                  <a:srgbClr val="000000"/>
-                </a:solidFill>
-                <a:latin typeface="Times New Roman"/>
+            <a:r>
+              <a:rPr b="0" lang="fr-FR" sz="1800" spc="-1" strike="noStrike">
+                <a:latin typeface="Arial"/>
               </a:rPr>
               <a:t>Cliquez pour éditer le format du texte-titre</a:t>
             </a:r>
-            <a:endParaRPr b="0" lang="fr-FR" sz="7680" spc="-1" strike="noStrike">
-              <a:solidFill>
-                <a:srgbClr val="000000"/>
-              </a:solidFill>
-              <a:latin typeface="Times New Roman"/>
-            </a:endParaRPr>
-          </a:p>
-        </p:txBody>
-      </p:sp>
-      <p:sp>
-        <p:nvSpPr>
-          <p:cNvPr id="118" name="PlaceHolder 2"/>
+            <a:endParaRPr b="0" lang="fr-FR" sz="1800" spc="-1" strike="noStrike">
+              <a:latin typeface="Arial"/>
+            </a:endParaRPr>
+          </a:p>
+        </p:txBody>
+      </p:sp>
+      <p:sp>
+        <p:nvSpPr>
+          <p:cNvPr id="115" name="PlaceHolder 2"/>
           <p:cNvSpPr>
             <a:spLocks noGrp="1"/>
           </p:cNvSpPr>
@@ -6363,319 +6199,169 @@
         </p:nvSpPr>
         <p:spPr>
           <a:xfrm>
-            <a:off x="456120" y="1603440"/>
-            <a:ext cx="8209440" cy="3958920"/>
-          </a:xfrm>
-          <a:prstGeom prst="rect">
-            <a:avLst/>
-          </a:prstGeom>
-        </p:spPr>
-        <p:txBody>
-          <a:bodyPr lIns="0" rIns="0" tIns="29160" bIns="0">
+            <a:off x="457200" y="1604520"/>
+            <a:ext cx="8228880" cy="3976920"/>
+          </a:xfrm>
+          <a:prstGeom prst="rect">
+            <a:avLst/>
+          </a:prstGeom>
+        </p:spPr>
+        <p:txBody>
+          <a:bodyPr lIns="0" rIns="0" tIns="0" bIns="0">
             <a:normAutofit/>
           </a:bodyPr>
           <a:p>
-            <a:pPr marL="410400" indent="-410400">
-              <a:spcAft>
-                <a:spcPts val="2455"/>
-              </a:spcAft>
-            </a:pPr>
-            <a:r>
-              <a:rPr b="0" lang="fr-FR" sz="5520" spc="-1" strike="noStrike">
-                <a:solidFill>
-                  <a:srgbClr val="000000"/>
-                </a:solidFill>
-                <a:latin typeface="Times New Roman"/>
-              </a:rPr>
-              <a:t>Cliquez pour éditer le format du plan de texte</a:t>
-            </a:r>
-            <a:endParaRPr b="0" lang="fr-FR" sz="5520" spc="-1" strike="noStrike">
-              <a:solidFill>
-                <a:srgbClr val="000000"/>
-              </a:solidFill>
-              <a:latin typeface="Times New Roman"/>
-            </a:endParaRPr>
-          </a:p>
-          <a:p>
-            <a:pPr lvl="1" marL="410400" indent="-410400">
-              <a:spcAft>
-                <a:spcPts val="2455"/>
-              </a:spcAft>
+            <a:pPr marL="432000" indent="-324000">
+              <a:spcBef>
+                <a:spcPts val="1417"/>
+              </a:spcBef>
               <a:buClr>
                 <a:srgbClr val="000000"/>
               </a:buClr>
-              <a:buFont typeface="Times New Roman"/>
-              <a:buChar char="–"/>
+              <a:buSzPct val="45000"/>
+              <a:buFont typeface="Wingdings" charset="2"/>
+              <a:buChar char=""/>
             </a:pPr>
             <a:r>
-              <a:rPr b="0" lang="fr-FR" sz="5520" spc="-1" strike="noStrike">
-                <a:solidFill>
-                  <a:srgbClr val="000000"/>
-                </a:solidFill>
-                <a:latin typeface="Times New Roman"/>
-              </a:rPr>
-              <a:t>Second niveau de plan</a:t>
-            </a:r>
-            <a:endParaRPr b="0" lang="fr-FR" sz="5520" spc="-1" strike="noStrike">
-              <a:solidFill>
-                <a:srgbClr val="000000"/>
-              </a:solidFill>
-              <a:latin typeface="Times New Roman"/>
-            </a:endParaRPr>
-          </a:p>
-          <a:p>
-            <a:pPr lvl="2" marL="410400" indent="-410400">
-              <a:spcAft>
-                <a:spcPts val="2455"/>
-              </a:spcAft>
+              <a:rPr b="0" lang="fr-FR" sz="1800" spc="-1" strike="noStrike">
+                <a:latin typeface="Arial"/>
+              </a:rPr>
+              <a:t>Cliquez pour éditer le format du plan de texte</a:t>
+            </a:r>
+            <a:endParaRPr b="0" lang="fr-FR" sz="1800" spc="-1" strike="noStrike">
+              <a:latin typeface="Arial"/>
+            </a:endParaRPr>
+          </a:p>
+          <a:p>
+            <a:pPr lvl="1" marL="864000" indent="-324000">
+              <a:spcBef>
+                <a:spcPts val="1134"/>
+              </a:spcBef>
               <a:buClr>
                 <a:srgbClr val="000000"/>
               </a:buClr>
-              <a:buFont typeface="Times New Roman"/>
-              <a:buChar char="•"/>
+              <a:buSzPct val="75000"/>
+              <a:buFont typeface="Symbol" charset="2"/>
+              <a:buChar char=""/>
             </a:pPr>
             <a:r>
-              <a:rPr b="0" lang="fr-FR" sz="5520" spc="-1" strike="noStrike">
-                <a:solidFill>
-                  <a:srgbClr val="000000"/>
-                </a:solidFill>
-                <a:latin typeface="Times New Roman"/>
-              </a:rPr>
-              <a:t>Troisième niveau de plan</a:t>
-            </a:r>
-            <a:endParaRPr b="0" lang="fr-FR" sz="5520" spc="-1" strike="noStrike">
-              <a:solidFill>
-                <a:srgbClr val="000000"/>
-              </a:solidFill>
-              <a:latin typeface="Times New Roman"/>
-            </a:endParaRPr>
-          </a:p>
-          <a:p>
-            <a:pPr lvl="3" marL="410400" indent="-410400">
-              <a:spcAft>
-                <a:spcPts val="2455"/>
-              </a:spcAft>
+              <a:rPr b="0" lang="fr-FR" sz="1800" spc="-1" strike="noStrike">
+                <a:latin typeface="Arial"/>
+              </a:rPr>
+              <a:t>Second niveau de plan</a:t>
+            </a:r>
+            <a:endParaRPr b="0" lang="fr-FR" sz="1800" spc="-1" strike="noStrike">
+              <a:latin typeface="Arial"/>
+            </a:endParaRPr>
+          </a:p>
+          <a:p>
+            <a:pPr lvl="2" marL="1296000" indent="-288000">
+              <a:spcBef>
+                <a:spcPts val="850"/>
+              </a:spcBef>
               <a:buClr>
                 <a:srgbClr val="000000"/>
               </a:buClr>
-              <a:buFont typeface="Times New Roman"/>
-              <a:buChar char="–"/>
+              <a:buSzPct val="45000"/>
+              <a:buFont typeface="Wingdings" charset="2"/>
+              <a:buChar char=""/>
             </a:pPr>
             <a:r>
-              <a:rPr b="0" lang="fr-FR" sz="5520" spc="-1" strike="noStrike">
-                <a:solidFill>
-                  <a:srgbClr val="000000"/>
-                </a:solidFill>
-                <a:latin typeface="Times New Roman"/>
-              </a:rPr>
-              <a:t>Quatrième niveau de plan</a:t>
-            </a:r>
-            <a:endParaRPr b="0" lang="fr-FR" sz="5520" spc="-1" strike="noStrike">
-              <a:solidFill>
-                <a:srgbClr val="000000"/>
-              </a:solidFill>
-              <a:latin typeface="Times New Roman"/>
-            </a:endParaRPr>
-          </a:p>
-          <a:p>
-            <a:pPr lvl="4" marL="410400" indent="-410400">
-              <a:spcAft>
-                <a:spcPts val="2455"/>
-              </a:spcAft>
+              <a:rPr b="0" lang="fr-FR" sz="1800" spc="-1" strike="noStrike">
+                <a:latin typeface="Arial"/>
+              </a:rPr>
+              <a:t>Troisième niveau de plan</a:t>
+            </a:r>
+            <a:endParaRPr b="0" lang="fr-FR" sz="1800" spc="-1" strike="noStrike">
+              <a:latin typeface="Arial"/>
+            </a:endParaRPr>
+          </a:p>
+          <a:p>
+            <a:pPr lvl="3" marL="1728000" indent="-216000">
+              <a:spcBef>
+                <a:spcPts val="567"/>
+              </a:spcBef>
               <a:buClr>
                 <a:srgbClr val="000000"/>
               </a:buClr>
-              <a:buFont typeface="Times New Roman"/>
-              <a:buChar char="»"/>
+              <a:buSzPct val="75000"/>
+              <a:buFont typeface="Symbol" charset="2"/>
+              <a:buChar char=""/>
             </a:pPr>
             <a:r>
-              <a:rPr b="0" lang="fr-FR" sz="5520" spc="-1" strike="noStrike">
-                <a:solidFill>
-                  <a:srgbClr val="000000"/>
-                </a:solidFill>
-                <a:latin typeface="Times New Roman"/>
-              </a:rPr>
-              <a:t>Cinquième niveau de plan</a:t>
-            </a:r>
-            <a:endParaRPr b="0" lang="fr-FR" sz="5520" spc="-1" strike="noStrike">
-              <a:solidFill>
-                <a:srgbClr val="000000"/>
-              </a:solidFill>
-              <a:latin typeface="Times New Roman"/>
-            </a:endParaRPr>
-          </a:p>
-          <a:p>
-            <a:pPr lvl="5" marL="410400" indent="-410400">
-              <a:spcAft>
-                <a:spcPts val="2455"/>
-              </a:spcAft>
+              <a:rPr b="0" lang="fr-FR" sz="1800" spc="-1" strike="noStrike">
+                <a:latin typeface="Arial"/>
+              </a:rPr>
+              <a:t>Quatrième niveau de plan</a:t>
+            </a:r>
+            <a:endParaRPr b="0" lang="fr-FR" sz="1800" spc="-1" strike="noStrike">
+              <a:latin typeface="Arial"/>
+            </a:endParaRPr>
+          </a:p>
+          <a:p>
+            <a:pPr lvl="4" marL="2160000" indent="-216000">
+              <a:spcBef>
+                <a:spcPts val="283"/>
+              </a:spcBef>
               <a:buClr>
                 <a:srgbClr val="000000"/>
               </a:buClr>
-              <a:buFont typeface="Times New Roman"/>
-              <a:buChar char="»"/>
+              <a:buSzPct val="45000"/>
+              <a:buFont typeface="Wingdings" charset="2"/>
+              <a:buChar char=""/>
             </a:pPr>
             <a:r>
-              <a:rPr b="0" lang="fr-FR" sz="5520" spc="-1" strike="noStrike">
-                <a:solidFill>
-                  <a:srgbClr val="000000"/>
-                </a:solidFill>
-                <a:latin typeface="Times New Roman"/>
-              </a:rPr>
-              <a:t>Sixième niveau de plan</a:t>
-            </a:r>
-            <a:endParaRPr b="0" lang="fr-FR" sz="5520" spc="-1" strike="noStrike">
-              <a:solidFill>
-                <a:srgbClr val="000000"/>
-              </a:solidFill>
-              <a:latin typeface="Times New Roman"/>
-            </a:endParaRPr>
-          </a:p>
-          <a:p>
-            <a:pPr lvl="6" marL="410400" indent="-410400">
-              <a:spcAft>
-                <a:spcPts val="2455"/>
-              </a:spcAft>
+              <a:rPr b="0" lang="fr-FR" sz="1800" spc="-1" strike="noStrike">
+                <a:latin typeface="Arial"/>
+              </a:rPr>
+              <a:t>Cinquième niveau de plan</a:t>
+            </a:r>
+            <a:endParaRPr b="0" lang="fr-FR" sz="1800" spc="-1" strike="noStrike">
+              <a:latin typeface="Arial"/>
+            </a:endParaRPr>
+          </a:p>
+          <a:p>
+            <a:pPr lvl="5" marL="2592000" indent="-216000">
+              <a:spcBef>
+                <a:spcPts val="283"/>
+              </a:spcBef>
               <a:buClr>
                 <a:srgbClr val="000000"/>
               </a:buClr>
-              <a:buFont typeface="Times New Roman"/>
-              <a:buChar char="»"/>
+              <a:buSzPct val="45000"/>
+              <a:buFont typeface="Wingdings" charset="2"/>
+              <a:buChar char=""/>
             </a:pPr>
             <a:r>
-              <a:rPr b="0" lang="fr-FR" sz="5520" spc="-1" strike="noStrike">
-                <a:solidFill>
-                  <a:srgbClr val="000000"/>
-                </a:solidFill>
-                <a:latin typeface="Times New Roman"/>
+              <a:rPr b="0" lang="fr-FR" sz="1800" spc="-1" strike="noStrike">
+                <a:latin typeface="Arial"/>
+              </a:rPr>
+              <a:t>Sixième niveau de plan</a:t>
+            </a:r>
+            <a:endParaRPr b="0" lang="fr-FR" sz="1800" spc="-1" strike="noStrike">
+              <a:latin typeface="Arial"/>
+            </a:endParaRPr>
+          </a:p>
+          <a:p>
+            <a:pPr lvl="6" marL="3024000" indent="-216000">
+              <a:spcBef>
+                <a:spcPts val="283"/>
+              </a:spcBef>
+              <a:buClr>
+                <a:srgbClr val="000000"/>
+              </a:buClr>
+              <a:buSzPct val="45000"/>
+              <a:buFont typeface="Wingdings" charset="2"/>
+              <a:buChar char=""/>
+            </a:pPr>
+            <a:r>
+              <a:rPr b="0" lang="fr-FR" sz="1800" spc="-1" strike="noStrike">
+                <a:latin typeface="Arial"/>
               </a:rPr>
               <a:t>Septième niveau de plan</a:t>
             </a:r>
-            <a:endParaRPr b="0" lang="fr-FR" sz="5520" spc="-1" strike="noStrike">
-              <a:solidFill>
-                <a:srgbClr val="000000"/>
-              </a:solidFill>
-              <a:latin typeface="Times New Roman"/>
-            </a:endParaRPr>
-          </a:p>
-        </p:txBody>
-      </p:sp>
-      <p:sp>
-        <p:nvSpPr>
-          <p:cNvPr id="119" name="PlaceHolder 3"/>
-          <p:cNvSpPr>
-            <a:spLocks noGrp="1"/>
-          </p:cNvSpPr>
-          <p:nvPr>
-            <p:ph type="dt"/>
-          </p:nvPr>
-        </p:nvSpPr>
-        <p:spPr>
-          <a:xfrm>
-            <a:off x="456120" y="6248160"/>
-            <a:ext cx="2111760" cy="453240"/>
-          </a:xfrm>
-          <a:prstGeom prst="rect">
-            <a:avLst/>
-          </a:prstGeom>
-        </p:spPr>
-        <p:txBody>
-          <a:bodyPr lIns="0" rIns="0" tIns="0" bIns="0"/>
-          <a:p>
-            <a:pPr>
-              <a:lnSpc>
-                <a:spcPct val="95000"/>
-              </a:lnSpc>
-            </a:pPr>
-            <a:r>
-              <a:rPr b="0" lang="fr-FR" sz="1400" spc="-1" strike="noStrike">
-                <a:latin typeface="Times New Roman"/>
-                <a:ea typeface="Segoe UI"/>
-              </a:rPr>
-              <a:t> </a:t>
-            </a:r>
-            <a:endParaRPr b="0" lang="fr-FR" sz="1400" spc="-1" strike="noStrike">
-              <a:latin typeface="Times New Roman"/>
-            </a:endParaRPr>
-          </a:p>
-        </p:txBody>
-      </p:sp>
-      <p:sp>
-        <p:nvSpPr>
-          <p:cNvPr id="120" name="PlaceHolder 4"/>
-          <p:cNvSpPr>
-            <a:spLocks noGrp="1"/>
-          </p:cNvSpPr>
-          <p:nvPr>
-            <p:ph type="ftr"/>
-          </p:nvPr>
-        </p:nvSpPr>
-        <p:spPr>
-          <a:xfrm>
-            <a:off x="3125520" y="6248160"/>
-            <a:ext cx="2878200" cy="453240"/>
-          </a:xfrm>
-          <a:prstGeom prst="rect">
-            <a:avLst/>
-          </a:prstGeom>
-        </p:spPr>
-        <p:txBody>
-          <a:bodyPr lIns="0" rIns="0" tIns="0" bIns="0"/>
-          <a:p>
-            <a:pPr algn="ctr">
-              <a:lnSpc>
-                <a:spcPct val="95000"/>
-              </a:lnSpc>
-            </a:pPr>
-            <a:r>
-              <a:rPr b="0" lang="fr-FR" sz="1400" spc="-1" strike="noStrike">
-                <a:latin typeface="Times New Roman"/>
-                <a:ea typeface="Segoe UI"/>
-              </a:rPr>
-              <a:t> </a:t>
-            </a:r>
-            <a:endParaRPr b="0" lang="fr-FR" sz="1400" spc="-1" strike="noStrike">
-              <a:latin typeface="Times New Roman"/>
-            </a:endParaRPr>
-          </a:p>
-        </p:txBody>
-      </p:sp>
-      <p:sp>
-        <p:nvSpPr>
-          <p:cNvPr id="121" name="PlaceHolder 5"/>
-          <p:cNvSpPr>
-            <a:spLocks noGrp="1"/>
-          </p:cNvSpPr>
-          <p:nvPr>
-            <p:ph type="sldNum"/>
-          </p:nvPr>
-        </p:nvSpPr>
-        <p:spPr>
-          <a:xfrm>
-            <a:off x="6556320" y="6248160"/>
-            <a:ext cx="2111040" cy="453240"/>
-          </a:xfrm>
-          <a:prstGeom prst="rect">
-            <a:avLst/>
-          </a:prstGeom>
-        </p:spPr>
-        <p:txBody>
-          <a:bodyPr lIns="0" rIns="0" tIns="0" bIns="0"/>
-          <a:p>
-            <a:pPr algn="r">
-              <a:lnSpc>
-                <a:spcPct val="95000"/>
-              </a:lnSpc>
-            </a:pPr>
-            <a:fld id="{275D1811-97F1-410B-952D-4C3BA5F190C7}" type="slidenum">
-              <a:rPr b="0" lang="fr-FR" sz="1400" spc="-1" strike="noStrike">
-                <a:latin typeface="Times New Roman"/>
-                <a:ea typeface="Segoe UI"/>
-              </a:rPr>
-              <a:t>1</a:t>
-            </a:fld>
-            <a:endParaRPr b="0" lang="fr-FR" sz="1400" spc="-1" strike="noStrike">
-              <a:latin typeface="Times New Roman"/>
+            <a:endParaRPr b="0" lang="fr-FR" sz="1800" spc="-1" strike="noStrike">
+              <a:latin typeface="Arial"/>
             </a:endParaRPr>
           </a:p>
         </p:txBody>
@@ -6719,14 +6405,14 @@
       </p:grpSpPr>
       <p:sp>
         <p:nvSpPr>
-          <p:cNvPr id="158" name="CustomShape 1"/>
+          <p:cNvPr id="152" name="CustomShape 1"/>
           <p:cNvSpPr/>
           <p:nvPr/>
         </p:nvSpPr>
         <p:spPr>
           <a:xfrm>
             <a:off x="685800" y="2130480"/>
-            <a:ext cx="7772040" cy="2232000"/>
+            <a:ext cx="7771680" cy="2231640"/>
           </a:xfrm>
           <a:prstGeom prst="rect">
             <a:avLst/>
@@ -6880,14 +6566,14 @@
       </p:grpSpPr>
       <p:sp>
         <p:nvSpPr>
-          <p:cNvPr id="374" name="CustomShape 1"/>
+          <p:cNvPr id="368" name="CustomShape 1"/>
           <p:cNvSpPr/>
           <p:nvPr/>
         </p:nvSpPr>
         <p:spPr>
           <a:xfrm>
             <a:off x="685800" y="2130480"/>
-            <a:ext cx="7772040" cy="2232000"/>
+            <a:ext cx="7771680" cy="2231640"/>
           </a:xfrm>
           <a:prstGeom prst="rect">
             <a:avLst/>
@@ -6906,14 +6592,14 @@
       </p:sp>
       <p:sp>
         <p:nvSpPr>
-          <p:cNvPr id="375" name="CustomShape 2"/>
+          <p:cNvPr id="369" name="CustomShape 2"/>
           <p:cNvSpPr/>
           <p:nvPr/>
         </p:nvSpPr>
         <p:spPr>
           <a:xfrm>
             <a:off x="457560" y="116640"/>
-            <a:ext cx="8227800" cy="460800"/>
+            <a:ext cx="8227440" cy="460440"/>
           </a:xfrm>
           <a:prstGeom prst="rect">
             <a:avLst/>
@@ -6958,14 +6644,14 @@
       </p:sp>
       <p:sp>
         <p:nvSpPr>
-          <p:cNvPr id="376" name="CustomShape 3"/>
+          <p:cNvPr id="370" name="CustomShape 3"/>
           <p:cNvSpPr/>
           <p:nvPr/>
         </p:nvSpPr>
         <p:spPr>
           <a:xfrm>
             <a:off x="2448000" y="707040"/>
-            <a:ext cx="1798560" cy="1737360"/>
+            <a:ext cx="1798200" cy="1737000"/>
           </a:xfrm>
           <a:prstGeom prst="rect">
             <a:avLst/>
@@ -6989,10 +6675,18 @@
         <p:txBody>
           <a:bodyPr wrap="none" lIns="90000" rIns="90000" tIns="45000" bIns="45000" anchor="ctr"/>
           <a:p>
-            <a:pPr algn="ctr"/>
+            <a:pPr algn="ctr">
+              <a:lnSpc>
+                <a:spcPct val="100000"/>
+              </a:lnSpc>
+            </a:pPr>
             <a:r>
               <a:rPr b="0" lang="fr-FR" sz="1800" spc="-1" strike="noStrike">
-                <a:latin typeface="Arial"/>
+                <a:solidFill>
+                  <a:srgbClr val="000000"/>
+                </a:solidFill>
+                <a:latin typeface="Arial"/>
+                <a:ea typeface="DejaVu Sans"/>
               </a:rPr>
               <a:t>Appli A</a:t>
             </a:r>
@@ -7001,10 +6695,18 @@
             </a:endParaRPr>
           </a:p>
           <a:p>
-            <a:pPr algn="ctr"/>
+            <a:pPr algn="ctr">
+              <a:lnSpc>
+                <a:spcPct val="100000"/>
+              </a:lnSpc>
+            </a:pPr>
             <a:r>
               <a:rPr b="0" lang="fr-FR" sz="1800" spc="-1" strike="noStrike">
-                <a:latin typeface="Arial"/>
+                <a:solidFill>
+                  <a:srgbClr val="000000"/>
+                </a:solidFill>
+                <a:latin typeface="Arial"/>
+                <a:ea typeface="DejaVu Sans"/>
               </a:rPr>
               <a:t>-----------------</a:t>
             </a:r>
@@ -7013,20 +6715,29 @@
             </a:endParaRPr>
           </a:p>
           <a:p>
-            <a:pPr algn="ctr"/>
+            <a:pPr algn="ctr">
+              <a:lnSpc>
+                <a:spcPct val="100000"/>
+              </a:lnSpc>
+            </a:pPr>
             <a:r>
               <a:rPr b="0" lang="fr-FR" sz="1800" spc="-1" strike="noStrike">
                 <a:solidFill>
                   <a:srgbClr val="ce181e"/>
                 </a:solidFill>
                 <a:latin typeface="Arial"/>
+                <a:ea typeface="DejaVu Sans"/>
               </a:rPr>
               <a:t>NodeJs 10</a:t>
             </a:r>
             <a:br/>
             <a:r>
               <a:rPr b="0" lang="fr-FR" sz="1800" spc="-1" strike="noStrike">
-                <a:latin typeface="Arial"/>
+                <a:solidFill>
+                  <a:srgbClr val="000000"/>
+                </a:solidFill>
+                <a:latin typeface="Arial"/>
+                <a:ea typeface="DejaVu Sans"/>
               </a:rPr>
               <a:t>ou </a:t>
             </a:r>
@@ -7036,6 +6747,7 @@
                   <a:srgbClr val="ce181e"/>
                 </a:solidFill>
                 <a:latin typeface="Arial"/>
+                <a:ea typeface="DejaVu Sans"/>
               </a:rPr>
               <a:t>JRE 8</a:t>
             </a:r>
@@ -7044,10 +6756,18 @@
             </a:endParaRPr>
           </a:p>
           <a:p>
-            <a:pPr algn="ctr"/>
+            <a:pPr algn="ctr">
+              <a:lnSpc>
+                <a:spcPct val="100000"/>
+              </a:lnSpc>
+            </a:pPr>
             <a:r>
               <a:rPr b="0" lang="fr-FR" sz="1800" spc="-1" strike="noStrike">
-                <a:latin typeface="Arial"/>
+                <a:solidFill>
+                  <a:srgbClr val="000000"/>
+                </a:solidFill>
+                <a:latin typeface="Arial"/>
+                <a:ea typeface="DejaVu Sans"/>
               </a:rPr>
               <a:t>-----------------</a:t>
             </a:r>
@@ -7056,10 +6776,18 @@
             </a:endParaRPr>
           </a:p>
           <a:p>
-            <a:pPr algn="ctr"/>
+            <a:pPr algn="ctr">
+              <a:lnSpc>
+                <a:spcPct val="100000"/>
+              </a:lnSpc>
+            </a:pPr>
             <a:r>
               <a:rPr b="0" lang="fr-FR" sz="1800" spc="-1" strike="noStrike">
-                <a:latin typeface="Arial"/>
+                <a:solidFill>
+                  <a:srgbClr val="000000"/>
+                </a:solidFill>
+                <a:latin typeface="Arial"/>
+                <a:ea typeface="DejaVu Sans"/>
               </a:rPr>
               <a:t>Conteneur A</a:t>
             </a:r>
@@ -7071,7 +6799,7 @@
       </p:sp>
       <p:pic>
         <p:nvPicPr>
-          <p:cNvPr id="377" name="" descr=""/>
+          <p:cNvPr id="371" name="" descr=""/>
           <p:cNvPicPr/>
           <p:nvPr/>
         </p:nvPicPr>
@@ -7082,7 +6810,7 @@
         <p:spPr>
           <a:xfrm>
             <a:off x="2448000" y="2443320"/>
-            <a:ext cx="3744000" cy="1516680"/>
+            <a:ext cx="3743640" cy="1516320"/>
           </a:xfrm>
           <a:prstGeom prst="rect">
             <a:avLst/>
@@ -7094,14 +6822,14 @@
       </p:pic>
       <p:sp>
         <p:nvSpPr>
-          <p:cNvPr id="378" name="CustomShape 4"/>
+          <p:cNvPr id="372" name="CustomShape 4"/>
           <p:cNvSpPr/>
           <p:nvPr/>
         </p:nvSpPr>
         <p:spPr>
           <a:xfrm>
             <a:off x="4446360" y="707040"/>
-            <a:ext cx="1731240" cy="1737360"/>
+            <a:ext cx="1730880" cy="1737000"/>
           </a:xfrm>
           <a:prstGeom prst="rect">
             <a:avLst/>
@@ -7125,10 +6853,18 @@
         <p:txBody>
           <a:bodyPr wrap="none" lIns="90000" rIns="90000" tIns="45000" bIns="45000" anchor="ctr"/>
           <a:p>
-            <a:pPr algn="ctr"/>
+            <a:pPr algn="ctr">
+              <a:lnSpc>
+                <a:spcPct val="100000"/>
+              </a:lnSpc>
+            </a:pPr>
             <a:r>
               <a:rPr b="0" lang="fr-FR" sz="1800" spc="-1" strike="noStrike">
-                <a:latin typeface="Arial"/>
+                <a:solidFill>
+                  <a:srgbClr val="000000"/>
+                </a:solidFill>
+                <a:latin typeface="Arial"/>
+                <a:ea typeface="DejaVu Sans"/>
               </a:rPr>
               <a:t>Appli B</a:t>
             </a:r>
@@ -7137,10 +6873,18 @@
             </a:endParaRPr>
           </a:p>
           <a:p>
-            <a:pPr algn="ctr"/>
+            <a:pPr algn="ctr">
+              <a:lnSpc>
+                <a:spcPct val="100000"/>
+              </a:lnSpc>
+            </a:pPr>
             <a:r>
               <a:rPr b="0" lang="fr-FR" sz="1800" spc="-1" strike="noStrike">
-                <a:latin typeface="Arial"/>
+                <a:solidFill>
+                  <a:srgbClr val="000000"/>
+                </a:solidFill>
+                <a:latin typeface="Arial"/>
+                <a:ea typeface="DejaVu Sans"/>
               </a:rPr>
               <a:t>-----------------</a:t>
             </a:r>
@@ -7149,20 +6893,29 @@
             </a:endParaRPr>
           </a:p>
           <a:p>
-            <a:pPr algn="ctr"/>
+            <a:pPr algn="ctr">
+              <a:lnSpc>
+                <a:spcPct val="100000"/>
+              </a:lnSpc>
+            </a:pPr>
             <a:r>
               <a:rPr b="0" lang="fr-FR" sz="1800" spc="-1" strike="noStrike">
                 <a:solidFill>
                   <a:srgbClr val="0000ff"/>
                 </a:solidFill>
                 <a:latin typeface="Arial"/>
+                <a:ea typeface="DejaVu Sans"/>
               </a:rPr>
               <a:t>NodeJs 7</a:t>
             </a:r>
             <a:br/>
             <a:r>
               <a:rPr b="0" lang="fr-FR" sz="1800" spc="-1" strike="noStrike">
-                <a:latin typeface="Arial"/>
+                <a:solidFill>
+                  <a:srgbClr val="000000"/>
+                </a:solidFill>
+                <a:latin typeface="Arial"/>
+                <a:ea typeface="DejaVu Sans"/>
               </a:rPr>
               <a:t>ou </a:t>
             </a:r>
@@ -7172,6 +6925,7 @@
                   <a:srgbClr val="0000ff"/>
                 </a:solidFill>
                 <a:latin typeface="Arial"/>
+                <a:ea typeface="DejaVu Sans"/>
               </a:rPr>
               <a:t>JRE 7</a:t>
             </a:r>
@@ -7180,10 +6934,18 @@
             </a:endParaRPr>
           </a:p>
           <a:p>
-            <a:pPr algn="ctr"/>
+            <a:pPr algn="ctr">
+              <a:lnSpc>
+                <a:spcPct val="100000"/>
+              </a:lnSpc>
+            </a:pPr>
             <a:r>
               <a:rPr b="0" lang="fr-FR" sz="1800" spc="-1" strike="noStrike">
-                <a:latin typeface="Arial"/>
+                <a:solidFill>
+                  <a:srgbClr val="000000"/>
+                </a:solidFill>
+                <a:latin typeface="Arial"/>
+                <a:ea typeface="DejaVu Sans"/>
               </a:rPr>
               <a:t>-----------------</a:t>
             </a:r>
@@ -7192,10 +6954,18 @@
             </a:endParaRPr>
           </a:p>
           <a:p>
-            <a:pPr algn="ctr"/>
+            <a:pPr algn="ctr">
+              <a:lnSpc>
+                <a:spcPct val="100000"/>
+              </a:lnSpc>
+            </a:pPr>
             <a:r>
               <a:rPr b="0" lang="fr-FR" sz="1800" spc="-1" strike="noStrike">
-                <a:latin typeface="Arial"/>
+                <a:solidFill>
+                  <a:srgbClr val="000000"/>
+                </a:solidFill>
+                <a:latin typeface="Arial"/>
+                <a:ea typeface="DejaVu Sans"/>
               </a:rPr>
               <a:t>Conteneur B</a:t>
             </a:r>
@@ -7207,14 +6977,14 @@
       </p:sp>
       <p:sp>
         <p:nvSpPr>
-          <p:cNvPr id="379" name="CustomShape 5"/>
+          <p:cNvPr id="373" name="CustomShape 5"/>
           <p:cNvSpPr/>
           <p:nvPr/>
         </p:nvSpPr>
         <p:spPr>
           <a:xfrm>
             <a:off x="1800000" y="4104000"/>
-            <a:ext cx="5707080" cy="2348280"/>
+            <a:ext cx="5706720" cy="2347920"/>
           </a:xfrm>
           <a:custGeom>
             <a:avLst/>
@@ -7256,23 +7026,39 @@
         <p:txBody>
           <a:bodyPr wrap="none" lIns="90000" rIns="90000" tIns="45000" bIns="45000"/>
           <a:p>
-            <a:pPr/>
+            <a:pPr>
+              <a:lnSpc>
+                <a:spcPct val="100000"/>
+              </a:lnSpc>
+            </a:pPr>
             <a:r>
               <a:rPr b="1" lang="fr-FR" sz="2000" spc="-1" strike="noStrike" u="sng">
+                <a:solidFill>
+                  <a:srgbClr val="000000"/>
+                </a:solidFill>
                 <a:uFillTx/>
                 <a:latin typeface="Arial"/>
+                <a:ea typeface="DejaVu Sans"/>
               </a:rPr>
               <a:t>Conteneur</a:t>
             </a:r>
             <a:r>
               <a:rPr b="0" lang="fr-FR" sz="2000" spc="-1" strike="noStrike">
-                <a:latin typeface="Arial"/>
+                <a:solidFill>
+                  <a:srgbClr val="000000"/>
+                </a:solidFill>
+                <a:latin typeface="Arial"/>
+                <a:ea typeface="DejaVu Sans"/>
               </a:rPr>
               <a:t> = </a:t>
             </a:r>
             <a:r>
               <a:rPr b="1" lang="fr-FR" sz="2000" spc="-1" strike="noStrike">
-                <a:latin typeface="Arial"/>
+                <a:solidFill>
+                  <a:srgbClr val="000000"/>
+                </a:solidFill>
+                <a:latin typeface="Arial"/>
+                <a:ea typeface="DejaVu Sans"/>
               </a:rPr>
               <a:t>environnement d'exécution</a:t>
             </a:r>
@@ -7281,36 +7067,60 @@
             </a:endParaRPr>
           </a:p>
           <a:p>
-            <a:pPr/>
+            <a:pPr>
+              <a:lnSpc>
+                <a:spcPct val="100000"/>
+              </a:lnSpc>
+            </a:pPr>
             <a:r>
               <a:rPr b="0" lang="fr-FR" sz="2000" spc="-1" strike="noStrike">
-                <a:latin typeface="Arial"/>
+                <a:solidFill>
+                  <a:srgbClr val="000000"/>
+                </a:solidFill>
+                <a:latin typeface="Arial"/>
+                <a:ea typeface="DejaVu Sans"/>
               </a:rPr>
               <a:t>logicielle </a:t>
             </a:r>
             <a:r>
               <a:rPr b="1" lang="fr-FR" sz="2000" spc="-1" strike="noStrike">
-                <a:latin typeface="Arial"/>
+                <a:solidFill>
+                  <a:srgbClr val="000000"/>
+                </a:solidFill>
+                <a:latin typeface="Arial"/>
+                <a:ea typeface="DejaVu Sans"/>
               </a:rPr>
               <a:t>complet</a:t>
             </a:r>
             <a:r>
               <a:rPr b="0" lang="fr-FR" sz="2000" spc="-1" strike="noStrike">
-                <a:latin typeface="Arial"/>
+                <a:solidFill>
+                  <a:srgbClr val="000000"/>
+                </a:solidFill>
+                <a:latin typeface="Arial"/>
+                <a:ea typeface="DejaVu Sans"/>
               </a:rPr>
               <a:t> comportant :</a:t>
             </a:r>
             <a:br/>
             <a:r>
               <a:rPr b="0" lang="fr-FR" sz="2000" spc="-1" strike="noStrike">
-                <a:latin typeface="Arial"/>
+                <a:solidFill>
+                  <a:srgbClr val="000000"/>
+                </a:solidFill>
+                <a:latin typeface="Arial"/>
+                <a:ea typeface="DejaVu Sans"/>
               </a:rPr>
               <a:t>- micro o.s. (debian, centos ou …)</a:t>
             </a:r>
             <a:br/>
             <a:r>
               <a:rPr b="0" lang="fr-FR" sz="2000" spc="-1" strike="noStrike">
-                <a:latin typeface="Arial"/>
+                <a:solidFill>
+                  <a:srgbClr val="000000"/>
+                </a:solidFill>
+                <a:latin typeface="Arial"/>
+                <a:ea typeface="DejaVu Sans"/>
               </a:rPr>
               <a:t>- librairies / dépendances </a:t>
             </a:r>
@@ -7319,24 +7129,40 @@
             </a:endParaRPr>
           </a:p>
           <a:p>
-            <a:pPr/>
+            <a:pPr>
+              <a:lnSpc>
+                <a:spcPct val="100000"/>
+              </a:lnSpc>
+            </a:pPr>
             <a:r>
               <a:rPr b="0" lang="fr-FR" sz="2000" spc="-1" strike="noStrike">
-                <a:latin typeface="Arial"/>
+                <a:solidFill>
+                  <a:srgbClr val="000000"/>
+                </a:solidFill>
+                <a:latin typeface="Arial"/>
+                <a:ea typeface="DejaVu Sans"/>
               </a:rPr>
               <a:t>- logiciel de base (ex : mysql , node , …)</a:t>
             </a:r>
             <a:br/>
             <a:r>
               <a:rPr b="0" lang="fr-FR" sz="2000" spc="-1" strike="noStrike">
-                <a:latin typeface="Arial"/>
+                <a:solidFill>
+                  <a:srgbClr val="000000"/>
+                </a:solidFill>
+                <a:latin typeface="Arial"/>
+                <a:ea typeface="DejaVu Sans"/>
               </a:rPr>
               <a:t>- configuation logicielle</a:t>
             </a:r>
             <a:br/>
             <a:r>
               <a:rPr b="0" lang="fr-FR" sz="2000" spc="-1" strike="noStrike">
-                <a:latin typeface="Arial"/>
+                <a:solidFill>
+                  <a:srgbClr val="000000"/>
+                </a:solidFill>
+                <a:latin typeface="Arial"/>
+                <a:ea typeface="DejaVu Sans"/>
               </a:rPr>
               <a:t>- le code d'une application ou d'un service</a:t>
             </a:r>
@@ -7404,14 +7230,14 @@
       </p:grpSpPr>
       <p:sp>
         <p:nvSpPr>
-          <p:cNvPr id="380" name="CustomShape 1"/>
+          <p:cNvPr id="374" name="CustomShape 1"/>
           <p:cNvSpPr/>
           <p:nvPr/>
         </p:nvSpPr>
         <p:spPr>
           <a:xfrm>
             <a:off x="1423800" y="129600"/>
-            <a:ext cx="5353920" cy="525240"/>
+            <a:ext cx="5353560" cy="524880"/>
           </a:xfrm>
           <a:custGeom>
             <a:avLst/>
@@ -7453,7 +7279,11 @@
         <p:txBody>
           <a:bodyPr wrap="none" lIns="90000" rIns="90000" tIns="45000" bIns="45000"/>
           <a:p>
-            <a:pPr/>
+            <a:pPr>
+              <a:lnSpc>
+                <a:spcPct val="100000"/>
+              </a:lnSpc>
+            </a:pPr>
             <a:r>
               <a:rPr b="0" lang="fr-FR" sz="2160" spc="-1" strike="noStrike" u="sng">
                 <a:solidFill>
@@ -7461,6 +7291,7 @@
                 </a:solidFill>
                 <a:uFillTx/>
                 <a:latin typeface="Times New Roman"/>
+                <a:ea typeface="DejaVu Sans"/>
               </a:rPr>
               <a:t>Utilisation de "</a:t>
             </a:r>
@@ -7471,6 +7302,7 @@
                 </a:solidFill>
                 <a:uFillTx/>
                 <a:latin typeface="Times New Roman"/>
+                <a:ea typeface="DejaVu Sans"/>
               </a:rPr>
               <a:t>Docker</a:t>
             </a:r>
@@ -7481,28 +7313,26 @@
                 </a:solidFill>
                 <a:uFillTx/>
                 <a:latin typeface="Times New Roman"/>
+                <a:ea typeface="DejaVu Sans"/>
               </a:rPr>
               <a:t>" (workflow)</a:t>
             </a:r>
             <a:endParaRPr b="0" lang="fr-FR" sz="2160" spc="-1" strike="noStrike">
-              <a:solidFill>
-                <a:srgbClr val="000000"/>
-              </a:solidFill>
-              <a:latin typeface="Times New Roman"/>
-            </a:endParaRPr>
-          </a:p>
-        </p:txBody>
-      </p:sp>
-      <p:sp>
-        <p:nvSpPr>
-          <p:cNvPr id="381" name="CustomShape 2"/>
+              <a:latin typeface="Arial"/>
+            </a:endParaRPr>
+          </a:p>
+        </p:txBody>
+      </p:sp>
+      <p:sp>
+        <p:nvSpPr>
+          <p:cNvPr id="375" name="CustomShape 2"/>
           <p:cNvSpPr/>
           <p:nvPr/>
         </p:nvSpPr>
         <p:spPr>
           <a:xfrm>
             <a:off x="344520" y="949320"/>
-            <a:ext cx="2332080" cy="1208880"/>
+            <a:ext cx="2331720" cy="1208520"/>
           </a:xfrm>
           <a:prstGeom prst="rect">
             <a:avLst/>
@@ -7526,71 +7356,77 @@
         <p:txBody>
           <a:bodyPr wrap="none" lIns="90000" rIns="90000" tIns="45000" bIns="45000" anchor="ctr"/>
           <a:p>
-            <a:pPr algn="ctr"/>
+            <a:pPr algn="ctr">
+              <a:lnSpc>
+                <a:spcPct val="100000"/>
+              </a:lnSpc>
+            </a:pPr>
             <a:r>
               <a:rPr b="0" lang="fr-FR" sz="2000" spc="-1" strike="noStrike">
                 <a:solidFill>
                   <a:srgbClr val="000000"/>
                 </a:solidFill>
                 <a:latin typeface="Times New Roman"/>
+                <a:ea typeface="DejaVu Sans"/>
               </a:rPr>
               <a:t>Code Application</a:t>
             </a:r>
             <a:endParaRPr b="0" lang="fr-FR" sz="2000" spc="-1" strike="noStrike">
-              <a:solidFill>
-                <a:srgbClr val="000000"/>
-              </a:solidFill>
-              <a:latin typeface="Times New Roman"/>
-            </a:endParaRPr>
-          </a:p>
-          <a:p>
-            <a:pPr algn="ctr"/>
+              <a:latin typeface="Arial"/>
+            </a:endParaRPr>
+          </a:p>
+          <a:p>
+            <a:pPr algn="ctr">
+              <a:lnSpc>
+                <a:spcPct val="100000"/>
+              </a:lnSpc>
+            </a:pPr>
             <a:r>
               <a:rPr b="0" lang="fr-FR" sz="2000" spc="-1" strike="noStrike">
                 <a:solidFill>
                   <a:srgbClr val="000000"/>
                 </a:solidFill>
                 <a:latin typeface="Times New Roman"/>
+                <a:ea typeface="DejaVu Sans"/>
               </a:rPr>
               <a:t>Développée (avec </a:t>
             </a:r>
             <a:endParaRPr b="0" lang="fr-FR" sz="2000" spc="-1" strike="noStrike">
-              <a:solidFill>
-                <a:srgbClr val="000000"/>
-              </a:solidFill>
-              <a:latin typeface="Times New Roman"/>
-            </a:endParaRPr>
-          </a:p>
-          <a:p>
-            <a:pPr algn="ctr"/>
+              <a:latin typeface="Arial"/>
+            </a:endParaRPr>
+          </a:p>
+          <a:p>
+            <a:pPr algn="ctr">
+              <a:lnSpc>
+                <a:spcPct val="100000"/>
+              </a:lnSpc>
+            </a:pPr>
             <a:r>
               <a:rPr b="0" lang="fr-FR" sz="2000" spc="-1" strike="noStrike">
                 <a:solidFill>
                   <a:srgbClr val="000000"/>
                 </a:solidFill>
                 <a:latin typeface="Times New Roman"/>
+                <a:ea typeface="DejaVu Sans"/>
               </a:rPr>
               <a:t>Config.)</a:t>
             </a:r>
             <a:endParaRPr b="0" lang="fr-FR" sz="2000" spc="-1" strike="noStrike">
-              <a:solidFill>
-                <a:srgbClr val="000000"/>
-              </a:solidFill>
-              <a:latin typeface="Times New Roman"/>
-            </a:endParaRPr>
-          </a:p>
-        </p:txBody>
-      </p:sp>
-      <p:sp>
-        <p:nvSpPr>
-          <p:cNvPr id="382" name="CustomShape 3"/>
+              <a:latin typeface="Arial"/>
+            </a:endParaRPr>
+          </a:p>
+        </p:txBody>
+      </p:sp>
+      <p:sp>
+        <p:nvSpPr>
+          <p:cNvPr id="376" name="CustomShape 3"/>
           <p:cNvSpPr/>
           <p:nvPr/>
         </p:nvSpPr>
         <p:spPr>
           <a:xfrm>
             <a:off x="1900080" y="4834080"/>
-            <a:ext cx="5094360" cy="1459440"/>
+            <a:ext cx="5094000" cy="1459080"/>
           </a:xfrm>
           <a:prstGeom prst="rect">
             <a:avLst/>
@@ -7614,14 +7450,14 @@
       </p:sp>
       <p:sp>
         <p:nvSpPr>
-          <p:cNvPr id="383" name="CustomShape 4"/>
+          <p:cNvPr id="377" name="CustomShape 4"/>
           <p:cNvSpPr/>
           <p:nvPr/>
         </p:nvSpPr>
         <p:spPr>
           <a:xfrm>
             <a:off x="1900080" y="6293880"/>
-            <a:ext cx="4854600" cy="525240"/>
+            <a:ext cx="4854240" cy="524880"/>
           </a:xfrm>
           <a:custGeom>
             <a:avLst/>
@@ -7663,13 +7499,18 @@
         <p:txBody>
           <a:bodyPr wrap="none" lIns="90000" rIns="90000" tIns="45000" bIns="45000"/>
           <a:p>
-            <a:pPr/>
+            <a:pPr>
+              <a:lnSpc>
+                <a:spcPct val="100000"/>
+              </a:lnSpc>
+            </a:pPr>
             <a:r>
               <a:rPr b="0" lang="fr-FR" sz="2160" spc="-1" strike="noStrike">
                 <a:solidFill>
                   <a:srgbClr val="000000"/>
                 </a:solidFill>
                 <a:latin typeface="Times New Roman"/>
+                <a:ea typeface="DejaVu Sans"/>
               </a:rPr>
               <a:t>Image registry </a:t>
             </a:r>
@@ -7679,28 +7520,26 @@
                   <a:srgbClr val="000000"/>
                 </a:solidFill>
                 <a:latin typeface="Times New Roman"/>
+                <a:ea typeface="DejaVu Sans"/>
               </a:rPr>
               <a:t>(ex : dockerhub)</a:t>
             </a:r>
             <a:endParaRPr b="0" lang="fr-FR" sz="2160" spc="-1" strike="noStrike">
-              <a:solidFill>
-                <a:srgbClr val="000000"/>
-              </a:solidFill>
-              <a:latin typeface="Times New Roman"/>
-            </a:endParaRPr>
-          </a:p>
-        </p:txBody>
-      </p:sp>
-      <p:sp>
-        <p:nvSpPr>
-          <p:cNvPr id="384" name="CustomShape 5"/>
+              <a:latin typeface="Arial"/>
+            </a:endParaRPr>
+          </a:p>
+        </p:txBody>
+      </p:sp>
+      <p:sp>
+        <p:nvSpPr>
+          <p:cNvPr id="378" name="CustomShape 5"/>
           <p:cNvSpPr/>
           <p:nvPr/>
         </p:nvSpPr>
         <p:spPr>
           <a:xfrm>
             <a:off x="2417760" y="5049000"/>
-            <a:ext cx="1467720" cy="1122840"/>
+            <a:ext cx="1467360" cy="1122480"/>
           </a:xfrm>
           <a:prstGeom prst="rect">
             <a:avLst/>
@@ -7724,67 +7563,78 @@
         <p:txBody>
           <a:bodyPr wrap="none" lIns="90000" rIns="90000" tIns="45000" bIns="45000" anchor="ctr"/>
           <a:p>
-            <a:pPr algn="ctr"/>
+            <a:pPr algn="ctr">
+              <a:lnSpc>
+                <a:spcPct val="100000"/>
+              </a:lnSpc>
+            </a:pPr>
             <a:r>
               <a:rPr b="1" lang="fr-FR" sz="1600" spc="-1" strike="noStrike">
                 <a:solidFill>
                   <a:srgbClr val="000000"/>
                 </a:solidFill>
                 <a:latin typeface="Times New Roman"/>
+                <a:ea typeface="DejaVu Sans"/>
               </a:rPr>
               <a:t>image </a:t>
             </a:r>
             <a:endParaRPr b="0" lang="fr-FR" sz="1600" spc="-1" strike="noStrike">
-              <a:solidFill>
-                <a:srgbClr val="000000"/>
-              </a:solidFill>
-              <a:latin typeface="Times New Roman"/>
-            </a:endParaRPr>
-          </a:p>
-          <a:p>
-            <a:pPr algn="ctr"/>
+              <a:latin typeface="Arial"/>
+            </a:endParaRPr>
+          </a:p>
+          <a:p>
+            <a:pPr algn="ctr">
+              <a:lnSpc>
+                <a:spcPct val="100000"/>
+              </a:lnSpc>
+            </a:pPr>
             <a:r>
               <a:rPr b="1" lang="fr-FR" sz="1600" spc="-1" strike="noStrike">
                 <a:solidFill>
                   <a:srgbClr val="000000"/>
                 </a:solidFill>
                 <a:latin typeface="Times New Roman"/>
+                <a:ea typeface="DejaVu Sans"/>
               </a:rPr>
               <a:t>de base</a:t>
             </a:r>
             <a:endParaRPr b="0" lang="fr-FR" sz="1600" spc="-1" strike="noStrike">
-              <a:solidFill>
-                <a:srgbClr val="000000"/>
-              </a:solidFill>
-              <a:latin typeface="Times New Roman"/>
-            </a:endParaRPr>
-          </a:p>
-          <a:p>
-            <a:pPr algn="ctr"/>
+              <a:latin typeface="Arial"/>
+            </a:endParaRPr>
+          </a:p>
+          <a:p>
+            <a:pPr algn="ctr">
+              <a:lnSpc>
+                <a:spcPct val="100000"/>
+              </a:lnSpc>
+            </a:pPr>
             <a:r>
               <a:rPr b="1" lang="fr-FR" sz="1600" spc="-1" strike="noStrike">
                 <a:solidFill>
                   <a:srgbClr val="000000"/>
                 </a:solidFill>
                 <a:latin typeface="Times New Roman"/>
+                <a:ea typeface="DejaVu Sans"/>
               </a:rPr>
               <a:t>(ex : node</a:t>
             </a:r>
             <a:endParaRPr b="0" lang="fr-FR" sz="1600" spc="-1" strike="noStrike">
-              <a:solidFill>
-                <a:srgbClr val="000000"/>
-              </a:solidFill>
-              <a:latin typeface="Times New Roman"/>
-            </a:endParaRPr>
-          </a:p>
-          <a:p>
-            <a:pPr algn="ctr"/>
+              <a:latin typeface="Arial"/>
+            </a:endParaRPr>
+          </a:p>
+          <a:p>
+            <a:pPr algn="ctr">
+              <a:lnSpc>
+                <a:spcPct val="100000"/>
+              </a:lnSpc>
+            </a:pPr>
             <a:r>
               <a:rPr b="1" lang="fr-FR" sz="1600" spc="-1" strike="noStrike">
                 <a:solidFill>
                   <a:srgbClr val="000000"/>
                 </a:solidFill>
                 <a:latin typeface="Times New Roman"/>
+                <a:ea typeface="DejaVu Sans"/>
               </a:rPr>
               <a:t> </a:t>
             </a:r>
@@ -7794,28 +7644,26 @@
                   <a:srgbClr val="000000"/>
                 </a:solidFill>
                 <a:latin typeface="Times New Roman"/>
+                <a:ea typeface="DejaVu Sans"/>
               </a:rPr>
               <a:t>ou jre)</a:t>
             </a:r>
             <a:endParaRPr b="0" lang="fr-FR" sz="1600" spc="-1" strike="noStrike">
-              <a:solidFill>
-                <a:srgbClr val="000000"/>
-              </a:solidFill>
-              <a:latin typeface="Times New Roman"/>
-            </a:endParaRPr>
-          </a:p>
-        </p:txBody>
-      </p:sp>
-      <p:sp>
-        <p:nvSpPr>
-          <p:cNvPr id="385" name="CustomShape 6"/>
+              <a:latin typeface="Arial"/>
+            </a:endParaRPr>
+          </a:p>
+        </p:txBody>
+      </p:sp>
+      <p:sp>
+        <p:nvSpPr>
+          <p:cNvPr id="379" name="CustomShape 6"/>
           <p:cNvSpPr/>
           <p:nvPr/>
         </p:nvSpPr>
         <p:spPr>
           <a:xfrm>
             <a:off x="517680" y="2934720"/>
-            <a:ext cx="1467720" cy="1122840"/>
+            <a:ext cx="1467360" cy="1122480"/>
           </a:xfrm>
           <a:prstGeom prst="rect">
             <a:avLst/>
@@ -7839,71 +7687,77 @@
         <p:txBody>
           <a:bodyPr wrap="none" lIns="90000" rIns="90000" tIns="45000" bIns="45000" anchor="ctr"/>
           <a:p>
-            <a:pPr algn="ctr"/>
+            <a:pPr algn="ctr">
+              <a:lnSpc>
+                <a:spcPct val="100000"/>
+              </a:lnSpc>
+            </a:pPr>
             <a:r>
               <a:rPr b="0" lang="fr-FR" sz="1800" spc="-1" strike="noStrike">
                 <a:solidFill>
                   <a:srgbClr val="000000"/>
                 </a:solidFill>
                 <a:latin typeface="Times New Roman"/>
+                <a:ea typeface="DejaVu Sans"/>
               </a:rPr>
               <a:t>Config.</a:t>
             </a:r>
             <a:endParaRPr b="0" lang="fr-FR" sz="1800" spc="-1" strike="noStrike">
-              <a:solidFill>
-                <a:srgbClr val="000000"/>
-              </a:solidFill>
-              <a:latin typeface="Times New Roman"/>
-            </a:endParaRPr>
-          </a:p>
-          <a:p>
-            <a:pPr algn="ctr"/>
+              <a:latin typeface="Arial"/>
+            </a:endParaRPr>
+          </a:p>
+          <a:p>
+            <a:pPr algn="ctr">
+              <a:lnSpc>
+                <a:spcPct val="100000"/>
+              </a:lnSpc>
+            </a:pPr>
             <a:r>
               <a:rPr b="0" lang="fr-FR" sz="1800" spc="-1" strike="noStrike">
                 <a:solidFill>
                   <a:srgbClr val="000000"/>
                 </a:solidFill>
                 <a:latin typeface="Times New Roman"/>
+                <a:ea typeface="DejaVu Sans"/>
               </a:rPr>
               <a:t>[Ajouts ,</a:t>
             </a:r>
             <a:endParaRPr b="0" lang="fr-FR" sz="1800" spc="-1" strike="noStrike">
-              <a:solidFill>
-                <a:srgbClr val="000000"/>
-              </a:solidFill>
-              <a:latin typeface="Times New Roman"/>
-            </a:endParaRPr>
-          </a:p>
-          <a:p>
-            <a:pPr algn="ctr"/>
+              <a:latin typeface="Arial"/>
+            </a:endParaRPr>
+          </a:p>
+          <a:p>
+            <a:pPr algn="ctr">
+              <a:lnSpc>
+                <a:spcPct val="100000"/>
+              </a:lnSpc>
+            </a:pPr>
             <a:r>
               <a:rPr b="0" lang="fr-FR" sz="1800" spc="-1" strike="noStrike">
                 <a:solidFill>
                   <a:srgbClr val="000000"/>
                 </a:solidFill>
                 <a:latin typeface="Times New Roman"/>
+                <a:ea typeface="DejaVu Sans"/>
               </a:rPr>
               <a:t>démarrage]</a:t>
             </a:r>
             <a:endParaRPr b="0" lang="fr-FR" sz="1800" spc="-1" strike="noStrike">
-              <a:solidFill>
-                <a:srgbClr val="000000"/>
-              </a:solidFill>
-              <a:latin typeface="Times New Roman"/>
-            </a:endParaRPr>
-          </a:p>
-        </p:txBody>
-      </p:sp>
-      <p:sp>
-        <p:nvSpPr>
-          <p:cNvPr id="386" name="CustomShape 7"/>
+              <a:latin typeface="Arial"/>
+            </a:endParaRPr>
+          </a:p>
+        </p:txBody>
+      </p:sp>
+      <p:sp>
+        <p:nvSpPr>
+          <p:cNvPr id="380" name="CustomShape 7"/>
           <p:cNvSpPr/>
           <p:nvPr/>
         </p:nvSpPr>
         <p:spPr>
           <a:xfrm>
             <a:off x="432000" y="2409480"/>
-            <a:ext cx="1783800" cy="525240"/>
+            <a:ext cx="1783440" cy="524880"/>
           </a:xfrm>
           <a:custGeom>
             <a:avLst/>
@@ -7945,35 +7799,37 @@
         <p:txBody>
           <a:bodyPr wrap="none" lIns="90000" rIns="90000" tIns="45000" bIns="45000"/>
           <a:p>
-            <a:pPr/>
+            <a:pPr>
+              <a:lnSpc>
+                <a:spcPct val="100000"/>
+              </a:lnSpc>
+            </a:pPr>
             <a:r>
               <a:rPr b="0" lang="fr-FR" sz="2160" spc="-1" strike="noStrike">
                 <a:solidFill>
                   <a:srgbClr val="ce181e"/>
                 </a:solidFill>
                 <a:latin typeface="Times New Roman"/>
+                <a:ea typeface="DejaVu Sans"/>
               </a:rPr>
               <a:t>Dockerfile</a:t>
             </a:r>
             <a:endParaRPr b="0" lang="fr-FR" sz="2160" spc="-1" strike="noStrike">
-              <a:solidFill>
-                <a:srgbClr val="000000"/>
-              </a:solidFill>
-              <a:latin typeface="Times New Roman"/>
-            </a:endParaRPr>
-          </a:p>
-        </p:txBody>
-      </p:sp>
-      <p:sp>
-        <p:nvSpPr>
-          <p:cNvPr id="387" name="CustomShape 8"/>
+              <a:latin typeface="Arial"/>
+            </a:endParaRPr>
+          </a:p>
+        </p:txBody>
+      </p:sp>
+      <p:sp>
+        <p:nvSpPr>
+          <p:cNvPr id="381" name="CustomShape 8"/>
           <p:cNvSpPr/>
           <p:nvPr/>
         </p:nvSpPr>
         <p:spPr>
           <a:xfrm>
             <a:off x="2762640" y="3020400"/>
-            <a:ext cx="1467360" cy="1122840"/>
+            <a:ext cx="1467000" cy="1122480"/>
           </a:xfrm>
           <a:prstGeom prst="rect">
             <a:avLst/>
@@ -7997,31 +7853,38 @@
         <p:txBody>
           <a:bodyPr wrap="none" lIns="90000" rIns="90000" tIns="45000" bIns="45000" anchor="ctr"/>
           <a:p>
-            <a:pPr algn="ctr"/>
+            <a:pPr algn="ctr">
+              <a:lnSpc>
+                <a:spcPct val="100000"/>
+              </a:lnSpc>
+            </a:pPr>
             <a:r>
               <a:rPr b="1" lang="fr-FR" sz="1600" spc="-1" strike="noStrike">
                 <a:solidFill>
                   <a:srgbClr val="000000"/>
                 </a:solidFill>
                 <a:latin typeface="Times New Roman"/>
+                <a:ea typeface="DejaVu Sans"/>
               </a:rPr>
               <a:t>image </a:t>
             </a:r>
             <a:endParaRPr b="0" lang="fr-FR" sz="1600" spc="-1" strike="noStrike">
-              <a:solidFill>
-                <a:srgbClr val="000000"/>
-              </a:solidFill>
-              <a:latin typeface="Times New Roman"/>
-            </a:endParaRPr>
-          </a:p>
-          <a:p>
-            <a:pPr algn="ctr"/>
+              <a:latin typeface="Arial"/>
+            </a:endParaRPr>
+          </a:p>
+          <a:p>
+            <a:pPr algn="ctr">
+              <a:lnSpc>
+                <a:spcPct val="100000"/>
+              </a:lnSpc>
+            </a:pPr>
             <a:r>
               <a:rPr b="1" lang="fr-FR" sz="1600" spc="-1" strike="noStrike">
                 <a:solidFill>
                   <a:srgbClr val="000000"/>
                 </a:solidFill>
                 <a:latin typeface="Times New Roman"/>
+                <a:ea typeface="DejaVu Sans"/>
               </a:rPr>
               <a:t>docker avec</a:t>
             </a:r>
@@ -8032,39 +7895,39 @@
                   <a:srgbClr val="000000"/>
                 </a:solidFill>
                 <a:latin typeface="Times New Roman"/>
+                <a:ea typeface="DejaVu Sans"/>
               </a:rPr>
               <a:t>application</a:t>
             </a:r>
             <a:endParaRPr b="0" lang="fr-FR" sz="1600" spc="-1" strike="noStrike">
-              <a:solidFill>
-                <a:srgbClr val="000000"/>
-              </a:solidFill>
-              <a:latin typeface="Times New Roman"/>
-            </a:endParaRPr>
-          </a:p>
-          <a:p>
-            <a:pPr algn="ctr"/>
+              <a:latin typeface="Arial"/>
+            </a:endParaRPr>
+          </a:p>
+          <a:p>
+            <a:pPr algn="ctr">
+              <a:lnSpc>
+                <a:spcPct val="100000"/>
+              </a:lnSpc>
+            </a:pPr>
             <a:r>
               <a:rPr b="1" lang="fr-FR" sz="1600" spc="-1" strike="noStrike">
                 <a:solidFill>
                   <a:srgbClr val="000000"/>
                 </a:solidFill>
                 <a:latin typeface="Times New Roman"/>
+                <a:ea typeface="DejaVu Sans"/>
               </a:rPr>
               <a:t>packagée</a:t>
             </a:r>
             <a:endParaRPr b="0" lang="fr-FR" sz="1600" spc="-1" strike="noStrike">
-              <a:solidFill>
-                <a:srgbClr val="000000"/>
-              </a:solidFill>
-              <a:latin typeface="Times New Roman"/>
-            </a:endParaRPr>
-          </a:p>
-        </p:txBody>
-      </p:sp>
-      <p:sp>
-        <p:nvSpPr>
-          <p:cNvPr id="388" name="Line 9"/>
+              <a:latin typeface="Arial"/>
+            </a:endParaRPr>
+          </a:p>
+        </p:txBody>
+      </p:sp>
+      <p:sp>
+        <p:nvSpPr>
+          <p:cNvPr id="382" name="Line 9"/>
           <p:cNvSpPr/>
           <p:nvPr/>
         </p:nvSpPr>
@@ -8093,7 +7956,7 @@
       </p:sp>
       <p:sp>
         <p:nvSpPr>
-          <p:cNvPr id="389" name="Line 10"/>
+          <p:cNvPr id="383" name="Line 10"/>
           <p:cNvSpPr/>
           <p:nvPr/>
         </p:nvSpPr>
@@ -8122,14 +7985,14 @@
       </p:sp>
       <p:sp>
         <p:nvSpPr>
-          <p:cNvPr id="390" name="CustomShape 11"/>
+          <p:cNvPr id="384" name="CustomShape 11"/>
           <p:cNvSpPr/>
           <p:nvPr/>
         </p:nvSpPr>
         <p:spPr>
           <a:xfrm>
             <a:off x="2935800" y="1899360"/>
-            <a:ext cx="2244600" cy="603360"/>
+            <a:ext cx="2244240" cy="603000"/>
           </a:xfrm>
           <a:prstGeom prst="ellipse">
             <a:avLst/>
@@ -8151,28 +8014,30 @@
         <p:txBody>
           <a:bodyPr wrap="none" lIns="96120" rIns="96120" tIns="51120" bIns="51120" anchor="ctr"/>
           <a:p>
-            <a:pPr algn="ctr"/>
+            <a:pPr algn="ctr">
+              <a:lnSpc>
+                <a:spcPct val="100000"/>
+              </a:lnSpc>
+            </a:pPr>
             <a:r>
               <a:rPr b="0" lang="fr-FR" sz="2160" spc="-1" strike="noStrike">
                 <a:solidFill>
                   <a:srgbClr val="ce181e"/>
                 </a:solidFill>
                 <a:latin typeface="Times New Roman"/>
+                <a:ea typeface="DejaVu Sans"/>
               </a:rPr>
               <a:t>docker build</a:t>
             </a:r>
             <a:endParaRPr b="0" lang="fr-FR" sz="2160" spc="-1" strike="noStrike">
-              <a:solidFill>
-                <a:srgbClr val="000000"/>
-              </a:solidFill>
-              <a:latin typeface="Times New Roman"/>
-            </a:endParaRPr>
-          </a:p>
-        </p:txBody>
-      </p:sp>
-      <p:sp>
-        <p:nvSpPr>
-          <p:cNvPr id="391" name="Line 12"/>
+              <a:latin typeface="Arial"/>
+            </a:endParaRPr>
+          </a:p>
+        </p:txBody>
+      </p:sp>
+      <p:sp>
+        <p:nvSpPr>
+          <p:cNvPr id="385" name="Line 12"/>
           <p:cNvSpPr/>
           <p:nvPr/>
         </p:nvSpPr>
@@ -8201,7 +8066,7 @@
       </p:sp>
       <p:sp>
         <p:nvSpPr>
-          <p:cNvPr id="392" name="Line 13"/>
+          <p:cNvPr id="386" name="Line 13"/>
           <p:cNvSpPr/>
           <p:nvPr/>
         </p:nvSpPr>
@@ -8230,7 +8095,7 @@
       </p:sp>
       <p:sp>
         <p:nvSpPr>
-          <p:cNvPr id="393" name="Line 14"/>
+          <p:cNvPr id="387" name="Line 14"/>
           <p:cNvSpPr/>
           <p:nvPr/>
         </p:nvSpPr>
@@ -8259,14 +8124,14 @@
       </p:sp>
       <p:sp>
         <p:nvSpPr>
-          <p:cNvPr id="394" name="CustomShape 15"/>
+          <p:cNvPr id="388" name="CustomShape 15"/>
           <p:cNvSpPr/>
           <p:nvPr/>
         </p:nvSpPr>
         <p:spPr>
           <a:xfrm>
             <a:off x="4576680" y="5007240"/>
-            <a:ext cx="1726920" cy="1122840"/>
+            <a:ext cx="1726560" cy="1122480"/>
           </a:xfrm>
           <a:prstGeom prst="rect">
             <a:avLst/>
@@ -8290,13 +8155,18 @@
         <p:txBody>
           <a:bodyPr wrap="none" lIns="90000" rIns="90000" tIns="45000" bIns="45000" anchor="ctr"/>
           <a:p>
-            <a:pPr algn="ctr"/>
+            <a:pPr algn="ctr">
+              <a:lnSpc>
+                <a:spcPct val="100000"/>
+              </a:lnSpc>
+            </a:pPr>
             <a:r>
               <a:rPr b="1" lang="fr-FR" sz="1600" spc="-1" strike="noStrike">
                 <a:solidFill>
                   <a:srgbClr val="000000"/>
                 </a:solidFill>
                 <a:latin typeface="Times New Roman"/>
+                <a:ea typeface="DejaVu Sans"/>
               </a:rPr>
               <a:t>image </a:t>
             </a:r>
@@ -8307,39 +8177,39 @@
                   <a:srgbClr val="000000"/>
                 </a:solidFill>
                 <a:latin typeface="Times New Roman"/>
+                <a:ea typeface="DejaVu Sans"/>
               </a:rPr>
               <a:t>applicative</a:t>
             </a:r>
             <a:endParaRPr b="0" lang="fr-FR" sz="1600" spc="-1" strike="noStrike">
-              <a:solidFill>
-                <a:srgbClr val="000000"/>
-              </a:solidFill>
-              <a:latin typeface="Times New Roman"/>
-            </a:endParaRPr>
-          </a:p>
-          <a:p>
-            <a:pPr algn="ctr"/>
+              <a:latin typeface="Arial"/>
+            </a:endParaRPr>
+          </a:p>
+          <a:p>
+            <a:pPr algn="ctr">
+              <a:lnSpc>
+                <a:spcPct val="100000"/>
+              </a:lnSpc>
+            </a:pPr>
             <a:r>
               <a:rPr b="1" lang="fr-FR" sz="1600" spc="-1" strike="noStrike">
                 <a:solidFill>
                   <a:srgbClr val="000000"/>
                 </a:solidFill>
                 <a:latin typeface="Times New Roman"/>
+                <a:ea typeface="DejaVu Sans"/>
               </a:rPr>
               <a:t>téléchargeable</a:t>
             </a:r>
             <a:endParaRPr b="0" lang="fr-FR" sz="1600" spc="-1" strike="noStrike">
-              <a:solidFill>
-                <a:srgbClr val="000000"/>
-              </a:solidFill>
-              <a:latin typeface="Times New Roman"/>
-            </a:endParaRPr>
-          </a:p>
-        </p:txBody>
-      </p:sp>
-      <p:sp>
-        <p:nvSpPr>
-          <p:cNvPr id="395" name="Line 16"/>
+              <a:latin typeface="Arial"/>
+            </a:endParaRPr>
+          </a:p>
+        </p:txBody>
+      </p:sp>
+      <p:sp>
+        <p:nvSpPr>
+          <p:cNvPr id="389" name="Line 16"/>
           <p:cNvSpPr/>
           <p:nvPr/>
         </p:nvSpPr>
@@ -8368,14 +8238,14 @@
       </p:sp>
       <p:sp>
         <p:nvSpPr>
-          <p:cNvPr id="396" name="CustomShape 17"/>
+          <p:cNvPr id="390" name="CustomShape 17"/>
           <p:cNvSpPr/>
           <p:nvPr/>
         </p:nvSpPr>
         <p:spPr>
           <a:xfrm>
             <a:off x="6130080" y="1294200"/>
-            <a:ext cx="2332080" cy="3020040"/>
+            <a:ext cx="2331720" cy="3019680"/>
           </a:xfrm>
           <a:prstGeom prst="rect">
             <a:avLst/>
@@ -8399,14 +8269,14 @@
       </p:sp>
       <p:sp>
         <p:nvSpPr>
-          <p:cNvPr id="397" name="CustomShape 18"/>
+          <p:cNvPr id="391" name="CustomShape 18"/>
           <p:cNvSpPr/>
           <p:nvPr/>
         </p:nvSpPr>
         <p:spPr>
           <a:xfrm>
             <a:off x="5871240" y="1122840"/>
-            <a:ext cx="2331720" cy="3020040"/>
+            <a:ext cx="2331360" cy="3019680"/>
           </a:xfrm>
           <a:prstGeom prst="rect">
             <a:avLst/>
@@ -8430,14 +8300,14 @@
       </p:sp>
       <p:sp>
         <p:nvSpPr>
-          <p:cNvPr id="398" name="CustomShape 19"/>
+          <p:cNvPr id="392" name="CustomShape 19"/>
           <p:cNvSpPr/>
           <p:nvPr/>
         </p:nvSpPr>
         <p:spPr>
           <a:xfrm>
             <a:off x="5526360" y="949320"/>
-            <a:ext cx="2332080" cy="3020760"/>
+            <a:ext cx="2331720" cy="3020400"/>
           </a:xfrm>
           <a:prstGeom prst="rect">
             <a:avLst/>
@@ -8461,14 +8331,14 @@
       </p:sp>
       <p:sp>
         <p:nvSpPr>
-          <p:cNvPr id="399" name="CustomShape 20"/>
+          <p:cNvPr id="393" name="CustomShape 20"/>
           <p:cNvSpPr/>
           <p:nvPr/>
         </p:nvSpPr>
         <p:spPr>
           <a:xfrm>
             <a:off x="5871240" y="3279240"/>
-            <a:ext cx="1726560" cy="432000"/>
+            <a:ext cx="1726200" cy="431640"/>
           </a:xfrm>
           <a:prstGeom prst="rect">
             <a:avLst/>
@@ -8492,28 +8362,30 @@
         <p:txBody>
           <a:bodyPr wrap="none" lIns="90000" rIns="90000" tIns="45000" bIns="45000" anchor="ctr"/>
           <a:p>
-            <a:pPr algn="ctr"/>
+            <a:pPr algn="ctr">
+              <a:lnSpc>
+                <a:spcPct val="100000"/>
+              </a:lnSpc>
+            </a:pPr>
             <a:r>
               <a:rPr b="0" lang="fr-FR" sz="1800" spc="-1" strike="noStrike">
                 <a:solidFill>
                   <a:srgbClr val="0000ff"/>
                 </a:solidFill>
                 <a:latin typeface="Times New Roman"/>
+                <a:ea typeface="DejaVu Sans"/>
               </a:rPr>
               <a:t>docker engine</a:t>
             </a:r>
             <a:endParaRPr b="0" lang="fr-FR" sz="1800" spc="-1" strike="noStrike">
-              <a:solidFill>
-                <a:srgbClr val="000000"/>
-              </a:solidFill>
-              <a:latin typeface="Times New Roman"/>
-            </a:endParaRPr>
-          </a:p>
-        </p:txBody>
-      </p:sp>
-      <p:sp>
-        <p:nvSpPr>
-          <p:cNvPr id="400" name="Line 21"/>
+              <a:latin typeface="Arial"/>
+            </a:endParaRPr>
+          </a:p>
+        </p:txBody>
+      </p:sp>
+      <p:sp>
+        <p:nvSpPr>
+          <p:cNvPr id="394" name="Line 21"/>
           <p:cNvSpPr/>
           <p:nvPr/>
         </p:nvSpPr>
@@ -8542,14 +8414,14 @@
       </p:sp>
       <p:sp>
         <p:nvSpPr>
-          <p:cNvPr id="401" name="CustomShape 22"/>
+          <p:cNvPr id="395" name="CustomShape 22"/>
           <p:cNvSpPr/>
           <p:nvPr/>
         </p:nvSpPr>
         <p:spPr>
           <a:xfrm>
             <a:off x="4317840" y="3452040"/>
-            <a:ext cx="795960" cy="455040"/>
+            <a:ext cx="795600" cy="454680"/>
           </a:xfrm>
           <a:custGeom>
             <a:avLst/>
@@ -8591,35 +8463,37 @@
         <p:txBody>
           <a:bodyPr lIns="90000" rIns="90000" tIns="45000" bIns="45000"/>
           <a:p>
-            <a:pPr/>
+            <a:pPr>
+              <a:lnSpc>
+                <a:spcPct val="100000"/>
+              </a:lnSpc>
+            </a:pPr>
             <a:r>
               <a:rPr b="0" i="1" lang="fr-FR" sz="2000" spc="-1" strike="noStrike">
                 <a:solidFill>
                   <a:srgbClr val="0000ff"/>
                 </a:solidFill>
                 <a:latin typeface="Times New Roman"/>
+                <a:ea typeface="DejaVu Sans"/>
               </a:rPr>
               <a:t>push</a:t>
             </a:r>
             <a:endParaRPr b="0" lang="fr-FR" sz="2000" spc="-1" strike="noStrike">
-              <a:solidFill>
-                <a:srgbClr val="000000"/>
-              </a:solidFill>
-              <a:latin typeface="Times New Roman"/>
-            </a:endParaRPr>
-          </a:p>
-        </p:txBody>
-      </p:sp>
-      <p:sp>
-        <p:nvSpPr>
-          <p:cNvPr id="402" name="CustomShape 23"/>
+              <a:latin typeface="Arial"/>
+            </a:endParaRPr>
+          </a:p>
+        </p:txBody>
+      </p:sp>
+      <p:sp>
+        <p:nvSpPr>
+          <p:cNvPr id="396" name="CustomShape 23"/>
           <p:cNvSpPr/>
           <p:nvPr/>
         </p:nvSpPr>
         <p:spPr>
           <a:xfrm>
             <a:off x="1881000" y="4291560"/>
-            <a:ext cx="795600" cy="454680"/>
+            <a:ext cx="795240" cy="454320"/>
           </a:xfrm>
           <a:custGeom>
             <a:avLst/>
@@ -8661,35 +8535,37 @@
         <p:txBody>
           <a:bodyPr lIns="90000" rIns="90000" tIns="45000" bIns="45000"/>
           <a:p>
-            <a:pPr/>
+            <a:pPr>
+              <a:lnSpc>
+                <a:spcPct val="100000"/>
+              </a:lnSpc>
+            </a:pPr>
             <a:r>
               <a:rPr b="0" i="1" lang="fr-FR" sz="2000" spc="-1" strike="noStrike">
                 <a:solidFill>
                   <a:srgbClr val="0000ff"/>
                 </a:solidFill>
                 <a:latin typeface="Times New Roman"/>
+                <a:ea typeface="DejaVu Sans"/>
               </a:rPr>
               <a:t>pull</a:t>
             </a:r>
             <a:endParaRPr b="0" lang="fr-FR" sz="2000" spc="-1" strike="noStrike">
-              <a:solidFill>
-                <a:srgbClr val="000000"/>
-              </a:solidFill>
-              <a:latin typeface="Times New Roman"/>
-            </a:endParaRPr>
-          </a:p>
-        </p:txBody>
-      </p:sp>
-      <p:sp>
-        <p:nvSpPr>
-          <p:cNvPr id="403" name="CustomShape 24"/>
+              <a:latin typeface="Arial"/>
+            </a:endParaRPr>
+          </a:p>
+        </p:txBody>
+      </p:sp>
+      <p:sp>
+        <p:nvSpPr>
+          <p:cNvPr id="397" name="CustomShape 24"/>
           <p:cNvSpPr/>
           <p:nvPr/>
         </p:nvSpPr>
         <p:spPr>
           <a:xfrm>
             <a:off x="5439240" y="4316400"/>
-            <a:ext cx="795600" cy="454680"/>
+            <a:ext cx="795240" cy="454320"/>
           </a:xfrm>
           <a:custGeom>
             <a:avLst/>
@@ -8731,35 +8607,37 @@
         <p:txBody>
           <a:bodyPr lIns="90000" rIns="90000" tIns="45000" bIns="45000"/>
           <a:p>
-            <a:pPr/>
+            <a:pPr>
+              <a:lnSpc>
+                <a:spcPct val="100000"/>
+              </a:lnSpc>
+            </a:pPr>
             <a:r>
               <a:rPr b="0" i="1" lang="fr-FR" sz="2000" spc="-1" strike="noStrike">
                 <a:solidFill>
                   <a:srgbClr val="0000ff"/>
                 </a:solidFill>
                 <a:latin typeface="Times New Roman"/>
+                <a:ea typeface="DejaVu Sans"/>
               </a:rPr>
               <a:t>pull</a:t>
             </a:r>
             <a:endParaRPr b="0" lang="fr-FR" sz="2000" spc="-1" strike="noStrike">
-              <a:solidFill>
-                <a:srgbClr val="000000"/>
-              </a:solidFill>
-              <a:latin typeface="Times New Roman"/>
-            </a:endParaRPr>
-          </a:p>
-        </p:txBody>
-      </p:sp>
-      <p:sp>
-        <p:nvSpPr>
-          <p:cNvPr id="404" name="CustomShape 25"/>
+              <a:latin typeface="Arial"/>
+            </a:endParaRPr>
+          </a:p>
+        </p:txBody>
+      </p:sp>
+      <p:sp>
+        <p:nvSpPr>
+          <p:cNvPr id="398" name="CustomShape 25"/>
           <p:cNvSpPr/>
           <p:nvPr/>
         </p:nvSpPr>
         <p:spPr>
           <a:xfrm>
             <a:off x="5697720" y="1122840"/>
-            <a:ext cx="2252520" cy="732240"/>
+            <a:ext cx="2252160" cy="731880"/>
           </a:xfrm>
           <a:custGeom>
             <a:avLst/>
@@ -8801,13 +8679,18 @@
         <p:txBody>
           <a:bodyPr wrap="none" lIns="90000" rIns="90000" tIns="45000" bIns="45000"/>
           <a:p>
-            <a:pPr/>
+            <a:pPr>
+              <a:lnSpc>
+                <a:spcPct val="100000"/>
+              </a:lnSpc>
+            </a:pPr>
             <a:r>
               <a:rPr b="0" i="1" lang="fr-FR" sz="1800" spc="-1" strike="noStrike">
                 <a:solidFill>
                   <a:srgbClr val="000000"/>
                 </a:solidFill>
                 <a:latin typeface="Times New Roman"/>
+                <a:ea typeface="DejaVu Sans"/>
               </a:rPr>
               <a:t>Postes d'exécution</a:t>
             </a:r>
@@ -8818,6 +8701,7 @@
                   <a:srgbClr val="000000"/>
                 </a:solidFill>
                 <a:latin typeface="Times New Roman"/>
+                <a:ea typeface="DejaVu Sans"/>
               </a:rPr>
               <a:t>(production / </a:t>
             </a:r>
@@ -8827,6 +8711,7 @@
                   <a:srgbClr val="ce181e"/>
                 </a:solidFill>
                 <a:latin typeface="Times New Roman"/>
+                <a:ea typeface="DejaVu Sans"/>
               </a:rPr>
               <a:t>ops</a:t>
             </a:r>
@@ -8836,21 +8721,19 @@
                   <a:srgbClr val="000000"/>
                 </a:solidFill>
                 <a:latin typeface="Times New Roman"/>
+                <a:ea typeface="DejaVu Sans"/>
               </a:rPr>
               <a:t>)</a:t>
             </a:r>
             <a:endParaRPr b="0" lang="fr-FR" sz="1800" spc="-1" strike="noStrike">
-              <a:solidFill>
-                <a:srgbClr val="000000"/>
-              </a:solidFill>
-              <a:latin typeface="Times New Roman"/>
+              <a:latin typeface="Arial"/>
             </a:endParaRPr>
           </a:p>
         </p:txBody>
       </p:sp>
       <p:pic>
         <p:nvPicPr>
-          <p:cNvPr id="405" name="" descr=""/>
+          <p:cNvPr id="399" name="" descr=""/>
           <p:cNvPicPr/>
           <p:nvPr/>
         </p:nvPicPr>
@@ -8861,7 +8744,7 @@
         <p:spPr>
           <a:xfrm>
             <a:off x="5871240" y="2331360"/>
-            <a:ext cx="1731960" cy="942120"/>
+            <a:ext cx="1731600" cy="941760"/>
           </a:xfrm>
           <a:prstGeom prst="rect">
             <a:avLst/>
@@ -8873,14 +8756,14 @@
       </p:pic>
       <p:sp>
         <p:nvSpPr>
-          <p:cNvPr id="406" name="CustomShape 26"/>
+          <p:cNvPr id="400" name="CustomShape 26"/>
           <p:cNvSpPr/>
           <p:nvPr/>
         </p:nvSpPr>
         <p:spPr>
           <a:xfrm>
             <a:off x="5871240" y="1962000"/>
-            <a:ext cx="1640880" cy="454680"/>
+            <a:ext cx="1640520" cy="454320"/>
           </a:xfrm>
           <a:custGeom>
             <a:avLst/>
@@ -8922,28 +8805,30 @@
         <p:txBody>
           <a:bodyPr lIns="90000" rIns="90000" tIns="45000" bIns="45000"/>
           <a:p>
-            <a:pPr/>
+            <a:pPr>
+              <a:lnSpc>
+                <a:spcPct val="100000"/>
+              </a:lnSpc>
+            </a:pPr>
             <a:r>
               <a:rPr b="0" i="1" lang="fr-FR" sz="2000" spc="-1" strike="noStrike">
                 <a:solidFill>
                   <a:srgbClr val="0000ff"/>
                 </a:solidFill>
                 <a:latin typeface="Times New Roman"/>
+                <a:ea typeface="DejaVu Sans"/>
               </a:rPr>
               <a:t>docker run</a:t>
             </a:r>
             <a:endParaRPr b="0" lang="fr-FR" sz="2000" spc="-1" strike="noStrike">
-              <a:solidFill>
-                <a:srgbClr val="000000"/>
-              </a:solidFill>
-              <a:latin typeface="Times New Roman"/>
-            </a:endParaRPr>
-          </a:p>
-        </p:txBody>
-      </p:sp>
-      <p:sp>
-        <p:nvSpPr>
-          <p:cNvPr id="407" name="Line 27"/>
+              <a:latin typeface="Arial"/>
+            </a:endParaRPr>
+          </a:p>
+        </p:txBody>
+      </p:sp>
+      <p:sp>
+        <p:nvSpPr>
+          <p:cNvPr id="401" name="Line 27"/>
           <p:cNvSpPr/>
           <p:nvPr/>
         </p:nvSpPr>
@@ -8972,7 +8857,7 @@
       </p:sp>
       <p:sp>
         <p:nvSpPr>
-          <p:cNvPr id="408" name="Line 28"/>
+          <p:cNvPr id="402" name="Line 28"/>
           <p:cNvSpPr/>
           <p:nvPr/>
         </p:nvSpPr>
@@ -9001,7 +8886,7 @@
       </p:sp>
       <p:sp>
         <p:nvSpPr>
-          <p:cNvPr id="409" name="Line 29"/>
+          <p:cNvPr id="403" name="Line 29"/>
           <p:cNvSpPr/>
           <p:nvPr/>
         </p:nvSpPr>
@@ -9029,7 +8914,7 @@
       </p:sp>
       <p:sp>
         <p:nvSpPr>
-          <p:cNvPr id="410" name="Line 30"/>
+          <p:cNvPr id="404" name="Line 30"/>
           <p:cNvSpPr/>
           <p:nvPr/>
         </p:nvSpPr>
@@ -9057,14 +8942,14 @@
       </p:sp>
       <p:sp>
         <p:nvSpPr>
-          <p:cNvPr id="411" name="CustomShape 31"/>
+          <p:cNvPr id="405" name="CustomShape 31"/>
           <p:cNvSpPr/>
           <p:nvPr/>
         </p:nvSpPr>
         <p:spPr>
           <a:xfrm>
             <a:off x="137160" y="4316400"/>
-            <a:ext cx="641520" cy="454680"/>
+            <a:ext cx="641160" cy="454320"/>
           </a:xfrm>
           <a:custGeom>
             <a:avLst/>
@@ -9106,35 +8991,37 @@
         <p:txBody>
           <a:bodyPr wrap="none" lIns="90000" rIns="90000" tIns="45000" bIns="45000"/>
           <a:p>
-            <a:pPr/>
+            <a:pPr>
+              <a:lnSpc>
+                <a:spcPct val="100000"/>
+              </a:lnSpc>
+            </a:pPr>
             <a:r>
               <a:rPr b="1" i="1" lang="fr-FR" sz="2000" spc="-1" strike="noStrike">
                 <a:solidFill>
                   <a:srgbClr val="ce181e"/>
                 </a:solidFill>
                 <a:latin typeface="Times New Roman"/>
+                <a:ea typeface="DejaVu Sans"/>
               </a:rPr>
               <a:t>dev</a:t>
             </a:r>
             <a:endParaRPr b="0" lang="fr-FR" sz="2000" spc="-1" strike="noStrike">
-              <a:solidFill>
-                <a:srgbClr val="000000"/>
-              </a:solidFill>
-              <a:latin typeface="Times New Roman"/>
-            </a:endParaRPr>
-          </a:p>
-        </p:txBody>
-      </p:sp>
-      <p:sp>
-        <p:nvSpPr>
-          <p:cNvPr id="412" name="CustomShape 32"/>
+              <a:latin typeface="Arial"/>
+            </a:endParaRPr>
+          </a:p>
+        </p:txBody>
+      </p:sp>
+      <p:sp>
+        <p:nvSpPr>
+          <p:cNvPr id="406" name="CustomShape 32"/>
           <p:cNvSpPr/>
           <p:nvPr/>
         </p:nvSpPr>
         <p:spPr>
           <a:xfrm>
             <a:off x="360" y="360"/>
-            <a:ext cx="9144000" cy="6856920"/>
+            <a:ext cx="9143640" cy="6856560"/>
           </a:xfrm>
           <a:prstGeom prst="rect">
             <a:avLst/>
@@ -9212,14 +9099,14 @@
       </p:grpSpPr>
       <p:sp>
         <p:nvSpPr>
-          <p:cNvPr id="413" name="CustomShape 1"/>
+          <p:cNvPr id="407" name="CustomShape 1"/>
           <p:cNvSpPr/>
           <p:nvPr/>
         </p:nvSpPr>
         <p:spPr>
           <a:xfrm>
             <a:off x="1812240" y="1050840"/>
-            <a:ext cx="4144680" cy="735480"/>
+            <a:ext cx="4144320" cy="735120"/>
           </a:xfrm>
           <a:custGeom>
             <a:avLst/>
@@ -9261,7 +9148,11 @@
         <p:txBody>
           <a:bodyPr lIns="90000" rIns="90000" tIns="45000" bIns="45000"/>
           <a:p>
-            <a:pPr/>
+            <a:pPr>
+              <a:lnSpc>
+                <a:spcPct val="100000"/>
+              </a:lnSpc>
+            </a:pPr>
             <a:r>
               <a:rPr b="1" lang="fr-FR" sz="3600" spc="-1" strike="noStrike" u="sng">
                 <a:solidFill>
@@ -9269,6 +9160,7 @@
                 </a:solidFill>
                 <a:uFillTx/>
                 <a:latin typeface="Times New Roman"/>
+                <a:ea typeface="DejaVu Sans"/>
               </a:rPr>
               <a:t>Kubernetes</a:t>
             </a:r>
@@ -9278,6 +9170,7 @@
                   <a:srgbClr val="000000"/>
                 </a:solidFill>
                 <a:latin typeface="Times New Roman"/>
+                <a:ea typeface="DejaVu Sans"/>
               </a:rPr>
               <a:t> (</a:t>
             </a:r>
@@ -9287,6 +9180,7 @@
                   <a:srgbClr val="000000"/>
                 </a:solidFill>
                 <a:latin typeface="Times New Roman"/>
+                <a:ea typeface="DejaVu Sans"/>
               </a:rPr>
               <a:t>k8s</a:t>
             </a:r>
@@ -9296,21 +9190,19 @@
                   <a:srgbClr val="000000"/>
                 </a:solidFill>
                 <a:latin typeface="Times New Roman"/>
+                <a:ea typeface="DejaVu Sans"/>
               </a:rPr>
               <a:t>)</a:t>
             </a:r>
             <a:endParaRPr b="0" lang="fr-FR" sz="2160" spc="-1" strike="noStrike">
-              <a:solidFill>
-                <a:srgbClr val="000000"/>
-              </a:solidFill>
-              <a:latin typeface="Times New Roman"/>
+              <a:latin typeface="Arial"/>
             </a:endParaRPr>
           </a:p>
         </p:txBody>
       </p:sp>
       <p:pic>
         <p:nvPicPr>
-          <p:cNvPr id="414" name="" descr=""/>
+          <p:cNvPr id="408" name="" descr=""/>
           <p:cNvPicPr/>
           <p:nvPr/>
         </p:nvPicPr>
@@ -9321,7 +9213,7 @@
         <p:spPr>
           <a:xfrm>
             <a:off x="6735600" y="1080000"/>
-            <a:ext cx="1976040" cy="1662120"/>
+            <a:ext cx="1975680" cy="1661760"/>
           </a:xfrm>
           <a:prstGeom prst="rect">
             <a:avLst/>
@@ -9333,14 +9225,14 @@
       </p:pic>
       <p:sp>
         <p:nvSpPr>
-          <p:cNvPr id="415" name="CustomShape 2"/>
+          <p:cNvPr id="409" name="CustomShape 2"/>
           <p:cNvSpPr/>
           <p:nvPr/>
         </p:nvSpPr>
         <p:spPr>
           <a:xfrm>
             <a:off x="432000" y="2887560"/>
-            <a:ext cx="8548200" cy="3664440"/>
+            <a:ext cx="8547840" cy="3664080"/>
           </a:xfrm>
           <a:custGeom>
             <a:avLst/>
@@ -9382,13 +9274,18 @@
         <p:txBody>
           <a:bodyPr lIns="90000" rIns="90000" tIns="45000" bIns="45000"/>
           <a:p>
-            <a:pPr/>
+            <a:pPr>
+              <a:lnSpc>
+                <a:spcPct val="100000"/>
+              </a:lnSpc>
+            </a:pPr>
             <a:r>
               <a:rPr b="1" lang="fr-FR" sz="2200" spc="-1" strike="noStrike">
                 <a:solidFill>
                   <a:srgbClr val="000000"/>
                 </a:solidFill>
                 <a:latin typeface="Times New Roman"/>
+                <a:ea typeface="DejaVu Sans"/>
               </a:rPr>
               <a:t>Kubernetes</a:t>
             </a:r>
@@ -9398,6 +9295,7 @@
                   <a:srgbClr val="000000"/>
                 </a:solidFill>
                 <a:latin typeface="Times New Roman"/>
+                <a:ea typeface="DejaVu Sans"/>
               </a:rPr>
               <a:t> (k8s) est une </a:t>
             </a:r>
@@ -9407,6 +9305,7 @@
                   <a:srgbClr val="000000"/>
                 </a:solidFill>
                 <a:latin typeface="Times New Roman"/>
+                <a:ea typeface="DejaVu Sans"/>
               </a:rPr>
               <a:t>plate-forme logicielle</a:t>
             </a:r>
@@ -9416,6 +9315,7 @@
                   <a:srgbClr val="000000"/>
                 </a:solidFill>
                 <a:latin typeface="Times New Roman"/>
+                <a:ea typeface="DejaVu Sans"/>
               </a:rPr>
               <a:t> permettant d'</a:t>
             </a:r>
@@ -9426,6 +9326,7 @@
                 </a:solidFill>
                 <a:uFillTx/>
                 <a:latin typeface="Times New Roman"/>
+                <a:ea typeface="DejaVu Sans"/>
               </a:rPr>
               <a:t>automatiser le déploiement, la montée en charge et la mise en œuvre de </a:t>
             </a:r>
@@ -9436,6 +9337,7 @@
                 </a:solidFill>
                 <a:uFillTx/>
                 <a:latin typeface="Times New Roman"/>
+                <a:ea typeface="DejaVu Sans"/>
               </a:rPr>
               <a:t>conteneurs</a:t>
             </a:r>
@@ -9446,6 +9348,7 @@
                 </a:solidFill>
                 <a:uFillTx/>
                 <a:latin typeface="Times New Roman"/>
+                <a:ea typeface="DejaVu Sans"/>
               </a:rPr>
               <a:t> d'application</a:t>
             </a:r>
@@ -9455,6 +9358,7 @@
                   <a:srgbClr val="000000"/>
                 </a:solidFill>
                 <a:latin typeface="Times New Roman"/>
+                <a:ea typeface="DejaVu Sans"/>
               </a:rPr>
               <a:t> sur des </a:t>
             </a:r>
@@ -9465,6 +9369,7 @@
                 </a:solidFill>
                 <a:uFillTx/>
                 <a:latin typeface="Times New Roman"/>
+                <a:ea typeface="DejaVu Sans"/>
               </a:rPr>
               <a:t>clusters de serveurs</a:t>
             </a:r>
@@ -9474,33 +9379,37 @@
                   <a:srgbClr val="000000"/>
                 </a:solidFill>
                 <a:latin typeface="Times New Roman"/>
+                <a:ea typeface="DejaVu Sans"/>
               </a:rPr>
               <a:t> .</a:t>
             </a:r>
             <a:endParaRPr b="0" lang="fr-FR" sz="2200" spc="-1" strike="noStrike">
-              <a:solidFill>
-                <a:srgbClr val="000000"/>
-              </a:solidFill>
-              <a:latin typeface="Times New Roman"/>
-            </a:endParaRPr>
-          </a:p>
-          <a:p>
-            <a:pPr/>
+              <a:latin typeface="Arial"/>
+            </a:endParaRPr>
+          </a:p>
+          <a:p>
+            <a:pPr>
+              <a:lnSpc>
+                <a:spcPct val="100000"/>
+              </a:lnSpc>
+            </a:pPr>
             <a:endParaRPr b="0" lang="fr-FR" sz="2200" spc="-1" strike="noStrike">
-              <a:solidFill>
-                <a:srgbClr val="000000"/>
-              </a:solidFill>
-              <a:latin typeface="Times New Roman"/>
-            </a:endParaRPr>
-          </a:p>
-          <a:p>
-            <a:pPr/>
+              <a:latin typeface="Arial"/>
+            </a:endParaRPr>
+          </a:p>
+          <a:p>
+            <a:pPr>
+              <a:lnSpc>
+                <a:spcPct val="100000"/>
+              </a:lnSpc>
+            </a:pPr>
             <a:r>
               <a:rPr b="0" lang="fr-FR" sz="2200" spc="-1" strike="noStrike">
                 <a:solidFill>
                   <a:srgbClr val="000000"/>
                 </a:solidFill>
                 <a:latin typeface="Times New Roman"/>
+                <a:ea typeface="DejaVu Sans"/>
               </a:rPr>
               <a:t>Kubernetes est très souvent utilisé avec des conteneurs "</a:t>
             </a:r>
@@ -9510,6 +9419,7 @@
                   <a:srgbClr val="000000"/>
                 </a:solidFill>
                 <a:latin typeface="Times New Roman"/>
+                <a:ea typeface="DejaVu Sans"/>
               </a:rPr>
               <a:t>docker</a:t>
             </a:r>
@@ -9519,33 +9429,37 @@
                   <a:srgbClr val="000000"/>
                 </a:solidFill>
                 <a:latin typeface="Times New Roman"/>
+                <a:ea typeface="DejaVu Sans"/>
               </a:rPr>
               <a:t>" mais il a été cependant conçu pour fonctionner avec d'autres sortes de conteneurs .</a:t>
             </a:r>
             <a:endParaRPr b="0" lang="fr-FR" sz="2200" spc="-1" strike="noStrike">
-              <a:solidFill>
-                <a:srgbClr val="000000"/>
-              </a:solidFill>
-              <a:latin typeface="Times New Roman"/>
-            </a:endParaRPr>
-          </a:p>
-          <a:p>
-            <a:pPr/>
+              <a:latin typeface="Arial"/>
+            </a:endParaRPr>
+          </a:p>
+          <a:p>
+            <a:pPr>
+              <a:lnSpc>
+                <a:spcPct val="100000"/>
+              </a:lnSpc>
+            </a:pPr>
             <a:endParaRPr b="0" lang="fr-FR" sz="2200" spc="-1" strike="noStrike">
-              <a:solidFill>
-                <a:srgbClr val="000000"/>
-              </a:solidFill>
-              <a:latin typeface="Times New Roman"/>
-            </a:endParaRPr>
-          </a:p>
-          <a:p>
-            <a:pPr/>
+              <a:latin typeface="Arial"/>
+            </a:endParaRPr>
+          </a:p>
+          <a:p>
+            <a:pPr>
+              <a:lnSpc>
+                <a:spcPct val="100000"/>
+              </a:lnSpc>
+            </a:pPr>
             <a:r>
               <a:rPr b="0" lang="fr-FR" sz="2200" spc="-1" strike="noStrike">
                 <a:solidFill>
                   <a:srgbClr val="000000"/>
                 </a:solidFill>
                 <a:latin typeface="Times New Roman"/>
+                <a:ea typeface="DejaVu Sans"/>
               </a:rPr>
               <a:t>Kubernetes s'inscrit à fond dans la tendance architecturale </a:t>
             </a:r>
@@ -9556,6 +9470,7 @@
                   <a:srgbClr val="000000"/>
                 </a:solidFill>
                 <a:latin typeface="Times New Roman"/>
+                <a:ea typeface="DejaVu Sans"/>
               </a:rPr>
               <a:t>"</a:t>
             </a:r>
@@ -9565,6 +9480,7 @@
                   <a:srgbClr val="000000"/>
                 </a:solidFill>
                 <a:latin typeface="Times New Roman"/>
+                <a:ea typeface="DejaVu Sans"/>
               </a:rPr>
               <a:t>DevOps , Cloud, micro-services</a:t>
             </a:r>
@@ -9574,28 +9490,26 @@
                   <a:srgbClr val="000000"/>
                 </a:solidFill>
                 <a:latin typeface="Times New Roman"/>
+                <a:ea typeface="DejaVu Sans"/>
               </a:rPr>
               <a:t>" </a:t>
             </a:r>
             <a:endParaRPr b="0" lang="fr-FR" sz="2200" spc="-1" strike="noStrike">
-              <a:solidFill>
-                <a:srgbClr val="000000"/>
-              </a:solidFill>
-              <a:latin typeface="Times New Roman"/>
-            </a:endParaRPr>
-          </a:p>
-        </p:txBody>
-      </p:sp>
-      <p:sp>
-        <p:nvSpPr>
-          <p:cNvPr id="416" name="CustomShape 3"/>
+              <a:latin typeface="Arial"/>
+            </a:endParaRPr>
+          </a:p>
+        </p:txBody>
+      </p:sp>
+      <p:sp>
+        <p:nvSpPr>
+          <p:cNvPr id="410" name="CustomShape 3"/>
           <p:cNvSpPr/>
           <p:nvPr/>
         </p:nvSpPr>
         <p:spPr>
           <a:xfrm>
             <a:off x="500400" y="2079360"/>
-            <a:ext cx="5284800" cy="623880"/>
+            <a:ext cx="5284440" cy="623520"/>
           </a:xfrm>
           <a:custGeom>
             <a:avLst/>
@@ -9637,53 +9551,57 @@
         <p:txBody>
           <a:bodyPr lIns="90000" rIns="90000" tIns="45000" bIns="45000"/>
           <a:p>
-            <a:pPr/>
+            <a:pPr>
+              <a:lnSpc>
+                <a:spcPct val="100000"/>
+              </a:lnSpc>
+            </a:pPr>
             <a:r>
               <a:rPr b="0" i="1" lang="fr-FR" sz="1800" spc="-1" strike="noStrike">
                 <a:solidFill>
                   <a:srgbClr val="000000"/>
                 </a:solidFill>
                 <a:latin typeface="Times New Roman"/>
+                <a:ea typeface="DejaVu Sans"/>
               </a:rPr>
               <a:t>Kubernetes signifie "timonier" ou "pilote" </a:t>
             </a:r>
             <a:endParaRPr b="0" lang="fr-FR" sz="1800" spc="-1" strike="noStrike">
-              <a:solidFill>
-                <a:srgbClr val="000000"/>
-              </a:solidFill>
-              <a:latin typeface="Times New Roman"/>
-            </a:endParaRPr>
-          </a:p>
-          <a:p>
-            <a:pPr/>
+              <a:latin typeface="Arial"/>
+            </a:endParaRPr>
+          </a:p>
+          <a:p>
+            <a:pPr>
+              <a:lnSpc>
+                <a:spcPct val="100000"/>
+              </a:lnSpc>
+            </a:pPr>
             <a:r>
               <a:rPr b="0" i="1" lang="fr-FR" sz="1800" spc="-1" strike="noStrike">
                 <a:solidFill>
                   <a:srgbClr val="000000"/>
                 </a:solidFill>
                 <a:latin typeface="Times New Roman"/>
+                <a:ea typeface="DejaVu Sans"/>
               </a:rPr>
               <a:t>en langue grecque .</a:t>
             </a:r>
             <a:endParaRPr b="0" lang="fr-FR" sz="1800" spc="-1" strike="noStrike">
-              <a:solidFill>
-                <a:srgbClr val="000000"/>
-              </a:solidFill>
-              <a:latin typeface="Times New Roman"/>
-            </a:endParaRPr>
-          </a:p>
-        </p:txBody>
-      </p:sp>
-      <p:sp>
-        <p:nvSpPr>
-          <p:cNvPr id="417" name="CustomShape 4"/>
+              <a:latin typeface="Arial"/>
+            </a:endParaRPr>
+          </a:p>
+        </p:txBody>
+      </p:sp>
+      <p:sp>
+        <p:nvSpPr>
+          <p:cNvPr id="411" name="CustomShape 4"/>
           <p:cNvSpPr/>
           <p:nvPr/>
         </p:nvSpPr>
         <p:spPr>
           <a:xfrm>
             <a:off x="360" y="360"/>
-            <a:ext cx="9144000" cy="6856920"/>
+            <a:ext cx="9143640" cy="6856560"/>
           </a:xfrm>
           <a:prstGeom prst="rect">
             <a:avLst/>
@@ -9705,14 +9623,14 @@
       </p:sp>
       <p:sp>
         <p:nvSpPr>
-          <p:cNvPr id="418" name="CustomShape 5"/>
+          <p:cNvPr id="412" name="CustomShape 5"/>
           <p:cNvSpPr/>
           <p:nvPr/>
         </p:nvSpPr>
         <p:spPr>
           <a:xfrm>
             <a:off x="504000" y="288000"/>
-            <a:ext cx="8227800" cy="460800"/>
+            <a:ext cx="8227440" cy="460440"/>
           </a:xfrm>
           <a:prstGeom prst="rect">
             <a:avLst/>
@@ -9806,14 +9724,14 @@
       </p:grpSpPr>
       <p:sp>
         <p:nvSpPr>
-          <p:cNvPr id="419" name="CustomShape 1"/>
+          <p:cNvPr id="413" name="CustomShape 1"/>
           <p:cNvSpPr/>
           <p:nvPr/>
         </p:nvSpPr>
         <p:spPr>
           <a:xfrm>
             <a:off x="685800" y="2130480"/>
-            <a:ext cx="7772040" cy="2232000"/>
+            <a:ext cx="7771680" cy="2231640"/>
           </a:xfrm>
           <a:prstGeom prst="rect">
             <a:avLst/>
@@ -9832,14 +9750,14 @@
       </p:sp>
       <p:sp>
         <p:nvSpPr>
-          <p:cNvPr id="420" name="CustomShape 2"/>
+          <p:cNvPr id="414" name="CustomShape 2"/>
           <p:cNvSpPr/>
           <p:nvPr/>
         </p:nvSpPr>
         <p:spPr>
           <a:xfrm>
             <a:off x="457560" y="116640"/>
-            <a:ext cx="8227800" cy="460800"/>
+            <a:ext cx="8227440" cy="460440"/>
           </a:xfrm>
           <a:prstGeom prst="rect">
             <a:avLst/>
@@ -9884,7 +9802,7 @@
       </p:sp>
       <p:pic>
         <p:nvPicPr>
-          <p:cNvPr id="421" name="" descr=""/>
+          <p:cNvPr id="415" name="" descr=""/>
           <p:cNvPicPr/>
           <p:nvPr/>
         </p:nvPicPr>
@@ -9895,7 +9813,7 @@
         <p:spPr>
           <a:xfrm>
             <a:off x="504000" y="794880"/>
-            <a:ext cx="8229240" cy="5829120"/>
+            <a:ext cx="8228880" cy="5828760"/>
           </a:xfrm>
           <a:prstGeom prst="rect">
             <a:avLst/>
@@ -9956,14 +9874,14 @@
       </p:grpSpPr>
       <p:sp>
         <p:nvSpPr>
-          <p:cNvPr id="422" name="CustomShape 1"/>
+          <p:cNvPr id="416" name="CustomShape 1"/>
           <p:cNvSpPr/>
           <p:nvPr/>
         </p:nvSpPr>
         <p:spPr>
           <a:xfrm>
             <a:off x="685800" y="2130480"/>
-            <a:ext cx="7772040" cy="2232000"/>
+            <a:ext cx="7771680" cy="2231640"/>
           </a:xfrm>
           <a:prstGeom prst="rect">
             <a:avLst/>
@@ -9982,14 +9900,14 @@
       </p:sp>
       <p:sp>
         <p:nvSpPr>
-          <p:cNvPr id="423" name="CustomShape 2"/>
+          <p:cNvPr id="417" name="CustomShape 2"/>
           <p:cNvSpPr/>
           <p:nvPr/>
         </p:nvSpPr>
         <p:spPr>
           <a:xfrm>
             <a:off x="457560" y="116640"/>
-            <a:ext cx="8227800" cy="460800"/>
+            <a:ext cx="8227440" cy="460440"/>
           </a:xfrm>
           <a:prstGeom prst="rect">
             <a:avLst/>
@@ -10032,6 +9950,29 @@
           </a:p>
         </p:txBody>
       </p:sp>
+      <p:pic>
+        <p:nvPicPr>
+          <p:cNvPr id="418" name="" descr=""/>
+          <p:cNvPicPr/>
+          <p:nvPr/>
+        </p:nvPicPr>
+        <p:blipFill>
+          <a:blip r:embed="rId1"/>
+          <a:stretch/>
+        </p:blipFill>
+        <p:spPr>
+          <a:xfrm>
+            <a:off x="576000" y="608760"/>
+            <a:ext cx="7992000" cy="5919120"/>
+          </a:xfrm>
+          <a:prstGeom prst="rect">
+            <a:avLst/>
+          </a:prstGeom>
+          <a:ln>
+            <a:noFill/>
+          </a:ln>
+        </p:spPr>
+      </p:pic>
     </p:spTree>
   </p:cSld>
   <p:timing>
@@ -10083,14 +10024,14 @@
       </p:grpSpPr>
       <p:sp>
         <p:nvSpPr>
-          <p:cNvPr id="159" name="CustomShape 1"/>
+          <p:cNvPr id="153" name="CustomShape 1"/>
           <p:cNvSpPr/>
           <p:nvPr/>
         </p:nvSpPr>
         <p:spPr>
           <a:xfrm>
             <a:off x="3990960" y="1292040"/>
-            <a:ext cx="2307240" cy="4304880"/>
+            <a:ext cx="2306880" cy="4304520"/>
           </a:xfrm>
           <a:prstGeom prst="roundRect">
             <a:avLst>
@@ -10122,14 +10063,14 @@
       </p:sp>
       <p:sp>
         <p:nvSpPr>
-          <p:cNvPr id="160" name="CustomShape 2"/>
+          <p:cNvPr id="154" name="CustomShape 2"/>
           <p:cNvSpPr/>
           <p:nvPr/>
         </p:nvSpPr>
         <p:spPr>
           <a:xfrm>
             <a:off x="457200" y="116640"/>
-            <a:ext cx="8227800" cy="460800"/>
+            <a:ext cx="8227440" cy="460440"/>
           </a:xfrm>
           <a:prstGeom prst="rect">
             <a:avLst/>
@@ -10174,14 +10115,14 @@
       </p:sp>
       <p:sp>
         <p:nvSpPr>
-          <p:cNvPr id="161" name="CustomShape 3"/>
+          <p:cNvPr id="155" name="CustomShape 3"/>
           <p:cNvSpPr/>
           <p:nvPr/>
         </p:nvSpPr>
         <p:spPr>
           <a:xfrm>
             <a:off x="6601320" y="1532520"/>
-            <a:ext cx="1919880" cy="1053000"/>
+            <a:ext cx="1919520" cy="1052640"/>
           </a:xfrm>
           <a:prstGeom prst="roundRect">
             <a:avLst>
@@ -10237,14 +10178,14 @@
       </p:sp>
       <p:sp>
         <p:nvSpPr>
-          <p:cNvPr id="162" name="CustomShape 4"/>
+          <p:cNvPr id="156" name="CustomShape 4"/>
           <p:cNvSpPr/>
           <p:nvPr/>
         </p:nvSpPr>
         <p:spPr>
           <a:xfrm>
             <a:off x="1513800" y="6093360"/>
-            <a:ext cx="5897520" cy="637560"/>
+            <a:ext cx="5897160" cy="637200"/>
           </a:xfrm>
           <a:prstGeom prst="rect">
             <a:avLst/>
@@ -10347,14 +10288,14 @@
       </p:sp>
       <p:sp>
         <p:nvSpPr>
-          <p:cNvPr id="163" name="CustomShape 5"/>
+          <p:cNvPr id="157" name="CustomShape 5"/>
           <p:cNvSpPr/>
           <p:nvPr/>
         </p:nvSpPr>
         <p:spPr>
           <a:xfrm>
             <a:off x="6626880" y="3149640"/>
-            <a:ext cx="1945440" cy="967680"/>
+            <a:ext cx="1945080" cy="967320"/>
           </a:xfrm>
           <a:prstGeom prst="roundRect">
             <a:avLst>
@@ -10410,14 +10351,14 @@
       </p:sp>
       <p:sp>
         <p:nvSpPr>
-          <p:cNvPr id="164" name="CustomShape 6"/>
+          <p:cNvPr id="158" name="CustomShape 6"/>
           <p:cNvSpPr/>
           <p:nvPr/>
         </p:nvSpPr>
         <p:spPr>
           <a:xfrm>
             <a:off x="4140000" y="1551960"/>
-            <a:ext cx="1932480" cy="1438200"/>
+            <a:ext cx="1932120" cy="1437840"/>
           </a:xfrm>
           <a:prstGeom prst="roundRect">
             <a:avLst>
@@ -10473,14 +10414,14 @@
       </p:sp>
       <p:sp>
         <p:nvSpPr>
-          <p:cNvPr id="165" name="CustomShape 7"/>
+          <p:cNvPr id="159" name="CustomShape 7"/>
           <p:cNvSpPr/>
           <p:nvPr/>
         </p:nvSpPr>
         <p:spPr>
           <a:xfrm>
             <a:off x="4149720" y="3861000"/>
-            <a:ext cx="1932480" cy="1438200"/>
+            <a:ext cx="1932120" cy="1437840"/>
           </a:xfrm>
           <a:prstGeom prst="roundRect">
             <a:avLst>
@@ -10536,14 +10477,14 @@
       </p:sp>
       <p:sp>
         <p:nvSpPr>
-          <p:cNvPr id="166" name="CustomShape 8"/>
+          <p:cNvPr id="160" name="CustomShape 8"/>
           <p:cNvSpPr/>
           <p:nvPr/>
         </p:nvSpPr>
         <p:spPr>
           <a:xfrm>
             <a:off x="1331640" y="2565000"/>
-            <a:ext cx="1932480" cy="2232000"/>
+            <a:ext cx="1932120" cy="2231640"/>
           </a:xfrm>
           <a:prstGeom prst="roundRect">
             <a:avLst>
@@ -10599,14 +10540,14 @@
       </p:sp>
       <p:sp>
         <p:nvSpPr>
-          <p:cNvPr id="167" name="CustomShape 9"/>
+          <p:cNvPr id="161" name="CustomShape 9"/>
           <p:cNvSpPr/>
           <p:nvPr/>
         </p:nvSpPr>
         <p:spPr>
           <a:xfrm>
             <a:off x="6871680" y="1893960"/>
-            <a:ext cx="558000" cy="493920"/>
+            <a:ext cx="557640" cy="493560"/>
           </a:xfrm>
           <a:prstGeom prst="can">
             <a:avLst>
@@ -10642,14 +10583,14 @@
       </p:sp>
       <p:sp>
         <p:nvSpPr>
-          <p:cNvPr id="168" name="CustomShape 10"/>
+          <p:cNvPr id="162" name="CustomShape 10"/>
           <p:cNvSpPr/>
           <p:nvPr/>
         </p:nvSpPr>
         <p:spPr>
           <a:xfrm>
             <a:off x="6823800" y="3387240"/>
-            <a:ext cx="558000" cy="493920"/>
+            <a:ext cx="557640" cy="493560"/>
           </a:xfrm>
           <a:prstGeom prst="can">
             <a:avLst>
@@ -10685,14 +10626,14 @@
       </p:sp>
       <p:sp>
         <p:nvSpPr>
-          <p:cNvPr id="169" name="CustomShape 11"/>
+          <p:cNvPr id="163" name="CustomShape 11"/>
           <p:cNvSpPr/>
           <p:nvPr/>
         </p:nvSpPr>
         <p:spPr>
           <a:xfrm>
             <a:off x="7480080" y="2142000"/>
-            <a:ext cx="722160" cy="363240"/>
+            <a:ext cx="721800" cy="362880"/>
           </a:xfrm>
           <a:prstGeom prst="rect">
             <a:avLst/>
@@ -10734,14 +10675,14 @@
       </p:sp>
       <p:sp>
         <p:nvSpPr>
-          <p:cNvPr id="170" name="CustomShape 12"/>
+          <p:cNvPr id="164" name="CustomShape 12"/>
           <p:cNvSpPr/>
           <p:nvPr/>
         </p:nvSpPr>
         <p:spPr>
           <a:xfrm>
             <a:off x="7437600" y="3623040"/>
-            <a:ext cx="1095480" cy="363240"/>
+            <a:ext cx="1095120" cy="362880"/>
           </a:xfrm>
           <a:prstGeom prst="rect">
             <a:avLst/>
@@ -10783,14 +10724,14 @@
       </p:sp>
       <p:sp>
         <p:nvSpPr>
-          <p:cNvPr id="171" name="CustomShape 13"/>
+          <p:cNvPr id="165" name="CustomShape 13"/>
           <p:cNvSpPr/>
           <p:nvPr/>
         </p:nvSpPr>
         <p:spPr>
           <a:xfrm>
             <a:off x="4385160" y="4300920"/>
-            <a:ext cx="1582200" cy="912600"/>
+            <a:ext cx="1581840" cy="912240"/>
           </a:xfrm>
           <a:prstGeom prst="rect">
             <a:avLst/>
@@ -10858,14 +10799,14 @@
       </p:sp>
       <p:sp>
         <p:nvSpPr>
-          <p:cNvPr id="172" name="CustomShape 14"/>
+          <p:cNvPr id="166" name="CustomShape 14"/>
           <p:cNvSpPr/>
           <p:nvPr/>
         </p:nvSpPr>
         <p:spPr>
           <a:xfrm>
             <a:off x="4356000" y="2004840"/>
-            <a:ext cx="1582200" cy="774360"/>
+            <a:ext cx="1581840" cy="774000"/>
           </a:xfrm>
           <a:prstGeom prst="rect">
             <a:avLst/>
@@ -10933,14 +10874,14 @@
       </p:sp>
       <p:sp>
         <p:nvSpPr>
-          <p:cNvPr id="173" name="CustomShape 15"/>
+          <p:cNvPr id="167" name="CustomShape 15"/>
           <p:cNvSpPr/>
           <p:nvPr/>
         </p:nvSpPr>
         <p:spPr>
           <a:xfrm>
             <a:off x="1547640" y="3204720"/>
-            <a:ext cx="1191240" cy="912600"/>
+            <a:ext cx="1190880" cy="912240"/>
           </a:xfrm>
           <a:prstGeom prst="rect">
             <a:avLst/>
@@ -10997,14 +10938,14 @@
       </p:sp>
       <p:sp>
         <p:nvSpPr>
-          <p:cNvPr id="174" name="CustomShape 16"/>
+          <p:cNvPr id="168" name="CustomShape 16"/>
           <p:cNvSpPr/>
           <p:nvPr/>
         </p:nvSpPr>
         <p:spPr>
           <a:xfrm>
             <a:off x="2066760" y="3985560"/>
-            <a:ext cx="1346040" cy="626400"/>
+            <a:ext cx="1345680" cy="626040"/>
           </a:xfrm>
           <a:prstGeom prst="ellipse">
             <a:avLst/>
@@ -11081,14 +11022,14 @@
       </p:sp>
       <p:sp>
         <p:nvSpPr>
-          <p:cNvPr id="175" name="CustomShape 17"/>
+          <p:cNvPr id="169" name="CustomShape 17"/>
           <p:cNvSpPr/>
           <p:nvPr/>
         </p:nvSpPr>
         <p:spPr>
           <a:xfrm>
             <a:off x="351360" y="1154880"/>
-            <a:ext cx="1191240" cy="912600"/>
+            <a:ext cx="1190880" cy="912240"/>
           </a:xfrm>
           <a:prstGeom prst="rect">
             <a:avLst/>
@@ -11156,14 +11097,14 @@
       </p:sp>
       <p:sp>
         <p:nvSpPr>
-          <p:cNvPr id="176" name="CustomShape 18"/>
+          <p:cNvPr id="170" name="CustomShape 18"/>
           <p:cNvSpPr/>
           <p:nvPr/>
         </p:nvSpPr>
         <p:spPr>
           <a:xfrm>
             <a:off x="426600" y="1268640"/>
-            <a:ext cx="1191240" cy="912600"/>
+            <a:ext cx="1190880" cy="912240"/>
           </a:xfrm>
           <a:prstGeom prst="rect">
             <a:avLst/>
@@ -11231,14 +11172,14 @@
       </p:sp>
       <p:sp>
         <p:nvSpPr>
-          <p:cNvPr id="177" name="CustomShape 19"/>
+          <p:cNvPr id="171" name="CustomShape 19"/>
           <p:cNvSpPr/>
           <p:nvPr/>
         </p:nvSpPr>
         <p:spPr>
           <a:xfrm>
             <a:off x="498600" y="1412640"/>
-            <a:ext cx="1191240" cy="912600"/>
+            <a:ext cx="1190880" cy="912240"/>
           </a:xfrm>
           <a:prstGeom prst="rect">
             <a:avLst/>
@@ -11306,14 +11247,14 @@
       </p:sp>
       <p:sp>
         <p:nvSpPr>
-          <p:cNvPr id="178" name="CustomShape 20"/>
+          <p:cNvPr id="172" name="CustomShape 20"/>
           <p:cNvSpPr/>
           <p:nvPr/>
         </p:nvSpPr>
         <p:spPr>
           <a:xfrm>
             <a:off x="318600" y="338760"/>
-            <a:ext cx="358200" cy="358200"/>
+            <a:ext cx="357840" cy="357840"/>
           </a:xfrm>
           <a:prstGeom prst="smileyFace">
             <a:avLst>
@@ -11349,14 +11290,14 @@
       </p:sp>
       <p:sp>
         <p:nvSpPr>
-          <p:cNvPr id="179" name="CustomShape 21"/>
+          <p:cNvPr id="173" name="CustomShape 21"/>
           <p:cNvSpPr/>
           <p:nvPr/>
         </p:nvSpPr>
         <p:spPr>
           <a:xfrm>
             <a:off x="318600" y="737280"/>
-            <a:ext cx="358200" cy="400680"/>
+            <a:ext cx="357840" cy="400320"/>
           </a:xfrm>
           <a:prstGeom prst="heart">
             <a:avLst/>
@@ -11390,14 +11331,14 @@
       </p:sp>
       <p:sp>
         <p:nvSpPr>
-          <p:cNvPr id="180" name="CustomShape 22"/>
+          <p:cNvPr id="174" name="CustomShape 22"/>
           <p:cNvSpPr/>
           <p:nvPr/>
         </p:nvSpPr>
         <p:spPr>
           <a:xfrm>
             <a:off x="470880" y="491040"/>
-            <a:ext cx="358200" cy="358200"/>
+            <a:ext cx="357840" cy="357840"/>
           </a:xfrm>
           <a:prstGeom prst="smileyFace">
             <a:avLst>
@@ -11433,14 +11374,14 @@
       </p:sp>
       <p:sp>
         <p:nvSpPr>
-          <p:cNvPr id="181" name="CustomShape 23"/>
+          <p:cNvPr id="175" name="CustomShape 23"/>
           <p:cNvSpPr/>
           <p:nvPr/>
         </p:nvSpPr>
         <p:spPr>
           <a:xfrm>
             <a:off x="470880" y="889560"/>
-            <a:ext cx="358200" cy="400680"/>
+            <a:ext cx="357840" cy="400320"/>
           </a:xfrm>
           <a:prstGeom prst="heart">
             <a:avLst/>
@@ -11474,14 +11415,14 @@
       </p:sp>
       <p:sp>
         <p:nvSpPr>
-          <p:cNvPr id="182" name="CustomShape 24"/>
+          <p:cNvPr id="176" name="CustomShape 24"/>
           <p:cNvSpPr/>
           <p:nvPr/>
         </p:nvSpPr>
         <p:spPr>
           <a:xfrm>
             <a:off x="623520" y="643320"/>
-            <a:ext cx="358200" cy="358200"/>
+            <a:ext cx="357840" cy="357840"/>
           </a:xfrm>
           <a:prstGeom prst="smileyFace">
             <a:avLst>
@@ -11517,14 +11458,14 @@
       </p:sp>
       <p:sp>
         <p:nvSpPr>
-          <p:cNvPr id="183" name="CustomShape 25"/>
+          <p:cNvPr id="177" name="CustomShape 25"/>
           <p:cNvSpPr/>
           <p:nvPr/>
         </p:nvSpPr>
         <p:spPr>
           <a:xfrm>
             <a:off x="623520" y="1041840"/>
-            <a:ext cx="358200" cy="400680"/>
+            <a:ext cx="357840" cy="400320"/>
           </a:xfrm>
           <a:prstGeom prst="heart">
             <a:avLst/>
@@ -11558,14 +11499,14 @@
       </p:sp>
       <p:sp>
         <p:nvSpPr>
-          <p:cNvPr id="184" name="CustomShape 26"/>
+          <p:cNvPr id="178" name="CustomShape 26"/>
           <p:cNvSpPr/>
           <p:nvPr/>
         </p:nvSpPr>
         <p:spPr>
           <a:xfrm>
             <a:off x="4717800" y="3223080"/>
-            <a:ext cx="338040" cy="363240"/>
+            <a:ext cx="337680" cy="362880"/>
           </a:xfrm>
           <a:prstGeom prst="rect">
             <a:avLst/>
@@ -11607,14 +11548,14 @@
       </p:sp>
       <p:sp>
         <p:nvSpPr>
-          <p:cNvPr id="185" name="CustomShape 27"/>
+          <p:cNvPr id="179" name="CustomShape 27"/>
           <p:cNvSpPr/>
           <p:nvPr/>
         </p:nvSpPr>
         <p:spPr>
           <a:xfrm>
             <a:off x="913320" y="2781000"/>
-            <a:ext cx="217800" cy="2374560"/>
+            <a:ext cx="217440" cy="2374200"/>
           </a:xfrm>
           <a:prstGeom prst="rect">
             <a:avLst/>
@@ -11648,14 +11589,14 @@
       </p:sp>
       <p:sp>
         <p:nvSpPr>
-          <p:cNvPr id="186" name="CustomShape 28"/>
+          <p:cNvPr id="180" name="CustomShape 28"/>
           <p:cNvSpPr/>
           <p:nvPr/>
         </p:nvSpPr>
         <p:spPr>
           <a:xfrm>
             <a:off x="3564000" y="2715120"/>
-            <a:ext cx="217800" cy="2446560"/>
+            <a:ext cx="217440" cy="2446200"/>
           </a:xfrm>
           <a:prstGeom prst="rect">
             <a:avLst/>
@@ -11689,14 +11630,14 @@
       </p:sp>
       <p:sp>
         <p:nvSpPr>
-          <p:cNvPr id="187" name="CustomShape 29"/>
+          <p:cNvPr id="181" name="CustomShape 29"/>
           <p:cNvSpPr/>
           <p:nvPr/>
         </p:nvSpPr>
         <p:spPr>
           <a:xfrm>
             <a:off x="628560" y="5229360"/>
-            <a:ext cx="795240" cy="332280"/>
+            <a:ext cx="794880" cy="331920"/>
           </a:xfrm>
           <a:prstGeom prst="rect">
             <a:avLst/>
@@ -11738,14 +11679,14 @@
       </p:sp>
       <p:sp>
         <p:nvSpPr>
-          <p:cNvPr id="188" name="CustomShape 30"/>
+          <p:cNvPr id="182" name="CustomShape 30"/>
           <p:cNvSpPr/>
           <p:nvPr/>
         </p:nvSpPr>
         <p:spPr>
           <a:xfrm>
             <a:off x="3193920" y="5250600"/>
-            <a:ext cx="795240" cy="332280"/>
+            <a:ext cx="794880" cy="331920"/>
           </a:xfrm>
           <a:prstGeom prst="rect">
             <a:avLst/>
@@ -11787,14 +11728,14 @@
       </p:sp>
       <p:sp>
         <p:nvSpPr>
-          <p:cNvPr id="189" name="CustomShape 31"/>
+          <p:cNvPr id="183" name="CustomShape 31"/>
           <p:cNvSpPr/>
           <p:nvPr/>
         </p:nvSpPr>
         <p:spPr>
           <a:xfrm flipV="1">
-            <a:off x="498600" y="3566880"/>
-            <a:ext cx="1047240" cy="18000"/>
+            <a:off x="498600" y="3548520"/>
+            <a:ext cx="1046880" cy="17640"/>
           </a:xfrm>
           <a:custGeom>
             <a:avLst/>
@@ -11836,14 +11777,14 @@
       </p:sp>
       <p:sp>
         <p:nvSpPr>
-          <p:cNvPr id="190" name="CustomShape 32"/>
+          <p:cNvPr id="184" name="CustomShape 32"/>
           <p:cNvSpPr/>
           <p:nvPr/>
         </p:nvSpPr>
         <p:spPr>
           <a:xfrm flipV="1">
-            <a:off x="510120" y="3699360"/>
-            <a:ext cx="1047240" cy="18000"/>
+            <a:off x="510120" y="3681000"/>
+            <a:ext cx="1046880" cy="17640"/>
           </a:xfrm>
           <a:custGeom>
             <a:avLst/>
@@ -11885,14 +11826,14 @@
       </p:sp>
       <p:sp>
         <p:nvSpPr>
-          <p:cNvPr id="191" name="CustomShape 33"/>
+          <p:cNvPr id="185" name="CustomShape 33"/>
           <p:cNvSpPr/>
           <p:nvPr/>
         </p:nvSpPr>
         <p:spPr>
           <a:xfrm flipV="1">
-            <a:off x="538200" y="3837960"/>
-            <a:ext cx="1047240" cy="18000"/>
+            <a:off x="538200" y="3819600"/>
+            <a:ext cx="1046880" cy="17640"/>
           </a:xfrm>
           <a:custGeom>
             <a:avLst/>
@@ -11934,7 +11875,7 @@
       </p:sp>
       <p:sp>
         <p:nvSpPr>
-          <p:cNvPr id="192" name="Line 34"/>
+          <p:cNvPr id="186" name="Line 34"/>
           <p:cNvSpPr/>
           <p:nvPr/>
         </p:nvSpPr>
@@ -11968,7 +11909,7 @@
       </p:sp>
       <p:sp>
         <p:nvSpPr>
-          <p:cNvPr id="193" name="Line 35"/>
+          <p:cNvPr id="187" name="Line 35"/>
           <p:cNvSpPr/>
           <p:nvPr/>
         </p:nvSpPr>
@@ -12002,7 +11943,7 @@
       </p:sp>
       <p:sp>
         <p:nvSpPr>
-          <p:cNvPr id="194" name="Line 36"/>
+          <p:cNvPr id="188" name="Line 36"/>
           <p:cNvSpPr/>
           <p:nvPr/>
         </p:nvSpPr>
@@ -12036,14 +11977,14 @@
       </p:sp>
       <p:sp>
         <p:nvSpPr>
-          <p:cNvPr id="195" name="CustomShape 37"/>
+          <p:cNvPr id="189" name="CustomShape 37"/>
           <p:cNvSpPr/>
           <p:nvPr/>
         </p:nvSpPr>
         <p:spPr>
           <a:xfrm flipV="1">
-            <a:off x="3265920" y="-145800"/>
-            <a:ext cx="1448280" cy="709560"/>
+            <a:off x="3265920" y="-855000"/>
+            <a:ext cx="1447920" cy="709200"/>
           </a:xfrm>
           <a:custGeom>
             <a:avLst/>
@@ -12085,14 +12026,14 @@
       </p:sp>
       <p:sp>
         <p:nvSpPr>
-          <p:cNvPr id="196" name="CustomShape 38"/>
+          <p:cNvPr id="190" name="CustomShape 38"/>
           <p:cNvSpPr/>
           <p:nvPr/>
         </p:nvSpPr>
         <p:spPr>
           <a:xfrm>
             <a:off x="3414600" y="4299480"/>
-            <a:ext cx="733320" cy="279720"/>
+            <a:ext cx="732960" cy="279360"/>
           </a:xfrm>
           <a:custGeom>
             <a:avLst/>
@@ -12134,14 +12075,14 @@
       </p:sp>
       <p:sp>
         <p:nvSpPr>
-          <p:cNvPr id="197" name="CustomShape 39"/>
+          <p:cNvPr id="191" name="CustomShape 39"/>
           <p:cNvSpPr/>
           <p:nvPr/>
         </p:nvSpPr>
         <p:spPr>
           <a:xfrm>
             <a:off x="190080" y="4236120"/>
-            <a:ext cx="733320" cy="63000"/>
+            <a:ext cx="732960" cy="62640"/>
           </a:xfrm>
           <a:custGeom>
             <a:avLst/>
@@ -12183,14 +12124,14 @@
       </p:sp>
       <p:sp>
         <p:nvSpPr>
-          <p:cNvPr id="198" name="CustomShape 40"/>
+          <p:cNvPr id="192" name="CustomShape 40"/>
           <p:cNvSpPr/>
           <p:nvPr/>
         </p:nvSpPr>
         <p:spPr>
           <a:xfrm>
             <a:off x="202680" y="4377960"/>
-            <a:ext cx="733320" cy="63000"/>
+            <a:ext cx="732960" cy="62640"/>
           </a:xfrm>
           <a:custGeom>
             <a:avLst/>
@@ -12232,14 +12173,14 @@
       </p:sp>
       <p:sp>
         <p:nvSpPr>
-          <p:cNvPr id="199" name="CustomShape 41"/>
+          <p:cNvPr id="193" name="CustomShape 41"/>
           <p:cNvSpPr/>
           <p:nvPr/>
         </p:nvSpPr>
         <p:spPr>
           <a:xfrm>
             <a:off x="202320" y="4613400"/>
-            <a:ext cx="733320" cy="63000"/>
+            <a:ext cx="732960" cy="62640"/>
           </a:xfrm>
           <a:custGeom>
             <a:avLst/>
@@ -12281,14 +12222,14 @@
       </p:sp>
       <p:sp>
         <p:nvSpPr>
-          <p:cNvPr id="200" name="CustomShape 42"/>
+          <p:cNvPr id="194" name="CustomShape 42"/>
           <p:cNvSpPr/>
           <p:nvPr/>
         </p:nvSpPr>
         <p:spPr>
           <a:xfrm>
             <a:off x="2740680" y="2316960"/>
-            <a:ext cx="842040" cy="447480"/>
+            <a:ext cx="841680" cy="447120"/>
           </a:xfrm>
           <a:custGeom>
             <a:avLst/>
@@ -12330,14 +12271,14 @@
       </p:sp>
       <p:sp>
         <p:nvSpPr>
-          <p:cNvPr id="201" name="CustomShape 43"/>
+          <p:cNvPr id="195" name="CustomShape 43"/>
           <p:cNvSpPr/>
           <p:nvPr/>
         </p:nvSpPr>
         <p:spPr>
           <a:xfrm flipV="1">
-            <a:off x="5891760" y="1694160"/>
-            <a:ext cx="978120" cy="88560"/>
+            <a:off x="5891760" y="1605240"/>
+            <a:ext cx="977760" cy="88200"/>
           </a:xfrm>
           <a:custGeom>
             <a:avLst/>
@@ -12379,14 +12320,14 @@
       </p:sp>
       <p:sp>
         <p:nvSpPr>
-          <p:cNvPr id="202" name="CustomShape 44"/>
+          <p:cNvPr id="196" name="CustomShape 44"/>
           <p:cNvSpPr/>
           <p:nvPr/>
         </p:nvSpPr>
         <p:spPr>
           <a:xfrm flipV="1">
-            <a:off x="5969160" y="-77040"/>
-            <a:ext cx="852840" cy="741240"/>
+            <a:off x="5969160" y="-817920"/>
+            <a:ext cx="852480" cy="740880"/>
           </a:xfrm>
           <a:custGeom>
             <a:avLst/>
@@ -12428,14 +12369,14 @@
       </p:sp>
       <p:sp>
         <p:nvSpPr>
-          <p:cNvPr id="203" name="CustomShape 45"/>
+          <p:cNvPr id="197" name="CustomShape 45"/>
           <p:cNvSpPr/>
           <p:nvPr/>
         </p:nvSpPr>
         <p:spPr>
           <a:xfrm>
             <a:off x="6626880" y="4377960"/>
-            <a:ext cx="1912320" cy="1218600"/>
+            <a:ext cx="1911960" cy="1218240"/>
           </a:xfrm>
           <a:prstGeom prst="roundRect">
             <a:avLst>
@@ -12491,14 +12432,14 @@
       </p:sp>
       <p:sp>
         <p:nvSpPr>
-          <p:cNvPr id="204" name="CustomShape 46"/>
+          <p:cNvPr id="198" name="CustomShape 46"/>
           <p:cNvSpPr/>
           <p:nvPr/>
         </p:nvSpPr>
         <p:spPr>
           <a:xfrm>
             <a:off x="6711840" y="4797000"/>
-            <a:ext cx="1602720" cy="646200"/>
+            <a:ext cx="1602360" cy="645840"/>
           </a:xfrm>
           <a:prstGeom prst="rect">
             <a:avLst/>
@@ -12555,14 +12496,14 @@
       </p:sp>
       <p:sp>
         <p:nvSpPr>
-          <p:cNvPr id="205" name="CustomShape 47"/>
+          <p:cNvPr id="199" name="CustomShape 47"/>
           <p:cNvSpPr/>
           <p:nvPr/>
         </p:nvSpPr>
         <p:spPr>
           <a:xfrm>
             <a:off x="5969160" y="4581000"/>
-            <a:ext cx="852840" cy="405360"/>
+            <a:ext cx="852480" cy="405000"/>
           </a:xfrm>
           <a:custGeom>
             <a:avLst/>
@@ -12604,14 +12545,14 @@
       </p:sp>
       <p:sp>
         <p:nvSpPr>
-          <p:cNvPr id="206" name="CustomShape 48"/>
+          <p:cNvPr id="200" name="CustomShape 48"/>
           <p:cNvSpPr/>
           <p:nvPr/>
         </p:nvSpPr>
         <p:spPr>
           <a:xfrm>
             <a:off x="4166280" y="955080"/>
-            <a:ext cx="1965600" cy="363240"/>
+            <a:ext cx="1965240" cy="362880"/>
           </a:xfrm>
           <a:prstGeom prst="rect">
             <a:avLst/>
@@ -12653,14 +12594,14 @@
       </p:sp>
       <p:sp>
         <p:nvSpPr>
-          <p:cNvPr id="207" name="CustomShape 49"/>
+          <p:cNvPr id="201" name="CustomShape 49"/>
           <p:cNvSpPr/>
           <p:nvPr/>
         </p:nvSpPr>
         <p:spPr>
           <a:xfrm>
             <a:off x="1605600" y="4885560"/>
-            <a:ext cx="1560240" cy="819000"/>
+            <a:ext cx="1559880" cy="818640"/>
           </a:xfrm>
           <a:prstGeom prst="rect">
             <a:avLst/>
@@ -12801,14 +12742,14 @@
       </p:grpSpPr>
       <p:sp>
         <p:nvSpPr>
-          <p:cNvPr id="208" name="CustomShape 1"/>
+          <p:cNvPr id="202" name="CustomShape 1"/>
           <p:cNvSpPr/>
           <p:nvPr/>
         </p:nvSpPr>
         <p:spPr>
           <a:xfrm>
             <a:off x="685800" y="2130480"/>
-            <a:ext cx="7772040" cy="2232000"/>
+            <a:ext cx="7771680" cy="2231640"/>
           </a:xfrm>
           <a:prstGeom prst="rect">
             <a:avLst/>
@@ -12827,14 +12768,14 @@
       </p:sp>
       <p:sp>
         <p:nvSpPr>
-          <p:cNvPr id="209" name="CustomShape 2"/>
+          <p:cNvPr id="203" name="CustomShape 2"/>
           <p:cNvSpPr/>
           <p:nvPr/>
         </p:nvSpPr>
         <p:spPr>
           <a:xfrm>
             <a:off x="788760" y="288000"/>
-            <a:ext cx="6337800" cy="544680"/>
+            <a:ext cx="6337440" cy="544320"/>
           </a:xfrm>
           <a:prstGeom prst="rect">
             <a:avLst/>
@@ -12882,14 +12823,14 @@
       </p:sp>
       <p:sp>
         <p:nvSpPr>
-          <p:cNvPr id="210" name="CustomShape 3"/>
+          <p:cNvPr id="204" name="CustomShape 3"/>
           <p:cNvSpPr/>
           <p:nvPr/>
         </p:nvSpPr>
         <p:spPr>
           <a:xfrm>
             <a:off x="288000" y="1148040"/>
-            <a:ext cx="8527680" cy="5186520"/>
+            <a:ext cx="8527320" cy="5186160"/>
           </a:xfrm>
           <a:prstGeom prst="rect">
             <a:avLst/>
@@ -13161,14 +13102,14 @@
       </p:grpSpPr>
       <p:sp>
         <p:nvSpPr>
-          <p:cNvPr id="211" name="CustomShape 1"/>
+          <p:cNvPr id="205" name="CustomShape 1"/>
           <p:cNvSpPr/>
           <p:nvPr/>
         </p:nvSpPr>
         <p:spPr>
           <a:xfrm>
             <a:off x="685800" y="2130480"/>
-            <a:ext cx="7772040" cy="2232000"/>
+            <a:ext cx="7771680" cy="2231640"/>
           </a:xfrm>
           <a:prstGeom prst="rect">
             <a:avLst/>
@@ -13187,14 +13128,14 @@
       </p:sp>
       <p:sp>
         <p:nvSpPr>
-          <p:cNvPr id="212" name="CustomShape 2"/>
+          <p:cNvPr id="206" name="CustomShape 2"/>
           <p:cNvSpPr/>
           <p:nvPr/>
         </p:nvSpPr>
         <p:spPr>
           <a:xfrm>
             <a:off x="411480" y="114480"/>
-            <a:ext cx="8227800" cy="460800"/>
+            <a:ext cx="8227440" cy="460440"/>
           </a:xfrm>
           <a:prstGeom prst="rect">
             <a:avLst/>
@@ -13250,14 +13191,14 @@
       </p:sp>
       <p:sp>
         <p:nvSpPr>
-          <p:cNvPr id="213" name="CustomShape 3"/>
+          <p:cNvPr id="207" name="CustomShape 3"/>
           <p:cNvSpPr/>
           <p:nvPr/>
         </p:nvSpPr>
         <p:spPr>
           <a:xfrm>
             <a:off x="395640" y="2062800"/>
-            <a:ext cx="285840" cy="357840"/>
+            <a:ext cx="285480" cy="357480"/>
           </a:xfrm>
           <a:prstGeom prst="smileyFace">
             <a:avLst>
@@ -13293,14 +13234,14 @@
       </p:sp>
       <p:sp>
         <p:nvSpPr>
-          <p:cNvPr id="214" name="CustomShape 4"/>
+          <p:cNvPr id="208" name="CustomShape 4"/>
           <p:cNvSpPr/>
           <p:nvPr/>
         </p:nvSpPr>
         <p:spPr>
           <a:xfrm>
             <a:off x="395640" y="2494800"/>
-            <a:ext cx="285840" cy="213840"/>
+            <a:ext cx="285480" cy="213480"/>
           </a:xfrm>
           <a:prstGeom prst="heart">
             <a:avLst/>
@@ -13334,14 +13275,14 @@
       </p:sp>
       <p:sp>
         <p:nvSpPr>
-          <p:cNvPr id="215" name="CustomShape 5"/>
+          <p:cNvPr id="209" name="CustomShape 5"/>
           <p:cNvSpPr/>
           <p:nvPr/>
         </p:nvSpPr>
         <p:spPr>
           <a:xfrm>
             <a:off x="754200" y="2101320"/>
-            <a:ext cx="285840" cy="357840"/>
+            <a:ext cx="285480" cy="357480"/>
           </a:xfrm>
           <a:prstGeom prst="smileyFace">
             <a:avLst>
@@ -13377,14 +13318,14 @@
       </p:sp>
       <p:sp>
         <p:nvSpPr>
-          <p:cNvPr id="216" name="CustomShape 6"/>
+          <p:cNvPr id="210" name="CustomShape 6"/>
           <p:cNvSpPr/>
           <p:nvPr/>
         </p:nvSpPr>
         <p:spPr>
           <a:xfrm>
             <a:off x="754200" y="2533680"/>
-            <a:ext cx="285840" cy="213840"/>
+            <a:ext cx="285480" cy="213480"/>
           </a:xfrm>
           <a:prstGeom prst="heart">
             <a:avLst/>
@@ -13418,14 +13359,14 @@
       </p:sp>
       <p:sp>
         <p:nvSpPr>
-          <p:cNvPr id="217" name="CustomShape 7"/>
+          <p:cNvPr id="211" name="CustomShape 7"/>
           <p:cNvSpPr/>
           <p:nvPr/>
         </p:nvSpPr>
         <p:spPr>
           <a:xfrm>
             <a:off x="547920" y="2215440"/>
-            <a:ext cx="285840" cy="357840"/>
+            <a:ext cx="285480" cy="357480"/>
           </a:xfrm>
           <a:prstGeom prst="smileyFace">
             <a:avLst>
@@ -13461,14 +13402,14 @@
       </p:sp>
       <p:sp>
         <p:nvSpPr>
-          <p:cNvPr id="218" name="CustomShape 8"/>
+          <p:cNvPr id="212" name="CustomShape 8"/>
           <p:cNvSpPr/>
           <p:nvPr/>
         </p:nvSpPr>
         <p:spPr>
           <a:xfrm>
             <a:off x="547920" y="2647440"/>
-            <a:ext cx="285840" cy="213840"/>
+            <a:ext cx="285480" cy="213480"/>
           </a:xfrm>
           <a:prstGeom prst="heart">
             <a:avLst/>
@@ -13502,14 +13443,14 @@
       </p:sp>
       <p:sp>
         <p:nvSpPr>
-          <p:cNvPr id="219" name="CustomShape 9"/>
+          <p:cNvPr id="213" name="CustomShape 9"/>
           <p:cNvSpPr/>
           <p:nvPr/>
         </p:nvSpPr>
         <p:spPr>
           <a:xfrm>
             <a:off x="216000" y="3024000"/>
-            <a:ext cx="1366560" cy="934560"/>
+            <a:ext cx="1366200" cy="934200"/>
           </a:xfrm>
           <a:prstGeom prst="rect">
             <a:avLst/>
@@ -13532,14 +13473,14 @@
       </p:sp>
       <p:sp>
         <p:nvSpPr>
-          <p:cNvPr id="220" name="CustomShape 10"/>
+          <p:cNvPr id="214" name="CustomShape 10"/>
           <p:cNvSpPr/>
           <p:nvPr/>
         </p:nvSpPr>
         <p:spPr>
           <a:xfrm>
             <a:off x="432000" y="3168000"/>
-            <a:ext cx="1328760" cy="934560"/>
+            <a:ext cx="1328400" cy="934200"/>
           </a:xfrm>
           <a:prstGeom prst="rect">
             <a:avLst/>
@@ -13562,14 +13503,14 @@
       </p:sp>
       <p:sp>
         <p:nvSpPr>
-          <p:cNvPr id="221" name="CustomShape 11"/>
+          <p:cNvPr id="215" name="CustomShape 11"/>
           <p:cNvSpPr/>
           <p:nvPr/>
         </p:nvSpPr>
         <p:spPr>
           <a:xfrm>
             <a:off x="648000" y="3384000"/>
-            <a:ext cx="1294560" cy="934560"/>
+            <a:ext cx="1294200" cy="934200"/>
           </a:xfrm>
           <a:prstGeom prst="rect">
             <a:avLst/>
@@ -13592,14 +13533,14 @@
       </p:sp>
       <p:sp>
         <p:nvSpPr>
-          <p:cNvPr id="222" name="CustomShape 12"/>
+          <p:cNvPr id="216" name="CustomShape 12"/>
           <p:cNvSpPr/>
           <p:nvPr/>
         </p:nvSpPr>
         <p:spPr>
           <a:xfrm>
             <a:off x="3168000" y="1512000"/>
-            <a:ext cx="2518920" cy="4102920"/>
+            <a:ext cx="2518560" cy="4102560"/>
           </a:xfrm>
           <a:prstGeom prst="rect">
             <a:avLst/>
@@ -13622,14 +13563,14 @@
       </p:sp>
       <p:sp>
         <p:nvSpPr>
-          <p:cNvPr id="223" name="CustomShape 13"/>
+          <p:cNvPr id="217" name="CustomShape 13"/>
           <p:cNvSpPr/>
           <p:nvPr/>
         </p:nvSpPr>
         <p:spPr>
           <a:xfrm>
             <a:off x="6912000" y="1800000"/>
-            <a:ext cx="1438560" cy="1150560"/>
+            <a:ext cx="1438200" cy="1150200"/>
           </a:xfrm>
           <a:prstGeom prst="rect">
             <a:avLst/>
@@ -13725,14 +13666,14 @@
       </p:sp>
       <p:sp>
         <p:nvSpPr>
-          <p:cNvPr id="224" name="CustomShape 14"/>
+          <p:cNvPr id="218" name="CustomShape 14"/>
           <p:cNvSpPr/>
           <p:nvPr/>
         </p:nvSpPr>
         <p:spPr>
           <a:xfrm>
             <a:off x="6912000" y="3816000"/>
-            <a:ext cx="1438560" cy="1150560"/>
+            <a:ext cx="1438200" cy="1150200"/>
           </a:xfrm>
           <a:prstGeom prst="rect">
             <a:avLst/>
@@ -13828,14 +13769,14 @@
       </p:sp>
       <p:sp>
         <p:nvSpPr>
-          <p:cNvPr id="225" name="CustomShape 15"/>
+          <p:cNvPr id="219" name="CustomShape 15"/>
           <p:cNvSpPr/>
           <p:nvPr/>
         </p:nvSpPr>
         <p:spPr>
           <a:xfrm>
             <a:off x="8548920" y="2232000"/>
-            <a:ext cx="377640" cy="583200"/>
+            <a:ext cx="377280" cy="582840"/>
           </a:xfrm>
           <a:prstGeom prst="can">
             <a:avLst>
@@ -13882,14 +13823,14 @@
       </p:sp>
       <p:sp>
         <p:nvSpPr>
-          <p:cNvPr id="226" name="CustomShape 16"/>
+          <p:cNvPr id="220" name="CustomShape 16"/>
           <p:cNvSpPr/>
           <p:nvPr/>
         </p:nvSpPr>
         <p:spPr>
           <a:xfrm>
             <a:off x="8568000" y="4032000"/>
-            <a:ext cx="377640" cy="583200"/>
+            <a:ext cx="377280" cy="582840"/>
           </a:xfrm>
           <a:prstGeom prst="can">
             <a:avLst>
@@ -13936,14 +13877,14 @@
       </p:sp>
       <p:sp>
         <p:nvSpPr>
-          <p:cNvPr id="227" name="CustomShape 17"/>
+          <p:cNvPr id="221" name="CustomShape 17"/>
           <p:cNvSpPr/>
           <p:nvPr/>
         </p:nvSpPr>
         <p:spPr>
           <a:xfrm>
             <a:off x="3384000" y="3600000"/>
-            <a:ext cx="2014560" cy="1726560"/>
+            <a:ext cx="2014200" cy="1726200"/>
           </a:xfrm>
           <a:custGeom>
             <a:avLst/>
@@ -14131,14 +14072,14 @@
       </p:sp>
       <p:sp>
         <p:nvSpPr>
-          <p:cNvPr id="228" name="CustomShape 18"/>
+          <p:cNvPr id="222" name="CustomShape 18"/>
           <p:cNvSpPr/>
           <p:nvPr/>
         </p:nvSpPr>
         <p:spPr>
           <a:xfrm>
             <a:off x="3384000" y="1656000"/>
-            <a:ext cx="1942560" cy="1582560"/>
+            <a:ext cx="1942200" cy="1582200"/>
           </a:xfrm>
           <a:custGeom>
             <a:avLst/>
@@ -14316,14 +14257,14 @@
       </p:sp>
       <p:sp>
         <p:nvSpPr>
-          <p:cNvPr id="229" name="CustomShape 19"/>
+          <p:cNvPr id="223" name="CustomShape 19"/>
           <p:cNvSpPr/>
           <p:nvPr/>
         </p:nvSpPr>
         <p:spPr>
           <a:xfrm>
             <a:off x="3195720" y="936000"/>
-            <a:ext cx="1699200" cy="601200"/>
+            <a:ext cx="1698840" cy="600840"/>
           </a:xfrm>
           <a:prstGeom prst="rect">
             <a:avLst/>
@@ -14405,7 +14346,7 @@
       </p:sp>
       <p:sp>
         <p:nvSpPr>
-          <p:cNvPr id="230" name="Line 20"/>
+          <p:cNvPr id="224" name="Line 20"/>
           <p:cNvSpPr/>
           <p:nvPr/>
         </p:nvSpPr>
@@ -14433,7 +14374,7 @@
       </p:sp>
       <p:sp>
         <p:nvSpPr>
-          <p:cNvPr id="231" name="Line 21"/>
+          <p:cNvPr id="225" name="Line 21"/>
           <p:cNvSpPr/>
           <p:nvPr/>
         </p:nvSpPr>
@@ -14461,7 +14402,7 @@
       </p:sp>
       <p:sp>
         <p:nvSpPr>
-          <p:cNvPr id="232" name="Line 22"/>
+          <p:cNvPr id="226" name="Line 22"/>
           <p:cNvSpPr/>
           <p:nvPr/>
         </p:nvSpPr>
@@ -14489,7 +14430,7 @@
       </p:sp>
       <p:sp>
         <p:nvSpPr>
-          <p:cNvPr id="233" name="Line 23"/>
+          <p:cNvPr id="227" name="Line 23"/>
           <p:cNvSpPr/>
           <p:nvPr/>
         </p:nvSpPr>
@@ -14517,7 +14458,7 @@
       </p:sp>
       <p:sp>
         <p:nvSpPr>
-          <p:cNvPr id="234" name="Line 24"/>
+          <p:cNvPr id="228" name="Line 24"/>
           <p:cNvSpPr/>
           <p:nvPr/>
         </p:nvSpPr>
@@ -14545,7 +14486,7 @@
       </p:sp>
       <p:sp>
         <p:nvSpPr>
-          <p:cNvPr id="235" name="Line 25"/>
+          <p:cNvPr id="229" name="Line 25"/>
           <p:cNvSpPr/>
           <p:nvPr/>
         </p:nvSpPr>
@@ -14573,14 +14514,14 @@
       </p:sp>
       <p:sp>
         <p:nvSpPr>
-          <p:cNvPr id="236" name="CustomShape 26"/>
+          <p:cNvPr id="230" name="CustomShape 26"/>
           <p:cNvSpPr/>
           <p:nvPr/>
         </p:nvSpPr>
         <p:spPr>
           <a:xfrm>
             <a:off x="1537560" y="2772000"/>
-            <a:ext cx="405720" cy="286920"/>
+            <a:ext cx="405360" cy="286560"/>
           </a:xfrm>
           <a:prstGeom prst="ellipse">
             <a:avLst/>
@@ -14626,14 +14567,14 @@
       </p:sp>
       <p:sp>
         <p:nvSpPr>
-          <p:cNvPr id="237" name="CustomShape 27"/>
+          <p:cNvPr id="231" name="CustomShape 27"/>
           <p:cNvSpPr/>
           <p:nvPr/>
         </p:nvSpPr>
         <p:spPr>
           <a:xfrm>
             <a:off x="817560" y="3672000"/>
-            <a:ext cx="333720" cy="286920"/>
+            <a:ext cx="333360" cy="286560"/>
           </a:xfrm>
           <a:prstGeom prst="ellipse">
             <a:avLst/>
@@ -14679,14 +14620,14 @@
       </p:sp>
       <p:sp>
         <p:nvSpPr>
-          <p:cNvPr id="238" name="CustomShape 28"/>
+          <p:cNvPr id="232" name="CustomShape 28"/>
           <p:cNvSpPr/>
           <p:nvPr/>
         </p:nvSpPr>
         <p:spPr>
           <a:xfrm>
             <a:off x="2545560" y="3888000"/>
-            <a:ext cx="333720" cy="286920"/>
+            <a:ext cx="333360" cy="286560"/>
           </a:xfrm>
           <a:prstGeom prst="ellipse">
             <a:avLst/>
@@ -14732,14 +14673,14 @@
       </p:sp>
       <p:sp>
         <p:nvSpPr>
-          <p:cNvPr id="239" name="CustomShape 29"/>
+          <p:cNvPr id="233" name="CustomShape 29"/>
           <p:cNvSpPr/>
           <p:nvPr/>
         </p:nvSpPr>
         <p:spPr>
           <a:xfrm>
             <a:off x="5976000" y="3600000"/>
-            <a:ext cx="359280" cy="286920"/>
+            <a:ext cx="358920" cy="286560"/>
           </a:xfrm>
           <a:prstGeom prst="ellipse">
             <a:avLst/>
@@ -14785,14 +14726,14 @@
       </p:sp>
       <p:sp>
         <p:nvSpPr>
-          <p:cNvPr id="240" name="CustomShape 30"/>
+          <p:cNvPr id="234" name="CustomShape 30"/>
           <p:cNvSpPr/>
           <p:nvPr/>
         </p:nvSpPr>
         <p:spPr>
           <a:xfrm>
             <a:off x="7992000" y="4248000"/>
-            <a:ext cx="333720" cy="286920"/>
+            <a:ext cx="333360" cy="286560"/>
           </a:xfrm>
           <a:prstGeom prst="ellipse">
             <a:avLst/>
@@ -14838,14 +14779,14 @@
       </p:sp>
       <p:sp>
         <p:nvSpPr>
-          <p:cNvPr id="241" name="CustomShape 31"/>
+          <p:cNvPr id="235" name="CustomShape 31"/>
           <p:cNvSpPr/>
           <p:nvPr/>
         </p:nvSpPr>
         <p:spPr>
           <a:xfrm>
             <a:off x="6001560" y="4464360"/>
-            <a:ext cx="333720" cy="286920"/>
+            <a:ext cx="333360" cy="286560"/>
           </a:xfrm>
           <a:prstGeom prst="ellipse">
             <a:avLst/>
@@ -14891,14 +14832,14 @@
       </p:sp>
       <p:sp>
         <p:nvSpPr>
-          <p:cNvPr id="242" name="CustomShape 32"/>
+          <p:cNvPr id="236" name="CustomShape 32"/>
           <p:cNvSpPr/>
           <p:nvPr/>
         </p:nvSpPr>
         <p:spPr>
           <a:xfrm>
             <a:off x="1152000" y="4176000"/>
-            <a:ext cx="359280" cy="286920"/>
+            <a:ext cx="358920" cy="286560"/>
           </a:xfrm>
           <a:prstGeom prst="ellipse">
             <a:avLst/>
@@ -14944,14 +14885,14 @@
       </p:sp>
       <p:sp>
         <p:nvSpPr>
-          <p:cNvPr id="243" name="CustomShape 33"/>
+          <p:cNvPr id="237" name="CustomShape 33"/>
           <p:cNvSpPr/>
           <p:nvPr/>
         </p:nvSpPr>
         <p:spPr>
           <a:xfrm>
             <a:off x="2304000" y="4500000"/>
-            <a:ext cx="359280" cy="286920"/>
+            <a:ext cx="358920" cy="286560"/>
           </a:xfrm>
           <a:prstGeom prst="ellipse">
             <a:avLst/>
@@ -14997,14 +14938,14 @@
       </p:sp>
       <p:sp>
         <p:nvSpPr>
-          <p:cNvPr id="244" name="CustomShape 34"/>
+          <p:cNvPr id="238" name="CustomShape 34"/>
           <p:cNvSpPr/>
           <p:nvPr/>
         </p:nvSpPr>
         <p:spPr>
           <a:xfrm>
             <a:off x="1296000" y="2497680"/>
-            <a:ext cx="1751400" cy="345600"/>
+            <a:ext cx="1751040" cy="345240"/>
           </a:xfrm>
           <a:prstGeom prst="rect">
             <a:avLst/>
@@ -15041,14 +14982,14 @@
       </p:sp>
       <p:sp>
         <p:nvSpPr>
-          <p:cNvPr id="245" name="CustomShape 35"/>
+          <p:cNvPr id="239" name="CustomShape 35"/>
           <p:cNvSpPr/>
           <p:nvPr/>
         </p:nvSpPr>
         <p:spPr>
           <a:xfrm>
             <a:off x="2503080" y="3312000"/>
-            <a:ext cx="736200" cy="601560"/>
+            <a:ext cx="735840" cy="601200"/>
           </a:xfrm>
           <a:prstGeom prst="rect">
             <a:avLst/>
@@ -15100,14 +15041,14 @@
       </p:sp>
       <p:sp>
         <p:nvSpPr>
-          <p:cNvPr id="246" name="CustomShape 36"/>
+          <p:cNvPr id="240" name="CustomShape 36"/>
           <p:cNvSpPr/>
           <p:nvPr/>
         </p:nvSpPr>
         <p:spPr>
           <a:xfrm>
             <a:off x="5832720" y="4829760"/>
-            <a:ext cx="1222560" cy="857520"/>
+            <a:ext cx="1222200" cy="857160"/>
           </a:xfrm>
           <a:prstGeom prst="rect">
             <a:avLst/>
@@ -15174,14 +15115,14 @@
       </p:sp>
       <p:sp>
         <p:nvSpPr>
-          <p:cNvPr id="247" name="CustomShape 37"/>
+          <p:cNvPr id="241" name="CustomShape 37"/>
           <p:cNvSpPr/>
           <p:nvPr/>
         </p:nvSpPr>
         <p:spPr>
           <a:xfrm>
             <a:off x="89280" y="4501800"/>
-            <a:ext cx="1710000" cy="1113480"/>
+            <a:ext cx="1709640" cy="1113120"/>
           </a:xfrm>
           <a:prstGeom prst="rect">
             <a:avLst/>
@@ -15263,14 +15204,14 @@
       </p:sp>
       <p:sp>
         <p:nvSpPr>
-          <p:cNvPr id="248" name="CustomShape 38"/>
+          <p:cNvPr id="242" name="CustomShape 38"/>
           <p:cNvSpPr/>
           <p:nvPr/>
         </p:nvSpPr>
         <p:spPr>
           <a:xfrm>
             <a:off x="144000" y="1224000"/>
-            <a:ext cx="1903680" cy="601560"/>
+            <a:ext cx="1903320" cy="601200"/>
           </a:xfrm>
           <a:prstGeom prst="rect">
             <a:avLst/>
@@ -15318,14 +15259,14 @@
       </p:sp>
       <p:sp>
         <p:nvSpPr>
-          <p:cNvPr id="249" name="CustomShape 39"/>
+          <p:cNvPr id="243" name="CustomShape 39"/>
           <p:cNvSpPr/>
           <p:nvPr/>
         </p:nvSpPr>
         <p:spPr>
           <a:xfrm>
             <a:off x="864000" y="5904000"/>
-            <a:ext cx="8190360" cy="857520"/>
+            <a:ext cx="8190000" cy="857160"/>
           </a:xfrm>
           <a:prstGeom prst="rect">
             <a:avLst/>
@@ -15511,14 +15452,14 @@
       </p:grpSpPr>
       <p:sp>
         <p:nvSpPr>
-          <p:cNvPr id="250" name="CustomShape 1"/>
+          <p:cNvPr id="244" name="CustomShape 1"/>
           <p:cNvSpPr/>
           <p:nvPr/>
         </p:nvSpPr>
         <p:spPr>
           <a:xfrm>
             <a:off x="6984720" y="1583280"/>
-            <a:ext cx="1438560" cy="1150560"/>
+            <a:ext cx="1438200" cy="1150200"/>
           </a:xfrm>
           <a:prstGeom prst="rect">
             <a:avLst/>
@@ -15541,14 +15482,14 @@
       </p:sp>
       <p:sp>
         <p:nvSpPr>
-          <p:cNvPr id="251" name="CustomShape 2"/>
+          <p:cNvPr id="245" name="CustomShape 2"/>
           <p:cNvSpPr/>
           <p:nvPr/>
         </p:nvSpPr>
         <p:spPr>
           <a:xfrm>
             <a:off x="6841440" y="1441440"/>
-            <a:ext cx="1438560" cy="1150560"/>
+            <a:ext cx="1438200" cy="1150200"/>
           </a:xfrm>
           <a:prstGeom prst="rect">
             <a:avLst/>
@@ -15571,14 +15512,14 @@
       </p:sp>
       <p:sp>
         <p:nvSpPr>
-          <p:cNvPr id="252" name="CustomShape 3"/>
+          <p:cNvPr id="246" name="CustomShape 3"/>
           <p:cNvSpPr/>
           <p:nvPr/>
         </p:nvSpPr>
         <p:spPr>
           <a:xfrm>
             <a:off x="685800" y="1842480"/>
-            <a:ext cx="7772040" cy="2232000"/>
+            <a:ext cx="7771680" cy="2231640"/>
           </a:xfrm>
           <a:prstGeom prst="rect">
             <a:avLst/>
@@ -15597,14 +15538,14 @@
       </p:sp>
       <p:sp>
         <p:nvSpPr>
-          <p:cNvPr id="253" name="CustomShape 4"/>
+          <p:cNvPr id="247" name="CustomShape 4"/>
           <p:cNvSpPr/>
           <p:nvPr/>
         </p:nvSpPr>
         <p:spPr>
           <a:xfrm>
             <a:off x="457560" y="116640"/>
-            <a:ext cx="8227800" cy="460800"/>
+            <a:ext cx="8227440" cy="460440"/>
           </a:xfrm>
           <a:prstGeom prst="rect">
             <a:avLst/>
@@ -15649,14 +15590,14 @@
       </p:sp>
       <p:sp>
         <p:nvSpPr>
-          <p:cNvPr id="254" name="CustomShape 5"/>
+          <p:cNvPr id="248" name="CustomShape 5"/>
           <p:cNvSpPr/>
           <p:nvPr/>
         </p:nvSpPr>
         <p:spPr>
           <a:xfrm>
             <a:off x="688320" y="1842480"/>
-            <a:ext cx="7772040" cy="2232000"/>
+            <a:ext cx="7771680" cy="2231640"/>
           </a:xfrm>
           <a:prstGeom prst="rect">
             <a:avLst/>
@@ -15675,14 +15616,14 @@
       </p:sp>
       <p:sp>
         <p:nvSpPr>
-          <p:cNvPr id="255" name="CustomShape 6"/>
+          <p:cNvPr id="249" name="CustomShape 6"/>
           <p:cNvSpPr/>
           <p:nvPr/>
         </p:nvSpPr>
         <p:spPr>
           <a:xfrm>
             <a:off x="398160" y="1774800"/>
-            <a:ext cx="285840" cy="357840"/>
+            <a:ext cx="285480" cy="357480"/>
           </a:xfrm>
           <a:prstGeom prst="smileyFace">
             <a:avLst>
@@ -15718,14 +15659,14 @@
       </p:sp>
       <p:sp>
         <p:nvSpPr>
-          <p:cNvPr id="256" name="CustomShape 7"/>
+          <p:cNvPr id="250" name="CustomShape 7"/>
           <p:cNvSpPr/>
           <p:nvPr/>
         </p:nvSpPr>
         <p:spPr>
           <a:xfrm>
             <a:off x="398160" y="2206800"/>
-            <a:ext cx="285840" cy="213840"/>
+            <a:ext cx="285480" cy="213480"/>
           </a:xfrm>
           <a:prstGeom prst="heart">
             <a:avLst/>
@@ -15759,14 +15700,14 @@
       </p:sp>
       <p:sp>
         <p:nvSpPr>
-          <p:cNvPr id="257" name="CustomShape 8"/>
+          <p:cNvPr id="251" name="CustomShape 8"/>
           <p:cNvSpPr/>
           <p:nvPr/>
         </p:nvSpPr>
         <p:spPr>
           <a:xfrm>
             <a:off x="756720" y="1813320"/>
-            <a:ext cx="285840" cy="357840"/>
+            <a:ext cx="285480" cy="357480"/>
           </a:xfrm>
           <a:prstGeom prst="smileyFace">
             <a:avLst>
@@ -15802,14 +15743,14 @@
       </p:sp>
       <p:sp>
         <p:nvSpPr>
-          <p:cNvPr id="258" name="CustomShape 9"/>
+          <p:cNvPr id="252" name="CustomShape 9"/>
           <p:cNvSpPr/>
           <p:nvPr/>
         </p:nvSpPr>
         <p:spPr>
           <a:xfrm>
             <a:off x="756720" y="2245680"/>
-            <a:ext cx="285840" cy="213840"/>
+            <a:ext cx="285480" cy="213480"/>
           </a:xfrm>
           <a:prstGeom prst="heart">
             <a:avLst/>
@@ -15843,14 +15784,14 @@
       </p:sp>
       <p:sp>
         <p:nvSpPr>
-          <p:cNvPr id="259" name="CustomShape 10"/>
+          <p:cNvPr id="253" name="CustomShape 10"/>
           <p:cNvSpPr/>
           <p:nvPr/>
         </p:nvSpPr>
         <p:spPr>
           <a:xfrm>
             <a:off x="550440" y="1927440"/>
-            <a:ext cx="285840" cy="357840"/>
+            <a:ext cx="285480" cy="357480"/>
           </a:xfrm>
           <a:prstGeom prst="smileyFace">
             <a:avLst>
@@ -15886,14 +15827,14 @@
       </p:sp>
       <p:sp>
         <p:nvSpPr>
-          <p:cNvPr id="260" name="CustomShape 11"/>
+          <p:cNvPr id="254" name="CustomShape 11"/>
           <p:cNvSpPr/>
           <p:nvPr/>
         </p:nvSpPr>
         <p:spPr>
           <a:xfrm>
             <a:off x="550440" y="2359440"/>
-            <a:ext cx="285840" cy="213840"/>
+            <a:ext cx="285480" cy="213480"/>
           </a:xfrm>
           <a:prstGeom prst="heart">
             <a:avLst/>
@@ -15927,14 +15868,14 @@
       </p:sp>
       <p:sp>
         <p:nvSpPr>
-          <p:cNvPr id="261" name="CustomShape 12"/>
+          <p:cNvPr id="255" name="CustomShape 12"/>
           <p:cNvSpPr/>
           <p:nvPr/>
         </p:nvSpPr>
         <p:spPr>
           <a:xfrm>
             <a:off x="218520" y="2736000"/>
-            <a:ext cx="1366560" cy="934560"/>
+            <a:ext cx="1366200" cy="934200"/>
           </a:xfrm>
           <a:prstGeom prst="rect">
             <a:avLst/>
@@ -15957,14 +15898,14 @@
       </p:sp>
       <p:sp>
         <p:nvSpPr>
-          <p:cNvPr id="262" name="CustomShape 13"/>
+          <p:cNvPr id="256" name="CustomShape 13"/>
           <p:cNvSpPr/>
           <p:nvPr/>
         </p:nvSpPr>
         <p:spPr>
           <a:xfrm>
             <a:off x="434520" y="2880000"/>
-            <a:ext cx="1328760" cy="934560"/>
+            <a:ext cx="1328400" cy="934200"/>
           </a:xfrm>
           <a:prstGeom prst="rect">
             <a:avLst/>
@@ -15987,14 +15928,14 @@
       </p:sp>
       <p:sp>
         <p:nvSpPr>
-          <p:cNvPr id="263" name="CustomShape 14"/>
+          <p:cNvPr id="257" name="CustomShape 14"/>
           <p:cNvSpPr/>
           <p:nvPr/>
         </p:nvSpPr>
         <p:spPr>
           <a:xfrm>
             <a:off x="650520" y="3096000"/>
-            <a:ext cx="1294560" cy="934560"/>
+            <a:ext cx="1294200" cy="934200"/>
           </a:xfrm>
           <a:prstGeom prst="rect">
             <a:avLst/>
@@ -16017,14 +15958,14 @@
       </p:sp>
       <p:sp>
         <p:nvSpPr>
-          <p:cNvPr id="264" name="CustomShape 15"/>
+          <p:cNvPr id="258" name="CustomShape 15"/>
           <p:cNvSpPr/>
           <p:nvPr/>
         </p:nvSpPr>
         <p:spPr>
           <a:xfrm>
             <a:off x="3170520" y="2160000"/>
-            <a:ext cx="2518920" cy="2519280"/>
+            <a:ext cx="2518560" cy="2518920"/>
           </a:xfrm>
           <a:prstGeom prst="rect">
             <a:avLst/>
@@ -16047,14 +15988,14 @@
       </p:sp>
       <p:sp>
         <p:nvSpPr>
-          <p:cNvPr id="265" name="CustomShape 16"/>
+          <p:cNvPr id="259" name="CustomShape 16"/>
           <p:cNvSpPr/>
           <p:nvPr/>
         </p:nvSpPr>
         <p:spPr>
           <a:xfrm>
             <a:off x="3198240" y="1152000"/>
-            <a:ext cx="2489040" cy="863280"/>
+            <a:ext cx="2488680" cy="862920"/>
           </a:xfrm>
           <a:prstGeom prst="rect">
             <a:avLst/>
@@ -16106,7 +16047,7 @@
       </p:sp>
       <p:sp>
         <p:nvSpPr>
-          <p:cNvPr id="266" name="Line 17"/>
+          <p:cNvPr id="260" name="Line 17"/>
           <p:cNvSpPr/>
           <p:nvPr/>
         </p:nvSpPr>
@@ -16135,14 +16076,14 @@
       </p:sp>
       <p:sp>
         <p:nvSpPr>
-          <p:cNvPr id="267" name="CustomShape 18"/>
+          <p:cNvPr id="261" name="CustomShape 18"/>
           <p:cNvSpPr/>
           <p:nvPr/>
         </p:nvSpPr>
         <p:spPr>
           <a:xfrm>
             <a:off x="146520" y="936000"/>
-            <a:ext cx="1903680" cy="601560"/>
+            <a:ext cx="1903320" cy="601200"/>
           </a:xfrm>
           <a:prstGeom prst="rect">
             <a:avLst/>
@@ -16190,14 +16131,14 @@
       </p:sp>
       <p:sp>
         <p:nvSpPr>
-          <p:cNvPr id="268" name="CustomShape 19"/>
+          <p:cNvPr id="262" name="CustomShape 19"/>
           <p:cNvSpPr/>
           <p:nvPr/>
         </p:nvSpPr>
         <p:spPr>
           <a:xfrm>
             <a:off x="688320" y="1842480"/>
-            <a:ext cx="7772040" cy="2232000"/>
+            <a:ext cx="7771680" cy="2231640"/>
           </a:xfrm>
           <a:prstGeom prst="rect">
             <a:avLst/>
@@ -16216,14 +16157,14 @@
       </p:sp>
       <p:sp>
         <p:nvSpPr>
-          <p:cNvPr id="269" name="CustomShape 20"/>
+          <p:cNvPr id="263" name="CustomShape 20"/>
           <p:cNvSpPr/>
           <p:nvPr/>
         </p:nvSpPr>
         <p:spPr>
           <a:xfrm>
             <a:off x="6696720" y="1224000"/>
-            <a:ext cx="1438560" cy="1150560"/>
+            <a:ext cx="1438200" cy="1150200"/>
           </a:xfrm>
           <a:prstGeom prst="rect">
             <a:avLst/>
@@ -16319,14 +16260,14 @@
       </p:sp>
       <p:sp>
         <p:nvSpPr>
-          <p:cNvPr id="270" name="CustomShape 21"/>
+          <p:cNvPr id="264" name="CustomShape 21"/>
           <p:cNvSpPr/>
           <p:nvPr/>
         </p:nvSpPr>
         <p:spPr>
           <a:xfrm>
             <a:off x="7128720" y="3672720"/>
-            <a:ext cx="1438560" cy="1150560"/>
+            <a:ext cx="1438200" cy="1150200"/>
           </a:xfrm>
           <a:prstGeom prst="rect">
             <a:avLst/>
@@ -16349,14 +16290,14 @@
       </p:sp>
       <p:sp>
         <p:nvSpPr>
-          <p:cNvPr id="271" name="CustomShape 22"/>
+          <p:cNvPr id="265" name="CustomShape 22"/>
           <p:cNvSpPr/>
           <p:nvPr/>
         </p:nvSpPr>
         <p:spPr>
           <a:xfrm>
             <a:off x="6985440" y="3530880"/>
-            <a:ext cx="1438560" cy="1150560"/>
+            <a:ext cx="1438200" cy="1150200"/>
           </a:xfrm>
           <a:prstGeom prst="rect">
             <a:avLst/>
@@ -16379,14 +16320,14 @@
       </p:sp>
       <p:sp>
         <p:nvSpPr>
-          <p:cNvPr id="272" name="CustomShape 23"/>
+          <p:cNvPr id="266" name="CustomShape 23"/>
           <p:cNvSpPr/>
           <p:nvPr/>
         </p:nvSpPr>
         <p:spPr>
           <a:xfrm>
             <a:off x="6843960" y="3386880"/>
-            <a:ext cx="1438560" cy="1150560"/>
+            <a:ext cx="1438200" cy="1150200"/>
           </a:xfrm>
           <a:prstGeom prst="rect">
             <a:avLst/>
@@ -16482,14 +16423,14 @@
       </p:sp>
       <p:sp>
         <p:nvSpPr>
-          <p:cNvPr id="273" name="CustomShape 24"/>
+          <p:cNvPr id="267" name="CustomShape 24"/>
           <p:cNvSpPr/>
           <p:nvPr/>
         </p:nvSpPr>
         <p:spPr>
           <a:xfrm>
             <a:off x="2088000" y="2808000"/>
-            <a:ext cx="929880" cy="345600"/>
+            <a:ext cx="929520" cy="345240"/>
           </a:xfrm>
           <a:prstGeom prst="rect">
             <a:avLst/>
@@ -16526,7 +16467,7 @@
       </p:sp>
       <p:sp>
         <p:nvSpPr>
-          <p:cNvPr id="274" name="Line 25"/>
+          <p:cNvPr id="268" name="Line 25"/>
           <p:cNvSpPr/>
           <p:nvPr/>
         </p:nvSpPr>
@@ -16554,7 +16495,7 @@
       </p:sp>
       <p:sp>
         <p:nvSpPr>
-          <p:cNvPr id="275" name="Line 26"/>
+          <p:cNvPr id="269" name="Line 26"/>
           <p:cNvSpPr/>
           <p:nvPr/>
         </p:nvSpPr>
@@ -16582,7 +16523,7 @@
       </p:sp>
       <p:sp>
         <p:nvSpPr>
-          <p:cNvPr id="276" name="Line 27"/>
+          <p:cNvPr id="270" name="Line 27"/>
           <p:cNvSpPr/>
           <p:nvPr/>
         </p:nvSpPr>
@@ -16610,7 +16551,7 @@
       </p:sp>
       <p:sp>
         <p:nvSpPr>
-          <p:cNvPr id="277" name="Line 28"/>
+          <p:cNvPr id="271" name="Line 28"/>
           <p:cNvSpPr/>
           <p:nvPr/>
         </p:nvSpPr>
@@ -16638,7 +16579,7 @@
       </p:sp>
       <p:sp>
         <p:nvSpPr>
-          <p:cNvPr id="278" name="Line 29"/>
+          <p:cNvPr id="272" name="Line 29"/>
           <p:cNvSpPr/>
           <p:nvPr/>
         </p:nvSpPr>
@@ -16666,7 +16607,7 @@
       </p:sp>
       <p:sp>
         <p:nvSpPr>
-          <p:cNvPr id="279" name="Line 30"/>
+          <p:cNvPr id="273" name="Line 30"/>
           <p:cNvSpPr/>
           <p:nvPr/>
         </p:nvSpPr>
@@ -16694,14 +16635,14 @@
       </p:sp>
       <p:sp>
         <p:nvSpPr>
-          <p:cNvPr id="280" name="CustomShape 31"/>
+          <p:cNvPr id="274" name="CustomShape 31"/>
           <p:cNvSpPr/>
           <p:nvPr/>
         </p:nvSpPr>
         <p:spPr>
           <a:xfrm>
             <a:off x="5904000" y="2173680"/>
-            <a:ext cx="560880" cy="345600"/>
+            <a:ext cx="560520" cy="345240"/>
           </a:xfrm>
           <a:prstGeom prst="rect">
             <a:avLst/>
@@ -16738,14 +16679,14 @@
       </p:sp>
       <p:sp>
         <p:nvSpPr>
-          <p:cNvPr id="281" name="CustomShape 32"/>
+          <p:cNvPr id="275" name="CustomShape 32"/>
           <p:cNvSpPr/>
           <p:nvPr/>
         </p:nvSpPr>
         <p:spPr>
           <a:xfrm>
             <a:off x="6062400" y="3901680"/>
-            <a:ext cx="560880" cy="345600"/>
+            <a:ext cx="560520" cy="345240"/>
           </a:xfrm>
           <a:prstGeom prst="rect">
             <a:avLst/>
@@ -16782,14 +16723,14 @@
       </p:sp>
       <p:sp>
         <p:nvSpPr>
-          <p:cNvPr id="282" name="CustomShape 33"/>
+          <p:cNvPr id="276" name="CustomShape 33"/>
           <p:cNvSpPr/>
           <p:nvPr/>
         </p:nvSpPr>
         <p:spPr>
           <a:xfrm>
             <a:off x="3240000" y="5256000"/>
-            <a:ext cx="2663280" cy="863280"/>
+            <a:ext cx="2662920" cy="862920"/>
           </a:xfrm>
           <a:prstGeom prst="rect">
             <a:avLst/>
@@ -16875,14 +16816,14 @@
       </p:sp>
       <p:sp>
         <p:nvSpPr>
-          <p:cNvPr id="283" name="CustomShape 34"/>
+          <p:cNvPr id="277" name="CustomShape 34"/>
           <p:cNvSpPr/>
           <p:nvPr/>
         </p:nvSpPr>
         <p:spPr>
           <a:xfrm>
             <a:off x="3672000" y="2880000"/>
-            <a:ext cx="1439280" cy="1511280"/>
+            <a:ext cx="1438920" cy="1510920"/>
           </a:xfrm>
           <a:custGeom>
             <a:avLst/>
@@ -17114,7 +17055,7 @@
       </p:sp>
       <p:sp>
         <p:nvSpPr>
-          <p:cNvPr id="284" name="Line 35"/>
+          <p:cNvPr id="278" name="Line 35"/>
           <p:cNvSpPr/>
           <p:nvPr/>
         </p:nvSpPr>
@@ -17142,7 +17083,7 @@
       </p:sp>
       <p:sp>
         <p:nvSpPr>
-          <p:cNvPr id="285" name="Line 36"/>
+          <p:cNvPr id="279" name="Line 36"/>
           <p:cNvSpPr/>
           <p:nvPr/>
         </p:nvSpPr>
@@ -17170,14 +17111,14 @@
       </p:sp>
       <p:sp>
         <p:nvSpPr>
-          <p:cNvPr id="286" name="CustomShape 37"/>
+          <p:cNvPr id="280" name="CustomShape 37"/>
           <p:cNvSpPr/>
           <p:nvPr/>
         </p:nvSpPr>
         <p:spPr>
           <a:xfrm>
             <a:off x="288000" y="4752000"/>
-            <a:ext cx="2718720" cy="1881360"/>
+            <a:ext cx="2718360" cy="1881000"/>
           </a:xfrm>
           <a:prstGeom prst="rect">
             <a:avLst/>
@@ -17430,14 +17371,14 @@
       </p:grpSpPr>
       <p:sp>
         <p:nvSpPr>
-          <p:cNvPr id="287" name="CustomShape 1"/>
+          <p:cNvPr id="281" name="CustomShape 1"/>
           <p:cNvSpPr/>
           <p:nvPr/>
         </p:nvSpPr>
         <p:spPr>
           <a:xfrm>
             <a:off x="704880" y="1684080"/>
-            <a:ext cx="7772040" cy="2232000"/>
+            <a:ext cx="7771680" cy="2231640"/>
           </a:xfrm>
           <a:prstGeom prst="rect">
             <a:avLst/>
@@ -17456,14 +17397,14 @@
       </p:sp>
       <p:sp>
         <p:nvSpPr>
-          <p:cNvPr id="288" name="CustomShape 2"/>
+          <p:cNvPr id="282" name="CustomShape 2"/>
           <p:cNvSpPr/>
           <p:nvPr/>
         </p:nvSpPr>
         <p:spPr>
           <a:xfrm>
             <a:off x="457560" y="116640"/>
-            <a:ext cx="8227800" cy="460800"/>
+            <a:ext cx="8227440" cy="460440"/>
           </a:xfrm>
           <a:prstGeom prst="rect">
             <a:avLst/>
@@ -17552,14 +17493,14 @@
       </p:sp>
       <p:sp>
         <p:nvSpPr>
-          <p:cNvPr id="289" name="CustomShape 3"/>
+          <p:cNvPr id="283" name="CustomShape 3"/>
           <p:cNvSpPr/>
           <p:nvPr/>
         </p:nvSpPr>
         <p:spPr>
           <a:xfrm>
             <a:off x="707400" y="1684080"/>
-            <a:ext cx="7772040" cy="2232000"/>
+            <a:ext cx="7771680" cy="2231640"/>
           </a:xfrm>
           <a:prstGeom prst="rect">
             <a:avLst/>
@@ -17578,14 +17519,14 @@
       </p:sp>
       <p:sp>
         <p:nvSpPr>
-          <p:cNvPr id="290" name="CustomShape 4"/>
+          <p:cNvPr id="284" name="CustomShape 4"/>
           <p:cNvSpPr/>
           <p:nvPr/>
         </p:nvSpPr>
         <p:spPr>
           <a:xfrm>
             <a:off x="417240" y="1616400"/>
-            <a:ext cx="285840" cy="357840"/>
+            <a:ext cx="285480" cy="357480"/>
           </a:xfrm>
           <a:prstGeom prst="smileyFace">
             <a:avLst>
@@ -17621,14 +17562,14 @@
       </p:sp>
       <p:sp>
         <p:nvSpPr>
-          <p:cNvPr id="291" name="CustomShape 5"/>
+          <p:cNvPr id="285" name="CustomShape 5"/>
           <p:cNvSpPr/>
           <p:nvPr/>
         </p:nvSpPr>
         <p:spPr>
           <a:xfrm>
             <a:off x="417240" y="2048400"/>
-            <a:ext cx="285840" cy="213840"/>
+            <a:ext cx="285480" cy="213480"/>
           </a:xfrm>
           <a:prstGeom prst="heart">
             <a:avLst/>
@@ -17662,14 +17603,14 @@
       </p:sp>
       <p:sp>
         <p:nvSpPr>
-          <p:cNvPr id="292" name="CustomShape 6"/>
+          <p:cNvPr id="286" name="CustomShape 6"/>
           <p:cNvSpPr/>
           <p:nvPr/>
         </p:nvSpPr>
         <p:spPr>
           <a:xfrm>
             <a:off x="775800" y="1654920"/>
-            <a:ext cx="285840" cy="357840"/>
+            <a:ext cx="285480" cy="357480"/>
           </a:xfrm>
           <a:prstGeom prst="smileyFace">
             <a:avLst>
@@ -17705,14 +17646,14 @@
       </p:sp>
       <p:sp>
         <p:nvSpPr>
-          <p:cNvPr id="293" name="CustomShape 7"/>
+          <p:cNvPr id="287" name="CustomShape 7"/>
           <p:cNvSpPr/>
           <p:nvPr/>
         </p:nvSpPr>
         <p:spPr>
           <a:xfrm>
             <a:off x="775800" y="2087280"/>
-            <a:ext cx="285840" cy="213840"/>
+            <a:ext cx="285480" cy="213480"/>
           </a:xfrm>
           <a:prstGeom prst="heart">
             <a:avLst/>
@@ -17746,14 +17687,14 @@
       </p:sp>
       <p:sp>
         <p:nvSpPr>
-          <p:cNvPr id="294" name="CustomShape 8"/>
+          <p:cNvPr id="288" name="CustomShape 8"/>
           <p:cNvSpPr/>
           <p:nvPr/>
         </p:nvSpPr>
         <p:spPr>
           <a:xfrm>
             <a:off x="569520" y="1769040"/>
-            <a:ext cx="285840" cy="357840"/>
+            <a:ext cx="285480" cy="357480"/>
           </a:xfrm>
           <a:prstGeom prst="smileyFace">
             <a:avLst>
@@ -17789,14 +17730,14 @@
       </p:sp>
       <p:sp>
         <p:nvSpPr>
-          <p:cNvPr id="295" name="CustomShape 9"/>
+          <p:cNvPr id="289" name="CustomShape 9"/>
           <p:cNvSpPr/>
           <p:nvPr/>
         </p:nvSpPr>
         <p:spPr>
           <a:xfrm>
             <a:off x="569520" y="2201040"/>
-            <a:ext cx="285840" cy="213840"/>
+            <a:ext cx="285480" cy="213480"/>
           </a:xfrm>
           <a:prstGeom prst="heart">
             <a:avLst/>
@@ -17830,14 +17771,14 @@
       </p:sp>
       <p:sp>
         <p:nvSpPr>
-          <p:cNvPr id="296" name="CustomShape 10"/>
+          <p:cNvPr id="290" name="CustomShape 10"/>
           <p:cNvSpPr/>
           <p:nvPr/>
         </p:nvSpPr>
         <p:spPr>
           <a:xfrm>
             <a:off x="237600" y="2577600"/>
-            <a:ext cx="907200" cy="934560"/>
+            <a:ext cx="906840" cy="934200"/>
           </a:xfrm>
           <a:prstGeom prst="rect">
             <a:avLst/>
@@ -17860,14 +17801,14 @@
       </p:sp>
       <p:sp>
         <p:nvSpPr>
-          <p:cNvPr id="297" name="CustomShape 11"/>
+          <p:cNvPr id="291" name="CustomShape 11"/>
           <p:cNvSpPr/>
           <p:nvPr/>
         </p:nvSpPr>
         <p:spPr>
           <a:xfrm>
             <a:off x="453600" y="2721600"/>
-            <a:ext cx="841680" cy="934560"/>
+            <a:ext cx="841320" cy="934200"/>
           </a:xfrm>
           <a:prstGeom prst="rect">
             <a:avLst/>
@@ -17890,14 +17831,14 @@
       </p:sp>
       <p:sp>
         <p:nvSpPr>
-          <p:cNvPr id="298" name="CustomShape 12"/>
+          <p:cNvPr id="292" name="CustomShape 12"/>
           <p:cNvSpPr/>
           <p:nvPr/>
         </p:nvSpPr>
         <p:spPr>
           <a:xfrm>
             <a:off x="2121840" y="944280"/>
-            <a:ext cx="1496520" cy="4102920"/>
+            <a:ext cx="1496160" cy="4102560"/>
           </a:xfrm>
           <a:prstGeom prst="rect">
             <a:avLst/>
@@ -17968,14 +17909,14 @@
       </p:sp>
       <p:sp>
         <p:nvSpPr>
-          <p:cNvPr id="299" name="CustomShape 13"/>
+          <p:cNvPr id="293" name="CustomShape 13"/>
           <p:cNvSpPr/>
           <p:nvPr/>
         </p:nvSpPr>
         <p:spPr>
           <a:xfrm>
             <a:off x="5779080" y="994320"/>
-            <a:ext cx="2087280" cy="1438560"/>
+            <a:ext cx="2086920" cy="1438200"/>
           </a:xfrm>
           <a:prstGeom prst="rect">
             <a:avLst/>
@@ -18126,14 +18067,14 @@
       </p:sp>
       <p:sp>
         <p:nvSpPr>
-          <p:cNvPr id="300" name="CustomShape 14"/>
+          <p:cNvPr id="294" name="CustomShape 14"/>
           <p:cNvSpPr/>
           <p:nvPr/>
         </p:nvSpPr>
         <p:spPr>
           <a:xfrm>
             <a:off x="5995080" y="3937680"/>
-            <a:ext cx="1727280" cy="1295280"/>
+            <a:ext cx="1726920" cy="1294920"/>
           </a:xfrm>
           <a:prstGeom prst="rect">
             <a:avLst/>
@@ -18219,14 +18160,14 @@
       </p:sp>
       <p:sp>
         <p:nvSpPr>
-          <p:cNvPr id="301" name="CustomShape 15"/>
+          <p:cNvPr id="295" name="CustomShape 15"/>
           <p:cNvSpPr/>
           <p:nvPr/>
         </p:nvSpPr>
         <p:spPr>
           <a:xfrm>
             <a:off x="8424720" y="1684080"/>
-            <a:ext cx="377640" cy="583200"/>
+            <a:ext cx="377280" cy="582840"/>
           </a:xfrm>
           <a:prstGeom prst="can">
             <a:avLst>
@@ -18273,14 +18214,14 @@
       </p:sp>
       <p:sp>
         <p:nvSpPr>
-          <p:cNvPr id="302" name="CustomShape 16"/>
+          <p:cNvPr id="296" name="CustomShape 16"/>
           <p:cNvSpPr/>
           <p:nvPr/>
         </p:nvSpPr>
         <p:spPr>
           <a:xfrm>
             <a:off x="8208720" y="4505760"/>
-            <a:ext cx="377640" cy="583200"/>
+            <a:ext cx="377280" cy="582840"/>
           </a:xfrm>
           <a:prstGeom prst="can">
             <a:avLst>
@@ -18327,7 +18268,7 @@
       </p:sp>
       <p:sp>
         <p:nvSpPr>
-          <p:cNvPr id="303" name="Line 17"/>
+          <p:cNvPr id="297" name="Line 17"/>
           <p:cNvSpPr/>
           <p:nvPr/>
         </p:nvSpPr>
@@ -18355,7 +18296,7 @@
       </p:sp>
       <p:sp>
         <p:nvSpPr>
-          <p:cNvPr id="304" name="Line 18"/>
+          <p:cNvPr id="298" name="Line 18"/>
           <p:cNvSpPr/>
           <p:nvPr/>
         </p:nvSpPr>
@@ -18383,7 +18324,7 @@
       </p:sp>
       <p:sp>
         <p:nvSpPr>
-          <p:cNvPr id="305" name="Line 19"/>
+          <p:cNvPr id="299" name="Line 19"/>
           <p:cNvSpPr/>
           <p:nvPr/>
         </p:nvSpPr>
@@ -18411,7 +18352,7 @@
       </p:sp>
       <p:sp>
         <p:nvSpPr>
-          <p:cNvPr id="306" name="Line 20"/>
+          <p:cNvPr id="300" name="Line 20"/>
           <p:cNvSpPr/>
           <p:nvPr/>
         </p:nvSpPr>
@@ -18439,14 +18380,14 @@
       </p:sp>
       <p:sp>
         <p:nvSpPr>
-          <p:cNvPr id="307" name="CustomShape 21"/>
+          <p:cNvPr id="301" name="CustomShape 21"/>
           <p:cNvSpPr/>
           <p:nvPr/>
         </p:nvSpPr>
         <p:spPr>
           <a:xfrm>
             <a:off x="3979080" y="1857600"/>
-            <a:ext cx="405720" cy="286920"/>
+            <a:ext cx="405360" cy="286560"/>
           </a:xfrm>
           <a:prstGeom prst="ellipse">
             <a:avLst/>
@@ -18492,14 +18433,14 @@
       </p:sp>
       <p:sp>
         <p:nvSpPr>
-          <p:cNvPr id="308" name="CustomShape 22"/>
+          <p:cNvPr id="302" name="CustomShape 22"/>
           <p:cNvSpPr/>
           <p:nvPr/>
         </p:nvSpPr>
         <p:spPr>
           <a:xfrm>
             <a:off x="7939080" y="1785960"/>
-            <a:ext cx="333720" cy="286920"/>
+            <a:ext cx="333360" cy="286560"/>
           </a:xfrm>
           <a:prstGeom prst="ellipse">
             <a:avLst/>
@@ -18545,14 +18486,14 @@
       </p:sp>
       <p:sp>
         <p:nvSpPr>
-          <p:cNvPr id="309" name="CustomShape 23"/>
+          <p:cNvPr id="303" name="CustomShape 23"/>
           <p:cNvSpPr/>
           <p:nvPr/>
         </p:nvSpPr>
         <p:spPr>
           <a:xfrm>
             <a:off x="4273560" y="2736000"/>
-            <a:ext cx="333720" cy="286920"/>
+            <a:ext cx="333360" cy="286560"/>
           </a:xfrm>
           <a:prstGeom prst="ellipse">
             <a:avLst/>
@@ -18598,14 +18539,14 @@
       </p:sp>
       <p:sp>
         <p:nvSpPr>
-          <p:cNvPr id="310" name="CustomShape 24"/>
+          <p:cNvPr id="304" name="CustomShape 24"/>
           <p:cNvSpPr/>
           <p:nvPr/>
         </p:nvSpPr>
         <p:spPr>
           <a:xfrm>
             <a:off x="1368000" y="3629160"/>
-            <a:ext cx="359280" cy="286920"/>
+            <a:ext cx="358920" cy="286560"/>
           </a:xfrm>
           <a:prstGeom prst="ellipse">
             <a:avLst/>
@@ -18651,14 +18592,14 @@
       </p:sp>
       <p:sp>
         <p:nvSpPr>
-          <p:cNvPr id="311" name="CustomShape 25"/>
+          <p:cNvPr id="305" name="CustomShape 25"/>
           <p:cNvSpPr/>
           <p:nvPr/>
         </p:nvSpPr>
         <p:spPr>
           <a:xfrm>
             <a:off x="5870880" y="5446080"/>
-            <a:ext cx="333720" cy="286920"/>
+            <a:ext cx="333360" cy="286560"/>
           </a:xfrm>
           <a:prstGeom prst="ellipse">
             <a:avLst/>
@@ -18704,14 +18645,14 @@
       </p:sp>
       <p:sp>
         <p:nvSpPr>
-          <p:cNvPr id="312" name="CustomShape 26"/>
+          <p:cNvPr id="306" name="CustomShape 26"/>
           <p:cNvSpPr/>
           <p:nvPr/>
         </p:nvSpPr>
         <p:spPr>
           <a:xfrm>
             <a:off x="5472000" y="3916800"/>
-            <a:ext cx="359280" cy="286920"/>
+            <a:ext cx="358920" cy="286560"/>
           </a:xfrm>
           <a:prstGeom prst="ellipse">
             <a:avLst/>
@@ -18757,14 +18698,14 @@
       </p:sp>
       <p:sp>
         <p:nvSpPr>
-          <p:cNvPr id="313" name="CustomShape 27"/>
+          <p:cNvPr id="307" name="CustomShape 27"/>
           <p:cNvSpPr/>
           <p:nvPr/>
         </p:nvSpPr>
         <p:spPr>
           <a:xfrm>
             <a:off x="1800000" y="3629160"/>
-            <a:ext cx="359280" cy="286920"/>
+            <a:ext cx="358920" cy="286560"/>
           </a:xfrm>
           <a:prstGeom prst="ellipse">
             <a:avLst/>
@@ -18810,14 +18751,14 @@
       </p:sp>
       <p:sp>
         <p:nvSpPr>
-          <p:cNvPr id="314" name="CustomShape 28"/>
+          <p:cNvPr id="308" name="CustomShape 28"/>
           <p:cNvSpPr/>
           <p:nvPr/>
         </p:nvSpPr>
         <p:spPr>
           <a:xfrm>
             <a:off x="2971080" y="5287320"/>
-            <a:ext cx="1714680" cy="601560"/>
+            <a:ext cx="1714320" cy="601200"/>
           </a:xfrm>
           <a:prstGeom prst="rect">
             <a:avLst/>
@@ -18889,14 +18830,14 @@
       </p:sp>
       <p:sp>
         <p:nvSpPr>
-          <p:cNvPr id="315" name="CustomShape 29"/>
+          <p:cNvPr id="309" name="CustomShape 29"/>
           <p:cNvSpPr/>
           <p:nvPr/>
         </p:nvSpPr>
         <p:spPr>
           <a:xfrm>
             <a:off x="72000" y="1008000"/>
-            <a:ext cx="1903680" cy="601560"/>
+            <a:ext cx="1903320" cy="601200"/>
           </a:xfrm>
           <a:prstGeom prst="rect">
             <a:avLst/>
@@ -18944,14 +18885,14 @@
       </p:sp>
       <p:sp>
         <p:nvSpPr>
-          <p:cNvPr id="316" name="CustomShape 30"/>
+          <p:cNvPr id="310" name="CustomShape 30"/>
           <p:cNvSpPr/>
           <p:nvPr/>
         </p:nvSpPr>
         <p:spPr>
           <a:xfrm>
             <a:off x="7916040" y="1008000"/>
-            <a:ext cx="1155240" cy="601560"/>
+            <a:ext cx="1154880" cy="601200"/>
           </a:xfrm>
           <a:prstGeom prst="rect">
             <a:avLst/>
@@ -19003,14 +18944,14 @@
       </p:sp>
       <p:sp>
         <p:nvSpPr>
-          <p:cNvPr id="317" name="CustomShape 31"/>
+          <p:cNvPr id="311" name="CustomShape 31"/>
           <p:cNvSpPr/>
           <p:nvPr/>
         </p:nvSpPr>
         <p:spPr>
           <a:xfrm>
             <a:off x="7863120" y="3847320"/>
-            <a:ext cx="1155240" cy="601560"/>
+            <a:ext cx="1154880" cy="601200"/>
           </a:xfrm>
           <a:prstGeom prst="rect">
             <a:avLst/>
@@ -19062,14 +19003,14 @@
       </p:sp>
       <p:sp>
         <p:nvSpPr>
-          <p:cNvPr id="318" name="CustomShape 32"/>
+          <p:cNvPr id="312" name="CustomShape 32"/>
           <p:cNvSpPr/>
           <p:nvPr/>
         </p:nvSpPr>
         <p:spPr>
           <a:xfrm>
             <a:off x="3763080" y="1255320"/>
-            <a:ext cx="2083320" cy="601560"/>
+            <a:ext cx="2082960" cy="601200"/>
           </a:xfrm>
           <a:prstGeom prst="rect">
             <a:avLst/>
@@ -19121,14 +19062,14 @@
       </p:sp>
       <p:sp>
         <p:nvSpPr>
-          <p:cNvPr id="319" name="CustomShape 33"/>
+          <p:cNvPr id="313" name="CustomShape 33"/>
           <p:cNvSpPr/>
           <p:nvPr/>
         </p:nvSpPr>
         <p:spPr>
           <a:xfrm>
             <a:off x="4613040" y="2669760"/>
-            <a:ext cx="1434240" cy="857520"/>
+            <a:ext cx="1433880" cy="857160"/>
           </a:xfrm>
           <a:prstGeom prst="rect">
             <a:avLst/>
@@ -19235,14 +19176,14 @@
       </p:sp>
       <p:sp>
         <p:nvSpPr>
-          <p:cNvPr id="320" name="CustomShape 34"/>
+          <p:cNvPr id="314" name="CustomShape 34"/>
           <p:cNvSpPr/>
           <p:nvPr/>
         </p:nvSpPr>
         <p:spPr>
           <a:xfrm>
             <a:off x="3672000" y="2245680"/>
-            <a:ext cx="675360" cy="345600"/>
+            <a:ext cx="675000" cy="345240"/>
           </a:xfrm>
           <a:prstGeom prst="rect">
             <a:avLst/>
@@ -19279,7 +19220,7 @@
       </p:sp>
       <p:sp>
         <p:nvSpPr>
-          <p:cNvPr id="321" name="Line 35"/>
+          <p:cNvPr id="315" name="Line 35"/>
           <p:cNvSpPr/>
           <p:nvPr/>
         </p:nvSpPr>
@@ -19306,7 +19247,7 @@
       </p:sp>
       <p:sp>
         <p:nvSpPr>
-          <p:cNvPr id="322" name="Line 36"/>
+          <p:cNvPr id="316" name="Line 36"/>
           <p:cNvSpPr/>
           <p:nvPr/>
         </p:nvSpPr>
@@ -19334,14 +19275,14 @@
       </p:sp>
       <p:sp>
         <p:nvSpPr>
-          <p:cNvPr id="323" name="CustomShape 37"/>
+          <p:cNvPr id="317" name="CustomShape 37"/>
           <p:cNvSpPr/>
           <p:nvPr/>
         </p:nvSpPr>
         <p:spPr>
           <a:xfrm>
             <a:off x="334080" y="3965760"/>
-            <a:ext cx="1891440" cy="1369440"/>
+            <a:ext cx="1891080" cy="1369080"/>
           </a:xfrm>
           <a:prstGeom prst="rect">
             <a:avLst/>
@@ -19464,7 +19405,7 @@
       </p:sp>
       <p:sp>
         <p:nvSpPr>
-          <p:cNvPr id="324" name="Line 38"/>
+          <p:cNvPr id="318" name="Line 38"/>
           <p:cNvSpPr/>
           <p:nvPr/>
         </p:nvSpPr>
@@ -19492,14 +19433,14 @@
       </p:sp>
       <p:sp>
         <p:nvSpPr>
-          <p:cNvPr id="325" name="CustomShape 39"/>
+          <p:cNvPr id="319" name="CustomShape 39"/>
           <p:cNvSpPr/>
           <p:nvPr/>
         </p:nvSpPr>
         <p:spPr>
           <a:xfrm>
             <a:off x="3572640" y="5097600"/>
-            <a:ext cx="333720" cy="286920"/>
+            <a:ext cx="333360" cy="286560"/>
           </a:xfrm>
           <a:prstGeom prst="ellipse">
             <a:avLst/>
@@ -19545,14 +19486,14 @@
       </p:sp>
       <p:sp>
         <p:nvSpPr>
-          <p:cNvPr id="326" name="CustomShape 40"/>
+          <p:cNvPr id="320" name="CustomShape 40"/>
           <p:cNvSpPr/>
           <p:nvPr/>
         </p:nvSpPr>
         <p:spPr>
           <a:xfrm>
             <a:off x="3566520" y="4117680"/>
-            <a:ext cx="1400760" cy="601560"/>
+            <a:ext cx="1400400" cy="601200"/>
           </a:xfrm>
           <a:prstGeom prst="rect">
             <a:avLst/>
@@ -19604,14 +19545,14 @@
       </p:sp>
       <p:sp>
         <p:nvSpPr>
-          <p:cNvPr id="327" name="CustomShape 41"/>
+          <p:cNvPr id="321" name="CustomShape 41"/>
           <p:cNvSpPr/>
           <p:nvPr/>
         </p:nvSpPr>
         <p:spPr>
           <a:xfrm>
             <a:off x="6302880" y="5373720"/>
-            <a:ext cx="2478240" cy="601560"/>
+            <a:ext cx="2477880" cy="601200"/>
           </a:xfrm>
           <a:prstGeom prst="rect">
             <a:avLst/>
@@ -19689,14 +19630,14 @@
       </p:sp>
       <p:sp>
         <p:nvSpPr>
-          <p:cNvPr id="328" name="CustomShape 42"/>
+          <p:cNvPr id="322" name="CustomShape 42"/>
           <p:cNvSpPr/>
           <p:nvPr/>
         </p:nvSpPr>
         <p:spPr>
           <a:xfrm>
             <a:off x="7795080" y="4593600"/>
-            <a:ext cx="333720" cy="286920"/>
+            <a:ext cx="333360" cy="286560"/>
           </a:xfrm>
           <a:prstGeom prst="ellipse">
             <a:avLst/>
@@ -19742,14 +19683,14 @@
       </p:sp>
       <p:sp>
         <p:nvSpPr>
-          <p:cNvPr id="329" name="CustomShape 43"/>
+          <p:cNvPr id="323" name="CustomShape 43"/>
           <p:cNvSpPr/>
           <p:nvPr/>
         </p:nvSpPr>
         <p:spPr>
           <a:xfrm>
             <a:off x="576000" y="3240000"/>
-            <a:ext cx="333720" cy="286920"/>
+            <a:ext cx="333360" cy="286560"/>
           </a:xfrm>
           <a:prstGeom prst="ellipse">
             <a:avLst/>
@@ -19795,14 +19736,14 @@
       </p:sp>
       <p:sp>
         <p:nvSpPr>
-          <p:cNvPr id="330" name="CustomShape 44"/>
+          <p:cNvPr id="324" name="CustomShape 44"/>
           <p:cNvSpPr/>
           <p:nvPr/>
         </p:nvSpPr>
         <p:spPr>
           <a:xfrm>
             <a:off x="288000" y="6120000"/>
-            <a:ext cx="7798320" cy="601560"/>
+            <a:ext cx="7797960" cy="601200"/>
           </a:xfrm>
           <a:prstGeom prst="rect">
             <a:avLst/>
@@ -19854,7 +19795,7 @@
       </p:sp>
       <p:sp>
         <p:nvSpPr>
-          <p:cNvPr id="331" name="Line 45"/>
+          <p:cNvPr id="325" name="Line 45"/>
           <p:cNvSpPr/>
           <p:nvPr/>
         </p:nvSpPr>
@@ -19882,14 +19823,14 @@
       </p:sp>
       <p:sp>
         <p:nvSpPr>
-          <p:cNvPr id="332" name="CustomShape 46"/>
+          <p:cNvPr id="326" name="CustomShape 46"/>
           <p:cNvSpPr/>
           <p:nvPr/>
         </p:nvSpPr>
         <p:spPr>
           <a:xfrm>
             <a:off x="3121560" y="4032000"/>
-            <a:ext cx="333720" cy="286920"/>
+            <a:ext cx="333360" cy="286560"/>
           </a:xfrm>
           <a:prstGeom prst="ellipse">
             <a:avLst/>
@@ -19935,7 +19876,7 @@
       </p:sp>
       <p:sp>
         <p:nvSpPr>
-          <p:cNvPr id="333" name="Line 47"/>
+          <p:cNvPr id="327" name="Line 47"/>
           <p:cNvSpPr/>
           <p:nvPr/>
         </p:nvSpPr>
@@ -19962,14 +19903,14 @@
       </p:sp>
       <p:sp>
         <p:nvSpPr>
-          <p:cNvPr id="334" name="CustomShape 48"/>
+          <p:cNvPr id="328" name="CustomShape 48"/>
           <p:cNvSpPr/>
           <p:nvPr/>
         </p:nvSpPr>
         <p:spPr>
           <a:xfrm>
             <a:off x="1368000" y="3181680"/>
-            <a:ext cx="675360" cy="345600"/>
+            <a:ext cx="675000" cy="345240"/>
           </a:xfrm>
           <a:prstGeom prst="rect">
             <a:avLst/>
@@ -20006,14 +19947,14 @@
       </p:sp>
       <p:sp>
         <p:nvSpPr>
-          <p:cNvPr id="335" name="CustomShape 49"/>
+          <p:cNvPr id="329" name="CustomShape 49"/>
           <p:cNvSpPr/>
           <p:nvPr/>
         </p:nvSpPr>
         <p:spPr>
           <a:xfrm>
             <a:off x="2448000" y="4752000"/>
-            <a:ext cx="359280" cy="286920"/>
+            <a:ext cx="358920" cy="286560"/>
           </a:xfrm>
           <a:prstGeom prst="ellipse">
             <a:avLst/>
@@ -20108,14 +20049,14 @@
       </p:grpSpPr>
       <p:sp>
         <p:nvSpPr>
-          <p:cNvPr id="336" name="CustomShape 1"/>
+          <p:cNvPr id="330" name="CustomShape 1"/>
           <p:cNvSpPr/>
           <p:nvPr/>
         </p:nvSpPr>
         <p:spPr>
           <a:xfrm>
             <a:off x="685800" y="2130480"/>
-            <a:ext cx="7772040" cy="2232000"/>
+            <a:ext cx="7771680" cy="2231640"/>
           </a:xfrm>
           <a:prstGeom prst="rect">
             <a:avLst/>
@@ -20134,14 +20075,14 @@
       </p:sp>
       <p:sp>
         <p:nvSpPr>
-          <p:cNvPr id="337" name="CustomShape 2"/>
+          <p:cNvPr id="331" name="CustomShape 2"/>
           <p:cNvSpPr/>
           <p:nvPr/>
         </p:nvSpPr>
         <p:spPr>
           <a:xfrm>
             <a:off x="457560" y="116640"/>
-            <a:ext cx="8227800" cy="460800"/>
+            <a:ext cx="8227440" cy="460440"/>
           </a:xfrm>
           <a:prstGeom prst="rect">
             <a:avLst/>
@@ -20186,14 +20127,14 @@
       </p:sp>
       <p:sp>
         <p:nvSpPr>
-          <p:cNvPr id="338" name="CustomShape 3"/>
+          <p:cNvPr id="332" name="CustomShape 3"/>
           <p:cNvSpPr/>
           <p:nvPr/>
         </p:nvSpPr>
         <p:spPr>
           <a:xfrm>
             <a:off x="688320" y="2130480"/>
-            <a:ext cx="7772040" cy="2232000"/>
+            <a:ext cx="7771680" cy="2231640"/>
           </a:xfrm>
           <a:prstGeom prst="rect">
             <a:avLst/>
@@ -20212,14 +20153,14 @@
       </p:sp>
       <p:sp>
         <p:nvSpPr>
-          <p:cNvPr id="339" name="CustomShape 4"/>
+          <p:cNvPr id="333" name="CustomShape 4"/>
           <p:cNvSpPr/>
           <p:nvPr/>
         </p:nvSpPr>
         <p:spPr>
           <a:xfrm>
             <a:off x="398160" y="2062800"/>
-            <a:ext cx="285840" cy="357840"/>
+            <a:ext cx="285480" cy="357480"/>
           </a:xfrm>
           <a:prstGeom prst="smileyFace">
             <a:avLst>
@@ -20255,14 +20196,14 @@
       </p:sp>
       <p:sp>
         <p:nvSpPr>
-          <p:cNvPr id="340" name="CustomShape 5"/>
+          <p:cNvPr id="334" name="CustomShape 5"/>
           <p:cNvSpPr/>
           <p:nvPr/>
         </p:nvSpPr>
         <p:spPr>
           <a:xfrm>
             <a:off x="398160" y="2494800"/>
-            <a:ext cx="285840" cy="213840"/>
+            <a:ext cx="285480" cy="213480"/>
           </a:xfrm>
           <a:prstGeom prst="heart">
             <a:avLst/>
@@ -20296,14 +20237,14 @@
       </p:sp>
       <p:sp>
         <p:nvSpPr>
-          <p:cNvPr id="341" name="CustomShape 6"/>
+          <p:cNvPr id="335" name="CustomShape 6"/>
           <p:cNvSpPr/>
           <p:nvPr/>
         </p:nvSpPr>
         <p:spPr>
           <a:xfrm>
             <a:off x="756720" y="2101320"/>
-            <a:ext cx="285840" cy="357840"/>
+            <a:ext cx="285480" cy="357480"/>
           </a:xfrm>
           <a:prstGeom prst="smileyFace">
             <a:avLst>
@@ -20339,14 +20280,14 @@
       </p:sp>
       <p:sp>
         <p:nvSpPr>
-          <p:cNvPr id="342" name="CustomShape 7"/>
+          <p:cNvPr id="336" name="CustomShape 7"/>
           <p:cNvSpPr/>
           <p:nvPr/>
         </p:nvSpPr>
         <p:spPr>
           <a:xfrm>
             <a:off x="756720" y="2533680"/>
-            <a:ext cx="285840" cy="213840"/>
+            <a:ext cx="285480" cy="213480"/>
           </a:xfrm>
           <a:prstGeom prst="heart">
             <a:avLst/>
@@ -20380,14 +20321,14 @@
       </p:sp>
       <p:sp>
         <p:nvSpPr>
-          <p:cNvPr id="343" name="CustomShape 8"/>
+          <p:cNvPr id="337" name="CustomShape 8"/>
           <p:cNvSpPr/>
           <p:nvPr/>
         </p:nvSpPr>
         <p:spPr>
           <a:xfrm>
             <a:off x="550440" y="2215440"/>
-            <a:ext cx="285840" cy="357840"/>
+            <a:ext cx="285480" cy="357480"/>
           </a:xfrm>
           <a:prstGeom prst="smileyFace">
             <a:avLst>
@@ -20423,14 +20364,14 @@
       </p:sp>
       <p:sp>
         <p:nvSpPr>
-          <p:cNvPr id="344" name="CustomShape 9"/>
+          <p:cNvPr id="338" name="CustomShape 9"/>
           <p:cNvSpPr/>
           <p:nvPr/>
         </p:nvSpPr>
         <p:spPr>
           <a:xfrm>
             <a:off x="550440" y="2647440"/>
-            <a:ext cx="285840" cy="213840"/>
+            <a:ext cx="285480" cy="213480"/>
           </a:xfrm>
           <a:prstGeom prst="heart">
             <a:avLst/>
@@ -20464,14 +20405,14 @@
       </p:sp>
       <p:sp>
         <p:nvSpPr>
-          <p:cNvPr id="345" name="CustomShape 10"/>
+          <p:cNvPr id="339" name="CustomShape 10"/>
           <p:cNvSpPr/>
           <p:nvPr/>
         </p:nvSpPr>
         <p:spPr>
           <a:xfrm>
             <a:off x="218520" y="3024000"/>
-            <a:ext cx="932760" cy="934560"/>
+            <a:ext cx="932400" cy="934200"/>
           </a:xfrm>
           <a:prstGeom prst="rect">
             <a:avLst/>
@@ -20494,14 +20435,14 @@
       </p:sp>
       <p:sp>
         <p:nvSpPr>
-          <p:cNvPr id="346" name="CustomShape 11"/>
+          <p:cNvPr id="340" name="CustomShape 11"/>
           <p:cNvSpPr/>
           <p:nvPr/>
         </p:nvSpPr>
         <p:spPr>
           <a:xfrm>
             <a:off x="434520" y="3168000"/>
-            <a:ext cx="932760" cy="934560"/>
+            <a:ext cx="932400" cy="934200"/>
           </a:xfrm>
           <a:prstGeom prst="rect">
             <a:avLst/>
@@ -20524,14 +20465,14 @@
       </p:sp>
       <p:sp>
         <p:nvSpPr>
-          <p:cNvPr id="347" name="CustomShape 12"/>
+          <p:cNvPr id="341" name="CustomShape 12"/>
           <p:cNvSpPr/>
           <p:nvPr/>
         </p:nvSpPr>
         <p:spPr>
           <a:xfrm>
             <a:off x="4896000" y="1368000"/>
-            <a:ext cx="1871280" cy="761760"/>
+            <a:ext cx="1870920" cy="761400"/>
           </a:xfrm>
           <a:prstGeom prst="rect">
             <a:avLst/>
@@ -20592,14 +20533,14 @@
       </p:sp>
       <p:sp>
         <p:nvSpPr>
-          <p:cNvPr id="348" name="CustomShape 13"/>
+          <p:cNvPr id="342" name="CustomShape 13"/>
           <p:cNvSpPr/>
           <p:nvPr/>
         </p:nvSpPr>
         <p:spPr>
           <a:xfrm>
             <a:off x="1584720" y="4536000"/>
-            <a:ext cx="1582560" cy="1295280"/>
+            <a:ext cx="1582200" cy="1294920"/>
           </a:xfrm>
           <a:custGeom>
             <a:avLst/>
@@ -20717,14 +20658,14 @@
       </p:sp>
       <p:sp>
         <p:nvSpPr>
-          <p:cNvPr id="349" name="CustomShape 14"/>
+          <p:cNvPr id="343" name="CustomShape 14"/>
           <p:cNvSpPr/>
           <p:nvPr/>
         </p:nvSpPr>
         <p:spPr>
           <a:xfrm>
             <a:off x="146520" y="1224000"/>
-            <a:ext cx="1903680" cy="601560"/>
+            <a:ext cx="1903320" cy="601200"/>
           </a:xfrm>
           <a:prstGeom prst="rect">
             <a:avLst/>
@@ -20772,14 +20713,14 @@
       </p:sp>
       <p:sp>
         <p:nvSpPr>
-          <p:cNvPr id="350" name="CustomShape 15"/>
+          <p:cNvPr id="344" name="CustomShape 15"/>
           <p:cNvSpPr/>
           <p:nvPr/>
         </p:nvSpPr>
         <p:spPr>
           <a:xfrm>
             <a:off x="4032000" y="3168720"/>
-            <a:ext cx="1655280" cy="1726560"/>
+            <a:ext cx="1654920" cy="1726200"/>
           </a:xfrm>
           <a:custGeom>
             <a:avLst/>
@@ -20927,14 +20868,14 @@
       </p:sp>
       <p:sp>
         <p:nvSpPr>
-          <p:cNvPr id="351" name="CustomShape 16"/>
+          <p:cNvPr id="345" name="CustomShape 16"/>
           <p:cNvSpPr/>
           <p:nvPr/>
         </p:nvSpPr>
         <p:spPr>
           <a:xfrm>
             <a:off x="7200000" y="1368000"/>
-            <a:ext cx="1582560" cy="790560"/>
+            <a:ext cx="1582200" cy="790200"/>
           </a:xfrm>
           <a:prstGeom prst="rect">
             <a:avLst/>
@@ -20995,14 +20936,14 @@
       </p:sp>
       <p:sp>
         <p:nvSpPr>
-          <p:cNvPr id="352" name="CustomShape 17"/>
+          <p:cNvPr id="346" name="CustomShape 17"/>
           <p:cNvSpPr/>
           <p:nvPr/>
         </p:nvSpPr>
         <p:spPr>
           <a:xfrm>
             <a:off x="6696720" y="2923200"/>
-            <a:ext cx="1582560" cy="1036080"/>
+            <a:ext cx="1582200" cy="1035720"/>
           </a:xfrm>
           <a:custGeom>
             <a:avLst/>
@@ -21120,7 +21061,7 @@
       </p:sp>
       <p:sp>
         <p:nvSpPr>
-          <p:cNvPr id="353" name="Line 18"/>
+          <p:cNvPr id="347" name="Line 18"/>
           <p:cNvSpPr/>
           <p:nvPr/>
         </p:nvSpPr>
@@ -21150,7 +21091,7 @@
       </p:sp>
       <p:sp>
         <p:nvSpPr>
-          <p:cNvPr id="354" name="Line 19"/>
+          <p:cNvPr id="348" name="Line 19"/>
           <p:cNvSpPr/>
           <p:nvPr/>
         </p:nvSpPr>
@@ -21180,7 +21121,7 @@
       </p:sp>
       <p:sp>
         <p:nvSpPr>
-          <p:cNvPr id="355" name="Line 20"/>
+          <p:cNvPr id="349" name="Line 20"/>
           <p:cNvSpPr/>
           <p:nvPr/>
         </p:nvSpPr>
@@ -21210,7 +21151,7 @@
       </p:sp>
       <p:sp>
         <p:nvSpPr>
-          <p:cNvPr id="356" name="Line 21"/>
+          <p:cNvPr id="350" name="Line 21"/>
           <p:cNvSpPr/>
           <p:nvPr/>
         </p:nvSpPr>
@@ -21240,7 +21181,7 @@
       </p:sp>
       <p:sp>
         <p:nvSpPr>
-          <p:cNvPr id="357" name="Line 22"/>
+          <p:cNvPr id="351" name="Line 22"/>
           <p:cNvSpPr/>
           <p:nvPr/>
         </p:nvSpPr>
@@ -21270,14 +21211,14 @@
       </p:sp>
       <p:sp>
         <p:nvSpPr>
-          <p:cNvPr id="358" name="CustomShape 23"/>
+          <p:cNvPr id="352" name="CustomShape 23"/>
           <p:cNvSpPr/>
           <p:nvPr/>
         </p:nvSpPr>
         <p:spPr>
           <a:xfrm>
             <a:off x="1584000" y="3960000"/>
-            <a:ext cx="929880" cy="345600"/>
+            <a:ext cx="929520" cy="345240"/>
           </a:xfrm>
           <a:prstGeom prst="rect">
             <a:avLst/>
@@ -21314,14 +21255,14 @@
       </p:sp>
       <p:sp>
         <p:nvSpPr>
-          <p:cNvPr id="359" name="CustomShape 24"/>
+          <p:cNvPr id="353" name="CustomShape 24"/>
           <p:cNvSpPr/>
           <p:nvPr/>
         </p:nvSpPr>
         <p:spPr>
           <a:xfrm>
             <a:off x="3173400" y="4608000"/>
-            <a:ext cx="929880" cy="345600"/>
+            <a:ext cx="929520" cy="345240"/>
           </a:xfrm>
           <a:prstGeom prst="rect">
             <a:avLst/>
@@ -21358,14 +21299,14 @@
       </p:sp>
       <p:sp>
         <p:nvSpPr>
-          <p:cNvPr id="360" name="CustomShape 25"/>
+          <p:cNvPr id="354" name="CustomShape 25"/>
           <p:cNvSpPr/>
           <p:nvPr/>
         </p:nvSpPr>
         <p:spPr>
           <a:xfrm>
             <a:off x="5909400" y="4189680"/>
-            <a:ext cx="777240" cy="345600"/>
+            <a:ext cx="776880" cy="345240"/>
           </a:xfrm>
           <a:prstGeom prst="rect">
             <a:avLst/>
@@ -21402,14 +21343,14 @@
       </p:sp>
       <p:sp>
         <p:nvSpPr>
-          <p:cNvPr id="361" name="CustomShape 26"/>
+          <p:cNvPr id="355" name="CustomShape 26"/>
           <p:cNvSpPr/>
           <p:nvPr/>
         </p:nvSpPr>
         <p:spPr>
           <a:xfrm>
             <a:off x="5630040" y="2533680"/>
-            <a:ext cx="777240" cy="345600"/>
+            <a:ext cx="776880" cy="345240"/>
           </a:xfrm>
           <a:prstGeom prst="rect">
             <a:avLst/>
@@ -21446,14 +21387,14 @@
       </p:sp>
       <p:sp>
         <p:nvSpPr>
-          <p:cNvPr id="362" name="CustomShape 27"/>
+          <p:cNvPr id="356" name="CustomShape 27"/>
           <p:cNvSpPr/>
           <p:nvPr/>
         </p:nvSpPr>
         <p:spPr>
           <a:xfrm>
             <a:off x="8150040" y="2520000"/>
-            <a:ext cx="777240" cy="345600"/>
+            <a:ext cx="776880" cy="345240"/>
           </a:xfrm>
           <a:prstGeom prst="rect">
             <a:avLst/>
@@ -21490,14 +21431,14 @@
       </p:sp>
       <p:sp>
         <p:nvSpPr>
-          <p:cNvPr id="363" name="CustomShape 28"/>
+          <p:cNvPr id="357" name="CustomShape 28"/>
           <p:cNvSpPr/>
           <p:nvPr/>
         </p:nvSpPr>
         <p:spPr>
           <a:xfrm>
             <a:off x="5976000" y="5112000"/>
-            <a:ext cx="2015280" cy="719280"/>
+            <a:ext cx="2014920" cy="718920"/>
           </a:xfrm>
           <a:prstGeom prst="rect">
             <a:avLst/>
@@ -21571,7 +21512,7 @@
       </p:sp>
       <p:sp>
         <p:nvSpPr>
-          <p:cNvPr id="364" name="Line 29"/>
+          <p:cNvPr id="358" name="Line 29"/>
           <p:cNvSpPr/>
           <p:nvPr/>
         </p:nvSpPr>
@@ -21598,7 +21539,7 @@
       </p:sp>
       <p:sp>
         <p:nvSpPr>
-          <p:cNvPr id="365" name="Line 30"/>
+          <p:cNvPr id="359" name="Line 30"/>
           <p:cNvSpPr/>
           <p:nvPr/>
         </p:nvSpPr>
@@ -21626,14 +21567,14 @@
       </p:sp>
       <p:sp>
         <p:nvSpPr>
-          <p:cNvPr id="366" name="CustomShape 31"/>
+          <p:cNvPr id="360" name="CustomShape 31"/>
           <p:cNvSpPr/>
           <p:nvPr/>
         </p:nvSpPr>
         <p:spPr>
           <a:xfrm>
             <a:off x="3530520" y="5688000"/>
-            <a:ext cx="3020760" cy="857520"/>
+            <a:ext cx="3020400" cy="857160"/>
           </a:xfrm>
           <a:prstGeom prst="rect">
             <a:avLst/>
@@ -21700,14 +21641,14 @@
       </p:sp>
       <p:sp>
         <p:nvSpPr>
-          <p:cNvPr id="367" name="CustomShape 32"/>
+          <p:cNvPr id="361" name="CustomShape 32"/>
           <p:cNvSpPr/>
           <p:nvPr/>
         </p:nvSpPr>
         <p:spPr>
           <a:xfrm>
             <a:off x="216000" y="6264000"/>
-            <a:ext cx="1859400" cy="345600"/>
+            <a:ext cx="1859040" cy="345240"/>
           </a:xfrm>
           <a:prstGeom prst="rect">
             <a:avLst/>
@@ -21793,14 +21734,14 @@
       </p:grpSpPr>
       <p:sp>
         <p:nvSpPr>
-          <p:cNvPr id="368" name="CustomShape 1"/>
+          <p:cNvPr id="362" name="CustomShape 1"/>
           <p:cNvSpPr/>
           <p:nvPr/>
         </p:nvSpPr>
         <p:spPr>
           <a:xfrm>
             <a:off x="685800" y="2130480"/>
-            <a:ext cx="7772040" cy="2232000"/>
+            <a:ext cx="7771680" cy="2231640"/>
           </a:xfrm>
           <a:prstGeom prst="rect">
             <a:avLst/>
@@ -21819,14 +21760,14 @@
       </p:sp>
       <p:sp>
         <p:nvSpPr>
-          <p:cNvPr id="369" name="CustomShape 2"/>
+          <p:cNvPr id="363" name="CustomShape 2"/>
           <p:cNvSpPr/>
           <p:nvPr/>
         </p:nvSpPr>
         <p:spPr>
           <a:xfrm>
             <a:off x="457560" y="116640"/>
-            <a:ext cx="8227800" cy="460800"/>
+            <a:ext cx="8227440" cy="460440"/>
           </a:xfrm>
           <a:prstGeom prst="rect">
             <a:avLst/>
@@ -21871,7 +21812,7 @@
       </p:sp>
       <p:pic>
         <p:nvPicPr>
-          <p:cNvPr id="370" name="" descr=""/>
+          <p:cNvPr id="364" name="" descr=""/>
           <p:cNvPicPr/>
           <p:nvPr/>
         </p:nvPicPr>
@@ -21882,7 +21823,7 @@
         <p:spPr>
           <a:xfrm>
             <a:off x="825120" y="961200"/>
-            <a:ext cx="7454160" cy="5590080"/>
+            <a:ext cx="7453800" cy="5589720"/>
           </a:xfrm>
           <a:prstGeom prst="rect">
             <a:avLst/>
@@ -21943,14 +21884,14 @@
       </p:grpSpPr>
       <p:sp>
         <p:nvSpPr>
-          <p:cNvPr id="371" name="CustomShape 1"/>
+          <p:cNvPr id="365" name="CustomShape 1"/>
           <p:cNvSpPr/>
           <p:nvPr/>
         </p:nvSpPr>
         <p:spPr>
           <a:xfrm>
             <a:off x="685800" y="2130480"/>
-            <a:ext cx="7772040" cy="2232000"/>
+            <a:ext cx="7771680" cy="2231640"/>
           </a:xfrm>
           <a:prstGeom prst="rect">
             <a:avLst/>
@@ -21969,14 +21910,14 @@
       </p:sp>
       <p:sp>
         <p:nvSpPr>
-          <p:cNvPr id="372" name="CustomShape 2"/>
+          <p:cNvPr id="366" name="CustomShape 2"/>
           <p:cNvSpPr/>
           <p:nvPr/>
         </p:nvSpPr>
         <p:spPr>
           <a:xfrm>
             <a:off x="457560" y="116640"/>
-            <a:ext cx="8227800" cy="460800"/>
+            <a:ext cx="8227440" cy="460440"/>
           </a:xfrm>
           <a:prstGeom prst="rect">
             <a:avLst/>
@@ -22021,14 +21962,14 @@
       </p:sp>
       <p:sp>
         <p:nvSpPr>
-          <p:cNvPr id="373" name="CustomShape 3"/>
+          <p:cNvPr id="367" name="CustomShape 3"/>
           <p:cNvSpPr/>
           <p:nvPr/>
         </p:nvSpPr>
         <p:spPr>
           <a:xfrm>
             <a:off x="360000" y="864000"/>
-            <a:ext cx="8170200" cy="4167720"/>
+            <a:ext cx="8169840" cy="4167360"/>
           </a:xfrm>
           <a:prstGeom prst="rect">
             <a:avLst/>
